--- a/Наработки/диздоки/Бельгийское Конго/Бельгийское Конго.pptx
+++ b/Наработки/диздоки/Бельгийское Конго/Бельгийское Конго.pptx
@@ -3455,168 +3455,18 @@
       </p:grpSpPr>
       <p:sp>
         <p:nvSpPr>
-          <p:cNvPr id="454" name="Овал 453"/>
+          <p:cNvPr id="129" name="Прямоугольник 128"/>
           <p:cNvSpPr/>
           <p:nvPr/>
         </p:nvSpPr>
         <p:spPr>
           <a:xfrm>
-            <a:off x="0" y="1137237"/>
-            <a:ext cx="2806675" cy="355857"/>
-          </a:xfrm>
-          <a:prstGeom prst="ellipse">
-            <a:avLst/>
-          </a:prstGeom>
-        </p:spPr>
-        <p:style>
-          <a:lnRef idx="2">
-            <a:schemeClr val="accent1">
-              <a:shade val="50000"/>
-            </a:schemeClr>
-          </a:lnRef>
-          <a:fillRef idx="1">
-            <a:schemeClr val="accent1"/>
-          </a:fillRef>
-          <a:effectRef idx="0">
-            <a:schemeClr val="accent1"/>
-          </a:effectRef>
-          <a:fontRef idx="minor">
-            <a:schemeClr val="lt1"/>
-          </a:fontRef>
-        </p:style>
-        <p:txBody>
-          <a:bodyPr rtlCol="0" anchor="ctr"/>
-          <a:lstStyle/>
-          <a:p>
-            <a:pPr algn="ctr"/>
-            <a:r>
-              <a:rPr lang="ru-RU" dirty="0" smtClean="0"/>
-              <a:t>СОБЫТИЕ</a:t>
-            </a:r>
-            <a:endParaRPr lang="ru-RU" dirty="0"/>
-          </a:p>
-        </p:txBody>
-      </p:sp>
-      <p:cxnSp>
-        <p:nvCxnSpPr>
-          <p:cNvPr id="507" name="Прямая со стрелкой 506"/>
-          <p:cNvCxnSpPr/>
-          <p:nvPr/>
-        </p:nvCxnSpPr>
-        <p:spPr>
-          <a:xfrm>
-            <a:off x="2407628" y="2345547"/>
-            <a:ext cx="0" cy="641006"/>
-          </a:xfrm>
-          <a:prstGeom prst="straightConnector1">
-            <a:avLst/>
-          </a:prstGeom>
-          <a:ln w="28575">
-            <a:tailEnd type="arrow"/>
-          </a:ln>
-        </p:spPr>
-        <p:style>
-          <a:lnRef idx="1">
-            <a:schemeClr val="accent1"/>
-          </a:lnRef>
-          <a:fillRef idx="0">
-            <a:schemeClr val="accent1"/>
-          </a:fillRef>
-          <a:effectRef idx="0">
-            <a:schemeClr val="accent1"/>
-          </a:effectRef>
-          <a:fontRef idx="minor">
-            <a:schemeClr val="tx1"/>
-          </a:fontRef>
-        </p:style>
-      </p:cxnSp>
-      <p:cxnSp>
-        <p:nvCxnSpPr>
-          <p:cNvPr id="524" name="Соединительная линия уступом 523"/>
-          <p:cNvCxnSpPr/>
-          <p:nvPr/>
-        </p:nvCxnSpPr>
-        <p:spPr>
-          <a:xfrm>
-            <a:off x="689185" y="2421684"/>
-            <a:ext cx="1155384" cy="494940"/>
-          </a:xfrm>
-          <a:prstGeom prst="bentConnector3">
-            <a:avLst>
-              <a:gd name="adj1" fmla="val 50000"/>
-            </a:avLst>
-          </a:prstGeom>
-          <a:ln w="28575">
-            <a:tailEnd type="arrow"/>
-          </a:ln>
-        </p:spPr>
-        <p:style>
-          <a:lnRef idx="1">
-            <a:schemeClr val="accent1"/>
-          </a:lnRef>
-          <a:fillRef idx="0">
-            <a:schemeClr val="accent1"/>
-          </a:fillRef>
-          <a:effectRef idx="0">
-            <a:schemeClr val="accent1"/>
-          </a:effectRef>
-          <a:fontRef idx="minor">
-            <a:schemeClr val="tx1"/>
-          </a:fontRef>
-        </p:style>
-      </p:cxnSp>
-      <p:cxnSp>
-        <p:nvCxnSpPr>
-          <p:cNvPr id="46" name="Прямая соединительная линия 45"/>
-          <p:cNvCxnSpPr/>
-          <p:nvPr/>
-        </p:nvCxnSpPr>
-        <p:spPr>
-          <a:xfrm>
-            <a:off x="202145" y="2035344"/>
-            <a:ext cx="3214495" cy="1"/>
-          </a:xfrm>
-          <a:prstGeom prst="line">
-            <a:avLst/>
-          </a:prstGeom>
-          <a:ln w="28575">
-            <a:solidFill>
-              <a:srgbClr val="FF0000"/>
-            </a:solidFill>
-          </a:ln>
-        </p:spPr>
-        <p:style>
-          <a:lnRef idx="1">
-            <a:schemeClr val="accent1"/>
-          </a:lnRef>
-          <a:fillRef idx="0">
-            <a:schemeClr val="accent1"/>
-          </a:fillRef>
-          <a:effectRef idx="0">
-            <a:schemeClr val="accent1"/>
-          </a:effectRef>
-          <a:fontRef idx="minor">
-            <a:schemeClr val="tx1"/>
-          </a:fontRef>
-        </p:style>
-      </p:cxnSp>
-      <p:sp>
-        <p:nvSpPr>
-          <p:cNvPr id="335" name="Прямоугольник 334"/>
-          <p:cNvSpPr/>
-          <p:nvPr/>
-        </p:nvSpPr>
-        <p:spPr>
-          <a:xfrm rot="5400000">
-            <a:off x="24390" y="412236"/>
-            <a:ext cx="1080000" cy="479179"/>
+            <a:off x="4717272" y="1431625"/>
+            <a:ext cx="2115918" cy="1080000"/>
           </a:xfrm>
           <a:prstGeom prst="rect">
             <a:avLst/>
           </a:prstGeom>
-          <a:solidFill>
-            <a:srgbClr val="00B050"/>
-          </a:solidFill>
           <a:ln w="28575"/>
         </p:spPr>
         <p:style>
@@ -3634,101 +3484,6 @@
           </a:fontRef>
         </p:style>
         <p:txBody>
-          <a:bodyPr lIns="36000" tIns="62367" rIns="36000" bIns="62367" rtlCol="0" anchor="ctr"/>
-          <a:lstStyle/>
-          <a:p>
-            <a:pPr algn="ctr"/>
-            <a:r>
-              <a:rPr lang="ru-RU" sz="1800" dirty="0" smtClean="0">
-                <a:solidFill>
-                  <a:schemeClr val="bg1"/>
-                </a:solidFill>
-              </a:rPr>
-              <a:t>РЕШЕНИЯ</a:t>
-            </a:r>
-            <a:endParaRPr lang="ru-RU" sz="1800" dirty="0">
-              <a:solidFill>
-                <a:schemeClr val="bg1"/>
-              </a:solidFill>
-            </a:endParaRPr>
-          </a:p>
-        </p:txBody>
-      </p:sp>
-      <p:sp>
-        <p:nvSpPr>
-          <p:cNvPr id="201" name="Прямоугольник 200"/>
-          <p:cNvSpPr/>
-          <p:nvPr/>
-        </p:nvSpPr>
-        <p:spPr>
-          <a:xfrm>
-            <a:off x="1474585" y="0"/>
-            <a:ext cx="824700" cy="473003"/>
-          </a:xfrm>
-          <a:prstGeom prst="rect">
-            <a:avLst/>
-          </a:prstGeom>
-          <a:noFill/>
-          <a:ln w="28575"/>
-        </p:spPr>
-        <p:style>
-          <a:lnRef idx="2">
-            <a:schemeClr val="accent1"/>
-          </a:lnRef>
-          <a:fillRef idx="1">
-            <a:schemeClr val="lt1"/>
-          </a:fillRef>
-          <a:effectRef idx="0">
-            <a:schemeClr val="accent1"/>
-          </a:effectRef>
-          <a:fontRef idx="minor">
-            <a:schemeClr val="dk1"/>
-          </a:fontRef>
-        </p:style>
-        <p:txBody>
-          <a:bodyPr lIns="124733" tIns="62367" rIns="124733" bIns="62367" rtlCol="0" anchor="ctr"/>
-          <a:lstStyle/>
-          <a:p>
-            <a:pPr algn="ctr"/>
-            <a:r>
-              <a:rPr lang="ru-RU" sz="3200" dirty="0" smtClean="0"/>
-              <a:t>24</a:t>
-            </a:r>
-            <a:endParaRPr lang="ru-RU" sz="3200" dirty="0"/>
-          </a:p>
-        </p:txBody>
-      </p:sp>
-      <p:sp>
-        <p:nvSpPr>
-          <p:cNvPr id="129" name="Прямоугольник 128"/>
-          <p:cNvSpPr/>
-          <p:nvPr/>
-        </p:nvSpPr>
-        <p:spPr>
-          <a:xfrm>
-            <a:off x="2568112" y="15996587"/>
-            <a:ext cx="2115918" cy="1080000"/>
-          </a:xfrm>
-          <a:prstGeom prst="rect">
-            <a:avLst/>
-          </a:prstGeom>
-          <a:ln w="28575"/>
-        </p:spPr>
-        <p:style>
-          <a:lnRef idx="2">
-            <a:schemeClr val="accent1"/>
-          </a:lnRef>
-          <a:fillRef idx="1">
-            <a:schemeClr val="lt1"/>
-          </a:fillRef>
-          <a:effectRef idx="0">
-            <a:schemeClr val="accent1"/>
-          </a:effectRef>
-          <a:fontRef idx="minor">
-            <a:schemeClr val="dk1"/>
-          </a:fontRef>
-        </p:style>
-        <p:txBody>
           <a:bodyPr lIns="124733" tIns="62367" rIns="124733" bIns="62367" rtlCol="0" anchor="ctr"/>
           <a:lstStyle/>
           <a:p>
@@ -3757,7 +3512,6 @@
               <a:rPr lang="ru-RU" sz="800" dirty="0"/>
               <a:t> раздал их им. Таким образом он развил обширное растениеводческое хозяйство)</a:t>
             </a:r>
-            <a:endParaRPr lang="ru-RU" sz="800" dirty="0"/>
           </a:p>
         </p:txBody>
       </p:sp>
@@ -3772,8 +3526,8 @@
         </p:nvCxnSpPr>
         <p:spPr>
           <a:xfrm rot="5400000">
-            <a:off x="2225566" y="16129700"/>
-            <a:ext cx="453618" cy="2347393"/>
+            <a:off x="4970230" y="2142930"/>
+            <a:ext cx="436307" cy="1173697"/>
           </a:xfrm>
           <a:prstGeom prst="bentConnector3">
             <a:avLst>
@@ -3807,7 +3561,7 @@
         </p:nvSpPr>
         <p:spPr>
           <a:xfrm>
-            <a:off x="220719" y="17530205"/>
+            <a:off x="3543575" y="2947932"/>
             <a:ext cx="2115918" cy="1080000"/>
           </a:xfrm>
           <a:prstGeom prst="rect">
@@ -3842,46 +3596,9 @@
               <a:rPr lang="ru-RU" sz="800" dirty="0"/>
               <a:t>(Например, пальмовое масло значительно выросло: в 1914 году было произведено 2500 тонн, в 1921 году - 9000, а в 1957 году - 230 000 тонн.)</a:t>
             </a:r>
-            <a:endParaRPr lang="ru-RU" sz="800" dirty="0"/>
-          </a:p>
-        </p:txBody>
-      </p:sp>
-      <p:cxnSp>
-        <p:nvCxnSpPr>
-          <p:cNvPr id="159" name="Прямая со стрелкой 158"/>
-          <p:cNvCxnSpPr>
-            <a:stCxn id="129" idx="2"/>
-            <a:endCxn id="301" idx="0"/>
-          </p:cNvCxnSpPr>
-          <p:nvPr/>
-        </p:nvCxnSpPr>
-        <p:spPr>
-          <a:xfrm>
-            <a:off x="3626071" y="17076587"/>
-            <a:ext cx="0" cy="453618"/>
-          </a:xfrm>
-          <a:prstGeom prst="straightConnector1">
-            <a:avLst/>
-          </a:prstGeom>
-          <a:ln w="28575">
-            <a:tailEnd type="arrow"/>
-          </a:ln>
-        </p:spPr>
-        <p:style>
-          <a:lnRef idx="1">
-            <a:schemeClr val="accent1"/>
-          </a:lnRef>
-          <a:fillRef idx="0">
-            <a:schemeClr val="accent1"/>
-          </a:fillRef>
-          <a:effectRef idx="0">
-            <a:schemeClr val="accent1"/>
-          </a:effectRef>
-          <a:fontRef idx="minor">
-            <a:schemeClr val="tx1"/>
-          </a:fontRef>
-        </p:style>
-      </p:cxnSp>
+          </a:p>
+        </p:txBody>
+      </p:sp>
       <p:sp>
         <p:nvSpPr>
           <p:cNvPr id="300" name="Прямоугольник 299"/>
@@ -3890,7 +3607,7 @@
         </p:nvSpPr>
         <p:spPr>
           <a:xfrm>
-            <a:off x="4915146" y="19063821"/>
+            <a:off x="8238002" y="4481548"/>
             <a:ext cx="2115918" cy="1080000"/>
           </a:xfrm>
           <a:prstGeom prst="rect">
@@ -3945,7 +3662,7 @@
         </p:nvSpPr>
         <p:spPr>
           <a:xfrm>
-            <a:off x="2568112" y="17530205"/>
+            <a:off x="5890968" y="2947932"/>
             <a:ext cx="2115918" cy="1080000"/>
           </a:xfrm>
           <a:prstGeom prst="rect">
@@ -3980,7 +3697,6 @@
               <a:rPr lang="ru-RU" sz="800" dirty="0"/>
               <a:t>(Хлопок также похож на то, что произошло в 1932 году: было произведено 23 000 тонн, а в 1939 году - 127 000 [26] )</a:t>
             </a:r>
-            <a:endParaRPr lang="ru-RU" sz="800" dirty="0"/>
           </a:p>
         </p:txBody>
       </p:sp>
@@ -3992,7 +3708,7 @@
         </p:nvSpPr>
         <p:spPr>
           <a:xfrm>
-            <a:off x="1394416" y="19063823"/>
+            <a:off x="1190722" y="2943252"/>
             <a:ext cx="2115918" cy="1080000"/>
           </a:xfrm>
           <a:prstGeom prst="rect">
@@ -4027,7 +3743,6 @@
               <a:rPr lang="ru-RU" sz="1000" dirty="0"/>
               <a:t>(Когда в январе 1942 года Британская Малайзия перешла к Японии , Бельгийское Конго снова стало крупным поставщиком каучука союзников.)</a:t>
             </a:r>
-            <a:endParaRPr lang="ru-RU" sz="1000" dirty="0"/>
           </a:p>
         </p:txBody>
       </p:sp>
@@ -4039,7 +3754,7 @@
         </p:nvSpPr>
         <p:spPr>
           <a:xfrm>
-            <a:off x="4915146" y="17530204"/>
+            <a:off x="8238002" y="2947931"/>
             <a:ext cx="2115918" cy="1080000"/>
           </a:xfrm>
           <a:prstGeom prst="rect">
@@ -4110,7 +3825,6 @@
               <a:rPr lang="ru-RU" sz="400" dirty="0"/>
               <a:t> . Ему предстоит сыграть важную роль в сельскохозяйственных исследованиях и выборе лучшего растения [30] .)</a:t>
             </a:r>
-            <a:endParaRPr lang="ru-RU" sz="400" dirty="0"/>
           </a:p>
         </p:txBody>
       </p:sp>
@@ -4125,12 +3839,12 @@
         </p:nvCxnSpPr>
         <p:spPr>
           <a:xfrm rot="5400000">
-            <a:off x="2045605" y="17483357"/>
-            <a:ext cx="1987236" cy="1173696"/>
+            <a:off x="3796143" y="964163"/>
+            <a:ext cx="431627" cy="3526550"/>
           </a:xfrm>
           <a:prstGeom prst="bentConnector3">
             <a:avLst>
-              <a:gd name="adj1" fmla="val 11655"/>
+              <a:gd name="adj1" fmla="val 50000"/>
             </a:avLst>
           </a:prstGeom>
           <a:ln w="28575">
@@ -4160,7 +3874,7 @@
         </p:nvSpPr>
         <p:spPr>
           <a:xfrm>
-            <a:off x="6089021" y="15996587"/>
+            <a:off x="8238002" y="1431351"/>
             <a:ext cx="2115918" cy="1080000"/>
           </a:xfrm>
           <a:prstGeom prst="rect">
@@ -4219,7 +3933,6 @@
               <a:rPr lang="ru-RU" sz="800" dirty="0"/>
               <a:t>советник президент национальный института агрономических исследований)</a:t>
             </a:r>
-            <a:endParaRPr lang="ru-RU" sz="800" dirty="0"/>
           </a:p>
         </p:txBody>
       </p:sp>
@@ -4231,7 +3944,7 @@
         </p:nvSpPr>
         <p:spPr>
           <a:xfrm>
-            <a:off x="6089021" y="15249750"/>
+            <a:off x="8232361" y="366576"/>
             <a:ext cx="2115918" cy="586438"/>
           </a:xfrm>
           <a:prstGeom prst="rect">
@@ -4289,8 +4002,8 @@
         </p:nvCxnSpPr>
         <p:spPr>
           <a:xfrm rot="16200000" flipH="1">
-            <a:off x="4572780" y="16129878"/>
-            <a:ext cx="453617" cy="2347034"/>
+            <a:off x="7317443" y="969413"/>
+            <a:ext cx="436306" cy="3520730"/>
           </a:xfrm>
           <a:prstGeom prst="bentConnector3">
             <a:avLst>
@@ -4316,44 +4029,6 @@
           </a:fontRef>
         </p:style>
       </p:cxnSp>
-      <p:cxnSp>
-        <p:nvCxnSpPr>
-          <p:cNvPr id="318" name="Соединительная линия уступом 317"/>
-          <p:cNvCxnSpPr>
-            <a:stCxn id="307" idx="2"/>
-            <a:endCxn id="304" idx="0"/>
-          </p:cNvCxnSpPr>
-          <p:nvPr/>
-        </p:nvCxnSpPr>
-        <p:spPr>
-          <a:xfrm rot="5400000">
-            <a:off x="6333235" y="16716458"/>
-            <a:ext cx="453617" cy="1173875"/>
-          </a:xfrm>
-          <a:prstGeom prst="bentConnector3">
-            <a:avLst>
-              <a:gd name="adj1" fmla="val 50000"/>
-            </a:avLst>
-          </a:prstGeom>
-          <a:ln w="28575">
-            <a:tailEnd type="arrow"/>
-          </a:ln>
-        </p:spPr>
-        <p:style>
-          <a:lnRef idx="1">
-            <a:schemeClr val="accent1"/>
-          </a:lnRef>
-          <a:fillRef idx="0">
-            <a:schemeClr val="accent1"/>
-          </a:fillRef>
-          <a:effectRef idx="0">
-            <a:schemeClr val="accent1"/>
-          </a:effectRef>
-          <a:fontRef idx="minor">
-            <a:schemeClr val="tx1"/>
-          </a:fontRef>
-        </p:style>
-      </p:cxnSp>
       <p:sp>
         <p:nvSpPr>
           <p:cNvPr id="327" name="Прямоугольник 326"/>
@@ -4362,7 +4037,7 @@
         </p:nvSpPr>
         <p:spPr>
           <a:xfrm>
-            <a:off x="10895121" y="16013898"/>
+            <a:off x="9417195" y="9110358"/>
             <a:ext cx="2115918" cy="1080000"/>
           </a:xfrm>
           <a:prstGeom prst="rect">
@@ -4425,7 +4100,6 @@
               <a:rPr lang="ru-RU" sz="500" dirty="0"/>
               <a:t> в [33] [34] . Это уран из Конго, США отправили войска в Конго и для улучшения инфраструктуры рудников в порт)</a:t>
             </a:r>
-            <a:endParaRPr lang="ru-RU" sz="500" dirty="0"/>
           </a:p>
         </p:txBody>
       </p:sp>
@@ -4437,7 +4111,7 @@
         </p:nvSpPr>
         <p:spPr>
           <a:xfrm>
-            <a:off x="11233889" y="20066661"/>
+            <a:off x="12127430" y="7146195"/>
             <a:ext cx="2115918" cy="1080000"/>
           </a:xfrm>
           <a:prstGeom prst="rect">
@@ -4480,7 +4154,6 @@
               <a:rPr lang="ru-RU" sz="500" dirty="0"/>
               <a:t>(Лондон по просьбе Бельгийского Конго было решено принять участие в усилиях союзников [37] . Британцы проявляли особый интерес к участию Конго, главным образом потому, что теперь это была одна из немногих возможностей для получения различного сырья (особенно каучука). Бельгия приняла пакт и выполнила требования Великобритании, включая девальвацию конголезского франка .)</a:t>
             </a:r>
-            <a:endParaRPr lang="ru-RU" sz="500" dirty="0"/>
           </a:p>
         </p:txBody>
       </p:sp>
@@ -4492,7 +4165,7 @@
         </p:nvSpPr>
         <p:spPr>
           <a:xfrm>
-            <a:off x="9971196" y="17547516"/>
+            <a:off x="7058703" y="10617298"/>
             <a:ext cx="2115918" cy="1080000"/>
           </a:xfrm>
           <a:prstGeom prst="rect">
@@ -4532,47 +4205,47 @@
               <a:t> </a:t>
             </a:r>
             <a:r>
-              <a:rPr lang="ru-RU" sz="500" dirty="0"/>
+              <a:rPr lang="ru-RU" sz="500" dirty="0" smtClean="0"/>
               <a:t>(Между 1938 и 1944 годами в </a:t>
             </a:r>
             <a:r>
-              <a:rPr lang="ru-RU" sz="500" dirty="0" err="1"/>
+              <a:rPr lang="ru-RU" sz="500" dirty="0" err="1" smtClean="0"/>
               <a:t>Union</a:t>
             </a:r>
             <a:r>
-              <a:rPr lang="ru-RU" sz="500" dirty="0"/>
+              <a:rPr lang="ru-RU" sz="500" dirty="0" smtClean="0"/>
               <a:t> </a:t>
             </a:r>
             <a:r>
-              <a:rPr lang="ru-RU" sz="500" dirty="0" err="1"/>
+              <a:rPr lang="ru-RU" sz="500" dirty="0" err="1" smtClean="0"/>
               <a:t>Minière</a:t>
             </a:r>
             <a:r>
-              <a:rPr lang="ru-RU" sz="500" dirty="0"/>
+              <a:rPr lang="ru-RU" sz="500" dirty="0" smtClean="0"/>
               <a:t> </a:t>
             </a:r>
             <a:r>
-              <a:rPr lang="ru-RU" sz="500" dirty="0" err="1"/>
+              <a:rPr lang="ru-RU" sz="500" dirty="0" err="1" smtClean="0"/>
               <a:t>du</a:t>
             </a:r>
             <a:r>
-              <a:rPr lang="ru-RU" sz="500" dirty="0"/>
+              <a:rPr lang="ru-RU" sz="500" dirty="0" smtClean="0"/>
               <a:t> </a:t>
             </a:r>
             <a:r>
-              <a:rPr lang="ru-RU" sz="500" dirty="0" err="1"/>
+              <a:rPr lang="ru-RU" sz="500" dirty="0" err="1" smtClean="0"/>
               <a:t>Haut</a:t>
             </a:r>
             <a:r>
-              <a:rPr lang="ru-RU" sz="500" dirty="0"/>
+              <a:rPr lang="ru-RU" sz="500" dirty="0" smtClean="0"/>
               <a:t> </a:t>
             </a:r>
             <a:r>
-              <a:rPr lang="ru-RU" sz="500" dirty="0" err="1"/>
+              <a:rPr lang="ru-RU" sz="500" dirty="0" err="1" smtClean="0"/>
               <a:t>Katanga</a:t>
             </a:r>
             <a:r>
-              <a:rPr lang="ru-RU" sz="500" dirty="0"/>
+              <a:rPr lang="ru-RU" sz="500" dirty="0" smtClean="0"/>
               <a:t> было израсходовано 25 000 49 000 сотрудников [38] . Они увеличили количество часов персонала, а также повысили скорость работы и цели. В результате протесты рабочих начались вокруг колоний)</a:t>
             </a:r>
             <a:endParaRPr lang="ru-RU" sz="500" dirty="0"/>
@@ -4587,7 +4260,7 @@
         </p:nvSpPr>
         <p:spPr>
           <a:xfrm>
-            <a:off x="12457221" y="17547516"/>
+            <a:off x="13350762" y="4627050"/>
             <a:ext cx="2115918" cy="1080000"/>
           </a:xfrm>
           <a:prstGeom prst="rect">
@@ -4622,7 +4295,6 @@
               <a:rPr lang="ru-RU" sz="500" dirty="0"/>
               <a:t>(Беспорядки среди белого населения также усилились, поскольку «военный налог» увеличился на 40%.)</a:t>
             </a:r>
-            <a:endParaRPr lang="ru-RU" sz="500" dirty="0"/>
           </a:p>
         </p:txBody>
       </p:sp>
@@ -4634,7 +4306,7 @@
         </p:nvSpPr>
         <p:spPr>
           <a:xfrm>
-            <a:off x="11233889" y="19017676"/>
+            <a:off x="12127430" y="6097210"/>
             <a:ext cx="2115918" cy="586438"/>
           </a:xfrm>
           <a:prstGeom prst="rect">
@@ -4721,7 +4393,6 @@
               <a:rPr lang="ru-RU" sz="300" dirty="0"/>
               <a:t> для переговоров, а когда они отклонили сделку, он был застрелен губернатором Амуром Мароном . Спустя примерно 70 или 80 рабочих были убиты на футбольном стадионе [39] [38] [42] .</a:t>
             </a:r>
-            <a:endParaRPr lang="ru-RU" sz="300" dirty="0"/>
           </a:p>
         </p:txBody>
       </p:sp>
@@ -4733,7 +4404,7 @@
         </p:nvSpPr>
         <p:spPr>
           <a:xfrm>
-            <a:off x="7262360" y="17530204"/>
+            <a:off x="10585216" y="2947931"/>
             <a:ext cx="2115918" cy="1080000"/>
           </a:xfrm>
           <a:prstGeom prst="rect">
@@ -4768,7 +4439,6 @@
               <a:rPr lang="ru-RU" sz="500" dirty="0"/>
               <a:t>(В 1940 году школьное обучение детей в возрасте от 6 до 14 лет составляло всего 12%, но в 1954 году оно достигло 37%, что стало одним из самых высоких показателей в Африке к югу от Сахары)</a:t>
             </a:r>
-            <a:endParaRPr lang="ru-RU" sz="500" dirty="0"/>
           </a:p>
         </p:txBody>
       </p:sp>
@@ -4780,7 +4450,7 @@
         </p:nvSpPr>
         <p:spPr>
           <a:xfrm>
-            <a:off x="7267999" y="19063823"/>
+            <a:off x="10590855" y="4481550"/>
             <a:ext cx="2115918" cy="1080000"/>
           </a:xfrm>
           <a:prstGeom prst="rect">
@@ -4823,7 +4493,7 @@
         </p:nvSpPr>
         <p:spPr>
           <a:xfrm>
-            <a:off x="3741629" y="20606662"/>
+            <a:off x="4717272" y="6024388"/>
             <a:ext cx="2115918" cy="1080000"/>
           </a:xfrm>
           <a:prstGeom prst="rect">
@@ -4858,7 +4528,6 @@
               <a:rPr lang="ru-RU" sz="500" dirty="0"/>
               <a:t>(Инфраструктура здравоохранения была недостаточной в колониальную эпоху, что привело к созданию диспансеров в самых отдаленных регионах и увеличению количества больничных коек. В 1960 году он имел лучшую инфраструктуру, чем другие африканские страны, с 3000 медицинскими зданиями, из которых 380 были больницами. На 1 000 жителей приходилось 5,34 больничных коек по сравнению с 0,55 в Гане , 0,32 в Индии и 2,43 в Египте .)</a:t>
             </a:r>
-            <a:endParaRPr lang="ru-RU" sz="500" dirty="0"/>
           </a:p>
         </p:txBody>
       </p:sp>
@@ -4873,8 +4542,8 @@
         </p:nvCxnSpPr>
         <p:spPr>
           <a:xfrm rot="16200000" flipH="1">
-            <a:off x="7506841" y="16716725"/>
-            <a:ext cx="453617" cy="1173339"/>
+            <a:off x="10251278" y="1556034"/>
+            <a:ext cx="436580" cy="2347214"/>
           </a:xfrm>
           <a:prstGeom prst="bentConnector3">
             <a:avLst>
@@ -4911,7 +4580,7 @@
         </p:nvCxnSpPr>
         <p:spPr>
           <a:xfrm>
-            <a:off x="8320319" y="18610204"/>
+            <a:off x="11643175" y="4027931"/>
             <a:ext cx="5639" cy="453619"/>
           </a:xfrm>
           <a:prstGeom prst="straightConnector1">
@@ -4947,8 +4616,8 @@
         </p:nvCxnSpPr>
         <p:spPr>
           <a:xfrm rot="5400000">
-            <a:off x="6331354" y="18612057"/>
-            <a:ext cx="462839" cy="3526370"/>
+            <a:off x="8480604" y="2856178"/>
+            <a:ext cx="462838" cy="5873583"/>
           </a:xfrm>
           <a:prstGeom prst="bentConnector3">
             <a:avLst>
@@ -4985,7 +4654,7 @@
         </p:nvCxnSpPr>
         <p:spPr>
           <a:xfrm>
-            <a:off x="5973105" y="18610204"/>
+            <a:off x="9295961" y="4027931"/>
             <a:ext cx="0" cy="453617"/>
           </a:xfrm>
           <a:prstGeom prst="straightConnector1">
@@ -5010,9 +4679,217 @@
           </a:fontRef>
         </p:style>
       </p:cxnSp>
+      <p:sp>
+        <p:nvSpPr>
+          <p:cNvPr id="39" name="Прямоугольник 38"/>
+          <p:cNvSpPr/>
+          <p:nvPr/>
+        </p:nvSpPr>
+        <p:spPr>
+          <a:xfrm>
+            <a:off x="5885149" y="4481276"/>
+            <a:ext cx="2115918" cy="1080000"/>
+          </a:xfrm>
+          <a:prstGeom prst="rect">
+            <a:avLst/>
+          </a:prstGeom>
+          <a:ln w="28575"/>
+        </p:spPr>
+        <p:style>
+          <a:lnRef idx="2">
+            <a:schemeClr val="accent1"/>
+          </a:lnRef>
+          <a:fillRef idx="1">
+            <a:schemeClr val="lt1"/>
+          </a:fillRef>
+          <a:effectRef idx="0">
+            <a:schemeClr val="accent1"/>
+          </a:effectRef>
+          <a:fontRef idx="minor">
+            <a:schemeClr val="dk1"/>
+          </a:fontRef>
+        </p:style>
+        <p:txBody>
+          <a:bodyPr lIns="124733" tIns="62367" rIns="124733" bIns="62367" rtlCol="0" anchor="ctr"/>
+          <a:lstStyle/>
+          <a:p>
+            <a:pPr algn="ctr"/>
+            <a:r>
+              <a:rPr lang="ru-RU" sz="1400" dirty="0" smtClean="0"/>
+              <a:t>Разработка новых сортов сои </a:t>
+            </a:r>
+            <a:r>
+              <a:rPr lang="ru-RU" sz="400" dirty="0"/>
+              <a:t>(Центр разработал ряд сортов сои для использования в разных частях страны. [9] Раннеспелые сорта дали урожай сои более 1200 кг / га. [10] Полевые испытания показали, что инокуляция может повысить урожайность на 80–300</a:t>
+            </a:r>
+            <a:r>
+              <a:rPr lang="ru-RU" sz="400" dirty="0" smtClean="0"/>
+              <a:t>%.)</a:t>
+            </a:r>
+            <a:endParaRPr lang="ru-RU" sz="400" dirty="0"/>
+          </a:p>
+        </p:txBody>
+      </p:sp>
       <p:cxnSp>
         <p:nvCxnSpPr>
-          <p:cNvPr id="348" name="Соединительная линия уступом 347"/>
+          <p:cNvPr id="40" name="Соединительная линия уступом 39"/>
+          <p:cNvCxnSpPr>
+            <a:stCxn id="304" idx="2"/>
+            <a:endCxn id="39" idx="0"/>
+          </p:cNvCxnSpPr>
+          <p:nvPr/>
+        </p:nvCxnSpPr>
+        <p:spPr>
+          <a:xfrm rot="5400000">
+            <a:off x="7892863" y="3078177"/>
+            <a:ext cx="453345" cy="2352853"/>
+          </a:xfrm>
+          <a:prstGeom prst="bentConnector3">
+            <a:avLst>
+              <a:gd name="adj1" fmla="val 50000"/>
+            </a:avLst>
+          </a:prstGeom>
+          <a:ln w="28575">
+            <a:tailEnd type="arrow"/>
+          </a:ln>
+        </p:spPr>
+        <p:style>
+          <a:lnRef idx="1">
+            <a:schemeClr val="accent1"/>
+          </a:lnRef>
+          <a:fillRef idx="0">
+            <a:schemeClr val="accent1"/>
+          </a:fillRef>
+          <a:effectRef idx="0">
+            <a:schemeClr val="accent1"/>
+          </a:effectRef>
+          <a:fontRef idx="minor">
+            <a:schemeClr val="tx1"/>
+          </a:fontRef>
+        </p:style>
+      </p:cxnSp>
+      <p:sp>
+        <p:nvSpPr>
+          <p:cNvPr id="43" name="Прямоугольник 42"/>
+          <p:cNvSpPr/>
+          <p:nvPr/>
+        </p:nvSpPr>
+        <p:spPr>
+          <a:xfrm>
+            <a:off x="3543575" y="4481276"/>
+            <a:ext cx="2115918" cy="1080000"/>
+          </a:xfrm>
+          <a:prstGeom prst="rect">
+            <a:avLst/>
+          </a:prstGeom>
+          <a:ln w="28575"/>
+        </p:spPr>
+        <p:style>
+          <a:lnRef idx="2">
+            <a:schemeClr val="accent1"/>
+          </a:lnRef>
+          <a:fillRef idx="1">
+            <a:schemeClr val="lt1"/>
+          </a:fillRef>
+          <a:effectRef idx="0">
+            <a:schemeClr val="accent1"/>
+          </a:effectRef>
+          <a:fontRef idx="minor">
+            <a:schemeClr val="dk1"/>
+          </a:fontRef>
+        </p:style>
+        <p:txBody>
+          <a:bodyPr lIns="124733" tIns="62367" rIns="124733" bIns="62367" rtlCol="0" anchor="ctr"/>
+          <a:lstStyle/>
+          <a:p>
+            <a:pPr algn="ctr"/>
+            <a:r>
+              <a:rPr lang="ru-RU" sz="1400" dirty="0" smtClean="0"/>
+              <a:t>Культивация кофе</a:t>
+            </a:r>
+            <a:endParaRPr lang="ru-RU" sz="500" dirty="0"/>
+          </a:p>
+        </p:txBody>
+      </p:sp>
+      <p:cxnSp>
+        <p:nvCxnSpPr>
+          <p:cNvPr id="45" name="Соединительная линия уступом 44"/>
+          <p:cNvCxnSpPr>
+            <a:stCxn id="304" idx="2"/>
+            <a:endCxn id="43" idx="0"/>
+          </p:cNvCxnSpPr>
+          <p:nvPr/>
+        </p:nvCxnSpPr>
+        <p:spPr>
+          <a:xfrm rot="5400000">
+            <a:off x="6722076" y="1907390"/>
+            <a:ext cx="453345" cy="4694427"/>
+          </a:xfrm>
+          <a:prstGeom prst="bentConnector3">
+            <a:avLst>
+              <a:gd name="adj1" fmla="val 50000"/>
+            </a:avLst>
+          </a:prstGeom>
+          <a:ln w="28575">
+            <a:tailEnd type="arrow"/>
+          </a:ln>
+        </p:spPr>
+        <p:style>
+          <a:lnRef idx="1">
+            <a:schemeClr val="accent1"/>
+          </a:lnRef>
+          <a:fillRef idx="0">
+            <a:schemeClr val="accent1"/>
+          </a:fillRef>
+          <a:effectRef idx="0">
+            <a:schemeClr val="accent1"/>
+          </a:effectRef>
+          <a:fontRef idx="minor">
+            <a:schemeClr val="tx1"/>
+          </a:fontRef>
+        </p:style>
+      </p:cxnSp>
+      <p:cxnSp>
+        <p:nvCxnSpPr>
+          <p:cNvPr id="53" name="Соединительная линия уступом 52"/>
+          <p:cNvCxnSpPr>
+            <a:stCxn id="129" idx="2"/>
+            <a:endCxn id="301" idx="0"/>
+          </p:cNvCxnSpPr>
+          <p:nvPr/>
+        </p:nvCxnSpPr>
+        <p:spPr>
+          <a:xfrm rot="16200000" flipH="1">
+            <a:off x="6143926" y="2142930"/>
+            <a:ext cx="436307" cy="1173696"/>
+          </a:xfrm>
+          <a:prstGeom prst="bentConnector3">
+            <a:avLst>
+              <a:gd name="adj1" fmla="val 50000"/>
+            </a:avLst>
+          </a:prstGeom>
+          <a:ln w="28575">
+            <a:tailEnd type="arrow"/>
+          </a:ln>
+        </p:spPr>
+        <p:style>
+          <a:lnRef idx="1">
+            <a:schemeClr val="accent1"/>
+          </a:lnRef>
+          <a:fillRef idx="0">
+            <a:schemeClr val="accent1"/>
+          </a:fillRef>
+          <a:effectRef idx="0">
+            <a:schemeClr val="accent1"/>
+          </a:effectRef>
+          <a:fontRef idx="minor">
+            <a:schemeClr val="tx1"/>
+          </a:fontRef>
+        </p:style>
+      </p:cxnSp>
+      <p:cxnSp>
+        <p:nvCxnSpPr>
+          <p:cNvPr id="61" name="Прямая со стрелкой 60"/>
           <p:cNvCxnSpPr>
             <a:stCxn id="129" idx="2"/>
             <a:endCxn id="342" idx="0"/>
@@ -5020,14 +4897,12 @@
           <p:nvPr/>
         </p:nvCxnSpPr>
         <p:spPr>
-          <a:xfrm rot="16200000" flipH="1">
-            <a:off x="2447792" y="18254865"/>
-            <a:ext cx="3530075" cy="1173517"/>
-          </a:xfrm>
-          <a:prstGeom prst="bentConnector3">
-            <a:avLst>
-              <a:gd name="adj1" fmla="val 6558"/>
-            </a:avLst>
+          <a:xfrm>
+            <a:off x="5775231" y="2511625"/>
+            <a:ext cx="0" cy="3512763"/>
+          </a:xfrm>
+          <a:prstGeom prst="straightConnector1">
+            <a:avLst/>
           </a:prstGeom>
           <a:ln w="28575">
             <a:tailEnd type="arrow"/>
@@ -5048,6 +4923,3833 @@
           </a:fontRef>
         </p:style>
       </p:cxnSp>
+      <p:cxnSp>
+        <p:nvCxnSpPr>
+          <p:cNvPr id="67" name="Прямая со стрелкой 66"/>
+          <p:cNvCxnSpPr>
+            <a:stCxn id="307" idx="2"/>
+            <a:endCxn id="304" idx="0"/>
+          </p:cNvCxnSpPr>
+          <p:nvPr/>
+        </p:nvCxnSpPr>
+        <p:spPr>
+          <a:xfrm>
+            <a:off x="9295961" y="2511351"/>
+            <a:ext cx="0" cy="436580"/>
+          </a:xfrm>
+          <a:prstGeom prst="straightConnector1">
+            <a:avLst/>
+          </a:prstGeom>
+          <a:ln w="28575">
+            <a:tailEnd type="arrow"/>
+          </a:ln>
+        </p:spPr>
+        <p:style>
+          <a:lnRef idx="1">
+            <a:schemeClr val="accent1"/>
+          </a:lnRef>
+          <a:fillRef idx="0">
+            <a:schemeClr val="accent1"/>
+          </a:fillRef>
+          <a:effectRef idx="0">
+            <a:schemeClr val="accent1"/>
+          </a:effectRef>
+          <a:fontRef idx="minor">
+            <a:schemeClr val="tx1"/>
+          </a:fontRef>
+        </p:style>
+      </p:cxnSp>
+      <p:sp>
+        <p:nvSpPr>
+          <p:cNvPr id="76" name="Прямоугольник 75"/>
+          <p:cNvSpPr/>
+          <p:nvPr/>
+        </p:nvSpPr>
+        <p:spPr>
+          <a:xfrm>
+            <a:off x="1190722" y="4486238"/>
+            <a:ext cx="2115918" cy="1080000"/>
+          </a:xfrm>
+          <a:prstGeom prst="rect">
+            <a:avLst/>
+          </a:prstGeom>
+          <a:ln w="28575"/>
+        </p:spPr>
+        <p:style>
+          <a:lnRef idx="2">
+            <a:schemeClr val="accent1"/>
+          </a:lnRef>
+          <a:fillRef idx="1">
+            <a:schemeClr val="lt1"/>
+          </a:fillRef>
+          <a:effectRef idx="0">
+            <a:schemeClr val="accent1"/>
+          </a:effectRef>
+          <a:fontRef idx="minor">
+            <a:schemeClr val="dk1"/>
+          </a:fontRef>
+        </p:style>
+        <p:txBody>
+          <a:bodyPr lIns="124733" tIns="62367" rIns="124733" bIns="62367" rtlCol="0" anchor="ctr"/>
+          <a:lstStyle/>
+          <a:p>
+            <a:pPr algn="ctr"/>
+            <a:r>
+              <a:rPr lang="ru-RU" sz="1400" dirty="0" smtClean="0"/>
+              <a:t>Расширение порта </a:t>
+            </a:r>
+            <a:r>
+              <a:rPr lang="ru-RU" sz="1400" dirty="0" err="1" smtClean="0"/>
+              <a:t>Матади</a:t>
+            </a:r>
+            <a:endParaRPr lang="ru-RU" sz="500" dirty="0"/>
+          </a:p>
+        </p:txBody>
+      </p:sp>
+      <p:sp>
+        <p:nvSpPr>
+          <p:cNvPr id="78" name="Прямоугольник 77"/>
+          <p:cNvSpPr/>
+          <p:nvPr/>
+        </p:nvSpPr>
+        <p:spPr>
+          <a:xfrm>
+            <a:off x="2364347" y="6024388"/>
+            <a:ext cx="2115918" cy="1080000"/>
+          </a:xfrm>
+          <a:prstGeom prst="rect">
+            <a:avLst/>
+          </a:prstGeom>
+          <a:ln w="28575"/>
+        </p:spPr>
+        <p:style>
+          <a:lnRef idx="2">
+            <a:schemeClr val="accent1"/>
+          </a:lnRef>
+          <a:fillRef idx="1">
+            <a:schemeClr val="lt1"/>
+          </a:fillRef>
+          <a:effectRef idx="0">
+            <a:schemeClr val="accent1"/>
+          </a:effectRef>
+          <a:fontRef idx="minor">
+            <a:schemeClr val="dk1"/>
+          </a:fontRef>
+        </p:style>
+        <p:txBody>
+          <a:bodyPr lIns="124733" tIns="62367" rIns="124733" bIns="62367" rtlCol="0" anchor="ctr"/>
+          <a:lstStyle/>
+          <a:p>
+            <a:pPr algn="ctr"/>
+            <a:r>
+              <a:rPr lang="ru-RU" sz="1400" dirty="0" smtClean="0"/>
+              <a:t>Расширить экспорт внутренней продукции</a:t>
+            </a:r>
+            <a:endParaRPr lang="ru-RU" sz="500" dirty="0"/>
+          </a:p>
+        </p:txBody>
+      </p:sp>
+      <p:cxnSp>
+        <p:nvCxnSpPr>
+          <p:cNvPr id="79" name="Соединительная линия уступом 78"/>
+          <p:cNvCxnSpPr>
+            <a:stCxn id="43" idx="2"/>
+            <a:endCxn id="78" idx="0"/>
+          </p:cNvCxnSpPr>
+          <p:nvPr/>
+        </p:nvCxnSpPr>
+        <p:spPr>
+          <a:xfrm rot="5400000">
+            <a:off x="3780364" y="5203218"/>
+            <a:ext cx="463112" cy="1179228"/>
+          </a:xfrm>
+          <a:prstGeom prst="bentConnector3">
+            <a:avLst>
+              <a:gd name="adj1" fmla="val 50000"/>
+            </a:avLst>
+          </a:prstGeom>
+          <a:ln w="28575">
+            <a:tailEnd type="arrow"/>
+          </a:ln>
+        </p:spPr>
+        <p:style>
+          <a:lnRef idx="1">
+            <a:schemeClr val="accent1"/>
+          </a:lnRef>
+          <a:fillRef idx="0">
+            <a:schemeClr val="accent1"/>
+          </a:fillRef>
+          <a:effectRef idx="0">
+            <a:schemeClr val="accent1"/>
+          </a:effectRef>
+          <a:fontRef idx="minor">
+            <a:schemeClr val="tx1"/>
+          </a:fontRef>
+        </p:style>
+      </p:cxnSp>
+      <p:cxnSp>
+        <p:nvCxnSpPr>
+          <p:cNvPr id="82" name="Соединительная линия уступом 81"/>
+          <p:cNvCxnSpPr>
+            <a:stCxn id="76" idx="2"/>
+            <a:endCxn id="78" idx="0"/>
+          </p:cNvCxnSpPr>
+          <p:nvPr/>
+        </p:nvCxnSpPr>
+        <p:spPr>
+          <a:xfrm rot="16200000" flipH="1">
+            <a:off x="2606418" y="5208500"/>
+            <a:ext cx="458150" cy="1173625"/>
+          </a:xfrm>
+          <a:prstGeom prst="bentConnector3">
+            <a:avLst>
+              <a:gd name="adj1" fmla="val 50000"/>
+            </a:avLst>
+          </a:prstGeom>
+          <a:ln w="28575">
+            <a:tailEnd type="arrow"/>
+          </a:ln>
+        </p:spPr>
+        <p:style>
+          <a:lnRef idx="1">
+            <a:schemeClr val="accent1"/>
+          </a:lnRef>
+          <a:fillRef idx="0">
+            <a:schemeClr val="accent1"/>
+          </a:fillRef>
+          <a:effectRef idx="0">
+            <a:schemeClr val="accent1"/>
+          </a:effectRef>
+          <a:fontRef idx="minor">
+            <a:schemeClr val="tx1"/>
+          </a:fontRef>
+        </p:style>
+      </p:cxnSp>
+      <p:sp>
+        <p:nvSpPr>
+          <p:cNvPr id="85" name="Прямоугольник 84"/>
+          <p:cNvSpPr/>
+          <p:nvPr/>
+        </p:nvSpPr>
+        <p:spPr>
+          <a:xfrm>
+            <a:off x="1190721" y="7567373"/>
+            <a:ext cx="2115918" cy="1080000"/>
+          </a:xfrm>
+          <a:prstGeom prst="rect">
+            <a:avLst/>
+          </a:prstGeom>
+          <a:ln w="28575"/>
+        </p:spPr>
+        <p:style>
+          <a:lnRef idx="2">
+            <a:schemeClr val="accent1"/>
+          </a:lnRef>
+          <a:fillRef idx="1">
+            <a:schemeClr val="lt1"/>
+          </a:fillRef>
+          <a:effectRef idx="0">
+            <a:schemeClr val="accent1"/>
+          </a:effectRef>
+          <a:fontRef idx="minor">
+            <a:schemeClr val="dk1"/>
+          </a:fontRef>
+        </p:style>
+        <p:txBody>
+          <a:bodyPr lIns="124733" tIns="62367" rIns="124733" bIns="62367" rtlCol="0" anchor="ctr"/>
+          <a:lstStyle/>
+          <a:p>
+            <a:pPr algn="ctr"/>
+            <a:r>
+              <a:rPr lang="ru-RU" sz="1400" dirty="0"/>
+              <a:t>Военно-морская верфь Банана</a:t>
+            </a:r>
+            <a:endParaRPr lang="ru-RU" sz="500" dirty="0"/>
+          </a:p>
+        </p:txBody>
+      </p:sp>
+      <p:cxnSp>
+        <p:nvCxnSpPr>
+          <p:cNvPr id="86" name="Прямая со стрелкой 85"/>
+          <p:cNvCxnSpPr>
+            <a:stCxn id="76" idx="2"/>
+            <a:endCxn id="85" idx="0"/>
+          </p:cNvCxnSpPr>
+          <p:nvPr/>
+        </p:nvCxnSpPr>
+        <p:spPr>
+          <a:xfrm flipH="1">
+            <a:off x="2248680" y="5566238"/>
+            <a:ext cx="1" cy="2001135"/>
+          </a:xfrm>
+          <a:prstGeom prst="straightConnector1">
+            <a:avLst/>
+          </a:prstGeom>
+          <a:ln w="28575">
+            <a:tailEnd type="arrow"/>
+          </a:ln>
+        </p:spPr>
+        <p:style>
+          <a:lnRef idx="1">
+            <a:schemeClr val="accent1"/>
+          </a:lnRef>
+          <a:fillRef idx="0">
+            <a:schemeClr val="accent1"/>
+          </a:fillRef>
+          <a:effectRef idx="0">
+            <a:schemeClr val="accent1"/>
+          </a:effectRef>
+          <a:fontRef idx="minor">
+            <a:schemeClr val="tx1"/>
+          </a:fontRef>
+        </p:style>
+      </p:cxnSp>
+      <p:sp>
+        <p:nvSpPr>
+          <p:cNvPr id="89" name="Прямоугольник 88"/>
+          <p:cNvSpPr/>
+          <p:nvPr/>
+        </p:nvSpPr>
+        <p:spPr>
+          <a:xfrm>
+            <a:off x="4711490" y="10617298"/>
+            <a:ext cx="2115918" cy="1080000"/>
+          </a:xfrm>
+          <a:prstGeom prst="rect">
+            <a:avLst/>
+          </a:prstGeom>
+          <a:ln w="28575"/>
+        </p:spPr>
+        <p:style>
+          <a:lnRef idx="2">
+            <a:schemeClr val="accent1"/>
+          </a:lnRef>
+          <a:fillRef idx="1">
+            <a:schemeClr val="lt1"/>
+          </a:fillRef>
+          <a:effectRef idx="0">
+            <a:schemeClr val="accent1"/>
+          </a:effectRef>
+          <a:fontRef idx="minor">
+            <a:schemeClr val="dk1"/>
+          </a:fontRef>
+        </p:style>
+        <p:txBody>
+          <a:bodyPr lIns="124733" tIns="62367" rIns="124733" bIns="62367" rtlCol="0" anchor="ctr"/>
+          <a:lstStyle/>
+          <a:p>
+            <a:pPr algn="ctr"/>
+            <a:r>
+              <a:rPr lang="ru-RU" sz="1400" dirty="0" smtClean="0"/>
+              <a:t>Железнодорожная линия </a:t>
+            </a:r>
+            <a:r>
+              <a:rPr lang="ru-RU" sz="1400" dirty="0" err="1" smtClean="0"/>
+              <a:t>Лукула</a:t>
+            </a:r>
+            <a:r>
+              <a:rPr lang="ru-RU" sz="1400" dirty="0" smtClean="0"/>
+              <a:t>-Чела (1938)</a:t>
+            </a:r>
+            <a:endParaRPr lang="ru-RU" sz="500" dirty="0"/>
+          </a:p>
+        </p:txBody>
+      </p:sp>
+      <p:sp>
+        <p:nvSpPr>
+          <p:cNvPr id="93" name="Прямоугольник 92"/>
+          <p:cNvSpPr/>
+          <p:nvPr/>
+        </p:nvSpPr>
+        <p:spPr>
+          <a:xfrm>
+            <a:off x="8238004" y="7567373"/>
+            <a:ext cx="2115918" cy="1080000"/>
+          </a:xfrm>
+          <a:prstGeom prst="rect">
+            <a:avLst/>
+          </a:prstGeom>
+          <a:ln w="28575"/>
+        </p:spPr>
+        <p:style>
+          <a:lnRef idx="2">
+            <a:schemeClr val="accent1"/>
+          </a:lnRef>
+          <a:fillRef idx="1">
+            <a:schemeClr val="lt1"/>
+          </a:fillRef>
+          <a:effectRef idx="0">
+            <a:schemeClr val="accent1"/>
+          </a:effectRef>
+          <a:fontRef idx="minor">
+            <a:schemeClr val="dk1"/>
+          </a:fontRef>
+        </p:style>
+        <p:txBody>
+          <a:bodyPr lIns="124733" tIns="62367" rIns="124733" bIns="62367" rtlCol="0" anchor="ctr"/>
+          <a:lstStyle/>
+          <a:p>
+            <a:pPr algn="ctr"/>
+            <a:r>
+              <a:rPr lang="en-US" sz="1400" dirty="0"/>
+              <a:t>Union </a:t>
+            </a:r>
+            <a:r>
+              <a:rPr lang="en-US" sz="1400" dirty="0" err="1"/>
+              <a:t>Minière</a:t>
+            </a:r>
+            <a:r>
+              <a:rPr lang="en-US" sz="1400" dirty="0"/>
+              <a:t> du </a:t>
+            </a:r>
+            <a:r>
+              <a:rPr lang="en-US" sz="1400" dirty="0" smtClean="0"/>
+              <a:t>Haut-Katanga</a:t>
+            </a:r>
+            <a:r>
+              <a:rPr lang="ru-RU" sz="1400" dirty="0"/>
+              <a:t> </a:t>
+            </a:r>
+            <a:r>
+              <a:rPr lang="ru-RU" sz="400" dirty="0"/>
+              <a:t>(Союз </a:t>
+            </a:r>
+            <a:r>
+              <a:rPr lang="ru-RU" sz="400" dirty="0" err="1"/>
+              <a:t>миньер</a:t>
+            </a:r>
+            <a:r>
+              <a:rPr lang="ru-RU" sz="400" dirty="0"/>
+              <a:t> </a:t>
+            </a:r>
+            <a:r>
+              <a:rPr lang="ru-RU" sz="400" dirty="0" err="1"/>
+              <a:t>дю</a:t>
+            </a:r>
+            <a:r>
+              <a:rPr lang="ru-RU" sz="400" dirty="0"/>
+              <a:t> </a:t>
+            </a:r>
+            <a:r>
+              <a:rPr lang="ru-RU" sz="400" dirty="0" err="1"/>
+              <a:t>Haut-Катанга</a:t>
+            </a:r>
+            <a:r>
+              <a:rPr lang="ru-RU" sz="400" dirty="0"/>
+              <a:t> ( французский , буквально «Горный Союз Верхней </a:t>
+            </a:r>
+            <a:r>
+              <a:rPr lang="ru-RU" sz="400" dirty="0" err="1"/>
+              <a:t>Катанги</a:t>
+            </a:r>
+            <a:r>
+              <a:rPr lang="ru-RU" sz="400" dirty="0"/>
+              <a:t>»), часто сокращенно Союза </a:t>
+            </a:r>
+            <a:r>
+              <a:rPr lang="ru-RU" sz="400" dirty="0" err="1"/>
+              <a:t>Miniere</a:t>
+            </a:r>
+            <a:r>
+              <a:rPr lang="ru-RU" sz="400" dirty="0"/>
+              <a:t> или UMHK , был англо- бельгийская горнодобывающая </a:t>
+            </a:r>
+            <a:r>
+              <a:rPr lang="ru-RU" sz="400" dirty="0" smtClean="0"/>
+              <a:t>компания</a:t>
+            </a:r>
+            <a:r>
+              <a:rPr lang="ru-RU" sz="400" dirty="0"/>
+              <a:t>, УМХК входил в мощную группу мировых производителей меди . Его основным продуктом была медь, но также производились олово , кобальт, радий, уран, цинк, кадмий, германий, марганец, серебро и золото. К началу Второй мировой войны </a:t>
+            </a:r>
+            <a:r>
+              <a:rPr lang="ru-RU" sz="400" dirty="0" err="1"/>
+              <a:t>Société</a:t>
+            </a:r>
+            <a:r>
+              <a:rPr lang="ru-RU" sz="400" dirty="0"/>
+              <a:t> </a:t>
+            </a:r>
+            <a:r>
+              <a:rPr lang="ru-RU" sz="400" dirty="0" err="1"/>
+              <a:t>Générale</a:t>
+            </a:r>
+            <a:r>
+              <a:rPr lang="ru-RU" sz="400" dirty="0"/>
+              <a:t> контролировал 70% конголезской </a:t>
+            </a:r>
+            <a:r>
+              <a:rPr lang="ru-RU" sz="400" dirty="0" smtClean="0"/>
+              <a:t>экономики)</a:t>
+            </a:r>
+            <a:endParaRPr lang="ru-RU" sz="100" dirty="0"/>
+          </a:p>
+        </p:txBody>
+      </p:sp>
+      <p:sp>
+        <p:nvSpPr>
+          <p:cNvPr id="94" name="Прямоугольник 93"/>
+          <p:cNvSpPr/>
+          <p:nvPr/>
+        </p:nvSpPr>
+        <p:spPr>
+          <a:xfrm>
+            <a:off x="7058702" y="9110358"/>
+            <a:ext cx="2115918" cy="1080000"/>
+          </a:xfrm>
+          <a:prstGeom prst="rect">
+            <a:avLst/>
+          </a:prstGeom>
+          <a:ln w="28575"/>
+        </p:spPr>
+        <p:style>
+          <a:lnRef idx="2">
+            <a:schemeClr val="accent1"/>
+          </a:lnRef>
+          <a:fillRef idx="1">
+            <a:schemeClr val="lt1"/>
+          </a:fillRef>
+          <a:effectRef idx="0">
+            <a:schemeClr val="accent1"/>
+          </a:effectRef>
+          <a:fontRef idx="minor">
+            <a:schemeClr val="dk1"/>
+          </a:fontRef>
+        </p:style>
+        <p:txBody>
+          <a:bodyPr lIns="124733" tIns="62367" rIns="124733" bIns="62367" rtlCol="0" anchor="ctr"/>
+          <a:lstStyle/>
+          <a:p>
+            <a:pPr algn="ctr"/>
+            <a:r>
+              <a:rPr lang="ru-RU" sz="1400" dirty="0" smtClean="0"/>
+              <a:t>Горнодобывающая промышленность медного пояса</a:t>
+            </a:r>
+            <a:endParaRPr lang="ru-RU" sz="500" dirty="0"/>
+          </a:p>
+        </p:txBody>
+      </p:sp>
+      <p:sp>
+        <p:nvSpPr>
+          <p:cNvPr id="95" name="Прямоугольник 94"/>
+          <p:cNvSpPr/>
+          <p:nvPr/>
+        </p:nvSpPr>
+        <p:spPr>
+          <a:xfrm>
+            <a:off x="9417195" y="10617298"/>
+            <a:ext cx="2115918" cy="1080000"/>
+          </a:xfrm>
+          <a:prstGeom prst="rect">
+            <a:avLst/>
+          </a:prstGeom>
+          <a:ln w="28575"/>
+        </p:spPr>
+        <p:style>
+          <a:lnRef idx="2">
+            <a:schemeClr val="accent1"/>
+          </a:lnRef>
+          <a:fillRef idx="1">
+            <a:schemeClr val="lt1"/>
+          </a:fillRef>
+          <a:effectRef idx="0">
+            <a:schemeClr val="accent1"/>
+          </a:effectRef>
+          <a:fontRef idx="minor">
+            <a:schemeClr val="dk1"/>
+          </a:fontRef>
+        </p:style>
+        <p:txBody>
+          <a:bodyPr lIns="124733" tIns="62367" rIns="124733" bIns="62367" rtlCol="0" anchor="ctr"/>
+          <a:lstStyle/>
+          <a:p>
+            <a:pPr algn="ctr"/>
+            <a:r>
+              <a:rPr lang="ru-RU" sz="1400" dirty="0" smtClean="0"/>
+              <a:t>Механизация производства шахты </a:t>
+            </a:r>
+            <a:r>
+              <a:rPr lang="ru-RU" sz="1400" dirty="0" err="1" smtClean="0"/>
+              <a:t>Мусоной</a:t>
+            </a:r>
+            <a:r>
+              <a:rPr lang="ru-RU" sz="1400" dirty="0"/>
+              <a:t> </a:t>
+            </a:r>
+            <a:r>
+              <a:rPr lang="ru-RU" sz="500" dirty="0"/>
+              <a:t>(К 1930-м годам производство на </a:t>
+            </a:r>
+            <a:r>
+              <a:rPr lang="ru-RU" sz="500" dirty="0" err="1"/>
+              <a:t>Musonoi</a:t>
+            </a:r>
+            <a:r>
+              <a:rPr lang="ru-RU" sz="500" dirty="0"/>
+              <a:t> было высокомеханизированным, в то время как мировой спрос на медь падал) (Рабочие использовали саботаж и поджоги, а также бегство в качестве инструментов торга для улучшения условий</a:t>
+            </a:r>
+            <a:r>
+              <a:rPr lang="ru-RU" sz="500" dirty="0" smtClean="0"/>
+              <a:t>.)</a:t>
+            </a:r>
+            <a:endParaRPr lang="ru-RU" sz="100" dirty="0"/>
+          </a:p>
+        </p:txBody>
+      </p:sp>
+      <p:sp>
+        <p:nvSpPr>
+          <p:cNvPr id="97" name="Прямоугольник 96"/>
+          <p:cNvSpPr/>
+          <p:nvPr/>
+        </p:nvSpPr>
+        <p:spPr>
+          <a:xfrm>
+            <a:off x="9417195" y="12160410"/>
+            <a:ext cx="2115918" cy="1080000"/>
+          </a:xfrm>
+          <a:prstGeom prst="rect">
+            <a:avLst/>
+          </a:prstGeom>
+          <a:ln w="28575"/>
+        </p:spPr>
+        <p:style>
+          <a:lnRef idx="2">
+            <a:schemeClr val="accent1"/>
+          </a:lnRef>
+          <a:fillRef idx="1">
+            <a:schemeClr val="lt1"/>
+          </a:fillRef>
+          <a:effectRef idx="0">
+            <a:schemeClr val="accent1"/>
+          </a:effectRef>
+          <a:fontRef idx="minor">
+            <a:schemeClr val="dk1"/>
+          </a:fontRef>
+        </p:style>
+        <p:txBody>
+          <a:bodyPr lIns="124733" tIns="62367" rIns="124733" bIns="62367" rtlCol="0" anchor="ctr"/>
+          <a:lstStyle/>
+          <a:p>
+            <a:pPr algn="ctr"/>
+            <a:r>
+              <a:rPr lang="ru-RU" sz="1400" dirty="0" smtClean="0"/>
+              <a:t>Открытие </a:t>
+            </a:r>
+            <a:r>
+              <a:rPr lang="en-US" sz="1400" dirty="0" err="1" smtClean="0"/>
+              <a:t>Musonoi</a:t>
+            </a:r>
+            <a:r>
+              <a:rPr lang="en-US" sz="1400" dirty="0" smtClean="0"/>
+              <a:t> Principal</a:t>
+            </a:r>
+            <a:r>
+              <a:rPr lang="ru-RU" sz="1400" dirty="0"/>
+              <a:t> </a:t>
+            </a:r>
+            <a:r>
+              <a:rPr lang="ru-RU" sz="1100" dirty="0"/>
+              <a:t>(самый старый карьер, был открыт в 1940-х годах.)</a:t>
+            </a:r>
+            <a:endParaRPr lang="ru-RU" sz="300" dirty="0"/>
+          </a:p>
+        </p:txBody>
+      </p:sp>
+      <p:sp>
+        <p:nvSpPr>
+          <p:cNvPr id="99" name="Прямоугольник 98"/>
+          <p:cNvSpPr/>
+          <p:nvPr/>
+        </p:nvSpPr>
+        <p:spPr>
+          <a:xfrm>
+            <a:off x="2358636" y="9110358"/>
+            <a:ext cx="2115918" cy="1080000"/>
+          </a:xfrm>
+          <a:prstGeom prst="rect">
+            <a:avLst/>
+          </a:prstGeom>
+          <a:ln w="28575"/>
+        </p:spPr>
+        <p:style>
+          <a:lnRef idx="2">
+            <a:schemeClr val="accent1"/>
+          </a:lnRef>
+          <a:fillRef idx="1">
+            <a:schemeClr val="lt1"/>
+          </a:fillRef>
+          <a:effectRef idx="0">
+            <a:schemeClr val="accent1"/>
+          </a:effectRef>
+          <a:fontRef idx="minor">
+            <a:schemeClr val="dk1"/>
+          </a:fontRef>
+        </p:style>
+        <p:txBody>
+          <a:bodyPr lIns="124733" tIns="62367" rIns="124733" bIns="62367" rtlCol="0" anchor="ctr"/>
+          <a:lstStyle/>
+          <a:p>
+            <a:pPr algn="ctr"/>
+            <a:r>
+              <a:rPr lang="ru-RU" sz="1400" dirty="0" smtClean="0"/>
+              <a:t>Расширение торгового флота </a:t>
+            </a:r>
+            <a:r>
+              <a:rPr lang="ru-RU" sz="800" dirty="0"/>
+              <a:t>(наше)</a:t>
+            </a:r>
+            <a:endParaRPr lang="ru-RU" sz="100" dirty="0"/>
+          </a:p>
+          <a:p>
+            <a:pPr algn="ctr"/>
+            <a:endParaRPr lang="ru-RU" sz="500" dirty="0"/>
+          </a:p>
+        </p:txBody>
+      </p:sp>
+      <p:sp>
+        <p:nvSpPr>
+          <p:cNvPr id="100" name="Прямоугольник 99"/>
+          <p:cNvSpPr/>
+          <p:nvPr/>
+        </p:nvSpPr>
+        <p:spPr>
+          <a:xfrm>
+            <a:off x="3543575" y="7567373"/>
+            <a:ext cx="2115918" cy="1080000"/>
+          </a:xfrm>
+          <a:prstGeom prst="rect">
+            <a:avLst/>
+          </a:prstGeom>
+          <a:ln w="28575"/>
+        </p:spPr>
+        <p:style>
+          <a:lnRef idx="2">
+            <a:schemeClr val="accent1"/>
+          </a:lnRef>
+          <a:fillRef idx="1">
+            <a:schemeClr val="lt1"/>
+          </a:fillRef>
+          <a:effectRef idx="0">
+            <a:schemeClr val="accent1"/>
+          </a:effectRef>
+          <a:fontRef idx="minor">
+            <a:schemeClr val="dk1"/>
+          </a:fontRef>
+        </p:style>
+        <p:txBody>
+          <a:bodyPr lIns="124733" tIns="62367" rIns="124733" bIns="62367" rtlCol="0" anchor="ctr"/>
+          <a:lstStyle/>
+          <a:p>
+            <a:pPr algn="ctr"/>
+            <a:r>
+              <a:rPr lang="ru-RU" sz="1400" dirty="0" smtClean="0"/>
+              <a:t>Подготовка к войне на море</a:t>
+            </a:r>
+            <a:endParaRPr lang="ru-RU" sz="500" dirty="0"/>
+          </a:p>
+        </p:txBody>
+      </p:sp>
+      <p:sp>
+        <p:nvSpPr>
+          <p:cNvPr id="102" name="Прямоугольник 101"/>
+          <p:cNvSpPr/>
+          <p:nvPr/>
+        </p:nvSpPr>
+        <p:spPr>
+          <a:xfrm>
+            <a:off x="4717272" y="9110358"/>
+            <a:ext cx="2115918" cy="1080000"/>
+          </a:xfrm>
+          <a:prstGeom prst="rect">
+            <a:avLst/>
+          </a:prstGeom>
+          <a:ln w="28575"/>
+        </p:spPr>
+        <p:style>
+          <a:lnRef idx="2">
+            <a:schemeClr val="accent1"/>
+          </a:lnRef>
+          <a:fillRef idx="1">
+            <a:schemeClr val="lt1"/>
+          </a:fillRef>
+          <a:effectRef idx="0">
+            <a:schemeClr val="accent1"/>
+          </a:effectRef>
+          <a:fontRef idx="minor">
+            <a:schemeClr val="dk1"/>
+          </a:fontRef>
+        </p:style>
+        <p:txBody>
+          <a:bodyPr lIns="124733" tIns="62367" rIns="124733" bIns="62367" rtlCol="0" anchor="ctr"/>
+          <a:lstStyle/>
+          <a:p>
+            <a:pPr algn="ctr"/>
+            <a:r>
+              <a:rPr lang="ru-RU" sz="1400" dirty="0"/>
+              <a:t>Разработка крупного флота (наше)</a:t>
+            </a:r>
+            <a:endParaRPr lang="ru-RU" sz="700" dirty="0"/>
+          </a:p>
+        </p:txBody>
+      </p:sp>
+      <p:sp>
+        <p:nvSpPr>
+          <p:cNvPr id="103" name="Прямоугольник 102"/>
+          <p:cNvSpPr/>
+          <p:nvPr/>
+        </p:nvSpPr>
+        <p:spPr>
+          <a:xfrm>
+            <a:off x="0" y="9110358"/>
+            <a:ext cx="2115918" cy="1080000"/>
+          </a:xfrm>
+          <a:prstGeom prst="rect">
+            <a:avLst/>
+          </a:prstGeom>
+          <a:ln w="28575"/>
+        </p:spPr>
+        <p:style>
+          <a:lnRef idx="2">
+            <a:schemeClr val="accent1"/>
+          </a:lnRef>
+          <a:fillRef idx="1">
+            <a:schemeClr val="lt1"/>
+          </a:fillRef>
+          <a:effectRef idx="0">
+            <a:schemeClr val="accent1"/>
+          </a:effectRef>
+          <a:fontRef idx="minor">
+            <a:schemeClr val="dk1"/>
+          </a:fontRef>
+        </p:style>
+        <p:txBody>
+          <a:bodyPr lIns="124733" tIns="62367" rIns="124733" bIns="62367" rtlCol="0" anchor="ctr"/>
+          <a:lstStyle/>
+          <a:p>
+            <a:pPr algn="ctr"/>
+            <a:r>
+              <a:rPr lang="ru-RU" sz="1400" dirty="0"/>
+              <a:t>Разработка малого флота </a:t>
+            </a:r>
+            <a:r>
+              <a:rPr lang="ru-RU" sz="800" dirty="0"/>
+              <a:t>(наше</a:t>
+            </a:r>
+            <a:r>
+              <a:rPr lang="ru-RU" sz="800" dirty="0" smtClean="0"/>
+              <a:t>)</a:t>
+            </a:r>
+            <a:endParaRPr lang="ru-RU" sz="100" dirty="0"/>
+          </a:p>
+        </p:txBody>
+      </p:sp>
+      <p:cxnSp>
+        <p:nvCxnSpPr>
+          <p:cNvPr id="104" name="Соединительная линия уступом 103"/>
+          <p:cNvCxnSpPr>
+            <a:stCxn id="85" idx="2"/>
+            <a:endCxn id="103" idx="0"/>
+          </p:cNvCxnSpPr>
+          <p:nvPr/>
+        </p:nvCxnSpPr>
+        <p:spPr>
+          <a:xfrm rot="5400000">
+            <a:off x="1421828" y="8283505"/>
+            <a:ext cx="462985" cy="1190721"/>
+          </a:xfrm>
+          <a:prstGeom prst="bentConnector3">
+            <a:avLst>
+              <a:gd name="adj1" fmla="val 50000"/>
+            </a:avLst>
+          </a:prstGeom>
+          <a:ln w="28575">
+            <a:tailEnd type="arrow"/>
+          </a:ln>
+        </p:spPr>
+        <p:style>
+          <a:lnRef idx="1">
+            <a:schemeClr val="accent1"/>
+          </a:lnRef>
+          <a:fillRef idx="0">
+            <a:schemeClr val="accent1"/>
+          </a:fillRef>
+          <a:effectRef idx="0">
+            <a:schemeClr val="accent1"/>
+          </a:effectRef>
+          <a:fontRef idx="minor">
+            <a:schemeClr val="tx1"/>
+          </a:fontRef>
+        </p:style>
+      </p:cxnSp>
+      <p:cxnSp>
+        <p:nvCxnSpPr>
+          <p:cNvPr id="107" name="Соединительная линия уступом 106"/>
+          <p:cNvCxnSpPr>
+            <a:stCxn id="100" idx="2"/>
+            <a:endCxn id="103" idx="0"/>
+          </p:cNvCxnSpPr>
+          <p:nvPr/>
+        </p:nvCxnSpPr>
+        <p:spPr>
+          <a:xfrm rot="5400000">
+            <a:off x="2598255" y="7107078"/>
+            <a:ext cx="462985" cy="3543575"/>
+          </a:xfrm>
+          <a:prstGeom prst="bentConnector3">
+            <a:avLst>
+              <a:gd name="adj1" fmla="val 50000"/>
+            </a:avLst>
+          </a:prstGeom>
+          <a:ln w="28575">
+            <a:tailEnd type="arrow"/>
+          </a:ln>
+        </p:spPr>
+        <p:style>
+          <a:lnRef idx="1">
+            <a:schemeClr val="accent1"/>
+          </a:lnRef>
+          <a:fillRef idx="0">
+            <a:schemeClr val="accent1"/>
+          </a:fillRef>
+          <a:effectRef idx="0">
+            <a:schemeClr val="accent1"/>
+          </a:effectRef>
+          <a:fontRef idx="minor">
+            <a:schemeClr val="tx1"/>
+          </a:fontRef>
+        </p:style>
+      </p:cxnSp>
+      <p:cxnSp>
+        <p:nvCxnSpPr>
+          <p:cNvPr id="110" name="Соединительная линия уступом 109"/>
+          <p:cNvCxnSpPr>
+            <a:stCxn id="85" idx="2"/>
+            <a:endCxn id="99" idx="0"/>
+          </p:cNvCxnSpPr>
+          <p:nvPr/>
+        </p:nvCxnSpPr>
+        <p:spPr>
+          <a:xfrm rot="16200000" flipH="1">
+            <a:off x="2601145" y="8294907"/>
+            <a:ext cx="462985" cy="1167915"/>
+          </a:xfrm>
+          <a:prstGeom prst="bentConnector3">
+            <a:avLst>
+              <a:gd name="adj1" fmla="val 50000"/>
+            </a:avLst>
+          </a:prstGeom>
+          <a:ln w="28575">
+            <a:tailEnd type="arrow"/>
+          </a:ln>
+        </p:spPr>
+        <p:style>
+          <a:lnRef idx="1">
+            <a:schemeClr val="accent1"/>
+          </a:lnRef>
+          <a:fillRef idx="0">
+            <a:schemeClr val="accent1"/>
+          </a:fillRef>
+          <a:effectRef idx="0">
+            <a:schemeClr val="accent1"/>
+          </a:effectRef>
+          <a:fontRef idx="minor">
+            <a:schemeClr val="tx1"/>
+          </a:fontRef>
+        </p:style>
+      </p:cxnSp>
+      <p:cxnSp>
+        <p:nvCxnSpPr>
+          <p:cNvPr id="113" name="Соединительная линия уступом 112"/>
+          <p:cNvCxnSpPr>
+            <a:stCxn id="100" idx="2"/>
+            <a:endCxn id="99" idx="0"/>
+          </p:cNvCxnSpPr>
+          <p:nvPr/>
+        </p:nvCxnSpPr>
+        <p:spPr>
+          <a:xfrm rot="5400000">
+            <a:off x="3777573" y="8286396"/>
+            <a:ext cx="462985" cy="1184939"/>
+          </a:xfrm>
+          <a:prstGeom prst="bentConnector3">
+            <a:avLst>
+              <a:gd name="adj1" fmla="val 50000"/>
+            </a:avLst>
+          </a:prstGeom>
+          <a:ln w="28575">
+            <a:tailEnd type="arrow"/>
+          </a:ln>
+        </p:spPr>
+        <p:style>
+          <a:lnRef idx="1">
+            <a:schemeClr val="accent1"/>
+          </a:lnRef>
+          <a:fillRef idx="0">
+            <a:schemeClr val="accent1"/>
+          </a:fillRef>
+          <a:effectRef idx="0">
+            <a:schemeClr val="accent1"/>
+          </a:effectRef>
+          <a:fontRef idx="minor">
+            <a:schemeClr val="tx1"/>
+          </a:fontRef>
+        </p:style>
+      </p:cxnSp>
+      <p:cxnSp>
+        <p:nvCxnSpPr>
+          <p:cNvPr id="116" name="Соединительная линия уступом 115"/>
+          <p:cNvCxnSpPr>
+            <a:stCxn id="100" idx="2"/>
+            <a:endCxn id="102" idx="0"/>
+          </p:cNvCxnSpPr>
+          <p:nvPr/>
+        </p:nvCxnSpPr>
+        <p:spPr>
+          <a:xfrm rot="16200000" flipH="1">
+            <a:off x="4956890" y="8292016"/>
+            <a:ext cx="462985" cy="1173697"/>
+          </a:xfrm>
+          <a:prstGeom prst="bentConnector3">
+            <a:avLst>
+              <a:gd name="adj1" fmla="val 50000"/>
+            </a:avLst>
+          </a:prstGeom>
+          <a:ln w="28575">
+            <a:tailEnd type="arrow"/>
+          </a:ln>
+        </p:spPr>
+        <p:style>
+          <a:lnRef idx="1">
+            <a:schemeClr val="accent1"/>
+          </a:lnRef>
+          <a:fillRef idx="0">
+            <a:schemeClr val="accent1"/>
+          </a:fillRef>
+          <a:effectRef idx="0">
+            <a:schemeClr val="accent1"/>
+          </a:effectRef>
+          <a:fontRef idx="minor">
+            <a:schemeClr val="tx1"/>
+          </a:fontRef>
+        </p:style>
+      </p:cxnSp>
+      <p:cxnSp>
+        <p:nvCxnSpPr>
+          <p:cNvPr id="119" name="Соединительная линия уступом 118"/>
+          <p:cNvCxnSpPr>
+            <a:stCxn id="85" idx="2"/>
+            <a:endCxn id="102" idx="0"/>
+          </p:cNvCxnSpPr>
+          <p:nvPr/>
+        </p:nvCxnSpPr>
+        <p:spPr>
+          <a:xfrm rot="16200000" flipH="1">
+            <a:off x="3780463" y="7115589"/>
+            <a:ext cx="462985" cy="3526551"/>
+          </a:xfrm>
+          <a:prstGeom prst="bentConnector3">
+            <a:avLst>
+              <a:gd name="adj1" fmla="val 50000"/>
+            </a:avLst>
+          </a:prstGeom>
+          <a:ln w="28575">
+            <a:tailEnd type="arrow"/>
+          </a:ln>
+        </p:spPr>
+        <p:style>
+          <a:lnRef idx="1">
+            <a:schemeClr val="accent1"/>
+          </a:lnRef>
+          <a:fillRef idx="0">
+            <a:schemeClr val="accent1"/>
+          </a:fillRef>
+          <a:effectRef idx="0">
+            <a:schemeClr val="accent1"/>
+          </a:effectRef>
+          <a:fontRef idx="minor">
+            <a:schemeClr val="tx1"/>
+          </a:fontRef>
+        </p:style>
+      </p:cxnSp>
+      <p:sp>
+        <p:nvSpPr>
+          <p:cNvPr id="122" name="Прямоугольник 121"/>
+          <p:cNvSpPr/>
+          <p:nvPr/>
+        </p:nvSpPr>
+        <p:spPr>
+          <a:xfrm>
+            <a:off x="1190721" y="10617298"/>
+            <a:ext cx="2115918" cy="1080000"/>
+          </a:xfrm>
+          <a:prstGeom prst="rect">
+            <a:avLst/>
+          </a:prstGeom>
+          <a:ln w="28575"/>
+        </p:spPr>
+        <p:style>
+          <a:lnRef idx="2">
+            <a:schemeClr val="accent1"/>
+          </a:lnRef>
+          <a:fillRef idx="1">
+            <a:schemeClr val="lt1"/>
+          </a:fillRef>
+          <a:effectRef idx="0">
+            <a:schemeClr val="accent1"/>
+          </a:effectRef>
+          <a:fontRef idx="minor">
+            <a:schemeClr val="dk1"/>
+          </a:fontRef>
+        </p:style>
+        <p:txBody>
+          <a:bodyPr lIns="124733" tIns="62367" rIns="124733" bIns="62367" rtlCol="0" anchor="ctr"/>
+          <a:lstStyle/>
+          <a:p>
+            <a:pPr algn="ctr"/>
+            <a:r>
+              <a:rPr lang="ru-RU" sz="1400" dirty="0" smtClean="0"/>
+              <a:t>Выслеживание чужих конвоев </a:t>
+            </a:r>
+            <a:r>
+              <a:rPr lang="ru-RU" sz="800" dirty="0" smtClean="0"/>
+              <a:t>(наше</a:t>
+            </a:r>
+            <a:r>
+              <a:rPr lang="ru-RU" sz="800" dirty="0"/>
+              <a:t>)</a:t>
+            </a:r>
+            <a:endParaRPr lang="ru-RU" sz="100" dirty="0"/>
+          </a:p>
+          <a:p>
+            <a:pPr algn="ctr"/>
+            <a:endParaRPr lang="ru-RU" sz="500" dirty="0"/>
+          </a:p>
+        </p:txBody>
+      </p:sp>
+      <p:sp>
+        <p:nvSpPr>
+          <p:cNvPr id="125" name="Прямоугольник 124"/>
+          <p:cNvSpPr/>
+          <p:nvPr/>
+        </p:nvSpPr>
+        <p:spPr>
+          <a:xfrm>
+            <a:off x="7058702" y="12160410"/>
+            <a:ext cx="2115918" cy="1080000"/>
+          </a:xfrm>
+          <a:prstGeom prst="rect">
+            <a:avLst/>
+          </a:prstGeom>
+          <a:ln w="28575"/>
+        </p:spPr>
+        <p:style>
+          <a:lnRef idx="2">
+            <a:schemeClr val="accent1"/>
+          </a:lnRef>
+          <a:fillRef idx="1">
+            <a:schemeClr val="lt1"/>
+          </a:fillRef>
+          <a:effectRef idx="0">
+            <a:schemeClr val="accent1"/>
+          </a:effectRef>
+          <a:fontRef idx="minor">
+            <a:schemeClr val="dk1"/>
+          </a:fontRef>
+        </p:style>
+        <p:txBody>
+          <a:bodyPr lIns="124733" tIns="62367" rIns="124733" bIns="62367" rtlCol="0" anchor="ctr"/>
+          <a:lstStyle/>
+          <a:p>
+            <a:pPr algn="ctr"/>
+            <a:r>
+              <a:rPr lang="ru-RU" sz="1400" dirty="0" smtClean="0"/>
+              <a:t>Институт исследований Центральной Африки (1947)</a:t>
+            </a:r>
+            <a:endParaRPr lang="ru-RU" sz="500" dirty="0"/>
+          </a:p>
+        </p:txBody>
+      </p:sp>
+      <p:sp>
+        <p:nvSpPr>
+          <p:cNvPr id="126" name="Прямоугольник 125"/>
+          <p:cNvSpPr/>
+          <p:nvPr/>
+        </p:nvSpPr>
+        <p:spPr>
+          <a:xfrm>
+            <a:off x="4711489" y="12165538"/>
+            <a:ext cx="2115918" cy="1080000"/>
+          </a:xfrm>
+          <a:prstGeom prst="rect">
+            <a:avLst/>
+          </a:prstGeom>
+          <a:ln w="28575"/>
+        </p:spPr>
+        <p:style>
+          <a:lnRef idx="2">
+            <a:schemeClr val="accent1"/>
+          </a:lnRef>
+          <a:fillRef idx="1">
+            <a:schemeClr val="lt1"/>
+          </a:fillRef>
+          <a:effectRef idx="0">
+            <a:schemeClr val="accent1"/>
+          </a:effectRef>
+          <a:fontRef idx="minor">
+            <a:schemeClr val="dk1"/>
+          </a:fontRef>
+        </p:style>
+        <p:txBody>
+          <a:bodyPr lIns="124733" tIns="62367" rIns="124733" bIns="62367" rtlCol="0" anchor="ctr"/>
+          <a:lstStyle/>
+          <a:p>
+            <a:pPr algn="ctr"/>
+            <a:r>
+              <a:rPr lang="ru-RU" sz="1400" dirty="0" smtClean="0"/>
+              <a:t>Африканская урбанизация (наше</a:t>
+            </a:r>
+            <a:r>
+              <a:rPr lang="ru-RU" sz="1400" dirty="0"/>
+              <a:t>)</a:t>
+            </a:r>
+            <a:endParaRPr lang="ru-RU" sz="700" dirty="0"/>
+          </a:p>
+        </p:txBody>
+      </p:sp>
+      <p:cxnSp>
+        <p:nvCxnSpPr>
+          <p:cNvPr id="127" name="Соединительная линия уступом 126"/>
+          <p:cNvCxnSpPr>
+            <a:stCxn id="94" idx="2"/>
+            <a:endCxn id="89" idx="0"/>
+          </p:cNvCxnSpPr>
+          <p:nvPr/>
+        </p:nvCxnSpPr>
+        <p:spPr>
+          <a:xfrm rot="5400000">
+            <a:off x="6729585" y="9230222"/>
+            <a:ext cx="426940" cy="2347212"/>
+          </a:xfrm>
+          <a:prstGeom prst="bentConnector3">
+            <a:avLst>
+              <a:gd name="adj1" fmla="val 50000"/>
+            </a:avLst>
+          </a:prstGeom>
+          <a:ln w="28575">
+            <a:tailEnd type="arrow"/>
+          </a:ln>
+        </p:spPr>
+        <p:style>
+          <a:lnRef idx="1">
+            <a:schemeClr val="accent1"/>
+          </a:lnRef>
+          <a:fillRef idx="0">
+            <a:schemeClr val="accent1"/>
+          </a:fillRef>
+          <a:effectRef idx="0">
+            <a:schemeClr val="accent1"/>
+          </a:effectRef>
+          <a:fontRef idx="minor">
+            <a:schemeClr val="tx1"/>
+          </a:fontRef>
+        </p:style>
+      </p:cxnSp>
+      <p:cxnSp>
+        <p:nvCxnSpPr>
+          <p:cNvPr id="131" name="Соединительная линия уступом 130"/>
+          <p:cNvCxnSpPr>
+            <a:stCxn id="93" idx="2"/>
+            <a:endCxn id="327" idx="0"/>
+          </p:cNvCxnSpPr>
+          <p:nvPr/>
+        </p:nvCxnSpPr>
+        <p:spPr>
+          <a:xfrm rot="16200000" flipH="1">
+            <a:off x="9654066" y="8289269"/>
+            <a:ext cx="462985" cy="1179191"/>
+          </a:xfrm>
+          <a:prstGeom prst="bentConnector3">
+            <a:avLst>
+              <a:gd name="adj1" fmla="val 50000"/>
+            </a:avLst>
+          </a:prstGeom>
+          <a:ln w="28575">
+            <a:tailEnd type="arrow"/>
+          </a:ln>
+        </p:spPr>
+        <p:style>
+          <a:lnRef idx="1">
+            <a:schemeClr val="accent1"/>
+          </a:lnRef>
+          <a:fillRef idx="0">
+            <a:schemeClr val="accent1"/>
+          </a:fillRef>
+          <a:effectRef idx="0">
+            <a:schemeClr val="accent1"/>
+          </a:effectRef>
+          <a:fontRef idx="minor">
+            <a:schemeClr val="tx1"/>
+          </a:fontRef>
+        </p:style>
+      </p:cxnSp>
+      <p:cxnSp>
+        <p:nvCxnSpPr>
+          <p:cNvPr id="137" name="Прямая со стрелкой 136"/>
+          <p:cNvCxnSpPr>
+            <a:stCxn id="94" idx="2"/>
+            <a:endCxn id="329" idx="0"/>
+          </p:cNvCxnSpPr>
+          <p:nvPr/>
+        </p:nvCxnSpPr>
+        <p:spPr>
+          <a:xfrm>
+            <a:off x="8116661" y="10190358"/>
+            <a:ext cx="1" cy="426940"/>
+          </a:xfrm>
+          <a:prstGeom prst="straightConnector1">
+            <a:avLst/>
+          </a:prstGeom>
+          <a:ln w="28575">
+            <a:tailEnd type="arrow"/>
+          </a:ln>
+        </p:spPr>
+        <p:style>
+          <a:lnRef idx="1">
+            <a:schemeClr val="accent1"/>
+          </a:lnRef>
+          <a:fillRef idx="0">
+            <a:schemeClr val="accent1"/>
+          </a:fillRef>
+          <a:effectRef idx="0">
+            <a:schemeClr val="accent1"/>
+          </a:effectRef>
+          <a:fontRef idx="minor">
+            <a:schemeClr val="tx1"/>
+          </a:fontRef>
+        </p:style>
+      </p:cxnSp>
+      <p:cxnSp>
+        <p:nvCxnSpPr>
+          <p:cNvPr id="140" name="Прямая со стрелкой 139"/>
+          <p:cNvCxnSpPr>
+            <a:stCxn id="329" idx="2"/>
+            <a:endCxn id="125" idx="0"/>
+          </p:cNvCxnSpPr>
+          <p:nvPr/>
+        </p:nvCxnSpPr>
+        <p:spPr>
+          <a:xfrm flipH="1">
+            <a:off x="8116661" y="11697298"/>
+            <a:ext cx="1" cy="463112"/>
+          </a:xfrm>
+          <a:prstGeom prst="straightConnector1">
+            <a:avLst/>
+          </a:prstGeom>
+          <a:ln w="28575">
+            <a:tailEnd type="arrow"/>
+          </a:ln>
+        </p:spPr>
+        <p:style>
+          <a:lnRef idx="1">
+            <a:schemeClr val="accent1"/>
+          </a:lnRef>
+          <a:fillRef idx="0">
+            <a:schemeClr val="accent1"/>
+          </a:fillRef>
+          <a:effectRef idx="0">
+            <a:schemeClr val="accent1"/>
+          </a:effectRef>
+          <a:fontRef idx="minor">
+            <a:schemeClr val="tx1"/>
+          </a:fontRef>
+        </p:style>
+      </p:cxnSp>
+      <p:cxnSp>
+        <p:nvCxnSpPr>
+          <p:cNvPr id="143" name="Прямая со стрелкой 142"/>
+          <p:cNvCxnSpPr>
+            <a:stCxn id="89" idx="2"/>
+            <a:endCxn id="126" idx="0"/>
+          </p:cNvCxnSpPr>
+          <p:nvPr/>
+        </p:nvCxnSpPr>
+        <p:spPr>
+          <a:xfrm flipH="1">
+            <a:off x="5769448" y="11697298"/>
+            <a:ext cx="1" cy="468240"/>
+          </a:xfrm>
+          <a:prstGeom prst="straightConnector1">
+            <a:avLst/>
+          </a:prstGeom>
+          <a:ln w="28575">
+            <a:tailEnd type="arrow"/>
+          </a:ln>
+        </p:spPr>
+        <p:style>
+          <a:lnRef idx="1">
+            <a:schemeClr val="accent1"/>
+          </a:lnRef>
+          <a:fillRef idx="0">
+            <a:schemeClr val="accent1"/>
+          </a:fillRef>
+          <a:effectRef idx="0">
+            <a:schemeClr val="accent1"/>
+          </a:effectRef>
+          <a:fontRef idx="minor">
+            <a:schemeClr val="tx1"/>
+          </a:fontRef>
+        </p:style>
+      </p:cxnSp>
+      <p:cxnSp>
+        <p:nvCxnSpPr>
+          <p:cNvPr id="146" name="Прямая со стрелкой 145"/>
+          <p:cNvCxnSpPr>
+            <a:stCxn id="95" idx="2"/>
+            <a:endCxn id="97" idx="0"/>
+          </p:cNvCxnSpPr>
+          <p:nvPr/>
+        </p:nvCxnSpPr>
+        <p:spPr>
+          <a:xfrm>
+            <a:off x="10475154" y="11697298"/>
+            <a:ext cx="0" cy="463112"/>
+          </a:xfrm>
+          <a:prstGeom prst="straightConnector1">
+            <a:avLst/>
+          </a:prstGeom>
+          <a:ln w="28575">
+            <a:tailEnd type="arrow"/>
+          </a:ln>
+        </p:spPr>
+        <p:style>
+          <a:lnRef idx="1">
+            <a:schemeClr val="accent1"/>
+          </a:lnRef>
+          <a:fillRef idx="0">
+            <a:schemeClr val="accent1"/>
+          </a:fillRef>
+          <a:effectRef idx="0">
+            <a:schemeClr val="accent1"/>
+          </a:effectRef>
+          <a:fontRef idx="minor">
+            <a:schemeClr val="tx1"/>
+          </a:fontRef>
+        </p:style>
+      </p:cxnSp>
+      <p:cxnSp>
+        <p:nvCxnSpPr>
+          <p:cNvPr id="153" name="Соединительная линия уступом 152"/>
+          <p:cNvCxnSpPr>
+            <a:stCxn id="94" idx="2"/>
+            <a:endCxn id="95" idx="0"/>
+          </p:cNvCxnSpPr>
+          <p:nvPr/>
+        </p:nvCxnSpPr>
+        <p:spPr>
+          <a:xfrm rot="16200000" flipH="1">
+            <a:off x="9082437" y="9224581"/>
+            <a:ext cx="426940" cy="2358493"/>
+          </a:xfrm>
+          <a:prstGeom prst="bentConnector3">
+            <a:avLst>
+              <a:gd name="adj1" fmla="val 50000"/>
+            </a:avLst>
+          </a:prstGeom>
+          <a:ln w="28575">
+            <a:tailEnd type="arrow"/>
+          </a:ln>
+        </p:spPr>
+        <p:style>
+          <a:lnRef idx="1">
+            <a:schemeClr val="accent1"/>
+          </a:lnRef>
+          <a:fillRef idx="0">
+            <a:schemeClr val="accent1"/>
+          </a:fillRef>
+          <a:effectRef idx="0">
+            <a:schemeClr val="accent1"/>
+          </a:effectRef>
+          <a:fontRef idx="minor">
+            <a:schemeClr val="tx1"/>
+          </a:fontRef>
+        </p:style>
+      </p:cxnSp>
+      <p:cxnSp>
+        <p:nvCxnSpPr>
+          <p:cNvPr id="156" name="Соединительная линия уступом 155"/>
+          <p:cNvCxnSpPr>
+            <a:stCxn id="99" idx="2"/>
+            <a:endCxn id="122" idx="0"/>
+          </p:cNvCxnSpPr>
+          <p:nvPr/>
+        </p:nvCxnSpPr>
+        <p:spPr>
+          <a:xfrm rot="5400000">
+            <a:off x="2619168" y="9819871"/>
+            <a:ext cx="426940" cy="1167915"/>
+          </a:xfrm>
+          <a:prstGeom prst="bentConnector3">
+            <a:avLst>
+              <a:gd name="adj1" fmla="val 50000"/>
+            </a:avLst>
+          </a:prstGeom>
+          <a:ln w="28575">
+            <a:prstDash val="sysDash"/>
+            <a:tailEnd type="arrow"/>
+          </a:ln>
+        </p:spPr>
+        <p:style>
+          <a:lnRef idx="1">
+            <a:schemeClr val="accent1"/>
+          </a:lnRef>
+          <a:fillRef idx="0">
+            <a:schemeClr val="accent1"/>
+          </a:fillRef>
+          <a:effectRef idx="0">
+            <a:schemeClr val="accent1"/>
+          </a:effectRef>
+          <a:fontRef idx="minor">
+            <a:schemeClr val="tx1"/>
+          </a:fontRef>
+        </p:style>
+      </p:cxnSp>
+      <p:cxnSp>
+        <p:nvCxnSpPr>
+          <p:cNvPr id="160" name="Соединительная линия уступом 159"/>
+          <p:cNvCxnSpPr>
+            <a:stCxn id="103" idx="2"/>
+            <a:endCxn id="122" idx="0"/>
+          </p:cNvCxnSpPr>
+          <p:nvPr/>
+        </p:nvCxnSpPr>
+        <p:spPr>
+          <a:xfrm rot="16200000" flipH="1">
+            <a:off x="1439849" y="9808467"/>
+            <a:ext cx="426940" cy="1190721"/>
+          </a:xfrm>
+          <a:prstGeom prst="bentConnector3">
+            <a:avLst>
+              <a:gd name="adj1" fmla="val 50000"/>
+            </a:avLst>
+          </a:prstGeom>
+          <a:ln w="28575">
+            <a:prstDash val="sysDash"/>
+            <a:tailEnd type="arrow"/>
+          </a:ln>
+        </p:spPr>
+        <p:style>
+          <a:lnRef idx="1">
+            <a:schemeClr val="accent1"/>
+          </a:lnRef>
+          <a:fillRef idx="0">
+            <a:schemeClr val="accent1"/>
+          </a:fillRef>
+          <a:effectRef idx="0">
+            <a:schemeClr val="accent1"/>
+          </a:effectRef>
+          <a:fontRef idx="minor">
+            <a:schemeClr val="tx1"/>
+          </a:fontRef>
+        </p:style>
+      </p:cxnSp>
+      <p:sp>
+        <p:nvSpPr>
+          <p:cNvPr id="165" name="Прямоугольник 164"/>
+          <p:cNvSpPr/>
+          <p:nvPr/>
+        </p:nvSpPr>
+        <p:spPr>
+          <a:xfrm>
+            <a:off x="11775687" y="9110358"/>
+            <a:ext cx="2115918" cy="1080000"/>
+          </a:xfrm>
+          <a:prstGeom prst="rect">
+            <a:avLst/>
+          </a:prstGeom>
+          <a:ln w="28575"/>
+        </p:spPr>
+        <p:style>
+          <a:lnRef idx="2">
+            <a:schemeClr val="accent1"/>
+          </a:lnRef>
+          <a:fillRef idx="1">
+            <a:schemeClr val="lt1"/>
+          </a:fillRef>
+          <a:effectRef idx="0">
+            <a:schemeClr val="accent1"/>
+          </a:effectRef>
+          <a:fontRef idx="minor">
+            <a:schemeClr val="dk1"/>
+          </a:fontRef>
+        </p:style>
+        <p:txBody>
+          <a:bodyPr lIns="124733" tIns="62367" rIns="124733" bIns="62367" rtlCol="0" anchor="ctr"/>
+          <a:lstStyle/>
+          <a:p>
+            <a:pPr algn="ctr"/>
+            <a:r>
+              <a:rPr lang="ru-RU" sz="1400" dirty="0" smtClean="0"/>
+              <a:t>Строительство плотины Инга (не </a:t>
+            </a:r>
+            <a:r>
+              <a:rPr lang="ru-RU" sz="1400" dirty="0" err="1" smtClean="0"/>
+              <a:t>истор</a:t>
+            </a:r>
+            <a:r>
+              <a:rPr lang="ru-RU" sz="1400" dirty="0" smtClean="0"/>
+              <a:t>)</a:t>
+            </a:r>
+            <a:endParaRPr lang="ru-RU" sz="500" dirty="0"/>
+          </a:p>
+        </p:txBody>
+      </p:sp>
+      <p:sp>
+        <p:nvSpPr>
+          <p:cNvPr id="166" name="Прямоугольник 165"/>
+          <p:cNvSpPr/>
+          <p:nvPr/>
+        </p:nvSpPr>
+        <p:spPr>
+          <a:xfrm>
+            <a:off x="11775687" y="10619097"/>
+            <a:ext cx="2115918" cy="1080000"/>
+          </a:xfrm>
+          <a:prstGeom prst="rect">
+            <a:avLst/>
+          </a:prstGeom>
+          <a:ln w="28575"/>
+        </p:spPr>
+        <p:style>
+          <a:lnRef idx="2">
+            <a:schemeClr val="accent1"/>
+          </a:lnRef>
+          <a:fillRef idx="1">
+            <a:schemeClr val="lt1"/>
+          </a:fillRef>
+          <a:effectRef idx="0">
+            <a:schemeClr val="accent1"/>
+          </a:effectRef>
+          <a:fontRef idx="minor">
+            <a:schemeClr val="dk1"/>
+          </a:fontRef>
+        </p:style>
+        <p:txBody>
+          <a:bodyPr lIns="124733" tIns="62367" rIns="124733" bIns="62367" rtlCol="0" anchor="ctr"/>
+          <a:lstStyle/>
+          <a:p>
+            <a:pPr algn="ctr"/>
+            <a:r>
+              <a:rPr lang="ru-RU" sz="1400" dirty="0" smtClean="0"/>
+              <a:t>Строительство гидроэлектростанций</a:t>
+            </a:r>
+            <a:endParaRPr lang="ru-RU" sz="500" dirty="0"/>
+          </a:p>
+        </p:txBody>
+      </p:sp>
+      <p:cxnSp>
+        <p:nvCxnSpPr>
+          <p:cNvPr id="167" name="Соединительная линия уступом 166"/>
+          <p:cNvCxnSpPr>
+            <a:stCxn id="93" idx="2"/>
+            <a:endCxn id="165" idx="0"/>
+          </p:cNvCxnSpPr>
+          <p:nvPr/>
+        </p:nvCxnSpPr>
+        <p:spPr>
+          <a:xfrm rot="16200000" flipH="1">
+            <a:off x="10833312" y="7110023"/>
+            <a:ext cx="462985" cy="3537683"/>
+          </a:xfrm>
+          <a:prstGeom prst="bentConnector3">
+            <a:avLst>
+              <a:gd name="adj1" fmla="val 50000"/>
+            </a:avLst>
+          </a:prstGeom>
+          <a:ln w="28575">
+            <a:tailEnd type="arrow"/>
+          </a:ln>
+        </p:spPr>
+        <p:style>
+          <a:lnRef idx="1">
+            <a:schemeClr val="accent1"/>
+          </a:lnRef>
+          <a:fillRef idx="0">
+            <a:schemeClr val="accent1"/>
+          </a:fillRef>
+          <a:effectRef idx="0">
+            <a:schemeClr val="accent1"/>
+          </a:effectRef>
+          <a:fontRef idx="minor">
+            <a:schemeClr val="tx1"/>
+          </a:fontRef>
+        </p:style>
+      </p:cxnSp>
+      <p:cxnSp>
+        <p:nvCxnSpPr>
+          <p:cNvPr id="174" name="Соединительная линия уступом 173"/>
+          <p:cNvCxnSpPr>
+            <a:stCxn id="93" idx="2"/>
+            <a:endCxn id="94" idx="0"/>
+          </p:cNvCxnSpPr>
+          <p:nvPr/>
+        </p:nvCxnSpPr>
+        <p:spPr>
+          <a:xfrm rot="5400000">
+            <a:off x="8474820" y="8289214"/>
+            <a:ext cx="462985" cy="1179302"/>
+          </a:xfrm>
+          <a:prstGeom prst="bentConnector3">
+            <a:avLst>
+              <a:gd name="adj1" fmla="val 50000"/>
+            </a:avLst>
+          </a:prstGeom>
+          <a:ln w="28575">
+            <a:tailEnd type="arrow"/>
+          </a:ln>
+        </p:spPr>
+        <p:style>
+          <a:lnRef idx="1">
+            <a:schemeClr val="accent1"/>
+          </a:lnRef>
+          <a:fillRef idx="0">
+            <a:schemeClr val="accent1"/>
+          </a:fillRef>
+          <a:effectRef idx="0">
+            <a:schemeClr val="accent1"/>
+          </a:effectRef>
+          <a:fontRef idx="minor">
+            <a:schemeClr val="tx1"/>
+          </a:fontRef>
+        </p:style>
+      </p:cxnSp>
+      <p:cxnSp>
+        <p:nvCxnSpPr>
+          <p:cNvPr id="178" name="Прямая со стрелкой 177"/>
+          <p:cNvCxnSpPr>
+            <a:stCxn id="165" idx="2"/>
+            <a:endCxn id="166" idx="0"/>
+          </p:cNvCxnSpPr>
+          <p:nvPr/>
+        </p:nvCxnSpPr>
+        <p:spPr>
+          <a:xfrm>
+            <a:off x="12833646" y="10190358"/>
+            <a:ext cx="0" cy="428739"/>
+          </a:xfrm>
+          <a:prstGeom prst="straightConnector1">
+            <a:avLst/>
+          </a:prstGeom>
+          <a:ln w="28575">
+            <a:tailEnd type="arrow"/>
+          </a:ln>
+        </p:spPr>
+        <p:style>
+          <a:lnRef idx="1">
+            <a:schemeClr val="accent1"/>
+          </a:lnRef>
+          <a:fillRef idx="0">
+            <a:schemeClr val="accent1"/>
+          </a:fillRef>
+          <a:effectRef idx="0">
+            <a:schemeClr val="accent1"/>
+          </a:effectRef>
+          <a:fontRef idx="minor">
+            <a:schemeClr val="tx1"/>
+          </a:fontRef>
+        </p:style>
+      </p:cxnSp>
+      <p:sp>
+        <p:nvSpPr>
+          <p:cNvPr id="185" name="Прямоугольник 184"/>
+          <p:cNvSpPr/>
+          <p:nvPr/>
+        </p:nvSpPr>
+        <p:spPr>
+          <a:xfrm>
+            <a:off x="4711489" y="13672478"/>
+            <a:ext cx="2115918" cy="1080000"/>
+          </a:xfrm>
+          <a:prstGeom prst="rect">
+            <a:avLst/>
+          </a:prstGeom>
+          <a:ln w="28575"/>
+        </p:spPr>
+        <p:style>
+          <a:lnRef idx="2">
+            <a:schemeClr val="accent1"/>
+          </a:lnRef>
+          <a:fillRef idx="1">
+            <a:schemeClr val="lt1"/>
+          </a:fillRef>
+          <a:effectRef idx="0">
+            <a:schemeClr val="accent1"/>
+          </a:effectRef>
+          <a:fontRef idx="minor">
+            <a:schemeClr val="dk1"/>
+          </a:fontRef>
+        </p:style>
+        <p:txBody>
+          <a:bodyPr lIns="124733" tIns="62367" rIns="124733" bIns="62367" rtlCol="0" anchor="ctr"/>
+          <a:lstStyle/>
+          <a:p>
+            <a:pPr algn="ctr"/>
+            <a:r>
+              <a:rPr lang="en-US" sz="1400" dirty="0"/>
+              <a:t>Force </a:t>
+            </a:r>
+            <a:r>
+              <a:rPr lang="en-US" sz="1400" dirty="0" err="1"/>
+              <a:t>Publique</a:t>
+            </a:r>
+            <a:r>
+              <a:rPr lang="ru-RU" sz="1400" dirty="0"/>
+              <a:t> </a:t>
+            </a:r>
+            <a:r>
+              <a:rPr lang="ru-RU" sz="500" dirty="0"/>
+              <a:t>(была жандармерией и вооруженными силами на территории нынешней Демократической Республики Конго с 1885 года (когда территория была известна как Свободное государство Конго. ), через период бельгийского колониального господства ( Бельгийское Конго - 1908-1960). В июле 1960 года после обретения независимости ФП была переименована в Конголезскую национальную армию или АНК.)</a:t>
+            </a:r>
+            <a:endParaRPr lang="ru-RU" sz="100" dirty="0"/>
+          </a:p>
+        </p:txBody>
+      </p:sp>
+      <p:sp>
+        <p:nvSpPr>
+          <p:cNvPr id="186" name="Прямоугольник 185"/>
+          <p:cNvSpPr/>
+          <p:nvPr/>
+        </p:nvSpPr>
+        <p:spPr>
+          <a:xfrm>
+            <a:off x="3543575" y="15179418"/>
+            <a:ext cx="2115918" cy="1080000"/>
+          </a:xfrm>
+          <a:prstGeom prst="rect">
+            <a:avLst/>
+          </a:prstGeom>
+          <a:ln w="28575"/>
+        </p:spPr>
+        <p:style>
+          <a:lnRef idx="2">
+            <a:schemeClr val="accent1"/>
+          </a:lnRef>
+          <a:fillRef idx="1">
+            <a:schemeClr val="lt1"/>
+          </a:fillRef>
+          <a:effectRef idx="0">
+            <a:schemeClr val="accent1"/>
+          </a:effectRef>
+          <a:fontRef idx="minor">
+            <a:schemeClr val="dk1"/>
+          </a:fontRef>
+        </p:style>
+        <p:txBody>
+          <a:bodyPr lIns="124733" tIns="62367" rIns="124733" bIns="62367" rtlCol="0" anchor="ctr"/>
+          <a:lstStyle/>
+          <a:p>
+            <a:pPr algn="ctr"/>
+            <a:r>
+              <a:rPr lang="ru-RU" sz="1400" dirty="0" smtClean="0"/>
+              <a:t>Сохранить белых офицеров</a:t>
+            </a:r>
+            <a:endParaRPr lang="ru-RU" sz="700" dirty="0"/>
+          </a:p>
+        </p:txBody>
+      </p:sp>
+      <p:sp>
+        <p:nvSpPr>
+          <p:cNvPr id="187" name="Прямоугольник 186"/>
+          <p:cNvSpPr/>
+          <p:nvPr/>
+        </p:nvSpPr>
+        <p:spPr>
+          <a:xfrm>
+            <a:off x="5885096" y="15179418"/>
+            <a:ext cx="2115918" cy="1080000"/>
+          </a:xfrm>
+          <a:prstGeom prst="rect">
+            <a:avLst/>
+          </a:prstGeom>
+          <a:ln w="28575"/>
+        </p:spPr>
+        <p:style>
+          <a:lnRef idx="2">
+            <a:schemeClr val="accent1"/>
+          </a:lnRef>
+          <a:fillRef idx="1">
+            <a:schemeClr val="lt1"/>
+          </a:fillRef>
+          <a:effectRef idx="0">
+            <a:schemeClr val="accent1"/>
+          </a:effectRef>
+          <a:fontRef idx="minor">
+            <a:schemeClr val="dk1"/>
+          </a:fontRef>
+        </p:style>
+        <p:txBody>
+          <a:bodyPr lIns="124733" tIns="62367" rIns="124733" bIns="62367" rtlCol="0" anchor="ctr"/>
+          <a:lstStyle/>
+          <a:p>
+            <a:pPr algn="ctr"/>
+            <a:r>
+              <a:rPr lang="ru-RU" sz="1400" dirty="0" smtClean="0"/>
+              <a:t>Набрать офицеров из чернокожих</a:t>
+            </a:r>
+            <a:endParaRPr lang="ru-RU" sz="700" dirty="0"/>
+          </a:p>
+        </p:txBody>
+      </p:sp>
+      <p:cxnSp>
+        <p:nvCxnSpPr>
+          <p:cNvPr id="188" name="Прямая соединительная линия 187"/>
+          <p:cNvCxnSpPr>
+            <a:stCxn id="186" idx="3"/>
+            <a:endCxn id="187" idx="1"/>
+          </p:cNvCxnSpPr>
+          <p:nvPr/>
+        </p:nvCxnSpPr>
+        <p:spPr>
+          <a:xfrm>
+            <a:off x="5659493" y="15719418"/>
+            <a:ext cx="225603" cy="0"/>
+          </a:xfrm>
+          <a:prstGeom prst="line">
+            <a:avLst/>
+          </a:prstGeom>
+          <a:ln w="28575">
+            <a:solidFill>
+              <a:srgbClr val="FF0000"/>
+            </a:solidFill>
+          </a:ln>
+        </p:spPr>
+        <p:style>
+          <a:lnRef idx="1">
+            <a:schemeClr val="accent1"/>
+          </a:lnRef>
+          <a:fillRef idx="0">
+            <a:schemeClr val="accent1"/>
+          </a:fillRef>
+          <a:effectRef idx="0">
+            <a:schemeClr val="accent1"/>
+          </a:effectRef>
+          <a:fontRef idx="minor">
+            <a:schemeClr val="tx1"/>
+          </a:fontRef>
+        </p:style>
+      </p:cxnSp>
+      <p:sp>
+        <p:nvSpPr>
+          <p:cNvPr id="191" name="Прямоугольник 190"/>
+          <p:cNvSpPr/>
+          <p:nvPr/>
+        </p:nvSpPr>
+        <p:spPr>
+          <a:xfrm>
+            <a:off x="2358636" y="16799418"/>
+            <a:ext cx="2115918" cy="1080000"/>
+          </a:xfrm>
+          <a:prstGeom prst="rect">
+            <a:avLst/>
+          </a:prstGeom>
+          <a:ln w="28575"/>
+        </p:spPr>
+        <p:style>
+          <a:lnRef idx="2">
+            <a:schemeClr val="accent1"/>
+          </a:lnRef>
+          <a:fillRef idx="1">
+            <a:schemeClr val="lt1"/>
+          </a:fillRef>
+          <a:effectRef idx="0">
+            <a:schemeClr val="accent1"/>
+          </a:effectRef>
+          <a:fontRef idx="minor">
+            <a:schemeClr val="dk1"/>
+          </a:fontRef>
+        </p:style>
+        <p:txBody>
+          <a:bodyPr lIns="124733" tIns="62367" rIns="124733" bIns="62367" rtlCol="0" anchor="ctr"/>
+          <a:lstStyle/>
+          <a:p>
+            <a:pPr algn="ctr"/>
+            <a:r>
+              <a:rPr lang="ru-RU" sz="1400" dirty="0" err="1"/>
+              <a:t>Compagnie</a:t>
+            </a:r>
+            <a:r>
+              <a:rPr lang="ru-RU" sz="1400" dirty="0"/>
+              <a:t> </a:t>
+            </a:r>
+            <a:r>
+              <a:rPr lang="ru-RU" sz="1400" dirty="0" err="1"/>
+              <a:t>d'Artillerie</a:t>
+            </a:r>
+            <a:r>
+              <a:rPr lang="ru-RU" sz="1400" dirty="0"/>
+              <a:t> </a:t>
+            </a:r>
+            <a:r>
+              <a:rPr lang="ru-RU" sz="1400" dirty="0" err="1"/>
+              <a:t>et</a:t>
+            </a:r>
+            <a:r>
+              <a:rPr lang="ru-RU" sz="1400" dirty="0"/>
+              <a:t> </a:t>
+            </a:r>
+            <a:r>
+              <a:rPr lang="ru-RU" sz="1400" dirty="0" err="1"/>
+              <a:t>de</a:t>
+            </a:r>
+            <a:r>
+              <a:rPr lang="ru-RU" sz="1400" dirty="0"/>
+              <a:t> </a:t>
+            </a:r>
+            <a:r>
+              <a:rPr lang="ru-RU" sz="1400" dirty="0" err="1"/>
+              <a:t>Génie</a:t>
+            </a:r>
+            <a:r>
+              <a:rPr lang="ru-RU" sz="1400" dirty="0"/>
+              <a:t> </a:t>
+            </a:r>
+            <a:r>
+              <a:rPr lang="ru-RU" sz="1050" dirty="0"/>
+              <a:t>(Артиллерийская и инженерная </a:t>
+            </a:r>
+            <a:r>
+              <a:rPr lang="ru-RU" sz="1050" dirty="0" smtClean="0"/>
+              <a:t>рота, </a:t>
+            </a:r>
+            <a:r>
+              <a:rPr lang="ru-RU" sz="1050" dirty="0"/>
+              <a:t>располагавшаяся в форте </a:t>
+            </a:r>
+            <a:r>
+              <a:rPr lang="ru-RU" sz="1050" dirty="0" err="1"/>
+              <a:t>Шинкакаса</a:t>
+            </a:r>
+            <a:r>
+              <a:rPr lang="ru-RU" sz="1050" dirty="0"/>
+              <a:t> в устье реки Конго в </a:t>
+            </a:r>
+            <a:r>
+              <a:rPr lang="ru-RU" sz="1050" dirty="0" smtClean="0"/>
+              <a:t>Боме)</a:t>
+            </a:r>
+            <a:endParaRPr lang="ru-RU" sz="400" dirty="0"/>
+          </a:p>
+        </p:txBody>
+      </p:sp>
+      <p:sp>
+        <p:nvSpPr>
+          <p:cNvPr id="192" name="Прямоугольник 191"/>
+          <p:cNvSpPr/>
+          <p:nvPr/>
+        </p:nvSpPr>
+        <p:spPr>
+          <a:xfrm>
+            <a:off x="7058702" y="16799418"/>
+            <a:ext cx="2115918" cy="1080000"/>
+          </a:xfrm>
+          <a:prstGeom prst="rect">
+            <a:avLst/>
+          </a:prstGeom>
+          <a:ln w="28575"/>
+        </p:spPr>
+        <p:style>
+          <a:lnRef idx="2">
+            <a:schemeClr val="accent1"/>
+          </a:lnRef>
+          <a:fillRef idx="1">
+            <a:schemeClr val="lt1"/>
+          </a:fillRef>
+          <a:effectRef idx="0">
+            <a:schemeClr val="accent1"/>
+          </a:effectRef>
+          <a:fontRef idx="minor">
+            <a:schemeClr val="dk1"/>
+          </a:fontRef>
+        </p:style>
+        <p:txBody>
+          <a:bodyPr lIns="124733" tIns="62367" rIns="124733" bIns="62367" rtlCol="0" anchor="ctr"/>
+          <a:lstStyle/>
+          <a:p>
+            <a:pPr algn="ctr"/>
+            <a:r>
+              <a:rPr lang="ru-RU" sz="1400" dirty="0" smtClean="0"/>
+              <a:t>10-я станция </a:t>
+            </a:r>
+            <a:r>
+              <a:rPr lang="ru-RU" sz="1400" dirty="0"/>
+              <a:t>по оказанию помощи пострадавшим </a:t>
+            </a:r>
+            <a:r>
+              <a:rPr lang="ru-RU" sz="400" dirty="0"/>
+              <a:t>(Медицинское подразделение из Конго, 10-я (Бельгийское Конго) станция по оказанию помощи пострадавшим , было сформировано в 1943 году и служило вместе с британскими войсками во время вторжения на Мадагаскар и на Дальний Восток во время Бирманской кампании . [57] Подразделение (которое имело небольшой отряд </a:t>
+            </a:r>
+            <a:r>
+              <a:rPr lang="ru-RU" sz="400" dirty="0" err="1"/>
+              <a:t>Force</a:t>
+            </a:r>
+            <a:r>
+              <a:rPr lang="ru-RU" sz="400" dirty="0"/>
+              <a:t> </a:t>
+            </a:r>
+            <a:r>
+              <a:rPr lang="ru-RU" sz="400" dirty="0" err="1"/>
+              <a:t>Publique</a:t>
+            </a:r>
+            <a:r>
+              <a:rPr lang="ru-RU" sz="400" dirty="0"/>
+              <a:t> для местной защиты станции) включало 350 чернокожих и 20 белых сотрудников и продолжало служить с британцами до 1945 года.)</a:t>
+            </a:r>
+            <a:endParaRPr lang="ru-RU" sz="100" dirty="0"/>
+          </a:p>
+        </p:txBody>
+      </p:sp>
+      <p:sp>
+        <p:nvSpPr>
+          <p:cNvPr id="193" name="Прямоугольник 192"/>
+          <p:cNvSpPr/>
+          <p:nvPr/>
+        </p:nvSpPr>
+        <p:spPr>
+          <a:xfrm>
+            <a:off x="10585216" y="15179418"/>
+            <a:ext cx="2115918" cy="1080000"/>
+          </a:xfrm>
+          <a:prstGeom prst="rect">
+            <a:avLst/>
+          </a:prstGeom>
+          <a:ln w="28575"/>
+        </p:spPr>
+        <p:style>
+          <a:lnRef idx="2">
+            <a:schemeClr val="accent1"/>
+          </a:lnRef>
+          <a:fillRef idx="1">
+            <a:schemeClr val="lt1"/>
+          </a:fillRef>
+          <a:effectRef idx="0">
+            <a:schemeClr val="accent1"/>
+          </a:effectRef>
+          <a:fontRef idx="minor">
+            <a:schemeClr val="dk1"/>
+          </a:fontRef>
+        </p:style>
+        <p:txBody>
+          <a:bodyPr lIns="124733" tIns="62367" rIns="124733" bIns="62367" rtlCol="0" anchor="ctr"/>
+          <a:lstStyle/>
+          <a:p>
+            <a:pPr algn="ctr"/>
+            <a:r>
+              <a:rPr lang="fr-FR" sz="1400" dirty="0"/>
+              <a:t>Aviation militaire de la Force </a:t>
+            </a:r>
+            <a:r>
+              <a:rPr lang="fr-FR" sz="1400" dirty="0" smtClean="0"/>
+              <a:t>Publique</a:t>
+            </a:r>
+            <a:r>
+              <a:rPr lang="ru-RU" sz="1400" dirty="0"/>
+              <a:t> </a:t>
+            </a:r>
+            <a:r>
+              <a:rPr lang="ru-RU" sz="500" dirty="0"/>
+              <a:t>(В конце 1940 года штаб FP , осознавая необходимость авиационной поддержки сил, начал формировать </a:t>
+            </a:r>
+            <a:r>
+              <a:rPr lang="ru-RU" sz="500" dirty="0" err="1"/>
+              <a:t>Aviation</a:t>
+            </a:r>
+            <a:r>
+              <a:rPr lang="ru-RU" sz="500" dirty="0"/>
+              <a:t> </a:t>
+            </a:r>
+            <a:r>
+              <a:rPr lang="ru-RU" sz="500" dirty="0" err="1"/>
+              <a:t>militaire</a:t>
+            </a:r>
+            <a:r>
+              <a:rPr lang="ru-RU" sz="500" dirty="0"/>
+              <a:t> </a:t>
+            </a:r>
+            <a:r>
+              <a:rPr lang="ru-RU" sz="500" dirty="0" err="1"/>
+              <a:t>de</a:t>
+            </a:r>
+            <a:r>
+              <a:rPr lang="ru-RU" sz="500" dirty="0"/>
+              <a:t> </a:t>
+            </a:r>
+            <a:r>
+              <a:rPr lang="ru-RU" sz="500" dirty="0" err="1"/>
+              <a:t>la</a:t>
+            </a:r>
+            <a:r>
+              <a:rPr lang="ru-RU" sz="500" dirty="0"/>
+              <a:t> </a:t>
+            </a:r>
+            <a:r>
+              <a:rPr lang="ru-RU" sz="500" dirty="0" err="1"/>
+              <a:t>Force</a:t>
+            </a:r>
+            <a:r>
+              <a:rPr lang="ru-RU" sz="500" dirty="0"/>
+              <a:t> </a:t>
+            </a:r>
+            <a:r>
+              <a:rPr lang="ru-RU" sz="500" dirty="0" err="1"/>
+              <a:t>Publique</a:t>
+            </a:r>
+            <a:r>
+              <a:rPr lang="ru-RU" sz="500" dirty="0"/>
+              <a:t>, оснащенный реквизированными гражданскими машинами и базирующийся в аэропорту </a:t>
+            </a:r>
+            <a:r>
+              <a:rPr lang="ru-RU" sz="500" dirty="0" err="1"/>
+              <a:t>Н'Доло</a:t>
+            </a:r>
+            <a:r>
+              <a:rPr lang="ru-RU" sz="500" dirty="0"/>
+              <a:t> в </a:t>
+            </a:r>
+            <a:r>
+              <a:rPr lang="ru-RU" sz="500" dirty="0" err="1"/>
+              <a:t>Леопольдвилле</a:t>
+            </a:r>
+            <a:r>
+              <a:rPr lang="ru-RU" sz="500" dirty="0"/>
+              <a:t>. Первой машиной, закупленной для вооруженных сил, была </a:t>
+            </a:r>
+            <a:r>
+              <a:rPr lang="ru-RU" sz="500" dirty="0" err="1"/>
+              <a:t>de</a:t>
+            </a:r>
+            <a:r>
+              <a:rPr lang="ru-RU" sz="500" dirty="0"/>
+              <a:t> </a:t>
+            </a:r>
+            <a:r>
+              <a:rPr lang="ru-RU" sz="500" dirty="0" err="1"/>
+              <a:t>Havilland</a:t>
+            </a:r>
+            <a:r>
+              <a:rPr lang="ru-RU" sz="500" dirty="0"/>
+              <a:t> DH.85 </a:t>
+            </a:r>
+            <a:r>
+              <a:rPr lang="ru-RU" sz="500" dirty="0" err="1"/>
+              <a:t>Leopard</a:t>
+            </a:r>
+            <a:r>
+              <a:rPr lang="ru-RU" sz="500" dirty="0"/>
+              <a:t> </a:t>
+            </a:r>
+            <a:r>
+              <a:rPr lang="ru-RU" sz="500" dirty="0" err="1"/>
+              <a:t>Moth</a:t>
+            </a:r>
+            <a:r>
+              <a:rPr lang="ru-RU" sz="500" dirty="0"/>
+              <a:t> , вступившая в строй 9 октября 1940 г.)</a:t>
+            </a:r>
+            <a:endParaRPr lang="ru-RU" sz="100" dirty="0"/>
+          </a:p>
+        </p:txBody>
+      </p:sp>
+      <p:sp>
+        <p:nvSpPr>
+          <p:cNvPr id="194" name="Прямоугольник 193"/>
+          <p:cNvSpPr/>
+          <p:nvPr/>
+        </p:nvSpPr>
+        <p:spPr>
+          <a:xfrm>
+            <a:off x="11775687" y="16799418"/>
+            <a:ext cx="2115918" cy="1080000"/>
+          </a:xfrm>
+          <a:prstGeom prst="rect">
+            <a:avLst/>
+          </a:prstGeom>
+          <a:ln w="28575"/>
+        </p:spPr>
+        <p:style>
+          <a:lnRef idx="2">
+            <a:schemeClr val="accent1"/>
+          </a:lnRef>
+          <a:fillRef idx="1">
+            <a:schemeClr val="lt1"/>
+          </a:fillRef>
+          <a:effectRef idx="0">
+            <a:schemeClr val="accent1"/>
+          </a:effectRef>
+          <a:fontRef idx="minor">
+            <a:schemeClr val="dk1"/>
+          </a:fontRef>
+        </p:style>
+        <p:txBody>
+          <a:bodyPr lIns="124733" tIns="62367" rIns="124733" bIns="62367" rtlCol="0" anchor="ctr"/>
+          <a:lstStyle/>
+          <a:p>
+            <a:pPr algn="ctr"/>
+            <a:r>
+              <a:rPr lang="ru-RU" sz="1400" dirty="0" smtClean="0"/>
+              <a:t>Расширить аэропорт Н</a:t>
+            </a:r>
+            <a:r>
+              <a:rPr lang="en-US" sz="1400" dirty="0" smtClean="0"/>
+              <a:t>’</a:t>
+            </a:r>
+            <a:r>
+              <a:rPr lang="ru-RU" sz="1400" dirty="0" err="1" smtClean="0"/>
+              <a:t>Доло</a:t>
+            </a:r>
+            <a:r>
+              <a:rPr lang="ru-RU" sz="1400" dirty="0" smtClean="0"/>
+              <a:t> в </a:t>
+            </a:r>
+            <a:r>
+              <a:rPr lang="ru-RU" sz="1400" dirty="0" err="1" smtClean="0"/>
+              <a:t>Леопольдвиле</a:t>
+            </a:r>
+            <a:endParaRPr lang="ru-RU" sz="700" dirty="0"/>
+          </a:p>
+        </p:txBody>
+      </p:sp>
+      <p:sp>
+        <p:nvSpPr>
+          <p:cNvPr id="195" name="Прямоугольник 194"/>
+          <p:cNvSpPr/>
+          <p:nvPr/>
+        </p:nvSpPr>
+        <p:spPr>
+          <a:xfrm>
+            <a:off x="2358636" y="13672478"/>
+            <a:ext cx="2115918" cy="591575"/>
+          </a:xfrm>
+          <a:prstGeom prst="rect">
+            <a:avLst/>
+          </a:prstGeom>
+          <a:ln w="28575"/>
+        </p:spPr>
+        <p:style>
+          <a:lnRef idx="2">
+            <a:schemeClr val="accent1"/>
+          </a:lnRef>
+          <a:fillRef idx="1">
+            <a:schemeClr val="lt1"/>
+          </a:fillRef>
+          <a:effectRef idx="0">
+            <a:schemeClr val="accent1"/>
+          </a:effectRef>
+          <a:fontRef idx="minor">
+            <a:schemeClr val="dk1"/>
+          </a:fontRef>
+        </p:style>
+        <p:txBody>
+          <a:bodyPr lIns="124733" tIns="62367" rIns="124733" bIns="62367" rtlCol="0" anchor="ctr"/>
+          <a:lstStyle/>
+          <a:p>
+            <a:pPr algn="ctr"/>
+            <a:r>
+              <a:rPr lang="ru-RU" sz="1400" dirty="0" smtClean="0"/>
+              <a:t>Генералы</a:t>
+            </a:r>
+            <a:r>
+              <a:rPr lang="en-US" sz="1400" dirty="0"/>
+              <a:t>: </a:t>
+            </a:r>
+            <a:r>
+              <a:rPr lang="en-US" sz="1400" dirty="0" err="1"/>
+              <a:t>Émile</a:t>
+            </a:r>
+            <a:r>
+              <a:rPr lang="en-US" sz="1400" dirty="0"/>
+              <a:t> </a:t>
+            </a:r>
+            <a:r>
+              <a:rPr lang="en-US" sz="1400" dirty="0" err="1" smtClean="0"/>
+              <a:t>Hennequin</a:t>
+            </a:r>
+            <a:r>
+              <a:rPr lang="ru-RU" sz="1400" dirty="0" smtClean="0"/>
+              <a:t>, </a:t>
+            </a:r>
+            <a:r>
+              <a:rPr lang="en-US" sz="1400" dirty="0" err="1"/>
+              <a:t>Auguste</a:t>
+            </a:r>
+            <a:r>
+              <a:rPr lang="en-US" sz="1400" dirty="0"/>
+              <a:t> </a:t>
+            </a:r>
+            <a:r>
+              <a:rPr lang="en-US" sz="1400" dirty="0" err="1" smtClean="0"/>
+              <a:t>Gilliaert</a:t>
+            </a:r>
+            <a:r>
+              <a:rPr lang="ru-RU" sz="1400" dirty="0" smtClean="0"/>
+              <a:t>, </a:t>
+            </a:r>
+            <a:r>
+              <a:rPr lang="en-US" sz="1400" dirty="0"/>
+              <a:t>Paul </a:t>
+            </a:r>
+            <a:r>
+              <a:rPr lang="en-US" sz="1400" dirty="0" err="1" smtClean="0"/>
+              <a:t>Ermens</a:t>
+            </a:r>
+            <a:r>
+              <a:rPr lang="ru-RU" sz="1400" dirty="0" smtClean="0"/>
+              <a:t>, </a:t>
+            </a:r>
+            <a:endParaRPr lang="ru-RU" sz="700" dirty="0"/>
+          </a:p>
+        </p:txBody>
+      </p:sp>
+      <p:sp>
+        <p:nvSpPr>
+          <p:cNvPr id="196" name="Прямоугольник 195"/>
+          <p:cNvSpPr/>
+          <p:nvPr/>
+        </p:nvSpPr>
+        <p:spPr>
+          <a:xfrm>
+            <a:off x="9417195" y="16799418"/>
+            <a:ext cx="2115918" cy="1080000"/>
+          </a:xfrm>
+          <a:prstGeom prst="rect">
+            <a:avLst/>
+          </a:prstGeom>
+          <a:ln w="28575"/>
+        </p:spPr>
+        <p:style>
+          <a:lnRef idx="2">
+            <a:schemeClr val="accent1"/>
+          </a:lnRef>
+          <a:fillRef idx="1">
+            <a:schemeClr val="lt1"/>
+          </a:fillRef>
+          <a:effectRef idx="0">
+            <a:schemeClr val="accent1"/>
+          </a:effectRef>
+          <a:fontRef idx="minor">
+            <a:schemeClr val="dk1"/>
+          </a:fontRef>
+        </p:style>
+        <p:txBody>
+          <a:bodyPr lIns="124733" tIns="62367" rIns="124733" bIns="62367" rtlCol="0" anchor="ctr"/>
+          <a:lstStyle/>
+          <a:p>
+            <a:pPr algn="ctr"/>
+            <a:r>
+              <a:rPr lang="ru-RU" sz="1400" dirty="0"/>
+              <a:t>Воздушное снабжение </a:t>
+            </a:r>
+            <a:r>
+              <a:rPr lang="ru-RU" sz="900" dirty="0"/>
+              <a:t>(В обязанности </a:t>
+            </a:r>
+            <a:r>
+              <a:rPr lang="ru-RU" sz="900" dirty="0" err="1"/>
+              <a:t>Avimil</a:t>
+            </a:r>
+            <a:r>
+              <a:rPr lang="ru-RU" sz="900" dirty="0"/>
+              <a:t> входила перевозка пассажиров, предметов медицинского назначения и других товаров, а также выполнение стыковочных рейсов и сборов)</a:t>
+            </a:r>
+            <a:endParaRPr lang="ru-RU" sz="200" dirty="0"/>
+          </a:p>
+        </p:txBody>
+      </p:sp>
+      <p:cxnSp>
+        <p:nvCxnSpPr>
+          <p:cNvPr id="197" name="Соединительная линия уступом 196"/>
+          <p:cNvCxnSpPr>
+            <a:stCxn id="185" idx="2"/>
+            <a:endCxn id="191" idx="0"/>
+          </p:cNvCxnSpPr>
+          <p:nvPr/>
+        </p:nvCxnSpPr>
+        <p:spPr>
+          <a:xfrm rot="5400000">
+            <a:off x="3569552" y="14599522"/>
+            <a:ext cx="2046940" cy="2352853"/>
+          </a:xfrm>
+          <a:prstGeom prst="bentConnector3">
+            <a:avLst>
+              <a:gd name="adj1" fmla="val 10914"/>
+            </a:avLst>
+          </a:prstGeom>
+          <a:ln w="28575">
+            <a:tailEnd type="arrow"/>
+          </a:ln>
+        </p:spPr>
+        <p:style>
+          <a:lnRef idx="1">
+            <a:schemeClr val="accent1"/>
+          </a:lnRef>
+          <a:fillRef idx="0">
+            <a:schemeClr val="accent1"/>
+          </a:fillRef>
+          <a:effectRef idx="0">
+            <a:schemeClr val="accent1"/>
+          </a:effectRef>
+          <a:fontRef idx="minor">
+            <a:schemeClr val="tx1"/>
+          </a:fontRef>
+        </p:style>
+      </p:cxnSp>
+      <p:cxnSp>
+        <p:nvCxnSpPr>
+          <p:cNvPr id="202" name="Соединительная линия уступом 201"/>
+          <p:cNvCxnSpPr>
+            <a:stCxn id="185" idx="2"/>
+            <a:endCxn id="186" idx="0"/>
+          </p:cNvCxnSpPr>
+          <p:nvPr/>
+        </p:nvCxnSpPr>
+        <p:spPr>
+          <a:xfrm rot="5400000">
+            <a:off x="4972021" y="14381991"/>
+            <a:ext cx="426940" cy="1167914"/>
+          </a:xfrm>
+          <a:prstGeom prst="bentConnector3">
+            <a:avLst>
+              <a:gd name="adj1" fmla="val 50000"/>
+            </a:avLst>
+          </a:prstGeom>
+          <a:ln w="28575">
+            <a:tailEnd type="arrow"/>
+          </a:ln>
+        </p:spPr>
+        <p:style>
+          <a:lnRef idx="1">
+            <a:schemeClr val="accent1"/>
+          </a:lnRef>
+          <a:fillRef idx="0">
+            <a:schemeClr val="accent1"/>
+          </a:fillRef>
+          <a:effectRef idx="0">
+            <a:schemeClr val="accent1"/>
+          </a:effectRef>
+          <a:fontRef idx="minor">
+            <a:schemeClr val="tx1"/>
+          </a:fontRef>
+        </p:style>
+      </p:cxnSp>
+      <p:cxnSp>
+        <p:nvCxnSpPr>
+          <p:cNvPr id="205" name="Соединительная линия уступом 204"/>
+          <p:cNvCxnSpPr>
+            <a:stCxn id="185" idx="2"/>
+            <a:endCxn id="187" idx="0"/>
+          </p:cNvCxnSpPr>
+          <p:nvPr/>
+        </p:nvCxnSpPr>
+        <p:spPr>
+          <a:xfrm rot="16200000" flipH="1">
+            <a:off x="6142781" y="14379144"/>
+            <a:ext cx="426940" cy="1173607"/>
+          </a:xfrm>
+          <a:prstGeom prst="bentConnector3">
+            <a:avLst>
+              <a:gd name="adj1" fmla="val 50000"/>
+            </a:avLst>
+          </a:prstGeom>
+          <a:ln w="28575">
+            <a:tailEnd type="arrow"/>
+          </a:ln>
+        </p:spPr>
+        <p:style>
+          <a:lnRef idx="1">
+            <a:schemeClr val="accent1"/>
+          </a:lnRef>
+          <a:fillRef idx="0">
+            <a:schemeClr val="accent1"/>
+          </a:fillRef>
+          <a:effectRef idx="0">
+            <a:schemeClr val="accent1"/>
+          </a:effectRef>
+          <a:fontRef idx="minor">
+            <a:schemeClr val="tx1"/>
+          </a:fontRef>
+        </p:style>
+      </p:cxnSp>
+      <p:cxnSp>
+        <p:nvCxnSpPr>
+          <p:cNvPr id="208" name="Соединительная линия уступом 207"/>
+          <p:cNvCxnSpPr>
+            <a:stCxn id="185" idx="2"/>
+            <a:endCxn id="193" idx="0"/>
+          </p:cNvCxnSpPr>
+          <p:nvPr/>
+        </p:nvCxnSpPr>
+        <p:spPr>
+          <a:xfrm rot="16200000" flipH="1">
+            <a:off x="8492841" y="12029084"/>
+            <a:ext cx="426940" cy="5873727"/>
+          </a:xfrm>
+          <a:prstGeom prst="bentConnector3">
+            <a:avLst>
+              <a:gd name="adj1" fmla="val 50000"/>
+            </a:avLst>
+          </a:prstGeom>
+          <a:ln w="28575">
+            <a:tailEnd type="arrow"/>
+          </a:ln>
+        </p:spPr>
+        <p:style>
+          <a:lnRef idx="1">
+            <a:schemeClr val="accent1"/>
+          </a:lnRef>
+          <a:fillRef idx="0">
+            <a:schemeClr val="accent1"/>
+          </a:fillRef>
+          <a:effectRef idx="0">
+            <a:schemeClr val="accent1"/>
+          </a:effectRef>
+          <a:fontRef idx="minor">
+            <a:schemeClr val="tx1"/>
+          </a:fontRef>
+        </p:style>
+      </p:cxnSp>
+      <p:cxnSp>
+        <p:nvCxnSpPr>
+          <p:cNvPr id="211" name="Соединительная линия уступом 210"/>
+          <p:cNvCxnSpPr>
+            <a:stCxn id="185" idx="2"/>
+            <a:endCxn id="192" idx="0"/>
+          </p:cNvCxnSpPr>
+          <p:nvPr/>
+        </p:nvCxnSpPr>
+        <p:spPr>
+          <a:xfrm rot="16200000" flipH="1">
+            <a:off x="5919584" y="14602341"/>
+            <a:ext cx="2046940" cy="2347213"/>
+          </a:xfrm>
+          <a:prstGeom prst="bentConnector3">
+            <a:avLst>
+              <a:gd name="adj1" fmla="val 10447"/>
+            </a:avLst>
+          </a:prstGeom>
+          <a:ln w="28575">
+            <a:tailEnd type="arrow"/>
+          </a:ln>
+        </p:spPr>
+        <p:style>
+          <a:lnRef idx="1">
+            <a:schemeClr val="accent1"/>
+          </a:lnRef>
+          <a:fillRef idx="0">
+            <a:schemeClr val="accent1"/>
+          </a:fillRef>
+          <a:effectRef idx="0">
+            <a:schemeClr val="accent1"/>
+          </a:effectRef>
+          <a:fontRef idx="minor">
+            <a:schemeClr val="tx1"/>
+          </a:fontRef>
+        </p:style>
+      </p:cxnSp>
+      <p:cxnSp>
+        <p:nvCxnSpPr>
+          <p:cNvPr id="215" name="Соединительная линия уступом 214"/>
+          <p:cNvCxnSpPr>
+            <a:stCxn id="193" idx="2"/>
+            <a:endCxn id="194" idx="0"/>
+          </p:cNvCxnSpPr>
+          <p:nvPr/>
+        </p:nvCxnSpPr>
+        <p:spPr>
+          <a:xfrm rot="16200000" flipH="1">
+            <a:off x="11968410" y="15934182"/>
+            <a:ext cx="540000" cy="1190471"/>
+          </a:xfrm>
+          <a:prstGeom prst="bentConnector3">
+            <a:avLst>
+              <a:gd name="adj1" fmla="val 50000"/>
+            </a:avLst>
+          </a:prstGeom>
+          <a:ln w="28575">
+            <a:tailEnd type="arrow"/>
+          </a:ln>
+        </p:spPr>
+        <p:style>
+          <a:lnRef idx="1">
+            <a:schemeClr val="accent1"/>
+          </a:lnRef>
+          <a:fillRef idx="0">
+            <a:schemeClr val="accent1"/>
+          </a:fillRef>
+          <a:effectRef idx="0">
+            <a:schemeClr val="accent1"/>
+          </a:effectRef>
+          <a:fontRef idx="minor">
+            <a:schemeClr val="tx1"/>
+          </a:fontRef>
+        </p:style>
+      </p:cxnSp>
+      <p:cxnSp>
+        <p:nvCxnSpPr>
+          <p:cNvPr id="218" name="Соединительная линия уступом 217"/>
+          <p:cNvCxnSpPr>
+            <a:stCxn id="193" idx="2"/>
+            <a:endCxn id="196" idx="0"/>
+          </p:cNvCxnSpPr>
+          <p:nvPr/>
+        </p:nvCxnSpPr>
+        <p:spPr>
+          <a:xfrm rot="5400000">
+            <a:off x="10789165" y="15945408"/>
+            <a:ext cx="540000" cy="1168021"/>
+          </a:xfrm>
+          <a:prstGeom prst="bentConnector3">
+            <a:avLst>
+              <a:gd name="adj1" fmla="val 50000"/>
+            </a:avLst>
+          </a:prstGeom>
+          <a:ln w="28575">
+            <a:tailEnd type="arrow"/>
+          </a:ln>
+        </p:spPr>
+        <p:style>
+          <a:lnRef idx="1">
+            <a:schemeClr val="accent1"/>
+          </a:lnRef>
+          <a:fillRef idx="0">
+            <a:schemeClr val="accent1"/>
+          </a:fillRef>
+          <a:effectRef idx="0">
+            <a:schemeClr val="accent1"/>
+          </a:effectRef>
+          <a:fontRef idx="minor">
+            <a:schemeClr val="tx1"/>
+          </a:fontRef>
+        </p:style>
+      </p:cxnSp>
+      <p:sp>
+        <p:nvSpPr>
+          <p:cNvPr id="221" name="Прямоугольник 220"/>
+          <p:cNvSpPr/>
+          <p:nvPr/>
+        </p:nvSpPr>
+        <p:spPr>
+          <a:xfrm>
+            <a:off x="4711488" y="16788207"/>
+            <a:ext cx="2115918" cy="1080000"/>
+          </a:xfrm>
+          <a:prstGeom prst="rect">
+            <a:avLst/>
+          </a:prstGeom>
+          <a:ln w="28575"/>
+        </p:spPr>
+        <p:style>
+          <a:lnRef idx="2">
+            <a:schemeClr val="accent1"/>
+          </a:lnRef>
+          <a:fillRef idx="1">
+            <a:schemeClr val="lt1"/>
+          </a:fillRef>
+          <a:effectRef idx="0">
+            <a:schemeClr val="accent1"/>
+          </a:effectRef>
+          <a:fontRef idx="minor">
+            <a:schemeClr val="dk1"/>
+          </a:fontRef>
+        </p:style>
+        <p:txBody>
+          <a:bodyPr lIns="124733" tIns="62367" rIns="124733" bIns="62367" rtlCol="0" anchor="ctr"/>
+          <a:lstStyle/>
+          <a:p>
+            <a:pPr algn="ctr"/>
+            <a:r>
+              <a:rPr lang="ru-RU" sz="1400" dirty="0"/>
+              <a:t>Улучшить снаряжение </a:t>
+            </a:r>
+            <a:r>
+              <a:rPr lang="ru-RU" sz="700" dirty="0"/>
+              <a:t>(Пистолеты FN 1910 , FN 1922 и FN 1935 GP использовались вместе с пистолетами-пулеметами Томпсона и винтовками </a:t>
+            </a:r>
+            <a:r>
+              <a:rPr lang="ru-RU" sz="700" dirty="0" err="1"/>
+              <a:t>Mauser</a:t>
+            </a:r>
+            <a:r>
+              <a:rPr lang="ru-RU" sz="700" dirty="0"/>
+              <a:t> 1936 в 1939 году . Точно так же в 1939 году стояли на вооружении пулеметы </a:t>
+            </a:r>
+            <a:r>
+              <a:rPr lang="ru-RU" sz="700" dirty="0" err="1"/>
+              <a:t>Browning</a:t>
+            </a:r>
+            <a:r>
+              <a:rPr lang="ru-RU" sz="700" dirty="0"/>
+              <a:t> BAR FN 1930 и </a:t>
+            </a:r>
+            <a:r>
+              <a:rPr lang="ru-RU" sz="700" dirty="0" err="1"/>
+              <a:t>Browning</a:t>
+            </a:r>
+            <a:r>
+              <a:rPr lang="ru-RU" sz="700" dirty="0"/>
+              <a:t>-FN.)</a:t>
+            </a:r>
+            <a:endParaRPr lang="ru-RU" sz="100" dirty="0"/>
+          </a:p>
+        </p:txBody>
+      </p:sp>
+      <p:cxnSp>
+        <p:nvCxnSpPr>
+          <p:cNvPr id="222" name="Прямая со стрелкой 221"/>
+          <p:cNvCxnSpPr>
+            <a:stCxn id="185" idx="2"/>
+            <a:endCxn id="221" idx="0"/>
+          </p:cNvCxnSpPr>
+          <p:nvPr/>
+        </p:nvCxnSpPr>
+        <p:spPr>
+          <a:xfrm flipH="1">
+            <a:off x="5769447" y="14752478"/>
+            <a:ext cx="1" cy="2035729"/>
+          </a:xfrm>
+          <a:prstGeom prst="straightConnector1">
+            <a:avLst/>
+          </a:prstGeom>
+          <a:ln w="28575">
+            <a:tailEnd type="arrow"/>
+          </a:ln>
+        </p:spPr>
+        <p:style>
+          <a:lnRef idx="1">
+            <a:schemeClr val="accent1"/>
+          </a:lnRef>
+          <a:fillRef idx="0">
+            <a:schemeClr val="accent1"/>
+          </a:fillRef>
+          <a:effectRef idx="0">
+            <a:schemeClr val="accent1"/>
+          </a:effectRef>
+          <a:fontRef idx="minor">
+            <a:schemeClr val="tx1"/>
+          </a:fontRef>
+        </p:style>
+      </p:cxnSp>
+      <p:sp>
+        <p:nvSpPr>
+          <p:cNvPr id="226" name="Прямоугольник 225"/>
+          <p:cNvSpPr/>
+          <p:nvPr/>
+        </p:nvSpPr>
+        <p:spPr>
+          <a:xfrm>
+            <a:off x="8292979" y="15179418"/>
+            <a:ext cx="2115918" cy="1080000"/>
+          </a:xfrm>
+          <a:prstGeom prst="rect">
+            <a:avLst/>
+          </a:prstGeom>
+          <a:ln w="28575"/>
+        </p:spPr>
+        <p:style>
+          <a:lnRef idx="2">
+            <a:schemeClr val="accent1"/>
+          </a:lnRef>
+          <a:fillRef idx="1">
+            <a:schemeClr val="lt1"/>
+          </a:fillRef>
+          <a:effectRef idx="0">
+            <a:schemeClr val="accent1"/>
+          </a:effectRef>
+          <a:fontRef idx="minor">
+            <a:schemeClr val="dk1"/>
+          </a:fontRef>
+        </p:style>
+        <p:txBody>
+          <a:bodyPr lIns="124733" tIns="62367" rIns="124733" bIns="62367" rtlCol="0" anchor="ctr"/>
+          <a:lstStyle/>
+          <a:p>
+            <a:pPr algn="ctr"/>
+            <a:r>
+              <a:rPr lang="ru-RU" sz="1400" dirty="0" smtClean="0"/>
+              <a:t>Использовать радарные системы в армии (радио будет изучено и темпы к вышкам)</a:t>
+            </a:r>
+            <a:endParaRPr lang="ru-RU" sz="700" dirty="0"/>
+          </a:p>
+        </p:txBody>
+      </p:sp>
+      <p:cxnSp>
+        <p:nvCxnSpPr>
+          <p:cNvPr id="227" name="Соединительная линия уступом 226"/>
+          <p:cNvCxnSpPr>
+            <a:stCxn id="185" idx="2"/>
+            <a:endCxn id="226" idx="0"/>
+          </p:cNvCxnSpPr>
+          <p:nvPr/>
+        </p:nvCxnSpPr>
+        <p:spPr>
+          <a:xfrm rot="16200000" flipH="1">
+            <a:off x="7346723" y="13175203"/>
+            <a:ext cx="426940" cy="3581490"/>
+          </a:xfrm>
+          <a:prstGeom prst="bentConnector3">
+            <a:avLst>
+              <a:gd name="adj1" fmla="val 50000"/>
+            </a:avLst>
+          </a:prstGeom>
+          <a:ln w="28575">
+            <a:tailEnd type="arrow"/>
+          </a:ln>
+        </p:spPr>
+        <p:style>
+          <a:lnRef idx="1">
+            <a:schemeClr val="accent1"/>
+          </a:lnRef>
+          <a:fillRef idx="0">
+            <a:schemeClr val="accent1"/>
+          </a:fillRef>
+          <a:effectRef idx="0">
+            <a:schemeClr val="accent1"/>
+          </a:effectRef>
+          <a:fontRef idx="minor">
+            <a:schemeClr val="tx1"/>
+          </a:fontRef>
+        </p:style>
+      </p:cxnSp>
+      <p:cxnSp>
+        <p:nvCxnSpPr>
+          <p:cNvPr id="230" name="Соединительная линия уступом 229"/>
+          <p:cNvCxnSpPr>
+            <a:stCxn id="226" idx="2"/>
+            <a:endCxn id="196" idx="0"/>
+          </p:cNvCxnSpPr>
+          <p:nvPr/>
+        </p:nvCxnSpPr>
+        <p:spPr>
+          <a:xfrm rot="16200000" flipH="1">
+            <a:off x="9643046" y="15967310"/>
+            <a:ext cx="540000" cy="1124216"/>
+          </a:xfrm>
+          <a:prstGeom prst="bentConnector3">
+            <a:avLst>
+              <a:gd name="adj1" fmla="val 50000"/>
+            </a:avLst>
+          </a:prstGeom>
+          <a:ln w="28575">
+            <a:tailEnd type="arrow"/>
+          </a:ln>
+        </p:spPr>
+        <p:style>
+          <a:lnRef idx="1">
+            <a:schemeClr val="accent1"/>
+          </a:lnRef>
+          <a:fillRef idx="0">
+            <a:schemeClr val="accent1"/>
+          </a:fillRef>
+          <a:effectRef idx="0">
+            <a:schemeClr val="accent1"/>
+          </a:effectRef>
+          <a:fontRef idx="minor">
+            <a:schemeClr val="tx1"/>
+          </a:fontRef>
+        </p:style>
+      </p:cxnSp>
+      <p:sp>
+        <p:nvSpPr>
+          <p:cNvPr id="233" name="Прямоугольник 232"/>
+          <p:cNvSpPr/>
+          <p:nvPr/>
+        </p:nvSpPr>
+        <p:spPr>
+          <a:xfrm>
+            <a:off x="10585216" y="18340731"/>
+            <a:ext cx="2115918" cy="1080000"/>
+          </a:xfrm>
+          <a:prstGeom prst="rect">
+            <a:avLst/>
+          </a:prstGeom>
+          <a:ln w="28575"/>
+        </p:spPr>
+        <p:style>
+          <a:lnRef idx="2">
+            <a:schemeClr val="accent1"/>
+          </a:lnRef>
+          <a:fillRef idx="1">
+            <a:schemeClr val="lt1"/>
+          </a:fillRef>
+          <a:effectRef idx="0">
+            <a:schemeClr val="accent1"/>
+          </a:effectRef>
+          <a:fontRef idx="minor">
+            <a:schemeClr val="dk1"/>
+          </a:fontRef>
+        </p:style>
+        <p:txBody>
+          <a:bodyPr lIns="124733" tIns="62367" rIns="124733" bIns="62367" rtlCol="0" anchor="ctr"/>
+          <a:lstStyle/>
+          <a:p>
+            <a:pPr algn="ctr"/>
+            <a:r>
+              <a:rPr lang="ru-RU" sz="1400" dirty="0" smtClean="0"/>
+              <a:t>Обучить гражданских пилотов (наше)</a:t>
+            </a:r>
+            <a:endParaRPr lang="ru-RU" sz="700" dirty="0"/>
+          </a:p>
+        </p:txBody>
+      </p:sp>
+      <p:cxnSp>
+        <p:nvCxnSpPr>
+          <p:cNvPr id="234" name="Прямая со стрелкой 233"/>
+          <p:cNvCxnSpPr>
+            <a:stCxn id="193" idx="2"/>
+            <a:endCxn id="233" idx="0"/>
+          </p:cNvCxnSpPr>
+          <p:nvPr/>
+        </p:nvCxnSpPr>
+        <p:spPr>
+          <a:xfrm>
+            <a:off x="11643175" y="16259418"/>
+            <a:ext cx="0" cy="2081313"/>
+          </a:xfrm>
+          <a:prstGeom prst="straightConnector1">
+            <a:avLst/>
+          </a:prstGeom>
+          <a:ln w="28575">
+            <a:tailEnd type="arrow"/>
+          </a:ln>
+        </p:spPr>
+        <p:style>
+          <a:lnRef idx="1">
+            <a:schemeClr val="accent1"/>
+          </a:lnRef>
+          <a:fillRef idx="0">
+            <a:schemeClr val="accent1"/>
+          </a:fillRef>
+          <a:effectRef idx="0">
+            <a:schemeClr val="accent1"/>
+          </a:effectRef>
+          <a:fontRef idx="minor">
+            <a:schemeClr val="tx1"/>
+          </a:fontRef>
+        </p:style>
+      </p:cxnSp>
+      <p:sp>
+        <p:nvSpPr>
+          <p:cNvPr id="238" name="Прямоугольник 237"/>
+          <p:cNvSpPr/>
+          <p:nvPr/>
+        </p:nvSpPr>
+        <p:spPr>
+          <a:xfrm>
+            <a:off x="2358636" y="18340731"/>
+            <a:ext cx="2115918" cy="1080000"/>
+          </a:xfrm>
+          <a:prstGeom prst="rect">
+            <a:avLst/>
+          </a:prstGeom>
+          <a:ln w="28575"/>
+        </p:spPr>
+        <p:style>
+          <a:lnRef idx="2">
+            <a:schemeClr val="accent1"/>
+          </a:lnRef>
+          <a:fillRef idx="1">
+            <a:schemeClr val="lt1"/>
+          </a:fillRef>
+          <a:effectRef idx="0">
+            <a:schemeClr val="accent1"/>
+          </a:effectRef>
+          <a:fontRef idx="minor">
+            <a:schemeClr val="dk1"/>
+          </a:fontRef>
+        </p:style>
+        <p:txBody>
+          <a:bodyPr lIns="124733" tIns="62367" rIns="124733" bIns="62367" rtlCol="0" anchor="ctr"/>
+          <a:lstStyle/>
+          <a:p>
+            <a:pPr algn="ctr"/>
+            <a:r>
+              <a:rPr lang="ru-RU" sz="1400" dirty="0" smtClean="0"/>
+              <a:t>Расширение территориальных вооружённых сил</a:t>
+            </a:r>
+            <a:endParaRPr lang="ru-RU" sz="700" dirty="0"/>
+          </a:p>
+        </p:txBody>
+      </p:sp>
+      <p:sp>
+        <p:nvSpPr>
+          <p:cNvPr id="239" name="Прямоугольник 238"/>
+          <p:cNvSpPr/>
+          <p:nvPr/>
+        </p:nvSpPr>
+        <p:spPr>
+          <a:xfrm>
+            <a:off x="7058702" y="18340731"/>
+            <a:ext cx="2115918" cy="1080000"/>
+          </a:xfrm>
+          <a:prstGeom prst="rect">
+            <a:avLst/>
+          </a:prstGeom>
+          <a:ln w="28575"/>
+        </p:spPr>
+        <p:style>
+          <a:lnRef idx="2">
+            <a:schemeClr val="accent1"/>
+          </a:lnRef>
+          <a:fillRef idx="1">
+            <a:schemeClr val="lt1"/>
+          </a:fillRef>
+          <a:effectRef idx="0">
+            <a:schemeClr val="accent1"/>
+          </a:effectRef>
+          <a:fontRef idx="minor">
+            <a:schemeClr val="dk1"/>
+          </a:fontRef>
+        </p:style>
+        <p:txBody>
+          <a:bodyPr lIns="124733" tIns="62367" rIns="124733" bIns="62367" rtlCol="0" anchor="ctr"/>
+          <a:lstStyle/>
+          <a:p>
+            <a:pPr algn="ctr"/>
+            <a:r>
+              <a:rPr lang="ru-RU" sz="1400" dirty="0" smtClean="0"/>
+              <a:t>Расширить набор в добровольческие дивизии</a:t>
+            </a:r>
+            <a:endParaRPr lang="ru-RU" sz="700" dirty="0"/>
+          </a:p>
+        </p:txBody>
+      </p:sp>
+      <p:sp>
+        <p:nvSpPr>
+          <p:cNvPr id="241" name="Прямоугольник 240"/>
+          <p:cNvSpPr/>
+          <p:nvPr/>
+        </p:nvSpPr>
+        <p:spPr>
+          <a:xfrm>
+            <a:off x="4708669" y="18340731"/>
+            <a:ext cx="2115918" cy="1080000"/>
+          </a:xfrm>
+          <a:prstGeom prst="rect">
+            <a:avLst/>
+          </a:prstGeom>
+          <a:ln w="28575"/>
+        </p:spPr>
+        <p:style>
+          <a:lnRef idx="2">
+            <a:schemeClr val="accent1"/>
+          </a:lnRef>
+          <a:fillRef idx="1">
+            <a:schemeClr val="lt1"/>
+          </a:fillRef>
+          <a:effectRef idx="0">
+            <a:schemeClr val="accent1"/>
+          </a:effectRef>
+          <a:fontRef idx="minor">
+            <a:schemeClr val="dk1"/>
+          </a:fontRef>
+        </p:style>
+        <p:txBody>
+          <a:bodyPr lIns="124733" tIns="62367" rIns="124733" bIns="62367" rtlCol="0" anchor="ctr"/>
+          <a:lstStyle/>
+          <a:p>
+            <a:pPr algn="ctr"/>
+            <a:r>
+              <a:rPr lang="ru-RU" sz="1400" dirty="0" smtClean="0"/>
+              <a:t>Дивизион </a:t>
+            </a:r>
+            <a:r>
+              <a:rPr lang="ru-RU" sz="1400" dirty="0" err="1" smtClean="0"/>
+              <a:t>Катанги</a:t>
+            </a:r>
+            <a:r>
+              <a:rPr lang="ru-RU" sz="1400" dirty="0"/>
+              <a:t> </a:t>
+            </a:r>
+            <a:r>
+              <a:rPr lang="ru-RU" sz="500" dirty="0"/>
+              <a:t>(Когда 15.04.1891 </a:t>
+            </a:r>
+            <a:r>
+              <a:rPr lang="ru-RU" sz="500" dirty="0" err="1"/>
+              <a:t>Катанга</a:t>
+            </a:r>
+            <a:r>
+              <a:rPr lang="ru-RU" sz="500" dirty="0"/>
+              <a:t> стала частью СГК, войска провинции были выделены в отдельный корпус, получивший название </a:t>
+            </a:r>
+            <a:r>
+              <a:rPr lang="ru-RU" sz="500" dirty="0" err="1"/>
+              <a:t>Troupes</a:t>
+            </a:r>
+            <a:r>
+              <a:rPr lang="ru-RU" sz="500" dirty="0"/>
+              <a:t> </a:t>
+            </a:r>
+            <a:r>
+              <a:rPr lang="ru-RU" sz="500" dirty="0" err="1"/>
+              <a:t>de</a:t>
+            </a:r>
+            <a:r>
+              <a:rPr lang="ru-RU" sz="500" dirty="0"/>
+              <a:t> </a:t>
+            </a:r>
+            <a:r>
+              <a:rPr lang="ru-RU" sz="500" dirty="0" err="1"/>
+              <a:t>Katanga</a:t>
+            </a:r>
+            <a:r>
+              <a:rPr lang="ru-RU" sz="500" dirty="0"/>
+              <a:t>. Он состоял из 6 рот( 4 маршевых и 2 пехотных), роты велосипедистов и батальонного штаба. В каждой из рот было по 4 бельгийца и 100-150 </a:t>
+            </a:r>
+            <a:r>
+              <a:rPr lang="ru-RU" sz="500" dirty="0" err="1"/>
+              <a:t>аскари</a:t>
+            </a:r>
+            <a:r>
+              <a:rPr lang="ru-RU" sz="500" dirty="0"/>
+              <a:t>, разбитых на взводы по 50 человек. Даже в середине ХХ века этого количества войск и полиции </a:t>
+            </a:r>
+            <a:r>
+              <a:rPr lang="ru-RU" sz="500" dirty="0" err="1"/>
+              <a:t>Э'вилля</a:t>
+            </a:r>
+            <a:r>
+              <a:rPr lang="ru-RU" sz="500" dirty="0"/>
+              <a:t> и </a:t>
+            </a:r>
+            <a:r>
+              <a:rPr lang="ru-RU" sz="500" dirty="0" err="1"/>
+              <a:t>Альбервиля</a:t>
+            </a:r>
+            <a:r>
+              <a:rPr lang="ru-RU" sz="500" dirty="0"/>
+              <a:t> хватало для поддержания порядка</a:t>
+            </a:r>
+            <a:r>
+              <a:rPr lang="ru-RU" sz="500" dirty="0" smtClean="0"/>
+              <a:t>.)</a:t>
+            </a:r>
+            <a:endParaRPr lang="ru-RU" sz="100" dirty="0"/>
+          </a:p>
+        </p:txBody>
+      </p:sp>
+      <p:cxnSp>
+        <p:nvCxnSpPr>
+          <p:cNvPr id="245" name="Соединительная линия уступом 244"/>
+          <p:cNvCxnSpPr>
+            <a:stCxn id="221" idx="2"/>
+            <a:endCxn id="238" idx="0"/>
+          </p:cNvCxnSpPr>
+          <p:nvPr/>
+        </p:nvCxnSpPr>
+        <p:spPr>
+          <a:xfrm rot="5400000">
+            <a:off x="4356759" y="16928043"/>
+            <a:ext cx="472524" cy="2352852"/>
+          </a:xfrm>
+          <a:prstGeom prst="bentConnector3">
+            <a:avLst>
+              <a:gd name="adj1" fmla="val 50000"/>
+            </a:avLst>
+          </a:prstGeom>
+          <a:ln w="28575">
+            <a:tailEnd type="arrow"/>
+          </a:ln>
+        </p:spPr>
+        <p:style>
+          <a:lnRef idx="1">
+            <a:schemeClr val="accent1"/>
+          </a:lnRef>
+          <a:fillRef idx="0">
+            <a:schemeClr val="accent1"/>
+          </a:fillRef>
+          <a:effectRef idx="0">
+            <a:schemeClr val="accent1"/>
+          </a:effectRef>
+          <a:fontRef idx="minor">
+            <a:schemeClr val="tx1"/>
+          </a:fontRef>
+        </p:style>
+      </p:cxnSp>
+      <p:cxnSp>
+        <p:nvCxnSpPr>
+          <p:cNvPr id="248" name="Соединительная линия уступом 247"/>
+          <p:cNvCxnSpPr>
+            <a:stCxn id="221" idx="2"/>
+            <a:endCxn id="239" idx="0"/>
+          </p:cNvCxnSpPr>
+          <p:nvPr/>
+        </p:nvCxnSpPr>
+        <p:spPr>
+          <a:xfrm rot="16200000" flipH="1">
+            <a:off x="6706792" y="16930862"/>
+            <a:ext cx="472524" cy="2347214"/>
+          </a:xfrm>
+          <a:prstGeom prst="bentConnector3">
+            <a:avLst>
+              <a:gd name="adj1" fmla="val 50000"/>
+            </a:avLst>
+          </a:prstGeom>
+          <a:ln w="28575">
+            <a:tailEnd type="arrow"/>
+          </a:ln>
+        </p:spPr>
+        <p:style>
+          <a:lnRef idx="1">
+            <a:schemeClr val="accent1"/>
+          </a:lnRef>
+          <a:fillRef idx="0">
+            <a:schemeClr val="accent1"/>
+          </a:fillRef>
+          <a:effectRef idx="0">
+            <a:schemeClr val="accent1"/>
+          </a:effectRef>
+          <a:fontRef idx="minor">
+            <a:schemeClr val="tx1"/>
+          </a:fontRef>
+        </p:style>
+      </p:cxnSp>
+      <p:cxnSp>
+        <p:nvCxnSpPr>
+          <p:cNvPr id="251" name="Прямая со стрелкой 250"/>
+          <p:cNvCxnSpPr>
+            <a:stCxn id="221" idx="2"/>
+            <a:endCxn id="241" idx="0"/>
+          </p:cNvCxnSpPr>
+          <p:nvPr/>
+        </p:nvCxnSpPr>
+        <p:spPr>
+          <a:xfrm flipH="1">
+            <a:off x="5766628" y="17868207"/>
+            <a:ext cx="2819" cy="472524"/>
+          </a:xfrm>
+          <a:prstGeom prst="straightConnector1">
+            <a:avLst/>
+          </a:prstGeom>
+          <a:ln w="28575">
+            <a:tailEnd type="arrow"/>
+          </a:ln>
+        </p:spPr>
+        <p:style>
+          <a:lnRef idx="1">
+            <a:schemeClr val="accent1"/>
+          </a:lnRef>
+          <a:fillRef idx="0">
+            <a:schemeClr val="accent1"/>
+          </a:fillRef>
+          <a:effectRef idx="0">
+            <a:schemeClr val="accent1"/>
+          </a:effectRef>
+          <a:fontRef idx="minor">
+            <a:schemeClr val="tx1"/>
+          </a:fontRef>
+        </p:style>
+      </p:cxnSp>
+      <p:sp>
+        <p:nvSpPr>
+          <p:cNvPr id="254" name="Прямоугольник 253"/>
+          <p:cNvSpPr/>
+          <p:nvPr/>
+        </p:nvSpPr>
+        <p:spPr>
+          <a:xfrm>
+            <a:off x="1190721" y="15179418"/>
+            <a:ext cx="2115918" cy="1080000"/>
+          </a:xfrm>
+          <a:prstGeom prst="rect">
+            <a:avLst/>
+          </a:prstGeom>
+          <a:ln w="28575"/>
+        </p:spPr>
+        <p:style>
+          <a:lnRef idx="2">
+            <a:schemeClr val="accent1"/>
+          </a:lnRef>
+          <a:fillRef idx="1">
+            <a:schemeClr val="lt1"/>
+          </a:fillRef>
+          <a:effectRef idx="0">
+            <a:schemeClr val="accent1"/>
+          </a:effectRef>
+          <a:fontRef idx="minor">
+            <a:schemeClr val="dk1"/>
+          </a:fontRef>
+        </p:style>
+        <p:txBody>
+          <a:bodyPr lIns="124733" tIns="62367" rIns="124733" bIns="62367" rtlCol="0" anchor="ctr"/>
+          <a:lstStyle/>
+          <a:p>
+            <a:pPr algn="ctr"/>
+            <a:r>
+              <a:rPr lang="ru-RU" sz="1400" dirty="0" smtClean="0"/>
+              <a:t>Тренировки в джунглях</a:t>
+            </a:r>
+            <a:endParaRPr lang="ru-RU" sz="700" dirty="0"/>
+          </a:p>
+        </p:txBody>
+      </p:sp>
+      <p:cxnSp>
+        <p:nvCxnSpPr>
+          <p:cNvPr id="255" name="Соединительная линия уступом 254"/>
+          <p:cNvCxnSpPr>
+            <a:stCxn id="185" idx="2"/>
+            <a:endCxn id="254" idx="0"/>
+          </p:cNvCxnSpPr>
+          <p:nvPr/>
+        </p:nvCxnSpPr>
+        <p:spPr>
+          <a:xfrm rot="5400000">
+            <a:off x="3795594" y="13205564"/>
+            <a:ext cx="426940" cy="3520768"/>
+          </a:xfrm>
+          <a:prstGeom prst="bentConnector3">
+            <a:avLst>
+              <a:gd name="adj1" fmla="val 50000"/>
+            </a:avLst>
+          </a:prstGeom>
+          <a:ln w="28575">
+            <a:tailEnd type="arrow"/>
+          </a:ln>
+        </p:spPr>
+        <p:style>
+          <a:lnRef idx="1">
+            <a:schemeClr val="accent1"/>
+          </a:lnRef>
+          <a:fillRef idx="0">
+            <a:schemeClr val="accent1"/>
+          </a:fillRef>
+          <a:effectRef idx="0">
+            <a:schemeClr val="accent1"/>
+          </a:effectRef>
+          <a:fontRef idx="minor">
+            <a:schemeClr val="tx1"/>
+          </a:fontRef>
+        </p:style>
+      </p:cxnSp>
+      <p:sp>
+        <p:nvSpPr>
+          <p:cNvPr id="260" name="Прямоугольник 259"/>
+          <p:cNvSpPr/>
+          <p:nvPr/>
+        </p:nvSpPr>
+        <p:spPr>
+          <a:xfrm>
+            <a:off x="2829747" y="1436311"/>
+            <a:ext cx="1294896" cy="809999"/>
+          </a:xfrm>
+          <a:prstGeom prst="rect">
+            <a:avLst/>
+          </a:prstGeom>
+          <a:ln w="28575"/>
+        </p:spPr>
+        <p:style>
+          <a:lnRef idx="2">
+            <a:schemeClr val="accent1"/>
+          </a:lnRef>
+          <a:fillRef idx="1">
+            <a:schemeClr val="lt1"/>
+          </a:fillRef>
+          <a:effectRef idx="0">
+            <a:schemeClr val="accent1"/>
+          </a:effectRef>
+          <a:fontRef idx="minor">
+            <a:schemeClr val="dk1"/>
+          </a:fontRef>
+        </p:style>
+        <p:txBody>
+          <a:bodyPr lIns="124733" tIns="62367" rIns="124733" bIns="62367" rtlCol="0" anchor="ctr"/>
+          <a:lstStyle/>
+          <a:p>
+            <a:pPr algn="ctr"/>
+            <a:r>
+              <a:rPr lang="ru-RU" sz="4800" b="1" dirty="0" smtClean="0"/>
+              <a:t>50</a:t>
+            </a:r>
+            <a:endParaRPr lang="ru-RU" sz="1600" b="1" dirty="0"/>
+          </a:p>
+        </p:txBody>
+      </p:sp>
+      <p:sp>
+        <p:nvSpPr>
+          <p:cNvPr id="261" name="Прямоугольник 260"/>
+          <p:cNvSpPr/>
+          <p:nvPr/>
+        </p:nvSpPr>
+        <p:spPr>
+          <a:xfrm>
+            <a:off x="9417195" y="19882044"/>
+            <a:ext cx="2115918" cy="1080000"/>
+          </a:xfrm>
+          <a:prstGeom prst="rect">
+            <a:avLst/>
+          </a:prstGeom>
+          <a:ln w="28575"/>
+        </p:spPr>
+        <p:style>
+          <a:lnRef idx="2">
+            <a:schemeClr val="accent1"/>
+          </a:lnRef>
+          <a:fillRef idx="1">
+            <a:schemeClr val="lt1"/>
+          </a:fillRef>
+          <a:effectRef idx="0">
+            <a:schemeClr val="accent1"/>
+          </a:effectRef>
+          <a:fontRef idx="minor">
+            <a:schemeClr val="dk1"/>
+          </a:fontRef>
+        </p:style>
+        <p:txBody>
+          <a:bodyPr lIns="124733" tIns="62367" rIns="124733" bIns="62367" rtlCol="0" anchor="ctr"/>
+          <a:lstStyle/>
+          <a:p>
+            <a:pPr algn="ctr"/>
+            <a:r>
+              <a:rPr lang="en-US" sz="1400" dirty="0" smtClean="0"/>
+              <a:t>DH.85 Leopard Moth </a:t>
+            </a:r>
+            <a:r>
+              <a:rPr lang="ru-RU" sz="1400" dirty="0" smtClean="0"/>
+              <a:t>(наше)</a:t>
+            </a:r>
+            <a:endParaRPr lang="ru-RU" sz="700" dirty="0"/>
+          </a:p>
+        </p:txBody>
+      </p:sp>
+      <p:sp>
+        <p:nvSpPr>
+          <p:cNvPr id="262" name="Прямоугольник 261"/>
+          <p:cNvSpPr/>
+          <p:nvPr/>
+        </p:nvSpPr>
+        <p:spPr>
+          <a:xfrm>
+            <a:off x="11775687" y="19882044"/>
+            <a:ext cx="2115918" cy="1080000"/>
+          </a:xfrm>
+          <a:prstGeom prst="rect">
+            <a:avLst/>
+          </a:prstGeom>
+          <a:ln w="28575"/>
+        </p:spPr>
+        <p:style>
+          <a:lnRef idx="2">
+            <a:schemeClr val="accent1"/>
+          </a:lnRef>
+          <a:fillRef idx="1">
+            <a:schemeClr val="lt1"/>
+          </a:fillRef>
+          <a:effectRef idx="0">
+            <a:schemeClr val="accent1"/>
+          </a:effectRef>
+          <a:fontRef idx="minor">
+            <a:schemeClr val="dk1"/>
+          </a:fontRef>
+        </p:style>
+        <p:txBody>
+          <a:bodyPr lIns="124733" tIns="62367" rIns="124733" bIns="62367" rtlCol="0" anchor="ctr"/>
+          <a:lstStyle/>
+          <a:p>
+            <a:pPr algn="ctr"/>
+            <a:r>
+              <a:rPr lang="ru-RU" sz="1400" dirty="0" smtClean="0"/>
+              <a:t>Развитие озёрных истребителей и бомбардировщиков</a:t>
+            </a:r>
+            <a:endParaRPr lang="ru-RU" sz="700" dirty="0"/>
+          </a:p>
+        </p:txBody>
+      </p:sp>
+      <p:cxnSp>
+        <p:nvCxnSpPr>
+          <p:cNvPr id="263" name="Соединительная линия уступом 262"/>
+          <p:cNvCxnSpPr>
+            <a:stCxn id="233" idx="2"/>
+            <a:endCxn id="261" idx="0"/>
+          </p:cNvCxnSpPr>
+          <p:nvPr/>
+        </p:nvCxnSpPr>
+        <p:spPr>
+          <a:xfrm rot="5400000">
+            <a:off x="10828509" y="19067377"/>
+            <a:ext cx="461313" cy="1168021"/>
+          </a:xfrm>
+          <a:prstGeom prst="bentConnector3">
+            <a:avLst>
+              <a:gd name="adj1" fmla="val 50000"/>
+            </a:avLst>
+          </a:prstGeom>
+          <a:ln w="28575">
+            <a:tailEnd type="arrow"/>
+          </a:ln>
+        </p:spPr>
+        <p:style>
+          <a:lnRef idx="1">
+            <a:schemeClr val="accent1"/>
+          </a:lnRef>
+          <a:fillRef idx="0">
+            <a:schemeClr val="accent1"/>
+          </a:fillRef>
+          <a:effectRef idx="0">
+            <a:schemeClr val="accent1"/>
+          </a:effectRef>
+          <a:fontRef idx="minor">
+            <a:schemeClr val="tx1"/>
+          </a:fontRef>
+        </p:style>
+      </p:cxnSp>
+      <p:cxnSp>
+        <p:nvCxnSpPr>
+          <p:cNvPr id="266" name="Соединительная линия уступом 265"/>
+          <p:cNvCxnSpPr>
+            <a:stCxn id="233" idx="2"/>
+            <a:endCxn id="262" idx="0"/>
+          </p:cNvCxnSpPr>
+          <p:nvPr/>
+        </p:nvCxnSpPr>
+        <p:spPr>
+          <a:xfrm rot="16200000" flipH="1">
+            <a:off x="12007754" y="19056151"/>
+            <a:ext cx="461313" cy="1190471"/>
+          </a:xfrm>
+          <a:prstGeom prst="bentConnector3">
+            <a:avLst>
+              <a:gd name="adj1" fmla="val 50000"/>
+            </a:avLst>
+          </a:prstGeom>
+          <a:ln w="28575">
+            <a:tailEnd type="arrow"/>
+          </a:ln>
+        </p:spPr>
+        <p:style>
+          <a:lnRef idx="1">
+            <a:schemeClr val="accent1"/>
+          </a:lnRef>
+          <a:fillRef idx="0">
+            <a:schemeClr val="accent1"/>
+          </a:fillRef>
+          <a:effectRef idx="0">
+            <a:schemeClr val="accent1"/>
+          </a:effectRef>
+          <a:fontRef idx="minor">
+            <a:schemeClr val="tx1"/>
+          </a:fontRef>
+        </p:style>
+      </p:cxnSp>
+      <p:sp>
+        <p:nvSpPr>
+          <p:cNvPr id="269" name="Прямоугольник 268"/>
+          <p:cNvSpPr/>
+          <p:nvPr/>
+        </p:nvSpPr>
+        <p:spPr>
+          <a:xfrm>
+            <a:off x="3543575" y="19882044"/>
+            <a:ext cx="2115918" cy="1080000"/>
+          </a:xfrm>
+          <a:prstGeom prst="rect">
+            <a:avLst/>
+          </a:prstGeom>
+          <a:ln w="28575"/>
+        </p:spPr>
+        <p:style>
+          <a:lnRef idx="2">
+            <a:schemeClr val="accent1"/>
+          </a:lnRef>
+          <a:fillRef idx="1">
+            <a:schemeClr val="lt1"/>
+          </a:fillRef>
+          <a:effectRef idx="0">
+            <a:schemeClr val="accent1"/>
+          </a:effectRef>
+          <a:fontRef idx="minor">
+            <a:schemeClr val="dk1"/>
+          </a:fontRef>
+        </p:style>
+        <p:txBody>
+          <a:bodyPr lIns="124733" tIns="62367" rIns="124733" bIns="62367" rtlCol="0" anchor="ctr"/>
+          <a:lstStyle/>
+          <a:p>
+            <a:pPr algn="ctr"/>
+            <a:r>
+              <a:rPr lang="ru-RU" sz="1400" dirty="0" smtClean="0"/>
+              <a:t>Перенести часть Бельгийской военной промышленности</a:t>
+            </a:r>
+            <a:endParaRPr lang="ru-RU" sz="700" dirty="0"/>
+          </a:p>
+        </p:txBody>
+      </p:sp>
+      <p:sp>
+        <p:nvSpPr>
+          <p:cNvPr id="270" name="Прямоугольник 269"/>
+          <p:cNvSpPr/>
+          <p:nvPr/>
+        </p:nvSpPr>
+        <p:spPr>
+          <a:xfrm>
+            <a:off x="5885095" y="19882043"/>
+            <a:ext cx="2115918" cy="1080000"/>
+          </a:xfrm>
+          <a:prstGeom prst="rect">
+            <a:avLst/>
+          </a:prstGeom>
+          <a:ln w="28575"/>
+        </p:spPr>
+        <p:style>
+          <a:lnRef idx="2">
+            <a:schemeClr val="accent1"/>
+          </a:lnRef>
+          <a:fillRef idx="1">
+            <a:schemeClr val="lt1"/>
+          </a:fillRef>
+          <a:effectRef idx="0">
+            <a:schemeClr val="accent1"/>
+          </a:effectRef>
+          <a:fontRef idx="minor">
+            <a:schemeClr val="dk1"/>
+          </a:fontRef>
+        </p:style>
+        <p:txBody>
+          <a:bodyPr lIns="124733" tIns="62367" rIns="124733" bIns="62367" rtlCol="0" anchor="ctr"/>
+          <a:lstStyle/>
+          <a:p>
+            <a:pPr algn="ctr"/>
+            <a:r>
+              <a:rPr lang="ru-RU" sz="1400" dirty="0" smtClean="0"/>
+              <a:t>Создание собственной военной промышленности</a:t>
+            </a:r>
+            <a:endParaRPr lang="ru-RU" sz="700" dirty="0"/>
+          </a:p>
+        </p:txBody>
+      </p:sp>
+      <p:cxnSp>
+        <p:nvCxnSpPr>
+          <p:cNvPr id="271" name="Соединительная линия уступом 270"/>
+          <p:cNvCxnSpPr>
+            <a:stCxn id="221" idx="2"/>
+            <a:endCxn id="269" idx="0"/>
+          </p:cNvCxnSpPr>
+          <p:nvPr/>
+        </p:nvCxnSpPr>
+        <p:spPr>
+          <a:xfrm rot="5400000">
+            <a:off x="4178573" y="18291169"/>
+            <a:ext cx="2013837" cy="1167913"/>
+          </a:xfrm>
+          <a:prstGeom prst="bentConnector3">
+            <a:avLst>
+              <a:gd name="adj1" fmla="val 11689"/>
+            </a:avLst>
+          </a:prstGeom>
+          <a:ln w="28575">
+            <a:tailEnd type="arrow"/>
+          </a:ln>
+        </p:spPr>
+        <p:style>
+          <a:lnRef idx="1">
+            <a:schemeClr val="accent1"/>
+          </a:lnRef>
+          <a:fillRef idx="0">
+            <a:schemeClr val="accent1"/>
+          </a:fillRef>
+          <a:effectRef idx="0">
+            <a:schemeClr val="accent1"/>
+          </a:effectRef>
+          <a:fontRef idx="minor">
+            <a:schemeClr val="tx1"/>
+          </a:fontRef>
+        </p:style>
+      </p:cxnSp>
+      <p:cxnSp>
+        <p:nvCxnSpPr>
+          <p:cNvPr id="275" name="Соединительная линия уступом 274"/>
+          <p:cNvCxnSpPr>
+            <a:stCxn id="221" idx="2"/>
+            <a:endCxn id="270" idx="0"/>
+          </p:cNvCxnSpPr>
+          <p:nvPr/>
+        </p:nvCxnSpPr>
+        <p:spPr>
+          <a:xfrm rot="16200000" flipH="1">
+            <a:off x="5349332" y="18288321"/>
+            <a:ext cx="2013836" cy="1173607"/>
+          </a:xfrm>
+          <a:prstGeom prst="bentConnector3">
+            <a:avLst>
+              <a:gd name="adj1" fmla="val 11689"/>
+            </a:avLst>
+          </a:prstGeom>
+          <a:ln w="28575">
+            <a:tailEnd type="arrow"/>
+          </a:ln>
+        </p:spPr>
+        <p:style>
+          <a:lnRef idx="1">
+            <a:schemeClr val="accent1"/>
+          </a:lnRef>
+          <a:fillRef idx="0">
+            <a:schemeClr val="accent1"/>
+          </a:fillRef>
+          <a:effectRef idx="0">
+            <a:schemeClr val="accent1"/>
+          </a:effectRef>
+          <a:fontRef idx="minor">
+            <a:schemeClr val="tx1"/>
+          </a:fontRef>
+        </p:style>
+      </p:cxnSp>
+      <p:sp>
+        <p:nvSpPr>
+          <p:cNvPr id="279" name="Прямоугольник 278"/>
+          <p:cNvSpPr/>
+          <p:nvPr/>
+        </p:nvSpPr>
+        <p:spPr>
+          <a:xfrm>
+            <a:off x="13350762" y="1431351"/>
+            <a:ext cx="2115918" cy="1080000"/>
+          </a:xfrm>
+          <a:prstGeom prst="rect">
+            <a:avLst/>
+          </a:prstGeom>
+          <a:ln w="28575"/>
+        </p:spPr>
+        <p:style>
+          <a:lnRef idx="2">
+            <a:schemeClr val="accent1"/>
+          </a:lnRef>
+          <a:fillRef idx="1">
+            <a:schemeClr val="lt1"/>
+          </a:fillRef>
+          <a:effectRef idx="0">
+            <a:schemeClr val="accent1"/>
+          </a:effectRef>
+          <a:fontRef idx="minor">
+            <a:schemeClr val="dk1"/>
+          </a:fontRef>
+        </p:style>
+        <p:txBody>
+          <a:bodyPr lIns="124733" tIns="62367" rIns="124733" bIns="62367" rtlCol="0" anchor="ctr"/>
+          <a:lstStyle/>
+          <a:p>
+            <a:pPr algn="ctr"/>
+            <a:r>
+              <a:rPr lang="ru-RU" sz="1400" dirty="0" smtClean="0"/>
+              <a:t>Создание </a:t>
+            </a:r>
+            <a:r>
+              <a:rPr lang="ru-RU" sz="1400" dirty="0"/>
+              <a:t>п</a:t>
+            </a:r>
+            <a:r>
+              <a:rPr lang="ru-RU" sz="1400" dirty="0" smtClean="0"/>
+              <a:t>рофсоюзов для белых</a:t>
+            </a:r>
+            <a:endParaRPr lang="ru-RU" sz="500" dirty="0"/>
+          </a:p>
+        </p:txBody>
+      </p:sp>
     </p:spTree>
     <p:extLst>
       <p:ext uri="{BB962C8B-B14F-4D97-AF65-F5344CB8AC3E}">

--- a/Наработки/диздоки/Бельгийское Конго/Бельгийское Конго.pptx
+++ b/Наработки/диздоки/Бельгийское Конго/Бельгийское Конго.pptx
@@ -209,7 +209,7 @@
             <a:fld id="{33E3D7F9-E251-484C-A6FF-FA958879DF69}" type="datetimeFigureOut">
               <a:rPr lang="ru-RU" smtClean="0"/>
               <a:pPr/>
-              <a:t>02.11.2021</a:t>
+              <a:t>03.11.2021</a:t>
             </a:fld>
             <a:endParaRPr lang="ru-RU"/>
           </a:p>
@@ -700,7 +700,7 @@
             <a:fld id="{85A5DE44-605B-4D3B-B2B7-94543DF81A36}" type="datetimeFigureOut">
               <a:rPr lang="ru-RU" smtClean="0"/>
               <a:pPr/>
-              <a:t>02.11.2021</a:t>
+              <a:t>03.11.2021</a:t>
             </a:fld>
             <a:endParaRPr lang="ru-RU"/>
           </a:p>
@@ -872,7 +872,7 @@
             <a:fld id="{85A5DE44-605B-4D3B-B2B7-94543DF81A36}" type="datetimeFigureOut">
               <a:rPr lang="ru-RU" smtClean="0"/>
               <a:pPr/>
-              <a:t>02.11.2021</a:t>
+              <a:t>03.11.2021</a:t>
             </a:fld>
             <a:endParaRPr lang="ru-RU"/>
           </a:p>
@@ -1054,7 +1054,7 @@
             <a:fld id="{85A5DE44-605B-4D3B-B2B7-94543DF81A36}" type="datetimeFigureOut">
               <a:rPr lang="ru-RU" smtClean="0"/>
               <a:pPr/>
-              <a:t>02.11.2021</a:t>
+              <a:t>03.11.2021</a:t>
             </a:fld>
             <a:endParaRPr lang="ru-RU"/>
           </a:p>
@@ -1226,7 +1226,7 @@
             <a:fld id="{85A5DE44-605B-4D3B-B2B7-94543DF81A36}" type="datetimeFigureOut">
               <a:rPr lang="ru-RU" smtClean="0"/>
               <a:pPr/>
-              <a:t>02.11.2021</a:t>
+              <a:t>03.11.2021</a:t>
             </a:fld>
             <a:endParaRPr lang="ru-RU"/>
           </a:p>
@@ -1474,7 +1474,7 @@
             <a:fld id="{85A5DE44-605B-4D3B-B2B7-94543DF81A36}" type="datetimeFigureOut">
               <a:rPr lang="ru-RU" smtClean="0"/>
               <a:pPr/>
-              <a:t>02.11.2021</a:t>
+              <a:t>03.11.2021</a:t>
             </a:fld>
             <a:endParaRPr lang="ru-RU"/>
           </a:p>
@@ -1708,7 +1708,7 @@
             <a:fld id="{85A5DE44-605B-4D3B-B2B7-94543DF81A36}" type="datetimeFigureOut">
               <a:rPr lang="ru-RU" smtClean="0"/>
               <a:pPr/>
-              <a:t>02.11.2021</a:t>
+              <a:t>03.11.2021</a:t>
             </a:fld>
             <a:endParaRPr lang="ru-RU"/>
           </a:p>
@@ -2077,7 +2077,7 @@
             <a:fld id="{85A5DE44-605B-4D3B-B2B7-94543DF81A36}" type="datetimeFigureOut">
               <a:rPr lang="ru-RU" smtClean="0"/>
               <a:pPr/>
-              <a:t>02.11.2021</a:t>
+              <a:t>03.11.2021</a:t>
             </a:fld>
             <a:endParaRPr lang="ru-RU"/>
           </a:p>
@@ -2197,7 +2197,7 @@
             <a:fld id="{85A5DE44-605B-4D3B-B2B7-94543DF81A36}" type="datetimeFigureOut">
               <a:rPr lang="ru-RU" smtClean="0"/>
               <a:pPr/>
-              <a:t>02.11.2021</a:t>
+              <a:t>03.11.2021</a:t>
             </a:fld>
             <a:endParaRPr lang="ru-RU"/>
           </a:p>
@@ -2294,7 +2294,7 @@
             <a:fld id="{85A5DE44-605B-4D3B-B2B7-94543DF81A36}" type="datetimeFigureOut">
               <a:rPr lang="ru-RU" smtClean="0"/>
               <a:pPr/>
-              <a:t>02.11.2021</a:t>
+              <a:t>03.11.2021</a:t>
             </a:fld>
             <a:endParaRPr lang="ru-RU"/>
           </a:p>
@@ -2573,7 +2573,7 @@
             <a:fld id="{85A5DE44-605B-4D3B-B2B7-94543DF81A36}" type="datetimeFigureOut">
               <a:rPr lang="ru-RU" smtClean="0"/>
               <a:pPr/>
-              <a:t>02.11.2021</a:t>
+              <a:t>03.11.2021</a:t>
             </a:fld>
             <a:endParaRPr lang="ru-RU"/>
           </a:p>
@@ -2832,7 +2832,7 @@
             <a:fld id="{85A5DE44-605B-4D3B-B2B7-94543DF81A36}" type="datetimeFigureOut">
               <a:rPr lang="ru-RU" smtClean="0"/>
               <a:pPr/>
-              <a:t>02.11.2021</a:t>
+              <a:t>03.11.2021</a:t>
             </a:fld>
             <a:endParaRPr lang="ru-RU"/>
           </a:p>
@@ -3047,7 +3047,7 @@
             <a:fld id="{85A5DE44-605B-4D3B-B2B7-94543DF81A36}" type="datetimeFigureOut">
               <a:rPr lang="ru-RU" smtClean="0"/>
               <a:pPr/>
-              <a:t>02.11.2021</a:t>
+              <a:t>03.11.2021</a:t>
             </a:fld>
             <a:endParaRPr lang="ru-RU"/>
           </a:p>
@@ -3490,28 +3490,13 @@
             <a:pPr algn="ctr"/>
             <a:r>
               <a:rPr lang="ru-RU" sz="1400" dirty="0"/>
-              <a:t>Забрать пустые земли </a:t>
-            </a:r>
-            <a:r>
-              <a:rPr lang="ru-RU" sz="800" dirty="0"/>
-              <a:t>(</a:t>
-            </a:r>
-            <a:r>
-              <a:rPr lang="ru-RU" sz="800" dirty="0" err="1"/>
-              <a:t>осударство</a:t>
-            </a:r>
-            <a:r>
-              <a:rPr lang="ru-RU" sz="800" dirty="0"/>
-              <a:t> взяло так называемые «пустые земли», то есть земли, не используемые его племенами, реорганизовало их и передало их европейским компаниям, поселенцам и </a:t>
-            </a:r>
-            <a:r>
-              <a:rPr lang="ru-RU" sz="800" dirty="0" err="1"/>
-              <a:t>миссиям.он</a:t>
-            </a:r>
-            <a:r>
-              <a:rPr lang="ru-RU" sz="800" dirty="0"/>
-              <a:t> раздал их им. Таким образом он развил обширное растениеводческое хозяйство)</a:t>
-            </a:r>
+              <a:t>Забрать пустые </a:t>
+            </a:r>
+            <a:r>
+              <a:rPr lang="ru-RU" sz="1400" dirty="0" smtClean="0"/>
+              <a:t>земли</a:t>
+            </a:r>
+            <a:endParaRPr lang="ru-RU" sz="800" dirty="0"/>
           </a:p>
         </p:txBody>
       </p:sp>
@@ -3590,12 +3575,13 @@
             <a:pPr algn="ctr"/>
             <a:r>
               <a:rPr lang="ru-RU" sz="1400" dirty="0"/>
-              <a:t>Добыча пальмового масла </a:t>
-            </a:r>
-            <a:r>
-              <a:rPr lang="ru-RU" sz="800" dirty="0"/>
-              <a:t>(Например, пальмовое масло значительно выросло: в 1914 году было произведено 2500 тонн, в 1921 году - 9000, а в 1957 году - 230 000 тонн.)</a:t>
-            </a:r>
+              <a:t>Добыча пальмового </a:t>
+            </a:r>
+            <a:r>
+              <a:rPr lang="ru-RU" sz="1400" dirty="0" smtClean="0"/>
+              <a:t>масла</a:t>
+            </a:r>
+            <a:endParaRPr lang="ru-RU" sz="800" dirty="0"/>
           </a:p>
         </p:txBody>
       </p:sp>
@@ -3640,15 +3626,11 @@
             </a:r>
             <a:r>
               <a:rPr lang="ru-RU" sz="1400" dirty="0"/>
-              <a:t>местных фермеров </a:t>
-            </a:r>
-            <a:r>
-              <a:rPr lang="ru-RU" sz="500" dirty="0"/>
-              <a:t>(С целью улучшения условий в сельских районах колониальное правительство разработало «программу местных фермеров», направленную на создание внутреннего рынка за счет уменьшения зависимости конголезской экономики от экспортного спроса. Но в то же время он также был направлен на прекращение деградации и эрозии земель, созданных схемой «принудительного ведения сельского хозяйства» . Однако в основном эта программа получила более широкое развитие после Второй мировой войны</a:t>
-            </a:r>
-            <a:r>
-              <a:rPr lang="ru-RU" sz="500" dirty="0" smtClean="0"/>
-              <a:t>.)</a:t>
+              <a:t>местных </a:t>
+            </a:r>
+            <a:r>
+              <a:rPr lang="ru-RU" sz="1400" dirty="0" smtClean="0"/>
+              <a:t>фермеров</a:t>
             </a:r>
             <a:endParaRPr lang="ru-RU" sz="500" dirty="0"/>
           </a:p>
@@ -3691,12 +3673,13 @@
             <a:pPr algn="ctr"/>
             <a:r>
               <a:rPr lang="ru-RU" sz="1400" dirty="0"/>
-              <a:t>Добыча Хлопка </a:t>
-            </a:r>
-            <a:r>
-              <a:rPr lang="ru-RU" sz="800" dirty="0"/>
-              <a:t>(Хлопок также похож на то, что произошло в 1932 году: было произведено 23 000 тонн, а в 1939 году - 127 000 [26] )</a:t>
-            </a:r>
+              <a:t>Добыча </a:t>
+            </a:r>
+            <a:r>
+              <a:rPr lang="ru-RU" sz="1400" dirty="0" smtClean="0"/>
+              <a:t>Хлопка</a:t>
+            </a:r>
+            <a:endParaRPr lang="ru-RU" sz="800" dirty="0"/>
           </a:p>
         </p:txBody>
       </p:sp>
@@ -3737,12 +3720,13 @@
             <a:pPr algn="ctr"/>
             <a:r>
               <a:rPr lang="ru-RU" sz="1400" dirty="0"/>
-              <a:t>Добыча каучука </a:t>
-            </a:r>
-            <a:r>
-              <a:rPr lang="ru-RU" sz="1000" dirty="0"/>
-              <a:t>(Когда в январе 1942 года Британская Малайзия перешла к Японии , Бельгийское Конго снова стало крупным поставщиком каучука союзников.)</a:t>
-            </a:r>
+              <a:t>Добыча </a:t>
+            </a:r>
+            <a:r>
+              <a:rPr lang="ru-RU" sz="1400" dirty="0" smtClean="0"/>
+              <a:t>каучука</a:t>
+            </a:r>
+            <a:endParaRPr lang="ru-RU" sz="1000" dirty="0"/>
           </a:p>
         </p:txBody>
       </p:sp>
@@ -3787,44 +3771,13 @@
             </a:r>
             <a:r>
               <a:rPr lang="ru-RU" sz="1400" dirty="0"/>
-              <a:t>сельского хозяйства </a:t>
-            </a:r>
-            <a:r>
-              <a:rPr lang="ru-RU" sz="400" dirty="0"/>
-              <a:t>(Однако в основном эта программа получила более широкое развитие после Второй мировой войны. В этой новой схеме модернизации местного сельского хозяйства земля и правительство поддерживают семьи, выделяя семена , удобрения для сельского хозяйства или рекомендации [29] . Национальный институт агрономических исследований Бельгийского Конго (Французский : Национальный институт агрономических исследований Бельгийского Конго , INÉAC ; Голландский : Национальный институт </a:t>
-            </a:r>
-            <a:r>
-              <a:rPr lang="ru-RU" sz="400" dirty="0" err="1"/>
-              <a:t>воор</a:t>
-            </a:r>
-            <a:r>
-              <a:rPr lang="ru-RU" sz="400" dirty="0"/>
-              <a:t> де </a:t>
-            </a:r>
-            <a:r>
-              <a:rPr lang="ru-RU" sz="400" dirty="0" err="1"/>
-              <a:t>Ландбоукунде</a:t>
-            </a:r>
-            <a:r>
-              <a:rPr lang="ru-RU" sz="400" dirty="0"/>
-              <a:t> в </a:t>
-            </a:r>
-            <a:r>
-              <a:rPr lang="ru-RU" sz="400" dirty="0" err="1"/>
-              <a:t>Бельгиш</a:t>
-            </a:r>
-            <a:r>
-              <a:rPr lang="ru-RU" sz="400" dirty="0"/>
-              <a:t> -Конго , НИЛКО ) был основан в 1934 году с экспериментальными полями и лабораториями в </a:t>
-            </a:r>
-            <a:r>
-              <a:rPr lang="ru-RU" sz="400" dirty="0" err="1"/>
-              <a:t>Янгамбене</a:t>
-            </a:r>
-            <a:r>
-              <a:rPr lang="ru-RU" sz="400" dirty="0"/>
-              <a:t> . Ему предстоит сыграть важную роль в сельскохозяйственных исследованиях и выборе лучшего растения [30] .)</a:t>
-            </a:r>
+              <a:t>сельского </a:t>
+            </a:r>
+            <a:r>
+              <a:rPr lang="ru-RU" sz="1400" dirty="0" smtClean="0"/>
+              <a:t>хозяйства</a:t>
+            </a:r>
+            <a:endParaRPr lang="ru-RU" sz="400" dirty="0"/>
           </a:p>
         </p:txBody>
       </p:sp>
@@ -3906,33 +3859,10 @@
               <a:t>Объединение исследовательских служб </a:t>
             </a:r>
             <a:r>
-              <a:rPr lang="en-US" sz="1400" dirty="0"/>
-              <a:t>INEAC </a:t>
-            </a:r>
-            <a:r>
-              <a:rPr lang="ru-RU" sz="800" dirty="0" smtClean="0"/>
-              <a:t>(</a:t>
-            </a:r>
-            <a:r>
-              <a:rPr lang="en-US" sz="800" dirty="0" err="1"/>
-              <a:t>Auguste</a:t>
-            </a:r>
-            <a:r>
-              <a:rPr lang="en-US" sz="800" dirty="0"/>
-              <a:t> </a:t>
-            </a:r>
-            <a:r>
-              <a:rPr lang="en-US" sz="800" dirty="0" err="1"/>
-              <a:t>Tilkens</a:t>
-            </a:r>
-            <a:r>
-              <a:rPr lang="ru-RU" sz="800" dirty="0" smtClean="0"/>
-              <a:t> становится доступен как </a:t>
-            </a:r>
-            <a:r>
-              <a:rPr lang="ru-RU" sz="800" dirty="0"/>
-              <a:t>советник президент национальный института агрономических исследований)</a:t>
-            </a:r>
+              <a:rPr lang="en-US" sz="1400" dirty="0" smtClean="0"/>
+              <a:t>INEAC</a:t>
+            </a:r>
+            <a:endParaRPr lang="ru-RU" sz="800" dirty="0"/>
           </a:p>
         </p:txBody>
       </p:sp>
@@ -4111,7 +4041,7 @@
         </p:nvSpPr>
         <p:spPr>
           <a:xfrm>
-            <a:off x="12127430" y="7146195"/>
+            <a:off x="13065684" y="5850429"/>
             <a:ext cx="2115918" cy="1080000"/>
           </a:xfrm>
           <a:prstGeom prst="rect">
@@ -4716,15 +4646,15 @@
             <a:pPr algn="ctr"/>
             <a:r>
               <a:rPr lang="ru-RU" sz="1400" dirty="0" smtClean="0"/>
-              <a:t>Разработка новых сортов сои </a:t>
-            </a:r>
-            <a:r>
-              <a:rPr lang="ru-RU" sz="400" dirty="0"/>
-              <a:t>(Центр разработал ряд сортов сои для использования в разных частях страны. [9] Раннеспелые сорта дали урожай сои более 1200 кг / га. [10] Полевые испытания показали, что инокуляция может повысить урожайность на 80–300</a:t>
-            </a:r>
-            <a:r>
-              <a:rPr lang="ru-RU" sz="400" dirty="0" smtClean="0"/>
-              <a:t>%.)</a:t>
+              <a:t>Распространение </a:t>
+            </a:r>
+            <a:r>
+              <a:rPr lang="ru-RU" sz="1400" dirty="0" smtClean="0"/>
+              <a:t>новых сортов </a:t>
+            </a:r>
+            <a:r>
+              <a:rPr lang="ru-RU" sz="1400" dirty="0" smtClean="0"/>
+              <a:t>сои</a:t>
             </a:r>
             <a:endParaRPr lang="ru-RU" sz="400" dirty="0"/>
           </a:p>

--- a/Наработки/диздоки/Бельгийское Конго/Бельгийское Конго.pptx
+++ b/Наработки/диздоки/Бельгийское Конго/Бельгийское Конго.pptx
@@ -209,7 +209,7 @@
             <a:fld id="{33E3D7F9-E251-484C-A6FF-FA958879DF69}" type="datetimeFigureOut">
               <a:rPr lang="ru-RU" smtClean="0"/>
               <a:pPr/>
-              <a:t>03.11.2021</a:t>
+              <a:t>04.11.2021</a:t>
             </a:fld>
             <a:endParaRPr lang="ru-RU"/>
           </a:p>
@@ -700,7 +700,7 @@
             <a:fld id="{85A5DE44-605B-4D3B-B2B7-94543DF81A36}" type="datetimeFigureOut">
               <a:rPr lang="ru-RU" smtClean="0"/>
               <a:pPr/>
-              <a:t>03.11.2021</a:t>
+              <a:t>04.11.2021</a:t>
             </a:fld>
             <a:endParaRPr lang="ru-RU"/>
           </a:p>
@@ -872,7 +872,7 @@
             <a:fld id="{85A5DE44-605B-4D3B-B2B7-94543DF81A36}" type="datetimeFigureOut">
               <a:rPr lang="ru-RU" smtClean="0"/>
               <a:pPr/>
-              <a:t>03.11.2021</a:t>
+              <a:t>04.11.2021</a:t>
             </a:fld>
             <a:endParaRPr lang="ru-RU"/>
           </a:p>
@@ -1054,7 +1054,7 @@
             <a:fld id="{85A5DE44-605B-4D3B-B2B7-94543DF81A36}" type="datetimeFigureOut">
               <a:rPr lang="ru-RU" smtClean="0"/>
               <a:pPr/>
-              <a:t>03.11.2021</a:t>
+              <a:t>04.11.2021</a:t>
             </a:fld>
             <a:endParaRPr lang="ru-RU"/>
           </a:p>
@@ -1226,7 +1226,7 @@
             <a:fld id="{85A5DE44-605B-4D3B-B2B7-94543DF81A36}" type="datetimeFigureOut">
               <a:rPr lang="ru-RU" smtClean="0"/>
               <a:pPr/>
-              <a:t>03.11.2021</a:t>
+              <a:t>04.11.2021</a:t>
             </a:fld>
             <a:endParaRPr lang="ru-RU"/>
           </a:p>
@@ -1474,7 +1474,7 @@
             <a:fld id="{85A5DE44-605B-4D3B-B2B7-94543DF81A36}" type="datetimeFigureOut">
               <a:rPr lang="ru-RU" smtClean="0"/>
               <a:pPr/>
-              <a:t>03.11.2021</a:t>
+              <a:t>04.11.2021</a:t>
             </a:fld>
             <a:endParaRPr lang="ru-RU"/>
           </a:p>
@@ -1708,7 +1708,7 @@
             <a:fld id="{85A5DE44-605B-4D3B-B2B7-94543DF81A36}" type="datetimeFigureOut">
               <a:rPr lang="ru-RU" smtClean="0"/>
               <a:pPr/>
-              <a:t>03.11.2021</a:t>
+              <a:t>04.11.2021</a:t>
             </a:fld>
             <a:endParaRPr lang="ru-RU"/>
           </a:p>
@@ -2077,7 +2077,7 @@
             <a:fld id="{85A5DE44-605B-4D3B-B2B7-94543DF81A36}" type="datetimeFigureOut">
               <a:rPr lang="ru-RU" smtClean="0"/>
               <a:pPr/>
-              <a:t>03.11.2021</a:t>
+              <a:t>04.11.2021</a:t>
             </a:fld>
             <a:endParaRPr lang="ru-RU"/>
           </a:p>
@@ -2197,7 +2197,7 @@
             <a:fld id="{85A5DE44-605B-4D3B-B2B7-94543DF81A36}" type="datetimeFigureOut">
               <a:rPr lang="ru-RU" smtClean="0"/>
               <a:pPr/>
-              <a:t>03.11.2021</a:t>
+              <a:t>04.11.2021</a:t>
             </a:fld>
             <a:endParaRPr lang="ru-RU"/>
           </a:p>
@@ -2294,7 +2294,7 @@
             <a:fld id="{85A5DE44-605B-4D3B-B2B7-94543DF81A36}" type="datetimeFigureOut">
               <a:rPr lang="ru-RU" smtClean="0"/>
               <a:pPr/>
-              <a:t>03.11.2021</a:t>
+              <a:t>04.11.2021</a:t>
             </a:fld>
             <a:endParaRPr lang="ru-RU"/>
           </a:p>
@@ -2573,7 +2573,7 @@
             <a:fld id="{85A5DE44-605B-4D3B-B2B7-94543DF81A36}" type="datetimeFigureOut">
               <a:rPr lang="ru-RU" smtClean="0"/>
               <a:pPr/>
-              <a:t>03.11.2021</a:t>
+              <a:t>04.11.2021</a:t>
             </a:fld>
             <a:endParaRPr lang="ru-RU"/>
           </a:p>
@@ -2832,7 +2832,7 @@
             <a:fld id="{85A5DE44-605B-4D3B-B2B7-94543DF81A36}" type="datetimeFigureOut">
               <a:rPr lang="ru-RU" smtClean="0"/>
               <a:pPr/>
-              <a:t>03.11.2021</a:t>
+              <a:t>04.11.2021</a:t>
             </a:fld>
             <a:endParaRPr lang="ru-RU"/>
           </a:p>
@@ -3047,7 +3047,7 @@
             <a:fld id="{85A5DE44-605B-4D3B-B2B7-94543DF81A36}" type="datetimeFigureOut">
               <a:rPr lang="ru-RU" smtClean="0"/>
               <a:pPr/>
-              <a:t>03.11.2021</a:t>
+              <a:t>04.11.2021</a:t>
             </a:fld>
             <a:endParaRPr lang="ru-RU"/>
           </a:p>
@@ -4646,15 +4646,7 @@
             <a:pPr algn="ctr"/>
             <a:r>
               <a:rPr lang="ru-RU" sz="1400" dirty="0" smtClean="0"/>
-              <a:t>Распространение </a:t>
-            </a:r>
-            <a:r>
-              <a:rPr lang="ru-RU" sz="1400" dirty="0" smtClean="0"/>
-              <a:t>новых сортов </a:t>
-            </a:r>
-            <a:r>
-              <a:rPr lang="ru-RU" sz="1400" dirty="0" smtClean="0"/>
-              <a:t>сои</a:t>
+              <a:t>Распространение новых сортов сои</a:t>
             </a:r>
             <a:endParaRPr lang="ru-RU" sz="400" dirty="0"/>
           </a:p>

--- a/Наработки/диздоки/Бельгийское Конго/Бельгийское Конго.pptx
+++ b/Наработки/диздоки/Бельгийское Конго/Бельгийское Конго.pptx
@@ -209,7 +209,7 @@
             <a:fld id="{33E3D7F9-E251-484C-A6FF-FA958879DF69}" type="datetimeFigureOut">
               <a:rPr lang="ru-RU" smtClean="0"/>
               <a:pPr/>
-              <a:t>04.11.2021</a:t>
+              <a:t>05.11.2021</a:t>
             </a:fld>
             <a:endParaRPr lang="ru-RU"/>
           </a:p>
@@ -700,7 +700,7 @@
             <a:fld id="{85A5DE44-605B-4D3B-B2B7-94543DF81A36}" type="datetimeFigureOut">
               <a:rPr lang="ru-RU" smtClean="0"/>
               <a:pPr/>
-              <a:t>04.11.2021</a:t>
+              <a:t>05.11.2021</a:t>
             </a:fld>
             <a:endParaRPr lang="ru-RU"/>
           </a:p>
@@ -872,7 +872,7 @@
             <a:fld id="{85A5DE44-605B-4D3B-B2B7-94543DF81A36}" type="datetimeFigureOut">
               <a:rPr lang="ru-RU" smtClean="0"/>
               <a:pPr/>
-              <a:t>04.11.2021</a:t>
+              <a:t>05.11.2021</a:t>
             </a:fld>
             <a:endParaRPr lang="ru-RU"/>
           </a:p>
@@ -1054,7 +1054,7 @@
             <a:fld id="{85A5DE44-605B-4D3B-B2B7-94543DF81A36}" type="datetimeFigureOut">
               <a:rPr lang="ru-RU" smtClean="0"/>
               <a:pPr/>
-              <a:t>04.11.2021</a:t>
+              <a:t>05.11.2021</a:t>
             </a:fld>
             <a:endParaRPr lang="ru-RU"/>
           </a:p>
@@ -1226,7 +1226,7 @@
             <a:fld id="{85A5DE44-605B-4D3B-B2B7-94543DF81A36}" type="datetimeFigureOut">
               <a:rPr lang="ru-RU" smtClean="0"/>
               <a:pPr/>
-              <a:t>04.11.2021</a:t>
+              <a:t>05.11.2021</a:t>
             </a:fld>
             <a:endParaRPr lang="ru-RU"/>
           </a:p>
@@ -1474,7 +1474,7 @@
             <a:fld id="{85A5DE44-605B-4D3B-B2B7-94543DF81A36}" type="datetimeFigureOut">
               <a:rPr lang="ru-RU" smtClean="0"/>
               <a:pPr/>
-              <a:t>04.11.2021</a:t>
+              <a:t>05.11.2021</a:t>
             </a:fld>
             <a:endParaRPr lang="ru-RU"/>
           </a:p>
@@ -1708,7 +1708,7 @@
             <a:fld id="{85A5DE44-605B-4D3B-B2B7-94543DF81A36}" type="datetimeFigureOut">
               <a:rPr lang="ru-RU" smtClean="0"/>
               <a:pPr/>
-              <a:t>04.11.2021</a:t>
+              <a:t>05.11.2021</a:t>
             </a:fld>
             <a:endParaRPr lang="ru-RU"/>
           </a:p>
@@ -2077,7 +2077,7 @@
             <a:fld id="{85A5DE44-605B-4D3B-B2B7-94543DF81A36}" type="datetimeFigureOut">
               <a:rPr lang="ru-RU" smtClean="0"/>
               <a:pPr/>
-              <a:t>04.11.2021</a:t>
+              <a:t>05.11.2021</a:t>
             </a:fld>
             <a:endParaRPr lang="ru-RU"/>
           </a:p>
@@ -2197,7 +2197,7 @@
             <a:fld id="{85A5DE44-605B-4D3B-B2B7-94543DF81A36}" type="datetimeFigureOut">
               <a:rPr lang="ru-RU" smtClean="0"/>
               <a:pPr/>
-              <a:t>04.11.2021</a:t>
+              <a:t>05.11.2021</a:t>
             </a:fld>
             <a:endParaRPr lang="ru-RU"/>
           </a:p>
@@ -2294,7 +2294,7 @@
             <a:fld id="{85A5DE44-605B-4D3B-B2B7-94543DF81A36}" type="datetimeFigureOut">
               <a:rPr lang="ru-RU" smtClean="0"/>
               <a:pPr/>
-              <a:t>04.11.2021</a:t>
+              <a:t>05.11.2021</a:t>
             </a:fld>
             <a:endParaRPr lang="ru-RU"/>
           </a:p>
@@ -2573,7 +2573,7 @@
             <a:fld id="{85A5DE44-605B-4D3B-B2B7-94543DF81A36}" type="datetimeFigureOut">
               <a:rPr lang="ru-RU" smtClean="0"/>
               <a:pPr/>
-              <a:t>04.11.2021</a:t>
+              <a:t>05.11.2021</a:t>
             </a:fld>
             <a:endParaRPr lang="ru-RU"/>
           </a:p>
@@ -2832,7 +2832,7 @@
             <a:fld id="{85A5DE44-605B-4D3B-B2B7-94543DF81A36}" type="datetimeFigureOut">
               <a:rPr lang="ru-RU" smtClean="0"/>
               <a:pPr/>
-              <a:t>04.11.2021</a:t>
+              <a:t>05.11.2021</a:t>
             </a:fld>
             <a:endParaRPr lang="ru-RU"/>
           </a:p>
@@ -3047,7 +3047,7 @@
             <a:fld id="{85A5DE44-605B-4D3B-B2B7-94543DF81A36}" type="datetimeFigureOut">
               <a:rPr lang="ru-RU" smtClean="0"/>
               <a:pPr/>
-              <a:t>04.11.2021</a:t>
+              <a:t>05.11.2021</a:t>
             </a:fld>
             <a:endParaRPr lang="ru-RU"/>
           </a:p>
@@ -4236,7 +4236,7 @@
         </p:nvSpPr>
         <p:spPr>
           <a:xfrm>
-            <a:off x="12127430" y="6097210"/>
+            <a:off x="13350762" y="7200771"/>
             <a:ext cx="2115918" cy="586438"/>
           </a:xfrm>
           <a:prstGeom prst="rect">
@@ -4363,12 +4363,9 @@
             <a:pPr algn="ctr"/>
             <a:r>
               <a:rPr lang="ru-RU" sz="1400" dirty="0" smtClean="0"/>
-              <a:t>Расширить школьное образование </a:t>
-            </a:r>
-            <a:r>
-              <a:rPr lang="ru-RU" sz="500" dirty="0"/>
-              <a:t>(В 1940 году школьное обучение детей в возрасте от 6 до 14 лет составляло всего 12%, но в 1954 году оно достигло 37%, что стало одним из самых высоких показателей в Африке к югу от Сахары)</a:t>
-            </a:r>
+              <a:t>Расширить школьное образование</a:t>
+            </a:r>
+            <a:endParaRPr lang="ru-RU" sz="500" dirty="0"/>
           </a:p>
         </p:txBody>
       </p:sp>
@@ -4452,12 +4449,9 @@
             <a:pPr algn="ctr"/>
             <a:r>
               <a:rPr lang="ru-RU" sz="1400" dirty="0" smtClean="0"/>
-              <a:t>Создание Больничных диспансеров </a:t>
-            </a:r>
-            <a:r>
-              <a:rPr lang="ru-RU" sz="500" dirty="0"/>
-              <a:t>(Инфраструктура здравоохранения была недостаточной в колониальную эпоху, что привело к созданию диспансеров в самых отдаленных регионах и увеличению количества больничных коек. В 1960 году он имел лучшую инфраструктуру, чем другие африканские страны, с 3000 медицинскими зданиями, из которых 380 были больницами. На 1 000 жителей приходилось 5,34 больничных коек по сравнению с 0,55 в Гане , 0,32 в Индии и 2,43 в Египте .)</a:t>
-            </a:r>
+              <a:t>Создание Больничных диспансеров</a:t>
+            </a:r>
+            <a:endParaRPr lang="ru-RU" sz="500" dirty="0"/>
           </a:p>
         </p:txBody>
       </p:sp>
@@ -5565,7 +5559,11 @@
             <a:pPr algn="ctr"/>
             <a:r>
               <a:rPr lang="ru-RU" sz="1400" dirty="0" smtClean="0"/>
-              <a:t>Подготовка к войне на море</a:t>
+              <a:t>Подготовка к войне на </a:t>
+            </a:r>
+            <a:r>
+              <a:rPr lang="ru-RU" sz="1400" dirty="0" smtClean="0"/>
+              <a:t>море (наше)</a:t>
             </a:r>
             <a:endParaRPr lang="ru-RU" sz="500" dirty="0"/>
           </a:p>

--- a/Наработки/диздоки/Бельгийское Конго/Бельгийское Конго.pptx
+++ b/Наработки/диздоки/Бельгийское Конго/Бельгийское Конго.pptx
@@ -209,7 +209,7 @@
             <a:fld id="{33E3D7F9-E251-484C-A6FF-FA958879DF69}" type="datetimeFigureOut">
               <a:rPr lang="ru-RU" smtClean="0"/>
               <a:pPr/>
-              <a:t>05.11.2021</a:t>
+              <a:t>08.11.2021</a:t>
             </a:fld>
             <a:endParaRPr lang="ru-RU"/>
           </a:p>
@@ -700,7 +700,7 @@
             <a:fld id="{85A5DE44-605B-4D3B-B2B7-94543DF81A36}" type="datetimeFigureOut">
               <a:rPr lang="ru-RU" smtClean="0"/>
               <a:pPr/>
-              <a:t>05.11.2021</a:t>
+              <a:t>08.11.2021</a:t>
             </a:fld>
             <a:endParaRPr lang="ru-RU"/>
           </a:p>
@@ -872,7 +872,7 @@
             <a:fld id="{85A5DE44-605B-4D3B-B2B7-94543DF81A36}" type="datetimeFigureOut">
               <a:rPr lang="ru-RU" smtClean="0"/>
               <a:pPr/>
-              <a:t>05.11.2021</a:t>
+              <a:t>08.11.2021</a:t>
             </a:fld>
             <a:endParaRPr lang="ru-RU"/>
           </a:p>
@@ -1054,7 +1054,7 @@
             <a:fld id="{85A5DE44-605B-4D3B-B2B7-94543DF81A36}" type="datetimeFigureOut">
               <a:rPr lang="ru-RU" smtClean="0"/>
               <a:pPr/>
-              <a:t>05.11.2021</a:t>
+              <a:t>08.11.2021</a:t>
             </a:fld>
             <a:endParaRPr lang="ru-RU"/>
           </a:p>
@@ -1226,7 +1226,7 @@
             <a:fld id="{85A5DE44-605B-4D3B-B2B7-94543DF81A36}" type="datetimeFigureOut">
               <a:rPr lang="ru-RU" smtClean="0"/>
               <a:pPr/>
-              <a:t>05.11.2021</a:t>
+              <a:t>08.11.2021</a:t>
             </a:fld>
             <a:endParaRPr lang="ru-RU"/>
           </a:p>
@@ -1474,7 +1474,7 @@
             <a:fld id="{85A5DE44-605B-4D3B-B2B7-94543DF81A36}" type="datetimeFigureOut">
               <a:rPr lang="ru-RU" smtClean="0"/>
               <a:pPr/>
-              <a:t>05.11.2021</a:t>
+              <a:t>08.11.2021</a:t>
             </a:fld>
             <a:endParaRPr lang="ru-RU"/>
           </a:p>
@@ -1708,7 +1708,7 @@
             <a:fld id="{85A5DE44-605B-4D3B-B2B7-94543DF81A36}" type="datetimeFigureOut">
               <a:rPr lang="ru-RU" smtClean="0"/>
               <a:pPr/>
-              <a:t>05.11.2021</a:t>
+              <a:t>08.11.2021</a:t>
             </a:fld>
             <a:endParaRPr lang="ru-RU"/>
           </a:p>
@@ -2077,7 +2077,7 @@
             <a:fld id="{85A5DE44-605B-4D3B-B2B7-94543DF81A36}" type="datetimeFigureOut">
               <a:rPr lang="ru-RU" smtClean="0"/>
               <a:pPr/>
-              <a:t>05.11.2021</a:t>
+              <a:t>08.11.2021</a:t>
             </a:fld>
             <a:endParaRPr lang="ru-RU"/>
           </a:p>
@@ -2197,7 +2197,7 @@
             <a:fld id="{85A5DE44-605B-4D3B-B2B7-94543DF81A36}" type="datetimeFigureOut">
               <a:rPr lang="ru-RU" smtClean="0"/>
               <a:pPr/>
-              <a:t>05.11.2021</a:t>
+              <a:t>08.11.2021</a:t>
             </a:fld>
             <a:endParaRPr lang="ru-RU"/>
           </a:p>
@@ -2294,7 +2294,7 @@
             <a:fld id="{85A5DE44-605B-4D3B-B2B7-94543DF81A36}" type="datetimeFigureOut">
               <a:rPr lang="ru-RU" smtClean="0"/>
               <a:pPr/>
-              <a:t>05.11.2021</a:t>
+              <a:t>08.11.2021</a:t>
             </a:fld>
             <a:endParaRPr lang="ru-RU"/>
           </a:p>
@@ -2573,7 +2573,7 @@
             <a:fld id="{85A5DE44-605B-4D3B-B2B7-94543DF81A36}" type="datetimeFigureOut">
               <a:rPr lang="ru-RU" smtClean="0"/>
               <a:pPr/>
-              <a:t>05.11.2021</a:t>
+              <a:t>08.11.2021</a:t>
             </a:fld>
             <a:endParaRPr lang="ru-RU"/>
           </a:p>
@@ -2832,7 +2832,7 @@
             <a:fld id="{85A5DE44-605B-4D3B-B2B7-94543DF81A36}" type="datetimeFigureOut">
               <a:rPr lang="ru-RU" smtClean="0"/>
               <a:pPr/>
-              <a:t>05.11.2021</a:t>
+              <a:t>08.11.2021</a:t>
             </a:fld>
             <a:endParaRPr lang="ru-RU"/>
           </a:p>
@@ -3047,7 +3047,7 @@
             <a:fld id="{85A5DE44-605B-4D3B-B2B7-94543DF81A36}" type="datetimeFigureOut">
               <a:rPr lang="ru-RU" smtClean="0"/>
               <a:pPr/>
-              <a:t>05.11.2021</a:t>
+              <a:t>08.11.2021</a:t>
             </a:fld>
             <a:endParaRPr lang="ru-RU"/>
           </a:p>
@@ -5222,81 +5222,115 @@
               <a:rPr lang="en-US" sz="1400" dirty="0" smtClean="0"/>
               <a:t>Haut-Katanga</a:t>
             </a:r>
+            <a:endParaRPr lang="ru-RU" sz="100" dirty="0"/>
+          </a:p>
+        </p:txBody>
+      </p:sp>
+      <p:sp>
+        <p:nvSpPr>
+          <p:cNvPr id="94" name="Прямоугольник 93"/>
+          <p:cNvSpPr/>
+          <p:nvPr/>
+        </p:nvSpPr>
+        <p:spPr>
+          <a:xfrm>
+            <a:off x="7058702" y="9110358"/>
+            <a:ext cx="2115918" cy="1080000"/>
+          </a:xfrm>
+          <a:prstGeom prst="rect">
+            <a:avLst/>
+          </a:prstGeom>
+          <a:ln w="28575"/>
+        </p:spPr>
+        <p:style>
+          <a:lnRef idx="2">
+            <a:schemeClr val="accent1"/>
+          </a:lnRef>
+          <a:fillRef idx="1">
+            <a:schemeClr val="lt1"/>
+          </a:fillRef>
+          <a:effectRef idx="0">
+            <a:schemeClr val="accent1"/>
+          </a:effectRef>
+          <a:fontRef idx="minor">
+            <a:schemeClr val="dk1"/>
+          </a:fontRef>
+        </p:style>
+        <p:txBody>
+          <a:bodyPr lIns="124733" tIns="62367" rIns="124733" bIns="62367" rtlCol="0" anchor="ctr"/>
+          <a:lstStyle/>
+          <a:p>
+            <a:pPr algn="ctr"/>
+            <a:r>
+              <a:rPr lang="ru-RU" sz="1400" dirty="0" smtClean="0"/>
+              <a:t>Горнодобывающая промышленность медного пояса</a:t>
+            </a:r>
+            <a:endParaRPr lang="ru-RU" sz="500" dirty="0"/>
+          </a:p>
+        </p:txBody>
+      </p:sp>
+      <p:sp>
+        <p:nvSpPr>
+          <p:cNvPr id="95" name="Прямоугольник 94"/>
+          <p:cNvSpPr/>
+          <p:nvPr/>
+        </p:nvSpPr>
+        <p:spPr>
+          <a:xfrm>
+            <a:off x="9417195" y="10617298"/>
+            <a:ext cx="2115918" cy="1080000"/>
+          </a:xfrm>
+          <a:prstGeom prst="rect">
+            <a:avLst/>
+          </a:prstGeom>
+          <a:ln w="28575"/>
+        </p:spPr>
+        <p:style>
+          <a:lnRef idx="2">
+            <a:schemeClr val="accent1"/>
+          </a:lnRef>
+          <a:fillRef idx="1">
+            <a:schemeClr val="lt1"/>
+          </a:fillRef>
+          <a:effectRef idx="0">
+            <a:schemeClr val="accent1"/>
+          </a:effectRef>
+          <a:fontRef idx="minor">
+            <a:schemeClr val="dk1"/>
+          </a:fontRef>
+        </p:style>
+        <p:txBody>
+          <a:bodyPr lIns="124733" tIns="62367" rIns="124733" bIns="62367" rtlCol="0" anchor="ctr"/>
+          <a:lstStyle/>
+          <a:p>
+            <a:pPr algn="ctr"/>
+            <a:r>
+              <a:rPr lang="ru-RU" sz="1400" dirty="0" smtClean="0"/>
+              <a:t>Механизация производства шахты </a:t>
+            </a:r>
+            <a:r>
+              <a:rPr lang="ru-RU" sz="1400" dirty="0" err="1" smtClean="0"/>
+              <a:t>Мусоной</a:t>
+            </a:r>
             <a:r>
               <a:rPr lang="ru-RU" sz="1400" dirty="0"/>
               <a:t> </a:t>
             </a:r>
             <a:r>
-              <a:rPr lang="ru-RU" sz="400" dirty="0"/>
-              <a:t>(Союз </a:t>
-            </a:r>
-            <a:r>
-              <a:rPr lang="ru-RU" sz="400" dirty="0" err="1"/>
-              <a:t>миньер</a:t>
-            </a:r>
-            <a:r>
-              <a:rPr lang="ru-RU" sz="400" dirty="0"/>
-              <a:t> </a:t>
-            </a:r>
-            <a:r>
-              <a:rPr lang="ru-RU" sz="400" dirty="0" err="1"/>
-              <a:t>дю</a:t>
-            </a:r>
-            <a:r>
-              <a:rPr lang="ru-RU" sz="400" dirty="0"/>
-              <a:t> </a:t>
-            </a:r>
-            <a:r>
-              <a:rPr lang="ru-RU" sz="400" dirty="0" err="1"/>
-              <a:t>Haut-Катанга</a:t>
-            </a:r>
-            <a:r>
-              <a:rPr lang="ru-RU" sz="400" dirty="0"/>
-              <a:t> ( французский , буквально «Горный Союз Верхней </a:t>
-            </a:r>
-            <a:r>
-              <a:rPr lang="ru-RU" sz="400" dirty="0" err="1"/>
-              <a:t>Катанги</a:t>
-            </a:r>
-            <a:r>
-              <a:rPr lang="ru-RU" sz="400" dirty="0"/>
-              <a:t>»), часто сокращенно Союза </a:t>
-            </a:r>
-            <a:r>
-              <a:rPr lang="ru-RU" sz="400" dirty="0" err="1"/>
-              <a:t>Miniere</a:t>
-            </a:r>
-            <a:r>
-              <a:rPr lang="ru-RU" sz="400" dirty="0"/>
-              <a:t> или UMHK , был англо- бельгийская горнодобывающая </a:t>
-            </a:r>
-            <a:r>
-              <a:rPr lang="ru-RU" sz="400" dirty="0" smtClean="0"/>
-              <a:t>компания</a:t>
-            </a:r>
-            <a:r>
-              <a:rPr lang="ru-RU" sz="400" dirty="0"/>
-              <a:t>, УМХК входил в мощную группу мировых производителей меди . Его основным продуктом была медь, но также производились олово , кобальт, радий, уран, цинк, кадмий, германий, марганец, серебро и золото. К началу Второй мировой войны </a:t>
-            </a:r>
-            <a:r>
-              <a:rPr lang="ru-RU" sz="400" dirty="0" err="1"/>
-              <a:t>Société</a:t>
-            </a:r>
-            <a:r>
-              <a:rPr lang="ru-RU" sz="400" dirty="0"/>
-              <a:t> </a:t>
-            </a:r>
-            <a:r>
-              <a:rPr lang="ru-RU" sz="400" dirty="0" err="1"/>
-              <a:t>Générale</a:t>
-            </a:r>
-            <a:r>
-              <a:rPr lang="ru-RU" sz="400" dirty="0"/>
-              <a:t> контролировал 70% конголезской </a:t>
-            </a:r>
-            <a:r>
-              <a:rPr lang="ru-RU" sz="400" dirty="0" smtClean="0"/>
-              <a:t>экономики)</a:t>
+              <a:rPr lang="ru-RU" sz="500" dirty="0"/>
+              <a:t>(К 1930-м годам производство на </a:t>
+            </a:r>
+            <a:r>
+              <a:rPr lang="ru-RU" sz="500" dirty="0" err="1"/>
+              <a:t>Musonoi</a:t>
+            </a:r>
+            <a:r>
+              <a:rPr lang="ru-RU" sz="500" dirty="0"/>
+              <a:t> было высокомеханизированным, в то время как мировой спрос на медь падал) (Рабочие использовали саботаж и поджоги, а также бегство в качестве инструментов торга для улучшения условий</a:t>
+            </a:r>
+            <a:r>
+              <a:rPr lang="ru-RU" sz="500" dirty="0" smtClean="0"/>
+              <a:t>.)</a:t>
             </a:r>
             <a:endParaRPr lang="ru-RU" sz="100" dirty="0"/>
           </a:p>
@@ -5304,13 +5338,13 @@
       </p:sp>
       <p:sp>
         <p:nvSpPr>
-          <p:cNvPr id="94" name="Прямоугольник 93"/>
+          <p:cNvPr id="97" name="Прямоугольник 96"/>
           <p:cNvSpPr/>
           <p:nvPr/>
         </p:nvSpPr>
         <p:spPr>
           <a:xfrm>
-            <a:off x="7058702" y="9110358"/>
+            <a:off x="9417195" y="12160410"/>
             <a:ext cx="2115918" cy="1080000"/>
           </a:xfrm>
           <a:prstGeom prst="rect">
@@ -5339,21 +5373,37 @@
             <a:pPr algn="ctr"/>
             <a:r>
               <a:rPr lang="ru-RU" sz="1400" dirty="0" smtClean="0"/>
-              <a:t>Горнодобывающая промышленность медного пояса</a:t>
-            </a:r>
-            <a:endParaRPr lang="ru-RU" sz="500" dirty="0"/>
-          </a:p>
-        </p:txBody>
-      </p:sp>
-      <p:sp>
-        <p:nvSpPr>
-          <p:cNvPr id="95" name="Прямоугольник 94"/>
+              <a:t>Открытие </a:t>
+            </a:r>
+            <a:r>
+              <a:rPr lang="en-US" sz="1400" dirty="0" err="1" smtClean="0"/>
+              <a:t>Musonoi</a:t>
+            </a:r>
+            <a:r>
+              <a:rPr lang="en-US" sz="1400" dirty="0" smtClean="0"/>
+              <a:t> Principal</a:t>
+            </a:r>
+            <a:r>
+              <a:rPr lang="ru-RU" sz="1400" dirty="0"/>
+              <a:t> </a:t>
+            </a:r>
+            <a:r>
+              <a:rPr lang="ru-RU" sz="1100" dirty="0"/>
+              <a:t>(самый старый карьер, был открыт в 1940-х годах.)</a:t>
+            </a:r>
+            <a:endParaRPr lang="ru-RU" sz="300" dirty="0"/>
+          </a:p>
+        </p:txBody>
+      </p:sp>
+      <p:sp>
+        <p:nvSpPr>
+          <p:cNvPr id="99" name="Прямоугольник 98"/>
           <p:cNvSpPr/>
           <p:nvPr/>
         </p:nvSpPr>
         <p:spPr>
           <a:xfrm>
-            <a:off x="9417195" y="10617298"/>
+            <a:off x="2358636" y="9110358"/>
             <a:ext cx="2115918" cy="1080000"/>
           </a:xfrm>
           <a:prstGeom prst="rect">
@@ -5382,45 +5432,29 @@
             <a:pPr algn="ctr"/>
             <a:r>
               <a:rPr lang="ru-RU" sz="1400" dirty="0" smtClean="0"/>
-              <a:t>Механизация производства шахты </a:t>
-            </a:r>
-            <a:r>
-              <a:rPr lang="ru-RU" sz="1400" dirty="0" err="1" smtClean="0"/>
-              <a:t>Мусоной</a:t>
-            </a:r>
-            <a:r>
-              <a:rPr lang="ru-RU" sz="1400" dirty="0"/>
-              <a:t> </a:t>
-            </a:r>
-            <a:r>
-              <a:rPr lang="ru-RU" sz="500" dirty="0"/>
-              <a:t>(К 1930-м годам производство на </a:t>
-            </a:r>
-            <a:r>
-              <a:rPr lang="ru-RU" sz="500" dirty="0" err="1"/>
-              <a:t>Musonoi</a:t>
-            </a:r>
-            <a:r>
-              <a:rPr lang="ru-RU" sz="500" dirty="0"/>
-              <a:t> было высокомеханизированным, в то время как мировой спрос на медь падал) (Рабочие использовали саботаж и поджоги, а также бегство в качестве инструментов торга для улучшения условий</a:t>
-            </a:r>
-            <a:r>
-              <a:rPr lang="ru-RU" sz="500" dirty="0" smtClean="0"/>
-              <a:t>.)</a:t>
+              <a:t>Расширение торгового флота </a:t>
+            </a:r>
+            <a:r>
+              <a:rPr lang="ru-RU" sz="800" dirty="0"/>
+              <a:t>(наше)</a:t>
             </a:r>
             <a:endParaRPr lang="ru-RU" sz="100" dirty="0"/>
           </a:p>
-        </p:txBody>
-      </p:sp>
-      <p:sp>
-        <p:nvSpPr>
-          <p:cNvPr id="97" name="Прямоугольник 96"/>
+          <a:p>
+            <a:pPr algn="ctr"/>
+            <a:endParaRPr lang="ru-RU" sz="500" dirty="0"/>
+          </a:p>
+        </p:txBody>
+      </p:sp>
+      <p:sp>
+        <p:nvSpPr>
+          <p:cNvPr id="100" name="Прямоугольник 99"/>
           <p:cNvSpPr/>
           <p:nvPr/>
         </p:nvSpPr>
         <p:spPr>
           <a:xfrm>
-            <a:off x="9417195" y="12160410"/>
+            <a:off x="3543575" y="7567373"/>
             <a:ext cx="2115918" cy="1080000"/>
           </a:xfrm>
           <a:prstGeom prst="rect">
@@ -5449,121 +5483,7 @@
             <a:pPr algn="ctr"/>
             <a:r>
               <a:rPr lang="ru-RU" sz="1400" dirty="0" smtClean="0"/>
-              <a:t>Открытие </a:t>
-            </a:r>
-            <a:r>
-              <a:rPr lang="en-US" sz="1400" dirty="0" err="1" smtClean="0"/>
-              <a:t>Musonoi</a:t>
-            </a:r>
-            <a:r>
-              <a:rPr lang="en-US" sz="1400" dirty="0" smtClean="0"/>
-              <a:t> Principal</a:t>
-            </a:r>
-            <a:r>
-              <a:rPr lang="ru-RU" sz="1400" dirty="0"/>
-              <a:t> </a:t>
-            </a:r>
-            <a:r>
-              <a:rPr lang="ru-RU" sz="1100" dirty="0"/>
-              <a:t>(самый старый карьер, был открыт в 1940-х годах.)</a:t>
-            </a:r>
-            <a:endParaRPr lang="ru-RU" sz="300" dirty="0"/>
-          </a:p>
-        </p:txBody>
-      </p:sp>
-      <p:sp>
-        <p:nvSpPr>
-          <p:cNvPr id="99" name="Прямоугольник 98"/>
-          <p:cNvSpPr/>
-          <p:nvPr/>
-        </p:nvSpPr>
-        <p:spPr>
-          <a:xfrm>
-            <a:off x="2358636" y="9110358"/>
-            <a:ext cx="2115918" cy="1080000"/>
-          </a:xfrm>
-          <a:prstGeom prst="rect">
-            <a:avLst/>
-          </a:prstGeom>
-          <a:ln w="28575"/>
-        </p:spPr>
-        <p:style>
-          <a:lnRef idx="2">
-            <a:schemeClr val="accent1"/>
-          </a:lnRef>
-          <a:fillRef idx="1">
-            <a:schemeClr val="lt1"/>
-          </a:fillRef>
-          <a:effectRef idx="0">
-            <a:schemeClr val="accent1"/>
-          </a:effectRef>
-          <a:fontRef idx="minor">
-            <a:schemeClr val="dk1"/>
-          </a:fontRef>
-        </p:style>
-        <p:txBody>
-          <a:bodyPr lIns="124733" tIns="62367" rIns="124733" bIns="62367" rtlCol="0" anchor="ctr"/>
-          <a:lstStyle/>
-          <a:p>
-            <a:pPr algn="ctr"/>
-            <a:r>
-              <a:rPr lang="ru-RU" sz="1400" dirty="0" smtClean="0"/>
-              <a:t>Расширение торгового флота </a:t>
-            </a:r>
-            <a:r>
-              <a:rPr lang="ru-RU" sz="800" dirty="0"/>
-              <a:t>(наше)</a:t>
-            </a:r>
-            <a:endParaRPr lang="ru-RU" sz="100" dirty="0"/>
-          </a:p>
-          <a:p>
-            <a:pPr algn="ctr"/>
-            <a:endParaRPr lang="ru-RU" sz="500" dirty="0"/>
-          </a:p>
-        </p:txBody>
-      </p:sp>
-      <p:sp>
-        <p:nvSpPr>
-          <p:cNvPr id="100" name="Прямоугольник 99"/>
-          <p:cNvSpPr/>
-          <p:nvPr/>
-        </p:nvSpPr>
-        <p:spPr>
-          <a:xfrm>
-            <a:off x="3543575" y="7567373"/>
-            <a:ext cx="2115918" cy="1080000"/>
-          </a:xfrm>
-          <a:prstGeom prst="rect">
-            <a:avLst/>
-          </a:prstGeom>
-          <a:ln w="28575"/>
-        </p:spPr>
-        <p:style>
-          <a:lnRef idx="2">
-            <a:schemeClr val="accent1"/>
-          </a:lnRef>
-          <a:fillRef idx="1">
-            <a:schemeClr val="lt1"/>
-          </a:fillRef>
-          <a:effectRef idx="0">
-            <a:schemeClr val="accent1"/>
-          </a:effectRef>
-          <a:fontRef idx="minor">
-            <a:schemeClr val="dk1"/>
-          </a:fontRef>
-        </p:style>
-        <p:txBody>
-          <a:bodyPr lIns="124733" tIns="62367" rIns="124733" bIns="62367" rtlCol="0" anchor="ctr"/>
-          <a:lstStyle/>
-          <a:p>
-            <a:pPr algn="ctr"/>
-            <a:r>
-              <a:rPr lang="ru-RU" sz="1400" dirty="0" smtClean="0"/>
-              <a:t>Подготовка к войне на </a:t>
-            </a:r>
-            <a:r>
-              <a:rPr lang="ru-RU" sz="1400" dirty="0" smtClean="0"/>
-              <a:t>море (наше)</a:t>
+              <a:t>Подготовка к войне на море (наше)</a:t>
             </a:r>
             <a:endParaRPr lang="ru-RU" sz="500" dirty="0"/>
           </a:p>

--- a/Наработки/диздоки/Бельгийское Конго/Бельгийское Конго.pptx
+++ b/Наработки/диздоки/Бельгийское Конго/Бельгийское Конго.pptx
@@ -209,7 +209,7 @@
             <a:fld id="{33E3D7F9-E251-484C-A6FF-FA958879DF69}" type="datetimeFigureOut">
               <a:rPr lang="ru-RU" smtClean="0"/>
               <a:pPr/>
-              <a:t>08.11.2021</a:t>
+              <a:t>09.11.2021</a:t>
             </a:fld>
             <a:endParaRPr lang="ru-RU"/>
           </a:p>
@@ -700,7 +700,7 @@
             <a:fld id="{85A5DE44-605B-4D3B-B2B7-94543DF81A36}" type="datetimeFigureOut">
               <a:rPr lang="ru-RU" smtClean="0"/>
               <a:pPr/>
-              <a:t>08.11.2021</a:t>
+              <a:t>09.11.2021</a:t>
             </a:fld>
             <a:endParaRPr lang="ru-RU"/>
           </a:p>
@@ -872,7 +872,7 @@
             <a:fld id="{85A5DE44-605B-4D3B-B2B7-94543DF81A36}" type="datetimeFigureOut">
               <a:rPr lang="ru-RU" smtClean="0"/>
               <a:pPr/>
-              <a:t>08.11.2021</a:t>
+              <a:t>09.11.2021</a:t>
             </a:fld>
             <a:endParaRPr lang="ru-RU"/>
           </a:p>
@@ -1054,7 +1054,7 @@
             <a:fld id="{85A5DE44-605B-4D3B-B2B7-94543DF81A36}" type="datetimeFigureOut">
               <a:rPr lang="ru-RU" smtClean="0"/>
               <a:pPr/>
-              <a:t>08.11.2021</a:t>
+              <a:t>09.11.2021</a:t>
             </a:fld>
             <a:endParaRPr lang="ru-RU"/>
           </a:p>
@@ -1226,7 +1226,7 @@
             <a:fld id="{85A5DE44-605B-4D3B-B2B7-94543DF81A36}" type="datetimeFigureOut">
               <a:rPr lang="ru-RU" smtClean="0"/>
               <a:pPr/>
-              <a:t>08.11.2021</a:t>
+              <a:t>09.11.2021</a:t>
             </a:fld>
             <a:endParaRPr lang="ru-RU"/>
           </a:p>
@@ -1474,7 +1474,7 @@
             <a:fld id="{85A5DE44-605B-4D3B-B2B7-94543DF81A36}" type="datetimeFigureOut">
               <a:rPr lang="ru-RU" smtClean="0"/>
               <a:pPr/>
-              <a:t>08.11.2021</a:t>
+              <a:t>09.11.2021</a:t>
             </a:fld>
             <a:endParaRPr lang="ru-RU"/>
           </a:p>
@@ -1708,7 +1708,7 @@
             <a:fld id="{85A5DE44-605B-4D3B-B2B7-94543DF81A36}" type="datetimeFigureOut">
               <a:rPr lang="ru-RU" smtClean="0"/>
               <a:pPr/>
-              <a:t>08.11.2021</a:t>
+              <a:t>09.11.2021</a:t>
             </a:fld>
             <a:endParaRPr lang="ru-RU"/>
           </a:p>
@@ -2077,7 +2077,7 @@
             <a:fld id="{85A5DE44-605B-4D3B-B2B7-94543DF81A36}" type="datetimeFigureOut">
               <a:rPr lang="ru-RU" smtClean="0"/>
               <a:pPr/>
-              <a:t>08.11.2021</a:t>
+              <a:t>09.11.2021</a:t>
             </a:fld>
             <a:endParaRPr lang="ru-RU"/>
           </a:p>
@@ -2197,7 +2197,7 @@
             <a:fld id="{85A5DE44-605B-4D3B-B2B7-94543DF81A36}" type="datetimeFigureOut">
               <a:rPr lang="ru-RU" smtClean="0"/>
               <a:pPr/>
-              <a:t>08.11.2021</a:t>
+              <a:t>09.11.2021</a:t>
             </a:fld>
             <a:endParaRPr lang="ru-RU"/>
           </a:p>
@@ -2294,7 +2294,7 @@
             <a:fld id="{85A5DE44-605B-4D3B-B2B7-94543DF81A36}" type="datetimeFigureOut">
               <a:rPr lang="ru-RU" smtClean="0"/>
               <a:pPr/>
-              <a:t>08.11.2021</a:t>
+              <a:t>09.11.2021</a:t>
             </a:fld>
             <a:endParaRPr lang="ru-RU"/>
           </a:p>
@@ -2573,7 +2573,7 @@
             <a:fld id="{85A5DE44-605B-4D3B-B2B7-94543DF81A36}" type="datetimeFigureOut">
               <a:rPr lang="ru-RU" smtClean="0"/>
               <a:pPr/>
-              <a:t>08.11.2021</a:t>
+              <a:t>09.11.2021</a:t>
             </a:fld>
             <a:endParaRPr lang="ru-RU"/>
           </a:p>
@@ -2832,7 +2832,7 @@
             <a:fld id="{85A5DE44-605B-4D3B-B2B7-94543DF81A36}" type="datetimeFigureOut">
               <a:rPr lang="ru-RU" smtClean="0"/>
               <a:pPr/>
-              <a:t>08.11.2021</a:t>
+              <a:t>09.11.2021</a:t>
             </a:fld>
             <a:endParaRPr lang="ru-RU"/>
           </a:p>
@@ -3047,7 +3047,7 @@
             <a:fld id="{85A5DE44-605B-4D3B-B2B7-94543DF81A36}" type="datetimeFigureOut">
               <a:rPr lang="ru-RU" smtClean="0"/>
               <a:pPr/>
-              <a:t>08.11.2021</a:t>
+              <a:t>09.11.2021</a:t>
             </a:fld>
             <a:endParaRPr lang="ru-RU"/>
           </a:p>
@@ -3999,6 +3999,10 @@
               <a:t>Экспорт Урана в США </a:t>
             </a:r>
             <a:r>
+              <a:rPr lang="ru-RU" sz="1200" dirty="0" smtClean="0"/>
+              <a:t>(ПОКА ЧТО ЭТОГО ФОКУСА НЕ БУДЕТ ДО РЕВОРКА ЯО) </a:t>
+            </a:r>
+            <a:r>
               <a:rPr lang="ru-RU" sz="500" dirty="0" smtClean="0"/>
               <a:t>(Бельгийское </a:t>
             </a:r>
@@ -4129,54 +4133,6 @@
             <a:r>
               <a:rPr lang="ru-RU" sz="1400" dirty="0" err="1" smtClean="0"/>
               <a:t>Катанги</a:t>
-            </a:r>
-            <a:r>
-              <a:rPr lang="ru-RU" sz="1400" dirty="0" smtClean="0"/>
-              <a:t> </a:t>
-            </a:r>
-            <a:r>
-              <a:rPr lang="ru-RU" sz="500" dirty="0" smtClean="0"/>
-              <a:t>(Между 1938 и 1944 годами в </a:t>
-            </a:r>
-            <a:r>
-              <a:rPr lang="ru-RU" sz="500" dirty="0" err="1" smtClean="0"/>
-              <a:t>Union</a:t>
-            </a:r>
-            <a:r>
-              <a:rPr lang="ru-RU" sz="500" dirty="0" smtClean="0"/>
-              <a:t> </a:t>
-            </a:r>
-            <a:r>
-              <a:rPr lang="ru-RU" sz="500" dirty="0" err="1" smtClean="0"/>
-              <a:t>Minière</a:t>
-            </a:r>
-            <a:r>
-              <a:rPr lang="ru-RU" sz="500" dirty="0" smtClean="0"/>
-              <a:t> </a:t>
-            </a:r>
-            <a:r>
-              <a:rPr lang="ru-RU" sz="500" dirty="0" err="1" smtClean="0"/>
-              <a:t>du</a:t>
-            </a:r>
-            <a:r>
-              <a:rPr lang="ru-RU" sz="500" dirty="0" smtClean="0"/>
-              <a:t> </a:t>
-            </a:r>
-            <a:r>
-              <a:rPr lang="ru-RU" sz="500" dirty="0" err="1" smtClean="0"/>
-              <a:t>Haut</a:t>
-            </a:r>
-            <a:r>
-              <a:rPr lang="ru-RU" sz="500" dirty="0" smtClean="0"/>
-              <a:t> </a:t>
-            </a:r>
-            <a:r>
-              <a:rPr lang="ru-RU" sz="500" dirty="0" err="1" smtClean="0"/>
-              <a:t>Katanga</a:t>
-            </a:r>
-            <a:r>
-              <a:rPr lang="ru-RU" sz="500" dirty="0" smtClean="0"/>
-              <a:t> было израсходовано 25 000 49 000 сотрудников [38] . Они увеличили количество часов персонала, а также повысили скорость работы и цели. В результате протесты рабочих начались вокруг колоний)</a:t>
             </a:r>
             <a:endParaRPr lang="ru-RU" sz="500" dirty="0"/>
           </a:p>
@@ -5306,31 +5262,7 @@
             <a:pPr algn="ctr"/>
             <a:r>
               <a:rPr lang="ru-RU" sz="1400" dirty="0" smtClean="0"/>
-              <a:t>Механизация производства шахты </a:t>
-            </a:r>
-            <a:r>
-              <a:rPr lang="ru-RU" sz="1400" dirty="0" err="1" smtClean="0"/>
-              <a:t>Мусоной</a:t>
-            </a:r>
-            <a:r>
-              <a:rPr lang="ru-RU" sz="1400" dirty="0"/>
-              <a:t> </a:t>
-            </a:r>
-            <a:r>
-              <a:rPr lang="ru-RU" sz="500" dirty="0"/>
-              <a:t>(К 1930-м годам производство на </a:t>
-            </a:r>
-            <a:r>
-              <a:rPr lang="ru-RU" sz="500" dirty="0" err="1"/>
-              <a:t>Musonoi</a:t>
-            </a:r>
-            <a:r>
-              <a:rPr lang="ru-RU" sz="500" dirty="0"/>
-              <a:t> было высокомеханизированным, в то время как мировой спрос на медь падал) (Рабочие использовали саботаж и поджоги, а также бегство в качестве инструментов торга для улучшения условий</a:t>
-            </a:r>
-            <a:r>
-              <a:rPr lang="ru-RU" sz="500" dirty="0" smtClean="0"/>
-              <a:t>.)</a:t>
+              <a:t>Механизация производства шахт</a:t>
             </a:r>
             <a:endParaRPr lang="ru-RU" sz="100" dirty="0"/>
           </a:p>
@@ -5382,14 +5314,6 @@
             <a:r>
               <a:rPr lang="en-US" sz="1400" dirty="0" smtClean="0"/>
               <a:t> Principal</a:t>
-            </a:r>
-            <a:r>
-              <a:rPr lang="ru-RU" sz="1400" dirty="0"/>
-              <a:t> </a:t>
-            </a:r>
-            <a:r>
-              <a:rPr lang="ru-RU" sz="1100" dirty="0"/>
-              <a:t>(самый старый карьер, был открыт в 1940-х годах.)</a:t>
             </a:r>
             <a:endParaRPr lang="ru-RU" sz="300" dirty="0"/>
           </a:p>
@@ -6329,15 +6253,19 @@
             <a:pPr algn="ctr"/>
             <a:r>
               <a:rPr lang="ru-RU" sz="1400" dirty="0" smtClean="0"/>
-              <a:t>Строительство плотины Инга (не </a:t>
-            </a:r>
-            <a:r>
-              <a:rPr lang="ru-RU" sz="1400" dirty="0" err="1" smtClean="0"/>
-              <a:t>истор</a:t>
+              <a:t>Строительство </a:t>
             </a:r>
             <a:r>
               <a:rPr lang="ru-RU" sz="1400" dirty="0" smtClean="0"/>
-              <a:t>)</a:t>
+              <a:t>плотин Инга </a:t>
+            </a:r>
+            <a:r>
+              <a:rPr lang="ru-RU" sz="1400" dirty="0" smtClean="0"/>
+              <a:t>(не </a:t>
+            </a:r>
+            <a:r>
+              <a:rPr lang="ru-RU" sz="1400" dirty="0" smtClean="0"/>
+              <a:t>историчный фокус)</a:t>
             </a:r>
             <a:endParaRPr lang="ru-RU" sz="500" dirty="0"/>
           </a:p>
@@ -6380,7 +6308,11 @@
             <a:pPr algn="ctr"/>
             <a:r>
               <a:rPr lang="ru-RU" sz="1400" dirty="0" smtClean="0"/>
-              <a:t>Строительство гидроэлектростанций</a:t>
+              <a:t>Строительство </a:t>
+            </a:r>
+            <a:r>
+              <a:rPr lang="ru-RU" sz="1400" dirty="0" smtClean="0"/>
+              <a:t>гидроэлектростанций</a:t>
             </a:r>
             <a:endParaRPr lang="ru-RU" sz="500" dirty="0"/>
           </a:p>

--- a/Наработки/диздоки/Бельгийское Конго/Бельгийское Конго.pptx
+++ b/Наработки/диздоки/Бельгийское Конго/Бельгийское Конго.pptx
@@ -6253,19 +6253,7 @@
             <a:pPr algn="ctr"/>
             <a:r>
               <a:rPr lang="ru-RU" sz="1400" dirty="0" smtClean="0"/>
-              <a:t>Строительство </a:t>
-            </a:r>
-            <a:r>
-              <a:rPr lang="ru-RU" sz="1400" dirty="0" smtClean="0"/>
-              <a:t>плотин Инга </a:t>
-            </a:r>
-            <a:r>
-              <a:rPr lang="ru-RU" sz="1400" dirty="0" smtClean="0"/>
-              <a:t>(не </a:t>
-            </a:r>
-            <a:r>
-              <a:rPr lang="ru-RU" sz="1400" dirty="0" smtClean="0"/>
-              <a:t>историчный фокус)</a:t>
+              <a:t>Строительство плотин Инга (не историчный фокус)</a:t>
             </a:r>
             <a:endParaRPr lang="ru-RU" sz="500" dirty="0"/>
           </a:p>
@@ -6308,11 +6296,7 @@
             <a:pPr algn="ctr"/>
             <a:r>
               <a:rPr lang="ru-RU" sz="1400" dirty="0" smtClean="0"/>
-              <a:t>Строительство </a:t>
-            </a:r>
-            <a:r>
-              <a:rPr lang="ru-RU" sz="1400" dirty="0" smtClean="0"/>
-              <a:t>гидроэлектростанций</a:t>
+              <a:t>Строительство гидроэлектростанций</a:t>
             </a:r>
             <a:endParaRPr lang="ru-RU" sz="500" dirty="0"/>
           </a:p>
@@ -6466,20 +6450,12 @@
           <a:p>
             <a:pPr algn="ctr"/>
             <a:r>
-              <a:rPr lang="en-US" sz="1400" dirty="0"/>
+              <a:rPr lang="en-US" sz="1400" dirty="0" smtClean="0"/>
               <a:t>Force </a:t>
             </a:r>
             <a:r>
-              <a:rPr lang="en-US" sz="1400" dirty="0" err="1"/>
+              <a:rPr lang="en-US" sz="1400" dirty="0" err="1" smtClean="0"/>
               <a:t>Publique</a:t>
-            </a:r>
-            <a:r>
-              <a:rPr lang="ru-RU" sz="1400" dirty="0"/>
-              <a:t> </a:t>
-            </a:r>
-            <a:r>
-              <a:rPr lang="ru-RU" sz="500" dirty="0"/>
-              <a:t>(была жандармерией и вооруженными силами на территории нынешней Демократической Республики Конго с 1885 года (когда территория была известна как Свободное государство Конго. ), через период бельгийского колониального господства ( Бельгийское Конго - 1908-1960). В июле 1960 года после обретения независимости ФП была переименована в Конголезскую национальную армию или АНК.)</a:t>
             </a:r>
             <a:endParaRPr lang="ru-RU" sz="100" dirty="0"/>
           </a:p>
@@ -6645,68 +6621,40 @@
           <a:p>
             <a:pPr algn="ctr"/>
             <a:r>
-              <a:rPr lang="ru-RU" sz="1400" dirty="0" err="1"/>
+              <a:rPr lang="ru-RU" sz="1400" dirty="0" err="1" smtClean="0"/>
               <a:t>Compagnie</a:t>
             </a:r>
             <a:r>
-              <a:rPr lang="ru-RU" sz="1400" dirty="0"/>
+              <a:rPr lang="ru-RU" sz="1400" dirty="0" smtClean="0"/>
               <a:t> </a:t>
             </a:r>
             <a:r>
-              <a:rPr lang="ru-RU" sz="1400" dirty="0" err="1"/>
+              <a:rPr lang="ru-RU" sz="1400" dirty="0" err="1" smtClean="0"/>
               <a:t>d'Artillerie</a:t>
             </a:r>
             <a:r>
-              <a:rPr lang="ru-RU" sz="1400" dirty="0"/>
+              <a:rPr lang="ru-RU" sz="1400" dirty="0" smtClean="0"/>
               <a:t> </a:t>
             </a:r>
             <a:r>
-              <a:rPr lang="ru-RU" sz="1400" dirty="0" err="1"/>
+              <a:rPr lang="ru-RU" sz="1400" dirty="0" err="1" smtClean="0"/>
               <a:t>et</a:t>
             </a:r>
             <a:r>
-              <a:rPr lang="ru-RU" sz="1400" dirty="0"/>
+              <a:rPr lang="ru-RU" sz="1400" dirty="0" smtClean="0"/>
               <a:t> </a:t>
             </a:r>
             <a:r>
-              <a:rPr lang="ru-RU" sz="1400" dirty="0" err="1"/>
+              <a:rPr lang="ru-RU" sz="1400" dirty="0" err="1" smtClean="0"/>
               <a:t>de</a:t>
             </a:r>
             <a:r>
-              <a:rPr lang="ru-RU" sz="1400" dirty="0"/>
+              <a:rPr lang="ru-RU" sz="1400" dirty="0" smtClean="0"/>
               <a:t> </a:t>
             </a:r>
             <a:r>
-              <a:rPr lang="ru-RU" sz="1400" dirty="0" err="1"/>
+              <a:rPr lang="ru-RU" sz="1400" dirty="0" err="1" smtClean="0"/>
               <a:t>Génie</a:t>
-            </a:r>
-            <a:r>
-              <a:rPr lang="ru-RU" sz="1400" dirty="0"/>
-              <a:t> </a:t>
-            </a:r>
-            <a:r>
-              <a:rPr lang="ru-RU" sz="1050" dirty="0"/>
-              <a:t>(Артиллерийская и инженерная </a:t>
-            </a:r>
-            <a:r>
-              <a:rPr lang="ru-RU" sz="1050" dirty="0" smtClean="0"/>
-              <a:t>рота, </a:t>
-            </a:r>
-            <a:r>
-              <a:rPr lang="ru-RU" sz="1050" dirty="0"/>
-              <a:t>располагавшаяся в форте </a:t>
-            </a:r>
-            <a:r>
-              <a:rPr lang="ru-RU" sz="1050" dirty="0" err="1"/>
-              <a:t>Шинкакаса</a:t>
-            </a:r>
-            <a:r>
-              <a:rPr lang="ru-RU" sz="1050" dirty="0"/>
-              <a:t> в устье реки Конго в </a:t>
-            </a:r>
-            <a:r>
-              <a:rPr lang="ru-RU" sz="1050" dirty="0" smtClean="0"/>
-              <a:t>Боме)</a:t>
             </a:r>
             <a:endParaRPr lang="ru-RU" sz="400" dirty="0"/>
           </a:p>
@@ -6753,27 +6701,11 @@
             </a:r>
             <a:r>
               <a:rPr lang="ru-RU" sz="1400" dirty="0"/>
-              <a:t>по оказанию помощи пострадавшим </a:t>
-            </a:r>
-            <a:r>
-              <a:rPr lang="ru-RU" sz="400" dirty="0"/>
-              <a:t>(Медицинское подразделение из Конго, 10-я (Бельгийское Конго) станция по оказанию помощи пострадавшим , было сформировано в 1943 году и служило вместе с британскими войсками во время вторжения на Мадагаскар и на Дальний Восток во время Бирманской кампании . [57] Подразделение (которое имело небольшой отряд </a:t>
-            </a:r>
-            <a:r>
-              <a:rPr lang="ru-RU" sz="400" dirty="0" err="1"/>
-              <a:t>Force</a:t>
-            </a:r>
-            <a:r>
-              <a:rPr lang="ru-RU" sz="400" dirty="0"/>
-              <a:t> </a:t>
-            </a:r>
-            <a:r>
-              <a:rPr lang="ru-RU" sz="400" dirty="0" err="1"/>
-              <a:t>Publique</a:t>
-            </a:r>
-            <a:r>
-              <a:rPr lang="ru-RU" sz="400" dirty="0"/>
-              <a:t> для местной защиты станции) включало 350 чернокожих и 20 белых сотрудников и продолжало служить с британцами до 1945 года.)</a:t>
+              <a:t>по оказанию помощи </a:t>
+            </a:r>
+            <a:r>
+              <a:rPr lang="ru-RU" sz="1400" dirty="0" smtClean="0"/>
+              <a:t>пострадавшим</a:t>
             </a:r>
             <a:endParaRPr lang="ru-RU" sz="100" dirty="0"/>
           </a:p>
@@ -6815,116 +6747,12 @@
           <a:p>
             <a:pPr algn="ctr"/>
             <a:r>
-              <a:rPr lang="fr-FR" sz="1400" dirty="0"/>
-              <a:t>Aviation militaire de la Force </a:t>
-            </a:r>
-            <a:r>
               <a:rPr lang="fr-FR" sz="1400" dirty="0" smtClean="0"/>
-              <a:t>Publique</a:t>
-            </a:r>
-            <a:r>
-              <a:rPr lang="ru-RU" sz="1400" dirty="0"/>
-              <a:t> </a:t>
-            </a:r>
-            <a:r>
-              <a:rPr lang="ru-RU" sz="500" dirty="0"/>
-              <a:t>(В конце 1940 года штаб FP , осознавая необходимость авиационной поддержки сил, начал формировать </a:t>
-            </a:r>
-            <a:r>
-              <a:rPr lang="ru-RU" sz="500" dirty="0" err="1"/>
-              <a:t>Aviation</a:t>
-            </a:r>
-            <a:r>
-              <a:rPr lang="ru-RU" sz="500" dirty="0"/>
-              <a:t> </a:t>
-            </a:r>
-            <a:r>
-              <a:rPr lang="ru-RU" sz="500" dirty="0" err="1"/>
-              <a:t>militaire</a:t>
-            </a:r>
-            <a:r>
-              <a:rPr lang="ru-RU" sz="500" dirty="0"/>
-              <a:t> </a:t>
-            </a:r>
-            <a:r>
-              <a:rPr lang="ru-RU" sz="500" dirty="0" err="1"/>
-              <a:t>de</a:t>
-            </a:r>
-            <a:r>
-              <a:rPr lang="ru-RU" sz="500" dirty="0"/>
-              <a:t> </a:t>
-            </a:r>
-            <a:r>
-              <a:rPr lang="ru-RU" sz="500" dirty="0" err="1"/>
-              <a:t>la</a:t>
-            </a:r>
-            <a:r>
-              <a:rPr lang="ru-RU" sz="500" dirty="0"/>
-              <a:t> </a:t>
-            </a:r>
-            <a:r>
-              <a:rPr lang="ru-RU" sz="500" dirty="0" err="1"/>
-              <a:t>Force</a:t>
-            </a:r>
-            <a:r>
-              <a:rPr lang="ru-RU" sz="500" dirty="0"/>
-              <a:t> </a:t>
-            </a:r>
-            <a:r>
-              <a:rPr lang="ru-RU" sz="500" dirty="0" err="1"/>
-              <a:t>Publique</a:t>
-            </a:r>
-            <a:r>
-              <a:rPr lang="ru-RU" sz="500" dirty="0"/>
-              <a:t>, оснащенный реквизированными гражданскими машинами и базирующийся в аэропорту </a:t>
-            </a:r>
-            <a:r>
-              <a:rPr lang="ru-RU" sz="500" dirty="0" err="1"/>
-              <a:t>Н'Доло</a:t>
-            </a:r>
-            <a:r>
-              <a:rPr lang="ru-RU" sz="500" dirty="0"/>
-              <a:t> в </a:t>
-            </a:r>
-            <a:r>
-              <a:rPr lang="ru-RU" sz="500" dirty="0" err="1"/>
-              <a:t>Леопольдвилле</a:t>
-            </a:r>
-            <a:r>
-              <a:rPr lang="ru-RU" sz="500" dirty="0"/>
-              <a:t>. Первой машиной, закупленной для вооруженных сил, была </a:t>
-            </a:r>
-            <a:r>
-              <a:rPr lang="ru-RU" sz="500" dirty="0" err="1"/>
-              <a:t>de</a:t>
-            </a:r>
-            <a:r>
-              <a:rPr lang="ru-RU" sz="500" dirty="0"/>
-              <a:t> </a:t>
-            </a:r>
-            <a:r>
-              <a:rPr lang="ru-RU" sz="500" dirty="0" err="1"/>
-              <a:t>Havilland</a:t>
-            </a:r>
-            <a:r>
-              <a:rPr lang="ru-RU" sz="500" dirty="0"/>
-              <a:t> DH.85 </a:t>
-            </a:r>
-            <a:r>
-              <a:rPr lang="ru-RU" sz="500" dirty="0" err="1"/>
-              <a:t>Leopard</a:t>
-            </a:r>
-            <a:r>
-              <a:rPr lang="ru-RU" sz="500" dirty="0"/>
-              <a:t> </a:t>
-            </a:r>
-            <a:r>
-              <a:rPr lang="ru-RU" sz="500" dirty="0" err="1"/>
-              <a:t>Moth</a:t>
-            </a:r>
-            <a:r>
-              <a:rPr lang="ru-RU" sz="500" dirty="0"/>
-              <a:t> , вступившая в строй 9 октября 1940 г.)</a:t>
+              <a:t>Aviation militaire de la Force Publique</a:t>
+            </a:r>
+            <a:r>
+              <a:rPr lang="ru-RU" sz="1400" dirty="0" smtClean="0"/>
+              <a:t> (конец 1940)</a:t>
             </a:r>
             <a:endParaRPr lang="ru-RU" sz="100" dirty="0"/>
           </a:p>
@@ -7117,19 +6945,11 @@
             <a:pPr algn="ctr"/>
             <a:r>
               <a:rPr lang="ru-RU" sz="1400" dirty="0"/>
-              <a:t>Воздушное снабжение </a:t>
-            </a:r>
-            <a:r>
-              <a:rPr lang="ru-RU" sz="900" dirty="0"/>
-              <a:t>(В обязанности </a:t>
-            </a:r>
-            <a:r>
-              <a:rPr lang="ru-RU" sz="900" dirty="0" err="1"/>
-              <a:t>Avimil</a:t>
-            </a:r>
-            <a:r>
-              <a:rPr lang="ru-RU" sz="900" dirty="0"/>
-              <a:t> входила перевозка пассажиров, предметов медицинского назначения и других товаров, а также выполнение стыковочных рейсов и сборов)</a:t>
+              <a:t>Воздушное </a:t>
+            </a:r>
+            <a:r>
+              <a:rPr lang="ru-RU" sz="1400" dirty="0" smtClean="0"/>
+              <a:t>снабжение</a:t>
             </a:r>
             <a:endParaRPr lang="ru-RU" sz="200" dirty="0"/>
           </a:p>
@@ -7437,36 +7257,8 @@
           <a:p>
             <a:pPr algn="ctr"/>
             <a:r>
-              <a:rPr lang="ru-RU" sz="1400" dirty="0"/>
-              <a:t>Улучшить снаряжение </a:t>
-            </a:r>
-            <a:r>
-              <a:rPr lang="ru-RU" sz="700" dirty="0"/>
-              <a:t>(Пистолеты FN 1910 , FN 1922 и FN 1935 GP использовались вместе с пистолетами-пулеметами Томпсона и винтовками </a:t>
-            </a:r>
-            <a:r>
-              <a:rPr lang="ru-RU" sz="700" dirty="0" err="1"/>
-              <a:t>Mauser</a:t>
-            </a:r>
-            <a:r>
-              <a:rPr lang="ru-RU" sz="700" dirty="0"/>
-              <a:t> 1936 в 1939 году . Точно так же в 1939 году стояли на вооружении пулеметы </a:t>
-            </a:r>
-            <a:r>
-              <a:rPr lang="ru-RU" sz="700" dirty="0" err="1"/>
-              <a:t>Browning</a:t>
-            </a:r>
-            <a:r>
-              <a:rPr lang="ru-RU" sz="700" dirty="0"/>
-              <a:t> BAR FN 1930 и </a:t>
-            </a:r>
-            <a:r>
-              <a:rPr lang="ru-RU" sz="700" dirty="0" err="1"/>
-              <a:t>Browning</a:t>
-            </a:r>
-            <a:r>
-              <a:rPr lang="ru-RU" sz="700" dirty="0"/>
-              <a:t>-FN.)</a:t>
+              <a:rPr lang="ru-RU" sz="1400" dirty="0" smtClean="0"/>
+              <a:t>Использование бельгийского вооружения (наше)</a:t>
             </a:r>
             <a:endParaRPr lang="ru-RU" sz="100" dirty="0"/>
           </a:p>
@@ -7545,7 +7337,11 @@
             <a:pPr algn="ctr"/>
             <a:r>
               <a:rPr lang="ru-RU" sz="1400" dirty="0" smtClean="0"/>
-              <a:t>Использовать радарные системы в армии (радио будет изучено и темпы к вышкам)</a:t>
+              <a:t>Использовать радарные системы в </a:t>
+            </a:r>
+            <a:r>
+              <a:rPr lang="ru-RU" sz="1400" dirty="0" smtClean="0"/>
+              <a:t>армии</a:t>
             </a:r>
             <a:endParaRPr lang="ru-RU" sz="700" dirty="0"/>
           </a:p>
@@ -7835,74 +7631,6 @@
               <a:rPr lang="ru-RU" sz="1400" dirty="0" err="1" smtClean="0"/>
               <a:t>Катанги</a:t>
             </a:r>
-            <a:r>
-              <a:rPr lang="ru-RU" sz="1400" dirty="0"/>
-              <a:t> </a:t>
-            </a:r>
-            <a:r>
-              <a:rPr lang="ru-RU" sz="500" dirty="0"/>
-              <a:t>(Когда 15.04.1891 </a:t>
-            </a:r>
-            <a:r>
-              <a:rPr lang="ru-RU" sz="500" dirty="0" err="1"/>
-              <a:t>Катанга</a:t>
-            </a:r>
-            <a:r>
-              <a:rPr lang="ru-RU" sz="500" dirty="0"/>
-              <a:t> стала частью СГК, войска провинции были выделены в отдельный корпус, получивший название </a:t>
-            </a:r>
-            <a:r>
-              <a:rPr lang="ru-RU" sz="500" dirty="0" err="1"/>
-              <a:t>Troupes</a:t>
-            </a:r>
-            <a:r>
-              <a:rPr lang="ru-RU" sz="500" dirty="0"/>
-              <a:t> </a:t>
-            </a:r>
-            <a:r>
-              <a:rPr lang="ru-RU" sz="500" dirty="0" err="1"/>
-              <a:t>de</a:t>
-            </a:r>
-            <a:r>
-              <a:rPr lang="ru-RU" sz="500" dirty="0"/>
-              <a:t> </a:t>
-            </a:r>
-            <a:r>
-              <a:rPr lang="ru-RU" sz="500" dirty="0" err="1"/>
-              <a:t>Katanga</a:t>
-            </a:r>
-            <a:r>
-              <a:rPr lang="ru-RU" sz="500" dirty="0"/>
-              <a:t>. Он состоял из 6 рот( 4 маршевых и 2 пехотных), роты велосипедистов и батальонного штаба. В каждой из рот было по 4 бельгийца и 100-150 </a:t>
-            </a:r>
-            <a:r>
-              <a:rPr lang="ru-RU" sz="500" dirty="0" err="1"/>
-              <a:t>аскари</a:t>
-            </a:r>
-            <a:r>
-              <a:rPr lang="ru-RU" sz="500" dirty="0"/>
-              <a:t>, разбитых на взводы по 50 человек. Даже в середине ХХ века этого количества войск и полиции </a:t>
-            </a:r>
-            <a:r>
-              <a:rPr lang="ru-RU" sz="500" dirty="0" err="1"/>
-              <a:t>Э'вилля</a:t>
-            </a:r>
-            <a:r>
-              <a:rPr lang="ru-RU" sz="500" dirty="0"/>
-              <a:t> и </a:t>
-            </a:r>
-            <a:r>
-              <a:rPr lang="ru-RU" sz="500" dirty="0" err="1"/>
-              <a:t>Альбервиля</a:t>
-            </a:r>
-            <a:r>
-              <a:rPr lang="ru-RU" sz="500" dirty="0"/>
-              <a:t> хватало для поддержания порядка</a:t>
-            </a:r>
-            <a:r>
-              <a:rPr lang="ru-RU" sz="500" dirty="0" smtClean="0"/>
-              <a:t>.)</a:t>
-            </a:r>
             <a:endParaRPr lang="ru-RU" sz="100" dirty="0"/>
           </a:p>
         </p:txBody>
@@ -8056,7 +7784,7 @@
             <a:pPr algn="ctr"/>
             <a:r>
               <a:rPr lang="ru-RU" sz="1400" dirty="0" smtClean="0"/>
-              <a:t>Тренировки в джунглях</a:t>
+              <a:t>Война в Африканских условиях (наше)</a:t>
             </a:r>
             <a:endParaRPr lang="ru-RU" sz="700" dirty="0"/>
           </a:p>

--- a/Наработки/диздоки/Бельгийское Конго/Бельгийское Конго.pptx
+++ b/Наработки/диздоки/Бельгийское Конго/Бельгийское Конго.pptx
@@ -209,7 +209,7 @@
             <a:fld id="{33E3D7F9-E251-484C-A6FF-FA958879DF69}" type="datetimeFigureOut">
               <a:rPr lang="ru-RU" smtClean="0"/>
               <a:pPr/>
-              <a:t>09.11.2021</a:t>
+              <a:t>11.11.2021</a:t>
             </a:fld>
             <a:endParaRPr lang="ru-RU"/>
           </a:p>
@@ -700,7 +700,7 @@
             <a:fld id="{85A5DE44-605B-4D3B-B2B7-94543DF81A36}" type="datetimeFigureOut">
               <a:rPr lang="ru-RU" smtClean="0"/>
               <a:pPr/>
-              <a:t>09.11.2021</a:t>
+              <a:t>11.11.2021</a:t>
             </a:fld>
             <a:endParaRPr lang="ru-RU"/>
           </a:p>
@@ -872,7 +872,7 @@
             <a:fld id="{85A5DE44-605B-4D3B-B2B7-94543DF81A36}" type="datetimeFigureOut">
               <a:rPr lang="ru-RU" smtClean="0"/>
               <a:pPr/>
-              <a:t>09.11.2021</a:t>
+              <a:t>11.11.2021</a:t>
             </a:fld>
             <a:endParaRPr lang="ru-RU"/>
           </a:p>
@@ -1054,7 +1054,7 @@
             <a:fld id="{85A5DE44-605B-4D3B-B2B7-94543DF81A36}" type="datetimeFigureOut">
               <a:rPr lang="ru-RU" smtClean="0"/>
               <a:pPr/>
-              <a:t>09.11.2021</a:t>
+              <a:t>11.11.2021</a:t>
             </a:fld>
             <a:endParaRPr lang="ru-RU"/>
           </a:p>
@@ -1226,7 +1226,7 @@
             <a:fld id="{85A5DE44-605B-4D3B-B2B7-94543DF81A36}" type="datetimeFigureOut">
               <a:rPr lang="ru-RU" smtClean="0"/>
               <a:pPr/>
-              <a:t>09.11.2021</a:t>
+              <a:t>11.11.2021</a:t>
             </a:fld>
             <a:endParaRPr lang="ru-RU"/>
           </a:p>
@@ -1474,7 +1474,7 @@
             <a:fld id="{85A5DE44-605B-4D3B-B2B7-94543DF81A36}" type="datetimeFigureOut">
               <a:rPr lang="ru-RU" smtClean="0"/>
               <a:pPr/>
-              <a:t>09.11.2021</a:t>
+              <a:t>11.11.2021</a:t>
             </a:fld>
             <a:endParaRPr lang="ru-RU"/>
           </a:p>
@@ -1708,7 +1708,7 @@
             <a:fld id="{85A5DE44-605B-4D3B-B2B7-94543DF81A36}" type="datetimeFigureOut">
               <a:rPr lang="ru-RU" smtClean="0"/>
               <a:pPr/>
-              <a:t>09.11.2021</a:t>
+              <a:t>11.11.2021</a:t>
             </a:fld>
             <a:endParaRPr lang="ru-RU"/>
           </a:p>
@@ -2077,7 +2077,7 @@
             <a:fld id="{85A5DE44-605B-4D3B-B2B7-94543DF81A36}" type="datetimeFigureOut">
               <a:rPr lang="ru-RU" smtClean="0"/>
               <a:pPr/>
-              <a:t>09.11.2021</a:t>
+              <a:t>11.11.2021</a:t>
             </a:fld>
             <a:endParaRPr lang="ru-RU"/>
           </a:p>
@@ -2197,7 +2197,7 @@
             <a:fld id="{85A5DE44-605B-4D3B-B2B7-94543DF81A36}" type="datetimeFigureOut">
               <a:rPr lang="ru-RU" smtClean="0"/>
               <a:pPr/>
-              <a:t>09.11.2021</a:t>
+              <a:t>11.11.2021</a:t>
             </a:fld>
             <a:endParaRPr lang="ru-RU"/>
           </a:p>
@@ -2294,7 +2294,7 @@
             <a:fld id="{85A5DE44-605B-4D3B-B2B7-94543DF81A36}" type="datetimeFigureOut">
               <a:rPr lang="ru-RU" smtClean="0"/>
               <a:pPr/>
-              <a:t>09.11.2021</a:t>
+              <a:t>11.11.2021</a:t>
             </a:fld>
             <a:endParaRPr lang="ru-RU"/>
           </a:p>
@@ -2573,7 +2573,7 @@
             <a:fld id="{85A5DE44-605B-4D3B-B2B7-94543DF81A36}" type="datetimeFigureOut">
               <a:rPr lang="ru-RU" smtClean="0"/>
               <a:pPr/>
-              <a:t>09.11.2021</a:t>
+              <a:t>11.11.2021</a:t>
             </a:fld>
             <a:endParaRPr lang="ru-RU"/>
           </a:p>
@@ -2832,7 +2832,7 @@
             <a:fld id="{85A5DE44-605B-4D3B-B2B7-94543DF81A36}" type="datetimeFigureOut">
               <a:rPr lang="ru-RU" smtClean="0"/>
               <a:pPr/>
-              <a:t>09.11.2021</a:t>
+              <a:t>11.11.2021</a:t>
             </a:fld>
             <a:endParaRPr lang="ru-RU"/>
           </a:p>
@@ -3047,7 +3047,7 @@
             <a:fld id="{85A5DE44-605B-4D3B-B2B7-94543DF81A36}" type="datetimeFigureOut">
               <a:rPr lang="ru-RU" smtClean="0"/>
               <a:pPr/>
-              <a:t>09.11.2021</a:t>
+              <a:t>11.11.2021</a:t>
             </a:fld>
             <a:endParaRPr lang="ru-RU"/>
           </a:p>
@@ -4045,12 +4045,17 @@
         </p:nvSpPr>
         <p:spPr>
           <a:xfrm>
-            <a:off x="13065684" y="5850429"/>
+            <a:off x="14128541" y="7460492"/>
             <a:ext cx="2115918" cy="1080000"/>
           </a:xfrm>
           <a:prstGeom prst="rect">
             <a:avLst/>
           </a:prstGeom>
+          <a:solidFill>
+            <a:schemeClr val="bg2">
+              <a:lumMod val="75000"/>
+            </a:schemeClr>
+          </a:solidFill>
           <a:ln w="28575"/>
         </p:spPr>
         <p:style>
@@ -4074,19 +4079,11 @@
             <a:pPr algn="ctr"/>
             <a:r>
               <a:rPr lang="ru-RU" sz="1400" dirty="0" smtClean="0"/>
-              <a:t>Девальвация </a:t>
-            </a:r>
-            <a:r>
-              <a:rPr lang="ru-RU" sz="1400" dirty="0" err="1" smtClean="0"/>
-              <a:t>Коглолезского</a:t>
-            </a:r>
-            <a:r>
-              <a:rPr lang="ru-RU" sz="1400" dirty="0" smtClean="0"/>
-              <a:t> франка </a:t>
+              <a:t>Экономическое соглашение с Великобританией </a:t>
             </a:r>
             <a:r>
               <a:rPr lang="ru-RU" sz="500" dirty="0"/>
-              <a:t>(Лондон по просьбе Бельгийского Конго было решено принять участие в усилиях союзников [37] . Британцы проявляли особый интерес к участию Конго, главным образом потому, что теперь это была одна из немногих возможностей для получения различного сырья (особенно каучука). Бельгия приняла пакт и выполнила требования Великобритании, включая девальвацию конголезского франка .)</a:t>
+              <a:t>(Так что21 января 1941 г., он подписывает экономическое соглашение с Великобританией после того, как Черчилль объясняет ему потребности, которых не хватает союзникам. Цель этого соглашения - установить определенное количество продуктов, которые англичане обязуются покупать у них до тех пор, пока31 августа 1941 г.[ 9 ] [21] . Это золото и олово-металл, основные материалы войны [ 34 ], а также уран.</a:t>
             </a:r>
           </a:p>
         </p:txBody>
@@ -4146,7 +4143,7 @@
         </p:nvSpPr>
         <p:spPr>
           <a:xfrm>
-            <a:off x="13350762" y="4627050"/>
+            <a:off x="23661443" y="4481276"/>
             <a:ext cx="2115918" cy="1080000"/>
           </a:xfrm>
           <a:prstGeom prst="rect">
@@ -4192,7 +4189,7 @@
         </p:nvSpPr>
         <p:spPr>
           <a:xfrm>
-            <a:off x="13350762" y="7200771"/>
+            <a:off x="13776668" y="2368902"/>
             <a:ext cx="2115918" cy="586438"/>
           </a:xfrm>
           <a:prstGeom prst="rect">
@@ -7337,11 +7334,7 @@
             <a:pPr algn="ctr"/>
             <a:r>
               <a:rPr lang="ru-RU" sz="1400" dirty="0" smtClean="0"/>
-              <a:t>Использовать радарные системы в </a:t>
-            </a:r>
-            <a:r>
-              <a:rPr lang="ru-RU" sz="1400" dirty="0" smtClean="0"/>
-              <a:t>армии</a:t>
+              <a:t>Использовать радарные системы в армии</a:t>
             </a:r>
             <a:endParaRPr lang="ru-RU" sz="700" dirty="0"/>
           </a:p>
@@ -8207,7 +8200,7 @@
         </p:nvSpPr>
         <p:spPr>
           <a:xfrm>
-            <a:off x="13350762" y="1431351"/>
+            <a:off x="23669660" y="2943252"/>
             <a:ext cx="2115918" cy="1080000"/>
           </a:xfrm>
           <a:prstGeom prst="rect">
@@ -8250,6 +8243,2935 @@
           </a:p>
         </p:txBody>
       </p:sp>
+      <p:sp>
+        <p:nvSpPr>
+          <p:cNvPr id="112" name="Прямоугольник 111"/>
+          <p:cNvSpPr/>
+          <p:nvPr/>
+        </p:nvSpPr>
+        <p:spPr>
+          <a:xfrm>
+            <a:off x="25980469" y="4481276"/>
+            <a:ext cx="2115918" cy="1080000"/>
+          </a:xfrm>
+          <a:prstGeom prst="rect">
+            <a:avLst/>
+          </a:prstGeom>
+          <a:ln w="28575"/>
+        </p:spPr>
+        <p:style>
+          <a:lnRef idx="2">
+            <a:schemeClr val="accent1"/>
+          </a:lnRef>
+          <a:fillRef idx="1">
+            <a:schemeClr val="lt1"/>
+          </a:fillRef>
+          <a:effectRef idx="0">
+            <a:schemeClr val="accent1"/>
+          </a:effectRef>
+          <a:fontRef idx="minor">
+            <a:schemeClr val="dk1"/>
+          </a:fontRef>
+        </p:style>
+        <p:txBody>
+          <a:bodyPr lIns="124733" tIns="62367" rIns="124733" bIns="62367" rtlCol="0" anchor="ctr"/>
+          <a:lstStyle/>
+          <a:p>
+            <a:pPr algn="ctr"/>
+            <a:r>
+              <a:rPr lang="ru-RU" sz="1400" dirty="0" smtClean="0"/>
+              <a:t>Создание </a:t>
+            </a:r>
+            <a:r>
+              <a:rPr lang="ru-RU" sz="1400" dirty="0"/>
+              <a:t>п</a:t>
+            </a:r>
+            <a:r>
+              <a:rPr lang="ru-RU" sz="1400" dirty="0" smtClean="0"/>
+              <a:t>рофсоюзов для чёрных</a:t>
+            </a:r>
+            <a:endParaRPr lang="ru-RU" sz="500" dirty="0"/>
+          </a:p>
+        </p:txBody>
+      </p:sp>
+      <p:sp>
+        <p:nvSpPr>
+          <p:cNvPr id="114" name="Прямоугольник 113"/>
+          <p:cNvSpPr/>
+          <p:nvPr/>
+        </p:nvSpPr>
+        <p:spPr>
+          <a:xfrm>
+            <a:off x="25980469" y="1433418"/>
+            <a:ext cx="2115918" cy="1080000"/>
+          </a:xfrm>
+          <a:prstGeom prst="rect">
+            <a:avLst/>
+          </a:prstGeom>
+          <a:ln w="28575"/>
+        </p:spPr>
+        <p:style>
+          <a:lnRef idx="2">
+            <a:schemeClr val="accent1"/>
+          </a:lnRef>
+          <a:fillRef idx="1">
+            <a:schemeClr val="lt1"/>
+          </a:fillRef>
+          <a:effectRef idx="0">
+            <a:schemeClr val="accent1"/>
+          </a:effectRef>
+          <a:fontRef idx="minor">
+            <a:schemeClr val="dk1"/>
+          </a:fontRef>
+        </p:style>
+        <p:txBody>
+          <a:bodyPr lIns="124733" tIns="62367" rIns="124733" bIns="62367" rtlCol="0" anchor="ctr"/>
+          <a:lstStyle/>
+          <a:p>
+            <a:pPr algn="ctr"/>
+            <a:r>
+              <a:rPr lang="ru-RU" sz="1400" dirty="0" err="1" smtClean="0"/>
+              <a:t>Ассимиладуш</a:t>
+            </a:r>
+            <a:r>
+              <a:rPr lang="ru-RU" sz="1400" dirty="0" smtClean="0"/>
+              <a:t> Конго</a:t>
+            </a:r>
+            <a:endParaRPr lang="ru-RU" sz="500" dirty="0"/>
+          </a:p>
+        </p:txBody>
+      </p:sp>
+      <p:sp>
+        <p:nvSpPr>
+          <p:cNvPr id="115" name="Прямоугольник 114"/>
+          <p:cNvSpPr/>
+          <p:nvPr/>
+        </p:nvSpPr>
+        <p:spPr>
+          <a:xfrm>
+            <a:off x="28294203" y="2943252"/>
+            <a:ext cx="2115918" cy="1080000"/>
+          </a:xfrm>
+          <a:prstGeom prst="rect">
+            <a:avLst/>
+          </a:prstGeom>
+          <a:ln w="28575"/>
+        </p:spPr>
+        <p:style>
+          <a:lnRef idx="2">
+            <a:schemeClr val="accent1"/>
+          </a:lnRef>
+          <a:fillRef idx="1">
+            <a:schemeClr val="lt1"/>
+          </a:fillRef>
+          <a:effectRef idx="0">
+            <a:schemeClr val="accent1"/>
+          </a:effectRef>
+          <a:fontRef idx="minor">
+            <a:schemeClr val="dk1"/>
+          </a:fontRef>
+        </p:style>
+        <p:txBody>
+          <a:bodyPr lIns="124733" tIns="62367" rIns="124733" bIns="62367" rtlCol="0" anchor="ctr"/>
+          <a:lstStyle/>
+          <a:p>
+            <a:pPr algn="ctr"/>
+            <a:r>
+              <a:rPr lang="ru-RU" sz="1400" dirty="0" smtClean="0"/>
+              <a:t>Доминируй, чтобы служить </a:t>
+            </a:r>
+            <a:r>
+              <a:rPr lang="ru-RU" sz="400" dirty="0" smtClean="0"/>
+              <a:t>(Пьер </a:t>
+            </a:r>
+            <a:r>
+              <a:rPr lang="ru-RU" sz="400" dirty="0"/>
+              <a:t>читает лекции и публикует статьи. В своих лекциях и публикациях он обсуждает голод в Руанда-Урунди. Коллекция его презентаций и публикаций, насчитывающая восемь, включена в книгу: </a:t>
+            </a:r>
+            <a:r>
+              <a:rPr lang="ru-RU" sz="400" dirty="0" err="1"/>
+              <a:t>Dominate</a:t>
+            </a:r>
+            <a:r>
+              <a:rPr lang="ru-RU" sz="400" dirty="0"/>
+              <a:t> </a:t>
+            </a:r>
+            <a:r>
+              <a:rPr lang="ru-RU" sz="400" dirty="0" err="1"/>
+              <a:t>to</a:t>
+            </a:r>
+            <a:r>
+              <a:rPr lang="ru-RU" sz="400" dirty="0"/>
+              <a:t> </a:t>
+            </a:r>
+            <a:r>
+              <a:rPr lang="ru-RU" sz="400" dirty="0" err="1"/>
+              <a:t>serve</a:t>
+            </a:r>
+            <a:r>
+              <a:rPr lang="ru-RU" sz="400" dirty="0"/>
+              <a:t> [ 17 ] . Вот отрывок: « Доминировать, чтобы служить, служить Африке, то есть цивилизовать ее». Не только для того, чтобы вызвать новые потребности и предоставить средства для их удовлетворения; не просто эксплуатировать, не просто обогащать; но делать людей лучше, счастливее, человечнее. Чтобы иметь возможность служить, нужно знать; чтобы служить, нужно любить. И именно благодаря знакомству с чернокожими мы учимся любить их; потому что любить - это только понимать, понимать до героизма »)</a:t>
+            </a:r>
+            <a:endParaRPr lang="ru-RU" sz="100" dirty="0"/>
+          </a:p>
+        </p:txBody>
+      </p:sp>
+      <p:sp>
+        <p:nvSpPr>
+          <p:cNvPr id="117" name="Прямоугольник 116"/>
+          <p:cNvSpPr/>
+          <p:nvPr/>
+        </p:nvSpPr>
+        <p:spPr>
+          <a:xfrm>
+            <a:off x="25980469" y="6026805"/>
+            <a:ext cx="2115918" cy="1080000"/>
+          </a:xfrm>
+          <a:prstGeom prst="rect">
+            <a:avLst/>
+          </a:prstGeom>
+          <a:ln w="28575"/>
+        </p:spPr>
+        <p:style>
+          <a:lnRef idx="2">
+            <a:schemeClr val="accent1"/>
+          </a:lnRef>
+          <a:fillRef idx="1">
+            <a:schemeClr val="lt1"/>
+          </a:fillRef>
+          <a:effectRef idx="0">
+            <a:schemeClr val="accent1"/>
+          </a:effectRef>
+          <a:fontRef idx="minor">
+            <a:schemeClr val="dk1"/>
+          </a:fontRef>
+        </p:style>
+        <p:txBody>
+          <a:bodyPr lIns="124733" tIns="62367" rIns="124733" bIns="62367" rtlCol="0" anchor="ctr"/>
+          <a:lstStyle/>
+          <a:p>
+            <a:pPr algn="ctr"/>
+            <a:r>
+              <a:rPr lang="ru-RU" sz="1400" dirty="0" smtClean="0"/>
+              <a:t>Освободить тюрьмы</a:t>
+            </a:r>
+            <a:endParaRPr lang="ru-RU" sz="500" dirty="0"/>
+          </a:p>
+        </p:txBody>
+      </p:sp>
+      <p:sp>
+        <p:nvSpPr>
+          <p:cNvPr id="118" name="Прямоугольник 117"/>
+          <p:cNvSpPr/>
+          <p:nvPr/>
+        </p:nvSpPr>
+        <p:spPr>
+          <a:xfrm>
+            <a:off x="28294203" y="6019300"/>
+            <a:ext cx="2115918" cy="1080000"/>
+          </a:xfrm>
+          <a:prstGeom prst="rect">
+            <a:avLst/>
+          </a:prstGeom>
+          <a:ln w="28575"/>
+        </p:spPr>
+        <p:style>
+          <a:lnRef idx="2">
+            <a:schemeClr val="accent1"/>
+          </a:lnRef>
+          <a:fillRef idx="1">
+            <a:schemeClr val="lt1"/>
+          </a:fillRef>
+          <a:effectRef idx="0">
+            <a:schemeClr val="accent1"/>
+          </a:effectRef>
+          <a:fontRef idx="minor">
+            <a:schemeClr val="dk1"/>
+          </a:fontRef>
+        </p:style>
+        <p:txBody>
+          <a:bodyPr lIns="124733" tIns="62367" rIns="124733" bIns="62367" rtlCol="0" anchor="ctr"/>
+          <a:lstStyle/>
+          <a:p>
+            <a:pPr algn="ctr"/>
+            <a:r>
+              <a:rPr lang="ru-RU" sz="1400" dirty="0" smtClean="0"/>
+              <a:t>Признание конголезской церкви</a:t>
+            </a:r>
+            <a:endParaRPr lang="ru-RU" sz="500" dirty="0"/>
+          </a:p>
+        </p:txBody>
+      </p:sp>
+      <p:sp>
+        <p:nvSpPr>
+          <p:cNvPr id="120" name="Прямоугольник 119"/>
+          <p:cNvSpPr/>
+          <p:nvPr/>
+        </p:nvSpPr>
+        <p:spPr>
+          <a:xfrm>
+            <a:off x="30597923" y="7457523"/>
+            <a:ext cx="2115918" cy="1080000"/>
+          </a:xfrm>
+          <a:prstGeom prst="rect">
+            <a:avLst/>
+          </a:prstGeom>
+          <a:solidFill>
+            <a:schemeClr val="accent2">
+              <a:lumMod val="75000"/>
+            </a:schemeClr>
+          </a:solidFill>
+          <a:ln w="28575"/>
+        </p:spPr>
+        <p:style>
+          <a:lnRef idx="2">
+            <a:schemeClr val="accent1"/>
+          </a:lnRef>
+          <a:fillRef idx="1">
+            <a:schemeClr val="lt1"/>
+          </a:fillRef>
+          <a:effectRef idx="0">
+            <a:schemeClr val="accent1"/>
+          </a:effectRef>
+          <a:fontRef idx="minor">
+            <a:schemeClr val="dk1"/>
+          </a:fontRef>
+        </p:style>
+        <p:txBody>
+          <a:bodyPr lIns="124733" tIns="62367" rIns="124733" bIns="62367" rtlCol="0" anchor="ctr"/>
+          <a:lstStyle/>
+          <a:p>
+            <a:pPr algn="ctr"/>
+            <a:r>
+              <a:rPr lang="ru-RU" sz="1400" dirty="0" smtClean="0"/>
+              <a:t>Изгнать белого человека в землю </a:t>
+            </a:r>
+            <a:r>
+              <a:rPr lang="ru-RU" sz="1200" dirty="0" smtClean="0"/>
+              <a:t>(восстание в 295 </a:t>
+            </a:r>
+            <a:r>
+              <a:rPr lang="ru-RU" sz="1200" dirty="0" err="1" smtClean="0"/>
+              <a:t>стейте</a:t>
+            </a:r>
+            <a:r>
+              <a:rPr lang="ru-RU" sz="1200" dirty="0" smtClean="0"/>
+              <a:t>, необходимо захватить всё </a:t>
+            </a:r>
+            <a:r>
+              <a:rPr lang="ru-RU" sz="1200" dirty="0" err="1" smtClean="0"/>
+              <a:t>конго</a:t>
+            </a:r>
+            <a:r>
+              <a:rPr lang="ru-RU" sz="1200" dirty="0" smtClean="0"/>
+              <a:t> перед миром, </a:t>
+            </a:r>
+            <a:r>
+              <a:rPr lang="ru-RU" sz="1200" dirty="0" smtClean="0"/>
+              <a:t>-</a:t>
+            </a:r>
+            <a:r>
+              <a:rPr lang="ru-RU" sz="1200" dirty="0" smtClean="0"/>
+              <a:t>30</a:t>
+            </a:r>
+            <a:r>
+              <a:rPr lang="ru-RU" sz="1200" dirty="0" smtClean="0"/>
+              <a:t>к </a:t>
+            </a:r>
+            <a:r>
+              <a:rPr lang="ru-RU" sz="1200" dirty="0" smtClean="0"/>
+              <a:t>населения)</a:t>
+            </a:r>
+            <a:endParaRPr lang="ru-RU" sz="400" dirty="0"/>
+          </a:p>
+        </p:txBody>
+      </p:sp>
+      <p:sp>
+        <p:nvSpPr>
+          <p:cNvPr id="121" name="Прямоугольник 120"/>
+          <p:cNvSpPr/>
+          <p:nvPr/>
+        </p:nvSpPr>
+        <p:spPr>
+          <a:xfrm>
+            <a:off x="30597923" y="9105524"/>
+            <a:ext cx="2115918" cy="1080000"/>
+          </a:xfrm>
+          <a:prstGeom prst="rect">
+            <a:avLst/>
+          </a:prstGeom>
+          <a:ln w="28575"/>
+        </p:spPr>
+        <p:style>
+          <a:lnRef idx="2">
+            <a:schemeClr val="accent1"/>
+          </a:lnRef>
+          <a:fillRef idx="1">
+            <a:schemeClr val="lt1"/>
+          </a:fillRef>
+          <a:effectRef idx="0">
+            <a:schemeClr val="accent1"/>
+          </a:effectRef>
+          <a:fontRef idx="minor">
+            <a:schemeClr val="dk1"/>
+          </a:fontRef>
+        </p:style>
+        <p:txBody>
+          <a:bodyPr lIns="124733" tIns="62367" rIns="124733" bIns="62367" rtlCol="0" anchor="ctr"/>
+          <a:lstStyle/>
+          <a:p>
+            <a:pPr algn="ctr"/>
+            <a:r>
+              <a:rPr lang="ru-RU" sz="1400" dirty="0" smtClean="0"/>
+              <a:t>Второе пришествие </a:t>
+            </a:r>
+            <a:r>
+              <a:rPr lang="ru-RU" sz="1400" dirty="0"/>
+              <a:t>Христа </a:t>
+            </a:r>
+            <a:r>
+              <a:rPr lang="ru-RU" sz="500" dirty="0"/>
+              <a:t>(Когда власти обсуждали его движение, они интерпретировали его как имеющее пять основных требований:(1) Господь должен был прийти немедленно, (2) не нужно возделывать сады и не накапливать пищу, (3) белый человек будет изгнан в землю, (4) земля будет возвращена туземцу, ( 5) местным жителям больше не нужно работать на европейца или платить </a:t>
+            </a:r>
+            <a:r>
+              <a:rPr lang="ru-RU" sz="500" dirty="0" smtClean="0"/>
+              <a:t>налоги)</a:t>
+            </a:r>
+            <a:endParaRPr lang="ru-RU" sz="100" dirty="0"/>
+          </a:p>
+        </p:txBody>
+      </p:sp>
+      <p:sp>
+        <p:nvSpPr>
+          <p:cNvPr id="123" name="Прямоугольник 122"/>
+          <p:cNvSpPr/>
+          <p:nvPr/>
+        </p:nvSpPr>
+        <p:spPr>
+          <a:xfrm>
+            <a:off x="28294203" y="9105524"/>
+            <a:ext cx="2115918" cy="1080000"/>
+          </a:xfrm>
+          <a:prstGeom prst="rect">
+            <a:avLst/>
+          </a:prstGeom>
+          <a:ln w="28575"/>
+        </p:spPr>
+        <p:style>
+          <a:lnRef idx="2">
+            <a:schemeClr val="accent1"/>
+          </a:lnRef>
+          <a:fillRef idx="1">
+            <a:schemeClr val="lt1"/>
+          </a:fillRef>
+          <a:effectRef idx="0">
+            <a:schemeClr val="accent1"/>
+          </a:effectRef>
+          <a:fontRef idx="minor">
+            <a:schemeClr val="dk1"/>
+          </a:fontRef>
+        </p:style>
+        <p:txBody>
+          <a:bodyPr lIns="124733" tIns="62367" rIns="124733" bIns="62367" rtlCol="0" anchor="ctr"/>
+          <a:lstStyle/>
+          <a:p>
+            <a:pPr algn="ctr"/>
+            <a:r>
+              <a:rPr lang="ru-RU" sz="1400" dirty="0" smtClean="0"/>
+              <a:t>Возврат земель туземцам</a:t>
+            </a:r>
+            <a:endParaRPr lang="ru-RU" sz="500" dirty="0"/>
+          </a:p>
+        </p:txBody>
+      </p:sp>
+      <p:sp>
+        <p:nvSpPr>
+          <p:cNvPr id="124" name="Прямоугольник 123"/>
+          <p:cNvSpPr/>
+          <p:nvPr/>
+        </p:nvSpPr>
+        <p:spPr>
+          <a:xfrm>
+            <a:off x="32901643" y="9105524"/>
+            <a:ext cx="2115918" cy="1080000"/>
+          </a:xfrm>
+          <a:prstGeom prst="rect">
+            <a:avLst/>
+          </a:prstGeom>
+          <a:ln w="28575"/>
+        </p:spPr>
+        <p:style>
+          <a:lnRef idx="2">
+            <a:schemeClr val="accent1"/>
+          </a:lnRef>
+          <a:fillRef idx="1">
+            <a:schemeClr val="lt1"/>
+          </a:fillRef>
+          <a:effectRef idx="0">
+            <a:schemeClr val="accent1"/>
+          </a:effectRef>
+          <a:fontRef idx="minor">
+            <a:schemeClr val="dk1"/>
+          </a:fontRef>
+        </p:style>
+        <p:txBody>
+          <a:bodyPr lIns="124733" tIns="62367" rIns="124733" bIns="62367" rtlCol="0" anchor="ctr"/>
+          <a:lstStyle/>
+          <a:p>
+            <a:pPr algn="ctr"/>
+            <a:r>
+              <a:rPr lang="ru-RU" sz="1400" dirty="0" smtClean="0"/>
+              <a:t>Отмена налогов</a:t>
+            </a:r>
+            <a:endParaRPr lang="ru-RU" sz="500" dirty="0"/>
+          </a:p>
+        </p:txBody>
+      </p:sp>
+      <p:sp>
+        <p:nvSpPr>
+          <p:cNvPr id="128" name="Прямоугольник 127"/>
+          <p:cNvSpPr/>
+          <p:nvPr/>
+        </p:nvSpPr>
+        <p:spPr>
+          <a:xfrm>
+            <a:off x="23661443" y="6026805"/>
+            <a:ext cx="2115918" cy="1080000"/>
+          </a:xfrm>
+          <a:prstGeom prst="rect">
+            <a:avLst/>
+          </a:prstGeom>
+          <a:solidFill>
+            <a:srgbClr val="FF0000"/>
+          </a:solidFill>
+          <a:ln w="28575"/>
+        </p:spPr>
+        <p:style>
+          <a:lnRef idx="2">
+            <a:schemeClr val="accent1"/>
+          </a:lnRef>
+          <a:fillRef idx="1">
+            <a:schemeClr val="lt1"/>
+          </a:fillRef>
+          <a:effectRef idx="0">
+            <a:schemeClr val="accent1"/>
+          </a:effectRef>
+          <a:fontRef idx="minor">
+            <a:schemeClr val="dk1"/>
+          </a:fontRef>
+        </p:style>
+        <p:txBody>
+          <a:bodyPr lIns="124733" tIns="62367" rIns="124733" bIns="62367" rtlCol="0" anchor="ctr"/>
+          <a:lstStyle/>
+          <a:p>
+            <a:pPr algn="ctr"/>
+            <a:r>
+              <a:rPr lang="ru-RU" sz="1400" dirty="0" smtClean="0"/>
+              <a:t>Ультиматум правительству </a:t>
+            </a:r>
+            <a:r>
+              <a:rPr lang="ru-RU" sz="1400" dirty="0" err="1" smtClean="0"/>
+              <a:t>апартейда</a:t>
+            </a:r>
+            <a:r>
+              <a:rPr lang="ru-RU" sz="1400" dirty="0" smtClean="0"/>
+              <a:t> (</a:t>
+            </a:r>
+            <a:r>
+              <a:rPr lang="en-US" sz="1400" dirty="0"/>
+              <a:t>Léonard </a:t>
+            </a:r>
+            <a:r>
+              <a:rPr lang="en-US" sz="1400" dirty="0" err="1" smtClean="0"/>
+              <a:t>Mpoyi</a:t>
+            </a:r>
+            <a:r>
+              <a:rPr lang="ru-RU" sz="1400" dirty="0" smtClean="0"/>
+              <a:t> станет лидером</a:t>
+            </a:r>
+            <a:r>
+              <a:rPr lang="ru-RU" sz="1400" dirty="0"/>
+              <a:t>)</a:t>
+            </a:r>
+            <a:br>
+              <a:rPr lang="ru-RU" sz="1400" dirty="0"/>
+            </a:br>
+            <a:r>
+              <a:rPr lang="ru-RU" sz="400" dirty="0"/>
+              <a:t>(«Почему белому человеку должны платить больше, чем черному, когда все, что белый человек делает, - это стоит там, отдавая приказы, заложив руки за спину и с трубкой во рту? Мы должны отозвать свои права, или мы не будем работа завтра."</a:t>
+            </a:r>
+            <a:r>
+              <a:rPr lang="ru-RU" sz="400" dirty="0" err="1"/>
+              <a:t>Леонар</a:t>
+            </a:r>
+            <a:r>
+              <a:rPr lang="ru-RU" sz="400" dirty="0"/>
+              <a:t> </a:t>
+            </a:r>
+            <a:r>
+              <a:rPr lang="ru-RU" sz="400" dirty="0" err="1"/>
+              <a:t>Мпой</a:t>
+            </a:r>
+            <a:r>
+              <a:rPr lang="ru-RU" sz="400" dirty="0"/>
+              <a:t>, декабрь 1941 </a:t>
+            </a:r>
+            <a:r>
+              <a:rPr lang="ru-RU" sz="400" dirty="0" smtClean="0"/>
+              <a:t>г)</a:t>
+            </a:r>
+            <a:endParaRPr lang="ru-RU" sz="100" dirty="0"/>
+          </a:p>
+        </p:txBody>
+      </p:sp>
+      <p:sp>
+        <p:nvSpPr>
+          <p:cNvPr id="130" name="Прямоугольник 129"/>
+          <p:cNvSpPr/>
+          <p:nvPr/>
+        </p:nvSpPr>
+        <p:spPr>
+          <a:xfrm>
+            <a:off x="23669660" y="7457523"/>
+            <a:ext cx="2115918" cy="1080000"/>
+          </a:xfrm>
+          <a:prstGeom prst="rect">
+            <a:avLst/>
+          </a:prstGeom>
+          <a:solidFill>
+            <a:srgbClr val="FF0000"/>
+          </a:solidFill>
+          <a:ln w="28575"/>
+        </p:spPr>
+        <p:style>
+          <a:lnRef idx="2">
+            <a:schemeClr val="accent1"/>
+          </a:lnRef>
+          <a:fillRef idx="1">
+            <a:schemeClr val="lt1"/>
+          </a:fillRef>
+          <a:effectRef idx="0">
+            <a:schemeClr val="accent1"/>
+          </a:effectRef>
+          <a:fontRef idx="minor">
+            <a:schemeClr val="dk1"/>
+          </a:fontRef>
+        </p:style>
+        <p:txBody>
+          <a:bodyPr lIns="124733" tIns="62367" rIns="124733" bIns="62367" rtlCol="0" anchor="ctr"/>
+          <a:lstStyle/>
+          <a:p>
+            <a:pPr algn="ctr"/>
+            <a:r>
+              <a:rPr lang="ru-RU" sz="1400" dirty="0" smtClean="0"/>
+              <a:t>Прекратить расовую сегрегацию</a:t>
+            </a:r>
+            <a:endParaRPr lang="ru-RU" sz="500" dirty="0"/>
+          </a:p>
+        </p:txBody>
+      </p:sp>
+      <p:sp>
+        <p:nvSpPr>
+          <p:cNvPr id="132" name="Прямоугольник 131"/>
+          <p:cNvSpPr/>
+          <p:nvPr/>
+        </p:nvSpPr>
+        <p:spPr>
+          <a:xfrm>
+            <a:off x="23669660" y="9105524"/>
+            <a:ext cx="2115918" cy="1080000"/>
+          </a:xfrm>
+          <a:prstGeom prst="rect">
+            <a:avLst/>
+          </a:prstGeom>
+          <a:solidFill>
+            <a:srgbClr val="FF0000"/>
+          </a:solidFill>
+          <a:ln w="28575"/>
+        </p:spPr>
+        <p:style>
+          <a:lnRef idx="2">
+            <a:schemeClr val="accent1"/>
+          </a:lnRef>
+          <a:fillRef idx="1">
+            <a:schemeClr val="lt1"/>
+          </a:fillRef>
+          <a:effectRef idx="0">
+            <a:schemeClr val="accent1"/>
+          </a:effectRef>
+          <a:fontRef idx="minor">
+            <a:schemeClr val="dk1"/>
+          </a:fontRef>
+        </p:style>
+        <p:txBody>
+          <a:bodyPr lIns="124733" tIns="62367" rIns="124733" bIns="62367" rtlCol="0" anchor="ctr"/>
+          <a:lstStyle/>
+          <a:p>
+            <a:pPr algn="ctr"/>
+            <a:r>
+              <a:rPr lang="ru-RU" sz="1400" dirty="0" smtClean="0"/>
+              <a:t>Уравнять права белых и чёрных рабочих</a:t>
+            </a:r>
+            <a:endParaRPr lang="ru-RU" sz="500" dirty="0"/>
+          </a:p>
+        </p:txBody>
+      </p:sp>
+      <p:sp>
+        <p:nvSpPr>
+          <p:cNvPr id="133" name="Прямоугольник 132"/>
+          <p:cNvSpPr/>
+          <p:nvPr/>
+        </p:nvSpPr>
+        <p:spPr>
+          <a:xfrm>
+            <a:off x="25980469" y="7457523"/>
+            <a:ext cx="2115918" cy="1080000"/>
+          </a:xfrm>
+          <a:prstGeom prst="rect">
+            <a:avLst/>
+          </a:prstGeom>
+          <a:solidFill>
+            <a:srgbClr val="FF0000"/>
+          </a:solidFill>
+          <a:ln w="28575"/>
+        </p:spPr>
+        <p:style>
+          <a:lnRef idx="2">
+            <a:schemeClr val="accent1"/>
+          </a:lnRef>
+          <a:fillRef idx="1">
+            <a:schemeClr val="lt1"/>
+          </a:fillRef>
+          <a:effectRef idx="0">
+            <a:schemeClr val="accent1"/>
+          </a:effectRef>
+          <a:fontRef idx="minor">
+            <a:schemeClr val="dk1"/>
+          </a:fontRef>
+        </p:style>
+        <p:txBody>
+          <a:bodyPr lIns="124733" tIns="62367" rIns="124733" bIns="62367" rtlCol="0" anchor="ctr"/>
+          <a:lstStyle/>
+          <a:p>
+            <a:pPr algn="ctr"/>
+            <a:r>
+              <a:rPr lang="ru-RU" sz="1400" dirty="0" smtClean="0"/>
+              <a:t>Национализировать иностранные предприятия</a:t>
+            </a:r>
+            <a:endParaRPr lang="ru-RU" sz="500" dirty="0"/>
+          </a:p>
+        </p:txBody>
+      </p:sp>
+      <p:sp>
+        <p:nvSpPr>
+          <p:cNvPr id="134" name="Прямоугольник 133"/>
+          <p:cNvSpPr/>
+          <p:nvPr/>
+        </p:nvSpPr>
+        <p:spPr>
+          <a:xfrm>
+            <a:off x="26038078" y="9105524"/>
+            <a:ext cx="2115918" cy="1080000"/>
+          </a:xfrm>
+          <a:prstGeom prst="rect">
+            <a:avLst/>
+          </a:prstGeom>
+          <a:solidFill>
+            <a:srgbClr val="FF0000"/>
+          </a:solidFill>
+          <a:ln w="28575"/>
+        </p:spPr>
+        <p:style>
+          <a:lnRef idx="2">
+            <a:schemeClr val="accent1"/>
+          </a:lnRef>
+          <a:fillRef idx="1">
+            <a:schemeClr val="lt1"/>
+          </a:fillRef>
+          <a:effectRef idx="0">
+            <a:schemeClr val="accent1"/>
+          </a:effectRef>
+          <a:fontRef idx="minor">
+            <a:schemeClr val="dk1"/>
+          </a:fontRef>
+        </p:style>
+        <p:txBody>
+          <a:bodyPr lIns="124733" tIns="62367" rIns="124733" bIns="62367" rtlCol="0" anchor="ctr"/>
+          <a:lstStyle/>
+          <a:p>
+            <a:pPr algn="ctr"/>
+            <a:r>
+              <a:rPr lang="ru-RU" sz="1400" dirty="0" smtClean="0"/>
+              <a:t>Повышение зарплат рабочим</a:t>
+            </a:r>
+            <a:endParaRPr lang="ru-RU" sz="500" dirty="0"/>
+          </a:p>
+        </p:txBody>
+      </p:sp>
+      <p:sp>
+        <p:nvSpPr>
+          <p:cNvPr id="135" name="Прямоугольник 134"/>
+          <p:cNvSpPr/>
+          <p:nvPr/>
+        </p:nvSpPr>
+        <p:spPr>
+          <a:xfrm>
+            <a:off x="28294203" y="4486238"/>
+            <a:ext cx="2115918" cy="1080000"/>
+          </a:xfrm>
+          <a:prstGeom prst="rect">
+            <a:avLst/>
+          </a:prstGeom>
+          <a:ln w="28575"/>
+        </p:spPr>
+        <p:style>
+          <a:lnRef idx="2">
+            <a:schemeClr val="accent1"/>
+          </a:lnRef>
+          <a:fillRef idx="1">
+            <a:schemeClr val="lt1"/>
+          </a:fillRef>
+          <a:effectRef idx="0">
+            <a:schemeClr val="accent1"/>
+          </a:effectRef>
+          <a:fontRef idx="minor">
+            <a:schemeClr val="dk1"/>
+          </a:fontRef>
+        </p:style>
+        <p:txBody>
+          <a:bodyPr lIns="124733" tIns="62367" rIns="124733" bIns="62367" rtlCol="0" anchor="ctr"/>
+          <a:lstStyle/>
+          <a:p>
+            <a:pPr algn="ctr"/>
+            <a:r>
+              <a:rPr lang="ru-RU" sz="1400" dirty="0" smtClean="0"/>
+              <a:t>Поддержка протестантских церквей</a:t>
+            </a:r>
+            <a:endParaRPr lang="ru-RU" sz="500" dirty="0"/>
+          </a:p>
+        </p:txBody>
+      </p:sp>
+      <p:cxnSp>
+        <p:nvCxnSpPr>
+          <p:cNvPr id="136" name="Прямая соединительная линия 135"/>
+          <p:cNvCxnSpPr>
+            <a:stCxn id="115" idx="1"/>
+            <a:endCxn id="279" idx="3"/>
+          </p:cNvCxnSpPr>
+          <p:nvPr/>
+        </p:nvCxnSpPr>
+        <p:spPr>
+          <a:xfrm flipH="1">
+            <a:off x="25785578" y="3483252"/>
+            <a:ext cx="2508625" cy="0"/>
+          </a:xfrm>
+          <a:prstGeom prst="line">
+            <a:avLst/>
+          </a:prstGeom>
+          <a:ln w="28575">
+            <a:solidFill>
+              <a:srgbClr val="FF0000"/>
+            </a:solidFill>
+          </a:ln>
+        </p:spPr>
+        <p:style>
+          <a:lnRef idx="1">
+            <a:schemeClr val="accent1"/>
+          </a:lnRef>
+          <a:fillRef idx="0">
+            <a:schemeClr val="accent1"/>
+          </a:fillRef>
+          <a:effectRef idx="0">
+            <a:schemeClr val="accent1"/>
+          </a:effectRef>
+          <a:fontRef idx="minor">
+            <a:schemeClr val="tx1"/>
+          </a:fontRef>
+        </p:style>
+      </p:cxnSp>
+      <p:cxnSp>
+        <p:nvCxnSpPr>
+          <p:cNvPr id="139" name="Соединительная линия уступом 138"/>
+          <p:cNvCxnSpPr>
+            <a:stCxn id="114" idx="2"/>
+            <a:endCxn id="279" idx="0"/>
+          </p:cNvCxnSpPr>
+          <p:nvPr/>
+        </p:nvCxnSpPr>
+        <p:spPr>
+          <a:xfrm rot="5400000">
+            <a:off x="25668107" y="1572931"/>
+            <a:ext cx="429834" cy="2310809"/>
+          </a:xfrm>
+          <a:prstGeom prst="bentConnector3">
+            <a:avLst>
+              <a:gd name="adj1" fmla="val 50000"/>
+            </a:avLst>
+          </a:prstGeom>
+          <a:ln w="28575">
+            <a:tailEnd type="arrow"/>
+          </a:ln>
+        </p:spPr>
+        <p:style>
+          <a:lnRef idx="1">
+            <a:schemeClr val="accent1"/>
+          </a:lnRef>
+          <a:fillRef idx="0">
+            <a:schemeClr val="accent1"/>
+          </a:fillRef>
+          <a:effectRef idx="0">
+            <a:schemeClr val="accent1"/>
+          </a:effectRef>
+          <a:fontRef idx="minor">
+            <a:schemeClr val="tx1"/>
+          </a:fontRef>
+        </p:style>
+      </p:cxnSp>
+      <p:cxnSp>
+        <p:nvCxnSpPr>
+          <p:cNvPr id="141" name="Соединительная линия уступом 140"/>
+          <p:cNvCxnSpPr>
+            <a:stCxn id="114" idx="2"/>
+            <a:endCxn id="115" idx="0"/>
+          </p:cNvCxnSpPr>
+          <p:nvPr/>
+        </p:nvCxnSpPr>
+        <p:spPr>
+          <a:xfrm rot="16200000" flipH="1">
+            <a:off x="27980378" y="1571468"/>
+            <a:ext cx="429834" cy="2313734"/>
+          </a:xfrm>
+          <a:prstGeom prst="bentConnector3">
+            <a:avLst>
+              <a:gd name="adj1" fmla="val 50000"/>
+            </a:avLst>
+          </a:prstGeom>
+          <a:ln w="28575">
+            <a:tailEnd type="arrow"/>
+          </a:ln>
+        </p:spPr>
+        <p:style>
+          <a:lnRef idx="1">
+            <a:schemeClr val="accent1"/>
+          </a:lnRef>
+          <a:fillRef idx="0">
+            <a:schemeClr val="accent1"/>
+          </a:fillRef>
+          <a:effectRef idx="0">
+            <a:schemeClr val="accent1"/>
+          </a:effectRef>
+          <a:fontRef idx="minor">
+            <a:schemeClr val="tx1"/>
+          </a:fontRef>
+        </p:style>
+      </p:cxnSp>
+      <p:cxnSp>
+        <p:nvCxnSpPr>
+          <p:cNvPr id="144" name="Соединительная линия уступом 143"/>
+          <p:cNvCxnSpPr>
+            <a:stCxn id="115" idx="2"/>
+            <a:endCxn id="112" idx="0"/>
+          </p:cNvCxnSpPr>
+          <p:nvPr/>
+        </p:nvCxnSpPr>
+        <p:spPr>
+          <a:xfrm rot="5400000">
+            <a:off x="27966283" y="3095397"/>
+            <a:ext cx="458024" cy="2313734"/>
+          </a:xfrm>
+          <a:prstGeom prst="bentConnector3">
+            <a:avLst>
+              <a:gd name="adj1" fmla="val 50000"/>
+            </a:avLst>
+          </a:prstGeom>
+          <a:ln w="28575">
+            <a:prstDash val="dash"/>
+            <a:tailEnd type="arrow"/>
+          </a:ln>
+        </p:spPr>
+        <p:style>
+          <a:lnRef idx="1">
+            <a:schemeClr val="accent1"/>
+          </a:lnRef>
+          <a:fillRef idx="0">
+            <a:schemeClr val="accent1"/>
+          </a:fillRef>
+          <a:effectRef idx="0">
+            <a:schemeClr val="accent1"/>
+          </a:effectRef>
+          <a:fontRef idx="minor">
+            <a:schemeClr val="tx1"/>
+          </a:fontRef>
+        </p:style>
+      </p:cxnSp>
+      <p:cxnSp>
+        <p:nvCxnSpPr>
+          <p:cNvPr id="148" name="Соединительная линия уступом 147"/>
+          <p:cNvCxnSpPr>
+            <a:stCxn id="279" idx="2"/>
+            <a:endCxn id="112" idx="0"/>
+          </p:cNvCxnSpPr>
+          <p:nvPr/>
+        </p:nvCxnSpPr>
+        <p:spPr>
+          <a:xfrm rot="16200000" flipH="1">
+            <a:off x="25654011" y="3096859"/>
+            <a:ext cx="458024" cy="2310809"/>
+          </a:xfrm>
+          <a:prstGeom prst="bentConnector3">
+            <a:avLst>
+              <a:gd name="adj1" fmla="val 50000"/>
+            </a:avLst>
+          </a:prstGeom>
+          <a:ln w="28575">
+            <a:prstDash val="dash"/>
+            <a:tailEnd type="arrow"/>
+          </a:ln>
+        </p:spPr>
+        <p:style>
+          <a:lnRef idx="1">
+            <a:schemeClr val="accent1"/>
+          </a:lnRef>
+          <a:fillRef idx="0">
+            <a:schemeClr val="accent1"/>
+          </a:fillRef>
+          <a:effectRef idx="0">
+            <a:schemeClr val="accent1"/>
+          </a:effectRef>
+          <a:fontRef idx="minor">
+            <a:schemeClr val="tx1"/>
+          </a:fontRef>
+        </p:style>
+      </p:cxnSp>
+      <p:cxnSp>
+        <p:nvCxnSpPr>
+          <p:cNvPr id="149" name="Прямая со стрелкой 148"/>
+          <p:cNvCxnSpPr>
+            <a:stCxn id="115" idx="2"/>
+            <a:endCxn id="135" idx="0"/>
+          </p:cNvCxnSpPr>
+          <p:nvPr/>
+        </p:nvCxnSpPr>
+        <p:spPr>
+          <a:xfrm>
+            <a:off x="29352162" y="4023252"/>
+            <a:ext cx="0" cy="462986"/>
+          </a:xfrm>
+          <a:prstGeom prst="straightConnector1">
+            <a:avLst/>
+          </a:prstGeom>
+          <a:ln w="28575">
+            <a:tailEnd type="arrow"/>
+          </a:ln>
+        </p:spPr>
+        <p:style>
+          <a:lnRef idx="1">
+            <a:schemeClr val="accent1"/>
+          </a:lnRef>
+          <a:fillRef idx="0">
+            <a:schemeClr val="accent1"/>
+          </a:fillRef>
+          <a:effectRef idx="0">
+            <a:schemeClr val="accent1"/>
+          </a:effectRef>
+          <a:fontRef idx="minor">
+            <a:schemeClr val="tx1"/>
+          </a:fontRef>
+        </p:style>
+      </p:cxnSp>
+      <p:cxnSp>
+        <p:nvCxnSpPr>
+          <p:cNvPr id="152" name="Прямая со стрелкой 151"/>
+          <p:cNvCxnSpPr>
+            <a:stCxn id="135" idx="2"/>
+            <a:endCxn id="118" idx="0"/>
+          </p:cNvCxnSpPr>
+          <p:nvPr/>
+        </p:nvCxnSpPr>
+        <p:spPr>
+          <a:xfrm>
+            <a:off x="29352162" y="5566238"/>
+            <a:ext cx="0" cy="453062"/>
+          </a:xfrm>
+          <a:prstGeom prst="straightConnector1">
+            <a:avLst/>
+          </a:prstGeom>
+          <a:ln w="28575">
+            <a:tailEnd type="arrow"/>
+          </a:ln>
+        </p:spPr>
+        <p:style>
+          <a:lnRef idx="1">
+            <a:schemeClr val="accent1"/>
+          </a:lnRef>
+          <a:fillRef idx="0">
+            <a:schemeClr val="accent1"/>
+          </a:fillRef>
+          <a:effectRef idx="0">
+            <a:schemeClr val="accent1"/>
+          </a:effectRef>
+          <a:fontRef idx="minor">
+            <a:schemeClr val="tx1"/>
+          </a:fontRef>
+        </p:style>
+      </p:cxnSp>
+      <p:cxnSp>
+        <p:nvCxnSpPr>
+          <p:cNvPr id="155" name="Прямая со стрелкой 154"/>
+          <p:cNvCxnSpPr>
+            <a:stCxn id="112" idx="2"/>
+            <a:endCxn id="117" idx="0"/>
+          </p:cNvCxnSpPr>
+          <p:nvPr/>
+        </p:nvCxnSpPr>
+        <p:spPr>
+          <a:xfrm>
+            <a:off x="27038428" y="5561276"/>
+            <a:ext cx="0" cy="465529"/>
+          </a:xfrm>
+          <a:prstGeom prst="straightConnector1">
+            <a:avLst/>
+          </a:prstGeom>
+          <a:ln w="28575">
+            <a:tailEnd type="arrow"/>
+          </a:ln>
+        </p:spPr>
+        <p:style>
+          <a:lnRef idx="1">
+            <a:schemeClr val="accent1"/>
+          </a:lnRef>
+          <a:fillRef idx="0">
+            <a:schemeClr val="accent1"/>
+          </a:fillRef>
+          <a:effectRef idx="0">
+            <a:schemeClr val="accent1"/>
+          </a:effectRef>
+          <a:fontRef idx="minor">
+            <a:schemeClr val="tx1"/>
+          </a:fontRef>
+        </p:style>
+      </p:cxnSp>
+      <p:cxnSp>
+        <p:nvCxnSpPr>
+          <p:cNvPr id="158" name="Прямая со стрелкой 157"/>
+          <p:cNvCxnSpPr>
+            <a:stCxn id="279" idx="2"/>
+            <a:endCxn id="333" idx="0"/>
+          </p:cNvCxnSpPr>
+          <p:nvPr/>
+        </p:nvCxnSpPr>
+        <p:spPr>
+          <a:xfrm flipH="1">
+            <a:off x="24719402" y="4023252"/>
+            <a:ext cx="8217" cy="458024"/>
+          </a:xfrm>
+          <a:prstGeom prst="straightConnector1">
+            <a:avLst/>
+          </a:prstGeom>
+          <a:ln w="28575">
+            <a:tailEnd type="arrow"/>
+          </a:ln>
+        </p:spPr>
+        <p:style>
+          <a:lnRef idx="1">
+            <a:schemeClr val="accent1"/>
+          </a:lnRef>
+          <a:fillRef idx="0">
+            <a:schemeClr val="accent1"/>
+          </a:fillRef>
+          <a:effectRef idx="0">
+            <a:schemeClr val="accent1"/>
+          </a:effectRef>
+          <a:fontRef idx="minor">
+            <a:schemeClr val="tx1"/>
+          </a:fontRef>
+        </p:style>
+      </p:cxnSp>
+      <p:cxnSp>
+        <p:nvCxnSpPr>
+          <p:cNvPr id="162" name="Прямая со стрелкой 161"/>
+          <p:cNvCxnSpPr>
+            <a:stCxn id="333" idx="2"/>
+            <a:endCxn id="128" idx="0"/>
+          </p:cNvCxnSpPr>
+          <p:nvPr/>
+        </p:nvCxnSpPr>
+        <p:spPr>
+          <a:xfrm>
+            <a:off x="24719402" y="5561276"/>
+            <a:ext cx="0" cy="465529"/>
+          </a:xfrm>
+          <a:prstGeom prst="straightConnector1">
+            <a:avLst/>
+          </a:prstGeom>
+          <a:ln w="28575">
+            <a:tailEnd type="arrow"/>
+          </a:ln>
+        </p:spPr>
+        <p:style>
+          <a:lnRef idx="1">
+            <a:schemeClr val="accent1"/>
+          </a:lnRef>
+          <a:fillRef idx="0">
+            <a:schemeClr val="accent1"/>
+          </a:fillRef>
+          <a:effectRef idx="0">
+            <a:schemeClr val="accent1"/>
+          </a:effectRef>
+          <a:fontRef idx="minor">
+            <a:schemeClr val="tx1"/>
+          </a:fontRef>
+        </p:style>
+      </p:cxnSp>
+      <p:sp>
+        <p:nvSpPr>
+          <p:cNvPr id="169" name="Прямоугольник 168"/>
+          <p:cNvSpPr/>
+          <p:nvPr/>
+        </p:nvSpPr>
+        <p:spPr>
+          <a:xfrm>
+            <a:off x="30597923" y="4483962"/>
+            <a:ext cx="2115918" cy="1080000"/>
+          </a:xfrm>
+          <a:prstGeom prst="rect">
+            <a:avLst/>
+          </a:prstGeom>
+          <a:ln w="28575"/>
+        </p:spPr>
+        <p:style>
+          <a:lnRef idx="2">
+            <a:schemeClr val="accent1"/>
+          </a:lnRef>
+          <a:fillRef idx="1">
+            <a:schemeClr val="lt1"/>
+          </a:fillRef>
+          <a:effectRef idx="0">
+            <a:schemeClr val="accent1"/>
+          </a:effectRef>
+          <a:fontRef idx="minor">
+            <a:schemeClr val="dk1"/>
+          </a:fontRef>
+        </p:style>
+        <p:txBody>
+          <a:bodyPr lIns="124733" tIns="62367" rIns="124733" bIns="62367" rtlCol="0" anchor="ctr"/>
+          <a:lstStyle/>
+          <a:p>
+            <a:pPr algn="ctr"/>
+            <a:r>
+              <a:rPr lang="ru-RU" sz="1400" dirty="0" smtClean="0"/>
+              <a:t>Уменьшить зависимость от Брюсселя</a:t>
+            </a:r>
+            <a:endParaRPr lang="ru-RU" sz="500" dirty="0"/>
+          </a:p>
+        </p:txBody>
+      </p:sp>
+      <p:sp>
+        <p:nvSpPr>
+          <p:cNvPr id="171" name="Прямоугольник 170"/>
+          <p:cNvSpPr/>
+          <p:nvPr/>
+        </p:nvSpPr>
+        <p:spPr>
+          <a:xfrm>
+            <a:off x="18825967" y="6026763"/>
+            <a:ext cx="2115918" cy="1080000"/>
+          </a:xfrm>
+          <a:prstGeom prst="rect">
+            <a:avLst/>
+          </a:prstGeom>
+          <a:solidFill>
+            <a:schemeClr val="accent2">
+              <a:lumMod val="75000"/>
+            </a:schemeClr>
+          </a:solidFill>
+          <a:ln w="28575"/>
+        </p:spPr>
+        <p:style>
+          <a:lnRef idx="2">
+            <a:schemeClr val="accent1"/>
+          </a:lnRef>
+          <a:fillRef idx="1">
+            <a:schemeClr val="lt1"/>
+          </a:fillRef>
+          <a:effectRef idx="0">
+            <a:schemeClr val="accent1"/>
+          </a:effectRef>
+          <a:fontRef idx="minor">
+            <a:schemeClr val="dk1"/>
+          </a:fontRef>
+        </p:style>
+        <p:txBody>
+          <a:bodyPr lIns="124733" tIns="62367" rIns="124733" bIns="62367" rtlCol="0" anchor="ctr"/>
+          <a:lstStyle/>
+          <a:p>
+            <a:pPr algn="ctr"/>
+            <a:r>
+              <a:rPr lang="ru-RU" sz="1400" dirty="0" smtClean="0"/>
+              <a:t>Подчиниться новому правительству </a:t>
+            </a:r>
+            <a:r>
+              <a:rPr lang="ru-RU" sz="1400" dirty="0"/>
+              <a:t>Брюсселя </a:t>
+            </a:r>
+            <a:r>
+              <a:rPr lang="ru-RU" sz="800" dirty="0"/>
+              <a:t>(Британцы были уверены, что Конго не попадет в руки Оси, и планировали вторгнуться в колонию и оккупировать ее, если бельгийцы не придут к соглашению</a:t>
+            </a:r>
+            <a:r>
+              <a:rPr lang="ru-RU" sz="800" dirty="0" smtClean="0"/>
+              <a:t>.)</a:t>
+            </a:r>
+            <a:endParaRPr lang="ru-RU" sz="100" dirty="0"/>
+          </a:p>
+        </p:txBody>
+      </p:sp>
+      <p:sp>
+        <p:nvSpPr>
+          <p:cNvPr id="172" name="Прямоугольник 171"/>
+          <p:cNvSpPr/>
+          <p:nvPr/>
+        </p:nvSpPr>
+        <p:spPr>
+          <a:xfrm>
+            <a:off x="14126671" y="6026763"/>
+            <a:ext cx="2115918" cy="1080000"/>
+          </a:xfrm>
+          <a:prstGeom prst="rect">
+            <a:avLst/>
+          </a:prstGeom>
+          <a:solidFill>
+            <a:schemeClr val="bg2">
+              <a:lumMod val="75000"/>
+            </a:schemeClr>
+          </a:solidFill>
+          <a:ln w="28575"/>
+        </p:spPr>
+        <p:style>
+          <a:lnRef idx="2">
+            <a:schemeClr val="accent1"/>
+          </a:lnRef>
+          <a:fillRef idx="1">
+            <a:schemeClr val="lt1"/>
+          </a:fillRef>
+          <a:effectRef idx="0">
+            <a:schemeClr val="accent1"/>
+          </a:effectRef>
+          <a:fontRef idx="minor">
+            <a:schemeClr val="dk1"/>
+          </a:fontRef>
+        </p:style>
+        <p:txBody>
+          <a:bodyPr lIns="124733" tIns="62367" rIns="124733" bIns="62367" rtlCol="0" anchor="ctr"/>
+          <a:lstStyle/>
+          <a:p>
+            <a:pPr algn="ctr"/>
+            <a:r>
+              <a:rPr lang="ru-RU" sz="1400" dirty="0" smtClean="0"/>
+              <a:t>Лояльность </a:t>
+            </a:r>
+            <a:r>
+              <a:rPr lang="ru-RU" sz="1400" dirty="0"/>
+              <a:t>проигравшему правительству </a:t>
+            </a:r>
+            <a:r>
+              <a:rPr lang="ru-RU" sz="400" dirty="0"/>
+              <a:t>(Пьер </a:t>
+            </a:r>
+            <a:r>
+              <a:rPr lang="ru-RU" sz="400" dirty="0" err="1"/>
+              <a:t>Рикманс</a:t>
+            </a:r>
+            <a:r>
+              <a:rPr lang="ru-RU" sz="400" dirty="0"/>
+              <a:t> поддерживал контакты с бельгийским правительством на протяжении всей войны. Более того, последний отправляет его,24 июня 1940 г., декрет-закон обнародован 18 июня 1940 </a:t>
+            </a:r>
+            <a:r>
+              <a:rPr lang="ru-RU" sz="400" dirty="0" err="1"/>
+              <a:t>г.который</a:t>
+            </a:r>
+            <a:r>
+              <a:rPr lang="ru-RU" sz="400" dirty="0"/>
+              <a:t> в своей статье 2 возлагает законодательные полномочия на генерал-губернатора при условии обновления так называемых чрезвычайных постановлений каждые 6 месяцев. Министр, отвечающий за колонии Альбер де </a:t>
+            </a:r>
+            <a:r>
+              <a:rPr lang="ru-RU" sz="400" dirty="0" err="1"/>
+              <a:t>Влишауэр</a:t>
+            </a:r>
+            <a:r>
+              <a:rPr lang="ru-RU" sz="400" dirty="0"/>
+              <a:t>, наделил его исключительными полномочиями</a:t>
+            </a:r>
+            <a:r>
+              <a:rPr lang="ru-RU" sz="400" dirty="0" smtClean="0"/>
+              <a:t>.)</a:t>
+            </a:r>
+            <a:endParaRPr lang="ru-RU" sz="100" dirty="0"/>
+          </a:p>
+        </p:txBody>
+      </p:sp>
+      <p:cxnSp>
+        <p:nvCxnSpPr>
+          <p:cNvPr id="173" name="Прямая соединительная линия 172"/>
+          <p:cNvCxnSpPr>
+            <a:stCxn id="128" idx="1"/>
+            <a:endCxn id="171" idx="3"/>
+          </p:cNvCxnSpPr>
+          <p:nvPr/>
+        </p:nvCxnSpPr>
+        <p:spPr>
+          <a:xfrm flipH="1" flipV="1">
+            <a:off x="20941885" y="6566763"/>
+            <a:ext cx="2719558" cy="42"/>
+          </a:xfrm>
+          <a:prstGeom prst="line">
+            <a:avLst/>
+          </a:prstGeom>
+          <a:ln w="28575">
+            <a:solidFill>
+              <a:srgbClr val="FF0000"/>
+            </a:solidFill>
+          </a:ln>
+        </p:spPr>
+        <p:style>
+          <a:lnRef idx="1">
+            <a:schemeClr val="accent1"/>
+          </a:lnRef>
+          <a:fillRef idx="0">
+            <a:schemeClr val="accent1"/>
+          </a:fillRef>
+          <a:effectRef idx="0">
+            <a:schemeClr val="accent1"/>
+          </a:effectRef>
+          <a:fontRef idx="minor">
+            <a:schemeClr val="tx1"/>
+          </a:fontRef>
+        </p:style>
+      </p:cxnSp>
+      <p:cxnSp>
+        <p:nvCxnSpPr>
+          <p:cNvPr id="175" name="Прямая соединительная линия 174"/>
+          <p:cNvCxnSpPr>
+            <a:stCxn id="172" idx="3"/>
+            <a:endCxn id="171" idx="1"/>
+          </p:cNvCxnSpPr>
+          <p:nvPr/>
+        </p:nvCxnSpPr>
+        <p:spPr>
+          <a:xfrm>
+            <a:off x="16242589" y="6566763"/>
+            <a:ext cx="2583378" cy="0"/>
+          </a:xfrm>
+          <a:prstGeom prst="line">
+            <a:avLst/>
+          </a:prstGeom>
+          <a:ln w="28575">
+            <a:solidFill>
+              <a:srgbClr val="FF0000"/>
+            </a:solidFill>
+          </a:ln>
+        </p:spPr>
+        <p:style>
+          <a:lnRef idx="1">
+            <a:schemeClr val="accent1"/>
+          </a:lnRef>
+          <a:fillRef idx="0">
+            <a:schemeClr val="accent1"/>
+          </a:fillRef>
+          <a:effectRef idx="0">
+            <a:schemeClr val="accent1"/>
+          </a:effectRef>
+          <a:fontRef idx="minor">
+            <a:schemeClr val="tx1"/>
+          </a:fontRef>
+        </p:style>
+      </p:cxnSp>
+      <p:cxnSp>
+        <p:nvCxnSpPr>
+          <p:cNvPr id="179" name="Соединительная линия уступом 178"/>
+          <p:cNvCxnSpPr>
+            <a:stCxn id="333" idx="2"/>
+            <a:endCxn id="171" idx="0"/>
+          </p:cNvCxnSpPr>
+          <p:nvPr/>
+        </p:nvCxnSpPr>
+        <p:spPr>
+          <a:xfrm rot="5400000">
+            <a:off x="22068921" y="3376281"/>
+            <a:ext cx="465487" cy="4835476"/>
+          </a:xfrm>
+          <a:prstGeom prst="bentConnector3">
+            <a:avLst>
+              <a:gd name="adj1" fmla="val 50000"/>
+            </a:avLst>
+          </a:prstGeom>
+          <a:ln w="28575">
+            <a:tailEnd type="arrow"/>
+          </a:ln>
+        </p:spPr>
+        <p:style>
+          <a:lnRef idx="1">
+            <a:schemeClr val="accent1"/>
+          </a:lnRef>
+          <a:fillRef idx="0">
+            <a:schemeClr val="accent1"/>
+          </a:fillRef>
+          <a:effectRef idx="0">
+            <a:schemeClr val="accent1"/>
+          </a:effectRef>
+          <a:fontRef idx="minor">
+            <a:schemeClr val="tx1"/>
+          </a:fontRef>
+        </p:style>
+      </p:cxnSp>
+      <p:cxnSp>
+        <p:nvCxnSpPr>
+          <p:cNvPr id="182" name="Соединительная линия уступом 181"/>
+          <p:cNvCxnSpPr>
+            <a:stCxn id="333" idx="2"/>
+            <a:endCxn id="172" idx="0"/>
+          </p:cNvCxnSpPr>
+          <p:nvPr/>
+        </p:nvCxnSpPr>
+        <p:spPr>
+          <a:xfrm rot="5400000">
+            <a:off x="19719273" y="1026633"/>
+            <a:ext cx="465487" cy="9534772"/>
+          </a:xfrm>
+          <a:prstGeom prst="bentConnector3">
+            <a:avLst>
+              <a:gd name="adj1" fmla="val 50000"/>
+            </a:avLst>
+          </a:prstGeom>
+          <a:ln w="28575">
+            <a:tailEnd type="arrow"/>
+          </a:ln>
+        </p:spPr>
+        <p:style>
+          <a:lnRef idx="1">
+            <a:schemeClr val="accent1"/>
+          </a:lnRef>
+          <a:fillRef idx="0">
+            <a:schemeClr val="accent1"/>
+          </a:fillRef>
+          <a:effectRef idx="0">
+            <a:schemeClr val="accent1"/>
+          </a:effectRef>
+          <a:fontRef idx="minor">
+            <a:schemeClr val="tx1"/>
+          </a:fontRef>
+        </p:style>
+      </p:cxnSp>
+      <p:sp>
+        <p:nvSpPr>
+          <p:cNvPr id="189" name="Прямоугольник 188"/>
+          <p:cNvSpPr/>
+          <p:nvPr/>
+        </p:nvSpPr>
+        <p:spPr>
+          <a:xfrm>
+            <a:off x="16477254" y="7452987"/>
+            <a:ext cx="2115918" cy="1080000"/>
+          </a:xfrm>
+          <a:prstGeom prst="rect">
+            <a:avLst/>
+          </a:prstGeom>
+          <a:gradFill>
+            <a:gsLst>
+              <a:gs pos="0">
+                <a:schemeClr val="bg2">
+                  <a:lumMod val="50000"/>
+                </a:schemeClr>
+              </a:gs>
+              <a:gs pos="100000">
+                <a:schemeClr val="accent2">
+                  <a:lumMod val="75000"/>
+                </a:schemeClr>
+              </a:gs>
+            </a:gsLst>
+            <a:lin ang="5400000" scaled="1"/>
+          </a:gradFill>
+          <a:ln w="28575"/>
+        </p:spPr>
+        <p:style>
+          <a:lnRef idx="2">
+            <a:schemeClr val="accent1"/>
+          </a:lnRef>
+          <a:fillRef idx="1">
+            <a:schemeClr val="lt1"/>
+          </a:fillRef>
+          <a:effectRef idx="0">
+            <a:schemeClr val="accent1"/>
+          </a:effectRef>
+          <a:fontRef idx="minor">
+            <a:schemeClr val="dk1"/>
+          </a:fontRef>
+        </p:style>
+        <p:txBody>
+          <a:bodyPr lIns="124733" tIns="62367" rIns="124733" bIns="62367" rtlCol="0" anchor="ctr"/>
+          <a:lstStyle/>
+          <a:p>
+            <a:pPr algn="ctr"/>
+            <a:r>
+              <a:rPr lang="ru-RU" sz="1400" dirty="0" smtClean="0"/>
+              <a:t>Провести реструктуризацию </a:t>
+            </a:r>
+            <a:r>
+              <a:rPr lang="ru-RU" sz="1200" dirty="0"/>
+              <a:t>(изменение профессии, увеличение необходимого </a:t>
+            </a:r>
+            <a:r>
+              <a:rPr lang="ru-RU" sz="1200" dirty="0" err="1" smtClean="0"/>
+              <a:t>production</a:t>
+            </a:r>
+            <a:r>
+              <a:rPr lang="ru-RU" sz="1200" dirty="0" smtClean="0"/>
+              <a:t>)</a:t>
+            </a:r>
+            <a:endParaRPr lang="ru-RU" sz="400" dirty="0"/>
+          </a:p>
+        </p:txBody>
+      </p:sp>
+      <p:sp>
+        <p:nvSpPr>
+          <p:cNvPr id="190" name="Прямоугольник 189"/>
+          <p:cNvSpPr/>
+          <p:nvPr/>
+        </p:nvSpPr>
+        <p:spPr>
+          <a:xfrm>
+            <a:off x="18825967" y="7452987"/>
+            <a:ext cx="2115918" cy="1080000"/>
+          </a:xfrm>
+          <a:prstGeom prst="rect">
+            <a:avLst/>
+          </a:prstGeom>
+          <a:solidFill>
+            <a:schemeClr val="accent2">
+              <a:lumMod val="75000"/>
+            </a:schemeClr>
+          </a:solidFill>
+          <a:ln w="28575"/>
+        </p:spPr>
+        <p:style>
+          <a:lnRef idx="2">
+            <a:schemeClr val="accent1"/>
+          </a:lnRef>
+          <a:fillRef idx="1">
+            <a:schemeClr val="lt1"/>
+          </a:fillRef>
+          <a:effectRef idx="0">
+            <a:schemeClr val="accent1"/>
+          </a:effectRef>
+          <a:fontRef idx="minor">
+            <a:schemeClr val="dk1"/>
+          </a:fontRef>
+        </p:style>
+        <p:txBody>
+          <a:bodyPr lIns="124733" tIns="62367" rIns="124733" bIns="62367" rtlCol="0" anchor="ctr"/>
+          <a:lstStyle/>
+          <a:p>
+            <a:pPr algn="ctr"/>
+            <a:r>
+              <a:rPr lang="ru-RU" sz="1400" dirty="0" smtClean="0"/>
+              <a:t>Подпустить Рейх к разработке Урана</a:t>
+            </a:r>
+            <a:endParaRPr lang="ru-RU" sz="500" dirty="0"/>
+          </a:p>
+        </p:txBody>
+      </p:sp>
+      <p:sp>
+        <p:nvSpPr>
+          <p:cNvPr id="198" name="Прямоугольник 197"/>
+          <p:cNvSpPr/>
+          <p:nvPr/>
+        </p:nvSpPr>
+        <p:spPr>
+          <a:xfrm>
+            <a:off x="14126671" y="9108493"/>
+            <a:ext cx="2115918" cy="1080000"/>
+          </a:xfrm>
+          <a:prstGeom prst="rect">
+            <a:avLst/>
+          </a:prstGeom>
+          <a:solidFill>
+            <a:schemeClr val="bg2">
+              <a:lumMod val="75000"/>
+            </a:schemeClr>
+          </a:solidFill>
+          <a:ln w="28575"/>
+        </p:spPr>
+        <p:style>
+          <a:lnRef idx="2">
+            <a:schemeClr val="accent1"/>
+          </a:lnRef>
+          <a:fillRef idx="1">
+            <a:schemeClr val="lt1"/>
+          </a:fillRef>
+          <a:effectRef idx="0">
+            <a:schemeClr val="accent1"/>
+          </a:effectRef>
+          <a:fontRef idx="minor">
+            <a:schemeClr val="dk1"/>
+          </a:fontRef>
+        </p:style>
+        <p:txBody>
+          <a:bodyPr lIns="124733" tIns="62367" rIns="124733" bIns="62367" rtlCol="0" anchor="ctr"/>
+          <a:lstStyle/>
+          <a:p>
+            <a:pPr algn="ctr"/>
+            <a:r>
+              <a:rPr lang="ru-RU" sz="1400" dirty="0" smtClean="0"/>
+              <a:t>Девальвация </a:t>
+            </a:r>
+            <a:r>
+              <a:rPr lang="ru-RU" sz="1400" dirty="0" err="1" smtClean="0"/>
+              <a:t>Коглолезского</a:t>
+            </a:r>
+            <a:r>
+              <a:rPr lang="ru-RU" sz="1400" dirty="0" smtClean="0"/>
+              <a:t> франка </a:t>
+            </a:r>
+            <a:r>
+              <a:rPr lang="ru-RU" sz="500" dirty="0"/>
+              <a:t>(Лондон по просьбе Бельгийского Конго было решено принять участие в усилиях союзников [37] . Британцы проявляли особый интерес к участию Конго, главным образом потому, что теперь это была одна из немногих возможностей для получения различного сырья (особенно каучука). Бельгия приняла пакт и выполнила требования Великобритании, включая девальвацию конголезского франка .)</a:t>
+            </a:r>
+          </a:p>
+        </p:txBody>
+      </p:sp>
+      <p:sp>
+        <p:nvSpPr>
+          <p:cNvPr id="203" name="Прямоугольник 202"/>
+          <p:cNvSpPr/>
+          <p:nvPr/>
+        </p:nvSpPr>
+        <p:spPr>
+          <a:xfrm>
+            <a:off x="16477254" y="9108493"/>
+            <a:ext cx="2115918" cy="1080000"/>
+          </a:xfrm>
+          <a:prstGeom prst="rect">
+            <a:avLst/>
+          </a:prstGeom>
+          <a:gradFill>
+            <a:gsLst>
+              <a:gs pos="0">
+                <a:schemeClr val="bg2">
+                  <a:lumMod val="50000"/>
+                </a:schemeClr>
+              </a:gs>
+              <a:gs pos="100000">
+                <a:schemeClr val="accent2">
+                  <a:lumMod val="75000"/>
+                </a:schemeClr>
+              </a:gs>
+            </a:gsLst>
+            <a:lin ang="5400000" scaled="1"/>
+          </a:gradFill>
+          <a:ln w="28575"/>
+        </p:spPr>
+        <p:style>
+          <a:lnRef idx="2">
+            <a:schemeClr val="accent1"/>
+          </a:lnRef>
+          <a:fillRef idx="1">
+            <a:schemeClr val="lt1"/>
+          </a:fillRef>
+          <a:effectRef idx="0">
+            <a:schemeClr val="accent1"/>
+          </a:effectRef>
+          <a:fontRef idx="minor">
+            <a:schemeClr val="dk1"/>
+          </a:fontRef>
+        </p:style>
+        <p:txBody>
+          <a:bodyPr lIns="124733" tIns="62367" rIns="124733" bIns="62367" rtlCol="0" anchor="ctr"/>
+          <a:lstStyle/>
+          <a:p>
+            <a:pPr algn="ctr"/>
+            <a:r>
+              <a:rPr lang="ru-RU" sz="1400" dirty="0" smtClean="0"/>
+              <a:t>Совместные исследования (наше)</a:t>
+            </a:r>
+            <a:endParaRPr lang="ru-RU" sz="500" dirty="0"/>
+          </a:p>
+        </p:txBody>
+      </p:sp>
+      <p:cxnSp>
+        <p:nvCxnSpPr>
+          <p:cNvPr id="204" name="Прямая со стрелкой 203"/>
+          <p:cNvCxnSpPr>
+            <a:stCxn id="189" idx="2"/>
+            <a:endCxn id="203" idx="0"/>
+          </p:cNvCxnSpPr>
+          <p:nvPr/>
+        </p:nvCxnSpPr>
+        <p:spPr>
+          <a:xfrm>
+            <a:off x="17535213" y="8532987"/>
+            <a:ext cx="0" cy="575506"/>
+          </a:xfrm>
+          <a:prstGeom prst="straightConnector1">
+            <a:avLst/>
+          </a:prstGeom>
+          <a:ln w="28575">
+            <a:tailEnd type="arrow"/>
+          </a:ln>
+        </p:spPr>
+        <p:style>
+          <a:lnRef idx="1">
+            <a:schemeClr val="accent1"/>
+          </a:lnRef>
+          <a:fillRef idx="0">
+            <a:schemeClr val="accent1"/>
+          </a:fillRef>
+          <a:effectRef idx="0">
+            <a:schemeClr val="accent1"/>
+          </a:effectRef>
+          <a:fontRef idx="minor">
+            <a:schemeClr val="tx1"/>
+          </a:fontRef>
+        </p:style>
+      </p:cxnSp>
+      <p:cxnSp>
+        <p:nvCxnSpPr>
+          <p:cNvPr id="207" name="Соединительная линия уступом 206"/>
+          <p:cNvCxnSpPr>
+            <a:stCxn id="172" idx="2"/>
+            <a:endCxn id="189" idx="0"/>
+          </p:cNvCxnSpPr>
+          <p:nvPr/>
+        </p:nvCxnSpPr>
+        <p:spPr>
+          <a:xfrm rot="16200000" flipH="1">
+            <a:off x="16186809" y="6104583"/>
+            <a:ext cx="346224" cy="2350583"/>
+          </a:xfrm>
+          <a:prstGeom prst="bentConnector3">
+            <a:avLst>
+              <a:gd name="adj1" fmla="val 50000"/>
+            </a:avLst>
+          </a:prstGeom>
+          <a:ln w="28575">
+            <a:prstDash val="dash"/>
+            <a:tailEnd type="arrow"/>
+          </a:ln>
+        </p:spPr>
+        <p:style>
+          <a:lnRef idx="1">
+            <a:schemeClr val="accent1"/>
+          </a:lnRef>
+          <a:fillRef idx="0">
+            <a:schemeClr val="accent1"/>
+          </a:fillRef>
+          <a:effectRef idx="0">
+            <a:schemeClr val="accent1"/>
+          </a:effectRef>
+          <a:fontRef idx="minor">
+            <a:schemeClr val="tx1"/>
+          </a:fontRef>
+        </p:style>
+      </p:cxnSp>
+      <p:cxnSp>
+        <p:nvCxnSpPr>
+          <p:cNvPr id="210" name="Соединительная линия уступом 209"/>
+          <p:cNvCxnSpPr>
+            <a:stCxn id="171" idx="2"/>
+            <a:endCxn id="189" idx="0"/>
+          </p:cNvCxnSpPr>
+          <p:nvPr/>
+        </p:nvCxnSpPr>
+        <p:spPr>
+          <a:xfrm rot="5400000">
+            <a:off x="18536458" y="6105519"/>
+            <a:ext cx="346224" cy="2348713"/>
+          </a:xfrm>
+          <a:prstGeom prst="bentConnector3">
+            <a:avLst>
+              <a:gd name="adj1" fmla="val 50000"/>
+            </a:avLst>
+          </a:prstGeom>
+          <a:ln w="28575">
+            <a:prstDash val="dash"/>
+            <a:tailEnd type="arrow"/>
+          </a:ln>
+        </p:spPr>
+        <p:style>
+          <a:lnRef idx="1">
+            <a:schemeClr val="accent1"/>
+          </a:lnRef>
+          <a:fillRef idx="0">
+            <a:schemeClr val="accent1"/>
+          </a:fillRef>
+          <a:effectRef idx="0">
+            <a:schemeClr val="accent1"/>
+          </a:effectRef>
+          <a:fontRef idx="minor">
+            <a:schemeClr val="tx1"/>
+          </a:fontRef>
+        </p:style>
+      </p:cxnSp>
+      <p:sp>
+        <p:nvSpPr>
+          <p:cNvPr id="213" name="Прямоугольник 212"/>
+          <p:cNvSpPr/>
+          <p:nvPr/>
+        </p:nvSpPr>
+        <p:spPr>
+          <a:xfrm>
+            <a:off x="11775687" y="7460492"/>
+            <a:ext cx="2115918" cy="1080000"/>
+          </a:xfrm>
+          <a:prstGeom prst="rect">
+            <a:avLst/>
+          </a:prstGeom>
+          <a:solidFill>
+            <a:schemeClr val="bg2">
+              <a:lumMod val="75000"/>
+            </a:schemeClr>
+          </a:solidFill>
+          <a:ln w="28575"/>
+        </p:spPr>
+        <p:style>
+          <a:lnRef idx="2">
+            <a:schemeClr val="accent1"/>
+          </a:lnRef>
+          <a:fillRef idx="1">
+            <a:schemeClr val="lt1"/>
+          </a:fillRef>
+          <a:effectRef idx="0">
+            <a:schemeClr val="accent1"/>
+          </a:effectRef>
+          <a:fontRef idx="minor">
+            <a:schemeClr val="dk1"/>
+          </a:fontRef>
+        </p:style>
+        <p:txBody>
+          <a:bodyPr lIns="124733" tIns="62367" rIns="124733" bIns="62367" rtlCol="0" anchor="ctr"/>
+          <a:lstStyle/>
+          <a:p>
+            <a:pPr algn="ctr"/>
+            <a:r>
+              <a:rPr lang="ru-RU" sz="1400" dirty="0" smtClean="0"/>
+              <a:t>Стремление к освобождению Эфиопии (наше)</a:t>
+            </a:r>
+            <a:endParaRPr lang="ru-RU" sz="500" dirty="0"/>
+          </a:p>
+        </p:txBody>
+      </p:sp>
+      <p:cxnSp>
+        <p:nvCxnSpPr>
+          <p:cNvPr id="214" name="Соединительная линия уступом 213"/>
+          <p:cNvCxnSpPr>
+            <a:stCxn id="172" idx="2"/>
+            <a:endCxn id="213" idx="0"/>
+          </p:cNvCxnSpPr>
+          <p:nvPr/>
+        </p:nvCxnSpPr>
+        <p:spPr>
+          <a:xfrm rot="5400000">
+            <a:off x="13832274" y="6108135"/>
+            <a:ext cx="353729" cy="2350984"/>
+          </a:xfrm>
+          <a:prstGeom prst="bentConnector3">
+            <a:avLst>
+              <a:gd name="adj1" fmla="val 50000"/>
+            </a:avLst>
+          </a:prstGeom>
+          <a:ln w="28575">
+            <a:tailEnd type="arrow"/>
+          </a:ln>
+        </p:spPr>
+        <p:style>
+          <a:lnRef idx="1">
+            <a:schemeClr val="accent1"/>
+          </a:lnRef>
+          <a:fillRef idx="0">
+            <a:schemeClr val="accent1"/>
+          </a:fillRef>
+          <a:effectRef idx="0">
+            <a:schemeClr val="accent1"/>
+          </a:effectRef>
+          <a:fontRef idx="minor">
+            <a:schemeClr val="tx1"/>
+          </a:fontRef>
+        </p:style>
+      </p:cxnSp>
+      <p:cxnSp>
+        <p:nvCxnSpPr>
+          <p:cNvPr id="217" name="Соединительная линия уступом 216"/>
+          <p:cNvCxnSpPr>
+            <a:stCxn id="172" idx="2"/>
+            <a:endCxn id="328" idx="0"/>
+          </p:cNvCxnSpPr>
+          <p:nvPr/>
+        </p:nvCxnSpPr>
+        <p:spPr>
+          <a:xfrm rot="16200000" flipH="1">
+            <a:off x="15008701" y="7282692"/>
+            <a:ext cx="353729" cy="1870"/>
+          </a:xfrm>
+          <a:prstGeom prst="bentConnector3">
+            <a:avLst>
+              <a:gd name="adj1" fmla="val 50000"/>
+            </a:avLst>
+          </a:prstGeom>
+          <a:ln w="28575">
+            <a:tailEnd type="arrow"/>
+          </a:ln>
+        </p:spPr>
+        <p:style>
+          <a:lnRef idx="1">
+            <a:schemeClr val="accent1"/>
+          </a:lnRef>
+          <a:fillRef idx="0">
+            <a:schemeClr val="accent1"/>
+          </a:fillRef>
+          <a:effectRef idx="0">
+            <a:schemeClr val="accent1"/>
+          </a:effectRef>
+          <a:fontRef idx="minor">
+            <a:schemeClr val="tx1"/>
+          </a:fontRef>
+        </p:style>
+      </p:cxnSp>
+      <p:cxnSp>
+        <p:nvCxnSpPr>
+          <p:cNvPr id="220" name="Прямая со стрелкой 219"/>
+          <p:cNvCxnSpPr>
+            <a:stCxn id="328" idx="2"/>
+            <a:endCxn id="198" idx="0"/>
+          </p:cNvCxnSpPr>
+          <p:nvPr/>
+        </p:nvCxnSpPr>
+        <p:spPr>
+          <a:xfrm flipH="1">
+            <a:off x="15184630" y="8540492"/>
+            <a:ext cx="1870" cy="568001"/>
+          </a:xfrm>
+          <a:prstGeom prst="straightConnector1">
+            <a:avLst/>
+          </a:prstGeom>
+          <a:ln w="28575">
+            <a:tailEnd type="arrow"/>
+          </a:ln>
+        </p:spPr>
+        <p:style>
+          <a:lnRef idx="1">
+            <a:schemeClr val="accent1"/>
+          </a:lnRef>
+          <a:fillRef idx="0">
+            <a:schemeClr val="accent1"/>
+          </a:fillRef>
+          <a:effectRef idx="0">
+            <a:schemeClr val="accent1"/>
+          </a:effectRef>
+          <a:fontRef idx="minor">
+            <a:schemeClr val="tx1"/>
+          </a:fontRef>
+        </p:style>
+      </p:cxnSp>
+      <p:sp>
+        <p:nvSpPr>
+          <p:cNvPr id="249" name="Прямоугольник 248"/>
+          <p:cNvSpPr/>
+          <p:nvPr/>
+        </p:nvSpPr>
+        <p:spPr>
+          <a:xfrm>
+            <a:off x="18825967" y="9105524"/>
+            <a:ext cx="2115918" cy="1080000"/>
+          </a:xfrm>
+          <a:prstGeom prst="rect">
+            <a:avLst/>
+          </a:prstGeom>
+          <a:solidFill>
+            <a:schemeClr val="accent2">
+              <a:lumMod val="75000"/>
+            </a:schemeClr>
+          </a:solidFill>
+          <a:ln w="28575"/>
+        </p:spPr>
+        <p:style>
+          <a:lnRef idx="2">
+            <a:schemeClr val="accent1"/>
+          </a:lnRef>
+          <a:fillRef idx="1">
+            <a:schemeClr val="lt1"/>
+          </a:fillRef>
+          <a:effectRef idx="0">
+            <a:schemeClr val="accent1"/>
+          </a:effectRef>
+          <a:fontRef idx="minor">
+            <a:schemeClr val="dk1"/>
+          </a:fontRef>
+        </p:style>
+        <p:txBody>
+          <a:bodyPr lIns="124733" tIns="62367" rIns="124733" bIns="62367" rtlCol="0" anchor="ctr"/>
+          <a:lstStyle/>
+          <a:p>
+            <a:pPr algn="ctr"/>
+            <a:r>
+              <a:rPr lang="ru-RU" sz="1400" dirty="0" smtClean="0"/>
+              <a:t>Создать </a:t>
+            </a:r>
+            <a:r>
+              <a:rPr lang="en-US" sz="1400" dirty="0" smtClean="0"/>
+              <a:t>SS </a:t>
+            </a:r>
+            <a:r>
+              <a:rPr lang="ru-RU" sz="1400" dirty="0" smtClean="0"/>
+              <a:t>из конголезцев</a:t>
+            </a:r>
+            <a:endParaRPr lang="ru-RU" sz="500" dirty="0"/>
+          </a:p>
+        </p:txBody>
+      </p:sp>
+      <p:sp>
+        <p:nvSpPr>
+          <p:cNvPr id="250" name="Прямоугольник 249"/>
+          <p:cNvSpPr/>
+          <p:nvPr/>
+        </p:nvSpPr>
+        <p:spPr>
+          <a:xfrm>
+            <a:off x="21243705" y="7460492"/>
+            <a:ext cx="2115918" cy="1080000"/>
+          </a:xfrm>
+          <a:prstGeom prst="rect">
+            <a:avLst/>
+          </a:prstGeom>
+          <a:solidFill>
+            <a:schemeClr val="accent2">
+              <a:lumMod val="75000"/>
+            </a:schemeClr>
+          </a:solidFill>
+          <a:ln w="28575"/>
+        </p:spPr>
+        <p:style>
+          <a:lnRef idx="2">
+            <a:schemeClr val="accent1"/>
+          </a:lnRef>
+          <a:fillRef idx="1">
+            <a:schemeClr val="lt1"/>
+          </a:fillRef>
+          <a:effectRef idx="0">
+            <a:schemeClr val="accent1"/>
+          </a:effectRef>
+          <a:fontRef idx="minor">
+            <a:schemeClr val="dk1"/>
+          </a:fontRef>
+        </p:style>
+        <p:txBody>
+          <a:bodyPr lIns="124733" tIns="62367" rIns="124733" bIns="62367" rtlCol="0" anchor="ctr"/>
+          <a:lstStyle/>
+          <a:p>
+            <a:pPr algn="ctr"/>
+            <a:r>
+              <a:rPr lang="ru-RU" sz="1400" dirty="0" smtClean="0"/>
+              <a:t>Вернуть Французское Конго (если Франция воюет с новым правительством)</a:t>
+            </a:r>
+            <a:endParaRPr lang="ru-RU" sz="500" dirty="0"/>
+          </a:p>
+        </p:txBody>
+      </p:sp>
+      <p:cxnSp>
+        <p:nvCxnSpPr>
+          <p:cNvPr id="252" name="Прямая со стрелкой 251"/>
+          <p:cNvCxnSpPr>
+            <a:stCxn id="190" idx="2"/>
+            <a:endCxn id="249" idx="0"/>
+          </p:cNvCxnSpPr>
+          <p:nvPr/>
+        </p:nvCxnSpPr>
+        <p:spPr>
+          <a:xfrm>
+            <a:off x="19883926" y="8532987"/>
+            <a:ext cx="0" cy="572537"/>
+          </a:xfrm>
+          <a:prstGeom prst="straightConnector1">
+            <a:avLst/>
+          </a:prstGeom>
+          <a:ln w="28575">
+            <a:tailEnd type="arrow"/>
+          </a:ln>
+        </p:spPr>
+        <p:style>
+          <a:lnRef idx="1">
+            <a:schemeClr val="accent1"/>
+          </a:lnRef>
+          <a:fillRef idx="0">
+            <a:schemeClr val="accent1"/>
+          </a:fillRef>
+          <a:effectRef idx="0">
+            <a:schemeClr val="accent1"/>
+          </a:effectRef>
+          <a:fontRef idx="minor">
+            <a:schemeClr val="tx1"/>
+          </a:fontRef>
+        </p:style>
+      </p:cxnSp>
+      <p:cxnSp>
+        <p:nvCxnSpPr>
+          <p:cNvPr id="253" name="Прямая со стрелкой 252"/>
+          <p:cNvCxnSpPr>
+            <a:stCxn id="171" idx="2"/>
+            <a:endCxn id="190" idx="0"/>
+          </p:cNvCxnSpPr>
+          <p:nvPr/>
+        </p:nvCxnSpPr>
+        <p:spPr>
+          <a:xfrm>
+            <a:off x="19883926" y="7106763"/>
+            <a:ext cx="0" cy="346224"/>
+          </a:xfrm>
+          <a:prstGeom prst="straightConnector1">
+            <a:avLst/>
+          </a:prstGeom>
+          <a:ln w="28575">
+            <a:tailEnd type="arrow"/>
+          </a:ln>
+        </p:spPr>
+        <p:style>
+          <a:lnRef idx="1">
+            <a:schemeClr val="accent1"/>
+          </a:lnRef>
+          <a:fillRef idx="0">
+            <a:schemeClr val="accent1"/>
+          </a:fillRef>
+          <a:effectRef idx="0">
+            <a:schemeClr val="accent1"/>
+          </a:effectRef>
+          <a:fontRef idx="minor">
+            <a:schemeClr val="tx1"/>
+          </a:fontRef>
+        </p:style>
+      </p:cxnSp>
+      <p:cxnSp>
+        <p:nvCxnSpPr>
+          <p:cNvPr id="256" name="Соединительная линия уступом 255"/>
+          <p:cNvCxnSpPr>
+            <a:stCxn id="171" idx="2"/>
+            <a:endCxn id="250" idx="0"/>
+          </p:cNvCxnSpPr>
+          <p:nvPr/>
+        </p:nvCxnSpPr>
+        <p:spPr>
+          <a:xfrm rot="16200000" flipH="1">
+            <a:off x="20915931" y="6074758"/>
+            <a:ext cx="353729" cy="2417738"/>
+          </a:xfrm>
+          <a:prstGeom prst="bentConnector3">
+            <a:avLst>
+              <a:gd name="adj1" fmla="val 50000"/>
+            </a:avLst>
+          </a:prstGeom>
+          <a:ln w="28575">
+            <a:tailEnd type="arrow"/>
+          </a:ln>
+        </p:spPr>
+        <p:style>
+          <a:lnRef idx="1">
+            <a:schemeClr val="accent1"/>
+          </a:lnRef>
+          <a:fillRef idx="0">
+            <a:schemeClr val="accent1"/>
+          </a:fillRef>
+          <a:effectRef idx="0">
+            <a:schemeClr val="accent1"/>
+          </a:effectRef>
+          <a:fontRef idx="minor">
+            <a:schemeClr val="tx1"/>
+          </a:fontRef>
+        </p:style>
+      </p:cxnSp>
+      <p:sp>
+        <p:nvSpPr>
+          <p:cNvPr id="259" name="Прямоугольник 258"/>
+          <p:cNvSpPr/>
+          <p:nvPr/>
+        </p:nvSpPr>
+        <p:spPr>
+          <a:xfrm>
+            <a:off x="21243705" y="9105524"/>
+            <a:ext cx="2115918" cy="1080000"/>
+          </a:xfrm>
+          <a:prstGeom prst="rect">
+            <a:avLst/>
+          </a:prstGeom>
+          <a:solidFill>
+            <a:schemeClr val="accent2">
+              <a:lumMod val="75000"/>
+            </a:schemeClr>
+          </a:solidFill>
+          <a:ln w="28575"/>
+        </p:spPr>
+        <p:style>
+          <a:lnRef idx="2">
+            <a:schemeClr val="accent1"/>
+          </a:lnRef>
+          <a:fillRef idx="1">
+            <a:schemeClr val="lt1"/>
+          </a:fillRef>
+          <a:effectRef idx="0">
+            <a:schemeClr val="accent1"/>
+          </a:effectRef>
+          <a:fontRef idx="minor">
+            <a:schemeClr val="dk1"/>
+          </a:fontRef>
+        </p:style>
+        <p:txBody>
+          <a:bodyPr lIns="124733" tIns="62367" rIns="124733" bIns="62367" rtlCol="0" anchor="ctr"/>
+          <a:lstStyle/>
+          <a:p>
+            <a:pPr algn="ctr"/>
+            <a:r>
+              <a:rPr lang="ru-RU" sz="1400" dirty="0" smtClean="0"/>
+              <a:t>Вернуть Португальское Конго (если Португалия воюет с новым правительством)</a:t>
+            </a:r>
+            <a:endParaRPr lang="ru-RU" sz="500" dirty="0"/>
+          </a:p>
+        </p:txBody>
+      </p:sp>
+      <p:cxnSp>
+        <p:nvCxnSpPr>
+          <p:cNvPr id="264" name="Соединительная линия уступом 263"/>
+          <p:cNvCxnSpPr>
+            <a:stCxn id="190" idx="2"/>
+            <a:endCxn id="259" idx="0"/>
+          </p:cNvCxnSpPr>
+          <p:nvPr/>
+        </p:nvCxnSpPr>
+        <p:spPr>
+          <a:xfrm rot="16200000" flipH="1">
+            <a:off x="20806527" y="7610386"/>
+            <a:ext cx="572537" cy="2417738"/>
+          </a:xfrm>
+          <a:prstGeom prst="bentConnector3">
+            <a:avLst>
+              <a:gd name="adj1" fmla="val 50000"/>
+            </a:avLst>
+          </a:prstGeom>
+          <a:ln w="28575">
+            <a:prstDash val="dash"/>
+            <a:tailEnd type="arrow"/>
+          </a:ln>
+        </p:spPr>
+        <p:style>
+          <a:lnRef idx="1">
+            <a:schemeClr val="accent1"/>
+          </a:lnRef>
+          <a:fillRef idx="0">
+            <a:schemeClr val="accent1"/>
+          </a:fillRef>
+          <a:effectRef idx="0">
+            <a:schemeClr val="accent1"/>
+          </a:effectRef>
+          <a:fontRef idx="minor">
+            <a:schemeClr val="tx1"/>
+          </a:fontRef>
+        </p:style>
+      </p:cxnSp>
+      <p:cxnSp>
+        <p:nvCxnSpPr>
+          <p:cNvPr id="265" name="Прямая со стрелкой 264"/>
+          <p:cNvCxnSpPr>
+            <a:stCxn id="250" idx="2"/>
+            <a:endCxn id="259" idx="0"/>
+          </p:cNvCxnSpPr>
+          <p:nvPr/>
+        </p:nvCxnSpPr>
+        <p:spPr>
+          <a:xfrm>
+            <a:off x="22301664" y="8540492"/>
+            <a:ext cx="0" cy="565032"/>
+          </a:xfrm>
+          <a:prstGeom prst="straightConnector1">
+            <a:avLst/>
+          </a:prstGeom>
+          <a:ln w="28575">
+            <a:prstDash val="dash"/>
+            <a:tailEnd type="arrow"/>
+          </a:ln>
+        </p:spPr>
+        <p:style>
+          <a:lnRef idx="1">
+            <a:schemeClr val="accent1"/>
+          </a:lnRef>
+          <a:fillRef idx="0">
+            <a:schemeClr val="accent1"/>
+          </a:fillRef>
+          <a:effectRef idx="0">
+            <a:schemeClr val="accent1"/>
+          </a:effectRef>
+          <a:fontRef idx="minor">
+            <a:schemeClr val="tx1"/>
+          </a:fontRef>
+        </p:style>
+      </p:cxnSp>
+      <p:sp>
+        <p:nvSpPr>
+          <p:cNvPr id="163" name="Прямоугольник 162"/>
+          <p:cNvSpPr/>
+          <p:nvPr/>
+        </p:nvSpPr>
+        <p:spPr>
+          <a:xfrm>
+            <a:off x="30607937" y="6019300"/>
+            <a:ext cx="2115918" cy="1080000"/>
+          </a:xfrm>
+          <a:prstGeom prst="rect">
+            <a:avLst/>
+          </a:prstGeom>
+          <a:ln w="28575"/>
+        </p:spPr>
+        <p:style>
+          <a:lnRef idx="2">
+            <a:schemeClr val="accent1"/>
+          </a:lnRef>
+          <a:fillRef idx="1">
+            <a:schemeClr val="lt1"/>
+          </a:fillRef>
+          <a:effectRef idx="0">
+            <a:schemeClr val="accent1"/>
+          </a:effectRef>
+          <a:fontRef idx="minor">
+            <a:schemeClr val="dk1"/>
+          </a:fontRef>
+        </p:style>
+        <p:txBody>
+          <a:bodyPr lIns="124733" tIns="62367" rIns="124733" bIns="62367" rtlCol="0" anchor="ctr"/>
+          <a:lstStyle/>
+          <a:p>
+            <a:pPr algn="ctr"/>
+            <a:r>
+              <a:rPr lang="ru-RU" sz="1400" dirty="0" smtClean="0"/>
+              <a:t>Разрешить набор местных </a:t>
+            </a:r>
+            <a:r>
+              <a:rPr lang="ru-RU" sz="1400" dirty="0"/>
+              <a:t>в администрацию </a:t>
+            </a:r>
+            <a:r>
+              <a:rPr lang="ru-RU" sz="600" dirty="0" smtClean="0"/>
+              <a:t>(некоторые </a:t>
+            </a:r>
+            <a:r>
+              <a:rPr lang="ru-RU" sz="600" dirty="0"/>
+              <a:t>из реформ, которые он хотел, например набор магистратов из числа местных опытных административных сотрудников со степенью юриста, не могли быть осуществлены на практике</a:t>
+            </a:r>
+            <a:r>
+              <a:rPr lang="ru-RU" sz="600" dirty="0" smtClean="0"/>
+              <a:t>.)</a:t>
+            </a:r>
+            <a:endParaRPr lang="ru-RU" sz="100" dirty="0"/>
+          </a:p>
+        </p:txBody>
+      </p:sp>
+      <p:sp>
+        <p:nvSpPr>
+          <p:cNvPr id="164" name="Прямоугольник 163"/>
+          <p:cNvSpPr/>
+          <p:nvPr/>
+        </p:nvSpPr>
+        <p:spPr>
+          <a:xfrm>
+            <a:off x="35215377" y="7460492"/>
+            <a:ext cx="2115918" cy="1080000"/>
+          </a:xfrm>
+          <a:prstGeom prst="rect">
+            <a:avLst/>
+          </a:prstGeom>
+          <a:ln w="28575"/>
+        </p:spPr>
+        <p:style>
+          <a:lnRef idx="2">
+            <a:schemeClr val="accent1"/>
+          </a:lnRef>
+          <a:fillRef idx="1">
+            <a:schemeClr val="lt1"/>
+          </a:fillRef>
+          <a:effectRef idx="0">
+            <a:schemeClr val="accent1"/>
+          </a:effectRef>
+          <a:fontRef idx="minor">
+            <a:schemeClr val="dk1"/>
+          </a:fontRef>
+        </p:style>
+        <p:txBody>
+          <a:bodyPr lIns="124733" tIns="62367" rIns="124733" bIns="62367" rtlCol="0" anchor="ctr"/>
+          <a:lstStyle/>
+          <a:p>
+            <a:pPr algn="ctr"/>
+            <a:r>
+              <a:rPr lang="ru-RU" sz="1400" dirty="0" smtClean="0"/>
+              <a:t>Объявить о независимости Конго </a:t>
+            </a:r>
+            <a:r>
+              <a:rPr lang="ru-RU" sz="600" dirty="0" smtClean="0"/>
+              <a:t>(</a:t>
+            </a:r>
+            <a:r>
+              <a:rPr lang="ru-RU" sz="600" dirty="0" err="1" smtClean="0"/>
+              <a:t>Пьерло</a:t>
+            </a:r>
+            <a:r>
+              <a:rPr lang="ru-RU" sz="600" dirty="0" smtClean="0"/>
+              <a:t> </a:t>
+            </a:r>
+            <a:r>
+              <a:rPr lang="ru-RU" sz="600" dirty="0"/>
+              <a:t>предложил предоставить де </a:t>
+            </a:r>
+            <a:r>
+              <a:rPr lang="ru-RU" sz="600" dirty="0" err="1"/>
+              <a:t>Влишауэру</a:t>
+            </a:r>
+            <a:r>
+              <a:rPr lang="ru-RU" sz="600" dirty="0"/>
+              <a:t> новый титул генерального администратора Конго, что позволит ему продолжать это дело, даже если впоследствии правительство рухнет и его министерский мандат станет недействительным</a:t>
+            </a:r>
+            <a:r>
+              <a:rPr lang="ru-RU" sz="600" dirty="0" smtClean="0"/>
+              <a:t>.)</a:t>
+            </a:r>
+            <a:endParaRPr lang="ru-RU" sz="100" dirty="0"/>
+          </a:p>
+        </p:txBody>
+      </p:sp>
+      <p:cxnSp>
+        <p:nvCxnSpPr>
+          <p:cNvPr id="168" name="Прямая соединительная линия 167"/>
+          <p:cNvCxnSpPr>
+            <a:stCxn id="164" idx="1"/>
+            <a:endCxn id="120" idx="3"/>
+          </p:cNvCxnSpPr>
+          <p:nvPr/>
+        </p:nvCxnSpPr>
+        <p:spPr>
+          <a:xfrm flipH="1" flipV="1">
+            <a:off x="32713841" y="7997523"/>
+            <a:ext cx="2501536" cy="2969"/>
+          </a:xfrm>
+          <a:prstGeom prst="line">
+            <a:avLst/>
+          </a:prstGeom>
+          <a:ln w="28575">
+            <a:solidFill>
+              <a:srgbClr val="FF0000"/>
+            </a:solidFill>
+          </a:ln>
+        </p:spPr>
+        <p:style>
+          <a:lnRef idx="1">
+            <a:schemeClr val="accent1"/>
+          </a:lnRef>
+          <a:fillRef idx="0">
+            <a:schemeClr val="accent1"/>
+          </a:fillRef>
+          <a:effectRef idx="0">
+            <a:schemeClr val="accent1"/>
+          </a:effectRef>
+          <a:fontRef idx="minor">
+            <a:schemeClr val="tx1"/>
+          </a:fontRef>
+        </p:style>
+      </p:cxnSp>
+      <p:sp>
+        <p:nvSpPr>
+          <p:cNvPr id="170" name="Прямоугольник 169"/>
+          <p:cNvSpPr/>
+          <p:nvPr/>
+        </p:nvSpPr>
+        <p:spPr>
+          <a:xfrm>
+            <a:off x="14121145" y="10617298"/>
+            <a:ext cx="2115918" cy="1080000"/>
+          </a:xfrm>
+          <a:prstGeom prst="rect">
+            <a:avLst/>
+          </a:prstGeom>
+          <a:solidFill>
+            <a:schemeClr val="bg2">
+              <a:lumMod val="75000"/>
+            </a:schemeClr>
+          </a:solidFill>
+          <a:ln w="28575"/>
+        </p:spPr>
+        <p:style>
+          <a:lnRef idx="2">
+            <a:schemeClr val="accent1"/>
+          </a:lnRef>
+          <a:fillRef idx="1">
+            <a:schemeClr val="lt1"/>
+          </a:fillRef>
+          <a:effectRef idx="0">
+            <a:schemeClr val="accent1"/>
+          </a:effectRef>
+          <a:fontRef idx="minor">
+            <a:schemeClr val="dk1"/>
+          </a:fontRef>
+        </p:style>
+        <p:txBody>
+          <a:bodyPr lIns="124733" tIns="62367" rIns="124733" bIns="62367" rtlCol="0" anchor="ctr"/>
+          <a:lstStyle/>
+          <a:p>
+            <a:pPr algn="ctr"/>
+            <a:r>
+              <a:rPr lang="ru-RU" sz="1400" dirty="0" smtClean="0"/>
+              <a:t>Вход экономики в области стерлингов </a:t>
+            </a:r>
+            <a:r>
+              <a:rPr lang="ru-RU" sz="500" dirty="0"/>
+              <a:t>вход Конго в области стерлингов . [13] [25] С официальным соглашением и конголезским заявлением о поддержке союзников, экономика Конго - в частности, производство важного сырья - была передана в распоряжение союзников. [24] Хотя </a:t>
+            </a:r>
+            <a:r>
+              <a:rPr lang="ru-RU" sz="500" dirty="0" err="1"/>
+              <a:t>Рикманы</a:t>
+            </a:r>
+            <a:r>
+              <a:rPr lang="ru-RU" sz="500" dirty="0"/>
+              <a:t> и </a:t>
+            </a:r>
+            <a:r>
+              <a:rPr lang="ru-RU" sz="500" dirty="0" err="1"/>
+              <a:t>лидерыBanque</a:t>
+            </a:r>
+            <a:r>
+              <a:rPr lang="ru-RU" sz="500" dirty="0"/>
+              <a:t> </a:t>
+            </a:r>
+            <a:r>
+              <a:rPr lang="ru-RU" sz="500" dirty="0" err="1"/>
+              <a:t>du</a:t>
+            </a:r>
+            <a:r>
+              <a:rPr lang="ru-RU" sz="500" dirty="0"/>
+              <a:t> </a:t>
+            </a:r>
+            <a:r>
+              <a:rPr lang="ru-RU" sz="500" dirty="0" err="1"/>
+              <a:t>Congo</a:t>
+            </a:r>
+            <a:r>
+              <a:rPr lang="ru-RU" sz="500" dirty="0"/>
+              <a:t> </a:t>
+            </a:r>
+            <a:r>
+              <a:rPr lang="ru-RU" sz="500" dirty="0" err="1"/>
+              <a:t>Belge</a:t>
+            </a:r>
+            <a:r>
+              <a:rPr lang="ru-RU" sz="500" dirty="0"/>
+              <a:t> ( центральный банк Конго ) был доволен вступлением в зону фунта стерлингов, которая гарантировала экспортный рынок для территории, им категорически не понравились фиксированные цены, заключенные в соглашении, которые были выгодны Соединенному Королевству, и обеспокоены тем, что только торговля с фунтом стерлингов может негативно повлиять на валютные резервы Конго</a:t>
+            </a:r>
+            <a:endParaRPr lang="ru-RU" sz="500" dirty="0"/>
+          </a:p>
+        </p:txBody>
+      </p:sp>
+      <p:cxnSp>
+        <p:nvCxnSpPr>
+          <p:cNvPr id="176" name="Прямая со стрелкой 175"/>
+          <p:cNvCxnSpPr>
+            <a:stCxn id="198" idx="2"/>
+            <a:endCxn id="170" idx="0"/>
+          </p:cNvCxnSpPr>
+          <p:nvPr/>
+        </p:nvCxnSpPr>
+        <p:spPr>
+          <a:xfrm flipH="1">
+            <a:off x="15179104" y="10188493"/>
+            <a:ext cx="5526" cy="428805"/>
+          </a:xfrm>
+          <a:prstGeom prst="straightConnector1">
+            <a:avLst/>
+          </a:prstGeom>
+          <a:ln w="28575">
+            <a:tailEnd type="arrow"/>
+          </a:ln>
+        </p:spPr>
+        <p:style>
+          <a:lnRef idx="1">
+            <a:schemeClr val="accent1"/>
+          </a:lnRef>
+          <a:fillRef idx="0">
+            <a:schemeClr val="accent1"/>
+          </a:fillRef>
+          <a:effectRef idx="0">
+            <a:schemeClr val="accent1"/>
+          </a:effectRef>
+          <a:fontRef idx="minor">
+            <a:schemeClr val="tx1"/>
+          </a:fontRef>
+        </p:style>
+      </p:cxnSp>
+      <p:sp>
+        <p:nvSpPr>
+          <p:cNvPr id="177" name="Прямоугольник 176"/>
+          <p:cNvSpPr/>
+          <p:nvPr/>
+        </p:nvSpPr>
+        <p:spPr>
+          <a:xfrm>
+            <a:off x="21243705" y="4477522"/>
+            <a:ext cx="2115918" cy="1080000"/>
+          </a:xfrm>
+          <a:prstGeom prst="rect">
+            <a:avLst/>
+          </a:prstGeom>
+          <a:ln w="28575"/>
+        </p:spPr>
+        <p:style>
+          <a:lnRef idx="2">
+            <a:schemeClr val="accent1"/>
+          </a:lnRef>
+          <a:fillRef idx="1">
+            <a:schemeClr val="lt1"/>
+          </a:fillRef>
+          <a:effectRef idx="0">
+            <a:schemeClr val="accent1"/>
+          </a:effectRef>
+          <a:fontRef idx="minor">
+            <a:schemeClr val="dk1"/>
+          </a:fontRef>
+        </p:style>
+        <p:txBody>
+          <a:bodyPr lIns="124733" tIns="62367" rIns="124733" bIns="62367" rtlCol="0" anchor="ctr"/>
+          <a:lstStyle/>
+          <a:p>
+            <a:pPr algn="ctr"/>
+            <a:r>
+              <a:rPr lang="ru-RU" sz="1400" dirty="0" smtClean="0"/>
+              <a:t>Привлечь сельских жителей </a:t>
+            </a:r>
+            <a:r>
+              <a:rPr lang="ru-RU" sz="1400" dirty="0"/>
+              <a:t>к работам </a:t>
+            </a:r>
+            <a:r>
+              <a:rPr lang="ru-RU" sz="700" dirty="0"/>
+              <a:t>(Требования колониальной администрации больше всего выпали на долю сельских жителей, которых привлекали для строительства дорог и сбора каучука.)</a:t>
+            </a:r>
+            <a:endParaRPr lang="ru-RU" sz="100" dirty="0"/>
+          </a:p>
+        </p:txBody>
+      </p:sp>
+      <p:cxnSp>
+        <p:nvCxnSpPr>
+          <p:cNvPr id="180" name="Соединительная линия уступом 179"/>
+          <p:cNvCxnSpPr>
+            <a:stCxn id="279" idx="2"/>
+            <a:endCxn id="177" idx="0"/>
+          </p:cNvCxnSpPr>
+          <p:nvPr/>
+        </p:nvCxnSpPr>
+        <p:spPr>
+          <a:xfrm rot="5400000">
+            <a:off x="23287507" y="3037410"/>
+            <a:ext cx="454270" cy="2425955"/>
+          </a:xfrm>
+          <a:prstGeom prst="bentConnector3">
+            <a:avLst>
+              <a:gd name="adj1" fmla="val 50000"/>
+            </a:avLst>
+          </a:prstGeom>
+          <a:ln w="28575">
+            <a:tailEnd type="arrow"/>
+          </a:ln>
+        </p:spPr>
+        <p:style>
+          <a:lnRef idx="1">
+            <a:schemeClr val="accent1"/>
+          </a:lnRef>
+          <a:fillRef idx="0">
+            <a:schemeClr val="accent1"/>
+          </a:fillRef>
+          <a:effectRef idx="0">
+            <a:schemeClr val="accent1"/>
+          </a:effectRef>
+          <a:fontRef idx="minor">
+            <a:schemeClr val="tx1"/>
+          </a:fontRef>
+        </p:style>
+      </p:cxnSp>
+      <p:sp>
+        <p:nvSpPr>
+          <p:cNvPr id="181" name="Прямоугольник 180"/>
+          <p:cNvSpPr/>
+          <p:nvPr/>
+        </p:nvSpPr>
+        <p:spPr>
+          <a:xfrm>
+            <a:off x="-1" y="16799418"/>
+            <a:ext cx="2115918" cy="1080000"/>
+          </a:xfrm>
+          <a:prstGeom prst="rect">
+            <a:avLst/>
+          </a:prstGeom>
+          <a:ln w="28575"/>
+        </p:spPr>
+        <p:style>
+          <a:lnRef idx="2">
+            <a:schemeClr val="accent1"/>
+          </a:lnRef>
+          <a:fillRef idx="1">
+            <a:schemeClr val="lt1"/>
+          </a:fillRef>
+          <a:effectRef idx="0">
+            <a:schemeClr val="accent1"/>
+          </a:effectRef>
+          <a:fontRef idx="minor">
+            <a:schemeClr val="dk1"/>
+          </a:fontRef>
+        </p:style>
+        <p:txBody>
+          <a:bodyPr lIns="124733" tIns="62367" rIns="124733" bIns="62367" rtlCol="0" anchor="ctr"/>
+          <a:lstStyle/>
+          <a:p>
+            <a:pPr algn="ctr"/>
+            <a:r>
+              <a:rPr lang="ru-RU" sz="1400" dirty="0" smtClean="0"/>
+              <a:t>Нарастить </a:t>
+            </a:r>
+            <a:r>
+              <a:rPr lang="ru-RU" sz="1400" dirty="0"/>
+              <a:t>производство транспорта </a:t>
+            </a:r>
+            <a:r>
+              <a:rPr lang="ru-RU" sz="900" dirty="0"/>
+              <a:t>(Колониальное правительство также значительно улучшило транспортные и производственные мощности во время </a:t>
+            </a:r>
+            <a:r>
+              <a:rPr lang="ru-RU" sz="900" dirty="0" smtClean="0"/>
+              <a:t>войны)</a:t>
+            </a:r>
+            <a:endParaRPr lang="ru-RU" sz="200" dirty="0"/>
+          </a:p>
+        </p:txBody>
+      </p:sp>
+      <p:cxnSp>
+        <p:nvCxnSpPr>
+          <p:cNvPr id="183" name="Соединительная линия уступом 182"/>
+          <p:cNvCxnSpPr>
+            <a:stCxn id="185" idx="2"/>
+            <a:endCxn id="181" idx="0"/>
+          </p:cNvCxnSpPr>
+          <p:nvPr/>
+        </p:nvCxnSpPr>
+        <p:spPr>
+          <a:xfrm rot="5400000">
+            <a:off x="2390233" y="13420203"/>
+            <a:ext cx="2046940" cy="4711490"/>
+          </a:xfrm>
+          <a:prstGeom prst="bentConnector3">
+            <a:avLst>
+              <a:gd name="adj1" fmla="val 10031"/>
+            </a:avLst>
+          </a:prstGeom>
+          <a:ln w="28575">
+            <a:tailEnd type="arrow"/>
+          </a:ln>
+        </p:spPr>
+        <p:style>
+          <a:lnRef idx="1">
+            <a:schemeClr val="accent1"/>
+          </a:lnRef>
+          <a:fillRef idx="0">
+            <a:schemeClr val="accent1"/>
+          </a:fillRef>
+          <a:effectRef idx="0">
+            <a:schemeClr val="accent1"/>
+          </a:effectRef>
+          <a:fontRef idx="minor">
+            <a:schemeClr val="tx1"/>
+          </a:fontRef>
+        </p:style>
+      </p:cxnSp>
+      <p:sp>
+        <p:nvSpPr>
+          <p:cNvPr id="184" name="Прямоугольник 183"/>
+          <p:cNvSpPr/>
+          <p:nvPr/>
+        </p:nvSpPr>
+        <p:spPr>
+          <a:xfrm>
+            <a:off x="18825967" y="4473771"/>
+            <a:ext cx="2115918" cy="1080000"/>
+          </a:xfrm>
+          <a:prstGeom prst="rect">
+            <a:avLst/>
+          </a:prstGeom>
+          <a:ln w="28575"/>
+        </p:spPr>
+        <p:style>
+          <a:lnRef idx="2">
+            <a:schemeClr val="accent1"/>
+          </a:lnRef>
+          <a:fillRef idx="1">
+            <a:schemeClr val="lt1"/>
+          </a:fillRef>
+          <a:effectRef idx="0">
+            <a:schemeClr val="accent1"/>
+          </a:effectRef>
+          <a:fontRef idx="minor">
+            <a:schemeClr val="dk1"/>
+          </a:fontRef>
+        </p:style>
+        <p:txBody>
+          <a:bodyPr lIns="124733" tIns="62367" rIns="124733" bIns="62367" rtlCol="0" anchor="ctr"/>
+          <a:lstStyle/>
+          <a:p>
+            <a:pPr algn="ctr"/>
+            <a:r>
+              <a:rPr lang="ru-RU" sz="1400" dirty="0" smtClean="0"/>
+              <a:t>Вернуть принудительный труд </a:t>
+            </a:r>
+            <a:r>
+              <a:rPr lang="ru-RU" sz="700" dirty="0" smtClean="0"/>
+              <a:t>(он был типа отменён в 1930х где то.)</a:t>
+            </a:r>
+            <a:endParaRPr lang="ru-RU" sz="100" dirty="0"/>
+          </a:p>
+        </p:txBody>
+      </p:sp>
+      <p:cxnSp>
+        <p:nvCxnSpPr>
+          <p:cNvPr id="199" name="Соединительная линия уступом 198"/>
+          <p:cNvCxnSpPr>
+            <a:stCxn id="279" idx="2"/>
+            <a:endCxn id="184" idx="0"/>
+          </p:cNvCxnSpPr>
+          <p:nvPr/>
+        </p:nvCxnSpPr>
+        <p:spPr>
+          <a:xfrm rot="5400000">
+            <a:off x="22080514" y="1826665"/>
+            <a:ext cx="450519" cy="4843693"/>
+          </a:xfrm>
+          <a:prstGeom prst="bentConnector3">
+            <a:avLst>
+              <a:gd name="adj1" fmla="val 50000"/>
+            </a:avLst>
+          </a:prstGeom>
+          <a:ln w="28575">
+            <a:tailEnd type="arrow"/>
+          </a:ln>
+        </p:spPr>
+        <p:style>
+          <a:lnRef idx="1">
+            <a:schemeClr val="accent1"/>
+          </a:lnRef>
+          <a:fillRef idx="0">
+            <a:schemeClr val="accent1"/>
+          </a:fillRef>
+          <a:effectRef idx="0">
+            <a:schemeClr val="accent1"/>
+          </a:effectRef>
+          <a:fontRef idx="minor">
+            <a:schemeClr val="tx1"/>
+          </a:fontRef>
+        </p:style>
+      </p:cxnSp>
     </p:spTree>
     <p:extLst>
       <p:ext uri="{BB962C8B-B14F-4D97-AF65-F5344CB8AC3E}">

--- a/Наработки/диздоки/Бельгийское Конго/Бельгийское Конго.pptx
+++ b/Наработки/диздоки/Бельгийское Конго/Бельгийское Конго.pptx
@@ -209,7 +209,7 @@
             <a:fld id="{33E3D7F9-E251-484C-A6FF-FA958879DF69}" type="datetimeFigureOut">
               <a:rPr lang="ru-RU" smtClean="0"/>
               <a:pPr/>
-              <a:t>11.11.2021</a:t>
+              <a:t>12.11.2021</a:t>
             </a:fld>
             <a:endParaRPr lang="ru-RU"/>
           </a:p>
@@ -700,7 +700,7 @@
             <a:fld id="{85A5DE44-605B-4D3B-B2B7-94543DF81A36}" type="datetimeFigureOut">
               <a:rPr lang="ru-RU" smtClean="0"/>
               <a:pPr/>
-              <a:t>11.11.2021</a:t>
+              <a:t>12.11.2021</a:t>
             </a:fld>
             <a:endParaRPr lang="ru-RU"/>
           </a:p>
@@ -872,7 +872,7 @@
             <a:fld id="{85A5DE44-605B-4D3B-B2B7-94543DF81A36}" type="datetimeFigureOut">
               <a:rPr lang="ru-RU" smtClean="0"/>
               <a:pPr/>
-              <a:t>11.11.2021</a:t>
+              <a:t>12.11.2021</a:t>
             </a:fld>
             <a:endParaRPr lang="ru-RU"/>
           </a:p>
@@ -1054,7 +1054,7 @@
             <a:fld id="{85A5DE44-605B-4D3B-B2B7-94543DF81A36}" type="datetimeFigureOut">
               <a:rPr lang="ru-RU" smtClean="0"/>
               <a:pPr/>
-              <a:t>11.11.2021</a:t>
+              <a:t>12.11.2021</a:t>
             </a:fld>
             <a:endParaRPr lang="ru-RU"/>
           </a:p>
@@ -1226,7 +1226,7 @@
             <a:fld id="{85A5DE44-605B-4D3B-B2B7-94543DF81A36}" type="datetimeFigureOut">
               <a:rPr lang="ru-RU" smtClean="0"/>
               <a:pPr/>
-              <a:t>11.11.2021</a:t>
+              <a:t>12.11.2021</a:t>
             </a:fld>
             <a:endParaRPr lang="ru-RU"/>
           </a:p>
@@ -1474,7 +1474,7 @@
             <a:fld id="{85A5DE44-605B-4D3B-B2B7-94543DF81A36}" type="datetimeFigureOut">
               <a:rPr lang="ru-RU" smtClean="0"/>
               <a:pPr/>
-              <a:t>11.11.2021</a:t>
+              <a:t>12.11.2021</a:t>
             </a:fld>
             <a:endParaRPr lang="ru-RU"/>
           </a:p>
@@ -1708,7 +1708,7 @@
             <a:fld id="{85A5DE44-605B-4D3B-B2B7-94543DF81A36}" type="datetimeFigureOut">
               <a:rPr lang="ru-RU" smtClean="0"/>
               <a:pPr/>
-              <a:t>11.11.2021</a:t>
+              <a:t>12.11.2021</a:t>
             </a:fld>
             <a:endParaRPr lang="ru-RU"/>
           </a:p>
@@ -2077,7 +2077,7 @@
             <a:fld id="{85A5DE44-605B-4D3B-B2B7-94543DF81A36}" type="datetimeFigureOut">
               <a:rPr lang="ru-RU" smtClean="0"/>
               <a:pPr/>
-              <a:t>11.11.2021</a:t>
+              <a:t>12.11.2021</a:t>
             </a:fld>
             <a:endParaRPr lang="ru-RU"/>
           </a:p>
@@ -2197,7 +2197,7 @@
             <a:fld id="{85A5DE44-605B-4D3B-B2B7-94543DF81A36}" type="datetimeFigureOut">
               <a:rPr lang="ru-RU" smtClean="0"/>
               <a:pPr/>
-              <a:t>11.11.2021</a:t>
+              <a:t>12.11.2021</a:t>
             </a:fld>
             <a:endParaRPr lang="ru-RU"/>
           </a:p>
@@ -2294,7 +2294,7 @@
             <a:fld id="{85A5DE44-605B-4D3B-B2B7-94543DF81A36}" type="datetimeFigureOut">
               <a:rPr lang="ru-RU" smtClean="0"/>
               <a:pPr/>
-              <a:t>11.11.2021</a:t>
+              <a:t>12.11.2021</a:t>
             </a:fld>
             <a:endParaRPr lang="ru-RU"/>
           </a:p>
@@ -2573,7 +2573,7 @@
             <a:fld id="{85A5DE44-605B-4D3B-B2B7-94543DF81A36}" type="datetimeFigureOut">
               <a:rPr lang="ru-RU" smtClean="0"/>
               <a:pPr/>
-              <a:t>11.11.2021</a:t>
+              <a:t>12.11.2021</a:t>
             </a:fld>
             <a:endParaRPr lang="ru-RU"/>
           </a:p>
@@ -2832,7 +2832,7 @@
             <a:fld id="{85A5DE44-605B-4D3B-B2B7-94543DF81A36}" type="datetimeFigureOut">
               <a:rPr lang="ru-RU" smtClean="0"/>
               <a:pPr/>
-              <a:t>11.11.2021</a:t>
+              <a:t>12.11.2021</a:t>
             </a:fld>
             <a:endParaRPr lang="ru-RU"/>
           </a:p>
@@ -3047,7 +3047,7 @@
             <a:fld id="{85A5DE44-605B-4D3B-B2B7-94543DF81A36}" type="datetimeFigureOut">
               <a:rPr lang="ru-RU" smtClean="0"/>
               <a:pPr/>
-              <a:t>11.11.2021</a:t>
+              <a:t>12.11.2021</a:t>
             </a:fld>
             <a:endParaRPr lang="ru-RU"/>
           </a:p>
@@ -8330,14 +8330,10 @@
           <a:p>
             <a:pPr algn="ctr"/>
             <a:r>
-              <a:rPr lang="ru-RU" sz="1400" dirty="0" err="1" smtClean="0"/>
-              <a:t>Ассимиладуш</a:t>
-            </a:r>
-            <a:r>
               <a:rPr lang="ru-RU" sz="1400" dirty="0" smtClean="0"/>
-              <a:t> Конго</a:t>
-            </a:r>
-            <a:endParaRPr lang="ru-RU" sz="500" dirty="0"/>
+              <a:t>Введение нового социального класса</a:t>
+            </a:r>
+            <a:endParaRPr lang="ru-RU" sz="100" dirty="0"/>
           </a:p>
         </p:txBody>
       </p:sp>
@@ -8453,7 +8449,7 @@
             <a:pPr algn="ctr"/>
             <a:r>
               <a:rPr lang="ru-RU" sz="1400" dirty="0" smtClean="0"/>
-              <a:t>Освободить тюрьмы</a:t>
+              <a:t>Амнистия заключённых</a:t>
             </a:r>
             <a:endParaRPr lang="ru-RU" sz="500" dirty="0"/>
           </a:p>
@@ -8564,23 +8560,7 @@
             </a:r>
             <a:r>
               <a:rPr lang="ru-RU" sz="1200" dirty="0" smtClean="0"/>
-              <a:t> перед миром, </a:t>
-            </a:r>
-            <a:r>
-              <a:rPr lang="ru-RU" sz="1200" dirty="0" smtClean="0"/>
-              <a:t>-</a:t>
-            </a:r>
-            <a:r>
-              <a:rPr lang="ru-RU" sz="1200" dirty="0" smtClean="0"/>
-              <a:t>30</a:t>
-            </a:r>
-            <a:r>
-              <a:rPr lang="ru-RU" sz="1200" dirty="0" smtClean="0"/>
-              <a:t>к </a:t>
-            </a:r>
-            <a:r>
-              <a:rPr lang="ru-RU" sz="1200" dirty="0" smtClean="0"/>
-              <a:t>населения)</a:t>
+              <a:t> перед миром, +30к населения рабов)</a:t>
             </a:r>
             <a:endParaRPr lang="ru-RU" sz="400" dirty="0"/>
           </a:p>
@@ -8692,7 +8672,7 @@
         </p:nvSpPr>
         <p:spPr>
           <a:xfrm>
-            <a:off x="32901643" y="9105524"/>
+            <a:off x="28294203" y="12129072"/>
             <a:ext cx="2115918" cy="1080000"/>
           </a:xfrm>
           <a:prstGeom prst="rect">
@@ -8767,15 +8747,7 @@
             <a:pPr algn="ctr"/>
             <a:r>
               <a:rPr lang="ru-RU" sz="1400" dirty="0" smtClean="0"/>
-              <a:t>Ультиматум правительству </a:t>
-            </a:r>
-            <a:r>
-              <a:rPr lang="ru-RU" sz="1400" dirty="0" err="1" smtClean="0"/>
-              <a:t>апартейда</a:t>
-            </a:r>
-            <a:r>
-              <a:rPr lang="ru-RU" sz="1400" dirty="0" smtClean="0"/>
-              <a:t> (</a:t>
+              <a:t>Ультиматум правительству апартеида (</a:t>
             </a:r>
             <a:r>
               <a:rPr lang="en-US" sz="1400" dirty="0"/>
@@ -8924,7 +8896,7 @@
         </p:nvSpPr>
         <p:spPr>
           <a:xfrm>
-            <a:off x="25980469" y="7457523"/>
+            <a:off x="25980469" y="7460492"/>
             <a:ext cx="2115918" cy="1080000"/>
           </a:xfrm>
           <a:prstGeom prst="rect">
@@ -8970,7 +8942,7 @@
         </p:nvSpPr>
         <p:spPr>
           <a:xfrm>
-            <a:off x="26038078" y="9105524"/>
+            <a:off x="25980469" y="9105524"/>
             <a:ext cx="2115918" cy="1080000"/>
           </a:xfrm>
           <a:prstGeom prst="rect">
@@ -9431,7 +9403,7 @@
         </p:nvSpPr>
         <p:spPr>
           <a:xfrm>
-            <a:off x="30597923" y="4483962"/>
+            <a:off x="30613229" y="4473771"/>
             <a:ext cx="2115918" cy="1080000"/>
           </a:xfrm>
           <a:prstGeom prst="rect">
@@ -10617,7 +10589,7 @@
         </p:nvSpPr>
         <p:spPr>
           <a:xfrm>
-            <a:off x="30607937" y="6019300"/>
+            <a:off x="31761146" y="5942324"/>
             <a:ext cx="2115918" cy="1080000"/>
           </a:xfrm>
           <a:prstGeom prst="rect">
@@ -10676,7 +10648,7 @@
         </p:nvSpPr>
         <p:spPr>
           <a:xfrm>
-            <a:off x="35215377" y="7460492"/>
+            <a:off x="37526186" y="7452986"/>
             <a:ext cx="2115918" cy="1080000"/>
           </a:xfrm>
           <a:prstGeom prst="rect">
@@ -10749,9 +10721,9 @@
           <p:nvPr/>
         </p:nvCxnSpPr>
         <p:spPr>
-          <a:xfrm flipH="1" flipV="1">
-            <a:off x="32713841" y="7997523"/>
-            <a:ext cx="2501536" cy="2969"/>
+          <a:xfrm flipH="1">
+            <a:off x="32713841" y="7992986"/>
+            <a:ext cx="4812345" cy="4537"/>
           </a:xfrm>
           <a:prstGeom prst="line">
             <a:avLst/>
@@ -10865,7 +10837,6 @@
               <a:rPr lang="ru-RU" sz="500" dirty="0"/>
               <a:t> ( центральный банк Конго ) был доволен вступлением в зону фунта стерлингов, которая гарантировала экспортный рынок для территории, им категорически не понравились фиксированные цены, заключенные в соглашении, которые были выгодны Соединенному Королевству, и обеспокоены тем, что только торговля с фунтом стерлингов может негативно повлиять на валютные резервы Конго</a:t>
             </a:r>
-            <a:endParaRPr lang="ru-RU" sz="500" dirty="0"/>
           </a:p>
         </p:txBody>
       </p:sp>
@@ -11152,6 +11123,1077 @@
             <a:avLst>
               <a:gd name="adj1" fmla="val 50000"/>
             </a:avLst>
+          </a:prstGeom>
+          <a:ln w="28575">
+            <a:tailEnd type="arrow"/>
+          </a:ln>
+        </p:spPr>
+        <p:style>
+          <a:lnRef idx="1">
+            <a:schemeClr val="accent1"/>
+          </a:lnRef>
+          <a:fillRef idx="0">
+            <a:schemeClr val="accent1"/>
+          </a:fillRef>
+          <a:effectRef idx="0">
+            <a:schemeClr val="accent1"/>
+          </a:effectRef>
+          <a:fontRef idx="minor">
+            <a:schemeClr val="tx1"/>
+          </a:fontRef>
+        </p:style>
+      </p:cxnSp>
+      <p:sp>
+        <p:nvSpPr>
+          <p:cNvPr id="200" name="Прямоугольник 199"/>
+          <p:cNvSpPr/>
+          <p:nvPr/>
+        </p:nvSpPr>
+        <p:spPr>
+          <a:xfrm>
+            <a:off x="32906650" y="4473770"/>
+            <a:ext cx="2115918" cy="1080000"/>
+          </a:xfrm>
+          <a:prstGeom prst="rect">
+            <a:avLst/>
+          </a:prstGeom>
+          <a:ln w="28575"/>
+        </p:spPr>
+        <p:style>
+          <a:lnRef idx="2">
+            <a:schemeClr val="accent1"/>
+          </a:lnRef>
+          <a:fillRef idx="1">
+            <a:schemeClr val="lt1"/>
+          </a:fillRef>
+          <a:effectRef idx="0">
+            <a:schemeClr val="accent1"/>
+          </a:effectRef>
+          <a:fontRef idx="minor">
+            <a:schemeClr val="dk1"/>
+          </a:fontRef>
+        </p:style>
+        <p:txBody>
+          <a:bodyPr lIns="124733" tIns="62367" rIns="124733" bIns="62367" rtlCol="0" anchor="ctr"/>
+          <a:lstStyle/>
+          <a:p>
+            <a:pPr algn="ctr"/>
+            <a:r>
+              <a:rPr lang="ru-RU" sz="1400" dirty="0"/>
+              <a:t>Предоставить права </a:t>
+            </a:r>
+            <a:r>
+              <a:rPr lang="ru-RU" sz="1400" dirty="0" smtClean="0"/>
+              <a:t>«развитым» </a:t>
+            </a:r>
+            <a:r>
+              <a:rPr lang="ru-RU" sz="1400" dirty="0"/>
+              <a:t>конголезцам</a:t>
+            </a:r>
+            <a:endParaRPr lang="ru-RU" sz="500" dirty="0"/>
+          </a:p>
+        </p:txBody>
+      </p:sp>
+      <p:sp>
+        <p:nvSpPr>
+          <p:cNvPr id="201" name="Прямоугольник 200"/>
+          <p:cNvSpPr/>
+          <p:nvPr/>
+        </p:nvSpPr>
+        <p:spPr>
+          <a:xfrm>
+            <a:off x="29447412" y="10617298"/>
+            <a:ext cx="2115918" cy="1080000"/>
+          </a:xfrm>
+          <a:prstGeom prst="rect">
+            <a:avLst/>
+          </a:prstGeom>
+          <a:ln w="28575"/>
+        </p:spPr>
+        <p:style>
+          <a:lnRef idx="2">
+            <a:schemeClr val="accent1"/>
+          </a:lnRef>
+          <a:fillRef idx="1">
+            <a:schemeClr val="lt1"/>
+          </a:fillRef>
+          <a:effectRef idx="0">
+            <a:schemeClr val="accent1"/>
+          </a:effectRef>
+          <a:fontRef idx="minor">
+            <a:schemeClr val="dk1"/>
+          </a:fontRef>
+        </p:style>
+        <p:txBody>
+          <a:bodyPr lIns="124733" tIns="62367" rIns="124733" bIns="62367" rtlCol="0" anchor="ctr"/>
+          <a:lstStyle/>
+          <a:p>
+            <a:pPr algn="ctr"/>
+            <a:r>
+              <a:rPr lang="ru-RU" sz="1400" dirty="0" smtClean="0"/>
+              <a:t>Двенадцать апостолов пророка </a:t>
+            </a:r>
+            <a:r>
+              <a:rPr lang="ru-RU" sz="1400" dirty="0" err="1" smtClean="0"/>
+              <a:t>Кимбангу</a:t>
+            </a:r>
+            <a:r>
+              <a:rPr lang="ru-RU" sz="1400" dirty="0"/>
+              <a:t> </a:t>
+            </a:r>
+            <a:r>
+              <a:rPr lang="ru-RU" sz="600" dirty="0"/>
+              <a:t>(Жена пророка, </a:t>
+            </a:r>
+            <a:r>
+              <a:rPr lang="ru-RU" sz="600" dirty="0" err="1"/>
+              <a:t>Кимбангу</a:t>
+            </a:r>
+            <a:r>
+              <a:rPr lang="ru-RU" sz="600" dirty="0"/>
+              <a:t> Мари </a:t>
+            </a:r>
+            <a:r>
+              <a:rPr lang="ru-RU" sz="600" dirty="0" err="1"/>
+              <a:t>Мвилу</a:t>
+            </a:r>
+            <a:r>
+              <a:rPr lang="ru-RU" sz="600" dirty="0"/>
+              <a:t>, посвятила первых пасторов-</a:t>
+            </a:r>
+            <a:r>
+              <a:rPr lang="ru-RU" sz="600" dirty="0" err="1"/>
+              <a:t>кимбангуистов</a:t>
+            </a:r>
+            <a:r>
+              <a:rPr lang="ru-RU" sz="600" dirty="0"/>
+              <a:t> в 1955 </a:t>
+            </a:r>
+            <a:r>
+              <a:rPr lang="ru-RU" sz="600" dirty="0" smtClean="0"/>
+              <a:t>году ну и + слухи что у него были 12 апостолов)</a:t>
+            </a:r>
+            <a:endParaRPr lang="ru-RU" sz="100" dirty="0"/>
+          </a:p>
+        </p:txBody>
+      </p:sp>
+      <p:sp>
+        <p:nvSpPr>
+          <p:cNvPr id="206" name="Прямоугольник 205"/>
+          <p:cNvSpPr/>
+          <p:nvPr/>
+        </p:nvSpPr>
+        <p:spPr>
+          <a:xfrm>
+            <a:off x="31761146" y="10617298"/>
+            <a:ext cx="2115918" cy="1080000"/>
+          </a:xfrm>
+          <a:prstGeom prst="rect">
+            <a:avLst/>
+          </a:prstGeom>
+          <a:ln w="28575"/>
+        </p:spPr>
+        <p:style>
+          <a:lnRef idx="2">
+            <a:schemeClr val="accent1"/>
+          </a:lnRef>
+          <a:fillRef idx="1">
+            <a:schemeClr val="lt1"/>
+          </a:fillRef>
+          <a:effectRef idx="0">
+            <a:schemeClr val="accent1"/>
+          </a:effectRef>
+          <a:fontRef idx="minor">
+            <a:schemeClr val="dk1"/>
+          </a:fontRef>
+        </p:style>
+        <p:txBody>
+          <a:bodyPr lIns="124733" tIns="62367" rIns="124733" bIns="62367" rtlCol="0" anchor="ctr"/>
+          <a:lstStyle/>
+          <a:p>
+            <a:pPr algn="ctr"/>
+            <a:r>
+              <a:rPr lang="ru-RU" sz="1400" dirty="0" smtClean="0"/>
+              <a:t>Строительство </a:t>
+            </a:r>
+            <a:r>
+              <a:rPr lang="ru-RU" sz="1400" dirty="0"/>
+              <a:t>святого храма </a:t>
+            </a:r>
+            <a:r>
+              <a:rPr lang="ru-RU" sz="500" dirty="0"/>
+              <a:t>(С 1921 года , согласно откровению </a:t>
+            </a:r>
+            <a:r>
+              <a:rPr lang="ru-RU" sz="500" dirty="0" err="1"/>
+              <a:t>Саймона</a:t>
+            </a:r>
+            <a:r>
+              <a:rPr lang="ru-RU" sz="500" dirty="0"/>
+              <a:t> </a:t>
+            </a:r>
+            <a:r>
+              <a:rPr lang="ru-RU" sz="500" dirty="0" err="1"/>
+              <a:t>Кимбангу</a:t>
+            </a:r>
+            <a:r>
+              <a:rPr lang="ru-RU" sz="500" dirty="0"/>
+              <a:t>, </a:t>
+            </a:r>
+            <a:r>
+              <a:rPr lang="en-US" sz="500" dirty="0" err="1"/>
+              <a:t>Nkamba</a:t>
+            </a:r>
+            <a:r>
+              <a:rPr lang="ru-RU" sz="500" dirty="0" smtClean="0"/>
+              <a:t> </a:t>
+            </a:r>
+            <a:r>
+              <a:rPr lang="ru-RU" sz="500" dirty="0"/>
+              <a:t>считается Новым Иерусалимом . Сегодня большой храм 100 м в длину и 50 м в ширину на 37 000 мест находится в </a:t>
+            </a:r>
+            <a:r>
+              <a:rPr lang="ru-RU" sz="500" dirty="0" err="1"/>
+              <a:t>Мбанза</a:t>
+            </a:r>
+            <a:r>
+              <a:rPr lang="ru-RU" sz="500" dirty="0"/>
+              <a:t> </a:t>
+            </a:r>
+            <a:r>
+              <a:rPr lang="ru-RU" sz="500" dirty="0" err="1"/>
+              <a:t>Нкамба</a:t>
+            </a:r>
+            <a:r>
+              <a:rPr lang="ru-RU" sz="500" dirty="0"/>
+              <a:t>, единственном святом месте </a:t>
+            </a:r>
+            <a:r>
+              <a:rPr lang="ru-RU" sz="500" dirty="0" err="1"/>
+              <a:t>кимбангизма</a:t>
+            </a:r>
+            <a:r>
+              <a:rPr lang="ru-RU" sz="500" dirty="0"/>
+              <a:t>.)</a:t>
+            </a:r>
+            <a:endParaRPr lang="ru-RU" sz="100" dirty="0"/>
+          </a:p>
+        </p:txBody>
+      </p:sp>
+      <p:sp>
+        <p:nvSpPr>
+          <p:cNvPr id="209" name="Прямоугольник 208"/>
+          <p:cNvSpPr/>
+          <p:nvPr/>
+        </p:nvSpPr>
+        <p:spPr>
+          <a:xfrm>
+            <a:off x="32906650" y="9105524"/>
+            <a:ext cx="2115918" cy="1080000"/>
+          </a:xfrm>
+          <a:prstGeom prst="rect">
+            <a:avLst/>
+          </a:prstGeom>
+          <a:ln w="28575"/>
+        </p:spPr>
+        <p:style>
+          <a:lnRef idx="2">
+            <a:schemeClr val="accent1"/>
+          </a:lnRef>
+          <a:fillRef idx="1">
+            <a:schemeClr val="lt1"/>
+          </a:fillRef>
+          <a:effectRef idx="0">
+            <a:schemeClr val="accent1"/>
+          </a:effectRef>
+          <a:fontRef idx="minor">
+            <a:schemeClr val="dk1"/>
+          </a:fontRef>
+        </p:style>
+        <p:txBody>
+          <a:bodyPr lIns="124733" tIns="62367" rIns="124733" bIns="62367" rtlCol="0" anchor="ctr"/>
+          <a:lstStyle/>
+          <a:p>
+            <a:pPr algn="ctr"/>
+            <a:r>
+              <a:rPr lang="ru-RU" sz="1400" dirty="0" smtClean="0"/>
+              <a:t>Запрет алкоголя </a:t>
+            </a:r>
+            <a:r>
+              <a:rPr lang="ru-RU" sz="1400" dirty="0"/>
+              <a:t>и дурманов </a:t>
+            </a:r>
+            <a:r>
+              <a:rPr lang="ru-RU" sz="600" dirty="0"/>
+              <a:t>(Он запрещает алкогольные напитки, танцы, наркотики, употребление табака, полигамию, прелюбодеяние, блуд, употребление свинины и мяса обезьяны, ношение брюк с заниженной талией для мужчин и мини-юбки или даже декольте для женщин.)</a:t>
+            </a:r>
+            <a:endParaRPr lang="ru-RU" sz="100" dirty="0"/>
+          </a:p>
+        </p:txBody>
+      </p:sp>
+      <p:cxnSp>
+        <p:nvCxnSpPr>
+          <p:cNvPr id="212" name="Соединительная линия уступом 211"/>
+          <p:cNvCxnSpPr>
+            <a:stCxn id="117" idx="2"/>
+            <a:endCxn id="120" idx="0"/>
+          </p:cNvCxnSpPr>
+          <p:nvPr/>
+        </p:nvCxnSpPr>
+        <p:spPr>
+          <a:xfrm rot="16200000" flipH="1">
+            <a:off x="29171796" y="4973437"/>
+            <a:ext cx="350718" cy="4617454"/>
+          </a:xfrm>
+          <a:prstGeom prst="bentConnector3">
+            <a:avLst>
+              <a:gd name="adj1" fmla="val 50000"/>
+            </a:avLst>
+          </a:prstGeom>
+          <a:ln w="28575">
+            <a:tailEnd type="arrow"/>
+          </a:ln>
+        </p:spPr>
+        <p:style>
+          <a:lnRef idx="1">
+            <a:schemeClr val="accent1"/>
+          </a:lnRef>
+          <a:fillRef idx="0">
+            <a:schemeClr val="accent1"/>
+          </a:fillRef>
+          <a:effectRef idx="0">
+            <a:schemeClr val="accent1"/>
+          </a:effectRef>
+          <a:fontRef idx="minor">
+            <a:schemeClr val="tx1"/>
+          </a:fontRef>
+        </p:style>
+      </p:cxnSp>
+      <p:cxnSp>
+        <p:nvCxnSpPr>
+          <p:cNvPr id="216" name="Соединительная линия уступом 215"/>
+          <p:cNvCxnSpPr>
+            <a:stCxn id="118" idx="2"/>
+            <a:endCxn id="120" idx="0"/>
+          </p:cNvCxnSpPr>
+          <p:nvPr/>
+        </p:nvCxnSpPr>
+        <p:spPr>
+          <a:xfrm rot="16200000" flipH="1">
+            <a:off x="30324911" y="6126551"/>
+            <a:ext cx="358223" cy="2303720"/>
+          </a:xfrm>
+          <a:prstGeom prst="bentConnector3">
+            <a:avLst>
+              <a:gd name="adj1" fmla="val 50000"/>
+            </a:avLst>
+          </a:prstGeom>
+          <a:ln w="28575">
+            <a:tailEnd type="arrow"/>
+          </a:ln>
+        </p:spPr>
+        <p:style>
+          <a:lnRef idx="1">
+            <a:schemeClr val="accent1"/>
+          </a:lnRef>
+          <a:fillRef idx="0">
+            <a:schemeClr val="accent1"/>
+          </a:fillRef>
+          <a:effectRef idx="0">
+            <a:schemeClr val="accent1"/>
+          </a:effectRef>
+          <a:fontRef idx="minor">
+            <a:schemeClr val="tx1"/>
+          </a:fontRef>
+        </p:style>
+      </p:cxnSp>
+      <p:cxnSp>
+        <p:nvCxnSpPr>
+          <p:cNvPr id="219" name="Соединительная линия уступом 218"/>
+          <p:cNvCxnSpPr>
+            <a:stCxn id="115" idx="2"/>
+            <a:endCxn id="169" idx="0"/>
+          </p:cNvCxnSpPr>
+          <p:nvPr/>
+        </p:nvCxnSpPr>
+        <p:spPr>
+          <a:xfrm rot="16200000" flipH="1">
+            <a:off x="30286416" y="3088998"/>
+            <a:ext cx="450519" cy="2319026"/>
+          </a:xfrm>
+          <a:prstGeom prst="bentConnector3">
+            <a:avLst>
+              <a:gd name="adj1" fmla="val 50000"/>
+            </a:avLst>
+          </a:prstGeom>
+          <a:ln w="28575">
+            <a:tailEnd type="arrow"/>
+          </a:ln>
+        </p:spPr>
+        <p:style>
+          <a:lnRef idx="1">
+            <a:schemeClr val="accent1"/>
+          </a:lnRef>
+          <a:fillRef idx="0">
+            <a:schemeClr val="accent1"/>
+          </a:fillRef>
+          <a:effectRef idx="0">
+            <a:schemeClr val="accent1"/>
+          </a:effectRef>
+          <a:fontRef idx="minor">
+            <a:schemeClr val="tx1"/>
+          </a:fontRef>
+        </p:style>
+      </p:cxnSp>
+      <p:cxnSp>
+        <p:nvCxnSpPr>
+          <p:cNvPr id="223" name="Соединительная линия уступом 222"/>
+          <p:cNvCxnSpPr>
+            <a:stCxn id="115" idx="2"/>
+            <a:endCxn id="200" idx="0"/>
+          </p:cNvCxnSpPr>
+          <p:nvPr/>
+        </p:nvCxnSpPr>
+        <p:spPr>
+          <a:xfrm rot="16200000" flipH="1">
+            <a:off x="31433126" y="1942287"/>
+            <a:ext cx="450518" cy="4612447"/>
+          </a:xfrm>
+          <a:prstGeom prst="bentConnector3">
+            <a:avLst>
+              <a:gd name="adj1" fmla="val 50000"/>
+            </a:avLst>
+          </a:prstGeom>
+          <a:ln w="28575">
+            <a:tailEnd type="arrow"/>
+          </a:ln>
+        </p:spPr>
+        <p:style>
+          <a:lnRef idx="1">
+            <a:schemeClr val="accent1"/>
+          </a:lnRef>
+          <a:fillRef idx="0">
+            <a:schemeClr val="accent1"/>
+          </a:fillRef>
+          <a:effectRef idx="0">
+            <a:schemeClr val="accent1"/>
+          </a:effectRef>
+          <a:fontRef idx="minor">
+            <a:schemeClr val="tx1"/>
+          </a:fontRef>
+        </p:style>
+      </p:cxnSp>
+      <p:cxnSp>
+        <p:nvCxnSpPr>
+          <p:cNvPr id="224" name="Соединительная линия уступом 223"/>
+          <p:cNvCxnSpPr>
+            <a:stCxn id="169" idx="2"/>
+            <a:endCxn id="163" idx="0"/>
+          </p:cNvCxnSpPr>
+          <p:nvPr/>
+        </p:nvCxnSpPr>
+        <p:spPr>
+          <a:xfrm rot="16200000" flipH="1">
+            <a:off x="32050870" y="5174088"/>
+            <a:ext cx="388553" cy="1147917"/>
+          </a:xfrm>
+          <a:prstGeom prst="bentConnector3">
+            <a:avLst>
+              <a:gd name="adj1" fmla="val 50000"/>
+            </a:avLst>
+          </a:prstGeom>
+          <a:ln w="28575">
+            <a:tailEnd type="arrow"/>
+          </a:ln>
+        </p:spPr>
+        <p:style>
+          <a:lnRef idx="1">
+            <a:schemeClr val="accent1"/>
+          </a:lnRef>
+          <a:fillRef idx="0">
+            <a:schemeClr val="accent1"/>
+          </a:fillRef>
+          <a:effectRef idx="0">
+            <a:schemeClr val="accent1"/>
+          </a:effectRef>
+          <a:fontRef idx="minor">
+            <a:schemeClr val="tx1"/>
+          </a:fontRef>
+        </p:style>
+      </p:cxnSp>
+      <p:cxnSp>
+        <p:nvCxnSpPr>
+          <p:cNvPr id="225" name="Соединительная линия уступом 224"/>
+          <p:cNvCxnSpPr>
+            <a:stCxn id="200" idx="2"/>
+            <a:endCxn id="163" idx="0"/>
+          </p:cNvCxnSpPr>
+          <p:nvPr/>
+        </p:nvCxnSpPr>
+        <p:spPr>
+          <a:xfrm rot="5400000">
+            <a:off x="33197580" y="5175295"/>
+            <a:ext cx="388554" cy="1145504"/>
+          </a:xfrm>
+          <a:prstGeom prst="bentConnector3">
+            <a:avLst>
+              <a:gd name="adj1" fmla="val 50000"/>
+            </a:avLst>
+          </a:prstGeom>
+          <a:ln w="28575">
+            <a:tailEnd type="arrow"/>
+          </a:ln>
+        </p:spPr>
+        <p:style>
+          <a:lnRef idx="1">
+            <a:schemeClr val="accent1"/>
+          </a:lnRef>
+          <a:fillRef idx="0">
+            <a:schemeClr val="accent1"/>
+          </a:fillRef>
+          <a:effectRef idx="0">
+            <a:schemeClr val="accent1"/>
+          </a:effectRef>
+          <a:fontRef idx="minor">
+            <a:schemeClr val="tx1"/>
+          </a:fontRef>
+        </p:style>
+      </p:cxnSp>
+      <p:cxnSp>
+        <p:nvCxnSpPr>
+          <p:cNvPr id="229" name="Соединительная линия уступом 228"/>
+          <p:cNvCxnSpPr>
+            <a:stCxn id="163" idx="2"/>
+            <a:endCxn id="164" idx="0"/>
+          </p:cNvCxnSpPr>
+          <p:nvPr/>
+        </p:nvCxnSpPr>
+        <p:spPr>
+          <a:xfrm rot="16200000" flipH="1">
+            <a:off x="35486294" y="4355135"/>
+            <a:ext cx="430662" cy="5765040"/>
+          </a:xfrm>
+          <a:prstGeom prst="bentConnector3">
+            <a:avLst>
+              <a:gd name="adj1" fmla="val 50000"/>
+            </a:avLst>
+          </a:prstGeom>
+          <a:ln w="28575">
+            <a:tailEnd type="arrow"/>
+          </a:ln>
+        </p:spPr>
+        <p:style>
+          <a:lnRef idx="1">
+            <a:schemeClr val="accent1"/>
+          </a:lnRef>
+          <a:fillRef idx="0">
+            <a:schemeClr val="accent1"/>
+          </a:fillRef>
+          <a:effectRef idx="0">
+            <a:schemeClr val="accent1"/>
+          </a:effectRef>
+          <a:fontRef idx="minor">
+            <a:schemeClr val="tx1"/>
+          </a:fontRef>
+        </p:style>
+      </p:cxnSp>
+      <p:cxnSp>
+        <p:nvCxnSpPr>
+          <p:cNvPr id="231" name="Соединительная линия уступом 230"/>
+          <p:cNvCxnSpPr>
+            <a:stCxn id="120" idx="2"/>
+            <a:endCxn id="209" idx="0"/>
+          </p:cNvCxnSpPr>
+          <p:nvPr/>
+        </p:nvCxnSpPr>
+        <p:spPr>
+          <a:xfrm rot="16200000" flipH="1">
+            <a:off x="32526245" y="7667159"/>
+            <a:ext cx="568001" cy="2308727"/>
+          </a:xfrm>
+          <a:prstGeom prst="bentConnector3">
+            <a:avLst>
+              <a:gd name="adj1" fmla="val 50000"/>
+            </a:avLst>
+          </a:prstGeom>
+          <a:ln w="28575">
+            <a:tailEnd type="arrow"/>
+          </a:ln>
+        </p:spPr>
+        <p:style>
+          <a:lnRef idx="1">
+            <a:schemeClr val="accent1"/>
+          </a:lnRef>
+          <a:fillRef idx="0">
+            <a:schemeClr val="accent1"/>
+          </a:fillRef>
+          <a:effectRef idx="0">
+            <a:schemeClr val="accent1"/>
+          </a:effectRef>
+          <a:fontRef idx="minor">
+            <a:schemeClr val="tx1"/>
+          </a:fontRef>
+        </p:style>
+      </p:cxnSp>
+      <p:cxnSp>
+        <p:nvCxnSpPr>
+          <p:cNvPr id="232" name="Соединительная линия уступом 231"/>
+          <p:cNvCxnSpPr>
+            <a:stCxn id="120" idx="2"/>
+            <a:endCxn id="123" idx="0"/>
+          </p:cNvCxnSpPr>
+          <p:nvPr/>
+        </p:nvCxnSpPr>
+        <p:spPr>
+          <a:xfrm rot="5400000">
+            <a:off x="30220022" y="7669663"/>
+            <a:ext cx="568001" cy="2303720"/>
+          </a:xfrm>
+          <a:prstGeom prst="bentConnector3">
+            <a:avLst>
+              <a:gd name="adj1" fmla="val 50000"/>
+            </a:avLst>
+          </a:prstGeom>
+          <a:ln w="28575">
+            <a:tailEnd type="arrow"/>
+          </a:ln>
+        </p:spPr>
+        <p:style>
+          <a:lnRef idx="1">
+            <a:schemeClr val="accent1"/>
+          </a:lnRef>
+          <a:fillRef idx="0">
+            <a:schemeClr val="accent1"/>
+          </a:fillRef>
+          <a:effectRef idx="0">
+            <a:schemeClr val="accent1"/>
+          </a:effectRef>
+          <a:fontRef idx="minor">
+            <a:schemeClr val="tx1"/>
+          </a:fontRef>
+        </p:style>
+      </p:cxnSp>
+      <p:cxnSp>
+        <p:nvCxnSpPr>
+          <p:cNvPr id="235" name="Соединительная линия уступом 234"/>
+          <p:cNvCxnSpPr>
+            <a:stCxn id="121" idx="2"/>
+            <a:endCxn id="201" idx="0"/>
+          </p:cNvCxnSpPr>
+          <p:nvPr/>
+        </p:nvCxnSpPr>
+        <p:spPr>
+          <a:xfrm rot="5400000">
+            <a:off x="30864740" y="9826156"/>
+            <a:ext cx="431774" cy="1150511"/>
+          </a:xfrm>
+          <a:prstGeom prst="bentConnector3">
+            <a:avLst>
+              <a:gd name="adj1" fmla="val 50000"/>
+            </a:avLst>
+          </a:prstGeom>
+          <a:ln w="28575">
+            <a:tailEnd type="arrow"/>
+          </a:ln>
+        </p:spPr>
+        <p:style>
+          <a:lnRef idx="1">
+            <a:schemeClr val="accent1"/>
+          </a:lnRef>
+          <a:fillRef idx="0">
+            <a:schemeClr val="accent1"/>
+          </a:fillRef>
+          <a:effectRef idx="0">
+            <a:schemeClr val="accent1"/>
+          </a:effectRef>
+          <a:fontRef idx="minor">
+            <a:schemeClr val="tx1"/>
+          </a:fontRef>
+        </p:style>
+      </p:cxnSp>
+      <p:cxnSp>
+        <p:nvCxnSpPr>
+          <p:cNvPr id="236" name="Соединительная линия уступом 235"/>
+          <p:cNvCxnSpPr>
+            <a:stCxn id="121" idx="2"/>
+            <a:endCxn id="206" idx="0"/>
+          </p:cNvCxnSpPr>
+          <p:nvPr/>
+        </p:nvCxnSpPr>
+        <p:spPr>
+          <a:xfrm rot="16200000" flipH="1">
+            <a:off x="32021606" y="9819799"/>
+            <a:ext cx="431774" cy="1163223"/>
+          </a:xfrm>
+          <a:prstGeom prst="bentConnector3">
+            <a:avLst>
+              <a:gd name="adj1" fmla="val 50000"/>
+            </a:avLst>
+          </a:prstGeom>
+          <a:ln w="28575">
+            <a:tailEnd type="arrow"/>
+          </a:ln>
+        </p:spPr>
+        <p:style>
+          <a:lnRef idx="1">
+            <a:schemeClr val="accent1"/>
+          </a:lnRef>
+          <a:fillRef idx="0">
+            <a:schemeClr val="accent1"/>
+          </a:fillRef>
+          <a:effectRef idx="0">
+            <a:schemeClr val="accent1"/>
+          </a:effectRef>
+          <a:fontRef idx="minor">
+            <a:schemeClr val="tx1"/>
+          </a:fontRef>
+        </p:style>
+      </p:cxnSp>
+      <p:cxnSp>
+        <p:nvCxnSpPr>
+          <p:cNvPr id="237" name="Прямая со стрелкой 236"/>
+          <p:cNvCxnSpPr>
+            <a:stCxn id="123" idx="2"/>
+            <a:endCxn id="124" idx="0"/>
+          </p:cNvCxnSpPr>
+          <p:nvPr/>
+        </p:nvCxnSpPr>
+        <p:spPr>
+          <a:xfrm>
+            <a:off x="29352162" y="10185524"/>
+            <a:ext cx="0" cy="1943548"/>
+          </a:xfrm>
+          <a:prstGeom prst="straightConnector1">
+            <a:avLst/>
+          </a:prstGeom>
+          <a:ln w="28575">
+            <a:tailEnd type="arrow"/>
+          </a:ln>
+        </p:spPr>
+        <p:style>
+          <a:lnRef idx="1">
+            <a:schemeClr val="accent1"/>
+          </a:lnRef>
+          <a:fillRef idx="0">
+            <a:schemeClr val="accent1"/>
+          </a:fillRef>
+          <a:effectRef idx="0">
+            <a:schemeClr val="accent1"/>
+          </a:effectRef>
+          <a:fontRef idx="minor">
+            <a:schemeClr val="tx1"/>
+          </a:fontRef>
+        </p:style>
+      </p:cxnSp>
+      <p:cxnSp>
+        <p:nvCxnSpPr>
+          <p:cNvPr id="240" name="Прямая со стрелкой 239"/>
+          <p:cNvCxnSpPr>
+            <a:stCxn id="120" idx="2"/>
+            <a:endCxn id="121" idx="0"/>
+          </p:cNvCxnSpPr>
+          <p:nvPr/>
+        </p:nvCxnSpPr>
+        <p:spPr>
+          <a:xfrm>
+            <a:off x="31655882" y="8537523"/>
+            <a:ext cx="0" cy="568001"/>
+          </a:xfrm>
+          <a:prstGeom prst="straightConnector1">
+            <a:avLst/>
+          </a:prstGeom>
+          <a:ln w="28575">
+            <a:tailEnd type="arrow"/>
+          </a:ln>
+        </p:spPr>
+        <p:style>
+          <a:lnRef idx="1">
+            <a:schemeClr val="accent1"/>
+          </a:lnRef>
+          <a:fillRef idx="0">
+            <a:schemeClr val="accent1"/>
+          </a:fillRef>
+          <a:effectRef idx="0">
+            <a:schemeClr val="accent1"/>
+          </a:effectRef>
+          <a:fontRef idx="minor">
+            <a:schemeClr val="tx1"/>
+          </a:fontRef>
+        </p:style>
+      </p:cxnSp>
+      <p:sp>
+        <p:nvSpPr>
+          <p:cNvPr id="242" name="Прямоугольник 241"/>
+          <p:cNvSpPr/>
+          <p:nvPr/>
+        </p:nvSpPr>
+        <p:spPr>
+          <a:xfrm>
+            <a:off x="35210370" y="9109209"/>
+            <a:ext cx="2115918" cy="1080000"/>
+          </a:xfrm>
+          <a:prstGeom prst="rect">
+            <a:avLst/>
+          </a:prstGeom>
+          <a:solidFill>
+            <a:schemeClr val="bg1">
+              <a:lumMod val="65000"/>
+            </a:schemeClr>
+          </a:solidFill>
+          <a:ln w="28575"/>
+        </p:spPr>
+        <p:style>
+          <a:lnRef idx="2">
+            <a:schemeClr val="accent1"/>
+          </a:lnRef>
+          <a:fillRef idx="1">
+            <a:schemeClr val="lt1"/>
+          </a:fillRef>
+          <a:effectRef idx="0">
+            <a:schemeClr val="accent1"/>
+          </a:effectRef>
+          <a:fontRef idx="minor">
+            <a:schemeClr val="dk1"/>
+          </a:fontRef>
+        </p:style>
+        <p:txBody>
+          <a:bodyPr lIns="124733" tIns="62367" rIns="124733" bIns="62367" rtlCol="0" anchor="ctr"/>
+          <a:lstStyle/>
+          <a:p>
+            <a:pPr algn="ctr"/>
+            <a:r>
+              <a:rPr lang="ru-RU" sz="1400" dirty="0" smtClean="0"/>
+              <a:t>Военная администрация Конго</a:t>
+            </a:r>
+          </a:p>
+        </p:txBody>
+      </p:sp>
+      <p:sp>
+        <p:nvSpPr>
+          <p:cNvPr id="244" name="Прямоугольник 243"/>
+          <p:cNvSpPr/>
+          <p:nvPr/>
+        </p:nvSpPr>
+        <p:spPr>
+          <a:xfrm>
+            <a:off x="39843940" y="9105523"/>
+            <a:ext cx="2115918" cy="1080000"/>
+          </a:xfrm>
+          <a:prstGeom prst="rect">
+            <a:avLst/>
+          </a:prstGeom>
+          <a:solidFill>
+            <a:srgbClr val="7030A0"/>
+          </a:solidFill>
+          <a:ln w="28575"/>
+        </p:spPr>
+        <p:style>
+          <a:lnRef idx="2">
+            <a:schemeClr val="accent1"/>
+          </a:lnRef>
+          <a:fillRef idx="1">
+            <a:schemeClr val="lt1"/>
+          </a:fillRef>
+          <a:effectRef idx="0">
+            <a:schemeClr val="accent1"/>
+          </a:effectRef>
+          <a:fontRef idx="minor">
+            <a:schemeClr val="dk1"/>
+          </a:fontRef>
+        </p:style>
+        <p:txBody>
+          <a:bodyPr lIns="124733" tIns="62367" rIns="124733" bIns="62367" rtlCol="0" anchor="ctr"/>
+          <a:lstStyle/>
+          <a:p>
+            <a:pPr algn="ctr"/>
+            <a:r>
+              <a:rPr lang="ru-RU" sz="1400" dirty="0" smtClean="0"/>
+              <a:t>Пётр </a:t>
+            </a:r>
+            <a:r>
+              <a:rPr lang="en-US" sz="1400" dirty="0" smtClean="0"/>
+              <a:t>VII</a:t>
+            </a:r>
+            <a:r>
+              <a:rPr lang="ru-RU" sz="1400" dirty="0" smtClean="0"/>
+              <a:t> (</a:t>
+            </a:r>
+            <a:r>
+              <a:rPr lang="pt-BR" sz="1400" dirty="0"/>
+              <a:t>Pierre VIII du Kongo</a:t>
+            </a:r>
+            <a:r>
+              <a:rPr lang="ru-RU" sz="1400" dirty="0" smtClean="0"/>
+              <a:t>)</a:t>
+            </a:r>
+          </a:p>
+        </p:txBody>
+      </p:sp>
+      <p:cxnSp>
+        <p:nvCxnSpPr>
+          <p:cNvPr id="246" name="Прямая соединительная линия 245"/>
+          <p:cNvCxnSpPr>
+            <a:endCxn id="242" idx="3"/>
+          </p:cNvCxnSpPr>
+          <p:nvPr/>
+        </p:nvCxnSpPr>
+        <p:spPr>
+          <a:xfrm flipH="1">
+            <a:off x="37326288" y="9645524"/>
+            <a:ext cx="200867" cy="3685"/>
+          </a:xfrm>
+          <a:prstGeom prst="line">
+            <a:avLst/>
+          </a:prstGeom>
+          <a:ln w="28575">
+            <a:solidFill>
+              <a:srgbClr val="FF0000"/>
+            </a:solidFill>
+          </a:ln>
+        </p:spPr>
+        <p:style>
+          <a:lnRef idx="1">
+            <a:schemeClr val="accent1"/>
+          </a:lnRef>
+          <a:fillRef idx="0">
+            <a:schemeClr val="accent1"/>
+          </a:fillRef>
+          <a:effectRef idx="0">
+            <a:schemeClr val="accent1"/>
+          </a:effectRef>
+          <a:fontRef idx="minor">
+            <a:schemeClr val="tx1"/>
+          </a:fontRef>
+        </p:style>
+      </p:cxnSp>
+      <p:cxnSp>
+        <p:nvCxnSpPr>
+          <p:cNvPr id="247" name="Прямая соединительная линия 246"/>
+          <p:cNvCxnSpPr>
+            <a:stCxn id="244" idx="1"/>
+          </p:cNvCxnSpPr>
+          <p:nvPr/>
+        </p:nvCxnSpPr>
+        <p:spPr>
+          <a:xfrm flipH="1">
+            <a:off x="39643073" y="9645523"/>
+            <a:ext cx="200867" cy="1"/>
+          </a:xfrm>
+          <a:prstGeom prst="line">
+            <a:avLst/>
+          </a:prstGeom>
+          <a:ln w="28575">
+            <a:solidFill>
+              <a:srgbClr val="FF0000"/>
+            </a:solidFill>
+          </a:ln>
+        </p:spPr>
+        <p:style>
+          <a:lnRef idx="1">
+            <a:schemeClr val="accent1"/>
+          </a:lnRef>
+          <a:fillRef idx="0">
+            <a:schemeClr val="accent1"/>
+          </a:fillRef>
+          <a:effectRef idx="0">
+            <a:schemeClr val="accent1"/>
+          </a:effectRef>
+          <a:fontRef idx="minor">
+            <a:schemeClr val="tx1"/>
+          </a:fontRef>
+        </p:style>
+      </p:cxnSp>
+      <p:cxnSp>
+        <p:nvCxnSpPr>
+          <p:cNvPr id="257" name="Соединительная линия уступом 256"/>
+          <p:cNvCxnSpPr>
+            <a:stCxn id="164" idx="2"/>
+            <a:endCxn id="242" idx="0"/>
+          </p:cNvCxnSpPr>
+          <p:nvPr/>
+        </p:nvCxnSpPr>
+        <p:spPr>
+          <a:xfrm rot="5400000">
+            <a:off x="37138126" y="7663189"/>
+            <a:ext cx="576223" cy="2315816"/>
+          </a:xfrm>
+          <a:prstGeom prst="bentConnector3">
+            <a:avLst>
+              <a:gd name="adj1" fmla="val 50000"/>
+            </a:avLst>
+          </a:prstGeom>
+          <a:ln w="28575">
+            <a:tailEnd type="arrow"/>
+          </a:ln>
+        </p:spPr>
+        <p:style>
+          <a:lnRef idx="1">
+            <a:schemeClr val="accent1"/>
+          </a:lnRef>
+          <a:fillRef idx="0">
+            <a:schemeClr val="accent1"/>
+          </a:fillRef>
+          <a:effectRef idx="0">
+            <a:schemeClr val="accent1"/>
+          </a:effectRef>
+          <a:fontRef idx="minor">
+            <a:schemeClr val="tx1"/>
+          </a:fontRef>
+        </p:style>
+      </p:cxnSp>
+      <p:cxnSp>
+        <p:nvCxnSpPr>
+          <p:cNvPr id="258" name="Соединительная линия уступом 257"/>
+          <p:cNvCxnSpPr>
+            <a:stCxn id="164" idx="2"/>
+            <a:endCxn id="244" idx="0"/>
+          </p:cNvCxnSpPr>
+          <p:nvPr/>
+        </p:nvCxnSpPr>
+        <p:spPr>
+          <a:xfrm rot="16200000" flipH="1">
+            <a:off x="39456754" y="7660377"/>
+            <a:ext cx="572537" cy="2317754"/>
+          </a:xfrm>
+          <a:prstGeom prst="bentConnector3">
+            <a:avLst>
+              <a:gd name="adj1" fmla="val 50000"/>
+            </a:avLst>
+          </a:prstGeom>
+          <a:ln w="28575">
+            <a:tailEnd type="arrow"/>
+          </a:ln>
+        </p:spPr>
+        <p:style>
+          <a:lnRef idx="1">
+            <a:schemeClr val="accent1"/>
+          </a:lnRef>
+          <a:fillRef idx="0">
+            <a:schemeClr val="accent1"/>
+          </a:fillRef>
+          <a:effectRef idx="0">
+            <a:schemeClr val="accent1"/>
+          </a:effectRef>
+          <a:fontRef idx="minor">
+            <a:schemeClr val="tx1"/>
+          </a:fontRef>
+        </p:style>
+      </p:cxnSp>
+      <p:cxnSp>
+        <p:nvCxnSpPr>
+          <p:cNvPr id="267" name="Прямая со стрелкой 266"/>
+          <p:cNvCxnSpPr>
+            <a:stCxn id="164" idx="2"/>
+          </p:cNvCxnSpPr>
+          <p:nvPr/>
+        </p:nvCxnSpPr>
+        <p:spPr>
+          <a:xfrm>
+            <a:off x="38584145" y="8532986"/>
+            <a:ext cx="969" cy="572538"/>
+          </a:xfrm>
+          <a:prstGeom prst="straightConnector1">
+            <a:avLst/>
           </a:prstGeom>
           <a:ln w="28575">
             <a:tailEnd type="arrow"/>

--- a/Наработки/диздоки/Бельгийское Конго/Бельгийское Конго.pptx
+++ b/Наработки/диздоки/Бельгийское Конго/Бельгийское Конго.pptx
@@ -209,7 +209,7 @@
             <a:fld id="{33E3D7F9-E251-484C-A6FF-FA958879DF69}" type="datetimeFigureOut">
               <a:rPr lang="ru-RU" smtClean="0"/>
               <a:pPr/>
-              <a:t>12.11.2021</a:t>
+              <a:t>14.11.2021</a:t>
             </a:fld>
             <a:endParaRPr lang="ru-RU"/>
           </a:p>
@@ -700,7 +700,7 @@
             <a:fld id="{85A5DE44-605B-4D3B-B2B7-94543DF81A36}" type="datetimeFigureOut">
               <a:rPr lang="ru-RU" smtClean="0"/>
               <a:pPr/>
-              <a:t>12.11.2021</a:t>
+              <a:t>14.11.2021</a:t>
             </a:fld>
             <a:endParaRPr lang="ru-RU"/>
           </a:p>
@@ -872,7 +872,7 @@
             <a:fld id="{85A5DE44-605B-4D3B-B2B7-94543DF81A36}" type="datetimeFigureOut">
               <a:rPr lang="ru-RU" smtClean="0"/>
               <a:pPr/>
-              <a:t>12.11.2021</a:t>
+              <a:t>14.11.2021</a:t>
             </a:fld>
             <a:endParaRPr lang="ru-RU"/>
           </a:p>
@@ -1054,7 +1054,7 @@
             <a:fld id="{85A5DE44-605B-4D3B-B2B7-94543DF81A36}" type="datetimeFigureOut">
               <a:rPr lang="ru-RU" smtClean="0"/>
               <a:pPr/>
-              <a:t>12.11.2021</a:t>
+              <a:t>14.11.2021</a:t>
             </a:fld>
             <a:endParaRPr lang="ru-RU"/>
           </a:p>
@@ -1226,7 +1226,7 @@
             <a:fld id="{85A5DE44-605B-4D3B-B2B7-94543DF81A36}" type="datetimeFigureOut">
               <a:rPr lang="ru-RU" smtClean="0"/>
               <a:pPr/>
-              <a:t>12.11.2021</a:t>
+              <a:t>14.11.2021</a:t>
             </a:fld>
             <a:endParaRPr lang="ru-RU"/>
           </a:p>
@@ -1474,7 +1474,7 @@
             <a:fld id="{85A5DE44-605B-4D3B-B2B7-94543DF81A36}" type="datetimeFigureOut">
               <a:rPr lang="ru-RU" smtClean="0"/>
               <a:pPr/>
-              <a:t>12.11.2021</a:t>
+              <a:t>14.11.2021</a:t>
             </a:fld>
             <a:endParaRPr lang="ru-RU"/>
           </a:p>
@@ -1708,7 +1708,7 @@
             <a:fld id="{85A5DE44-605B-4D3B-B2B7-94543DF81A36}" type="datetimeFigureOut">
               <a:rPr lang="ru-RU" smtClean="0"/>
               <a:pPr/>
-              <a:t>12.11.2021</a:t>
+              <a:t>14.11.2021</a:t>
             </a:fld>
             <a:endParaRPr lang="ru-RU"/>
           </a:p>
@@ -2077,7 +2077,7 @@
             <a:fld id="{85A5DE44-605B-4D3B-B2B7-94543DF81A36}" type="datetimeFigureOut">
               <a:rPr lang="ru-RU" smtClean="0"/>
               <a:pPr/>
-              <a:t>12.11.2021</a:t>
+              <a:t>14.11.2021</a:t>
             </a:fld>
             <a:endParaRPr lang="ru-RU"/>
           </a:p>
@@ -2197,7 +2197,7 @@
             <a:fld id="{85A5DE44-605B-4D3B-B2B7-94543DF81A36}" type="datetimeFigureOut">
               <a:rPr lang="ru-RU" smtClean="0"/>
               <a:pPr/>
-              <a:t>12.11.2021</a:t>
+              <a:t>14.11.2021</a:t>
             </a:fld>
             <a:endParaRPr lang="ru-RU"/>
           </a:p>
@@ -2294,7 +2294,7 @@
             <a:fld id="{85A5DE44-605B-4D3B-B2B7-94543DF81A36}" type="datetimeFigureOut">
               <a:rPr lang="ru-RU" smtClean="0"/>
               <a:pPr/>
-              <a:t>12.11.2021</a:t>
+              <a:t>14.11.2021</a:t>
             </a:fld>
             <a:endParaRPr lang="ru-RU"/>
           </a:p>
@@ -2573,7 +2573,7 @@
             <a:fld id="{85A5DE44-605B-4D3B-B2B7-94543DF81A36}" type="datetimeFigureOut">
               <a:rPr lang="ru-RU" smtClean="0"/>
               <a:pPr/>
-              <a:t>12.11.2021</a:t>
+              <a:t>14.11.2021</a:t>
             </a:fld>
             <a:endParaRPr lang="ru-RU"/>
           </a:p>
@@ -2832,7 +2832,7 @@
             <a:fld id="{85A5DE44-605B-4D3B-B2B7-94543DF81A36}" type="datetimeFigureOut">
               <a:rPr lang="ru-RU" smtClean="0"/>
               <a:pPr/>
-              <a:t>12.11.2021</a:t>
+              <a:t>14.11.2021</a:t>
             </a:fld>
             <a:endParaRPr lang="ru-RU"/>
           </a:p>
@@ -3047,7 +3047,7 @@
             <a:fld id="{85A5DE44-605B-4D3B-B2B7-94543DF81A36}" type="datetimeFigureOut">
               <a:rPr lang="ru-RU" smtClean="0"/>
               <a:pPr/>
-              <a:t>12.11.2021</a:t>
+              <a:t>14.11.2021</a:t>
             </a:fld>
             <a:endParaRPr lang="ru-RU"/>
           </a:p>
@@ -4174,10 +4174,7 @@
               <a:rPr lang="ru-RU" sz="1400" dirty="0" smtClean="0"/>
               <a:t>Увеличить военный налог </a:t>
             </a:r>
-            <a:r>
-              <a:rPr lang="ru-RU" sz="500" dirty="0"/>
-              <a:t>(Беспорядки среди белого населения также усилились, поскольку «военный налог» увеличился на 40%.)</a:t>
-            </a:r>
+            <a:endParaRPr lang="ru-RU" sz="500" dirty="0"/>
           </a:p>
         </p:txBody>
       </p:sp>
@@ -4189,7 +4186,7 @@
         </p:nvSpPr>
         <p:spPr>
           <a:xfrm>
-            <a:off x="13776668" y="2368902"/>
+            <a:off x="20869744" y="3291805"/>
             <a:ext cx="2115918" cy="586438"/>
           </a:xfrm>
           <a:prstGeom prst="rect">
@@ -7858,7 +7855,7 @@
             <a:pPr algn="ctr"/>
             <a:r>
               <a:rPr lang="ru-RU" sz="4800" b="1" dirty="0" smtClean="0"/>
-              <a:t>50</a:t>
+              <a:t>51</a:t>
             </a:r>
             <a:endParaRPr lang="ru-RU" sz="1600" b="1" dirty="0"/>
           </a:p>
@@ -10917,11 +10914,11 @@
             </a:r>
             <a:r>
               <a:rPr lang="ru-RU" sz="1400" dirty="0"/>
-              <a:t>к работам </a:t>
-            </a:r>
-            <a:r>
-              <a:rPr lang="ru-RU" sz="700" dirty="0"/>
-              <a:t>(Требования колониальной администрации больше всего выпали на долю сельских жителей, которых привлекали для строительства дорог и сбора каучука.)</a:t>
+              <a:t>к </a:t>
+            </a:r>
+            <a:r>
+              <a:rPr lang="ru-RU" sz="1400" dirty="0" smtClean="0"/>
+              <a:t>работам</a:t>
             </a:r>
             <a:endParaRPr lang="ru-RU" sz="100" dirty="0"/>
           </a:p>
@@ -11095,11 +11092,11 @@
             <a:pPr algn="ctr"/>
             <a:r>
               <a:rPr lang="ru-RU" sz="1400" dirty="0" smtClean="0"/>
-              <a:t>Вернуть принудительный труд </a:t>
-            </a:r>
-            <a:r>
-              <a:rPr lang="ru-RU" sz="700" dirty="0" smtClean="0"/>
-              <a:t>(он был типа отменён в 1930х где то.)</a:t>
+              <a:t>Вернуть принудительный </a:t>
+            </a:r>
+            <a:r>
+              <a:rPr lang="ru-RU" sz="1400" dirty="0" smtClean="0"/>
+              <a:t>труд</a:t>
             </a:r>
             <a:endParaRPr lang="ru-RU" sz="100" dirty="0"/>
           </a:p>

--- a/Наработки/диздоки/Бельгийское Конго/Бельгийское Конго.pptx
+++ b/Наработки/диздоки/Бельгийское Конго/Бельгийское Конго.pptx
@@ -209,7 +209,7 @@
             <a:fld id="{33E3D7F9-E251-484C-A6FF-FA958879DF69}" type="datetimeFigureOut">
               <a:rPr lang="ru-RU" smtClean="0"/>
               <a:pPr/>
-              <a:t>14.11.2021</a:t>
+              <a:t>15.11.2021</a:t>
             </a:fld>
             <a:endParaRPr lang="ru-RU"/>
           </a:p>
@@ -700,7 +700,7 @@
             <a:fld id="{85A5DE44-605B-4D3B-B2B7-94543DF81A36}" type="datetimeFigureOut">
               <a:rPr lang="ru-RU" smtClean="0"/>
               <a:pPr/>
-              <a:t>14.11.2021</a:t>
+              <a:t>15.11.2021</a:t>
             </a:fld>
             <a:endParaRPr lang="ru-RU"/>
           </a:p>
@@ -872,7 +872,7 @@
             <a:fld id="{85A5DE44-605B-4D3B-B2B7-94543DF81A36}" type="datetimeFigureOut">
               <a:rPr lang="ru-RU" smtClean="0"/>
               <a:pPr/>
-              <a:t>14.11.2021</a:t>
+              <a:t>15.11.2021</a:t>
             </a:fld>
             <a:endParaRPr lang="ru-RU"/>
           </a:p>
@@ -1054,7 +1054,7 @@
             <a:fld id="{85A5DE44-605B-4D3B-B2B7-94543DF81A36}" type="datetimeFigureOut">
               <a:rPr lang="ru-RU" smtClean="0"/>
               <a:pPr/>
-              <a:t>14.11.2021</a:t>
+              <a:t>15.11.2021</a:t>
             </a:fld>
             <a:endParaRPr lang="ru-RU"/>
           </a:p>
@@ -1226,7 +1226,7 @@
             <a:fld id="{85A5DE44-605B-4D3B-B2B7-94543DF81A36}" type="datetimeFigureOut">
               <a:rPr lang="ru-RU" smtClean="0"/>
               <a:pPr/>
-              <a:t>14.11.2021</a:t>
+              <a:t>15.11.2021</a:t>
             </a:fld>
             <a:endParaRPr lang="ru-RU"/>
           </a:p>
@@ -1474,7 +1474,7 @@
             <a:fld id="{85A5DE44-605B-4D3B-B2B7-94543DF81A36}" type="datetimeFigureOut">
               <a:rPr lang="ru-RU" smtClean="0"/>
               <a:pPr/>
-              <a:t>14.11.2021</a:t>
+              <a:t>15.11.2021</a:t>
             </a:fld>
             <a:endParaRPr lang="ru-RU"/>
           </a:p>
@@ -1708,7 +1708,7 @@
             <a:fld id="{85A5DE44-605B-4D3B-B2B7-94543DF81A36}" type="datetimeFigureOut">
               <a:rPr lang="ru-RU" smtClean="0"/>
               <a:pPr/>
-              <a:t>14.11.2021</a:t>
+              <a:t>15.11.2021</a:t>
             </a:fld>
             <a:endParaRPr lang="ru-RU"/>
           </a:p>
@@ -2077,7 +2077,7 @@
             <a:fld id="{85A5DE44-605B-4D3B-B2B7-94543DF81A36}" type="datetimeFigureOut">
               <a:rPr lang="ru-RU" smtClean="0"/>
               <a:pPr/>
-              <a:t>14.11.2021</a:t>
+              <a:t>15.11.2021</a:t>
             </a:fld>
             <a:endParaRPr lang="ru-RU"/>
           </a:p>
@@ -2197,7 +2197,7 @@
             <a:fld id="{85A5DE44-605B-4D3B-B2B7-94543DF81A36}" type="datetimeFigureOut">
               <a:rPr lang="ru-RU" smtClean="0"/>
               <a:pPr/>
-              <a:t>14.11.2021</a:t>
+              <a:t>15.11.2021</a:t>
             </a:fld>
             <a:endParaRPr lang="ru-RU"/>
           </a:p>
@@ -2294,7 +2294,7 @@
             <a:fld id="{85A5DE44-605B-4D3B-B2B7-94543DF81A36}" type="datetimeFigureOut">
               <a:rPr lang="ru-RU" smtClean="0"/>
               <a:pPr/>
-              <a:t>14.11.2021</a:t>
+              <a:t>15.11.2021</a:t>
             </a:fld>
             <a:endParaRPr lang="ru-RU"/>
           </a:p>
@@ -2573,7 +2573,7 @@
             <a:fld id="{85A5DE44-605B-4D3B-B2B7-94543DF81A36}" type="datetimeFigureOut">
               <a:rPr lang="ru-RU" smtClean="0"/>
               <a:pPr/>
-              <a:t>14.11.2021</a:t>
+              <a:t>15.11.2021</a:t>
             </a:fld>
             <a:endParaRPr lang="ru-RU"/>
           </a:p>
@@ -2832,7 +2832,7 @@
             <a:fld id="{85A5DE44-605B-4D3B-B2B7-94543DF81A36}" type="datetimeFigureOut">
               <a:rPr lang="ru-RU" smtClean="0"/>
               <a:pPr/>
-              <a:t>14.11.2021</a:t>
+              <a:t>15.11.2021</a:t>
             </a:fld>
             <a:endParaRPr lang="ru-RU"/>
           </a:p>
@@ -3047,7 +3047,7 @@
             <a:fld id="{85A5DE44-605B-4D3B-B2B7-94543DF81A36}" type="datetimeFigureOut">
               <a:rPr lang="ru-RU" smtClean="0"/>
               <a:pPr/>
-              <a:t>14.11.2021</a:t>
+              <a:t>15.11.2021</a:t>
             </a:fld>
             <a:endParaRPr lang="ru-RU"/>
           </a:p>
@@ -11092,11 +11092,7 @@
             <a:pPr algn="ctr"/>
             <a:r>
               <a:rPr lang="ru-RU" sz="1400" dirty="0" smtClean="0"/>
-              <a:t>Вернуть принудительный </a:t>
-            </a:r>
-            <a:r>
-              <a:rPr lang="ru-RU" sz="1400" dirty="0" smtClean="0"/>
-              <a:t>труд</a:t>
+              <a:t>Вернуть принудительный труд</a:t>
             </a:r>
             <a:endParaRPr lang="ru-RU" sz="100" dirty="0"/>
           </a:p>

--- a/Наработки/диздоки/Бельгийское Конго/Бельгийское Конго.pptx
+++ b/Наработки/диздоки/Бельгийское Конго/Бельгийское Конго.pptx
@@ -209,7 +209,7 @@
             <a:fld id="{33E3D7F9-E251-484C-A6FF-FA958879DF69}" type="datetimeFigureOut">
               <a:rPr lang="ru-RU" smtClean="0"/>
               <a:pPr/>
-              <a:t>15.11.2021</a:t>
+              <a:t>19.11.2021</a:t>
             </a:fld>
             <a:endParaRPr lang="ru-RU"/>
           </a:p>
@@ -700,7 +700,7 @@
             <a:fld id="{85A5DE44-605B-4D3B-B2B7-94543DF81A36}" type="datetimeFigureOut">
               <a:rPr lang="ru-RU" smtClean="0"/>
               <a:pPr/>
-              <a:t>15.11.2021</a:t>
+              <a:t>19.11.2021</a:t>
             </a:fld>
             <a:endParaRPr lang="ru-RU"/>
           </a:p>
@@ -872,7 +872,7 @@
             <a:fld id="{85A5DE44-605B-4D3B-B2B7-94543DF81A36}" type="datetimeFigureOut">
               <a:rPr lang="ru-RU" smtClean="0"/>
               <a:pPr/>
-              <a:t>15.11.2021</a:t>
+              <a:t>19.11.2021</a:t>
             </a:fld>
             <a:endParaRPr lang="ru-RU"/>
           </a:p>
@@ -1054,7 +1054,7 @@
             <a:fld id="{85A5DE44-605B-4D3B-B2B7-94543DF81A36}" type="datetimeFigureOut">
               <a:rPr lang="ru-RU" smtClean="0"/>
               <a:pPr/>
-              <a:t>15.11.2021</a:t>
+              <a:t>19.11.2021</a:t>
             </a:fld>
             <a:endParaRPr lang="ru-RU"/>
           </a:p>
@@ -1226,7 +1226,7 @@
             <a:fld id="{85A5DE44-605B-4D3B-B2B7-94543DF81A36}" type="datetimeFigureOut">
               <a:rPr lang="ru-RU" smtClean="0"/>
               <a:pPr/>
-              <a:t>15.11.2021</a:t>
+              <a:t>19.11.2021</a:t>
             </a:fld>
             <a:endParaRPr lang="ru-RU"/>
           </a:p>
@@ -1474,7 +1474,7 @@
             <a:fld id="{85A5DE44-605B-4D3B-B2B7-94543DF81A36}" type="datetimeFigureOut">
               <a:rPr lang="ru-RU" smtClean="0"/>
               <a:pPr/>
-              <a:t>15.11.2021</a:t>
+              <a:t>19.11.2021</a:t>
             </a:fld>
             <a:endParaRPr lang="ru-RU"/>
           </a:p>
@@ -1708,7 +1708,7 @@
             <a:fld id="{85A5DE44-605B-4D3B-B2B7-94543DF81A36}" type="datetimeFigureOut">
               <a:rPr lang="ru-RU" smtClean="0"/>
               <a:pPr/>
-              <a:t>15.11.2021</a:t>
+              <a:t>19.11.2021</a:t>
             </a:fld>
             <a:endParaRPr lang="ru-RU"/>
           </a:p>
@@ -2077,7 +2077,7 @@
             <a:fld id="{85A5DE44-605B-4D3B-B2B7-94543DF81A36}" type="datetimeFigureOut">
               <a:rPr lang="ru-RU" smtClean="0"/>
               <a:pPr/>
-              <a:t>15.11.2021</a:t>
+              <a:t>19.11.2021</a:t>
             </a:fld>
             <a:endParaRPr lang="ru-RU"/>
           </a:p>
@@ -2197,7 +2197,7 @@
             <a:fld id="{85A5DE44-605B-4D3B-B2B7-94543DF81A36}" type="datetimeFigureOut">
               <a:rPr lang="ru-RU" smtClean="0"/>
               <a:pPr/>
-              <a:t>15.11.2021</a:t>
+              <a:t>19.11.2021</a:t>
             </a:fld>
             <a:endParaRPr lang="ru-RU"/>
           </a:p>
@@ -2294,7 +2294,7 @@
             <a:fld id="{85A5DE44-605B-4D3B-B2B7-94543DF81A36}" type="datetimeFigureOut">
               <a:rPr lang="ru-RU" smtClean="0"/>
               <a:pPr/>
-              <a:t>15.11.2021</a:t>
+              <a:t>19.11.2021</a:t>
             </a:fld>
             <a:endParaRPr lang="ru-RU"/>
           </a:p>
@@ -2573,7 +2573,7 @@
             <a:fld id="{85A5DE44-605B-4D3B-B2B7-94543DF81A36}" type="datetimeFigureOut">
               <a:rPr lang="ru-RU" smtClean="0"/>
               <a:pPr/>
-              <a:t>15.11.2021</a:t>
+              <a:t>19.11.2021</a:t>
             </a:fld>
             <a:endParaRPr lang="ru-RU"/>
           </a:p>
@@ -2832,7 +2832,7 @@
             <a:fld id="{85A5DE44-605B-4D3B-B2B7-94543DF81A36}" type="datetimeFigureOut">
               <a:rPr lang="ru-RU" smtClean="0"/>
               <a:pPr/>
-              <a:t>15.11.2021</a:t>
+              <a:t>19.11.2021</a:t>
             </a:fld>
             <a:endParaRPr lang="ru-RU"/>
           </a:p>
@@ -3047,7 +3047,7 @@
             <a:fld id="{85A5DE44-605B-4D3B-B2B7-94543DF81A36}" type="datetimeFigureOut">
               <a:rPr lang="ru-RU" smtClean="0"/>
               <a:pPr/>
-              <a:t>15.11.2021</a:t>
+              <a:t>19.11.2021</a:t>
             </a:fld>
             <a:endParaRPr lang="ru-RU"/>
           </a:p>

--- a/Наработки/диздоки/Бельгийское Конго/Бельгийское Конго.pptx
+++ b/Наработки/диздоки/Бельгийское Конго/Бельгийское Конго.pptx
@@ -209,7 +209,7 @@
             <a:fld id="{33E3D7F9-E251-484C-A6FF-FA958879DF69}" type="datetimeFigureOut">
               <a:rPr lang="ru-RU" smtClean="0"/>
               <a:pPr/>
-              <a:t>19.11.2021</a:t>
+              <a:t>22.11.2021</a:t>
             </a:fld>
             <a:endParaRPr lang="ru-RU"/>
           </a:p>
@@ -700,7 +700,7 @@
             <a:fld id="{85A5DE44-605B-4D3B-B2B7-94543DF81A36}" type="datetimeFigureOut">
               <a:rPr lang="ru-RU" smtClean="0"/>
               <a:pPr/>
-              <a:t>19.11.2021</a:t>
+              <a:t>22.11.2021</a:t>
             </a:fld>
             <a:endParaRPr lang="ru-RU"/>
           </a:p>
@@ -872,7 +872,7 @@
             <a:fld id="{85A5DE44-605B-4D3B-B2B7-94543DF81A36}" type="datetimeFigureOut">
               <a:rPr lang="ru-RU" smtClean="0"/>
               <a:pPr/>
-              <a:t>19.11.2021</a:t>
+              <a:t>22.11.2021</a:t>
             </a:fld>
             <a:endParaRPr lang="ru-RU"/>
           </a:p>
@@ -1054,7 +1054,7 @@
             <a:fld id="{85A5DE44-605B-4D3B-B2B7-94543DF81A36}" type="datetimeFigureOut">
               <a:rPr lang="ru-RU" smtClean="0"/>
               <a:pPr/>
-              <a:t>19.11.2021</a:t>
+              <a:t>22.11.2021</a:t>
             </a:fld>
             <a:endParaRPr lang="ru-RU"/>
           </a:p>
@@ -1226,7 +1226,7 @@
             <a:fld id="{85A5DE44-605B-4D3B-B2B7-94543DF81A36}" type="datetimeFigureOut">
               <a:rPr lang="ru-RU" smtClean="0"/>
               <a:pPr/>
-              <a:t>19.11.2021</a:t>
+              <a:t>22.11.2021</a:t>
             </a:fld>
             <a:endParaRPr lang="ru-RU"/>
           </a:p>
@@ -1474,7 +1474,7 @@
             <a:fld id="{85A5DE44-605B-4D3B-B2B7-94543DF81A36}" type="datetimeFigureOut">
               <a:rPr lang="ru-RU" smtClean="0"/>
               <a:pPr/>
-              <a:t>19.11.2021</a:t>
+              <a:t>22.11.2021</a:t>
             </a:fld>
             <a:endParaRPr lang="ru-RU"/>
           </a:p>
@@ -1708,7 +1708,7 @@
             <a:fld id="{85A5DE44-605B-4D3B-B2B7-94543DF81A36}" type="datetimeFigureOut">
               <a:rPr lang="ru-RU" smtClean="0"/>
               <a:pPr/>
-              <a:t>19.11.2021</a:t>
+              <a:t>22.11.2021</a:t>
             </a:fld>
             <a:endParaRPr lang="ru-RU"/>
           </a:p>
@@ -2077,7 +2077,7 @@
             <a:fld id="{85A5DE44-605B-4D3B-B2B7-94543DF81A36}" type="datetimeFigureOut">
               <a:rPr lang="ru-RU" smtClean="0"/>
               <a:pPr/>
-              <a:t>19.11.2021</a:t>
+              <a:t>22.11.2021</a:t>
             </a:fld>
             <a:endParaRPr lang="ru-RU"/>
           </a:p>
@@ -2197,7 +2197,7 @@
             <a:fld id="{85A5DE44-605B-4D3B-B2B7-94543DF81A36}" type="datetimeFigureOut">
               <a:rPr lang="ru-RU" smtClean="0"/>
               <a:pPr/>
-              <a:t>19.11.2021</a:t>
+              <a:t>22.11.2021</a:t>
             </a:fld>
             <a:endParaRPr lang="ru-RU"/>
           </a:p>
@@ -2294,7 +2294,7 @@
             <a:fld id="{85A5DE44-605B-4D3B-B2B7-94543DF81A36}" type="datetimeFigureOut">
               <a:rPr lang="ru-RU" smtClean="0"/>
               <a:pPr/>
-              <a:t>19.11.2021</a:t>
+              <a:t>22.11.2021</a:t>
             </a:fld>
             <a:endParaRPr lang="ru-RU"/>
           </a:p>
@@ -2573,7 +2573,7 @@
             <a:fld id="{85A5DE44-605B-4D3B-B2B7-94543DF81A36}" type="datetimeFigureOut">
               <a:rPr lang="ru-RU" smtClean="0"/>
               <a:pPr/>
-              <a:t>19.11.2021</a:t>
+              <a:t>22.11.2021</a:t>
             </a:fld>
             <a:endParaRPr lang="ru-RU"/>
           </a:p>
@@ -2832,7 +2832,7 @@
             <a:fld id="{85A5DE44-605B-4D3B-B2B7-94543DF81A36}" type="datetimeFigureOut">
               <a:rPr lang="ru-RU" smtClean="0"/>
               <a:pPr/>
-              <a:t>19.11.2021</a:t>
+              <a:t>22.11.2021</a:t>
             </a:fld>
             <a:endParaRPr lang="ru-RU"/>
           </a:p>
@@ -3047,7 +3047,7 @@
             <a:fld id="{85A5DE44-605B-4D3B-B2B7-94543DF81A36}" type="datetimeFigureOut">
               <a:rPr lang="ru-RU" smtClean="0"/>
               <a:pPr/>
-              <a:t>19.11.2021</a:t>
+              <a:t>22.11.2021</a:t>
             </a:fld>
             <a:endParaRPr lang="ru-RU"/>
           </a:p>
@@ -8744,7 +8744,7 @@
             <a:pPr algn="ctr"/>
             <a:r>
               <a:rPr lang="ru-RU" sz="1400" dirty="0" smtClean="0"/>
-              <a:t>Ультиматум правительству апартеида (</a:t>
+              <a:t>Провозгласить государство рабочих! (</a:t>
             </a:r>
             <a:r>
               <a:rPr lang="en-US" sz="1400" dirty="0"/>
@@ -8801,7 +8801,7 @@
         </p:nvSpPr>
         <p:spPr>
           <a:xfrm>
-            <a:off x="23669660" y="7457523"/>
+            <a:off x="23660633" y="9105523"/>
             <a:ext cx="2115918" cy="1080000"/>
           </a:xfrm>
           <a:prstGeom prst="rect">
@@ -8832,8 +8832,12 @@
           <a:p>
             <a:pPr algn="ctr"/>
             <a:r>
+              <a:rPr lang="ru-RU" sz="1400" dirty="0"/>
+              <a:t>Прекратить расовую </a:t>
+            </a:r>
+            <a:r>
               <a:rPr lang="ru-RU" sz="1400" dirty="0" smtClean="0"/>
-              <a:t>Прекратить расовую сегрегацию</a:t>
+              <a:t>сегрегацию</a:t>
             </a:r>
             <a:endParaRPr lang="ru-RU" sz="500" dirty="0"/>
           </a:p>
@@ -8847,7 +8851,7 @@
         </p:nvSpPr>
         <p:spPr>
           <a:xfrm>
-            <a:off x="23669660" y="9105524"/>
+            <a:off x="22456683" y="10617298"/>
             <a:ext cx="2115918" cy="1080000"/>
           </a:xfrm>
           <a:prstGeom prst="rect">
@@ -8878,8 +8882,8 @@
           <a:p>
             <a:pPr algn="ctr"/>
             <a:r>
-              <a:rPr lang="ru-RU" sz="1400" dirty="0" smtClean="0"/>
-              <a:t>Уравнять права белых и чёрных рабочих</a:t>
+              <a:rPr lang="ru-RU" sz="1400" dirty="0"/>
+              <a:t>Национализировать иностранные предприятия</a:t>
             </a:r>
             <a:endParaRPr lang="ru-RU" sz="500" dirty="0"/>
           </a:p>
@@ -8893,7 +8897,7 @@
         </p:nvSpPr>
         <p:spPr>
           <a:xfrm>
-            <a:off x="25980469" y="7460492"/>
+            <a:off x="27130981" y="10617298"/>
             <a:ext cx="2115918" cy="1080000"/>
           </a:xfrm>
           <a:prstGeom prst="rect">
@@ -8925,7 +8929,7 @@
             <a:pPr algn="ctr"/>
             <a:r>
               <a:rPr lang="ru-RU" sz="1400" dirty="0" smtClean="0"/>
-              <a:t>Национализировать иностранные предприятия</a:t>
+              <a:t>Призвать африканских рабочих к свободе</a:t>
             </a:r>
             <a:endParaRPr lang="ru-RU" sz="500" dirty="0"/>
           </a:p>
@@ -8939,7 +8943,7 @@
         </p:nvSpPr>
         <p:spPr>
           <a:xfrm>
-            <a:off x="25980469" y="9105524"/>
+            <a:off x="23661443" y="7460492"/>
             <a:ext cx="2115918" cy="1080000"/>
           </a:xfrm>
           <a:prstGeom prst="rect">
@@ -12187,6 +12191,574 @@
           </a:xfrm>
           <a:prstGeom prst="straightConnector1">
             <a:avLst/>
+          </a:prstGeom>
+          <a:ln w="28575">
+            <a:tailEnd type="arrow"/>
+          </a:ln>
+        </p:spPr>
+        <p:style>
+          <a:lnRef idx="1">
+            <a:schemeClr val="accent1"/>
+          </a:lnRef>
+          <a:fillRef idx="0">
+            <a:schemeClr val="accent1"/>
+          </a:fillRef>
+          <a:effectRef idx="0">
+            <a:schemeClr val="accent1"/>
+          </a:effectRef>
+          <a:fontRef idx="minor">
+            <a:schemeClr val="tx1"/>
+          </a:fontRef>
+        </p:style>
+      </p:cxnSp>
+      <p:sp>
+        <p:nvSpPr>
+          <p:cNvPr id="228" name="Прямоугольник 227"/>
+          <p:cNvSpPr/>
+          <p:nvPr/>
+        </p:nvSpPr>
+        <p:spPr>
+          <a:xfrm>
+            <a:off x="24825064" y="10617298"/>
+            <a:ext cx="2115918" cy="1080000"/>
+          </a:xfrm>
+          <a:prstGeom prst="rect">
+            <a:avLst/>
+          </a:prstGeom>
+          <a:solidFill>
+            <a:srgbClr val="FF0000"/>
+          </a:solidFill>
+          <a:ln w="28575"/>
+        </p:spPr>
+        <p:style>
+          <a:lnRef idx="2">
+            <a:schemeClr val="accent1"/>
+          </a:lnRef>
+          <a:fillRef idx="1">
+            <a:schemeClr val="lt1"/>
+          </a:fillRef>
+          <a:effectRef idx="0">
+            <a:schemeClr val="accent1"/>
+          </a:effectRef>
+          <a:fontRef idx="minor">
+            <a:schemeClr val="dk1"/>
+          </a:fontRef>
+        </p:style>
+        <p:txBody>
+          <a:bodyPr lIns="124733" tIns="62367" rIns="124733" bIns="62367" rtlCol="0" anchor="ctr"/>
+          <a:lstStyle/>
+          <a:p>
+            <a:pPr algn="ctr"/>
+            <a:r>
+              <a:rPr lang="ru-RU" sz="1400" dirty="0" smtClean="0"/>
+              <a:t>Пригласить Африканских революционеров в Конго</a:t>
+            </a:r>
+            <a:endParaRPr lang="ru-RU" sz="500" dirty="0"/>
+          </a:p>
+        </p:txBody>
+      </p:sp>
+      <p:cxnSp>
+        <p:nvCxnSpPr>
+          <p:cNvPr id="243" name="Прямая со стрелкой 242"/>
+          <p:cNvCxnSpPr>
+            <a:stCxn id="128" idx="2"/>
+            <a:endCxn id="134" idx="0"/>
+          </p:cNvCxnSpPr>
+          <p:nvPr/>
+        </p:nvCxnSpPr>
+        <p:spPr>
+          <a:xfrm>
+            <a:off x="24719402" y="7106805"/>
+            <a:ext cx="0" cy="353687"/>
+          </a:xfrm>
+          <a:prstGeom prst="straightConnector1">
+            <a:avLst/>
+          </a:prstGeom>
+          <a:ln w="28575">
+            <a:tailEnd type="arrow"/>
+          </a:ln>
+        </p:spPr>
+        <p:style>
+          <a:lnRef idx="1">
+            <a:schemeClr val="accent1"/>
+          </a:lnRef>
+          <a:fillRef idx="0">
+            <a:schemeClr val="accent1"/>
+          </a:fillRef>
+          <a:effectRef idx="0">
+            <a:schemeClr val="accent1"/>
+          </a:effectRef>
+          <a:fontRef idx="minor">
+            <a:schemeClr val="tx1"/>
+          </a:fontRef>
+        </p:style>
+      </p:cxnSp>
+      <p:cxnSp>
+        <p:nvCxnSpPr>
+          <p:cNvPr id="268" name="Прямая со стрелкой 267"/>
+          <p:cNvCxnSpPr>
+            <a:stCxn id="134" idx="2"/>
+            <a:endCxn id="130" idx="0"/>
+          </p:cNvCxnSpPr>
+          <p:nvPr/>
+        </p:nvCxnSpPr>
+        <p:spPr>
+          <a:xfrm flipH="1">
+            <a:off x="24718592" y="8540492"/>
+            <a:ext cx="810" cy="565031"/>
+          </a:xfrm>
+          <a:prstGeom prst="straightConnector1">
+            <a:avLst/>
+          </a:prstGeom>
+          <a:ln w="28575">
+            <a:tailEnd type="arrow"/>
+          </a:ln>
+        </p:spPr>
+        <p:style>
+          <a:lnRef idx="1">
+            <a:schemeClr val="accent1"/>
+          </a:lnRef>
+          <a:fillRef idx="0">
+            <a:schemeClr val="accent1"/>
+          </a:fillRef>
+          <a:effectRef idx="0">
+            <a:schemeClr val="accent1"/>
+          </a:effectRef>
+          <a:fontRef idx="minor">
+            <a:schemeClr val="tx1"/>
+          </a:fontRef>
+        </p:style>
+      </p:cxnSp>
+      <p:cxnSp>
+        <p:nvCxnSpPr>
+          <p:cNvPr id="272" name="Соединительная линия уступом 271"/>
+          <p:cNvCxnSpPr>
+            <a:stCxn id="130" idx="2"/>
+            <a:endCxn id="132" idx="0"/>
+          </p:cNvCxnSpPr>
+          <p:nvPr/>
+        </p:nvCxnSpPr>
+        <p:spPr>
+          <a:xfrm rot="5400000">
+            <a:off x="23900730" y="9799435"/>
+            <a:ext cx="431775" cy="1203950"/>
+          </a:xfrm>
+          <a:prstGeom prst="bentConnector3">
+            <a:avLst>
+              <a:gd name="adj1" fmla="val 50000"/>
+            </a:avLst>
+          </a:prstGeom>
+          <a:ln w="28575">
+            <a:tailEnd type="arrow"/>
+          </a:ln>
+        </p:spPr>
+        <p:style>
+          <a:lnRef idx="1">
+            <a:schemeClr val="accent1"/>
+          </a:lnRef>
+          <a:fillRef idx="0">
+            <a:schemeClr val="accent1"/>
+          </a:fillRef>
+          <a:effectRef idx="0">
+            <a:schemeClr val="accent1"/>
+          </a:effectRef>
+          <a:fontRef idx="minor">
+            <a:schemeClr val="tx1"/>
+          </a:fontRef>
+        </p:style>
+      </p:cxnSp>
+      <p:cxnSp>
+        <p:nvCxnSpPr>
+          <p:cNvPr id="273" name="Соединительная линия уступом 272"/>
+          <p:cNvCxnSpPr>
+            <a:stCxn id="130" idx="2"/>
+            <a:endCxn id="228" idx="0"/>
+          </p:cNvCxnSpPr>
+          <p:nvPr/>
+        </p:nvCxnSpPr>
+        <p:spPr>
+          <a:xfrm rot="16200000" flipH="1">
+            <a:off x="25084920" y="9819194"/>
+            <a:ext cx="431775" cy="1164431"/>
+          </a:xfrm>
+          <a:prstGeom prst="bentConnector3">
+            <a:avLst>
+              <a:gd name="adj1" fmla="val 50000"/>
+            </a:avLst>
+          </a:prstGeom>
+          <a:ln w="28575">
+            <a:tailEnd type="arrow"/>
+          </a:ln>
+        </p:spPr>
+        <p:style>
+          <a:lnRef idx="1">
+            <a:schemeClr val="accent1"/>
+          </a:lnRef>
+          <a:fillRef idx="0">
+            <a:schemeClr val="accent1"/>
+          </a:fillRef>
+          <a:effectRef idx="0">
+            <a:schemeClr val="accent1"/>
+          </a:effectRef>
+          <a:fontRef idx="minor">
+            <a:schemeClr val="tx1"/>
+          </a:fontRef>
+        </p:style>
+      </p:cxnSp>
+      <p:cxnSp>
+        <p:nvCxnSpPr>
+          <p:cNvPr id="274" name="Соединительная линия уступом 273"/>
+          <p:cNvCxnSpPr>
+            <a:stCxn id="130" idx="2"/>
+            <a:endCxn id="133" idx="0"/>
+          </p:cNvCxnSpPr>
+          <p:nvPr/>
+        </p:nvCxnSpPr>
+        <p:spPr>
+          <a:xfrm rot="16200000" flipH="1">
+            <a:off x="26237879" y="8666236"/>
+            <a:ext cx="431775" cy="3470348"/>
+          </a:xfrm>
+          <a:prstGeom prst="bentConnector3">
+            <a:avLst>
+              <a:gd name="adj1" fmla="val 50000"/>
+            </a:avLst>
+          </a:prstGeom>
+          <a:ln w="28575">
+            <a:tailEnd type="arrow"/>
+          </a:ln>
+        </p:spPr>
+        <p:style>
+          <a:lnRef idx="1">
+            <a:schemeClr val="accent1"/>
+          </a:lnRef>
+          <a:fillRef idx="0">
+            <a:schemeClr val="accent1"/>
+          </a:fillRef>
+          <a:effectRef idx="0">
+            <a:schemeClr val="accent1"/>
+          </a:effectRef>
+          <a:fontRef idx="minor">
+            <a:schemeClr val="tx1"/>
+          </a:fontRef>
+        </p:style>
+      </p:cxnSp>
+      <p:sp>
+        <p:nvSpPr>
+          <p:cNvPr id="276" name="Прямоугольник 275"/>
+          <p:cNvSpPr/>
+          <p:nvPr/>
+        </p:nvSpPr>
+        <p:spPr>
+          <a:xfrm>
+            <a:off x="25985476" y="9105521"/>
+            <a:ext cx="2115918" cy="1080000"/>
+          </a:xfrm>
+          <a:prstGeom prst="rect">
+            <a:avLst/>
+          </a:prstGeom>
+          <a:solidFill>
+            <a:srgbClr val="FF0000"/>
+          </a:solidFill>
+          <a:ln w="28575"/>
+        </p:spPr>
+        <p:style>
+          <a:lnRef idx="2">
+            <a:schemeClr val="accent1"/>
+          </a:lnRef>
+          <a:fillRef idx="1">
+            <a:schemeClr val="lt1"/>
+          </a:fillRef>
+          <a:effectRef idx="0">
+            <a:schemeClr val="accent1"/>
+          </a:effectRef>
+          <a:fontRef idx="minor">
+            <a:schemeClr val="dk1"/>
+          </a:fontRef>
+        </p:style>
+        <p:txBody>
+          <a:bodyPr lIns="124733" tIns="62367" rIns="124733" bIns="62367" rtlCol="0" anchor="ctr"/>
+          <a:lstStyle/>
+          <a:p>
+            <a:pPr algn="ctr"/>
+            <a:r>
+              <a:rPr lang="ru-RU" sz="1400" dirty="0" smtClean="0"/>
+              <a:t>Установить связи с государствами рабочих</a:t>
+            </a:r>
+            <a:endParaRPr lang="ru-RU" sz="500" dirty="0"/>
+          </a:p>
+        </p:txBody>
+      </p:sp>
+      <p:cxnSp>
+        <p:nvCxnSpPr>
+          <p:cNvPr id="277" name="Соединительная линия уступом 276"/>
+          <p:cNvCxnSpPr>
+            <a:stCxn id="134" idx="2"/>
+            <a:endCxn id="276" idx="0"/>
+          </p:cNvCxnSpPr>
+          <p:nvPr/>
+        </p:nvCxnSpPr>
+        <p:spPr>
+          <a:xfrm rot="16200000" flipH="1">
+            <a:off x="25598904" y="7660989"/>
+            <a:ext cx="565029" cy="2324033"/>
+          </a:xfrm>
+          <a:prstGeom prst="bentConnector3">
+            <a:avLst>
+              <a:gd name="adj1" fmla="val 50000"/>
+            </a:avLst>
+          </a:prstGeom>
+          <a:ln w="28575">
+            <a:tailEnd type="arrow"/>
+          </a:ln>
+        </p:spPr>
+        <p:style>
+          <a:lnRef idx="1">
+            <a:schemeClr val="accent1"/>
+          </a:lnRef>
+          <a:fillRef idx="0">
+            <a:schemeClr val="accent1"/>
+          </a:fillRef>
+          <a:effectRef idx="0">
+            <a:schemeClr val="accent1"/>
+          </a:effectRef>
+          <a:fontRef idx="minor">
+            <a:schemeClr val="tx1"/>
+          </a:fontRef>
+        </p:style>
+      </p:cxnSp>
+      <p:sp>
+        <p:nvSpPr>
+          <p:cNvPr id="278" name="Прямоугольник 277"/>
+          <p:cNvSpPr/>
+          <p:nvPr/>
+        </p:nvSpPr>
+        <p:spPr>
+          <a:xfrm>
+            <a:off x="24823459" y="12129072"/>
+            <a:ext cx="2115918" cy="1080000"/>
+          </a:xfrm>
+          <a:prstGeom prst="rect">
+            <a:avLst/>
+          </a:prstGeom>
+          <a:solidFill>
+            <a:srgbClr val="FF0000"/>
+          </a:solidFill>
+          <a:ln w="28575"/>
+        </p:spPr>
+        <p:style>
+          <a:lnRef idx="2">
+            <a:schemeClr val="accent1"/>
+          </a:lnRef>
+          <a:fillRef idx="1">
+            <a:schemeClr val="lt1"/>
+          </a:fillRef>
+          <a:effectRef idx="0">
+            <a:schemeClr val="accent1"/>
+          </a:effectRef>
+          <a:fontRef idx="minor">
+            <a:schemeClr val="dk1"/>
+          </a:fontRef>
+        </p:style>
+        <p:txBody>
+          <a:bodyPr lIns="124733" tIns="62367" rIns="124733" bIns="62367" rtlCol="0" anchor="ctr"/>
+          <a:lstStyle/>
+          <a:p>
+            <a:pPr algn="ctr"/>
+            <a:r>
+              <a:rPr lang="ru-RU" sz="1400" dirty="0" smtClean="0"/>
+              <a:t>Организовать рабочую партию</a:t>
+            </a:r>
+            <a:endParaRPr lang="ru-RU" sz="500" dirty="0"/>
+          </a:p>
+        </p:txBody>
+      </p:sp>
+      <p:sp>
+        <p:nvSpPr>
+          <p:cNvPr id="280" name="Прямоугольник 279"/>
+          <p:cNvSpPr/>
+          <p:nvPr/>
+        </p:nvSpPr>
+        <p:spPr>
+          <a:xfrm>
+            <a:off x="22456683" y="12129072"/>
+            <a:ext cx="2115918" cy="1080000"/>
+          </a:xfrm>
+          <a:prstGeom prst="rect">
+            <a:avLst/>
+          </a:prstGeom>
+          <a:solidFill>
+            <a:srgbClr val="FF0000"/>
+          </a:solidFill>
+          <a:ln w="28575"/>
+        </p:spPr>
+        <p:style>
+          <a:lnRef idx="2">
+            <a:schemeClr val="accent1"/>
+          </a:lnRef>
+          <a:fillRef idx="1">
+            <a:schemeClr val="lt1"/>
+          </a:fillRef>
+          <a:effectRef idx="0">
+            <a:schemeClr val="accent1"/>
+          </a:effectRef>
+          <a:fontRef idx="minor">
+            <a:schemeClr val="dk1"/>
+          </a:fontRef>
+        </p:style>
+        <p:txBody>
+          <a:bodyPr lIns="124733" tIns="62367" rIns="124733" bIns="62367" rtlCol="0" anchor="ctr"/>
+          <a:lstStyle/>
+          <a:p>
+            <a:pPr algn="ctr"/>
+            <a:r>
+              <a:rPr lang="ru-RU" sz="1400" dirty="0"/>
+              <a:t>С</a:t>
+            </a:r>
+            <a:r>
+              <a:rPr lang="ru-RU" sz="1400" dirty="0" smtClean="0"/>
+              <a:t>оздание молодёжных кружков</a:t>
+            </a:r>
+            <a:endParaRPr lang="ru-RU" sz="500" dirty="0"/>
+          </a:p>
+        </p:txBody>
+      </p:sp>
+      <p:cxnSp>
+        <p:nvCxnSpPr>
+          <p:cNvPr id="281" name="Прямая со стрелкой 280"/>
+          <p:cNvCxnSpPr>
+            <a:stCxn id="132" idx="2"/>
+            <a:endCxn id="280" idx="0"/>
+          </p:cNvCxnSpPr>
+          <p:nvPr/>
+        </p:nvCxnSpPr>
+        <p:spPr>
+          <a:xfrm>
+            <a:off x="23514642" y="11697298"/>
+            <a:ext cx="0" cy="431774"/>
+          </a:xfrm>
+          <a:prstGeom prst="straightConnector1">
+            <a:avLst/>
+          </a:prstGeom>
+          <a:ln w="28575">
+            <a:tailEnd type="arrow"/>
+          </a:ln>
+        </p:spPr>
+        <p:style>
+          <a:lnRef idx="1">
+            <a:schemeClr val="accent1"/>
+          </a:lnRef>
+          <a:fillRef idx="0">
+            <a:schemeClr val="accent1"/>
+          </a:fillRef>
+          <a:effectRef idx="0">
+            <a:schemeClr val="accent1"/>
+          </a:effectRef>
+          <a:fontRef idx="minor">
+            <a:schemeClr val="tx1"/>
+          </a:fontRef>
+        </p:style>
+      </p:cxnSp>
+      <p:cxnSp>
+        <p:nvCxnSpPr>
+          <p:cNvPr id="282" name="Прямая со стрелкой 281"/>
+          <p:cNvCxnSpPr>
+            <a:stCxn id="228" idx="2"/>
+            <a:endCxn id="278" idx="0"/>
+          </p:cNvCxnSpPr>
+          <p:nvPr/>
+        </p:nvCxnSpPr>
+        <p:spPr>
+          <a:xfrm flipH="1">
+            <a:off x="25881418" y="11697298"/>
+            <a:ext cx="1605" cy="431774"/>
+          </a:xfrm>
+          <a:prstGeom prst="straightConnector1">
+            <a:avLst/>
+          </a:prstGeom>
+          <a:ln w="28575">
+            <a:tailEnd type="arrow"/>
+          </a:ln>
+        </p:spPr>
+        <p:style>
+          <a:lnRef idx="1">
+            <a:schemeClr val="accent1"/>
+          </a:lnRef>
+          <a:fillRef idx="0">
+            <a:schemeClr val="accent1"/>
+          </a:fillRef>
+          <a:effectRef idx="0">
+            <a:schemeClr val="accent1"/>
+          </a:effectRef>
+          <a:fontRef idx="minor">
+            <a:schemeClr val="tx1"/>
+          </a:fontRef>
+        </p:style>
+      </p:cxnSp>
+      <p:sp>
+        <p:nvSpPr>
+          <p:cNvPr id="283" name="Прямоугольник 282"/>
+          <p:cNvSpPr/>
+          <p:nvPr/>
+        </p:nvSpPr>
+        <p:spPr>
+          <a:xfrm>
+            <a:off x="20034836" y="12129072"/>
+            <a:ext cx="2115918" cy="1080000"/>
+          </a:xfrm>
+          <a:prstGeom prst="rect">
+            <a:avLst/>
+          </a:prstGeom>
+          <a:solidFill>
+            <a:srgbClr val="FF0000"/>
+          </a:solidFill>
+          <a:ln w="28575"/>
+        </p:spPr>
+        <p:style>
+          <a:lnRef idx="2">
+            <a:schemeClr val="accent1"/>
+          </a:lnRef>
+          <a:fillRef idx="1">
+            <a:schemeClr val="lt1"/>
+          </a:fillRef>
+          <a:effectRef idx="0">
+            <a:schemeClr val="accent1"/>
+          </a:effectRef>
+          <a:fontRef idx="minor">
+            <a:schemeClr val="dk1"/>
+          </a:fontRef>
+        </p:style>
+        <p:txBody>
+          <a:bodyPr lIns="124733" tIns="62367" rIns="124733" bIns="62367" rtlCol="0" anchor="ctr"/>
+          <a:lstStyle/>
+          <a:p>
+            <a:pPr algn="ctr"/>
+            <a:r>
+              <a:rPr lang="ru-RU" sz="1400" dirty="0" smtClean="0"/>
+              <a:t>Уравнять права белых и чёрных рабочих</a:t>
+            </a:r>
+            <a:endParaRPr lang="ru-RU" sz="500" dirty="0"/>
+          </a:p>
+        </p:txBody>
+      </p:sp>
+      <p:cxnSp>
+        <p:nvCxnSpPr>
+          <p:cNvPr id="284" name="Соединительная линия уступом 283"/>
+          <p:cNvCxnSpPr>
+            <a:stCxn id="132" idx="2"/>
+            <a:endCxn id="283" idx="0"/>
+          </p:cNvCxnSpPr>
+          <p:nvPr/>
+        </p:nvCxnSpPr>
+        <p:spPr>
+          <a:xfrm rot="5400000">
+            <a:off x="22087832" y="10702262"/>
+            <a:ext cx="431774" cy="2421847"/>
+          </a:xfrm>
+          <a:prstGeom prst="bentConnector3">
+            <a:avLst>
+              <a:gd name="adj1" fmla="val 50000"/>
+            </a:avLst>
           </a:prstGeom>
           <a:ln w="28575">
             <a:tailEnd type="arrow"/>

--- a/Наработки/диздоки/Бельгийское Конго/Бельгийское Конго.pptx
+++ b/Наработки/диздоки/Бельгийское Конго/Бельгийское Конго.pptx
@@ -4078,13 +4078,22 @@
           <a:p>
             <a:pPr algn="ctr"/>
             <a:r>
-              <a:rPr lang="ru-RU" sz="1400" dirty="0" smtClean="0"/>
-              <a:t>Экономическое соглашение с Великобританией </a:t>
+              <a:rPr lang="ru-RU" sz="1400" dirty="0"/>
+              <a:t>Девальвация </a:t>
+            </a:r>
+            <a:r>
+              <a:rPr lang="ru-RU" sz="1400" dirty="0" err="1"/>
+              <a:t>Коглолезского</a:t>
+            </a:r>
+            <a:r>
+              <a:rPr lang="ru-RU" sz="1400" dirty="0"/>
+              <a:t> франка </a:t>
             </a:r>
             <a:r>
               <a:rPr lang="ru-RU" sz="500" dirty="0"/>
-              <a:t>(Так что21 января 1941 г., он подписывает экономическое соглашение с Великобританией после того, как Черчилль объясняет ему потребности, которых не хватает союзникам. Цель этого соглашения - установить определенное количество продуктов, которые англичане обязуются покупать у них до тех пор, пока31 августа 1941 г.[ 9 ] [21] . Это золото и олово-металл, основные материалы войны [ 34 ], а также уран.</a:t>
-            </a:r>
+              <a:t>(Лондон по просьбе Бельгийского Конго было решено принять участие в усилиях союзников [37] . Британцы проявляли особый интерес к участию Конго, главным образом потому, что теперь это была одна из немногих возможностей для получения различного сырья (особенно каучука). Бельгия приняла пакт и выполнила требования Великобритании, включая девальвацию конголезского франка .)</a:t>
+            </a:r>
+            <a:endParaRPr lang="ru-RU" sz="500" dirty="0"/>
           </a:p>
         </p:txBody>
       </p:sp>
@@ -9544,40 +9553,8 @@
               <a:t>Лояльность </a:t>
             </a:r>
             <a:r>
-              <a:rPr lang="ru-RU" sz="1400" dirty="0"/>
-              <a:t>проигравшему правительству </a:t>
-            </a:r>
-            <a:r>
-              <a:rPr lang="ru-RU" sz="400" dirty="0"/>
-              <a:t>(Пьер </a:t>
-            </a:r>
-            <a:r>
-              <a:rPr lang="ru-RU" sz="400" dirty="0" err="1"/>
-              <a:t>Рикманс</a:t>
-            </a:r>
-            <a:r>
-              <a:rPr lang="ru-RU" sz="400" dirty="0"/>
-              <a:t> поддерживал контакты с бельгийским правительством на протяжении всей войны. Более того, последний отправляет его,24 июня 1940 г., декрет-закон обнародован 18 июня 1940 </a:t>
-            </a:r>
-            <a:r>
-              <a:rPr lang="ru-RU" sz="400" dirty="0" err="1"/>
-              <a:t>г.который</a:t>
-            </a:r>
-            <a:r>
-              <a:rPr lang="ru-RU" sz="400" dirty="0"/>
-              <a:t> в своей статье 2 возлагает законодательные полномочия на генерал-губернатора при условии обновления так называемых чрезвычайных постановлений каждые 6 месяцев. Министр, отвечающий за колонии Альбер де </a:t>
-            </a:r>
-            <a:r>
-              <a:rPr lang="ru-RU" sz="400" dirty="0" err="1"/>
-              <a:t>Влишауэр</a:t>
-            </a:r>
-            <a:r>
-              <a:rPr lang="ru-RU" sz="400" dirty="0"/>
-              <a:t>, наделил его исключительными полномочиями</a:t>
-            </a:r>
-            <a:r>
-              <a:rPr lang="ru-RU" sz="400" dirty="0" smtClean="0"/>
-              <a:t>.)</a:t>
+              <a:rPr lang="ru-RU" sz="1400" dirty="0" smtClean="0"/>
+              <a:t>действующему правительству</a:t>
             </a:r>
             <a:endParaRPr lang="ru-RU" sz="100" dirty="0"/>
           </a:p>
@@ -9895,20 +9872,21 @@
             <a:pPr algn="ctr"/>
             <a:r>
               <a:rPr lang="ru-RU" sz="1400" dirty="0" smtClean="0"/>
-              <a:t>Девальвация </a:t>
-            </a:r>
-            <a:r>
-              <a:rPr lang="ru-RU" sz="1400" dirty="0" err="1" smtClean="0"/>
-              <a:t>Коглолезского</a:t>
-            </a:r>
-            <a:r>
-              <a:rPr lang="ru-RU" sz="1400" dirty="0" smtClean="0"/>
-              <a:t> франка </a:t>
-            </a:r>
-            <a:r>
-              <a:rPr lang="ru-RU" sz="500" dirty="0"/>
-              <a:t>(Лондон по просьбе Бельгийского Конго было решено принять участие в усилиях союзников [37] . Британцы проявляли особый интерес к участию Конго, главным образом потому, что теперь это была одна из немногих возможностей для получения различного сырья (особенно каучука). Бельгия приняла пакт и выполнила требования Великобритании, включая девальвацию конголезского франка .)</a:t>
-            </a:r>
+              <a:t>Экономическое соглашение с Великобританией </a:t>
+            </a:r>
+            <a:r>
+              <a:rPr lang="ru-RU" sz="300" dirty="0" smtClean="0"/>
+              <a:t>(Так </a:t>
+            </a:r>
+            <a:r>
+              <a:rPr lang="ru-RU" sz="300" dirty="0"/>
+              <a:t>что21 января 1941 г., он подписывает экономическое соглашение с Великобританией после того, как Черчилль объясняет ему потребности, которых не хватает союзникам. Цель этого соглашения - установить определенное количество продуктов, которые англичане обязуются покупать у них до тех пор, пока31 августа 1941 г.[ 9 ] [21] . Это золото и олово-металл, основные материалы войны [ 34 ], а также уран</a:t>
+            </a:r>
+            <a:r>
+              <a:rPr lang="ru-RU" sz="300" dirty="0" smtClean="0"/>
+              <a:t>.</a:t>
+            </a:r>
+            <a:endParaRPr lang="ru-RU" sz="300" dirty="0"/>
           </a:p>
         </p:txBody>
       </p:sp>
@@ -10758,7 +10736,7 @@
         </p:nvSpPr>
         <p:spPr>
           <a:xfrm>
-            <a:off x="14121145" y="10617298"/>
+            <a:off x="14123733" y="10617298"/>
             <a:ext cx="2115918" cy="1080000"/>
           </a:xfrm>
           <a:prstGeom prst="rect">
@@ -10852,8 +10830,8 @@
         </p:nvCxnSpPr>
         <p:spPr>
           <a:xfrm flipH="1">
-            <a:off x="15179104" y="10188493"/>
-            <a:ext cx="5526" cy="428805"/>
+            <a:off x="15181692" y="10188493"/>
+            <a:ext cx="2938" cy="428805"/>
           </a:xfrm>
           <a:prstGeom prst="straightConnector1">
             <a:avLst/>

--- a/Наработки/диздоки/Бельгийское Конго/Бельгийское Конго.pptx
+++ b/Наработки/диздоки/Бельгийское Конго/Бельгийское Конго.pptx
@@ -209,7 +209,7 @@
             <a:fld id="{33E3D7F9-E251-484C-A6FF-FA958879DF69}" type="datetimeFigureOut">
               <a:rPr lang="ru-RU" smtClean="0"/>
               <a:pPr/>
-              <a:t>22.11.2021</a:t>
+              <a:t>23.11.2021</a:t>
             </a:fld>
             <a:endParaRPr lang="ru-RU"/>
           </a:p>
@@ -700,7 +700,7 @@
             <a:fld id="{85A5DE44-605B-4D3B-B2B7-94543DF81A36}" type="datetimeFigureOut">
               <a:rPr lang="ru-RU" smtClean="0"/>
               <a:pPr/>
-              <a:t>22.11.2021</a:t>
+              <a:t>23.11.2021</a:t>
             </a:fld>
             <a:endParaRPr lang="ru-RU"/>
           </a:p>
@@ -872,7 +872,7 @@
             <a:fld id="{85A5DE44-605B-4D3B-B2B7-94543DF81A36}" type="datetimeFigureOut">
               <a:rPr lang="ru-RU" smtClean="0"/>
               <a:pPr/>
-              <a:t>22.11.2021</a:t>
+              <a:t>23.11.2021</a:t>
             </a:fld>
             <a:endParaRPr lang="ru-RU"/>
           </a:p>
@@ -1054,7 +1054,7 @@
             <a:fld id="{85A5DE44-605B-4D3B-B2B7-94543DF81A36}" type="datetimeFigureOut">
               <a:rPr lang="ru-RU" smtClean="0"/>
               <a:pPr/>
-              <a:t>22.11.2021</a:t>
+              <a:t>23.11.2021</a:t>
             </a:fld>
             <a:endParaRPr lang="ru-RU"/>
           </a:p>
@@ -1226,7 +1226,7 @@
             <a:fld id="{85A5DE44-605B-4D3B-B2B7-94543DF81A36}" type="datetimeFigureOut">
               <a:rPr lang="ru-RU" smtClean="0"/>
               <a:pPr/>
-              <a:t>22.11.2021</a:t>
+              <a:t>23.11.2021</a:t>
             </a:fld>
             <a:endParaRPr lang="ru-RU"/>
           </a:p>
@@ -1474,7 +1474,7 @@
             <a:fld id="{85A5DE44-605B-4D3B-B2B7-94543DF81A36}" type="datetimeFigureOut">
               <a:rPr lang="ru-RU" smtClean="0"/>
               <a:pPr/>
-              <a:t>22.11.2021</a:t>
+              <a:t>23.11.2021</a:t>
             </a:fld>
             <a:endParaRPr lang="ru-RU"/>
           </a:p>
@@ -1708,7 +1708,7 @@
             <a:fld id="{85A5DE44-605B-4D3B-B2B7-94543DF81A36}" type="datetimeFigureOut">
               <a:rPr lang="ru-RU" smtClean="0"/>
               <a:pPr/>
-              <a:t>22.11.2021</a:t>
+              <a:t>23.11.2021</a:t>
             </a:fld>
             <a:endParaRPr lang="ru-RU"/>
           </a:p>
@@ -2077,7 +2077,7 @@
             <a:fld id="{85A5DE44-605B-4D3B-B2B7-94543DF81A36}" type="datetimeFigureOut">
               <a:rPr lang="ru-RU" smtClean="0"/>
               <a:pPr/>
-              <a:t>22.11.2021</a:t>
+              <a:t>23.11.2021</a:t>
             </a:fld>
             <a:endParaRPr lang="ru-RU"/>
           </a:p>
@@ -2197,7 +2197,7 @@
             <a:fld id="{85A5DE44-605B-4D3B-B2B7-94543DF81A36}" type="datetimeFigureOut">
               <a:rPr lang="ru-RU" smtClean="0"/>
               <a:pPr/>
-              <a:t>22.11.2021</a:t>
+              <a:t>23.11.2021</a:t>
             </a:fld>
             <a:endParaRPr lang="ru-RU"/>
           </a:p>
@@ -2294,7 +2294,7 @@
             <a:fld id="{85A5DE44-605B-4D3B-B2B7-94543DF81A36}" type="datetimeFigureOut">
               <a:rPr lang="ru-RU" smtClean="0"/>
               <a:pPr/>
-              <a:t>22.11.2021</a:t>
+              <a:t>23.11.2021</a:t>
             </a:fld>
             <a:endParaRPr lang="ru-RU"/>
           </a:p>
@@ -2573,7 +2573,7 @@
             <a:fld id="{85A5DE44-605B-4D3B-B2B7-94543DF81A36}" type="datetimeFigureOut">
               <a:rPr lang="ru-RU" smtClean="0"/>
               <a:pPr/>
-              <a:t>22.11.2021</a:t>
+              <a:t>23.11.2021</a:t>
             </a:fld>
             <a:endParaRPr lang="ru-RU"/>
           </a:p>
@@ -2832,7 +2832,7 @@
             <a:fld id="{85A5DE44-605B-4D3B-B2B7-94543DF81A36}" type="datetimeFigureOut">
               <a:rPr lang="ru-RU" smtClean="0"/>
               <a:pPr/>
-              <a:t>22.11.2021</a:t>
+              <a:t>23.11.2021</a:t>
             </a:fld>
             <a:endParaRPr lang="ru-RU"/>
           </a:p>
@@ -3047,7 +3047,7 @@
             <a:fld id="{85A5DE44-605B-4D3B-B2B7-94543DF81A36}" type="datetimeFigureOut">
               <a:rPr lang="ru-RU" smtClean="0"/>
               <a:pPr/>
-              <a:t>22.11.2021</a:t>
+              <a:t>23.11.2021</a:t>
             </a:fld>
             <a:endParaRPr lang="ru-RU"/>
           </a:p>
@@ -4093,7 +4093,6 @@
               <a:rPr lang="ru-RU" sz="500" dirty="0"/>
               <a:t>(Лондон по просьбе Бельгийского Конго было решено принять участие в усилиях союзников [37] . Британцы проявляли особый интерес к участию Конго, главным образом потому, что теперь это была одна из немногих возможностей для получения различного сырья (особенно каучука). Бельгия приняла пакт и выполнила требования Великобритании, включая девальвацию конголезского франка .)</a:t>
             </a:r>
-            <a:endParaRPr lang="ru-RU" sz="500" dirty="0"/>
           </a:p>
         </p:txBody>
       </p:sp>
@@ -4184,104 +4183,6 @@
               <a:t>Увеличить военный налог </a:t>
             </a:r>
             <a:endParaRPr lang="ru-RU" sz="500" dirty="0"/>
-          </a:p>
-        </p:txBody>
-      </p:sp>
-      <p:sp>
-        <p:nvSpPr>
-          <p:cNvPr id="339" name="Прямоугольник 338"/>
-          <p:cNvSpPr/>
-          <p:nvPr/>
-        </p:nvSpPr>
-        <p:spPr>
-          <a:xfrm>
-            <a:off x="20869744" y="3291805"/>
-            <a:ext cx="2115918" cy="586438"/>
-          </a:xfrm>
-          <a:prstGeom prst="rect">
-            <a:avLst/>
-          </a:prstGeom>
-          <a:ln w="28575"/>
-        </p:spPr>
-        <p:style>
-          <a:lnRef idx="2">
-            <a:schemeClr val="accent1"/>
-          </a:lnRef>
-          <a:fillRef idx="1">
-            <a:schemeClr val="lt1"/>
-          </a:fillRef>
-          <a:effectRef idx="0">
-            <a:schemeClr val="accent1"/>
-          </a:effectRef>
-          <a:fontRef idx="minor">
-            <a:schemeClr val="dk1"/>
-          </a:fontRef>
-        </p:style>
-        <p:txBody>
-          <a:bodyPr lIns="124733" tIns="62367" rIns="124733" bIns="62367" rtlCol="0" anchor="ctr"/>
-          <a:lstStyle/>
-          <a:p>
-            <a:pPr algn="ctr"/>
-            <a:r>
-              <a:rPr lang="ru-RU" sz="300" dirty="0"/>
-              <a:t>Но чрезмерная работа, которую колониальное правительство требовало от конголезских рабочих, привело к нескольким забастовкам и конфликтам среди рабочих. Белые не имели права создавать союзы до начала войны , но во время войны это изменилось. Они начали требовать повышения заработной платы и улучшения условий труда, и вскоре за ними последовали черные рабочие с аналогичными требованиями. В 1941 году в колонии белых рабочих была предпринята попытка призыва к всеобщей забастовке , но безуспешно [39] . В декабре 1941 года черные горняки забастовали в </a:t>
-            </a:r>
-            <a:r>
-              <a:rPr lang="ru-RU" sz="300" dirty="0" err="1"/>
-              <a:t>Катанге</a:t>
-            </a:r>
-            <a:r>
-              <a:rPr lang="ru-RU" sz="300" dirty="0"/>
-              <a:t>, в том числе в </a:t>
-            </a:r>
-            <a:r>
-              <a:rPr lang="ru-RU" sz="300" dirty="0" err="1"/>
-              <a:t>Жадовиле</a:t>
-            </a:r>
-            <a:r>
-              <a:rPr lang="ru-RU" sz="300" dirty="0"/>
-              <a:t> и </a:t>
-            </a:r>
-            <a:r>
-              <a:rPr lang="ru-RU" sz="300" dirty="0" err="1"/>
-              <a:t>Элизабетвиле</a:t>
-            </a:r>
-            <a:r>
-              <a:rPr lang="ru-RU" sz="300" dirty="0"/>
-              <a:t> . Их требованием было повышение заработной платы с 1,5 до 2 франков [40].[41] . Забастовка началась 3 декабря, и 1400 сотрудников уволились на следующий день [39] . Антиколониальные и антирасистские вопросы также усилили </a:t>
-            </a:r>
-            <a:r>
-              <a:rPr lang="ru-RU" sz="300" dirty="0" err="1"/>
-              <a:t>забастовку.Правительство</a:t>
-            </a:r>
-            <a:r>
-              <a:rPr lang="ru-RU" sz="300" dirty="0"/>
-              <a:t> провело несколько массовых убийств, чтобы остановить забастовку: военные </a:t>
-            </a:r>
-            <a:r>
-              <a:rPr lang="ru-RU" sz="300" dirty="0" err="1"/>
-              <a:t>Жадотвиля</a:t>
-            </a:r>
-            <a:r>
-              <a:rPr lang="ru-RU" sz="300" dirty="0"/>
-              <a:t> убили 15 рабочих и пригласили лидера забастовки </a:t>
-            </a:r>
-            <a:r>
-              <a:rPr lang="ru-RU" sz="300" dirty="0" err="1"/>
-              <a:t>Элизабетвилля</a:t>
-            </a:r>
-            <a:r>
-              <a:rPr lang="ru-RU" sz="300" dirty="0"/>
-              <a:t> Леонарда </a:t>
-            </a:r>
-            <a:r>
-              <a:rPr lang="ru-RU" sz="300" dirty="0" err="1"/>
-              <a:t>Мпойи</a:t>
-            </a:r>
-            <a:r>
-              <a:rPr lang="ru-RU" sz="300" dirty="0"/>
-              <a:t> для переговоров, а когда они отклонили сделку, он был застрелен губернатором Амуром Мароном . Спустя примерно 70 или 80 рабочих были убиты на футбольном стадионе [39] [38] [42] .</a:t>
-            </a:r>
           </a:p>
         </p:txBody>
       </p:sp>
@@ -9550,11 +9451,7 @@
             <a:pPr algn="ctr"/>
             <a:r>
               <a:rPr lang="ru-RU" sz="1400" dirty="0" smtClean="0"/>
-              <a:t>Лояльность </a:t>
-            </a:r>
-            <a:r>
-              <a:rPr lang="ru-RU" sz="1400" dirty="0" smtClean="0"/>
-              <a:t>действующему правительству</a:t>
+              <a:t>Лояльность действующему правительству</a:t>
             </a:r>
             <a:endParaRPr lang="ru-RU" sz="100" dirty="0"/>
           </a:p>
@@ -12757,6 +12654,52 @@
           </a:fontRef>
         </p:style>
       </p:cxnSp>
+      <p:sp>
+        <p:nvSpPr>
+          <p:cNvPr id="285" name="Прямоугольник 284"/>
+          <p:cNvSpPr/>
+          <p:nvPr/>
+        </p:nvSpPr>
+        <p:spPr>
+          <a:xfrm>
+            <a:off x="12791053" y="1213481"/>
+            <a:ext cx="5969156" cy="4467058"/>
+          </a:xfrm>
+          <a:prstGeom prst="rect">
+            <a:avLst/>
+          </a:prstGeom>
+          <a:ln w="28575"/>
+        </p:spPr>
+        <p:style>
+          <a:lnRef idx="2">
+            <a:schemeClr val="accent1"/>
+          </a:lnRef>
+          <a:fillRef idx="1">
+            <a:schemeClr val="lt1"/>
+          </a:fillRef>
+          <a:effectRef idx="0">
+            <a:schemeClr val="accent1"/>
+          </a:effectRef>
+          <a:fontRef idx="minor">
+            <a:schemeClr val="dk1"/>
+          </a:fontRef>
+        </p:style>
+        <p:txBody>
+          <a:bodyPr lIns="124733" tIns="62367" rIns="124733" bIns="62367" rtlCol="0" anchor="ctr"/>
+          <a:lstStyle/>
+          <a:p>
+            <a:pPr algn="ctr"/>
+            <a:r>
+              <a:rPr lang="ru-RU" sz="1400" dirty="0" smtClean="0"/>
+              <a:t>ГУИШКА НА КАРТУ ВЕРНОСТИ ВОЖДЕЙ</a:t>
+            </a:r>
+            <a:br>
+              <a:rPr lang="ru-RU" sz="1400" dirty="0" smtClean="0"/>
+            </a:br>
+            <a:endParaRPr lang="ru-RU" sz="500" dirty="0"/>
+          </a:p>
+        </p:txBody>
+      </p:sp>
     </p:spTree>
     <p:extLst>
       <p:ext uri="{BB962C8B-B14F-4D97-AF65-F5344CB8AC3E}">

--- a/Наработки/диздоки/Бельгийское Конго/Бельгийское Конго.pptx
+++ b/Наработки/диздоки/Бельгийское Конго/Бельгийское Конго.pptx
@@ -209,7 +209,7 @@
             <a:fld id="{33E3D7F9-E251-484C-A6FF-FA958879DF69}" type="datetimeFigureOut">
               <a:rPr lang="ru-RU" smtClean="0"/>
               <a:pPr/>
-              <a:t>23.11.2021</a:t>
+              <a:t>25.11.2021</a:t>
             </a:fld>
             <a:endParaRPr lang="ru-RU"/>
           </a:p>
@@ -700,7 +700,7 @@
             <a:fld id="{85A5DE44-605B-4D3B-B2B7-94543DF81A36}" type="datetimeFigureOut">
               <a:rPr lang="ru-RU" smtClean="0"/>
               <a:pPr/>
-              <a:t>23.11.2021</a:t>
+              <a:t>25.11.2021</a:t>
             </a:fld>
             <a:endParaRPr lang="ru-RU"/>
           </a:p>
@@ -872,7 +872,7 @@
             <a:fld id="{85A5DE44-605B-4D3B-B2B7-94543DF81A36}" type="datetimeFigureOut">
               <a:rPr lang="ru-RU" smtClean="0"/>
               <a:pPr/>
-              <a:t>23.11.2021</a:t>
+              <a:t>25.11.2021</a:t>
             </a:fld>
             <a:endParaRPr lang="ru-RU"/>
           </a:p>
@@ -1054,7 +1054,7 @@
             <a:fld id="{85A5DE44-605B-4D3B-B2B7-94543DF81A36}" type="datetimeFigureOut">
               <a:rPr lang="ru-RU" smtClean="0"/>
               <a:pPr/>
-              <a:t>23.11.2021</a:t>
+              <a:t>25.11.2021</a:t>
             </a:fld>
             <a:endParaRPr lang="ru-RU"/>
           </a:p>
@@ -1226,7 +1226,7 @@
             <a:fld id="{85A5DE44-605B-4D3B-B2B7-94543DF81A36}" type="datetimeFigureOut">
               <a:rPr lang="ru-RU" smtClean="0"/>
               <a:pPr/>
-              <a:t>23.11.2021</a:t>
+              <a:t>25.11.2021</a:t>
             </a:fld>
             <a:endParaRPr lang="ru-RU"/>
           </a:p>
@@ -1474,7 +1474,7 @@
             <a:fld id="{85A5DE44-605B-4D3B-B2B7-94543DF81A36}" type="datetimeFigureOut">
               <a:rPr lang="ru-RU" smtClean="0"/>
               <a:pPr/>
-              <a:t>23.11.2021</a:t>
+              <a:t>25.11.2021</a:t>
             </a:fld>
             <a:endParaRPr lang="ru-RU"/>
           </a:p>
@@ -1708,7 +1708,7 @@
             <a:fld id="{85A5DE44-605B-4D3B-B2B7-94543DF81A36}" type="datetimeFigureOut">
               <a:rPr lang="ru-RU" smtClean="0"/>
               <a:pPr/>
-              <a:t>23.11.2021</a:t>
+              <a:t>25.11.2021</a:t>
             </a:fld>
             <a:endParaRPr lang="ru-RU"/>
           </a:p>
@@ -2077,7 +2077,7 @@
             <a:fld id="{85A5DE44-605B-4D3B-B2B7-94543DF81A36}" type="datetimeFigureOut">
               <a:rPr lang="ru-RU" smtClean="0"/>
               <a:pPr/>
-              <a:t>23.11.2021</a:t>
+              <a:t>25.11.2021</a:t>
             </a:fld>
             <a:endParaRPr lang="ru-RU"/>
           </a:p>
@@ -2197,7 +2197,7 @@
             <a:fld id="{85A5DE44-605B-4D3B-B2B7-94543DF81A36}" type="datetimeFigureOut">
               <a:rPr lang="ru-RU" smtClean="0"/>
               <a:pPr/>
-              <a:t>23.11.2021</a:t>
+              <a:t>25.11.2021</a:t>
             </a:fld>
             <a:endParaRPr lang="ru-RU"/>
           </a:p>
@@ -2294,7 +2294,7 @@
             <a:fld id="{85A5DE44-605B-4D3B-B2B7-94543DF81A36}" type="datetimeFigureOut">
               <a:rPr lang="ru-RU" smtClean="0"/>
               <a:pPr/>
-              <a:t>23.11.2021</a:t>
+              <a:t>25.11.2021</a:t>
             </a:fld>
             <a:endParaRPr lang="ru-RU"/>
           </a:p>
@@ -2573,7 +2573,7 @@
             <a:fld id="{85A5DE44-605B-4D3B-B2B7-94543DF81A36}" type="datetimeFigureOut">
               <a:rPr lang="ru-RU" smtClean="0"/>
               <a:pPr/>
-              <a:t>23.11.2021</a:t>
+              <a:t>25.11.2021</a:t>
             </a:fld>
             <a:endParaRPr lang="ru-RU"/>
           </a:p>
@@ -2832,7 +2832,7 @@
             <a:fld id="{85A5DE44-605B-4D3B-B2B7-94543DF81A36}" type="datetimeFigureOut">
               <a:rPr lang="ru-RU" smtClean="0"/>
               <a:pPr/>
-              <a:t>23.11.2021</a:t>
+              <a:t>25.11.2021</a:t>
             </a:fld>
             <a:endParaRPr lang="ru-RU"/>
           </a:p>
@@ -3047,7 +3047,7 @@
             <a:fld id="{85A5DE44-605B-4D3B-B2B7-94543DF81A36}" type="datetimeFigureOut">
               <a:rPr lang="ru-RU" smtClean="0"/>
               <a:pPr/>
-              <a:t>23.11.2021</a:t>
+              <a:t>25.11.2021</a:t>
             </a:fld>
             <a:endParaRPr lang="ru-RU"/>
           </a:p>
@@ -3673,6 +3673,49 @@
             <a:pPr algn="ctr"/>
             <a:r>
               <a:rPr lang="ru-RU" sz="1400" dirty="0"/>
+              <a:t>Добыча каучука</a:t>
+            </a:r>
+            <a:endParaRPr lang="ru-RU" sz="1000" dirty="0"/>
+          </a:p>
+        </p:txBody>
+      </p:sp>
+      <p:sp>
+        <p:nvSpPr>
+          <p:cNvPr id="302" name="Прямоугольник 301"/>
+          <p:cNvSpPr/>
+          <p:nvPr/>
+        </p:nvSpPr>
+        <p:spPr>
+          <a:xfrm>
+            <a:off x="1190722" y="2943252"/>
+            <a:ext cx="2115918" cy="1080000"/>
+          </a:xfrm>
+          <a:prstGeom prst="rect">
+            <a:avLst/>
+          </a:prstGeom>
+          <a:ln w="28575"/>
+        </p:spPr>
+        <p:style>
+          <a:lnRef idx="2">
+            <a:schemeClr val="accent1"/>
+          </a:lnRef>
+          <a:fillRef idx="1">
+            <a:schemeClr val="lt1"/>
+          </a:fillRef>
+          <a:effectRef idx="0">
+            <a:schemeClr val="accent1"/>
+          </a:effectRef>
+          <a:fontRef idx="minor">
+            <a:schemeClr val="dk1"/>
+          </a:fontRef>
+        </p:style>
+        <p:txBody>
+          <a:bodyPr lIns="124733" tIns="62367" rIns="124733" bIns="62367" rtlCol="0" anchor="ctr"/>
+          <a:lstStyle/>
+          <a:p>
+            <a:pPr algn="ctr"/>
+            <a:r>
+              <a:rPr lang="ru-RU" sz="1400" dirty="0"/>
               <a:t>Добыча </a:t>
             </a:r>
             <a:r>
@@ -3680,53 +3723,6 @@
               <a:t>Хлопка</a:t>
             </a:r>
             <a:endParaRPr lang="ru-RU" sz="800" dirty="0"/>
-          </a:p>
-        </p:txBody>
-      </p:sp>
-      <p:sp>
-        <p:nvSpPr>
-          <p:cNvPr id="302" name="Прямоугольник 301"/>
-          <p:cNvSpPr/>
-          <p:nvPr/>
-        </p:nvSpPr>
-        <p:spPr>
-          <a:xfrm>
-            <a:off x="1190722" y="2943252"/>
-            <a:ext cx="2115918" cy="1080000"/>
-          </a:xfrm>
-          <a:prstGeom prst="rect">
-            <a:avLst/>
-          </a:prstGeom>
-          <a:ln w="28575"/>
-        </p:spPr>
-        <p:style>
-          <a:lnRef idx="2">
-            <a:schemeClr val="accent1"/>
-          </a:lnRef>
-          <a:fillRef idx="1">
-            <a:schemeClr val="lt1"/>
-          </a:fillRef>
-          <a:effectRef idx="0">
-            <a:schemeClr val="accent1"/>
-          </a:effectRef>
-          <a:fontRef idx="minor">
-            <a:schemeClr val="dk1"/>
-          </a:fontRef>
-        </p:style>
-        <p:txBody>
-          <a:bodyPr lIns="124733" tIns="62367" rIns="124733" bIns="62367" rtlCol="0" anchor="ctr"/>
-          <a:lstStyle/>
-          <a:p>
-            <a:pPr algn="ctr"/>
-            <a:r>
-              <a:rPr lang="ru-RU" sz="1400" dirty="0"/>
-              <a:t>Добыча </a:t>
-            </a:r>
-            <a:r>
-              <a:rPr lang="ru-RU" sz="1400" dirty="0" smtClean="0"/>
-              <a:t>каучука</a:t>
-            </a:r>
-            <a:endParaRPr lang="ru-RU" sz="1000" dirty="0"/>
           </a:p>
         </p:txBody>
       </p:sp>
@@ -3961,84 +3957,6 @@
       </p:cxnSp>
       <p:sp>
         <p:nvSpPr>
-          <p:cNvPr id="327" name="Прямоугольник 326"/>
-          <p:cNvSpPr/>
-          <p:nvPr/>
-        </p:nvSpPr>
-        <p:spPr>
-          <a:xfrm>
-            <a:off x="9417195" y="9110358"/>
-            <a:ext cx="2115918" cy="1080000"/>
-          </a:xfrm>
-          <a:prstGeom prst="rect">
-            <a:avLst/>
-          </a:prstGeom>
-          <a:ln w="28575"/>
-        </p:spPr>
-        <p:style>
-          <a:lnRef idx="2">
-            <a:schemeClr val="accent1"/>
-          </a:lnRef>
-          <a:fillRef idx="1">
-            <a:schemeClr val="lt1"/>
-          </a:fillRef>
-          <a:effectRef idx="0">
-            <a:schemeClr val="accent1"/>
-          </a:effectRef>
-          <a:fontRef idx="minor">
-            <a:schemeClr val="dk1"/>
-          </a:fontRef>
-        </p:style>
-        <p:txBody>
-          <a:bodyPr lIns="124733" tIns="62367" rIns="124733" bIns="62367" rtlCol="0" anchor="ctr"/>
-          <a:lstStyle/>
-          <a:p>
-            <a:pPr algn="ctr"/>
-            <a:r>
-              <a:rPr lang="ru-RU" sz="1400" dirty="0" smtClean="0"/>
-              <a:t>Экспорт Урана в США </a:t>
-            </a:r>
-            <a:r>
-              <a:rPr lang="ru-RU" sz="1200" dirty="0" smtClean="0"/>
-              <a:t>(ПОКА ЧТО ЭТОГО ФОКУСА НЕ БУДЕТ ДО РЕВОРКА ЯО) </a:t>
-            </a:r>
-            <a:r>
-              <a:rPr lang="ru-RU" sz="500" dirty="0" smtClean="0"/>
-              <a:t>(Бельгийское </a:t>
-            </a:r>
-            <a:r>
-              <a:rPr lang="ru-RU" sz="500" dirty="0"/>
-              <a:t>Конго было основным экспортером урана в США во время Второй мировой войны (а также во время холодной войны ), в основном благодаря руднику </a:t>
-            </a:r>
-            <a:r>
-              <a:rPr lang="ru-RU" sz="500" dirty="0" err="1"/>
-              <a:t>Шинколобверан</a:t>
-            </a:r>
-            <a:r>
-              <a:rPr lang="ru-RU" sz="500" dirty="0"/>
-              <a:t>, необходимый для разработки Манхэттенского проекта , а также Хиросимы , поступил из </a:t>
-            </a:r>
-            <a:r>
-              <a:rPr lang="ru-RU" sz="500" dirty="0" err="1"/>
-              <a:t>колонии.и</a:t>
-            </a:r>
-            <a:r>
-              <a:rPr lang="ru-RU" sz="500" dirty="0"/>
-              <a:t> Нагасаки о бросании бомб </a:t>
-            </a:r>
-            <a:r>
-              <a:rPr lang="ru-RU" sz="500" dirty="0" err="1"/>
-              <a:t>атомикоэна</a:t>
-            </a:r>
-            <a:r>
-              <a:rPr lang="ru-RU" sz="500" dirty="0"/>
-              <a:t> в [33] [34] . Это уран из Конго, США отправили войска в Конго и для улучшения инфраструктуры рудников в порт)</a:t>
-            </a:r>
-          </a:p>
-        </p:txBody>
-      </p:sp>
-      <p:sp>
-        <p:nvSpPr>
           <p:cNvPr id="328" name="Прямоугольник 327"/>
           <p:cNvSpPr/>
           <p:nvPr/>
@@ -4078,21 +3996,10 @@
           <a:p>
             <a:pPr algn="ctr"/>
             <a:r>
-              <a:rPr lang="ru-RU" sz="1400" dirty="0"/>
-              <a:t>Девальвация </a:t>
-            </a:r>
-            <a:r>
-              <a:rPr lang="ru-RU" sz="1400" dirty="0" err="1"/>
-              <a:t>Коглолезского</a:t>
-            </a:r>
-            <a:r>
-              <a:rPr lang="ru-RU" sz="1400" dirty="0"/>
-              <a:t> франка </a:t>
-            </a:r>
-            <a:r>
-              <a:rPr lang="ru-RU" sz="500" dirty="0"/>
-              <a:t>(Лондон по просьбе Бельгийского Конго было решено принять участие в усилиях союзников [37] . Британцы проявляли особый интерес к участию Конго, главным образом потому, что теперь это была одна из немногих возможностей для получения различного сырья (особенно каучука). Бельгия приняла пакт и выполнила требования Великобритании, включая девальвацию конголезского франка .)</a:t>
-            </a:r>
+              <a:rPr lang="ru-RU" sz="1400" dirty="0" smtClean="0"/>
+              <a:t>Девальвация Конголезского франка</a:t>
+            </a:r>
+            <a:endParaRPr lang="ru-RU" sz="500" dirty="0"/>
           </a:p>
         </p:txBody>
       </p:sp>
@@ -5021,11 +4928,19 @@
             </a:r>
             <a:r>
               <a:rPr lang="ru-RU" sz="1400" dirty="0" err="1" smtClean="0"/>
-              <a:t>Лукула</a:t>
+              <a:t>Вичиконго</a:t>
             </a:r>
             <a:r>
               <a:rPr lang="ru-RU" sz="1400" dirty="0" smtClean="0"/>
-              <a:t>-Чела (1938)</a:t>
+              <a:t> </a:t>
+            </a:r>
+            <a:r>
+              <a:rPr lang="ru-RU" sz="1400" dirty="0" smtClean="0"/>
+              <a:t>(</a:t>
+            </a:r>
+            <a:r>
+              <a:rPr lang="ru-RU" sz="1400" dirty="0" smtClean="0"/>
+              <a:t>1937)</a:t>
             </a:r>
             <a:endParaRPr lang="ru-RU" sz="500" dirty="0"/>
           </a:p>
@@ -5824,44 +5739,6 @@
       </p:cxnSp>
       <p:cxnSp>
         <p:nvCxnSpPr>
-          <p:cNvPr id="131" name="Соединительная линия уступом 130"/>
-          <p:cNvCxnSpPr>
-            <a:stCxn id="93" idx="2"/>
-            <a:endCxn id="327" idx="0"/>
-          </p:cNvCxnSpPr>
-          <p:nvPr/>
-        </p:nvCxnSpPr>
-        <p:spPr>
-          <a:xfrm rot="16200000" flipH="1">
-            <a:off x="9654066" y="8289269"/>
-            <a:ext cx="462985" cy="1179191"/>
-          </a:xfrm>
-          <a:prstGeom prst="bentConnector3">
-            <a:avLst>
-              <a:gd name="adj1" fmla="val 50000"/>
-            </a:avLst>
-          </a:prstGeom>
-          <a:ln w="28575">
-            <a:tailEnd type="arrow"/>
-          </a:ln>
-        </p:spPr>
-        <p:style>
-          <a:lnRef idx="1">
-            <a:schemeClr val="accent1"/>
-          </a:lnRef>
-          <a:fillRef idx="0">
-            <a:schemeClr val="accent1"/>
-          </a:fillRef>
-          <a:effectRef idx="0">
-            <a:schemeClr val="accent1"/>
-          </a:effectRef>
-          <a:fontRef idx="minor">
-            <a:schemeClr val="tx1"/>
-          </a:fontRef>
-        </p:style>
-      </p:cxnSp>
-      <p:cxnSp>
-        <p:nvCxnSpPr>
           <p:cNvPr id="137" name="Прямая со стрелкой 136"/>
           <p:cNvCxnSpPr>
             <a:stCxn id="94" idx="2"/>
@@ -6128,7 +6005,7 @@
         </p:nvSpPr>
         <p:spPr>
           <a:xfrm>
-            <a:off x="11775687" y="9110358"/>
+            <a:off x="10580302" y="9105521"/>
             <a:ext cx="2115918" cy="1080000"/>
           </a:xfrm>
           <a:prstGeom prst="rect">
@@ -6217,8 +6094,8 @@
         </p:nvCxnSpPr>
         <p:spPr>
           <a:xfrm rot="16200000" flipH="1">
-            <a:off x="10833312" y="7110023"/>
-            <a:ext cx="462985" cy="3537683"/>
+            <a:off x="10238038" y="7705298"/>
+            <a:ext cx="458148" cy="2342298"/>
           </a:xfrm>
           <a:prstGeom prst="bentConnector3">
             <a:avLst>
@@ -6282,42 +6159,6 @@
           </a:fontRef>
         </p:style>
       </p:cxnSp>
-      <p:cxnSp>
-        <p:nvCxnSpPr>
-          <p:cNvPr id="178" name="Прямая со стрелкой 177"/>
-          <p:cNvCxnSpPr>
-            <a:stCxn id="165" idx="2"/>
-            <a:endCxn id="166" idx="0"/>
-          </p:cNvCxnSpPr>
-          <p:nvPr/>
-        </p:nvCxnSpPr>
-        <p:spPr>
-          <a:xfrm>
-            <a:off x="12833646" y="10190358"/>
-            <a:ext cx="0" cy="428739"/>
-          </a:xfrm>
-          <a:prstGeom prst="straightConnector1">
-            <a:avLst/>
-          </a:prstGeom>
-          <a:ln w="28575">
-            <a:tailEnd type="arrow"/>
-          </a:ln>
-        </p:spPr>
-        <p:style>
-          <a:lnRef idx="1">
-            <a:schemeClr val="accent1"/>
-          </a:lnRef>
-          <a:fillRef idx="0">
-            <a:schemeClr val="accent1"/>
-          </a:fillRef>
-          <a:effectRef idx="0">
-            <a:schemeClr val="accent1"/>
-          </a:effectRef>
-          <a:fontRef idx="minor">
-            <a:schemeClr val="tx1"/>
-          </a:fontRef>
-        </p:style>
-      </p:cxnSp>
       <p:sp>
         <p:nvSpPr>
           <p:cNvPr id="185" name="Прямоугольник 184"/>
@@ -9394,16 +9235,8 @@
               <a:t>Подчиниться новому правительству </a:t>
             </a:r>
             <a:r>
-              <a:rPr lang="ru-RU" sz="1400" dirty="0"/>
-              <a:t>Брюсселя </a:t>
-            </a:r>
-            <a:r>
-              <a:rPr lang="ru-RU" sz="800" dirty="0"/>
-              <a:t>(Британцы были уверены, что Конго не попадет в руки Оси, и планировали вторгнуться в колонию и оккупировать ее, если бельгийцы не придут к соглашению</a:t>
-            </a:r>
-            <a:r>
-              <a:rPr lang="ru-RU" sz="800" dirty="0" smtClean="0"/>
-              <a:t>.)</a:t>
+              <a:rPr lang="ru-RU" sz="1400" dirty="0" smtClean="0"/>
+              <a:t>Брюсселя</a:t>
             </a:r>
             <a:endParaRPr lang="ru-RU" sz="100" dirty="0"/>
           </a:p>
@@ -9661,19 +9494,11 @@
             <a:pPr algn="ctr"/>
             <a:r>
               <a:rPr lang="ru-RU" sz="1400" dirty="0" smtClean="0"/>
-              <a:t>Провести реструктуризацию </a:t>
-            </a:r>
-            <a:r>
-              <a:rPr lang="ru-RU" sz="1200" dirty="0"/>
-              <a:t>(изменение профессии, увеличение необходимого </a:t>
-            </a:r>
-            <a:r>
-              <a:rPr lang="ru-RU" sz="1200" dirty="0" err="1" smtClean="0"/>
-              <a:t>production</a:t>
-            </a:r>
-            <a:r>
-              <a:rPr lang="ru-RU" sz="1200" dirty="0" smtClean="0"/>
-              <a:t>)</a:t>
+              <a:t>Провести </a:t>
+            </a:r>
+            <a:r>
+              <a:rPr lang="ru-RU" sz="1400" dirty="0" smtClean="0"/>
+              <a:t>реструктуризацию</a:t>
             </a:r>
             <a:endParaRPr lang="ru-RU" sz="400" dirty="0"/>
           </a:p>
@@ -9721,7 +9546,15 @@
             <a:pPr algn="ctr"/>
             <a:r>
               <a:rPr lang="ru-RU" sz="1400" dirty="0" smtClean="0"/>
-              <a:t>Подпустить Рейх к разработке Урана</a:t>
+              <a:t>Подпустить Рейх к разработке </a:t>
+            </a:r>
+            <a:r>
+              <a:rPr lang="ru-RU" sz="1400" dirty="0" smtClean="0"/>
+              <a:t>Урана </a:t>
+            </a:r>
+            <a:r>
+              <a:rPr lang="ru-RU" sz="800" dirty="0"/>
+              <a:t>(ПОКА ЧТО ЭТОГО ФОКУСА НЕ БУДЕТ ДО РЕВОРКА ЯО) </a:t>
             </a:r>
             <a:endParaRPr lang="ru-RU" sz="500" dirty="0"/>
           </a:p>
@@ -9769,19 +9602,15 @@
             <a:pPr algn="ctr"/>
             <a:r>
               <a:rPr lang="ru-RU" sz="1400" dirty="0" smtClean="0"/>
-              <a:t>Экономическое соглашение с Великобританией </a:t>
-            </a:r>
-            <a:r>
-              <a:rPr lang="ru-RU" sz="300" dirty="0" smtClean="0"/>
-              <a:t>(Так </a:t>
-            </a:r>
-            <a:r>
-              <a:rPr lang="ru-RU" sz="300" dirty="0"/>
-              <a:t>что21 января 1941 г., он подписывает экономическое соглашение с Великобританией после того, как Черчилль объясняет ему потребности, которых не хватает союзникам. Цель этого соглашения - установить определенное количество продуктов, которые англичане обязуются покупать у них до тех пор, пока31 августа 1941 г.[ 9 ] [21] . Это золото и олово-металл, основные материалы войны [ 34 ], а также уран</a:t>
-            </a:r>
-            <a:r>
-              <a:rPr lang="ru-RU" sz="300" dirty="0" smtClean="0"/>
-              <a:t>.</a:t>
+              <a:t>Экономическое соглашение с Великобританией (</a:t>
+            </a:r>
+            <a:r>
+              <a:rPr lang="ru-RU" sz="1400" dirty="0" err="1" smtClean="0"/>
+              <a:t>ист</a:t>
+            </a:r>
+            <a:r>
+              <a:rPr lang="ru-RU" sz="1400" dirty="0" smtClean="0"/>
+              <a:t> 21 января 1941)</a:t>
             </a:r>
             <a:endParaRPr lang="ru-RU" sz="300" dirty="0"/>
           </a:p>
@@ -10000,10 +9829,42 @@
           <a:p>
             <a:pPr algn="ctr"/>
             <a:r>
-              <a:rPr lang="ru-RU" sz="1400" dirty="0" smtClean="0"/>
-              <a:t>Стремление к освобождению Эфиопии (наше)</a:t>
-            </a:r>
-            <a:endParaRPr lang="ru-RU" sz="500" dirty="0"/>
+              <a:rPr lang="ru-RU" sz="1400" dirty="0"/>
+              <a:t>Экспорт Урана в США </a:t>
+            </a:r>
+            <a:r>
+              <a:rPr lang="ru-RU" sz="900" dirty="0"/>
+              <a:t>(ПОКА ЧТО ЭТОГО ФОКУСА НЕ БУДЕТ ДО РЕВОРКА ЯО) </a:t>
+            </a:r>
+            <a:r>
+              <a:rPr lang="ru-RU" sz="200" dirty="0"/>
+              <a:t>(Бельгийское Конго было основным экспортером урана в США во время Второй мировой войны (а также во время холодной войны ), в основном благодаря руднику </a:t>
+            </a:r>
+            <a:r>
+              <a:rPr lang="ru-RU" sz="200" dirty="0" err="1"/>
+              <a:t>Шинколобверан</a:t>
+            </a:r>
+            <a:r>
+              <a:rPr lang="ru-RU" sz="200" dirty="0"/>
+              <a:t>, необходимый для разработки Манхэттенского проекта , а также Хиросимы , поступил из </a:t>
+            </a:r>
+            <a:r>
+              <a:rPr lang="ru-RU" sz="200" dirty="0" err="1"/>
+              <a:t>колонии.и</a:t>
+            </a:r>
+            <a:r>
+              <a:rPr lang="ru-RU" sz="200" dirty="0"/>
+              <a:t> Нагасаки о бросании бомб </a:t>
+            </a:r>
+            <a:r>
+              <a:rPr lang="ru-RU" sz="200" dirty="0" err="1"/>
+              <a:t>атомикоэна</a:t>
+            </a:r>
+            <a:r>
+              <a:rPr lang="ru-RU" sz="200" dirty="0"/>
+              <a:t> в [33] [34] . Это уран из Конго, США отправили войска в Конго и для улучшения инфраструктуры рудников в порт)</a:t>
+            </a:r>
+            <a:endParaRPr lang="ru-RU" sz="200" dirty="0"/>
           </a:p>
         </p:txBody>
       </p:sp>
@@ -10667,52 +10528,13 @@
             <a:pPr algn="ctr"/>
             <a:r>
               <a:rPr lang="ru-RU" sz="1400" dirty="0" smtClean="0"/>
-              <a:t>Вход экономики в области стерлингов </a:t>
-            </a:r>
-            <a:r>
-              <a:rPr lang="ru-RU" sz="500" dirty="0"/>
-              <a:t>вход Конго в области стерлингов . [13] [25] С официальным соглашением и конголезским заявлением о поддержке союзников, экономика Конго - в частности, производство важного сырья - была передана в распоряжение союзников. [24] Хотя </a:t>
-            </a:r>
-            <a:r>
-              <a:rPr lang="ru-RU" sz="500" dirty="0" err="1"/>
-              <a:t>Рикманы</a:t>
-            </a:r>
-            <a:r>
-              <a:rPr lang="ru-RU" sz="500" dirty="0"/>
-              <a:t> и </a:t>
-            </a:r>
-            <a:r>
-              <a:rPr lang="ru-RU" sz="500" dirty="0" err="1"/>
-              <a:t>лидерыBanque</a:t>
-            </a:r>
-            <a:r>
-              <a:rPr lang="ru-RU" sz="500" dirty="0"/>
-              <a:t> </a:t>
-            </a:r>
-            <a:r>
-              <a:rPr lang="ru-RU" sz="500" dirty="0" err="1"/>
-              <a:t>du</a:t>
-            </a:r>
-            <a:r>
-              <a:rPr lang="ru-RU" sz="500" dirty="0"/>
-              <a:t> </a:t>
-            </a:r>
-            <a:r>
-              <a:rPr lang="ru-RU" sz="500" dirty="0" err="1"/>
-              <a:t>Congo</a:t>
-            </a:r>
-            <a:r>
-              <a:rPr lang="ru-RU" sz="500" dirty="0"/>
-              <a:t> </a:t>
-            </a:r>
-            <a:r>
-              <a:rPr lang="ru-RU" sz="500" dirty="0" err="1"/>
-              <a:t>Belge</a:t>
-            </a:r>
-            <a:r>
-              <a:rPr lang="ru-RU" sz="500" dirty="0"/>
-              <a:t> ( центральный банк Конго ) был доволен вступлением в зону фунта стерлингов, которая гарантировала экспортный рынок для территории, им категорически не понравились фиксированные цены, заключенные в соглашении, которые были выгодны Соединенному Королевству, и обеспокоены тем, что только торговля с фунтом стерлингов может негативно повлиять на валютные резервы Конго</a:t>
-            </a:r>
+              <a:t>Вход экономики в области </a:t>
+            </a:r>
+            <a:r>
+              <a:rPr lang="ru-RU" sz="1400" dirty="0" smtClean="0"/>
+              <a:t>стерлингов</a:t>
+            </a:r>
+            <a:endParaRPr lang="ru-RU" sz="500" dirty="0"/>
           </a:p>
         </p:txBody>
       </p:sp>
@@ -12700,6 +12522,211 @@
           </a:p>
         </p:txBody>
       </p:sp>
+      <p:sp>
+        <p:nvSpPr>
+          <p:cNvPr id="286" name="Прямоугольник 285"/>
+          <p:cNvSpPr/>
+          <p:nvPr/>
+        </p:nvSpPr>
+        <p:spPr>
+          <a:xfrm>
+            <a:off x="17976" y="6013828"/>
+            <a:ext cx="2115918" cy="1080000"/>
+          </a:xfrm>
+          <a:prstGeom prst="rect">
+            <a:avLst/>
+          </a:prstGeom>
+          <a:ln w="28575"/>
+        </p:spPr>
+        <p:style>
+          <a:lnRef idx="2">
+            <a:schemeClr val="accent1"/>
+          </a:lnRef>
+          <a:fillRef idx="1">
+            <a:schemeClr val="lt1"/>
+          </a:fillRef>
+          <a:effectRef idx="0">
+            <a:schemeClr val="accent1"/>
+          </a:effectRef>
+          <a:fontRef idx="minor">
+            <a:schemeClr val="dk1"/>
+          </a:fontRef>
+        </p:style>
+        <p:txBody>
+          <a:bodyPr lIns="124733" tIns="62367" rIns="124733" bIns="62367" rtlCol="0" anchor="ctr"/>
+          <a:lstStyle/>
+          <a:p>
+            <a:pPr algn="ctr"/>
+            <a:r>
+              <a:rPr lang="ru-RU" sz="1400" dirty="0" smtClean="0"/>
+              <a:t>«Хлопковые дороги»</a:t>
+            </a:r>
+            <a:endParaRPr lang="ru-RU" sz="100" dirty="0"/>
+          </a:p>
+        </p:txBody>
+      </p:sp>
+      <p:cxnSp>
+        <p:nvCxnSpPr>
+          <p:cNvPr id="287" name="Соединительная линия уступом 286"/>
+          <p:cNvCxnSpPr>
+            <a:stCxn id="302" idx="2"/>
+            <a:endCxn id="286" idx="0"/>
+          </p:cNvCxnSpPr>
+          <p:nvPr/>
+        </p:nvCxnSpPr>
+        <p:spPr>
+          <a:xfrm rot="5400000">
+            <a:off x="667020" y="4432167"/>
+            <a:ext cx="1990576" cy="1172746"/>
+          </a:xfrm>
+          <a:prstGeom prst="bentConnector3">
+            <a:avLst>
+              <a:gd name="adj1" fmla="val 12376"/>
+            </a:avLst>
+          </a:prstGeom>
+          <a:ln w="28575">
+            <a:tailEnd type="arrow"/>
+          </a:ln>
+        </p:spPr>
+        <p:style>
+          <a:lnRef idx="1">
+            <a:schemeClr val="accent1"/>
+          </a:lnRef>
+          <a:fillRef idx="0">
+            <a:schemeClr val="accent1"/>
+          </a:fillRef>
+          <a:effectRef idx="0">
+            <a:schemeClr val="accent1"/>
+          </a:effectRef>
+          <a:fontRef idx="minor">
+            <a:schemeClr val="tx1"/>
+          </a:fontRef>
+        </p:style>
+      </p:cxnSp>
+      <p:sp>
+        <p:nvSpPr>
+          <p:cNvPr id="288" name="Прямоугольник 287"/>
+          <p:cNvSpPr/>
+          <p:nvPr/>
+        </p:nvSpPr>
+        <p:spPr>
+          <a:xfrm>
+            <a:off x="16471778" y="10617297"/>
+            <a:ext cx="2115918" cy="1080000"/>
+          </a:xfrm>
+          <a:prstGeom prst="rect">
+            <a:avLst/>
+          </a:prstGeom>
+          <a:solidFill>
+            <a:schemeClr val="bg2">
+              <a:lumMod val="75000"/>
+            </a:schemeClr>
+          </a:solidFill>
+          <a:ln w="28575"/>
+        </p:spPr>
+        <p:style>
+          <a:lnRef idx="2">
+            <a:schemeClr val="accent1"/>
+          </a:lnRef>
+          <a:fillRef idx="1">
+            <a:schemeClr val="lt1"/>
+          </a:fillRef>
+          <a:effectRef idx="0">
+            <a:schemeClr val="accent1"/>
+          </a:effectRef>
+          <a:fontRef idx="minor">
+            <a:schemeClr val="dk1"/>
+          </a:fontRef>
+        </p:style>
+        <p:txBody>
+          <a:bodyPr lIns="124733" tIns="62367" rIns="124733" bIns="62367" rtlCol="0" anchor="ctr"/>
+          <a:lstStyle/>
+          <a:p>
+            <a:pPr algn="ctr"/>
+            <a:r>
+              <a:rPr lang="ru-RU" sz="1400" dirty="0" smtClean="0"/>
+              <a:t>Стремление к освобождению Эфиопии (наше)</a:t>
+            </a:r>
+            <a:endParaRPr lang="ru-RU" sz="500" dirty="0"/>
+          </a:p>
+        </p:txBody>
+      </p:sp>
+      <p:cxnSp>
+        <p:nvCxnSpPr>
+          <p:cNvPr id="289" name="Соединительная линия уступом 288"/>
+          <p:cNvCxnSpPr>
+            <a:stCxn id="165" idx="2"/>
+            <a:endCxn id="166" idx="0"/>
+          </p:cNvCxnSpPr>
+          <p:nvPr/>
+        </p:nvCxnSpPr>
+        <p:spPr>
+          <a:xfrm rot="16200000" flipH="1">
+            <a:off x="12019165" y="9804616"/>
+            <a:ext cx="433576" cy="1195385"/>
+          </a:xfrm>
+          <a:prstGeom prst="bentConnector3">
+            <a:avLst>
+              <a:gd name="adj1" fmla="val 50000"/>
+            </a:avLst>
+          </a:prstGeom>
+          <a:ln w="28575">
+            <a:tailEnd type="arrow"/>
+          </a:ln>
+        </p:spPr>
+        <p:style>
+          <a:lnRef idx="1">
+            <a:schemeClr val="accent1"/>
+          </a:lnRef>
+          <a:fillRef idx="0">
+            <a:schemeClr val="accent1"/>
+          </a:fillRef>
+          <a:effectRef idx="0">
+            <a:schemeClr val="accent1"/>
+          </a:effectRef>
+          <a:fontRef idx="minor">
+            <a:schemeClr val="tx1"/>
+          </a:fontRef>
+        </p:style>
+      </p:cxnSp>
+      <p:cxnSp>
+        <p:nvCxnSpPr>
+          <p:cNvPr id="290" name="Соединительная линия уступом 289"/>
+          <p:cNvCxnSpPr>
+            <a:stCxn id="198" idx="2"/>
+            <a:endCxn id="288" idx="0"/>
+          </p:cNvCxnSpPr>
+          <p:nvPr/>
+        </p:nvCxnSpPr>
+        <p:spPr>
+          <a:xfrm rot="16200000" flipH="1">
+            <a:off x="16142781" y="9230341"/>
+            <a:ext cx="428804" cy="2345107"/>
+          </a:xfrm>
+          <a:prstGeom prst="bentConnector3">
+            <a:avLst>
+              <a:gd name="adj1" fmla="val 50000"/>
+            </a:avLst>
+          </a:prstGeom>
+          <a:ln w="28575">
+            <a:tailEnd type="arrow"/>
+          </a:ln>
+        </p:spPr>
+        <p:style>
+          <a:lnRef idx="1">
+            <a:schemeClr val="accent1"/>
+          </a:lnRef>
+          <a:fillRef idx="0">
+            <a:schemeClr val="accent1"/>
+          </a:fillRef>
+          <a:effectRef idx="0">
+            <a:schemeClr val="accent1"/>
+          </a:effectRef>
+          <a:fontRef idx="minor">
+            <a:schemeClr val="tx1"/>
+          </a:fontRef>
+        </p:style>
+      </p:cxnSp>
     </p:spTree>
     <p:extLst>
       <p:ext uri="{BB962C8B-B14F-4D97-AF65-F5344CB8AC3E}">

--- a/Наработки/диздоки/Бельгийское Конго/Бельгийское Конго.pptx
+++ b/Наработки/диздоки/Бельгийское Конго/Бельгийское Конго.pptx
@@ -4932,15 +4932,7 @@
             </a:r>
             <a:r>
               <a:rPr lang="ru-RU" sz="1400" dirty="0" smtClean="0"/>
-              <a:t> </a:t>
-            </a:r>
-            <a:r>
-              <a:rPr lang="ru-RU" sz="1400" dirty="0" smtClean="0"/>
-              <a:t>(</a:t>
-            </a:r>
-            <a:r>
-              <a:rPr lang="ru-RU" sz="1400" dirty="0" smtClean="0"/>
-              <a:t>1937)</a:t>
+              <a:t> (1937)</a:t>
             </a:r>
             <a:endParaRPr lang="ru-RU" sz="500" dirty="0"/>
           </a:p>
@@ -9232,11 +9224,7 @@
             <a:pPr algn="ctr"/>
             <a:r>
               <a:rPr lang="ru-RU" sz="1400" dirty="0" smtClean="0"/>
-              <a:t>Подчиниться новому правительству </a:t>
-            </a:r>
-            <a:r>
-              <a:rPr lang="ru-RU" sz="1400" dirty="0" smtClean="0"/>
-              <a:t>Брюсселя</a:t>
+              <a:t>Подчиниться новому правительству Брюсселя</a:t>
             </a:r>
             <a:endParaRPr lang="ru-RU" sz="100" dirty="0"/>
           </a:p>
@@ -9494,11 +9482,7 @@
             <a:pPr algn="ctr"/>
             <a:r>
               <a:rPr lang="ru-RU" sz="1400" dirty="0" smtClean="0"/>
-              <a:t>Провести </a:t>
-            </a:r>
-            <a:r>
-              <a:rPr lang="ru-RU" sz="1400" dirty="0" smtClean="0"/>
-              <a:t>реструктуризацию</a:t>
+              <a:t>Провести реструктуризацию</a:t>
             </a:r>
             <a:endParaRPr lang="ru-RU" sz="400" dirty="0"/>
           </a:p>
@@ -9512,7 +9496,7 @@
         </p:nvSpPr>
         <p:spPr>
           <a:xfrm>
-            <a:off x="18825967" y="7452987"/>
+            <a:off x="21243705" y="7460492"/>
             <a:ext cx="2115918" cy="1080000"/>
           </a:xfrm>
           <a:prstGeom prst="rect">
@@ -9546,11 +9530,7 @@
             <a:pPr algn="ctr"/>
             <a:r>
               <a:rPr lang="ru-RU" sz="1400" dirty="0" smtClean="0"/>
-              <a:t>Подпустить Рейх к разработке </a:t>
-            </a:r>
-            <a:r>
-              <a:rPr lang="ru-RU" sz="1400" dirty="0" smtClean="0"/>
-              <a:t>Урана </a:t>
+              <a:t>Подпустить Рейх к разработке Урана </a:t>
             </a:r>
             <a:r>
               <a:rPr lang="ru-RU" sz="800" dirty="0"/>
@@ -9864,7 +9844,6 @@
               <a:rPr lang="ru-RU" sz="200" dirty="0"/>
               <a:t> в [33] [34] . Это уран из Конго, США отправили войска в Конго и для улучшения инфраструктуры рудников в порт)</a:t>
             </a:r>
-            <a:endParaRPr lang="ru-RU" sz="200" dirty="0"/>
           </a:p>
         </p:txBody>
       </p:sp>
@@ -9988,7 +9967,7 @@
         </p:nvSpPr>
         <p:spPr>
           <a:xfrm>
-            <a:off x="18825967" y="9105524"/>
+            <a:off x="18822970" y="7460492"/>
             <a:ext cx="2115918" cy="1080000"/>
           </a:xfrm>
           <a:prstGeom prst="rect">
@@ -10044,7 +10023,7 @@
         </p:nvSpPr>
         <p:spPr>
           <a:xfrm>
-            <a:off x="21243705" y="7460492"/>
+            <a:off x="19951584" y="10617297"/>
             <a:ext cx="2115918" cy="1080000"/>
           </a:xfrm>
           <a:prstGeom prst="rect">
@@ -10078,61 +10057,29 @@
             <a:pPr algn="ctr"/>
             <a:r>
               <a:rPr lang="ru-RU" sz="1400" dirty="0" smtClean="0"/>
-              <a:t>Вернуть Французское Конго (если Франция воюет с новым правительством)</a:t>
+              <a:t>Вернуть Французское </a:t>
+            </a:r>
+            <a:r>
+              <a:rPr lang="ru-RU" sz="1400" dirty="0" smtClean="0"/>
+              <a:t>Конго</a:t>
             </a:r>
             <a:endParaRPr lang="ru-RU" sz="500" dirty="0"/>
           </a:p>
         </p:txBody>
       </p:sp>
-      <p:cxnSp>
-        <p:nvCxnSpPr>
-          <p:cNvPr id="252" name="Прямая со стрелкой 251"/>
-          <p:cNvCxnSpPr>
-            <a:stCxn id="190" idx="2"/>
-            <a:endCxn id="249" idx="0"/>
-          </p:cNvCxnSpPr>
-          <p:nvPr/>
-        </p:nvCxnSpPr>
-        <p:spPr>
-          <a:xfrm>
-            <a:off x="19883926" y="8532987"/>
-            <a:ext cx="0" cy="572537"/>
-          </a:xfrm>
-          <a:prstGeom prst="straightConnector1">
-            <a:avLst/>
-          </a:prstGeom>
-          <a:ln w="28575">
-            <a:tailEnd type="arrow"/>
-          </a:ln>
-        </p:spPr>
-        <p:style>
-          <a:lnRef idx="1">
-            <a:schemeClr val="accent1"/>
-          </a:lnRef>
-          <a:fillRef idx="0">
-            <a:schemeClr val="accent1"/>
-          </a:fillRef>
-          <a:effectRef idx="0">
-            <a:schemeClr val="accent1"/>
-          </a:effectRef>
-          <a:fontRef idx="minor">
-            <a:schemeClr val="tx1"/>
-          </a:fontRef>
-        </p:style>
-      </p:cxnSp>
       <p:cxnSp>
         <p:nvCxnSpPr>
           <p:cNvPr id="253" name="Прямая со стрелкой 252"/>
           <p:cNvCxnSpPr>
             <a:stCxn id="171" idx="2"/>
-            <a:endCxn id="190" idx="0"/>
+            <a:endCxn id="249" idx="0"/>
           </p:cNvCxnSpPr>
           <p:nvPr/>
         </p:nvCxnSpPr>
         <p:spPr>
-          <a:xfrm>
-            <a:off x="19883926" y="7106763"/>
-            <a:ext cx="0" cy="346224"/>
+          <a:xfrm flipH="1">
+            <a:off x="19880929" y="7106763"/>
+            <a:ext cx="2997" cy="353729"/>
           </a:xfrm>
           <a:prstGeom prst="straightConnector1">
             <a:avLst/>
@@ -10160,15 +10107,15 @@
         <p:nvCxnSpPr>
           <p:cNvPr id="256" name="Соединительная линия уступом 255"/>
           <p:cNvCxnSpPr>
-            <a:stCxn id="171" idx="2"/>
-            <a:endCxn id="250" idx="0"/>
+            <a:stCxn id="249" idx="2"/>
+            <a:endCxn id="259" idx="0"/>
           </p:cNvCxnSpPr>
           <p:nvPr/>
         </p:nvCxnSpPr>
         <p:spPr>
           <a:xfrm rot="16200000" flipH="1">
-            <a:off x="20915931" y="6074758"/>
-            <a:ext cx="353729" cy="2417738"/>
+            <a:off x="20808780" y="7612640"/>
+            <a:ext cx="565032" cy="2420735"/>
           </a:xfrm>
           <a:prstGeom prst="bentConnector3">
             <a:avLst>
@@ -10236,88 +10183,16 @@
             <a:pPr algn="ctr"/>
             <a:r>
               <a:rPr lang="ru-RU" sz="1400" dirty="0" smtClean="0"/>
-              <a:t>Вернуть Португальское Конго (если Португалия воюет с новым правительством)</a:t>
+              <a:t>Вернуть Португальское </a:t>
+            </a:r>
+            <a:r>
+              <a:rPr lang="ru-RU" sz="1400" dirty="0" smtClean="0"/>
+              <a:t>Конго</a:t>
             </a:r>
             <a:endParaRPr lang="ru-RU" sz="500" dirty="0"/>
           </a:p>
         </p:txBody>
       </p:sp>
-      <p:cxnSp>
-        <p:nvCxnSpPr>
-          <p:cNvPr id="264" name="Соединительная линия уступом 263"/>
-          <p:cNvCxnSpPr>
-            <a:stCxn id="190" idx="2"/>
-            <a:endCxn id="259" idx="0"/>
-          </p:cNvCxnSpPr>
-          <p:nvPr/>
-        </p:nvCxnSpPr>
-        <p:spPr>
-          <a:xfrm rot="16200000" flipH="1">
-            <a:off x="20806527" y="7610386"/>
-            <a:ext cx="572537" cy="2417738"/>
-          </a:xfrm>
-          <a:prstGeom prst="bentConnector3">
-            <a:avLst>
-              <a:gd name="adj1" fmla="val 50000"/>
-            </a:avLst>
-          </a:prstGeom>
-          <a:ln w="28575">
-            <a:prstDash val="dash"/>
-            <a:tailEnd type="arrow"/>
-          </a:ln>
-        </p:spPr>
-        <p:style>
-          <a:lnRef idx="1">
-            <a:schemeClr val="accent1"/>
-          </a:lnRef>
-          <a:fillRef idx="0">
-            <a:schemeClr val="accent1"/>
-          </a:fillRef>
-          <a:effectRef idx="0">
-            <a:schemeClr val="accent1"/>
-          </a:effectRef>
-          <a:fontRef idx="minor">
-            <a:schemeClr val="tx1"/>
-          </a:fontRef>
-        </p:style>
-      </p:cxnSp>
-      <p:cxnSp>
-        <p:nvCxnSpPr>
-          <p:cNvPr id="265" name="Прямая со стрелкой 264"/>
-          <p:cNvCxnSpPr>
-            <a:stCxn id="250" idx="2"/>
-            <a:endCxn id="259" idx="0"/>
-          </p:cNvCxnSpPr>
-          <p:nvPr/>
-        </p:nvCxnSpPr>
-        <p:spPr>
-          <a:xfrm>
-            <a:off x="22301664" y="8540492"/>
-            <a:ext cx="0" cy="565032"/>
-          </a:xfrm>
-          <a:prstGeom prst="straightConnector1">
-            <a:avLst/>
-          </a:prstGeom>
-          <a:ln w="28575">
-            <a:prstDash val="dash"/>
-            <a:tailEnd type="arrow"/>
-          </a:ln>
-        </p:spPr>
-        <p:style>
-          <a:lnRef idx="1">
-            <a:schemeClr val="accent1"/>
-          </a:lnRef>
-          <a:fillRef idx="0">
-            <a:schemeClr val="accent1"/>
-          </a:fillRef>
-          <a:effectRef idx="0">
-            <a:schemeClr val="accent1"/>
-          </a:effectRef>
-          <a:fontRef idx="minor">
-            <a:schemeClr val="tx1"/>
-          </a:fontRef>
-        </p:style>
-      </p:cxnSp>
       <p:sp>
         <p:nvSpPr>
           <p:cNvPr id="163" name="Прямоугольник 162"/>
@@ -10528,11 +10403,7 @@
             <a:pPr algn="ctr"/>
             <a:r>
               <a:rPr lang="ru-RU" sz="1400" dirty="0" smtClean="0"/>
-              <a:t>Вход экономики в области </a:t>
-            </a:r>
-            <a:r>
-              <a:rPr lang="ru-RU" sz="1400" dirty="0" smtClean="0"/>
-              <a:t>стерлингов</a:t>
+              <a:t>Вход экономики в области стерлингов</a:t>
             </a:r>
             <a:endParaRPr lang="ru-RU" sz="500" dirty="0"/>
           </a:p>
@@ -10707,12 +10578,16 @@
               <a:t>производство транспорта </a:t>
             </a:r>
             <a:r>
-              <a:rPr lang="ru-RU" sz="900" dirty="0"/>
-              <a:t>(Колониальное правительство также значительно улучшило транспортные и производственные мощности во время </a:t>
-            </a:r>
-            <a:r>
               <a:rPr lang="ru-RU" sz="900" dirty="0" smtClean="0"/>
-              <a:t>войны)</a:t>
+              <a:t>(</a:t>
+            </a:r>
+            <a:r>
+              <a:rPr lang="ru-RU" sz="900" dirty="0" err="1" smtClean="0"/>
+              <a:t>ист</a:t>
+            </a:r>
+            <a:r>
+              <a:rPr lang="ru-RU" sz="900" dirty="0" smtClean="0"/>
+              <a:t> 1941)</a:t>
             </a:r>
             <a:endParaRPr lang="ru-RU" sz="200" dirty="0"/>
           </a:p>
@@ -12707,6 +12582,166 @@
             <a:avLst>
               <a:gd name="adj1" fmla="val 50000"/>
             </a:avLst>
+          </a:prstGeom>
+          <a:ln w="28575">
+            <a:tailEnd type="arrow"/>
+          </a:ln>
+        </p:spPr>
+        <p:style>
+          <a:lnRef idx="1">
+            <a:schemeClr val="accent1"/>
+          </a:lnRef>
+          <a:fillRef idx="0">
+            <a:schemeClr val="accent1"/>
+          </a:fillRef>
+          <a:effectRef idx="0">
+            <a:schemeClr val="accent1"/>
+          </a:effectRef>
+          <a:fontRef idx="minor">
+            <a:schemeClr val="tx1"/>
+          </a:fontRef>
+        </p:style>
+      </p:cxnSp>
+      <p:cxnSp>
+        <p:nvCxnSpPr>
+          <p:cNvPr id="291" name="Соединительная линия уступом 290"/>
+          <p:cNvCxnSpPr>
+            <a:stCxn id="249" idx="2"/>
+            <a:endCxn id="250" idx="0"/>
+          </p:cNvCxnSpPr>
+          <p:nvPr/>
+        </p:nvCxnSpPr>
+        <p:spPr>
+          <a:xfrm rot="16200000" flipH="1">
+            <a:off x="19406834" y="9014587"/>
+            <a:ext cx="2076805" cy="1128614"/>
+          </a:xfrm>
+          <a:prstGeom prst="bentConnector3">
+            <a:avLst>
+              <a:gd name="adj1" fmla="val 13768"/>
+            </a:avLst>
+          </a:prstGeom>
+          <a:ln w="28575">
+            <a:tailEnd type="arrow"/>
+          </a:ln>
+        </p:spPr>
+        <p:style>
+          <a:lnRef idx="1">
+            <a:schemeClr val="accent1"/>
+          </a:lnRef>
+          <a:fillRef idx="0">
+            <a:schemeClr val="accent1"/>
+          </a:fillRef>
+          <a:effectRef idx="0">
+            <a:schemeClr val="accent1"/>
+          </a:effectRef>
+          <a:fontRef idx="minor">
+            <a:schemeClr val="tx1"/>
+          </a:fontRef>
+        </p:style>
+      </p:cxnSp>
+      <p:cxnSp>
+        <p:nvCxnSpPr>
+          <p:cNvPr id="292" name="Соединительная линия уступом 291"/>
+          <p:cNvCxnSpPr>
+            <a:stCxn id="171" idx="2"/>
+            <a:endCxn id="190" idx="0"/>
+          </p:cNvCxnSpPr>
+          <p:nvPr/>
+        </p:nvCxnSpPr>
+        <p:spPr>
+          <a:xfrm rot="16200000" flipH="1">
+            <a:off x="20915931" y="6074758"/>
+            <a:ext cx="353729" cy="2417738"/>
+          </a:xfrm>
+          <a:prstGeom prst="bentConnector3">
+            <a:avLst>
+              <a:gd name="adj1" fmla="val 50000"/>
+            </a:avLst>
+          </a:prstGeom>
+          <a:ln w="28575">
+            <a:tailEnd type="arrow"/>
+          </a:ln>
+        </p:spPr>
+        <p:style>
+          <a:lnRef idx="1">
+            <a:schemeClr val="accent1"/>
+          </a:lnRef>
+          <a:fillRef idx="0">
+            <a:schemeClr val="accent1"/>
+          </a:fillRef>
+          <a:effectRef idx="0">
+            <a:schemeClr val="accent1"/>
+          </a:effectRef>
+          <a:fontRef idx="minor">
+            <a:schemeClr val="tx1"/>
+          </a:fontRef>
+        </p:style>
+      </p:cxnSp>
+      <p:sp>
+        <p:nvSpPr>
+          <p:cNvPr id="293" name="Прямоугольник 292"/>
+          <p:cNvSpPr/>
+          <p:nvPr/>
+        </p:nvSpPr>
+        <p:spPr>
+          <a:xfrm>
+            <a:off x="18817493" y="9105521"/>
+            <a:ext cx="2115918" cy="1080000"/>
+          </a:xfrm>
+          <a:prstGeom prst="rect">
+            <a:avLst/>
+          </a:prstGeom>
+          <a:solidFill>
+            <a:schemeClr val="accent2">
+              <a:lumMod val="75000"/>
+            </a:schemeClr>
+          </a:solidFill>
+          <a:ln w="28575"/>
+        </p:spPr>
+        <p:style>
+          <a:lnRef idx="2">
+            <a:schemeClr val="accent1"/>
+          </a:lnRef>
+          <a:fillRef idx="1">
+            <a:schemeClr val="lt1"/>
+          </a:fillRef>
+          <a:effectRef idx="0">
+            <a:schemeClr val="accent1"/>
+          </a:effectRef>
+          <a:fontRef idx="minor">
+            <a:schemeClr val="dk1"/>
+          </a:fontRef>
+        </p:style>
+        <p:txBody>
+          <a:bodyPr lIns="124733" tIns="62367" rIns="124733" bIns="62367" rtlCol="0" anchor="ctr"/>
+          <a:lstStyle/>
+          <a:p>
+            <a:pPr algn="ctr"/>
+            <a:r>
+              <a:rPr lang="ru-RU" sz="1400" dirty="0" smtClean="0"/>
+              <a:t>Немецкие исследования резины</a:t>
+            </a:r>
+            <a:endParaRPr lang="ru-RU" sz="500" dirty="0"/>
+          </a:p>
+        </p:txBody>
+      </p:sp>
+      <p:cxnSp>
+        <p:nvCxnSpPr>
+          <p:cNvPr id="294" name="Прямая со стрелкой 293"/>
+          <p:cNvCxnSpPr>
+            <a:stCxn id="249" idx="2"/>
+            <a:endCxn id="293" idx="0"/>
+          </p:cNvCxnSpPr>
+          <p:nvPr/>
+        </p:nvCxnSpPr>
+        <p:spPr>
+          <a:xfrm flipH="1">
+            <a:off x="19875452" y="8540492"/>
+            <a:ext cx="5477" cy="565029"/>
+          </a:xfrm>
+          <a:prstGeom prst="straightConnector1">
+            <a:avLst/>
           </a:prstGeom>
           <a:ln w="28575">
             <a:tailEnd type="arrow"/>

--- a/Наработки/диздоки/Бельгийское Конго/Бельгийское Конго.pptx
+++ b/Наработки/диздоки/Бельгийское Конго/Бельгийское Конго.pptx
@@ -209,7 +209,7 @@
             <a:fld id="{33E3D7F9-E251-484C-A6FF-FA958879DF69}" type="datetimeFigureOut">
               <a:rPr lang="ru-RU" smtClean="0"/>
               <a:pPr/>
-              <a:t>25.11.2021</a:t>
+              <a:t>26.11.2021</a:t>
             </a:fld>
             <a:endParaRPr lang="ru-RU"/>
           </a:p>
@@ -700,7 +700,7 @@
             <a:fld id="{85A5DE44-605B-4D3B-B2B7-94543DF81A36}" type="datetimeFigureOut">
               <a:rPr lang="ru-RU" smtClean="0"/>
               <a:pPr/>
-              <a:t>25.11.2021</a:t>
+              <a:t>26.11.2021</a:t>
             </a:fld>
             <a:endParaRPr lang="ru-RU"/>
           </a:p>
@@ -872,7 +872,7 @@
             <a:fld id="{85A5DE44-605B-4D3B-B2B7-94543DF81A36}" type="datetimeFigureOut">
               <a:rPr lang="ru-RU" smtClean="0"/>
               <a:pPr/>
-              <a:t>25.11.2021</a:t>
+              <a:t>26.11.2021</a:t>
             </a:fld>
             <a:endParaRPr lang="ru-RU"/>
           </a:p>
@@ -1054,7 +1054,7 @@
             <a:fld id="{85A5DE44-605B-4D3B-B2B7-94543DF81A36}" type="datetimeFigureOut">
               <a:rPr lang="ru-RU" smtClean="0"/>
               <a:pPr/>
-              <a:t>25.11.2021</a:t>
+              <a:t>26.11.2021</a:t>
             </a:fld>
             <a:endParaRPr lang="ru-RU"/>
           </a:p>
@@ -1226,7 +1226,7 @@
             <a:fld id="{85A5DE44-605B-4D3B-B2B7-94543DF81A36}" type="datetimeFigureOut">
               <a:rPr lang="ru-RU" smtClean="0"/>
               <a:pPr/>
-              <a:t>25.11.2021</a:t>
+              <a:t>26.11.2021</a:t>
             </a:fld>
             <a:endParaRPr lang="ru-RU"/>
           </a:p>
@@ -1474,7 +1474,7 @@
             <a:fld id="{85A5DE44-605B-4D3B-B2B7-94543DF81A36}" type="datetimeFigureOut">
               <a:rPr lang="ru-RU" smtClean="0"/>
               <a:pPr/>
-              <a:t>25.11.2021</a:t>
+              <a:t>26.11.2021</a:t>
             </a:fld>
             <a:endParaRPr lang="ru-RU"/>
           </a:p>
@@ -1708,7 +1708,7 @@
             <a:fld id="{85A5DE44-605B-4D3B-B2B7-94543DF81A36}" type="datetimeFigureOut">
               <a:rPr lang="ru-RU" smtClean="0"/>
               <a:pPr/>
-              <a:t>25.11.2021</a:t>
+              <a:t>26.11.2021</a:t>
             </a:fld>
             <a:endParaRPr lang="ru-RU"/>
           </a:p>
@@ -2077,7 +2077,7 @@
             <a:fld id="{85A5DE44-605B-4D3B-B2B7-94543DF81A36}" type="datetimeFigureOut">
               <a:rPr lang="ru-RU" smtClean="0"/>
               <a:pPr/>
-              <a:t>25.11.2021</a:t>
+              <a:t>26.11.2021</a:t>
             </a:fld>
             <a:endParaRPr lang="ru-RU"/>
           </a:p>
@@ -2197,7 +2197,7 @@
             <a:fld id="{85A5DE44-605B-4D3B-B2B7-94543DF81A36}" type="datetimeFigureOut">
               <a:rPr lang="ru-RU" smtClean="0"/>
               <a:pPr/>
-              <a:t>25.11.2021</a:t>
+              <a:t>26.11.2021</a:t>
             </a:fld>
             <a:endParaRPr lang="ru-RU"/>
           </a:p>
@@ -2294,7 +2294,7 @@
             <a:fld id="{85A5DE44-605B-4D3B-B2B7-94543DF81A36}" type="datetimeFigureOut">
               <a:rPr lang="ru-RU" smtClean="0"/>
               <a:pPr/>
-              <a:t>25.11.2021</a:t>
+              <a:t>26.11.2021</a:t>
             </a:fld>
             <a:endParaRPr lang="ru-RU"/>
           </a:p>
@@ -2573,7 +2573,7 @@
             <a:fld id="{85A5DE44-605B-4D3B-B2B7-94543DF81A36}" type="datetimeFigureOut">
               <a:rPr lang="ru-RU" smtClean="0"/>
               <a:pPr/>
-              <a:t>25.11.2021</a:t>
+              <a:t>26.11.2021</a:t>
             </a:fld>
             <a:endParaRPr lang="ru-RU"/>
           </a:p>
@@ -2832,7 +2832,7 @@
             <a:fld id="{85A5DE44-605B-4D3B-B2B7-94543DF81A36}" type="datetimeFigureOut">
               <a:rPr lang="ru-RU" smtClean="0"/>
               <a:pPr/>
-              <a:t>25.11.2021</a:t>
+              <a:t>26.11.2021</a:t>
             </a:fld>
             <a:endParaRPr lang="ru-RU"/>
           </a:p>
@@ -3047,7 +3047,7 @@
             <a:fld id="{85A5DE44-605B-4D3B-B2B7-94543DF81A36}" type="datetimeFigureOut">
               <a:rPr lang="ru-RU" smtClean="0"/>
               <a:pPr/>
-              <a:t>25.11.2021</a:t>
+              <a:t>26.11.2021</a:t>
             </a:fld>
             <a:endParaRPr lang="ru-RU"/>
           </a:p>
@@ -6556,97 +6556,6 @@
       </p:sp>
       <p:sp>
         <p:nvSpPr>
-          <p:cNvPr id="195" name="Прямоугольник 194"/>
-          <p:cNvSpPr/>
-          <p:nvPr/>
-        </p:nvSpPr>
-        <p:spPr>
-          <a:xfrm>
-            <a:off x="2358636" y="13672478"/>
-            <a:ext cx="2115918" cy="591575"/>
-          </a:xfrm>
-          <a:prstGeom prst="rect">
-            <a:avLst/>
-          </a:prstGeom>
-          <a:ln w="28575"/>
-        </p:spPr>
-        <p:style>
-          <a:lnRef idx="2">
-            <a:schemeClr val="accent1"/>
-          </a:lnRef>
-          <a:fillRef idx="1">
-            <a:schemeClr val="lt1"/>
-          </a:fillRef>
-          <a:effectRef idx="0">
-            <a:schemeClr val="accent1"/>
-          </a:effectRef>
-          <a:fontRef idx="minor">
-            <a:schemeClr val="dk1"/>
-          </a:fontRef>
-        </p:style>
-        <p:txBody>
-          <a:bodyPr lIns="124733" tIns="62367" rIns="124733" bIns="62367" rtlCol="0" anchor="ctr"/>
-          <a:lstStyle/>
-          <a:p>
-            <a:pPr algn="ctr"/>
-            <a:r>
-              <a:rPr lang="ru-RU" sz="1400" dirty="0" smtClean="0"/>
-              <a:t>Генералы</a:t>
-            </a:r>
-            <a:r>
-              <a:rPr lang="en-US" sz="1400" dirty="0"/>
-              <a:t>: </a:t>
-            </a:r>
-            <a:r>
-              <a:rPr lang="en-US" sz="1400" dirty="0" err="1"/>
-              <a:t>Émile</a:t>
-            </a:r>
-            <a:r>
-              <a:rPr lang="en-US" sz="1400" dirty="0"/>
-              <a:t> </a:t>
-            </a:r>
-            <a:r>
-              <a:rPr lang="en-US" sz="1400" dirty="0" err="1" smtClean="0"/>
-              <a:t>Hennequin</a:t>
-            </a:r>
-            <a:r>
-              <a:rPr lang="ru-RU" sz="1400" dirty="0" smtClean="0"/>
-              <a:t>, </a:t>
-            </a:r>
-            <a:r>
-              <a:rPr lang="en-US" sz="1400" dirty="0" err="1"/>
-              <a:t>Auguste</a:t>
-            </a:r>
-            <a:r>
-              <a:rPr lang="en-US" sz="1400" dirty="0"/>
-              <a:t> </a:t>
-            </a:r>
-            <a:r>
-              <a:rPr lang="en-US" sz="1400" dirty="0" err="1" smtClean="0"/>
-              <a:t>Gilliaert</a:t>
-            </a:r>
-            <a:r>
-              <a:rPr lang="ru-RU" sz="1400" dirty="0" smtClean="0"/>
-              <a:t>, </a:t>
-            </a:r>
-            <a:r>
-              <a:rPr lang="en-US" sz="1400" dirty="0"/>
-              <a:t>Paul </a:t>
-            </a:r>
-            <a:r>
-              <a:rPr lang="en-US" sz="1400" dirty="0" err="1" smtClean="0"/>
-              <a:t>Ermens</a:t>
-            </a:r>
-            <a:r>
-              <a:rPr lang="ru-RU" sz="1400" dirty="0" smtClean="0"/>
-              <a:t>, </a:t>
-            </a:r>
-            <a:endParaRPr lang="ru-RU" sz="700" dirty="0"/>
-          </a:p>
-        </p:txBody>
-      </p:sp>
-      <p:sp>
-        <p:nvSpPr>
           <p:cNvPr id="196" name="Прямоугольник 195"/>
           <p:cNvSpPr/>
           <p:nvPr/>
@@ -8028,7 +7937,7 @@
             </a:r>
             <a:r>
               <a:rPr lang="ru-RU" sz="1400" dirty="0" smtClean="0"/>
-              <a:t>рофсоюзов для чёрных</a:t>
+              <a:t>рофсоюзов для темнокожих</a:t>
             </a:r>
             <a:endParaRPr lang="ru-RU" sz="500" dirty="0"/>
           </a:p>
@@ -8487,51 +8396,15 @@
             <a:pPr algn="ctr"/>
             <a:r>
               <a:rPr lang="ru-RU" sz="1400" dirty="0" smtClean="0"/>
-              <a:t>Провозгласить государство рабочих! (</a:t>
-            </a:r>
-            <a:r>
-              <a:rPr lang="en-US" sz="1400" dirty="0"/>
-              <a:t>Léonard </a:t>
-            </a:r>
-            <a:r>
-              <a:rPr lang="en-US" sz="1400" dirty="0" err="1" smtClean="0"/>
-              <a:t>Mpoyi</a:t>
-            </a:r>
-            <a:r>
-              <a:rPr lang="ru-RU" sz="1400" dirty="0" smtClean="0"/>
-              <a:t> станет лидером</a:t>
+              <a:t>Провозгласить государство рабочих!</a:t>
             </a:r>
             <a:r>
               <a:rPr lang="ru-RU" sz="1400" dirty="0"/>
-              <a:t>)</a:t>
+              <a:t/>
             </a:r>
             <a:br>
               <a:rPr lang="ru-RU" sz="1400" dirty="0"/>
             </a:br>
-            <a:r>
-              <a:rPr lang="ru-RU" sz="400" dirty="0"/>
-              <a:t>(«Почему белому человеку должны платить больше, чем черному, когда все, что белый человек делает, - это стоит там, отдавая приказы, заложив руки за спину и с трубкой во рту? Мы должны отозвать свои права, или мы не будем работа завтра."</a:t>
-            </a:r>
-            <a:r>
-              <a:rPr lang="ru-RU" sz="400" dirty="0" err="1"/>
-              <a:t>Леонар</a:t>
-            </a:r>
-            <a:r>
-              <a:rPr lang="ru-RU" sz="400" dirty="0"/>
-              <a:t> </a:t>
-            </a:r>
-            <a:r>
-              <a:rPr lang="ru-RU" sz="400" dirty="0" err="1"/>
-              <a:t>Мпой</a:t>
-            </a:r>
-            <a:r>
-              <a:rPr lang="ru-RU" sz="400" dirty="0"/>
-              <a:t>, декабрь 1941 </a:t>
-            </a:r>
-            <a:r>
-              <a:rPr lang="ru-RU" sz="400" dirty="0" smtClean="0"/>
-              <a:t>г)</a:t>
-            </a:r>
             <a:endParaRPr lang="ru-RU" sz="100" dirty="0"/>
           </a:p>
         </p:txBody>
@@ -10057,11 +9930,7 @@
             <a:pPr algn="ctr"/>
             <a:r>
               <a:rPr lang="ru-RU" sz="1400" dirty="0" smtClean="0"/>
-              <a:t>Вернуть Французское </a:t>
-            </a:r>
-            <a:r>
-              <a:rPr lang="ru-RU" sz="1400" dirty="0" smtClean="0"/>
-              <a:t>Конго</a:t>
+              <a:t>Вернуть Французское Конго</a:t>
             </a:r>
             <a:endParaRPr lang="ru-RU" sz="500" dirty="0"/>
           </a:p>
@@ -10183,11 +10052,7 @@
             <a:pPr algn="ctr"/>
             <a:r>
               <a:rPr lang="ru-RU" sz="1400" dirty="0" smtClean="0"/>
-              <a:t>Вернуть Португальское </a:t>
-            </a:r>
-            <a:r>
-              <a:rPr lang="ru-RU" sz="1400" dirty="0" smtClean="0"/>
-              <a:t>Конго</a:t>
+              <a:t>Вернуть Португальское Конго</a:t>
             </a:r>
             <a:endParaRPr lang="ru-RU" sz="500" dirty="0"/>
           </a:p>
@@ -11823,7 +11688,7 @@
             <a:pPr algn="ctr"/>
             <a:r>
               <a:rPr lang="ru-RU" sz="1400" dirty="0" smtClean="0"/>
-              <a:t>Пригласить Африканских революционеров в Конго</a:t>
+              <a:t>Восстановление административного аппарата</a:t>
             </a:r>
             <a:endParaRPr lang="ru-RU" sz="500" dirty="0"/>
           </a:p>
@@ -12742,6 +12607,212 @@
           </a:xfrm>
           <a:prstGeom prst="straightConnector1">
             <a:avLst/>
+          </a:prstGeom>
+          <a:ln w="28575">
+            <a:tailEnd type="arrow"/>
+          </a:ln>
+        </p:spPr>
+        <p:style>
+          <a:lnRef idx="1">
+            <a:schemeClr val="accent1"/>
+          </a:lnRef>
+          <a:fillRef idx="0">
+            <a:schemeClr val="accent1"/>
+          </a:fillRef>
+          <a:effectRef idx="0">
+            <a:schemeClr val="accent1"/>
+          </a:effectRef>
+          <a:fontRef idx="minor">
+            <a:schemeClr val="tx1"/>
+          </a:fontRef>
+        </p:style>
+      </p:cxnSp>
+      <p:sp>
+        <p:nvSpPr>
+          <p:cNvPr id="252" name="Прямоугольник 251"/>
+          <p:cNvSpPr/>
+          <p:nvPr/>
+        </p:nvSpPr>
+        <p:spPr>
+          <a:xfrm>
+            <a:off x="25980469" y="13635902"/>
+            <a:ext cx="2115918" cy="1080000"/>
+          </a:xfrm>
+          <a:prstGeom prst="rect">
+            <a:avLst/>
+          </a:prstGeom>
+          <a:solidFill>
+            <a:srgbClr val="FF0000"/>
+          </a:solidFill>
+          <a:ln w="28575"/>
+        </p:spPr>
+        <p:style>
+          <a:lnRef idx="2">
+            <a:schemeClr val="accent1"/>
+          </a:lnRef>
+          <a:fillRef idx="1">
+            <a:schemeClr val="lt1"/>
+          </a:fillRef>
+          <a:effectRef idx="0">
+            <a:schemeClr val="accent1"/>
+          </a:effectRef>
+          <a:fontRef idx="minor">
+            <a:schemeClr val="dk1"/>
+          </a:fontRef>
+        </p:style>
+        <p:txBody>
+          <a:bodyPr lIns="124733" tIns="62367" rIns="124733" bIns="62367" rtlCol="0" anchor="ctr"/>
+          <a:lstStyle/>
+          <a:p>
+            <a:pPr algn="ctr"/>
+            <a:r>
+              <a:rPr lang="ru-RU" sz="1400" dirty="0" smtClean="0"/>
+              <a:t>Приезд советников из Москвы</a:t>
+            </a:r>
+            <a:endParaRPr lang="ru-RU" sz="500" dirty="0"/>
+          </a:p>
+        </p:txBody>
+      </p:sp>
+      <p:sp>
+        <p:nvSpPr>
+          <p:cNvPr id="264" name="Прямоугольник 263"/>
+          <p:cNvSpPr/>
+          <p:nvPr/>
+        </p:nvSpPr>
+        <p:spPr>
+          <a:xfrm>
+            <a:off x="23660633" y="13635902"/>
+            <a:ext cx="2115918" cy="1080000"/>
+          </a:xfrm>
+          <a:prstGeom prst="rect">
+            <a:avLst/>
+          </a:prstGeom>
+          <a:solidFill>
+            <a:srgbClr val="FFC000"/>
+          </a:solidFill>
+          <a:ln w="28575"/>
+        </p:spPr>
+        <p:style>
+          <a:lnRef idx="2">
+            <a:schemeClr val="accent1"/>
+          </a:lnRef>
+          <a:fillRef idx="1">
+            <a:schemeClr val="lt1"/>
+          </a:fillRef>
+          <a:effectRef idx="0">
+            <a:schemeClr val="accent1"/>
+          </a:effectRef>
+          <a:fontRef idx="minor">
+            <a:schemeClr val="dk1"/>
+          </a:fontRef>
+        </p:style>
+        <p:txBody>
+          <a:bodyPr lIns="124733" tIns="62367" rIns="124733" bIns="62367" rtlCol="0" anchor="ctr"/>
+          <a:lstStyle/>
+          <a:p>
+            <a:pPr algn="ctr"/>
+            <a:r>
+              <a:rPr lang="ru-RU" sz="1400" dirty="0" smtClean="0"/>
+              <a:t>Принять помощь от южноафриканских профсоюзов</a:t>
+            </a:r>
+            <a:endParaRPr lang="ru-RU" sz="500" dirty="0"/>
+          </a:p>
+        </p:txBody>
+      </p:sp>
+      <p:cxnSp>
+        <p:nvCxnSpPr>
+          <p:cNvPr id="265" name="Прямая соединительная линия 264"/>
+          <p:cNvCxnSpPr>
+            <a:stCxn id="252" idx="1"/>
+            <a:endCxn id="264" idx="3"/>
+          </p:cNvCxnSpPr>
+          <p:nvPr/>
+        </p:nvCxnSpPr>
+        <p:spPr>
+          <a:xfrm flipH="1">
+            <a:off x="25776551" y="14175902"/>
+            <a:ext cx="203918" cy="0"/>
+          </a:xfrm>
+          <a:prstGeom prst="line">
+            <a:avLst/>
+          </a:prstGeom>
+          <a:ln w="28575">
+            <a:solidFill>
+              <a:srgbClr val="FF0000"/>
+            </a:solidFill>
+          </a:ln>
+        </p:spPr>
+        <p:style>
+          <a:lnRef idx="1">
+            <a:schemeClr val="accent1"/>
+          </a:lnRef>
+          <a:fillRef idx="0">
+            <a:schemeClr val="accent1"/>
+          </a:fillRef>
+          <a:effectRef idx="0">
+            <a:schemeClr val="accent1"/>
+          </a:effectRef>
+          <a:fontRef idx="minor">
+            <a:schemeClr val="tx1"/>
+          </a:fontRef>
+        </p:style>
+      </p:cxnSp>
+      <p:cxnSp>
+        <p:nvCxnSpPr>
+          <p:cNvPr id="295" name="Соединительная линия уступом 294"/>
+          <p:cNvCxnSpPr>
+            <a:stCxn id="278" idx="2"/>
+            <a:endCxn id="264" idx="0"/>
+          </p:cNvCxnSpPr>
+          <p:nvPr/>
+        </p:nvCxnSpPr>
+        <p:spPr>
+          <a:xfrm rot="5400000">
+            <a:off x="25086590" y="12841074"/>
+            <a:ext cx="426830" cy="1162826"/>
+          </a:xfrm>
+          <a:prstGeom prst="bentConnector3">
+            <a:avLst>
+              <a:gd name="adj1" fmla="val 50000"/>
+            </a:avLst>
+          </a:prstGeom>
+          <a:ln w="28575">
+            <a:tailEnd type="arrow"/>
+          </a:ln>
+        </p:spPr>
+        <p:style>
+          <a:lnRef idx="1">
+            <a:schemeClr val="accent1"/>
+          </a:lnRef>
+          <a:fillRef idx="0">
+            <a:schemeClr val="accent1"/>
+          </a:fillRef>
+          <a:effectRef idx="0">
+            <a:schemeClr val="accent1"/>
+          </a:effectRef>
+          <a:fontRef idx="minor">
+            <a:schemeClr val="tx1"/>
+          </a:fontRef>
+        </p:style>
+      </p:cxnSp>
+      <p:cxnSp>
+        <p:nvCxnSpPr>
+          <p:cNvPr id="296" name="Соединительная линия уступом 295"/>
+          <p:cNvCxnSpPr>
+            <a:stCxn id="278" idx="2"/>
+            <a:endCxn id="252" idx="0"/>
+          </p:cNvCxnSpPr>
+          <p:nvPr/>
+        </p:nvCxnSpPr>
+        <p:spPr>
+          <a:xfrm rot="16200000" flipH="1">
+            <a:off x="26246508" y="12843982"/>
+            <a:ext cx="426830" cy="1157010"/>
+          </a:xfrm>
+          <a:prstGeom prst="bentConnector3">
+            <a:avLst>
+              <a:gd name="adj1" fmla="val 50000"/>
+            </a:avLst>
           </a:prstGeom>
           <a:ln w="28575">
             <a:tailEnd type="arrow"/>

--- a/Наработки/диздоки/Бельгийское Конго/Бельгийское Конго.pptx
+++ b/Наработки/диздоки/Бельгийское Конго/Бельгийское Конго.pptx
@@ -209,7 +209,7 @@
             <a:fld id="{33E3D7F9-E251-484C-A6FF-FA958879DF69}" type="datetimeFigureOut">
               <a:rPr lang="ru-RU" smtClean="0"/>
               <a:pPr/>
-              <a:t>26.11.2021</a:t>
+              <a:t>28.11.2021</a:t>
             </a:fld>
             <a:endParaRPr lang="ru-RU"/>
           </a:p>
@@ -700,7 +700,7 @@
             <a:fld id="{85A5DE44-605B-4D3B-B2B7-94543DF81A36}" type="datetimeFigureOut">
               <a:rPr lang="ru-RU" smtClean="0"/>
               <a:pPr/>
-              <a:t>26.11.2021</a:t>
+              <a:t>28.11.2021</a:t>
             </a:fld>
             <a:endParaRPr lang="ru-RU"/>
           </a:p>
@@ -872,7 +872,7 @@
             <a:fld id="{85A5DE44-605B-4D3B-B2B7-94543DF81A36}" type="datetimeFigureOut">
               <a:rPr lang="ru-RU" smtClean="0"/>
               <a:pPr/>
-              <a:t>26.11.2021</a:t>
+              <a:t>28.11.2021</a:t>
             </a:fld>
             <a:endParaRPr lang="ru-RU"/>
           </a:p>
@@ -1054,7 +1054,7 @@
             <a:fld id="{85A5DE44-605B-4D3B-B2B7-94543DF81A36}" type="datetimeFigureOut">
               <a:rPr lang="ru-RU" smtClean="0"/>
               <a:pPr/>
-              <a:t>26.11.2021</a:t>
+              <a:t>28.11.2021</a:t>
             </a:fld>
             <a:endParaRPr lang="ru-RU"/>
           </a:p>
@@ -1226,7 +1226,7 @@
             <a:fld id="{85A5DE44-605B-4D3B-B2B7-94543DF81A36}" type="datetimeFigureOut">
               <a:rPr lang="ru-RU" smtClean="0"/>
               <a:pPr/>
-              <a:t>26.11.2021</a:t>
+              <a:t>28.11.2021</a:t>
             </a:fld>
             <a:endParaRPr lang="ru-RU"/>
           </a:p>
@@ -1474,7 +1474,7 @@
             <a:fld id="{85A5DE44-605B-4D3B-B2B7-94543DF81A36}" type="datetimeFigureOut">
               <a:rPr lang="ru-RU" smtClean="0"/>
               <a:pPr/>
-              <a:t>26.11.2021</a:t>
+              <a:t>28.11.2021</a:t>
             </a:fld>
             <a:endParaRPr lang="ru-RU"/>
           </a:p>
@@ -1708,7 +1708,7 @@
             <a:fld id="{85A5DE44-605B-4D3B-B2B7-94543DF81A36}" type="datetimeFigureOut">
               <a:rPr lang="ru-RU" smtClean="0"/>
               <a:pPr/>
-              <a:t>26.11.2021</a:t>
+              <a:t>28.11.2021</a:t>
             </a:fld>
             <a:endParaRPr lang="ru-RU"/>
           </a:p>
@@ -2077,7 +2077,7 @@
             <a:fld id="{85A5DE44-605B-4D3B-B2B7-94543DF81A36}" type="datetimeFigureOut">
               <a:rPr lang="ru-RU" smtClean="0"/>
               <a:pPr/>
-              <a:t>26.11.2021</a:t>
+              <a:t>28.11.2021</a:t>
             </a:fld>
             <a:endParaRPr lang="ru-RU"/>
           </a:p>
@@ -2197,7 +2197,7 @@
             <a:fld id="{85A5DE44-605B-4D3B-B2B7-94543DF81A36}" type="datetimeFigureOut">
               <a:rPr lang="ru-RU" smtClean="0"/>
               <a:pPr/>
-              <a:t>26.11.2021</a:t>
+              <a:t>28.11.2021</a:t>
             </a:fld>
             <a:endParaRPr lang="ru-RU"/>
           </a:p>
@@ -2294,7 +2294,7 @@
             <a:fld id="{85A5DE44-605B-4D3B-B2B7-94543DF81A36}" type="datetimeFigureOut">
               <a:rPr lang="ru-RU" smtClean="0"/>
               <a:pPr/>
-              <a:t>26.11.2021</a:t>
+              <a:t>28.11.2021</a:t>
             </a:fld>
             <a:endParaRPr lang="ru-RU"/>
           </a:p>
@@ -2573,7 +2573,7 @@
             <a:fld id="{85A5DE44-605B-4D3B-B2B7-94543DF81A36}" type="datetimeFigureOut">
               <a:rPr lang="ru-RU" smtClean="0"/>
               <a:pPr/>
-              <a:t>26.11.2021</a:t>
+              <a:t>28.11.2021</a:t>
             </a:fld>
             <a:endParaRPr lang="ru-RU"/>
           </a:p>
@@ -2832,7 +2832,7 @@
             <a:fld id="{85A5DE44-605B-4D3B-B2B7-94543DF81A36}" type="datetimeFigureOut">
               <a:rPr lang="ru-RU" smtClean="0"/>
               <a:pPr/>
-              <a:t>26.11.2021</a:t>
+              <a:t>28.11.2021</a:t>
             </a:fld>
             <a:endParaRPr lang="ru-RU"/>
           </a:p>
@@ -3047,7 +3047,7 @@
             <a:fld id="{85A5DE44-605B-4D3B-B2B7-94543DF81A36}" type="datetimeFigureOut">
               <a:rPr lang="ru-RU" smtClean="0"/>
               <a:pPr/>
-              <a:t>26.11.2021</a:t>
+              <a:t>28.11.2021</a:t>
             </a:fld>
             <a:endParaRPr lang="ru-RU"/>
           </a:p>
@@ -8023,39 +8023,7 @@
             <a:pPr algn="ctr"/>
             <a:r>
               <a:rPr lang="ru-RU" sz="1400" dirty="0" smtClean="0"/>
-              <a:t>Доминируй, чтобы служить </a:t>
-            </a:r>
-            <a:r>
-              <a:rPr lang="ru-RU" sz="400" dirty="0" smtClean="0"/>
-              <a:t>(Пьер </a:t>
-            </a:r>
-            <a:r>
-              <a:rPr lang="ru-RU" sz="400" dirty="0"/>
-              <a:t>читает лекции и публикует статьи. В своих лекциях и публикациях он обсуждает голод в Руанда-Урунди. Коллекция его презентаций и публикаций, насчитывающая восемь, включена в книгу: </a:t>
-            </a:r>
-            <a:r>
-              <a:rPr lang="ru-RU" sz="400" dirty="0" err="1"/>
-              <a:t>Dominate</a:t>
-            </a:r>
-            <a:r>
-              <a:rPr lang="ru-RU" sz="400" dirty="0"/>
-              <a:t> </a:t>
-            </a:r>
-            <a:r>
-              <a:rPr lang="ru-RU" sz="400" dirty="0" err="1"/>
-              <a:t>to</a:t>
-            </a:r>
-            <a:r>
-              <a:rPr lang="ru-RU" sz="400" dirty="0"/>
-              <a:t> </a:t>
-            </a:r>
-            <a:r>
-              <a:rPr lang="ru-RU" sz="400" dirty="0" err="1"/>
-              <a:t>serve</a:t>
-            </a:r>
-            <a:r>
-              <a:rPr lang="ru-RU" sz="400" dirty="0"/>
-              <a:t> [ 17 ] . Вот отрывок: « Доминировать, чтобы служить, служить Африке, то есть цивилизовать ее». Не только для того, чтобы вызвать новые потребности и предоставить средства для их удовлетворения; не просто эксплуатировать, не просто обогащать; но делать людей лучше, счастливее, человечнее. Чтобы иметь возможность служить, нужно знать; чтобы служить, нужно любить. И именно благодаря знакомству с чернокожими мы учимся любить их; потому что любить - это только понимать, понимать до героизма »)</a:t>
+              <a:t>Доминируй чтобы служить</a:t>
             </a:r>
             <a:endParaRPr lang="ru-RU" sz="100" dirty="0"/>
           </a:p>
@@ -8209,7 +8177,19 @@
             </a:r>
             <a:r>
               <a:rPr lang="ru-RU" sz="1200" dirty="0" smtClean="0"/>
-              <a:t> перед миром, +30к населения рабов)</a:t>
+              <a:t> перед миром, +30к населения рабов) (</a:t>
+            </a:r>
+            <a:r>
+              <a:rPr lang="en-US" sz="1200" dirty="0"/>
+              <a:t>Simon-Pierre </a:t>
+            </a:r>
+            <a:r>
+              <a:rPr lang="en-US" sz="1200" dirty="0" err="1" smtClean="0"/>
+              <a:t>Mpadi</a:t>
+            </a:r>
+            <a:r>
+              <a:rPr lang="ru-RU" sz="1200" dirty="0" smtClean="0"/>
+              <a:t>)</a:t>
             </a:r>
             <a:endParaRPr lang="ru-RU" sz="400" dirty="0"/>
           </a:p>
@@ -8278,7 +8258,7 @@
         </p:nvSpPr>
         <p:spPr>
           <a:xfrm>
-            <a:off x="28294203" y="9105524"/>
+            <a:off x="30597922" y="12144887"/>
             <a:ext cx="2115918" cy="1080000"/>
           </a:xfrm>
           <a:prstGeom prst="rect">
@@ -8321,7 +8301,7 @@
         </p:nvSpPr>
         <p:spPr>
           <a:xfrm>
-            <a:off x="28294203" y="12129072"/>
+            <a:off x="28301906" y="13635902"/>
             <a:ext cx="2115918" cy="1080000"/>
           </a:xfrm>
           <a:prstGeom prst="rect">
@@ -9020,7 +9000,7 @@
         </p:nvSpPr>
         <p:spPr>
           <a:xfrm>
-            <a:off x="30613229" y="4473771"/>
+            <a:off x="41651335" y="4473771"/>
             <a:ext cx="2115918" cy="1080000"/>
           </a:xfrm>
           <a:prstGeom prst="rect">
@@ -10066,7 +10046,7 @@
         </p:nvSpPr>
         <p:spPr>
           <a:xfrm>
-            <a:off x="31761146" y="5942324"/>
+            <a:off x="42799252" y="5942324"/>
             <a:ext cx="2115918" cy="1080000"/>
           </a:xfrm>
           <a:prstGeom prst="rect">
@@ -10125,7 +10105,7 @@
         </p:nvSpPr>
         <p:spPr>
           <a:xfrm>
-            <a:off x="37526186" y="7452986"/>
+            <a:off x="42816643" y="7452986"/>
             <a:ext cx="2115918" cy="1080000"/>
           </a:xfrm>
           <a:prstGeom prst="rect">
@@ -10200,7 +10180,7 @@
         <p:spPr>
           <a:xfrm flipH="1">
             <a:off x="32713841" y="7992986"/>
-            <a:ext cx="4812345" cy="4537"/>
+            <a:ext cx="10102802" cy="4537"/>
           </a:xfrm>
           <a:prstGeom prst="line">
             <a:avLst/>
@@ -10585,7 +10565,7 @@
         </p:nvSpPr>
         <p:spPr>
           <a:xfrm>
-            <a:off x="32906650" y="4473770"/>
+            <a:off x="43944756" y="4473770"/>
             <a:ext cx="2115918" cy="1080000"/>
           </a:xfrm>
           <a:prstGeom prst="rect">
@@ -10822,7 +10802,7 @@
         </p:nvSpPr>
         <p:spPr>
           <a:xfrm>
-            <a:off x="32906650" y="9105524"/>
+            <a:off x="32904146" y="9116061"/>
             <a:ext cx="2115918" cy="1080000"/>
           </a:xfrm>
           <a:prstGeom prst="rect">
@@ -10851,15 +10831,87 @@
             <a:pPr algn="ctr"/>
             <a:r>
               <a:rPr lang="ru-RU" sz="1400" dirty="0" smtClean="0"/>
-              <a:t>Запрет алкоголя </a:t>
-            </a:r>
-            <a:r>
-              <a:rPr lang="ru-RU" sz="1400" dirty="0"/>
-              <a:t>и дурманов </a:t>
+              <a:t>Основать </a:t>
+            </a:r>
+            <a:r>
+              <a:rPr lang="ru-RU" sz="1400" dirty="0" err="1" smtClean="0"/>
+              <a:t>кхакисту</a:t>
+            </a:r>
+            <a:r>
+              <a:rPr lang="ru-RU" sz="1400" dirty="0" smtClean="0"/>
+              <a:t> (</a:t>
+            </a:r>
+            <a:r>
+              <a:rPr lang="en-US" sz="1400" dirty="0" err="1" smtClean="0"/>
+              <a:t>Khakista</a:t>
+            </a:r>
+            <a:r>
+              <a:rPr lang="ru-RU" sz="1400" dirty="0" smtClean="0"/>
+              <a:t>) </a:t>
             </a:r>
             <a:r>
               <a:rPr lang="ru-RU" sz="600" dirty="0"/>
-              <a:t>(Он запрещает алкогольные напитки, танцы, наркотики, употребление табака, полигамию, прелюбодеяние, блуд, употребление свинины и мяса обезьяны, ношение брюк с заниженной талией для мужчин и мини-юбки или даже декольте для женщин.)</a:t>
+              <a:t>(В 1939 году он сформировал группу под названием </a:t>
+            </a:r>
+            <a:r>
+              <a:rPr lang="ru-RU" sz="600" dirty="0" err="1"/>
+              <a:t>Mission</a:t>
+            </a:r>
+            <a:r>
+              <a:rPr lang="ru-RU" sz="600" dirty="0"/>
+              <a:t> </a:t>
+            </a:r>
+            <a:r>
+              <a:rPr lang="ru-RU" sz="600" dirty="0" err="1"/>
+              <a:t>des</a:t>
+            </a:r>
+            <a:r>
+              <a:rPr lang="ru-RU" sz="600" dirty="0"/>
+              <a:t> </a:t>
+            </a:r>
+            <a:r>
+              <a:rPr lang="ru-RU" sz="600" dirty="0" err="1"/>
+              <a:t>Noirs</a:t>
+            </a:r>
+            <a:r>
+              <a:rPr lang="ru-RU" sz="600" dirty="0"/>
+              <a:t> в рамках движения </a:t>
+            </a:r>
+            <a:r>
+              <a:rPr lang="ru-RU" sz="600" dirty="0" err="1"/>
+              <a:t>Кимбангу</a:t>
+            </a:r>
+            <a:r>
+              <a:rPr lang="ru-RU" sz="600" dirty="0"/>
+              <a:t>, позже эта группа была известна как </a:t>
+            </a:r>
+            <a:r>
+              <a:rPr lang="ru-RU" sz="600" dirty="0" err="1"/>
+              <a:t>Khakista</a:t>
+            </a:r>
+            <a:r>
+              <a:rPr lang="ru-RU" sz="600" dirty="0"/>
+              <a:t> из-за формы цвета хаки, которую они носили. </a:t>
+            </a:r>
+            <a:r>
+              <a:rPr lang="ru-RU" sz="600" dirty="0" err="1"/>
+              <a:t>Мпади</a:t>
+            </a:r>
+            <a:r>
+              <a:rPr lang="ru-RU" sz="600" dirty="0"/>
+              <a:t> использовал свое имя, чтобы утверждать, что он связан с </a:t>
+            </a:r>
+            <a:r>
+              <a:rPr lang="ru-RU" sz="600" dirty="0" err="1"/>
+              <a:t>Кимбангу</a:t>
+            </a:r>
+            <a:r>
+              <a:rPr lang="ru-RU" sz="600" dirty="0"/>
+              <a:t>, как и Симон Петр с Иисусом </a:t>
+            </a:r>
+            <a:r>
+              <a:rPr lang="ru-RU" sz="600" dirty="0" smtClean="0"/>
+              <a:t>Христом)</a:t>
             </a:r>
             <a:endParaRPr lang="ru-RU" sz="100" dirty="0"/>
           </a:p>
@@ -10952,8 +11004,8 @@
         </p:nvCxnSpPr>
         <p:spPr>
           <a:xfrm rot="16200000" flipH="1">
-            <a:off x="30286416" y="3088998"/>
-            <a:ext cx="450519" cy="2319026"/>
+            <a:off x="35805469" y="-2430055"/>
+            <a:ext cx="450519" cy="13357132"/>
           </a:xfrm>
           <a:prstGeom prst="bentConnector3">
             <a:avLst>
@@ -10990,8 +11042,8 @@
         </p:nvCxnSpPr>
         <p:spPr>
           <a:xfrm rot="16200000" flipH="1">
-            <a:off x="31433126" y="1942287"/>
-            <a:ext cx="450518" cy="4612447"/>
+            <a:off x="36952179" y="-3576766"/>
+            <a:ext cx="450518" cy="15650553"/>
           </a:xfrm>
           <a:prstGeom prst="bentConnector3">
             <a:avLst>
@@ -11028,7 +11080,7 @@
         </p:nvCxnSpPr>
         <p:spPr>
           <a:xfrm rot="16200000" flipH="1">
-            <a:off x="32050870" y="5174088"/>
+            <a:off x="43088976" y="5174088"/>
             <a:ext cx="388553" cy="1147917"/>
           </a:xfrm>
           <a:prstGeom prst="bentConnector3">
@@ -11066,122 +11118,8 @@
         </p:nvCxnSpPr>
         <p:spPr>
           <a:xfrm rot="5400000">
-            <a:off x="33197580" y="5175295"/>
+            <a:off x="44235686" y="5175295"/>
             <a:ext cx="388554" cy="1145504"/>
-          </a:xfrm>
-          <a:prstGeom prst="bentConnector3">
-            <a:avLst>
-              <a:gd name="adj1" fmla="val 50000"/>
-            </a:avLst>
-          </a:prstGeom>
-          <a:ln w="28575">
-            <a:tailEnd type="arrow"/>
-          </a:ln>
-        </p:spPr>
-        <p:style>
-          <a:lnRef idx="1">
-            <a:schemeClr val="accent1"/>
-          </a:lnRef>
-          <a:fillRef idx="0">
-            <a:schemeClr val="accent1"/>
-          </a:fillRef>
-          <a:effectRef idx="0">
-            <a:schemeClr val="accent1"/>
-          </a:effectRef>
-          <a:fontRef idx="minor">
-            <a:schemeClr val="tx1"/>
-          </a:fontRef>
-        </p:style>
-      </p:cxnSp>
-      <p:cxnSp>
-        <p:nvCxnSpPr>
-          <p:cNvPr id="229" name="Соединительная линия уступом 228"/>
-          <p:cNvCxnSpPr>
-            <a:stCxn id="163" idx="2"/>
-            <a:endCxn id="164" idx="0"/>
-          </p:cNvCxnSpPr>
-          <p:nvPr/>
-        </p:nvCxnSpPr>
-        <p:spPr>
-          <a:xfrm rot="16200000" flipH="1">
-            <a:off x="35486294" y="4355135"/>
-            <a:ext cx="430662" cy="5765040"/>
-          </a:xfrm>
-          <a:prstGeom prst="bentConnector3">
-            <a:avLst>
-              <a:gd name="adj1" fmla="val 50000"/>
-            </a:avLst>
-          </a:prstGeom>
-          <a:ln w="28575">
-            <a:tailEnd type="arrow"/>
-          </a:ln>
-        </p:spPr>
-        <p:style>
-          <a:lnRef idx="1">
-            <a:schemeClr val="accent1"/>
-          </a:lnRef>
-          <a:fillRef idx="0">
-            <a:schemeClr val="accent1"/>
-          </a:fillRef>
-          <a:effectRef idx="0">
-            <a:schemeClr val="accent1"/>
-          </a:effectRef>
-          <a:fontRef idx="minor">
-            <a:schemeClr val="tx1"/>
-          </a:fontRef>
-        </p:style>
-      </p:cxnSp>
-      <p:cxnSp>
-        <p:nvCxnSpPr>
-          <p:cNvPr id="231" name="Соединительная линия уступом 230"/>
-          <p:cNvCxnSpPr>
-            <a:stCxn id="120" idx="2"/>
-            <a:endCxn id="209" idx="0"/>
-          </p:cNvCxnSpPr>
-          <p:nvPr/>
-        </p:nvCxnSpPr>
-        <p:spPr>
-          <a:xfrm rot="16200000" flipH="1">
-            <a:off x="32526245" y="7667159"/>
-            <a:ext cx="568001" cy="2308727"/>
-          </a:xfrm>
-          <a:prstGeom prst="bentConnector3">
-            <a:avLst>
-              <a:gd name="adj1" fmla="val 50000"/>
-            </a:avLst>
-          </a:prstGeom>
-          <a:ln w="28575">
-            <a:tailEnd type="arrow"/>
-          </a:ln>
-        </p:spPr>
-        <p:style>
-          <a:lnRef idx="1">
-            <a:schemeClr val="accent1"/>
-          </a:lnRef>
-          <a:fillRef idx="0">
-            <a:schemeClr val="accent1"/>
-          </a:fillRef>
-          <a:effectRef idx="0">
-            <a:schemeClr val="accent1"/>
-          </a:effectRef>
-          <a:fontRef idx="minor">
-            <a:schemeClr val="tx1"/>
-          </a:fontRef>
-        </p:style>
-      </p:cxnSp>
-      <p:cxnSp>
-        <p:nvCxnSpPr>
-          <p:cNvPr id="232" name="Соединительная линия уступом 231"/>
-          <p:cNvCxnSpPr>
-            <a:stCxn id="120" idx="2"/>
-            <a:endCxn id="123" idx="0"/>
-          </p:cNvCxnSpPr>
-          <p:nvPr/>
-        </p:nvCxnSpPr>
-        <p:spPr>
-          <a:xfrm rot="5400000">
-            <a:off x="30220022" y="7669663"/>
-            <a:ext cx="568001" cy="2303720"/>
           </a:xfrm>
           <a:prstGeom prst="bentConnector3">
             <a:avLst>
@@ -11285,42 +11223,6 @@
       </p:cxnSp>
       <p:cxnSp>
         <p:nvCxnSpPr>
-          <p:cNvPr id="237" name="Прямая со стрелкой 236"/>
-          <p:cNvCxnSpPr>
-            <a:stCxn id="123" idx="2"/>
-            <a:endCxn id="124" idx="0"/>
-          </p:cNvCxnSpPr>
-          <p:nvPr/>
-        </p:nvCxnSpPr>
-        <p:spPr>
-          <a:xfrm>
-            <a:off x="29352162" y="10185524"/>
-            <a:ext cx="0" cy="1943548"/>
-          </a:xfrm>
-          <a:prstGeom prst="straightConnector1">
-            <a:avLst/>
-          </a:prstGeom>
-          <a:ln w="28575">
-            <a:tailEnd type="arrow"/>
-          </a:ln>
-        </p:spPr>
-        <p:style>
-          <a:lnRef idx="1">
-            <a:schemeClr val="accent1"/>
-          </a:lnRef>
-          <a:fillRef idx="0">
-            <a:schemeClr val="accent1"/>
-          </a:fillRef>
-          <a:effectRef idx="0">
-            <a:schemeClr val="accent1"/>
-          </a:effectRef>
-          <a:fontRef idx="minor">
-            <a:schemeClr val="tx1"/>
-          </a:fontRef>
-        </p:style>
-      </p:cxnSp>
-      <p:cxnSp>
-        <p:nvCxnSpPr>
           <p:cNvPr id="240" name="Прямая со стрелкой 239"/>
           <p:cNvCxnSpPr>
             <a:stCxn id="120" idx="2"/>
@@ -11363,7 +11265,7 @@
         </p:nvSpPr>
         <p:spPr>
           <a:xfrm>
-            <a:off x="35210370" y="9109209"/>
+            <a:off x="40500827" y="9109209"/>
             <a:ext cx="2115918" cy="1080000"/>
           </a:xfrm>
           <a:prstGeom prst="rect">
@@ -11410,7 +11312,7 @@
         </p:nvSpPr>
         <p:spPr>
           <a:xfrm>
-            <a:off x="39843940" y="9105523"/>
+            <a:off x="45134397" y="9105523"/>
             <a:ext cx="2115918" cy="1080000"/>
           </a:xfrm>
           <a:prstGeom prst="rect">
@@ -11467,51 +11369,15 @@
         <p:nvCxnSpPr>
           <p:cNvPr id="246" name="Прямая соединительная линия 245"/>
           <p:cNvCxnSpPr>
+            <a:stCxn id="244" idx="1"/>
             <a:endCxn id="242" idx="3"/>
           </p:cNvCxnSpPr>
           <p:nvPr/>
         </p:nvCxnSpPr>
         <p:spPr>
           <a:xfrm flipH="1">
-            <a:off x="37326288" y="9645524"/>
-            <a:ext cx="200867" cy="3685"/>
-          </a:xfrm>
-          <a:prstGeom prst="line">
-            <a:avLst/>
-          </a:prstGeom>
-          <a:ln w="28575">
-            <a:solidFill>
-              <a:srgbClr val="FF0000"/>
-            </a:solidFill>
-          </a:ln>
-        </p:spPr>
-        <p:style>
-          <a:lnRef idx="1">
-            <a:schemeClr val="accent1"/>
-          </a:lnRef>
-          <a:fillRef idx="0">
-            <a:schemeClr val="accent1"/>
-          </a:fillRef>
-          <a:effectRef idx="0">
-            <a:schemeClr val="accent1"/>
-          </a:effectRef>
-          <a:fontRef idx="minor">
-            <a:schemeClr val="tx1"/>
-          </a:fontRef>
-        </p:style>
-      </p:cxnSp>
-      <p:cxnSp>
-        <p:nvCxnSpPr>
-          <p:cNvPr id="247" name="Прямая соединительная линия 246"/>
-          <p:cNvCxnSpPr>
-            <a:stCxn id="244" idx="1"/>
-          </p:cNvCxnSpPr>
-          <p:nvPr/>
-        </p:nvCxnSpPr>
-        <p:spPr>
-          <a:xfrm flipH="1">
-            <a:off x="39643073" y="9645523"/>
-            <a:ext cx="200867" cy="1"/>
+            <a:off x="42616745" y="9645523"/>
+            <a:ext cx="2517652" cy="3686"/>
           </a:xfrm>
           <a:prstGeom prst="line">
             <a:avLst/>
@@ -11548,7 +11414,7 @@
         </p:nvCxnSpPr>
         <p:spPr>
           <a:xfrm rot="5400000">
-            <a:off x="37138126" y="7663189"/>
+            <a:off x="42428583" y="7663189"/>
             <a:ext cx="576223" cy="2315816"/>
           </a:xfrm>
           <a:prstGeom prst="bentConnector3">
@@ -11586,48 +11452,13 @@
         </p:nvCxnSpPr>
         <p:spPr>
           <a:xfrm rot="16200000" flipH="1">
-            <a:off x="39456754" y="7660377"/>
+            <a:off x="44747211" y="7660377"/>
             <a:ext cx="572537" cy="2317754"/>
           </a:xfrm>
           <a:prstGeom prst="bentConnector3">
             <a:avLst>
               <a:gd name="adj1" fmla="val 50000"/>
             </a:avLst>
-          </a:prstGeom>
-          <a:ln w="28575">
-            <a:tailEnd type="arrow"/>
-          </a:ln>
-        </p:spPr>
-        <p:style>
-          <a:lnRef idx="1">
-            <a:schemeClr val="accent1"/>
-          </a:lnRef>
-          <a:fillRef idx="0">
-            <a:schemeClr val="accent1"/>
-          </a:fillRef>
-          <a:effectRef idx="0">
-            <a:schemeClr val="accent1"/>
-          </a:effectRef>
-          <a:fontRef idx="minor">
-            <a:schemeClr val="tx1"/>
-          </a:fontRef>
-        </p:style>
-      </p:cxnSp>
-      <p:cxnSp>
-        <p:nvCxnSpPr>
-          <p:cNvPr id="267" name="Прямая со стрелкой 266"/>
-          <p:cNvCxnSpPr>
-            <a:stCxn id="164" idx="2"/>
-          </p:cNvCxnSpPr>
-          <p:nvPr/>
-        </p:nvCxnSpPr>
-        <p:spPr>
-          <a:xfrm>
-            <a:off x="38584145" y="8532986"/>
-            <a:ext cx="969" cy="572538"/>
-          </a:xfrm>
-          <a:prstGeom prst="straightConnector1">
-            <a:avLst/>
           </a:prstGeom>
           <a:ln w="28575">
             <a:tailEnd type="arrow"/>
@@ -12813,6 +12644,1532 @@
             <a:avLst>
               <a:gd name="adj1" fmla="val 50000"/>
             </a:avLst>
+          </a:prstGeom>
+          <a:ln w="28575">
+            <a:tailEnd type="arrow"/>
+          </a:ln>
+        </p:spPr>
+        <p:style>
+          <a:lnRef idx="1">
+            <a:schemeClr val="accent1"/>
+          </a:lnRef>
+          <a:fillRef idx="0">
+            <a:schemeClr val="accent1"/>
+          </a:fillRef>
+          <a:effectRef idx="0">
+            <a:schemeClr val="accent1"/>
+          </a:effectRef>
+          <a:fontRef idx="minor">
+            <a:schemeClr val="tx1"/>
+          </a:fontRef>
+        </p:style>
+      </p:cxnSp>
+      <p:sp>
+        <p:nvSpPr>
+          <p:cNvPr id="297" name="Прямоугольник 296"/>
+          <p:cNvSpPr/>
+          <p:nvPr/>
+        </p:nvSpPr>
+        <p:spPr>
+          <a:xfrm>
+            <a:off x="32904146" y="12147395"/>
+            <a:ext cx="2115918" cy="1080000"/>
+          </a:xfrm>
+          <a:prstGeom prst="rect">
+            <a:avLst/>
+          </a:prstGeom>
+          <a:ln w="28575"/>
+        </p:spPr>
+        <p:style>
+          <a:lnRef idx="2">
+            <a:schemeClr val="accent1"/>
+          </a:lnRef>
+          <a:fillRef idx="1">
+            <a:schemeClr val="lt1"/>
+          </a:fillRef>
+          <a:effectRef idx="0">
+            <a:schemeClr val="accent1"/>
+          </a:effectRef>
+          <a:fontRef idx="minor">
+            <a:schemeClr val="dk1"/>
+          </a:fontRef>
+        </p:style>
+        <p:txBody>
+          <a:bodyPr lIns="124733" tIns="62367" rIns="124733" bIns="62367" rtlCol="0" anchor="ctr"/>
+          <a:lstStyle/>
+          <a:p>
+            <a:pPr algn="ctr"/>
+            <a:r>
+              <a:rPr lang="ru-RU" sz="1400" dirty="0" smtClean="0"/>
+              <a:t>Запрет алкоголя </a:t>
+            </a:r>
+            <a:r>
+              <a:rPr lang="ru-RU" sz="1400" dirty="0"/>
+              <a:t>и дурманов </a:t>
+            </a:r>
+            <a:r>
+              <a:rPr lang="ru-RU" sz="600" dirty="0"/>
+              <a:t>(Он запрещает алкогольные напитки, танцы, наркотики, употребление табака, полигамию, прелюбодеяние, блуд, употребление свинины и мяса обезьяны, ношение брюк с заниженной талией для мужчин и мини-юбки или даже декольте для женщин.)</a:t>
+            </a:r>
+            <a:endParaRPr lang="ru-RU" sz="100" dirty="0"/>
+          </a:p>
+        </p:txBody>
+      </p:sp>
+      <p:sp>
+        <p:nvSpPr>
+          <p:cNvPr id="299" name="Прямоугольник 298"/>
+          <p:cNvSpPr/>
+          <p:nvPr/>
+        </p:nvSpPr>
+        <p:spPr>
+          <a:xfrm>
+            <a:off x="34074880" y="10613872"/>
+            <a:ext cx="2115918" cy="1080000"/>
+          </a:xfrm>
+          <a:prstGeom prst="rect">
+            <a:avLst/>
+          </a:prstGeom>
+          <a:ln w="28575"/>
+        </p:spPr>
+        <p:style>
+          <a:lnRef idx="2">
+            <a:schemeClr val="accent1"/>
+          </a:lnRef>
+          <a:fillRef idx="1">
+            <a:schemeClr val="lt1"/>
+          </a:fillRef>
+          <a:effectRef idx="0">
+            <a:schemeClr val="accent1"/>
+          </a:effectRef>
+          <a:fontRef idx="minor">
+            <a:schemeClr val="dk1"/>
+          </a:fontRef>
+        </p:style>
+        <p:txBody>
+          <a:bodyPr lIns="124733" tIns="62367" rIns="124733" bIns="62367" rtlCol="0" anchor="ctr"/>
+          <a:lstStyle/>
+          <a:p>
+            <a:pPr algn="ctr"/>
+            <a:r>
+              <a:rPr lang="ru-RU" sz="1400" dirty="0" smtClean="0"/>
+              <a:t>Помощь Армии Спасения</a:t>
+            </a:r>
+            <a:endParaRPr lang="ru-RU" sz="500" dirty="0"/>
+          </a:p>
+        </p:txBody>
+      </p:sp>
+      <p:sp>
+        <p:nvSpPr>
+          <p:cNvPr id="303" name="Прямоугольник 302"/>
+          <p:cNvSpPr/>
+          <p:nvPr/>
+        </p:nvSpPr>
+        <p:spPr>
+          <a:xfrm>
+            <a:off x="28301906" y="9110639"/>
+            <a:ext cx="2115918" cy="1080000"/>
+          </a:xfrm>
+          <a:prstGeom prst="rect">
+            <a:avLst/>
+          </a:prstGeom>
+          <a:ln w="28575"/>
+        </p:spPr>
+        <p:style>
+          <a:lnRef idx="2">
+            <a:schemeClr val="accent1"/>
+          </a:lnRef>
+          <a:fillRef idx="1">
+            <a:schemeClr val="lt1"/>
+          </a:fillRef>
+          <a:effectRef idx="0">
+            <a:schemeClr val="accent1"/>
+          </a:effectRef>
+          <a:fontRef idx="minor">
+            <a:schemeClr val="dk1"/>
+          </a:fontRef>
+        </p:style>
+        <p:txBody>
+          <a:bodyPr lIns="124733" tIns="62367" rIns="124733" bIns="62367" rtlCol="0" anchor="ctr"/>
+          <a:lstStyle/>
+          <a:p>
+            <a:pPr algn="ctr"/>
+            <a:r>
+              <a:rPr lang="ru-RU" sz="1400" dirty="0" smtClean="0"/>
+              <a:t>Обратиться к братьям в Америке</a:t>
+            </a:r>
+            <a:endParaRPr lang="ru-RU" sz="500" dirty="0"/>
+          </a:p>
+        </p:txBody>
+      </p:sp>
+      <p:sp>
+        <p:nvSpPr>
+          <p:cNvPr id="309" name="Прямоугольник 308"/>
+          <p:cNvSpPr/>
+          <p:nvPr/>
+        </p:nvSpPr>
+        <p:spPr>
+          <a:xfrm>
+            <a:off x="28301906" y="12144888"/>
+            <a:ext cx="2115918" cy="1080000"/>
+          </a:xfrm>
+          <a:prstGeom prst="rect">
+            <a:avLst/>
+          </a:prstGeom>
+          <a:ln w="28575"/>
+        </p:spPr>
+        <p:style>
+          <a:lnRef idx="2">
+            <a:schemeClr val="accent1"/>
+          </a:lnRef>
+          <a:fillRef idx="1">
+            <a:schemeClr val="lt1"/>
+          </a:fillRef>
+          <a:effectRef idx="0">
+            <a:schemeClr val="accent1"/>
+          </a:effectRef>
+          <a:fontRef idx="minor">
+            <a:schemeClr val="dk1"/>
+          </a:fontRef>
+        </p:style>
+        <p:txBody>
+          <a:bodyPr lIns="124733" tIns="62367" rIns="124733" bIns="62367" rtlCol="0" anchor="ctr"/>
+          <a:lstStyle/>
+          <a:p>
+            <a:pPr algn="ctr"/>
+            <a:r>
+              <a:rPr lang="ru-RU" sz="1400" dirty="0" smtClean="0"/>
+              <a:t>Помочь желающим вернуться на родину</a:t>
+            </a:r>
+            <a:endParaRPr lang="ru-RU" sz="500" dirty="0"/>
+          </a:p>
+        </p:txBody>
+      </p:sp>
+      <p:cxnSp>
+        <p:nvCxnSpPr>
+          <p:cNvPr id="310" name="Прямая со стрелкой 309"/>
+          <p:cNvCxnSpPr>
+            <a:stCxn id="303" idx="2"/>
+            <a:endCxn id="309" idx="0"/>
+          </p:cNvCxnSpPr>
+          <p:nvPr/>
+        </p:nvCxnSpPr>
+        <p:spPr>
+          <a:xfrm>
+            <a:off x="29359865" y="10190639"/>
+            <a:ext cx="0" cy="1954249"/>
+          </a:xfrm>
+          <a:prstGeom prst="straightConnector1">
+            <a:avLst/>
+          </a:prstGeom>
+          <a:ln w="28575">
+            <a:tailEnd type="arrow"/>
+          </a:ln>
+        </p:spPr>
+        <p:style>
+          <a:lnRef idx="1">
+            <a:schemeClr val="accent1"/>
+          </a:lnRef>
+          <a:fillRef idx="0">
+            <a:schemeClr val="accent1"/>
+          </a:fillRef>
+          <a:effectRef idx="0">
+            <a:schemeClr val="accent1"/>
+          </a:effectRef>
+          <a:fontRef idx="minor">
+            <a:schemeClr val="tx1"/>
+          </a:fontRef>
+        </p:style>
+      </p:cxnSp>
+      <p:cxnSp>
+        <p:nvCxnSpPr>
+          <p:cNvPr id="312" name="Соединительная линия уступом 311"/>
+          <p:cNvCxnSpPr>
+            <a:stCxn id="120" idx="2"/>
+            <a:endCxn id="303" idx="0"/>
+          </p:cNvCxnSpPr>
+          <p:nvPr/>
+        </p:nvCxnSpPr>
+        <p:spPr>
+          <a:xfrm rot="5400000">
+            <a:off x="30221316" y="7676073"/>
+            <a:ext cx="573116" cy="2296017"/>
+          </a:xfrm>
+          <a:prstGeom prst="bentConnector3">
+            <a:avLst>
+              <a:gd name="adj1" fmla="val 50000"/>
+            </a:avLst>
+          </a:prstGeom>
+          <a:ln w="28575">
+            <a:tailEnd type="arrow"/>
+          </a:ln>
+        </p:spPr>
+        <p:style>
+          <a:lnRef idx="1">
+            <a:schemeClr val="accent1"/>
+          </a:lnRef>
+          <a:fillRef idx="0">
+            <a:schemeClr val="accent1"/>
+          </a:fillRef>
+          <a:effectRef idx="0">
+            <a:schemeClr val="accent1"/>
+          </a:effectRef>
+          <a:fontRef idx="minor">
+            <a:schemeClr val="tx1"/>
+          </a:fontRef>
+        </p:style>
+      </p:cxnSp>
+      <p:cxnSp>
+        <p:nvCxnSpPr>
+          <p:cNvPr id="313" name="Соединительная линия уступом 312"/>
+          <p:cNvCxnSpPr>
+            <a:stCxn id="120" idx="2"/>
+            <a:endCxn id="209" idx="0"/>
+          </p:cNvCxnSpPr>
+          <p:nvPr/>
+        </p:nvCxnSpPr>
+        <p:spPr>
+          <a:xfrm rot="16200000" flipH="1">
+            <a:off x="32519724" y="7673680"/>
+            <a:ext cx="578538" cy="2306223"/>
+          </a:xfrm>
+          <a:prstGeom prst="bentConnector3">
+            <a:avLst>
+              <a:gd name="adj1" fmla="val 50000"/>
+            </a:avLst>
+          </a:prstGeom>
+          <a:ln w="28575">
+            <a:tailEnd type="arrow"/>
+          </a:ln>
+        </p:spPr>
+        <p:style>
+          <a:lnRef idx="1">
+            <a:schemeClr val="accent1"/>
+          </a:lnRef>
+          <a:fillRef idx="0">
+            <a:schemeClr val="accent1"/>
+          </a:fillRef>
+          <a:effectRef idx="0">
+            <a:schemeClr val="accent1"/>
+          </a:effectRef>
+          <a:fontRef idx="minor">
+            <a:schemeClr val="tx1"/>
+          </a:fontRef>
+        </p:style>
+      </p:cxnSp>
+      <p:cxnSp>
+        <p:nvCxnSpPr>
+          <p:cNvPr id="314" name="Соединительная линия уступом 313"/>
+          <p:cNvCxnSpPr>
+            <a:stCxn id="209" idx="2"/>
+            <a:endCxn id="299" idx="0"/>
+          </p:cNvCxnSpPr>
+          <p:nvPr/>
+        </p:nvCxnSpPr>
+        <p:spPr>
+          <a:xfrm rot="16200000" flipH="1">
+            <a:off x="34338567" y="9819599"/>
+            <a:ext cx="417811" cy="1170734"/>
+          </a:xfrm>
+          <a:prstGeom prst="bentConnector3">
+            <a:avLst>
+              <a:gd name="adj1" fmla="val 50000"/>
+            </a:avLst>
+          </a:prstGeom>
+          <a:ln w="28575">
+            <a:tailEnd type="arrow"/>
+          </a:ln>
+        </p:spPr>
+        <p:style>
+          <a:lnRef idx="1">
+            <a:schemeClr val="accent1"/>
+          </a:lnRef>
+          <a:fillRef idx="0">
+            <a:schemeClr val="accent1"/>
+          </a:fillRef>
+          <a:effectRef idx="0">
+            <a:schemeClr val="accent1"/>
+          </a:effectRef>
+          <a:fontRef idx="minor">
+            <a:schemeClr val="tx1"/>
+          </a:fontRef>
+        </p:style>
+      </p:cxnSp>
+      <p:cxnSp>
+        <p:nvCxnSpPr>
+          <p:cNvPr id="315" name="Прямая со стрелкой 314"/>
+          <p:cNvCxnSpPr>
+            <a:stCxn id="209" idx="2"/>
+            <a:endCxn id="297" idx="0"/>
+          </p:cNvCxnSpPr>
+          <p:nvPr/>
+        </p:nvCxnSpPr>
+        <p:spPr>
+          <a:xfrm>
+            <a:off x="33962105" y="10196061"/>
+            <a:ext cx="0" cy="1951334"/>
+          </a:xfrm>
+          <a:prstGeom prst="straightConnector1">
+            <a:avLst/>
+          </a:prstGeom>
+          <a:ln w="28575">
+            <a:tailEnd type="arrow"/>
+          </a:ln>
+        </p:spPr>
+        <p:style>
+          <a:lnRef idx="1">
+            <a:schemeClr val="accent1"/>
+          </a:lnRef>
+          <a:fillRef idx="0">
+            <a:schemeClr val="accent1"/>
+          </a:fillRef>
+          <a:effectRef idx="0">
+            <a:schemeClr val="accent1"/>
+          </a:effectRef>
+          <a:fontRef idx="minor">
+            <a:schemeClr val="tx1"/>
+          </a:fontRef>
+        </p:style>
+      </p:cxnSp>
+      <p:cxnSp>
+        <p:nvCxnSpPr>
+          <p:cNvPr id="316" name="Соединительная линия уступом 315"/>
+          <p:cNvCxnSpPr>
+            <a:stCxn id="123" idx="2"/>
+            <a:endCxn id="124" idx="0"/>
+          </p:cNvCxnSpPr>
+          <p:nvPr/>
+        </p:nvCxnSpPr>
+        <p:spPr>
+          <a:xfrm rot="5400000">
+            <a:off x="30302366" y="12282386"/>
+            <a:ext cx="411015" cy="2296016"/>
+          </a:xfrm>
+          <a:prstGeom prst="bentConnector3">
+            <a:avLst>
+              <a:gd name="adj1" fmla="val 50000"/>
+            </a:avLst>
+          </a:prstGeom>
+          <a:ln w="28575">
+            <a:tailEnd type="arrow"/>
+          </a:ln>
+        </p:spPr>
+        <p:style>
+          <a:lnRef idx="1">
+            <a:schemeClr val="accent1"/>
+          </a:lnRef>
+          <a:fillRef idx="0">
+            <a:schemeClr val="accent1"/>
+          </a:fillRef>
+          <a:effectRef idx="0">
+            <a:schemeClr val="accent1"/>
+          </a:effectRef>
+          <a:fontRef idx="minor">
+            <a:schemeClr val="tx1"/>
+          </a:fontRef>
+        </p:style>
+      </p:cxnSp>
+      <p:cxnSp>
+        <p:nvCxnSpPr>
+          <p:cNvPr id="320" name="Прямая со стрелкой 319"/>
+          <p:cNvCxnSpPr>
+            <a:stCxn id="309" idx="2"/>
+            <a:endCxn id="124" idx="0"/>
+          </p:cNvCxnSpPr>
+          <p:nvPr/>
+        </p:nvCxnSpPr>
+        <p:spPr>
+          <a:xfrm>
+            <a:off x="29359865" y="13224888"/>
+            <a:ext cx="0" cy="411014"/>
+          </a:xfrm>
+          <a:prstGeom prst="straightConnector1">
+            <a:avLst/>
+          </a:prstGeom>
+          <a:ln w="28575">
+            <a:tailEnd type="arrow"/>
+          </a:ln>
+        </p:spPr>
+        <p:style>
+          <a:lnRef idx="1">
+            <a:schemeClr val="accent1"/>
+          </a:lnRef>
+          <a:fillRef idx="0">
+            <a:schemeClr val="accent1"/>
+          </a:fillRef>
+          <a:effectRef idx="0">
+            <a:schemeClr val="accent1"/>
+          </a:effectRef>
+          <a:fontRef idx="minor">
+            <a:schemeClr val="tx1"/>
+          </a:fontRef>
+        </p:style>
+      </p:cxnSp>
+      <p:cxnSp>
+        <p:nvCxnSpPr>
+          <p:cNvPr id="321" name="Прямая со стрелкой 320"/>
+          <p:cNvCxnSpPr>
+            <a:stCxn id="121" idx="2"/>
+            <a:endCxn id="123" idx="0"/>
+          </p:cNvCxnSpPr>
+          <p:nvPr/>
+        </p:nvCxnSpPr>
+        <p:spPr>
+          <a:xfrm flipH="1">
+            <a:off x="31655881" y="10185524"/>
+            <a:ext cx="1" cy="1959363"/>
+          </a:xfrm>
+          <a:prstGeom prst="straightConnector1">
+            <a:avLst/>
+          </a:prstGeom>
+          <a:ln w="28575">
+            <a:tailEnd type="arrow"/>
+          </a:ln>
+        </p:spPr>
+        <p:style>
+          <a:lnRef idx="1">
+            <a:schemeClr val="accent1"/>
+          </a:lnRef>
+          <a:fillRef idx="0">
+            <a:schemeClr val="accent1"/>
+          </a:fillRef>
+          <a:effectRef idx="0">
+            <a:schemeClr val="accent1"/>
+          </a:effectRef>
+          <a:fontRef idx="minor">
+            <a:schemeClr val="tx1"/>
+          </a:fontRef>
+        </p:style>
+      </p:cxnSp>
+      <p:sp>
+        <p:nvSpPr>
+          <p:cNvPr id="322" name="Прямоугольник 321"/>
+          <p:cNvSpPr/>
+          <p:nvPr/>
+        </p:nvSpPr>
+        <p:spPr>
+          <a:xfrm>
+            <a:off x="34074880" y="13636028"/>
+            <a:ext cx="2115918" cy="1080000"/>
+          </a:xfrm>
+          <a:prstGeom prst="rect">
+            <a:avLst/>
+          </a:prstGeom>
+          <a:ln w="28575"/>
+        </p:spPr>
+        <p:style>
+          <a:lnRef idx="2">
+            <a:schemeClr val="accent1"/>
+          </a:lnRef>
+          <a:fillRef idx="1">
+            <a:schemeClr val="lt1"/>
+          </a:fillRef>
+          <a:effectRef idx="0">
+            <a:schemeClr val="accent1"/>
+          </a:effectRef>
+          <a:fontRef idx="minor">
+            <a:schemeClr val="dk1"/>
+          </a:fontRef>
+        </p:style>
+        <p:txBody>
+          <a:bodyPr lIns="124733" tIns="62367" rIns="124733" bIns="62367" rtlCol="0" anchor="ctr"/>
+          <a:lstStyle/>
+          <a:p>
+            <a:pPr algn="ctr"/>
+            <a:r>
+              <a:rPr lang="ru-RU" sz="1400" dirty="0" smtClean="0"/>
+              <a:t>Изучение смертельной руды (наше)</a:t>
+            </a:r>
+            <a:endParaRPr lang="ru-RU" sz="500" dirty="0"/>
+          </a:p>
+        </p:txBody>
+      </p:sp>
+      <p:sp>
+        <p:nvSpPr>
+          <p:cNvPr id="323" name="Прямоугольник 322"/>
+          <p:cNvSpPr/>
+          <p:nvPr/>
+        </p:nvSpPr>
+        <p:spPr>
+          <a:xfrm>
+            <a:off x="30600426" y="13632394"/>
+            <a:ext cx="2115918" cy="1080000"/>
+          </a:xfrm>
+          <a:prstGeom prst="rect">
+            <a:avLst/>
+          </a:prstGeom>
+          <a:ln w="28575"/>
+        </p:spPr>
+        <p:style>
+          <a:lnRef idx="2">
+            <a:schemeClr val="accent1"/>
+          </a:lnRef>
+          <a:fillRef idx="1">
+            <a:schemeClr val="lt1"/>
+          </a:fillRef>
+          <a:effectRef idx="0">
+            <a:schemeClr val="accent1"/>
+          </a:effectRef>
+          <a:fontRef idx="minor">
+            <a:schemeClr val="dk1"/>
+          </a:fontRef>
+        </p:style>
+        <p:txBody>
+          <a:bodyPr lIns="124733" tIns="62367" rIns="124733" bIns="62367" rtlCol="0" anchor="ctr"/>
+          <a:lstStyle/>
+          <a:p>
+            <a:pPr algn="ctr"/>
+            <a:r>
+              <a:rPr lang="ru-RU" sz="1400" dirty="0"/>
+              <a:t>«Огненный дождь» (наше)</a:t>
+            </a:r>
+            <a:endParaRPr lang="ru-RU" sz="500" dirty="0"/>
+          </a:p>
+        </p:txBody>
+      </p:sp>
+      <p:cxnSp>
+        <p:nvCxnSpPr>
+          <p:cNvPr id="324" name="Прямая со стрелкой 323"/>
+          <p:cNvCxnSpPr>
+            <a:stCxn id="123" idx="2"/>
+            <a:endCxn id="323" idx="0"/>
+          </p:cNvCxnSpPr>
+          <p:nvPr/>
+        </p:nvCxnSpPr>
+        <p:spPr>
+          <a:xfrm>
+            <a:off x="31655881" y="13224887"/>
+            <a:ext cx="2504" cy="407507"/>
+          </a:xfrm>
+          <a:prstGeom prst="straightConnector1">
+            <a:avLst/>
+          </a:prstGeom>
+          <a:ln w="28575">
+            <a:tailEnd type="arrow"/>
+          </a:ln>
+        </p:spPr>
+        <p:style>
+          <a:lnRef idx="1">
+            <a:schemeClr val="accent1"/>
+          </a:lnRef>
+          <a:fillRef idx="0">
+            <a:schemeClr val="accent1"/>
+          </a:fillRef>
+          <a:effectRef idx="0">
+            <a:schemeClr val="accent1"/>
+          </a:effectRef>
+          <a:fontRef idx="minor">
+            <a:schemeClr val="tx1"/>
+          </a:fontRef>
+        </p:style>
+      </p:cxnSp>
+      <p:sp>
+        <p:nvSpPr>
+          <p:cNvPr id="325" name="Прямоугольник 324"/>
+          <p:cNvSpPr/>
+          <p:nvPr/>
+        </p:nvSpPr>
+        <p:spPr>
+          <a:xfrm>
+            <a:off x="31761146" y="15107228"/>
+            <a:ext cx="2115918" cy="1080000"/>
+          </a:xfrm>
+          <a:prstGeom prst="rect">
+            <a:avLst/>
+          </a:prstGeom>
+          <a:ln w="28575"/>
+        </p:spPr>
+        <p:style>
+          <a:lnRef idx="2">
+            <a:schemeClr val="accent1"/>
+          </a:lnRef>
+          <a:fillRef idx="1">
+            <a:schemeClr val="lt1"/>
+          </a:fillRef>
+          <a:effectRef idx="0">
+            <a:schemeClr val="accent1"/>
+          </a:effectRef>
+          <a:fontRef idx="minor">
+            <a:schemeClr val="dk1"/>
+          </a:fontRef>
+        </p:style>
+        <p:txBody>
+          <a:bodyPr lIns="124733" tIns="62367" rIns="124733" bIns="62367" rtlCol="0" anchor="ctr"/>
+          <a:lstStyle/>
+          <a:p>
+            <a:pPr algn="ctr"/>
+            <a:r>
+              <a:rPr lang="ru-RU" sz="1400" dirty="0"/>
+              <a:t>Освобождение братьев из французских колоний (наше</a:t>
+            </a:r>
+            <a:r>
+              <a:rPr lang="ru-RU" sz="1400" dirty="0" smtClean="0"/>
+              <a:t>)</a:t>
+            </a:r>
+            <a:endParaRPr lang="ru-RU" sz="500" dirty="0"/>
+          </a:p>
+        </p:txBody>
+      </p:sp>
+      <p:sp>
+        <p:nvSpPr>
+          <p:cNvPr id="326" name="Прямоугольник 325"/>
+          <p:cNvSpPr/>
+          <p:nvPr/>
+        </p:nvSpPr>
+        <p:spPr>
+          <a:xfrm>
+            <a:off x="35210370" y="12150751"/>
+            <a:ext cx="2115918" cy="1080000"/>
+          </a:xfrm>
+          <a:prstGeom prst="rect">
+            <a:avLst/>
+          </a:prstGeom>
+          <a:ln w="28575"/>
+        </p:spPr>
+        <p:style>
+          <a:lnRef idx="2">
+            <a:schemeClr val="accent1"/>
+          </a:lnRef>
+          <a:fillRef idx="1">
+            <a:schemeClr val="lt1"/>
+          </a:fillRef>
+          <a:effectRef idx="0">
+            <a:schemeClr val="accent1"/>
+          </a:effectRef>
+          <a:fontRef idx="minor">
+            <a:schemeClr val="dk1"/>
+          </a:fontRef>
+        </p:style>
+        <p:txBody>
+          <a:bodyPr lIns="124733" tIns="62367" rIns="124733" bIns="62367" rtlCol="0" anchor="ctr"/>
+          <a:lstStyle/>
+          <a:p>
+            <a:pPr algn="ctr"/>
+            <a:r>
+              <a:rPr lang="ru-RU" sz="1400" dirty="0" smtClean="0"/>
+              <a:t>Создание «Чёрной международной миссии»</a:t>
+            </a:r>
+            <a:endParaRPr lang="ru-RU" sz="500" dirty="0"/>
+          </a:p>
+        </p:txBody>
+      </p:sp>
+      <p:cxnSp>
+        <p:nvCxnSpPr>
+          <p:cNvPr id="327" name="Соединительная линия уступом 326"/>
+          <p:cNvCxnSpPr>
+            <a:stCxn id="299" idx="2"/>
+            <a:endCxn id="326" idx="0"/>
+          </p:cNvCxnSpPr>
+          <p:nvPr/>
+        </p:nvCxnSpPr>
+        <p:spPr>
+          <a:xfrm rot="16200000" flipH="1">
+            <a:off x="35472145" y="11354566"/>
+            <a:ext cx="456879" cy="1135490"/>
+          </a:xfrm>
+          <a:prstGeom prst="bentConnector3">
+            <a:avLst>
+              <a:gd name="adj1" fmla="val 50000"/>
+            </a:avLst>
+          </a:prstGeom>
+          <a:ln w="28575">
+            <a:tailEnd type="arrow"/>
+          </a:ln>
+        </p:spPr>
+        <p:style>
+          <a:lnRef idx="1">
+            <a:schemeClr val="accent1"/>
+          </a:lnRef>
+          <a:fillRef idx="0">
+            <a:schemeClr val="accent1"/>
+          </a:fillRef>
+          <a:effectRef idx="0">
+            <a:schemeClr val="accent1"/>
+          </a:effectRef>
+          <a:fontRef idx="minor">
+            <a:schemeClr val="tx1"/>
+          </a:fontRef>
+        </p:style>
+      </p:cxnSp>
+      <p:sp>
+        <p:nvSpPr>
+          <p:cNvPr id="330" name="Прямоугольник 329"/>
+          <p:cNvSpPr/>
+          <p:nvPr/>
+        </p:nvSpPr>
+        <p:spPr>
+          <a:xfrm>
+            <a:off x="34074880" y="15107228"/>
+            <a:ext cx="2115918" cy="1080000"/>
+          </a:xfrm>
+          <a:prstGeom prst="rect">
+            <a:avLst/>
+          </a:prstGeom>
+          <a:ln w="28575"/>
+        </p:spPr>
+        <p:style>
+          <a:lnRef idx="2">
+            <a:schemeClr val="accent1"/>
+          </a:lnRef>
+          <a:fillRef idx="1">
+            <a:schemeClr val="lt1"/>
+          </a:fillRef>
+          <a:effectRef idx="0">
+            <a:schemeClr val="accent1"/>
+          </a:effectRef>
+          <a:fontRef idx="minor">
+            <a:schemeClr val="dk1"/>
+          </a:fontRef>
+        </p:style>
+        <p:txBody>
+          <a:bodyPr lIns="124733" tIns="62367" rIns="124733" bIns="62367" rtlCol="0" anchor="ctr"/>
+          <a:lstStyle/>
+          <a:p>
+            <a:pPr algn="ctr"/>
+            <a:r>
+              <a:rPr lang="ru-RU" sz="1400" dirty="0" smtClean="0"/>
+              <a:t>Пригласить колдунов с Европы (наше)</a:t>
+            </a:r>
+            <a:endParaRPr lang="ru-RU" sz="500" dirty="0"/>
+          </a:p>
+        </p:txBody>
+      </p:sp>
+      <p:cxnSp>
+        <p:nvCxnSpPr>
+          <p:cNvPr id="331" name="Прямая со стрелкой 330"/>
+          <p:cNvCxnSpPr>
+            <a:stCxn id="299" idx="2"/>
+            <a:endCxn id="322" idx="0"/>
+          </p:cNvCxnSpPr>
+          <p:nvPr/>
+        </p:nvCxnSpPr>
+        <p:spPr>
+          <a:xfrm>
+            <a:off x="35132839" y="11693872"/>
+            <a:ext cx="0" cy="1942156"/>
+          </a:xfrm>
+          <a:prstGeom prst="straightConnector1">
+            <a:avLst/>
+          </a:prstGeom>
+          <a:ln w="28575">
+            <a:tailEnd type="arrow"/>
+          </a:ln>
+        </p:spPr>
+        <p:style>
+          <a:lnRef idx="1">
+            <a:schemeClr val="accent1"/>
+          </a:lnRef>
+          <a:fillRef idx="0">
+            <a:schemeClr val="accent1"/>
+          </a:fillRef>
+          <a:effectRef idx="0">
+            <a:schemeClr val="accent1"/>
+          </a:effectRef>
+          <a:fontRef idx="minor">
+            <a:schemeClr val="tx1"/>
+          </a:fontRef>
+        </p:style>
+      </p:cxnSp>
+      <p:cxnSp>
+        <p:nvCxnSpPr>
+          <p:cNvPr id="332" name="Прямая со стрелкой 331"/>
+          <p:cNvCxnSpPr>
+            <a:stCxn id="322" idx="2"/>
+            <a:endCxn id="330" idx="0"/>
+          </p:cNvCxnSpPr>
+          <p:nvPr/>
+        </p:nvCxnSpPr>
+        <p:spPr>
+          <a:xfrm>
+            <a:off x="35132839" y="14716028"/>
+            <a:ext cx="0" cy="391200"/>
+          </a:xfrm>
+          <a:prstGeom prst="straightConnector1">
+            <a:avLst/>
+          </a:prstGeom>
+          <a:ln w="28575">
+            <a:tailEnd type="arrow"/>
+          </a:ln>
+        </p:spPr>
+        <p:style>
+          <a:lnRef idx="1">
+            <a:schemeClr val="accent1"/>
+          </a:lnRef>
+          <a:fillRef idx="0">
+            <a:schemeClr val="accent1"/>
+          </a:fillRef>
+          <a:effectRef idx="0">
+            <a:schemeClr val="accent1"/>
+          </a:effectRef>
+          <a:fontRef idx="minor">
+            <a:schemeClr val="tx1"/>
+          </a:fontRef>
+        </p:style>
+      </p:cxnSp>
+      <p:sp>
+        <p:nvSpPr>
+          <p:cNvPr id="334" name="Прямоугольник 333"/>
+          <p:cNvSpPr/>
+          <p:nvPr/>
+        </p:nvSpPr>
+        <p:spPr>
+          <a:xfrm>
+            <a:off x="29447412" y="15107228"/>
+            <a:ext cx="2115918" cy="1080000"/>
+          </a:xfrm>
+          <a:prstGeom prst="rect">
+            <a:avLst/>
+          </a:prstGeom>
+          <a:ln w="28575"/>
+        </p:spPr>
+        <p:style>
+          <a:lnRef idx="2">
+            <a:schemeClr val="accent1"/>
+          </a:lnRef>
+          <a:fillRef idx="1">
+            <a:schemeClr val="lt1"/>
+          </a:fillRef>
+          <a:effectRef idx="0">
+            <a:schemeClr val="accent1"/>
+          </a:effectRef>
+          <a:fontRef idx="minor">
+            <a:schemeClr val="dk1"/>
+          </a:fontRef>
+        </p:style>
+        <p:txBody>
+          <a:bodyPr lIns="124733" tIns="62367" rIns="124733" bIns="62367" rtlCol="0" anchor="ctr"/>
+          <a:lstStyle/>
+          <a:p>
+            <a:pPr algn="ctr"/>
+            <a:r>
+              <a:rPr lang="ru-RU" sz="1400" dirty="0"/>
+              <a:t>Освобождение Анголы (наше)</a:t>
+            </a:r>
+            <a:endParaRPr lang="ru-RU" sz="500" dirty="0"/>
+          </a:p>
+        </p:txBody>
+      </p:sp>
+      <p:sp>
+        <p:nvSpPr>
+          <p:cNvPr id="335" name="Прямоугольник 334"/>
+          <p:cNvSpPr/>
+          <p:nvPr/>
+        </p:nvSpPr>
+        <p:spPr>
+          <a:xfrm>
+            <a:off x="31761146" y="16788207"/>
+            <a:ext cx="2115918" cy="1080000"/>
+          </a:xfrm>
+          <a:prstGeom prst="rect">
+            <a:avLst/>
+          </a:prstGeom>
+          <a:ln w="28575"/>
+        </p:spPr>
+        <p:style>
+          <a:lnRef idx="2">
+            <a:schemeClr val="accent1"/>
+          </a:lnRef>
+          <a:fillRef idx="1">
+            <a:schemeClr val="lt1"/>
+          </a:fillRef>
+          <a:effectRef idx="0">
+            <a:schemeClr val="accent1"/>
+          </a:effectRef>
+          <a:fontRef idx="minor">
+            <a:schemeClr val="dk1"/>
+          </a:fontRef>
+        </p:style>
+        <p:txBody>
+          <a:bodyPr lIns="124733" tIns="62367" rIns="124733" bIns="62367" rtlCol="0" anchor="ctr"/>
+          <a:lstStyle/>
+          <a:p>
+            <a:pPr algn="ctr"/>
+            <a:r>
+              <a:rPr lang="ru-RU" sz="1400" dirty="0"/>
+              <a:t>Чёрные братья из Сахары (наше</a:t>
+            </a:r>
+            <a:r>
+              <a:rPr lang="ru-RU" sz="1400" dirty="0" smtClean="0"/>
+              <a:t>)</a:t>
+            </a:r>
+            <a:endParaRPr lang="ru-RU" sz="500" dirty="0"/>
+          </a:p>
+        </p:txBody>
+      </p:sp>
+      <p:cxnSp>
+        <p:nvCxnSpPr>
+          <p:cNvPr id="336" name="Прямая со стрелкой 335"/>
+          <p:cNvCxnSpPr>
+            <a:stCxn id="325" idx="2"/>
+            <a:endCxn id="335" idx="0"/>
+          </p:cNvCxnSpPr>
+          <p:nvPr/>
+        </p:nvCxnSpPr>
+        <p:spPr>
+          <a:xfrm>
+            <a:off x="32819105" y="16187228"/>
+            <a:ext cx="0" cy="600979"/>
+          </a:xfrm>
+          <a:prstGeom prst="straightConnector1">
+            <a:avLst/>
+          </a:prstGeom>
+          <a:ln w="28575">
+            <a:tailEnd type="arrow"/>
+          </a:ln>
+        </p:spPr>
+        <p:style>
+          <a:lnRef idx="1">
+            <a:schemeClr val="accent1"/>
+          </a:lnRef>
+          <a:fillRef idx="0">
+            <a:schemeClr val="accent1"/>
+          </a:fillRef>
+          <a:effectRef idx="0">
+            <a:schemeClr val="accent1"/>
+          </a:effectRef>
+          <a:fontRef idx="minor">
+            <a:schemeClr val="tx1"/>
+          </a:fontRef>
+        </p:style>
+      </p:cxnSp>
+      <p:cxnSp>
+        <p:nvCxnSpPr>
+          <p:cNvPr id="337" name="Соединительная линия уступом 336"/>
+          <p:cNvCxnSpPr>
+            <a:stCxn id="323" idx="2"/>
+            <a:endCxn id="334" idx="0"/>
+          </p:cNvCxnSpPr>
+          <p:nvPr/>
+        </p:nvCxnSpPr>
+        <p:spPr>
+          <a:xfrm rot="5400000">
+            <a:off x="30884461" y="14333304"/>
+            <a:ext cx="394834" cy="1153014"/>
+          </a:xfrm>
+          <a:prstGeom prst="bentConnector3">
+            <a:avLst>
+              <a:gd name="adj1" fmla="val 50000"/>
+            </a:avLst>
+          </a:prstGeom>
+          <a:ln w="28575">
+            <a:tailEnd type="arrow"/>
+          </a:ln>
+        </p:spPr>
+        <p:style>
+          <a:lnRef idx="1">
+            <a:schemeClr val="accent1"/>
+          </a:lnRef>
+          <a:fillRef idx="0">
+            <a:schemeClr val="accent1"/>
+          </a:fillRef>
+          <a:effectRef idx="0">
+            <a:schemeClr val="accent1"/>
+          </a:effectRef>
+          <a:fontRef idx="minor">
+            <a:schemeClr val="tx1"/>
+          </a:fontRef>
+        </p:style>
+      </p:cxnSp>
+      <p:cxnSp>
+        <p:nvCxnSpPr>
+          <p:cNvPr id="338" name="Соединительная линия уступом 337"/>
+          <p:cNvCxnSpPr>
+            <a:stCxn id="323" idx="2"/>
+            <a:endCxn id="325" idx="0"/>
+          </p:cNvCxnSpPr>
+          <p:nvPr/>
+        </p:nvCxnSpPr>
+        <p:spPr>
+          <a:xfrm rot="16200000" flipH="1">
+            <a:off x="32041328" y="14329451"/>
+            <a:ext cx="394834" cy="1160720"/>
+          </a:xfrm>
+          <a:prstGeom prst="bentConnector3">
+            <a:avLst>
+              <a:gd name="adj1" fmla="val 50000"/>
+            </a:avLst>
+          </a:prstGeom>
+          <a:ln w="28575">
+            <a:tailEnd type="arrow"/>
+          </a:ln>
+        </p:spPr>
+        <p:style>
+          <a:lnRef idx="1">
+            <a:schemeClr val="accent1"/>
+          </a:lnRef>
+          <a:fillRef idx="0">
+            <a:schemeClr val="accent1"/>
+          </a:fillRef>
+          <a:effectRef idx="0">
+            <a:schemeClr val="accent1"/>
+          </a:effectRef>
+          <a:fontRef idx="minor">
+            <a:schemeClr val="tx1"/>
+          </a:fontRef>
+        </p:style>
+      </p:cxnSp>
+      <p:sp>
+        <p:nvSpPr>
+          <p:cNvPr id="339" name="Прямоугольник 338"/>
+          <p:cNvSpPr/>
+          <p:nvPr/>
+        </p:nvSpPr>
+        <p:spPr>
+          <a:xfrm>
+            <a:off x="29446063" y="16788207"/>
+            <a:ext cx="2115918" cy="1080000"/>
+          </a:xfrm>
+          <a:prstGeom prst="rect">
+            <a:avLst/>
+          </a:prstGeom>
+          <a:ln w="28575"/>
+        </p:spPr>
+        <p:style>
+          <a:lnRef idx="2">
+            <a:schemeClr val="accent1"/>
+          </a:lnRef>
+          <a:fillRef idx="1">
+            <a:schemeClr val="lt1"/>
+          </a:fillRef>
+          <a:effectRef idx="0">
+            <a:schemeClr val="accent1"/>
+          </a:effectRef>
+          <a:fontRef idx="minor">
+            <a:schemeClr val="dk1"/>
+          </a:fontRef>
+        </p:style>
+        <p:txBody>
+          <a:bodyPr lIns="124733" tIns="62367" rIns="124733" bIns="62367" rtlCol="0" anchor="ctr"/>
+          <a:lstStyle/>
+          <a:p>
+            <a:pPr algn="ctr"/>
+            <a:r>
+              <a:rPr lang="ru-RU" sz="1400" dirty="0"/>
+              <a:t>Спасение Южной Африки от </a:t>
+            </a:r>
+            <a:r>
+              <a:rPr lang="ru-RU" sz="1400" dirty="0" err="1"/>
+              <a:t>Апартейда</a:t>
+            </a:r>
+            <a:r>
+              <a:rPr lang="ru-RU" sz="1400" dirty="0"/>
+              <a:t> (наше)</a:t>
+            </a:r>
+            <a:endParaRPr lang="ru-RU" sz="500" dirty="0"/>
+          </a:p>
+        </p:txBody>
+      </p:sp>
+      <p:cxnSp>
+        <p:nvCxnSpPr>
+          <p:cNvPr id="347" name="Прямая со стрелкой 346"/>
+          <p:cNvCxnSpPr>
+            <a:stCxn id="334" idx="2"/>
+            <a:endCxn id="339" idx="0"/>
+          </p:cNvCxnSpPr>
+          <p:nvPr/>
+        </p:nvCxnSpPr>
+        <p:spPr>
+          <a:xfrm flipH="1">
+            <a:off x="30504022" y="16187228"/>
+            <a:ext cx="1349" cy="600979"/>
+          </a:xfrm>
+          <a:prstGeom prst="straightConnector1">
+            <a:avLst/>
+          </a:prstGeom>
+          <a:ln w="28575">
+            <a:tailEnd type="arrow"/>
+          </a:ln>
+        </p:spPr>
+        <p:style>
+          <a:lnRef idx="1">
+            <a:schemeClr val="accent1"/>
+          </a:lnRef>
+          <a:fillRef idx="0">
+            <a:schemeClr val="accent1"/>
+          </a:fillRef>
+          <a:effectRef idx="0">
+            <a:schemeClr val="accent1"/>
+          </a:effectRef>
+          <a:fontRef idx="minor">
+            <a:schemeClr val="tx1"/>
+          </a:fontRef>
+        </p:style>
+      </p:cxnSp>
+      <p:sp>
+        <p:nvSpPr>
+          <p:cNvPr id="348" name="Прямоугольник 347"/>
+          <p:cNvSpPr/>
+          <p:nvPr/>
+        </p:nvSpPr>
+        <p:spPr>
+          <a:xfrm>
+            <a:off x="30597922" y="18340731"/>
+            <a:ext cx="2115918" cy="1080000"/>
+          </a:xfrm>
+          <a:prstGeom prst="rect">
+            <a:avLst/>
+          </a:prstGeom>
+          <a:ln w="28575"/>
+        </p:spPr>
+        <p:style>
+          <a:lnRef idx="2">
+            <a:schemeClr val="accent1"/>
+          </a:lnRef>
+          <a:fillRef idx="1">
+            <a:schemeClr val="lt1"/>
+          </a:fillRef>
+          <a:effectRef idx="0">
+            <a:schemeClr val="accent1"/>
+          </a:effectRef>
+          <a:fontRef idx="minor">
+            <a:schemeClr val="dk1"/>
+          </a:fontRef>
+        </p:style>
+        <p:txBody>
+          <a:bodyPr lIns="124733" tIns="62367" rIns="124733" bIns="62367" rtlCol="0" anchor="ctr"/>
+          <a:lstStyle/>
+          <a:p>
+            <a:pPr algn="ctr"/>
+            <a:r>
+              <a:rPr lang="ru-RU" sz="1400" dirty="0" smtClean="0"/>
+              <a:t>Империя чёрного Христа (наше)</a:t>
+            </a:r>
+            <a:endParaRPr lang="ru-RU" sz="500" dirty="0"/>
+          </a:p>
+        </p:txBody>
+      </p:sp>
+      <p:cxnSp>
+        <p:nvCxnSpPr>
+          <p:cNvPr id="349" name="Соединительная линия уступом 348"/>
+          <p:cNvCxnSpPr>
+            <a:stCxn id="335" idx="2"/>
+            <a:endCxn id="348" idx="0"/>
+          </p:cNvCxnSpPr>
+          <p:nvPr/>
+        </p:nvCxnSpPr>
+        <p:spPr>
+          <a:xfrm rot="5400000">
+            <a:off x="32001231" y="17522857"/>
+            <a:ext cx="472524" cy="1163224"/>
+          </a:xfrm>
+          <a:prstGeom prst="bentConnector3">
+            <a:avLst>
+              <a:gd name="adj1" fmla="val 50000"/>
+            </a:avLst>
+          </a:prstGeom>
+          <a:ln w="28575">
+            <a:tailEnd type="arrow"/>
+          </a:ln>
+        </p:spPr>
+        <p:style>
+          <a:lnRef idx="1">
+            <a:schemeClr val="accent1"/>
+          </a:lnRef>
+          <a:fillRef idx="0">
+            <a:schemeClr val="accent1"/>
+          </a:fillRef>
+          <a:effectRef idx="0">
+            <a:schemeClr val="accent1"/>
+          </a:effectRef>
+          <a:fontRef idx="minor">
+            <a:schemeClr val="tx1"/>
+          </a:fontRef>
+        </p:style>
+      </p:cxnSp>
+      <p:cxnSp>
+        <p:nvCxnSpPr>
+          <p:cNvPr id="350" name="Соединительная линия уступом 349"/>
+          <p:cNvCxnSpPr>
+            <a:stCxn id="339" idx="2"/>
+            <a:endCxn id="348" idx="0"/>
+          </p:cNvCxnSpPr>
+          <p:nvPr/>
+        </p:nvCxnSpPr>
+        <p:spPr>
+          <a:xfrm rot="16200000" flipH="1">
+            <a:off x="30843689" y="17528539"/>
+            <a:ext cx="472524" cy="1151859"/>
+          </a:xfrm>
+          <a:prstGeom prst="bentConnector3">
+            <a:avLst>
+              <a:gd name="adj1" fmla="val 50000"/>
+            </a:avLst>
+          </a:prstGeom>
+          <a:ln w="28575">
+            <a:tailEnd type="arrow"/>
+          </a:ln>
+        </p:spPr>
+        <p:style>
+          <a:lnRef idx="1">
+            <a:schemeClr val="accent1"/>
+          </a:lnRef>
+          <a:fillRef idx="0">
+            <a:schemeClr val="accent1"/>
+          </a:fillRef>
+          <a:effectRef idx="0">
+            <a:schemeClr val="accent1"/>
+          </a:effectRef>
+          <a:fontRef idx="minor">
+            <a:schemeClr val="tx1"/>
+          </a:fontRef>
+        </p:style>
+      </p:cxnSp>
+      <p:sp>
+        <p:nvSpPr>
+          <p:cNvPr id="351" name="Прямоугольник 350"/>
+          <p:cNvSpPr/>
+          <p:nvPr/>
+        </p:nvSpPr>
+        <p:spPr>
+          <a:xfrm>
+            <a:off x="34074880" y="16799660"/>
+            <a:ext cx="2115918" cy="1080000"/>
+          </a:xfrm>
+          <a:prstGeom prst="rect">
+            <a:avLst/>
+          </a:prstGeom>
+          <a:ln w="28575"/>
+        </p:spPr>
+        <p:style>
+          <a:lnRef idx="2">
+            <a:schemeClr val="accent1"/>
+          </a:lnRef>
+          <a:fillRef idx="1">
+            <a:schemeClr val="lt1"/>
+          </a:fillRef>
+          <a:effectRef idx="0">
+            <a:schemeClr val="accent1"/>
+          </a:effectRef>
+          <a:fontRef idx="minor">
+            <a:schemeClr val="dk1"/>
+          </a:fontRef>
+        </p:style>
+        <p:txBody>
+          <a:bodyPr lIns="124733" tIns="62367" rIns="124733" bIns="62367" rtlCol="0" anchor="ctr"/>
+          <a:lstStyle/>
+          <a:p>
+            <a:pPr algn="ctr"/>
+            <a:r>
+              <a:rPr lang="ru-RU" sz="1400" dirty="0" smtClean="0"/>
+              <a:t>Православная Эфиопия (наше)</a:t>
+            </a:r>
+            <a:endParaRPr lang="ru-RU" sz="500" dirty="0"/>
+          </a:p>
+        </p:txBody>
+      </p:sp>
+      <p:sp>
+        <p:nvSpPr>
+          <p:cNvPr id="352" name="Прямоугольник 351"/>
+          <p:cNvSpPr/>
+          <p:nvPr/>
+        </p:nvSpPr>
+        <p:spPr>
+          <a:xfrm>
+            <a:off x="34074880" y="18335124"/>
+            <a:ext cx="2115918" cy="1080000"/>
+          </a:xfrm>
+          <a:prstGeom prst="rect">
+            <a:avLst/>
+          </a:prstGeom>
+          <a:ln w="28575"/>
+        </p:spPr>
+        <p:style>
+          <a:lnRef idx="2">
+            <a:schemeClr val="accent1"/>
+          </a:lnRef>
+          <a:fillRef idx="1">
+            <a:schemeClr val="lt1"/>
+          </a:fillRef>
+          <a:effectRef idx="0">
+            <a:schemeClr val="accent1"/>
+          </a:effectRef>
+          <a:fontRef idx="minor">
+            <a:schemeClr val="dk1"/>
+          </a:fontRef>
+        </p:style>
+        <p:txBody>
+          <a:bodyPr lIns="124733" tIns="62367" rIns="124733" bIns="62367" rtlCol="0" anchor="ctr"/>
+          <a:lstStyle/>
+          <a:p>
+            <a:pPr algn="ctr"/>
+            <a:r>
+              <a:rPr lang="ru-RU" sz="1400" dirty="0" smtClean="0"/>
+              <a:t>Покарать язычников на севера (против Либерии)</a:t>
+            </a:r>
+            <a:endParaRPr lang="ru-RU" sz="500" dirty="0"/>
+          </a:p>
+        </p:txBody>
+      </p:sp>
+      <p:cxnSp>
+        <p:nvCxnSpPr>
+          <p:cNvPr id="353" name="Соединительная линия уступом 352"/>
+          <p:cNvCxnSpPr>
+            <a:stCxn id="335" idx="2"/>
+            <a:endCxn id="352" idx="0"/>
+          </p:cNvCxnSpPr>
+          <p:nvPr/>
+        </p:nvCxnSpPr>
+        <p:spPr>
+          <a:xfrm rot="16200000" flipH="1">
+            <a:off x="33742514" y="16944798"/>
+            <a:ext cx="466917" cy="2313734"/>
+          </a:xfrm>
+          <a:prstGeom prst="bentConnector3">
+            <a:avLst>
+              <a:gd name="adj1" fmla="val 50000"/>
+            </a:avLst>
+          </a:prstGeom>
+          <a:ln w="28575">
+            <a:tailEnd type="arrow"/>
+          </a:ln>
+        </p:spPr>
+        <p:style>
+          <a:lnRef idx="1">
+            <a:schemeClr val="accent1"/>
+          </a:lnRef>
+          <a:fillRef idx="0">
+            <a:schemeClr val="accent1"/>
+          </a:fillRef>
+          <a:effectRef idx="0">
+            <a:schemeClr val="accent1"/>
+          </a:effectRef>
+          <a:fontRef idx="minor">
+            <a:schemeClr val="tx1"/>
+          </a:fontRef>
+        </p:style>
+      </p:cxnSp>
+      <p:cxnSp>
+        <p:nvCxnSpPr>
+          <p:cNvPr id="354" name="Соединительная линия уступом 353"/>
+          <p:cNvCxnSpPr>
+            <a:stCxn id="325" idx="2"/>
+            <a:endCxn id="351" idx="0"/>
+          </p:cNvCxnSpPr>
+          <p:nvPr/>
+        </p:nvCxnSpPr>
+        <p:spPr>
+          <a:xfrm rot="16200000" flipH="1">
+            <a:off x="33669756" y="15336577"/>
+            <a:ext cx="612432" cy="2313734"/>
+          </a:xfrm>
+          <a:prstGeom prst="bentConnector3">
+            <a:avLst>
+              <a:gd name="adj1" fmla="val 50000"/>
+            </a:avLst>
+          </a:prstGeom>
+          <a:ln w="28575">
+            <a:tailEnd type="arrow"/>
+          </a:ln>
+        </p:spPr>
+        <p:style>
+          <a:lnRef idx="1">
+            <a:schemeClr val="accent1"/>
+          </a:lnRef>
+          <a:fillRef idx="0">
+            <a:schemeClr val="accent1"/>
+          </a:fillRef>
+          <a:effectRef idx="0">
+            <a:schemeClr val="accent1"/>
+          </a:effectRef>
+          <a:fontRef idx="minor">
+            <a:schemeClr val="tx1"/>
+          </a:fontRef>
+        </p:style>
+      </p:cxnSp>
+      <p:sp>
+        <p:nvSpPr>
+          <p:cNvPr id="355" name="Прямоугольник 354"/>
+          <p:cNvSpPr/>
+          <p:nvPr/>
+        </p:nvSpPr>
+        <p:spPr>
+          <a:xfrm>
+            <a:off x="28301906" y="18335124"/>
+            <a:ext cx="2115918" cy="1080000"/>
+          </a:xfrm>
+          <a:prstGeom prst="rect">
+            <a:avLst/>
+          </a:prstGeom>
+          <a:ln w="28575"/>
+        </p:spPr>
+        <p:style>
+          <a:lnRef idx="2">
+            <a:schemeClr val="accent1"/>
+          </a:lnRef>
+          <a:fillRef idx="1">
+            <a:schemeClr val="lt1"/>
+          </a:fillRef>
+          <a:effectRef idx="0">
+            <a:schemeClr val="accent1"/>
+          </a:effectRef>
+          <a:fontRef idx="minor">
+            <a:schemeClr val="dk1"/>
+          </a:fontRef>
+        </p:style>
+        <p:txBody>
+          <a:bodyPr lIns="124733" tIns="62367" rIns="124733" bIns="62367" rtlCol="0" anchor="ctr"/>
+          <a:lstStyle/>
+          <a:p>
+            <a:pPr algn="ctr"/>
+            <a:r>
+              <a:rPr lang="ru-RU" sz="1400" dirty="0" smtClean="0"/>
+              <a:t>Проповеди среди заблудших душ (наше)</a:t>
+            </a:r>
+            <a:endParaRPr lang="ru-RU" sz="500" dirty="0"/>
+          </a:p>
+        </p:txBody>
+      </p:sp>
+      <p:cxnSp>
+        <p:nvCxnSpPr>
+          <p:cNvPr id="356" name="Прямая со стрелкой 355"/>
+          <p:cNvCxnSpPr>
+            <a:stCxn id="124" idx="2"/>
+            <a:endCxn id="355" idx="0"/>
+          </p:cNvCxnSpPr>
+          <p:nvPr/>
+        </p:nvCxnSpPr>
+        <p:spPr>
+          <a:xfrm>
+            <a:off x="29359865" y="14715902"/>
+            <a:ext cx="0" cy="3619222"/>
+          </a:xfrm>
+          <a:prstGeom prst="straightConnector1">
+            <a:avLst/>
+          </a:prstGeom>
+          <a:ln w="28575">
+            <a:tailEnd type="arrow"/>
+          </a:ln>
+        </p:spPr>
+        <p:style>
+          <a:lnRef idx="1">
+            <a:schemeClr val="accent1"/>
+          </a:lnRef>
+          <a:fillRef idx="0">
+            <a:schemeClr val="accent1"/>
+          </a:fillRef>
+          <a:effectRef idx="0">
+            <a:schemeClr val="accent1"/>
+          </a:effectRef>
+          <a:fontRef idx="minor">
+            <a:schemeClr val="tx1"/>
+          </a:fontRef>
+        </p:style>
+      </p:cxnSp>
+      <p:cxnSp>
+        <p:nvCxnSpPr>
+          <p:cNvPr id="357" name="Прямая со стрелкой 356"/>
+          <p:cNvCxnSpPr>
+            <a:stCxn id="163" idx="2"/>
+            <a:endCxn id="164" idx="0"/>
+          </p:cNvCxnSpPr>
+          <p:nvPr/>
+        </p:nvCxnSpPr>
+        <p:spPr>
+          <a:xfrm>
+            <a:off x="43857211" y="7022324"/>
+            <a:ext cx="17391" cy="430662"/>
+          </a:xfrm>
+          <a:prstGeom prst="straightConnector1">
+            <a:avLst/>
           </a:prstGeom>
           <a:ln w="28575">
             <a:tailEnd type="arrow"/>

--- a/Наработки/диздоки/Бельгийское Конго/Бельгийское Конго.pptx
+++ b/Наработки/диздоки/Бельгийское Конго/Бельгийское Конго.pptx
@@ -209,7 +209,7 @@
             <a:fld id="{33E3D7F9-E251-484C-A6FF-FA958879DF69}" type="datetimeFigureOut">
               <a:rPr lang="ru-RU" smtClean="0"/>
               <a:pPr/>
-              <a:t>28.11.2021</a:t>
+              <a:t>29.11.2021</a:t>
             </a:fld>
             <a:endParaRPr lang="ru-RU"/>
           </a:p>
@@ -700,7 +700,7 @@
             <a:fld id="{85A5DE44-605B-4D3B-B2B7-94543DF81A36}" type="datetimeFigureOut">
               <a:rPr lang="ru-RU" smtClean="0"/>
               <a:pPr/>
-              <a:t>28.11.2021</a:t>
+              <a:t>29.11.2021</a:t>
             </a:fld>
             <a:endParaRPr lang="ru-RU"/>
           </a:p>
@@ -872,7 +872,7 @@
             <a:fld id="{85A5DE44-605B-4D3B-B2B7-94543DF81A36}" type="datetimeFigureOut">
               <a:rPr lang="ru-RU" smtClean="0"/>
               <a:pPr/>
-              <a:t>28.11.2021</a:t>
+              <a:t>29.11.2021</a:t>
             </a:fld>
             <a:endParaRPr lang="ru-RU"/>
           </a:p>
@@ -1054,7 +1054,7 @@
             <a:fld id="{85A5DE44-605B-4D3B-B2B7-94543DF81A36}" type="datetimeFigureOut">
               <a:rPr lang="ru-RU" smtClean="0"/>
               <a:pPr/>
-              <a:t>28.11.2021</a:t>
+              <a:t>29.11.2021</a:t>
             </a:fld>
             <a:endParaRPr lang="ru-RU"/>
           </a:p>
@@ -1226,7 +1226,7 @@
             <a:fld id="{85A5DE44-605B-4D3B-B2B7-94543DF81A36}" type="datetimeFigureOut">
               <a:rPr lang="ru-RU" smtClean="0"/>
               <a:pPr/>
-              <a:t>28.11.2021</a:t>
+              <a:t>29.11.2021</a:t>
             </a:fld>
             <a:endParaRPr lang="ru-RU"/>
           </a:p>
@@ -1474,7 +1474,7 @@
             <a:fld id="{85A5DE44-605B-4D3B-B2B7-94543DF81A36}" type="datetimeFigureOut">
               <a:rPr lang="ru-RU" smtClean="0"/>
               <a:pPr/>
-              <a:t>28.11.2021</a:t>
+              <a:t>29.11.2021</a:t>
             </a:fld>
             <a:endParaRPr lang="ru-RU"/>
           </a:p>
@@ -1708,7 +1708,7 @@
             <a:fld id="{85A5DE44-605B-4D3B-B2B7-94543DF81A36}" type="datetimeFigureOut">
               <a:rPr lang="ru-RU" smtClean="0"/>
               <a:pPr/>
-              <a:t>28.11.2021</a:t>
+              <a:t>29.11.2021</a:t>
             </a:fld>
             <a:endParaRPr lang="ru-RU"/>
           </a:p>
@@ -2077,7 +2077,7 @@
             <a:fld id="{85A5DE44-605B-4D3B-B2B7-94543DF81A36}" type="datetimeFigureOut">
               <a:rPr lang="ru-RU" smtClean="0"/>
               <a:pPr/>
-              <a:t>28.11.2021</a:t>
+              <a:t>29.11.2021</a:t>
             </a:fld>
             <a:endParaRPr lang="ru-RU"/>
           </a:p>
@@ -2197,7 +2197,7 @@
             <a:fld id="{85A5DE44-605B-4D3B-B2B7-94543DF81A36}" type="datetimeFigureOut">
               <a:rPr lang="ru-RU" smtClean="0"/>
               <a:pPr/>
-              <a:t>28.11.2021</a:t>
+              <a:t>29.11.2021</a:t>
             </a:fld>
             <a:endParaRPr lang="ru-RU"/>
           </a:p>
@@ -2294,7 +2294,7 @@
             <a:fld id="{85A5DE44-605B-4D3B-B2B7-94543DF81A36}" type="datetimeFigureOut">
               <a:rPr lang="ru-RU" smtClean="0"/>
               <a:pPr/>
-              <a:t>28.11.2021</a:t>
+              <a:t>29.11.2021</a:t>
             </a:fld>
             <a:endParaRPr lang="ru-RU"/>
           </a:p>
@@ -2573,7 +2573,7 @@
             <a:fld id="{85A5DE44-605B-4D3B-B2B7-94543DF81A36}" type="datetimeFigureOut">
               <a:rPr lang="ru-RU" smtClean="0"/>
               <a:pPr/>
-              <a:t>28.11.2021</a:t>
+              <a:t>29.11.2021</a:t>
             </a:fld>
             <a:endParaRPr lang="ru-RU"/>
           </a:p>
@@ -2832,7 +2832,7 @@
             <a:fld id="{85A5DE44-605B-4D3B-B2B7-94543DF81A36}" type="datetimeFigureOut">
               <a:rPr lang="ru-RU" smtClean="0"/>
               <a:pPr/>
-              <a:t>28.11.2021</a:t>
+              <a:t>29.11.2021</a:t>
             </a:fld>
             <a:endParaRPr lang="ru-RU"/>
           </a:p>
@@ -3047,7 +3047,7 @@
             <a:fld id="{85A5DE44-605B-4D3B-B2B7-94543DF81A36}" type="datetimeFigureOut">
               <a:rPr lang="ru-RU" smtClean="0"/>
               <a:pPr/>
-              <a:t>28.11.2021</a:t>
+              <a:t>29.11.2021</a:t>
             </a:fld>
             <a:endParaRPr lang="ru-RU"/>
           </a:p>
@@ -9000,7 +9000,7 @@
         </p:nvSpPr>
         <p:spPr>
           <a:xfrm>
-            <a:off x="41651335" y="4473771"/>
+            <a:off x="41661968" y="4473771"/>
             <a:ext cx="2115918" cy="1080000"/>
           </a:xfrm>
           <a:prstGeom prst="rect">
@@ -10046,7 +10046,7 @@
         </p:nvSpPr>
         <p:spPr>
           <a:xfrm>
-            <a:off x="42799252" y="5942324"/>
+            <a:off x="42809885" y="5942324"/>
             <a:ext cx="2115918" cy="1080000"/>
           </a:xfrm>
           <a:prstGeom prst="rect">
@@ -10079,19 +10079,11 @@
             </a:r>
             <a:r>
               <a:rPr lang="ru-RU" sz="1400" dirty="0"/>
-              <a:t>в администрацию </a:t>
-            </a:r>
-            <a:r>
-              <a:rPr lang="ru-RU" sz="600" dirty="0" smtClean="0"/>
-              <a:t>(некоторые </a:t>
-            </a:r>
-            <a:r>
-              <a:rPr lang="ru-RU" sz="600" dirty="0"/>
-              <a:t>из реформ, которые он хотел, например набор магистратов из числа местных опытных административных сотрудников со степенью юриста, не могли быть осуществлены на практике</a:t>
-            </a:r>
-            <a:r>
-              <a:rPr lang="ru-RU" sz="600" dirty="0" smtClean="0"/>
-              <a:t>.)</a:t>
+              <a:t>в </a:t>
+            </a:r>
+            <a:r>
+              <a:rPr lang="ru-RU" sz="1400" dirty="0" smtClean="0"/>
+              <a:t>администрацию</a:t>
             </a:r>
             <a:endParaRPr lang="ru-RU" sz="100" dirty="0"/>
           </a:p>
@@ -10565,7 +10557,7 @@
         </p:nvSpPr>
         <p:spPr>
           <a:xfrm>
-            <a:off x="43944756" y="4473770"/>
+            <a:off x="43955389" y="4473770"/>
             <a:ext cx="2115918" cy="1080000"/>
           </a:xfrm>
           <a:prstGeom prst="rect">
@@ -11004,8 +10996,8 @@
         </p:nvCxnSpPr>
         <p:spPr>
           <a:xfrm rot="16200000" flipH="1">
-            <a:off x="35805469" y="-2430055"/>
-            <a:ext cx="450519" cy="13357132"/>
+            <a:off x="35810785" y="-2435372"/>
+            <a:ext cx="450519" cy="13367765"/>
           </a:xfrm>
           <a:prstGeom prst="bentConnector3">
             <a:avLst>
@@ -11042,8 +11034,8 @@
         </p:nvCxnSpPr>
         <p:spPr>
           <a:xfrm rot="16200000" flipH="1">
-            <a:off x="36952179" y="-3576766"/>
-            <a:ext cx="450518" cy="15650553"/>
+            <a:off x="36957496" y="-3582082"/>
+            <a:ext cx="450518" cy="15661186"/>
           </a:xfrm>
           <a:prstGeom prst="bentConnector3">
             <a:avLst>
@@ -11080,7 +11072,7 @@
         </p:nvCxnSpPr>
         <p:spPr>
           <a:xfrm rot="16200000" flipH="1">
-            <a:off x="43088976" y="5174088"/>
+            <a:off x="43099609" y="5174088"/>
             <a:ext cx="388553" cy="1147917"/>
           </a:xfrm>
           <a:prstGeom prst="bentConnector3">
@@ -11118,7 +11110,7 @@
         </p:nvCxnSpPr>
         <p:spPr>
           <a:xfrm rot="5400000">
-            <a:off x="44235686" y="5175295"/>
+            <a:off x="44246319" y="5175295"/>
             <a:ext cx="388554" cy="1145504"/>
           </a:xfrm>
           <a:prstGeom prst="bentConnector3">
@@ -14165,8 +14157,8 @@
         </p:nvCxnSpPr>
         <p:spPr>
           <a:xfrm>
-            <a:off x="43857211" y="7022324"/>
-            <a:ext cx="17391" cy="430662"/>
+            <a:off x="43867844" y="7022324"/>
+            <a:ext cx="6758" cy="430662"/>
           </a:xfrm>
           <a:prstGeom prst="straightConnector1">
             <a:avLst/>

--- a/Наработки/диздоки/Бельгийское Конго/Бельгийское Конго.pptx
+++ b/Наработки/диздоки/Бельгийское Конго/Бельгийское Конго.pptx
@@ -9000,7 +9000,7 @@
         </p:nvSpPr>
         <p:spPr>
           <a:xfrm>
-            <a:off x="41661968" y="4473771"/>
+            <a:off x="44134989" y="4444514"/>
             <a:ext cx="2115918" cy="1080000"/>
           </a:xfrm>
           <a:prstGeom prst="rect">
@@ -10046,7 +10046,7 @@
         </p:nvSpPr>
         <p:spPr>
           <a:xfrm>
-            <a:off x="42809885" y="5942324"/>
+            <a:off x="45382969" y="5942324"/>
             <a:ext cx="2115918" cy="1080000"/>
           </a:xfrm>
           <a:prstGeom prst="rect">
@@ -10097,7 +10097,7 @@
         </p:nvSpPr>
         <p:spPr>
           <a:xfrm>
-            <a:off x="42816643" y="7452986"/>
+            <a:off x="45387452" y="7452987"/>
             <a:ext cx="2115918" cy="1080000"/>
           </a:xfrm>
           <a:prstGeom prst="rect">
@@ -10171,8 +10171,8 @@
         </p:nvCxnSpPr>
         <p:spPr>
           <a:xfrm flipH="1">
-            <a:off x="32713841" y="7992986"/>
-            <a:ext cx="10102802" cy="4537"/>
+            <a:off x="32713841" y="7992987"/>
+            <a:ext cx="12673611" cy="4536"/>
           </a:xfrm>
           <a:prstGeom prst="line">
             <a:avLst/>
@@ -10557,7 +10557,7 @@
         </p:nvSpPr>
         <p:spPr>
           <a:xfrm>
-            <a:off x="43955389" y="4473770"/>
+            <a:off x="46675057" y="4473771"/>
             <a:ext cx="2115918" cy="1080000"/>
           </a:xfrm>
           <a:prstGeom prst="rect">
@@ -10996,8 +10996,8 @@
         </p:nvCxnSpPr>
         <p:spPr>
           <a:xfrm rot="16200000" flipH="1">
-            <a:off x="35810785" y="-2435372"/>
-            <a:ext cx="450519" cy="13367765"/>
+            <a:off x="37061924" y="-3686510"/>
+            <a:ext cx="421262" cy="15840786"/>
           </a:xfrm>
           <a:prstGeom prst="bentConnector3">
             <a:avLst>
@@ -11034,8 +11034,8 @@
         </p:nvCxnSpPr>
         <p:spPr>
           <a:xfrm rot="16200000" flipH="1">
-            <a:off x="36957496" y="-3582082"/>
-            <a:ext cx="450518" cy="15661186"/>
+            <a:off x="38317330" y="-4941916"/>
+            <a:ext cx="450519" cy="18380854"/>
           </a:xfrm>
           <a:prstGeom prst="bentConnector3">
             <a:avLst>
@@ -11072,8 +11072,8 @@
         </p:nvCxnSpPr>
         <p:spPr>
           <a:xfrm rot="16200000" flipH="1">
-            <a:off x="43099609" y="5174088"/>
-            <a:ext cx="388553" cy="1147917"/>
+            <a:off x="45608033" y="5109429"/>
+            <a:ext cx="417810" cy="1247980"/>
           </a:xfrm>
           <a:prstGeom prst="bentConnector3">
             <a:avLst>
@@ -11110,8 +11110,8 @@
         </p:nvCxnSpPr>
         <p:spPr>
           <a:xfrm rot="5400000">
-            <a:off x="44246319" y="5175295"/>
-            <a:ext cx="388554" cy="1145504"/>
+            <a:off x="46892696" y="5102003"/>
+            <a:ext cx="388553" cy="1292088"/>
           </a:xfrm>
           <a:prstGeom prst="bentConnector3">
             <a:avLst>
@@ -11257,7 +11257,7 @@
         </p:nvSpPr>
         <p:spPr>
           <a:xfrm>
-            <a:off x="40500827" y="9109209"/>
+            <a:off x="40054260" y="9116061"/>
             <a:ext cx="2115918" cy="1080000"/>
           </a:xfrm>
           <a:prstGeom prst="rect">
@@ -11291,8 +11291,9 @@
             <a:pPr algn="ctr"/>
             <a:r>
               <a:rPr lang="ru-RU" sz="1400" dirty="0" smtClean="0"/>
-              <a:t>Военная администрация Конго</a:t>
-            </a:r>
+              <a:t>Создание собственной республики</a:t>
+            </a:r>
+            <a:endParaRPr lang="ru-RU" sz="1400" dirty="0" smtClean="0"/>
           </a:p>
         </p:txBody>
       </p:sp>
@@ -11304,7 +11305,7 @@
         </p:nvSpPr>
         <p:spPr>
           <a:xfrm>
-            <a:off x="45134397" y="9105523"/>
+            <a:off x="54861047" y="9119169"/>
             <a:ext cx="2115918" cy="1080000"/>
           </a:xfrm>
           <a:prstGeom prst="rect">
@@ -11367,9 +11368,9 @@
           <p:nvPr/>
         </p:nvCxnSpPr>
         <p:spPr>
-          <a:xfrm flipH="1">
-            <a:off x="42616745" y="9645523"/>
-            <a:ext cx="2517652" cy="3686"/>
+          <a:xfrm flipH="1" flipV="1">
+            <a:off x="42170178" y="9656061"/>
+            <a:ext cx="12690869" cy="3108"/>
           </a:xfrm>
           <a:prstGeom prst="line">
             <a:avLst/>
@@ -11406,8 +11407,8 @@
         </p:nvCxnSpPr>
         <p:spPr>
           <a:xfrm rot="5400000">
-            <a:off x="42428583" y="7663189"/>
-            <a:ext cx="576223" cy="2315816"/>
+            <a:off x="43487278" y="6157928"/>
+            <a:ext cx="583074" cy="5333192"/>
           </a:xfrm>
           <a:prstGeom prst="bentConnector3">
             <a:avLst>
@@ -11444,8 +11445,8 @@
         </p:nvCxnSpPr>
         <p:spPr>
           <a:xfrm rot="16200000" flipH="1">
-            <a:off x="44747211" y="7660377"/>
-            <a:ext cx="572537" cy="2317754"/>
+            <a:off x="50889117" y="4089280"/>
+            <a:ext cx="586182" cy="9473595"/>
           </a:xfrm>
           <a:prstGeom prst="bentConnector3">
             <a:avLst>
@@ -14157,8 +14158,2591 @@
         </p:nvCxnSpPr>
         <p:spPr>
           <a:xfrm>
-            <a:off x="43867844" y="7022324"/>
-            <a:ext cx="6758" cy="430662"/>
+            <a:off x="46440928" y="7022324"/>
+            <a:ext cx="4483" cy="430663"/>
+          </a:xfrm>
+          <a:prstGeom prst="straightConnector1">
+            <a:avLst/>
+          </a:prstGeom>
+          <a:ln w="28575">
+            <a:tailEnd type="arrow"/>
+          </a:ln>
+        </p:spPr>
+        <p:style>
+          <a:lnRef idx="1">
+            <a:schemeClr val="accent1"/>
+          </a:lnRef>
+          <a:fillRef idx="0">
+            <a:schemeClr val="accent1"/>
+          </a:fillRef>
+          <a:effectRef idx="0">
+            <a:schemeClr val="accent1"/>
+          </a:effectRef>
+          <a:fontRef idx="minor">
+            <a:schemeClr val="tx1"/>
+          </a:fontRef>
+        </p:style>
+      </p:cxnSp>
+      <p:sp>
+        <p:nvSpPr>
+          <p:cNvPr id="267" name="Прямоугольник 266"/>
+          <p:cNvSpPr/>
+          <p:nvPr/>
+        </p:nvSpPr>
+        <p:spPr>
+          <a:xfrm>
+            <a:off x="40054260" y="10613871"/>
+            <a:ext cx="2115918" cy="1080000"/>
+          </a:xfrm>
+          <a:prstGeom prst="rect">
+            <a:avLst/>
+          </a:prstGeom>
+          <a:solidFill>
+            <a:schemeClr val="bg1">
+              <a:lumMod val="65000"/>
+            </a:schemeClr>
+          </a:solidFill>
+          <a:ln w="28575"/>
+        </p:spPr>
+        <p:style>
+          <a:lnRef idx="2">
+            <a:schemeClr val="accent1"/>
+          </a:lnRef>
+          <a:fillRef idx="1">
+            <a:schemeClr val="lt1"/>
+          </a:fillRef>
+          <a:effectRef idx="0">
+            <a:schemeClr val="accent1"/>
+          </a:effectRef>
+          <a:fontRef idx="minor">
+            <a:schemeClr val="dk1"/>
+          </a:fontRef>
+        </p:style>
+        <p:txBody>
+          <a:bodyPr lIns="124733" tIns="62367" rIns="124733" bIns="62367" rtlCol="0" anchor="ctr"/>
+          <a:lstStyle/>
+          <a:p>
+            <a:pPr algn="ctr"/>
+            <a:r>
+              <a:rPr lang="ru-RU" sz="1400" dirty="0" smtClean="0"/>
+              <a:t>Сотрудничество с военным </a:t>
+            </a:r>
+            <a:r>
+              <a:rPr lang="ru-RU" sz="1400" dirty="0"/>
+              <a:t>командованием (наше переделать </a:t>
+            </a:r>
+            <a:r>
+              <a:rPr lang="ru-RU" sz="1400" dirty="0" smtClean="0"/>
+              <a:t>эффект)</a:t>
+            </a:r>
+            <a:endParaRPr lang="ru-RU" sz="1400" dirty="0"/>
+          </a:p>
+        </p:txBody>
+      </p:sp>
+      <p:sp>
+        <p:nvSpPr>
+          <p:cNvPr id="298" name="Прямоугольник 297"/>
+          <p:cNvSpPr/>
+          <p:nvPr/>
+        </p:nvSpPr>
+        <p:spPr>
+          <a:xfrm>
+            <a:off x="37616009" y="10631728"/>
+            <a:ext cx="2115918" cy="1080000"/>
+          </a:xfrm>
+          <a:prstGeom prst="rect">
+            <a:avLst/>
+          </a:prstGeom>
+          <a:solidFill>
+            <a:schemeClr val="bg1">
+              <a:lumMod val="65000"/>
+            </a:schemeClr>
+          </a:solidFill>
+          <a:ln w="28575"/>
+        </p:spPr>
+        <p:style>
+          <a:lnRef idx="2">
+            <a:schemeClr val="accent1"/>
+          </a:lnRef>
+          <a:fillRef idx="1">
+            <a:schemeClr val="lt1"/>
+          </a:fillRef>
+          <a:effectRef idx="0">
+            <a:schemeClr val="accent1"/>
+          </a:effectRef>
+          <a:fontRef idx="minor">
+            <a:schemeClr val="dk1"/>
+          </a:fontRef>
+        </p:style>
+        <p:txBody>
+          <a:bodyPr lIns="124733" tIns="62367" rIns="124733" bIns="62367" rtlCol="0" anchor="ctr"/>
+          <a:lstStyle/>
+          <a:p>
+            <a:pPr algn="ctr"/>
+            <a:r>
+              <a:rPr lang="ru-RU" sz="1400" dirty="0" smtClean="0"/>
+              <a:t>Признать диалекты официальными языками в регионах</a:t>
+            </a:r>
+            <a:endParaRPr lang="ru-RU" sz="1400" dirty="0" smtClean="0"/>
+          </a:p>
+        </p:txBody>
+      </p:sp>
+      <p:sp>
+        <p:nvSpPr>
+          <p:cNvPr id="305" name="Прямоугольник 304"/>
+          <p:cNvSpPr/>
+          <p:nvPr/>
+        </p:nvSpPr>
+        <p:spPr>
+          <a:xfrm>
+            <a:off x="40054260" y="12160410"/>
+            <a:ext cx="2115918" cy="1080000"/>
+          </a:xfrm>
+          <a:prstGeom prst="rect">
+            <a:avLst/>
+          </a:prstGeom>
+          <a:solidFill>
+            <a:schemeClr val="bg1">
+              <a:lumMod val="65000"/>
+            </a:schemeClr>
+          </a:solidFill>
+          <a:ln w="28575"/>
+        </p:spPr>
+        <p:style>
+          <a:lnRef idx="2">
+            <a:schemeClr val="accent1"/>
+          </a:lnRef>
+          <a:fillRef idx="1">
+            <a:schemeClr val="lt1"/>
+          </a:fillRef>
+          <a:effectRef idx="0">
+            <a:schemeClr val="accent1"/>
+          </a:effectRef>
+          <a:fontRef idx="minor">
+            <a:schemeClr val="dk1"/>
+          </a:fontRef>
+        </p:style>
+        <p:txBody>
+          <a:bodyPr lIns="124733" tIns="62367" rIns="124733" bIns="62367" rtlCol="0" anchor="ctr"/>
+          <a:lstStyle/>
+          <a:p>
+            <a:pPr algn="ctr"/>
+            <a:r>
+              <a:rPr lang="ru-RU" sz="1400" dirty="0" smtClean="0"/>
+              <a:t>Усиление роли военных в общественной </a:t>
+            </a:r>
+            <a:r>
+              <a:rPr lang="ru-RU" sz="1400" dirty="0"/>
+              <a:t>жизни (наше переделать </a:t>
+            </a:r>
+            <a:r>
+              <a:rPr lang="ru-RU" sz="1400" dirty="0" smtClean="0"/>
+              <a:t>эффект)</a:t>
+            </a:r>
+            <a:endParaRPr lang="ru-RU" sz="1400" dirty="0"/>
+          </a:p>
+        </p:txBody>
+      </p:sp>
+      <p:sp>
+        <p:nvSpPr>
+          <p:cNvPr id="317" name="Прямоугольник 316"/>
+          <p:cNvSpPr/>
+          <p:nvPr/>
+        </p:nvSpPr>
+        <p:spPr>
+          <a:xfrm>
+            <a:off x="47569037" y="10613871"/>
+            <a:ext cx="2115918" cy="1080000"/>
+          </a:xfrm>
+          <a:prstGeom prst="rect">
+            <a:avLst/>
+          </a:prstGeom>
+          <a:gradFill>
+            <a:gsLst>
+              <a:gs pos="0">
+                <a:schemeClr val="bg1">
+                  <a:lumMod val="50000"/>
+                </a:schemeClr>
+              </a:gs>
+              <a:gs pos="100000">
+                <a:srgbClr val="7030A0"/>
+              </a:gs>
+            </a:gsLst>
+            <a:lin ang="5400000" scaled="1"/>
+          </a:gradFill>
+          <a:ln w="28575"/>
+        </p:spPr>
+        <p:style>
+          <a:lnRef idx="2">
+            <a:schemeClr val="accent1"/>
+          </a:lnRef>
+          <a:fillRef idx="1">
+            <a:schemeClr val="lt1"/>
+          </a:fillRef>
+          <a:effectRef idx="0">
+            <a:schemeClr val="accent1"/>
+          </a:effectRef>
+          <a:fontRef idx="minor">
+            <a:schemeClr val="dk1"/>
+          </a:fontRef>
+        </p:style>
+        <p:txBody>
+          <a:bodyPr lIns="124733" tIns="62367" rIns="124733" bIns="62367" rtlCol="0" anchor="ctr"/>
+          <a:lstStyle/>
+          <a:p>
+            <a:pPr algn="ctr"/>
+            <a:r>
+              <a:rPr lang="ru-RU" sz="1400" dirty="0"/>
+              <a:t>Привлечение населения к обработке земли (наше</a:t>
+            </a:r>
+            <a:r>
+              <a:rPr lang="ru-RU" sz="1400" dirty="0" smtClean="0"/>
+              <a:t>)</a:t>
+            </a:r>
+            <a:endParaRPr lang="ru-RU" sz="1400" dirty="0"/>
+          </a:p>
+        </p:txBody>
+      </p:sp>
+      <p:sp>
+        <p:nvSpPr>
+          <p:cNvPr id="318" name="Прямоугольник 317"/>
+          <p:cNvSpPr/>
+          <p:nvPr/>
+        </p:nvSpPr>
+        <p:spPr>
+          <a:xfrm>
+            <a:off x="47569037" y="12160410"/>
+            <a:ext cx="2115918" cy="1080000"/>
+          </a:xfrm>
+          <a:prstGeom prst="rect">
+            <a:avLst/>
+          </a:prstGeom>
+          <a:gradFill>
+            <a:gsLst>
+              <a:gs pos="0">
+                <a:schemeClr val="bg1">
+                  <a:lumMod val="50000"/>
+                </a:schemeClr>
+              </a:gs>
+              <a:gs pos="100000">
+                <a:srgbClr val="7030A0"/>
+              </a:gs>
+            </a:gsLst>
+            <a:lin ang="5400000" scaled="1"/>
+          </a:gradFill>
+          <a:ln w="28575"/>
+        </p:spPr>
+        <p:style>
+          <a:lnRef idx="2">
+            <a:schemeClr val="accent1"/>
+          </a:lnRef>
+          <a:fillRef idx="1">
+            <a:schemeClr val="lt1"/>
+          </a:fillRef>
+          <a:effectRef idx="0">
+            <a:schemeClr val="accent1"/>
+          </a:effectRef>
+          <a:fontRef idx="minor">
+            <a:schemeClr val="dk1"/>
+          </a:fontRef>
+        </p:style>
+        <p:txBody>
+          <a:bodyPr lIns="124733" tIns="62367" rIns="124733" bIns="62367" rtlCol="0" anchor="ctr"/>
+          <a:lstStyle/>
+          <a:p>
+            <a:pPr algn="ctr"/>
+            <a:r>
+              <a:rPr lang="ru-RU" sz="1400"/>
+              <a:t>Самостоятельное улучшение экономики (наше)</a:t>
+            </a:r>
+            <a:endParaRPr lang="ru-RU" sz="1400" dirty="0"/>
+          </a:p>
+        </p:txBody>
+      </p:sp>
+      <p:sp>
+        <p:nvSpPr>
+          <p:cNvPr id="319" name="Прямоугольник 318"/>
+          <p:cNvSpPr/>
+          <p:nvPr/>
+        </p:nvSpPr>
+        <p:spPr>
+          <a:xfrm>
+            <a:off x="37616009" y="12160410"/>
+            <a:ext cx="2115918" cy="1080000"/>
+          </a:xfrm>
+          <a:prstGeom prst="rect">
+            <a:avLst/>
+          </a:prstGeom>
+          <a:solidFill>
+            <a:schemeClr val="bg1">
+              <a:lumMod val="65000"/>
+            </a:schemeClr>
+          </a:solidFill>
+          <a:ln w="28575"/>
+        </p:spPr>
+        <p:style>
+          <a:lnRef idx="2">
+            <a:schemeClr val="accent1"/>
+          </a:lnRef>
+          <a:fillRef idx="1">
+            <a:schemeClr val="lt1"/>
+          </a:fillRef>
+          <a:effectRef idx="0">
+            <a:schemeClr val="accent1"/>
+          </a:effectRef>
+          <a:fontRef idx="minor">
+            <a:schemeClr val="dk1"/>
+          </a:fontRef>
+        </p:style>
+        <p:txBody>
+          <a:bodyPr lIns="124733" tIns="62367" rIns="124733" bIns="62367" rtlCol="0" anchor="ctr"/>
+          <a:lstStyle/>
+          <a:p>
+            <a:pPr algn="ctr"/>
+            <a:r>
+              <a:rPr lang="ru-RU" sz="1400" dirty="0" smtClean="0"/>
+              <a:t>Приобрести </a:t>
+            </a:r>
+            <a:r>
+              <a:rPr lang="ru-RU" sz="1400" dirty="0" err="1" smtClean="0"/>
+              <a:t>Кабинду</a:t>
+            </a:r>
+            <a:r>
+              <a:rPr lang="ru-RU" sz="1400" dirty="0" smtClean="0"/>
+              <a:t> (наше)</a:t>
+            </a:r>
+            <a:endParaRPr lang="ru-RU" sz="1400" dirty="0" smtClean="0"/>
+          </a:p>
+        </p:txBody>
+      </p:sp>
+      <p:sp>
+        <p:nvSpPr>
+          <p:cNvPr id="358" name="Прямоугольник 357"/>
+          <p:cNvSpPr/>
+          <p:nvPr/>
+        </p:nvSpPr>
+        <p:spPr>
+          <a:xfrm>
+            <a:off x="42559186" y="10613871"/>
+            <a:ext cx="2115918" cy="1080000"/>
+          </a:xfrm>
+          <a:prstGeom prst="rect">
+            <a:avLst/>
+          </a:prstGeom>
+          <a:solidFill>
+            <a:schemeClr val="bg1">
+              <a:lumMod val="65000"/>
+            </a:schemeClr>
+          </a:solidFill>
+          <a:ln w="28575"/>
+        </p:spPr>
+        <p:style>
+          <a:lnRef idx="2">
+            <a:schemeClr val="accent1"/>
+          </a:lnRef>
+          <a:fillRef idx="1">
+            <a:schemeClr val="lt1"/>
+          </a:fillRef>
+          <a:effectRef idx="0">
+            <a:schemeClr val="accent1"/>
+          </a:effectRef>
+          <a:fontRef idx="minor">
+            <a:schemeClr val="dk1"/>
+          </a:fontRef>
+        </p:style>
+        <p:txBody>
+          <a:bodyPr lIns="124733" tIns="62367" rIns="124733" bIns="62367" rtlCol="0" anchor="ctr"/>
+          <a:lstStyle/>
+          <a:p>
+            <a:pPr algn="ctr"/>
+            <a:r>
+              <a:rPr lang="ru-RU" sz="1400" dirty="0" smtClean="0"/>
+              <a:t>Независимая экономика (наше переделать эффект)</a:t>
+            </a:r>
+            <a:endParaRPr lang="ru-RU" sz="1400" dirty="0" smtClean="0"/>
+          </a:p>
+        </p:txBody>
+      </p:sp>
+      <p:sp>
+        <p:nvSpPr>
+          <p:cNvPr id="359" name="Прямоугольник 358"/>
+          <p:cNvSpPr/>
+          <p:nvPr/>
+        </p:nvSpPr>
+        <p:spPr>
+          <a:xfrm>
+            <a:off x="45064112" y="10613871"/>
+            <a:ext cx="2115918" cy="1080000"/>
+          </a:xfrm>
+          <a:prstGeom prst="rect">
+            <a:avLst/>
+          </a:prstGeom>
+          <a:solidFill>
+            <a:schemeClr val="bg1">
+              <a:lumMod val="65000"/>
+            </a:schemeClr>
+          </a:solidFill>
+          <a:ln w="28575"/>
+        </p:spPr>
+        <p:style>
+          <a:lnRef idx="2">
+            <a:schemeClr val="accent1"/>
+          </a:lnRef>
+          <a:fillRef idx="1">
+            <a:schemeClr val="lt1"/>
+          </a:fillRef>
+          <a:effectRef idx="0">
+            <a:schemeClr val="accent1"/>
+          </a:effectRef>
+          <a:fontRef idx="minor">
+            <a:schemeClr val="dk1"/>
+          </a:fontRef>
+        </p:style>
+        <p:txBody>
+          <a:bodyPr lIns="124733" tIns="62367" rIns="124733" bIns="62367" rtlCol="0" anchor="ctr"/>
+          <a:lstStyle/>
+          <a:p>
+            <a:pPr algn="ctr"/>
+            <a:r>
+              <a:rPr lang="ru-RU" sz="1400" dirty="0" smtClean="0"/>
+              <a:t>Сохранить экономические связи с </a:t>
+            </a:r>
+            <a:r>
+              <a:rPr lang="ru-RU" sz="1400" dirty="0" smtClean="0"/>
+              <a:t>Б</a:t>
+            </a:r>
+            <a:r>
+              <a:rPr lang="ru-RU" sz="1400" dirty="0" smtClean="0"/>
+              <a:t>рюсселем</a:t>
+            </a:r>
+            <a:endParaRPr lang="ru-RU" sz="1400" dirty="0" smtClean="0"/>
+          </a:p>
+        </p:txBody>
+      </p:sp>
+      <p:cxnSp>
+        <p:nvCxnSpPr>
+          <p:cNvPr id="360" name="Прямая соединительная линия 359"/>
+          <p:cNvCxnSpPr>
+            <a:stCxn id="359" idx="1"/>
+            <a:endCxn id="358" idx="3"/>
+          </p:cNvCxnSpPr>
+          <p:nvPr/>
+        </p:nvCxnSpPr>
+        <p:spPr>
+          <a:xfrm flipH="1">
+            <a:off x="44675104" y="11153871"/>
+            <a:ext cx="389008" cy="0"/>
+          </a:xfrm>
+          <a:prstGeom prst="line">
+            <a:avLst/>
+          </a:prstGeom>
+          <a:ln w="28575">
+            <a:solidFill>
+              <a:srgbClr val="FF0000"/>
+            </a:solidFill>
+          </a:ln>
+        </p:spPr>
+        <p:style>
+          <a:lnRef idx="1">
+            <a:schemeClr val="accent1"/>
+          </a:lnRef>
+          <a:fillRef idx="0">
+            <a:schemeClr val="accent1"/>
+          </a:fillRef>
+          <a:effectRef idx="0">
+            <a:schemeClr val="accent1"/>
+          </a:effectRef>
+          <a:fontRef idx="minor">
+            <a:schemeClr val="tx1"/>
+          </a:fontRef>
+        </p:style>
+      </p:cxnSp>
+      <p:sp>
+        <p:nvSpPr>
+          <p:cNvPr id="361" name="Прямоугольник 360"/>
+          <p:cNvSpPr/>
+          <p:nvPr/>
+        </p:nvSpPr>
+        <p:spPr>
+          <a:xfrm>
+            <a:off x="42559186" y="12160410"/>
+            <a:ext cx="2115918" cy="1080000"/>
+          </a:xfrm>
+          <a:prstGeom prst="rect">
+            <a:avLst/>
+          </a:prstGeom>
+          <a:solidFill>
+            <a:schemeClr val="bg1">
+              <a:lumMod val="65000"/>
+            </a:schemeClr>
+          </a:solidFill>
+          <a:ln w="28575"/>
+        </p:spPr>
+        <p:style>
+          <a:lnRef idx="2">
+            <a:schemeClr val="accent1"/>
+          </a:lnRef>
+          <a:fillRef idx="1">
+            <a:schemeClr val="lt1"/>
+          </a:fillRef>
+          <a:effectRef idx="0">
+            <a:schemeClr val="accent1"/>
+          </a:effectRef>
+          <a:fontRef idx="minor">
+            <a:schemeClr val="dk1"/>
+          </a:fontRef>
+        </p:style>
+        <p:txBody>
+          <a:bodyPr lIns="124733" tIns="62367" rIns="124733" bIns="62367" rtlCol="0" anchor="ctr"/>
+          <a:lstStyle/>
+          <a:p>
+            <a:pPr algn="ctr"/>
+            <a:r>
+              <a:rPr lang="ru-RU" sz="1400" dirty="0" smtClean="0"/>
+              <a:t>Национализировать предприятия </a:t>
+            </a:r>
+            <a:r>
+              <a:rPr lang="ru-RU" sz="1400" dirty="0" err="1" smtClean="0"/>
+              <a:t>Катанги</a:t>
+            </a:r>
+            <a:r>
+              <a:rPr lang="ru-RU" sz="1400" dirty="0"/>
+              <a:t> (наше переделать </a:t>
+            </a:r>
+            <a:r>
+              <a:rPr lang="ru-RU" sz="1400" dirty="0" smtClean="0"/>
+              <a:t>эффект)</a:t>
+            </a:r>
+            <a:endParaRPr lang="ru-RU" sz="1400" dirty="0"/>
+          </a:p>
+        </p:txBody>
+      </p:sp>
+      <p:sp>
+        <p:nvSpPr>
+          <p:cNvPr id="362" name="Прямоугольник 361"/>
+          <p:cNvSpPr/>
+          <p:nvPr/>
+        </p:nvSpPr>
+        <p:spPr>
+          <a:xfrm>
+            <a:off x="45064112" y="12160410"/>
+            <a:ext cx="2115918" cy="1080000"/>
+          </a:xfrm>
+          <a:prstGeom prst="rect">
+            <a:avLst/>
+          </a:prstGeom>
+          <a:solidFill>
+            <a:schemeClr val="bg1">
+              <a:lumMod val="65000"/>
+            </a:schemeClr>
+          </a:solidFill>
+          <a:ln w="28575"/>
+        </p:spPr>
+        <p:style>
+          <a:lnRef idx="2">
+            <a:schemeClr val="accent1"/>
+          </a:lnRef>
+          <a:fillRef idx="1">
+            <a:schemeClr val="lt1"/>
+          </a:fillRef>
+          <a:effectRef idx="0">
+            <a:schemeClr val="accent1"/>
+          </a:effectRef>
+          <a:fontRef idx="minor">
+            <a:schemeClr val="dk1"/>
+          </a:fontRef>
+        </p:style>
+        <p:txBody>
+          <a:bodyPr lIns="124733" tIns="62367" rIns="124733" bIns="62367" rtlCol="0" anchor="ctr"/>
+          <a:lstStyle/>
+          <a:p>
+            <a:pPr algn="ctr"/>
+            <a:r>
+              <a:rPr lang="ru-RU" sz="1400" dirty="0" smtClean="0"/>
+              <a:t>Совместные разработки шахт </a:t>
+            </a:r>
+            <a:r>
+              <a:rPr lang="ru-RU" sz="1400" dirty="0" err="1" smtClean="0"/>
+              <a:t>Катанги</a:t>
+            </a:r>
+            <a:endParaRPr lang="ru-RU" sz="1400" dirty="0" smtClean="0"/>
+          </a:p>
+        </p:txBody>
+      </p:sp>
+      <p:sp>
+        <p:nvSpPr>
+          <p:cNvPr id="363" name="Прямоугольник 362"/>
+          <p:cNvSpPr/>
+          <p:nvPr/>
+        </p:nvSpPr>
+        <p:spPr>
+          <a:xfrm>
+            <a:off x="47569037" y="15107228"/>
+            <a:ext cx="2115918" cy="1080000"/>
+          </a:xfrm>
+          <a:prstGeom prst="rect">
+            <a:avLst/>
+          </a:prstGeom>
+          <a:gradFill>
+            <a:gsLst>
+              <a:gs pos="0">
+                <a:schemeClr val="bg1">
+                  <a:lumMod val="50000"/>
+                </a:schemeClr>
+              </a:gs>
+              <a:gs pos="100000">
+                <a:srgbClr val="7030A0"/>
+              </a:gs>
+            </a:gsLst>
+            <a:lin ang="5400000" scaled="1"/>
+          </a:gradFill>
+          <a:ln w="28575"/>
+        </p:spPr>
+        <p:style>
+          <a:lnRef idx="2">
+            <a:schemeClr val="accent1"/>
+          </a:lnRef>
+          <a:fillRef idx="1">
+            <a:schemeClr val="lt1"/>
+          </a:fillRef>
+          <a:effectRef idx="0">
+            <a:schemeClr val="accent1"/>
+          </a:effectRef>
+          <a:fontRef idx="minor">
+            <a:schemeClr val="dk1"/>
+          </a:fontRef>
+        </p:style>
+        <p:txBody>
+          <a:bodyPr lIns="124733" tIns="62367" rIns="124733" bIns="62367" rtlCol="0" anchor="ctr"/>
+          <a:lstStyle/>
+          <a:p>
+            <a:pPr algn="ctr"/>
+            <a:r>
+              <a:rPr lang="ru-RU" sz="1400" dirty="0" smtClean="0"/>
+              <a:t>Самостоятельная разработка урана (наше)</a:t>
+            </a:r>
+            <a:endParaRPr lang="ru-RU" sz="1400" dirty="0" smtClean="0"/>
+          </a:p>
+        </p:txBody>
+      </p:sp>
+      <p:cxnSp>
+        <p:nvCxnSpPr>
+          <p:cNvPr id="364" name="Соединительная линия уступом 363"/>
+          <p:cNvCxnSpPr>
+            <a:stCxn id="242" idx="2"/>
+            <a:endCxn id="298" idx="0"/>
+          </p:cNvCxnSpPr>
+          <p:nvPr/>
+        </p:nvCxnSpPr>
+        <p:spPr>
+          <a:xfrm rot="5400000">
+            <a:off x="39675261" y="9194769"/>
+            <a:ext cx="435667" cy="2438251"/>
+          </a:xfrm>
+          <a:prstGeom prst="bentConnector3">
+            <a:avLst>
+              <a:gd name="adj1" fmla="val 50000"/>
+            </a:avLst>
+          </a:prstGeom>
+          <a:ln w="28575">
+            <a:tailEnd type="arrow"/>
+          </a:ln>
+        </p:spPr>
+        <p:style>
+          <a:lnRef idx="1">
+            <a:schemeClr val="accent1"/>
+          </a:lnRef>
+          <a:fillRef idx="0">
+            <a:schemeClr val="accent1"/>
+          </a:fillRef>
+          <a:effectRef idx="0">
+            <a:schemeClr val="accent1"/>
+          </a:effectRef>
+          <a:fontRef idx="minor">
+            <a:schemeClr val="tx1"/>
+          </a:fontRef>
+        </p:style>
+      </p:cxnSp>
+      <p:cxnSp>
+        <p:nvCxnSpPr>
+          <p:cNvPr id="365" name="Соединительная линия уступом 364"/>
+          <p:cNvCxnSpPr>
+            <a:stCxn id="242" idx="2"/>
+            <a:endCxn id="358" idx="0"/>
+          </p:cNvCxnSpPr>
+          <p:nvPr/>
+        </p:nvCxnSpPr>
+        <p:spPr>
+          <a:xfrm rot="16200000" flipH="1">
+            <a:off x="42155777" y="9152503"/>
+            <a:ext cx="417810" cy="2504926"/>
+          </a:xfrm>
+          <a:prstGeom prst="bentConnector3">
+            <a:avLst>
+              <a:gd name="adj1" fmla="val 50000"/>
+            </a:avLst>
+          </a:prstGeom>
+          <a:ln w="28575">
+            <a:tailEnd type="arrow"/>
+          </a:ln>
+        </p:spPr>
+        <p:style>
+          <a:lnRef idx="1">
+            <a:schemeClr val="accent1"/>
+          </a:lnRef>
+          <a:fillRef idx="0">
+            <a:schemeClr val="accent1"/>
+          </a:fillRef>
+          <a:effectRef idx="0">
+            <a:schemeClr val="accent1"/>
+          </a:effectRef>
+          <a:fontRef idx="minor">
+            <a:schemeClr val="tx1"/>
+          </a:fontRef>
+        </p:style>
+      </p:cxnSp>
+      <p:cxnSp>
+        <p:nvCxnSpPr>
+          <p:cNvPr id="366" name="Соединительная линия уступом 365"/>
+          <p:cNvCxnSpPr>
+            <a:stCxn id="242" idx="2"/>
+            <a:endCxn id="359" idx="0"/>
+          </p:cNvCxnSpPr>
+          <p:nvPr/>
+        </p:nvCxnSpPr>
+        <p:spPr>
+          <a:xfrm rot="16200000" flipH="1">
+            <a:off x="43408240" y="7900040"/>
+            <a:ext cx="417810" cy="5009852"/>
+          </a:xfrm>
+          <a:prstGeom prst="bentConnector3">
+            <a:avLst>
+              <a:gd name="adj1" fmla="val 50000"/>
+            </a:avLst>
+          </a:prstGeom>
+          <a:ln w="28575">
+            <a:tailEnd type="arrow"/>
+          </a:ln>
+        </p:spPr>
+        <p:style>
+          <a:lnRef idx="1">
+            <a:schemeClr val="accent1"/>
+          </a:lnRef>
+          <a:fillRef idx="0">
+            <a:schemeClr val="accent1"/>
+          </a:fillRef>
+          <a:effectRef idx="0">
+            <a:schemeClr val="accent1"/>
+          </a:effectRef>
+          <a:fontRef idx="minor">
+            <a:schemeClr val="tx1"/>
+          </a:fontRef>
+        </p:style>
+      </p:cxnSp>
+      <p:cxnSp>
+        <p:nvCxnSpPr>
+          <p:cNvPr id="367" name="Прямая со стрелкой 366"/>
+          <p:cNvCxnSpPr>
+            <a:stCxn id="359" idx="2"/>
+            <a:endCxn id="362" idx="0"/>
+          </p:cNvCxnSpPr>
+          <p:nvPr/>
+        </p:nvCxnSpPr>
+        <p:spPr>
+          <a:xfrm>
+            <a:off x="46122071" y="11693871"/>
+            <a:ext cx="0" cy="466539"/>
+          </a:xfrm>
+          <a:prstGeom prst="straightConnector1">
+            <a:avLst/>
+          </a:prstGeom>
+          <a:ln w="28575">
+            <a:tailEnd type="arrow"/>
+          </a:ln>
+        </p:spPr>
+        <p:style>
+          <a:lnRef idx="1">
+            <a:schemeClr val="accent1"/>
+          </a:lnRef>
+          <a:fillRef idx="0">
+            <a:schemeClr val="accent1"/>
+          </a:fillRef>
+          <a:effectRef idx="0">
+            <a:schemeClr val="accent1"/>
+          </a:effectRef>
+          <a:fontRef idx="minor">
+            <a:schemeClr val="tx1"/>
+          </a:fontRef>
+        </p:style>
+      </p:cxnSp>
+      <p:cxnSp>
+        <p:nvCxnSpPr>
+          <p:cNvPr id="368" name="Прямая со стрелкой 367"/>
+          <p:cNvCxnSpPr>
+            <a:stCxn id="358" idx="2"/>
+            <a:endCxn id="361" idx="0"/>
+          </p:cNvCxnSpPr>
+          <p:nvPr/>
+        </p:nvCxnSpPr>
+        <p:spPr>
+          <a:xfrm>
+            <a:off x="43617145" y="11693871"/>
+            <a:ext cx="0" cy="466539"/>
+          </a:xfrm>
+          <a:prstGeom prst="straightConnector1">
+            <a:avLst/>
+          </a:prstGeom>
+          <a:ln w="28575">
+            <a:tailEnd type="arrow"/>
+          </a:ln>
+        </p:spPr>
+        <p:style>
+          <a:lnRef idx="1">
+            <a:schemeClr val="accent1"/>
+          </a:lnRef>
+          <a:fillRef idx="0">
+            <a:schemeClr val="accent1"/>
+          </a:fillRef>
+          <a:effectRef idx="0">
+            <a:schemeClr val="accent1"/>
+          </a:effectRef>
+          <a:fontRef idx="minor">
+            <a:schemeClr val="tx1"/>
+          </a:fontRef>
+        </p:style>
+      </p:cxnSp>
+      <p:cxnSp>
+        <p:nvCxnSpPr>
+          <p:cNvPr id="369" name="Прямая со стрелкой 368"/>
+          <p:cNvCxnSpPr>
+            <a:stCxn id="298" idx="2"/>
+            <a:endCxn id="319" idx="0"/>
+          </p:cNvCxnSpPr>
+          <p:nvPr/>
+        </p:nvCxnSpPr>
+        <p:spPr>
+          <a:xfrm>
+            <a:off x="38673968" y="11711728"/>
+            <a:ext cx="0" cy="448682"/>
+          </a:xfrm>
+          <a:prstGeom prst="straightConnector1">
+            <a:avLst/>
+          </a:prstGeom>
+          <a:ln w="28575">
+            <a:tailEnd type="arrow"/>
+          </a:ln>
+        </p:spPr>
+        <p:style>
+          <a:lnRef idx="1">
+            <a:schemeClr val="accent1"/>
+          </a:lnRef>
+          <a:fillRef idx="0">
+            <a:schemeClr val="accent1"/>
+          </a:fillRef>
+          <a:effectRef idx="0">
+            <a:schemeClr val="accent1"/>
+          </a:effectRef>
+          <a:fontRef idx="minor">
+            <a:schemeClr val="tx1"/>
+          </a:fontRef>
+        </p:style>
+      </p:cxnSp>
+      <p:cxnSp>
+        <p:nvCxnSpPr>
+          <p:cNvPr id="370" name="Прямая со стрелкой 369"/>
+          <p:cNvCxnSpPr>
+            <a:stCxn id="267" idx="2"/>
+            <a:endCxn id="305" idx="0"/>
+          </p:cNvCxnSpPr>
+          <p:nvPr/>
+        </p:nvCxnSpPr>
+        <p:spPr>
+          <a:xfrm>
+            <a:off x="41112219" y="11693871"/>
+            <a:ext cx="0" cy="466539"/>
+          </a:xfrm>
+          <a:prstGeom prst="straightConnector1">
+            <a:avLst/>
+          </a:prstGeom>
+          <a:ln w="28575">
+            <a:tailEnd type="arrow"/>
+          </a:ln>
+        </p:spPr>
+        <p:style>
+          <a:lnRef idx="1">
+            <a:schemeClr val="accent1"/>
+          </a:lnRef>
+          <a:fillRef idx="0">
+            <a:schemeClr val="accent1"/>
+          </a:fillRef>
+          <a:effectRef idx="0">
+            <a:schemeClr val="accent1"/>
+          </a:effectRef>
+          <a:fontRef idx="minor">
+            <a:schemeClr val="tx1"/>
+          </a:fontRef>
+        </p:style>
+      </p:cxnSp>
+      <p:sp>
+        <p:nvSpPr>
+          <p:cNvPr id="371" name="Прямоугольник 370"/>
+          <p:cNvSpPr/>
+          <p:nvPr/>
+        </p:nvSpPr>
+        <p:spPr>
+          <a:xfrm>
+            <a:off x="38801797" y="13632393"/>
+            <a:ext cx="2115918" cy="1080000"/>
+          </a:xfrm>
+          <a:prstGeom prst="rect">
+            <a:avLst/>
+          </a:prstGeom>
+          <a:solidFill>
+            <a:schemeClr val="bg1">
+              <a:lumMod val="65000"/>
+            </a:schemeClr>
+          </a:solidFill>
+          <a:ln w="28575"/>
+        </p:spPr>
+        <p:style>
+          <a:lnRef idx="2">
+            <a:schemeClr val="accent1"/>
+          </a:lnRef>
+          <a:fillRef idx="1">
+            <a:schemeClr val="lt1"/>
+          </a:fillRef>
+          <a:effectRef idx="0">
+            <a:schemeClr val="accent1"/>
+          </a:effectRef>
+          <a:fontRef idx="minor">
+            <a:schemeClr val="dk1"/>
+          </a:fontRef>
+        </p:style>
+        <p:txBody>
+          <a:bodyPr lIns="124733" tIns="62367" rIns="124733" bIns="62367" rtlCol="0" anchor="ctr"/>
+          <a:lstStyle/>
+          <a:p>
+            <a:pPr algn="ctr"/>
+            <a:r>
+              <a:rPr lang="ru-RU" sz="1400" dirty="0" smtClean="0"/>
+              <a:t>Британские инвестиции</a:t>
+            </a:r>
+            <a:endParaRPr lang="ru-RU" sz="1400" dirty="0" smtClean="0"/>
+          </a:p>
+        </p:txBody>
+      </p:sp>
+      <p:sp>
+        <p:nvSpPr>
+          <p:cNvPr id="373" name="Прямоугольник 372"/>
+          <p:cNvSpPr/>
+          <p:nvPr/>
+        </p:nvSpPr>
+        <p:spPr>
+          <a:xfrm>
+            <a:off x="41306723" y="13632393"/>
+            <a:ext cx="2115918" cy="1080000"/>
+          </a:xfrm>
+          <a:prstGeom prst="rect">
+            <a:avLst/>
+          </a:prstGeom>
+          <a:solidFill>
+            <a:schemeClr val="bg1">
+              <a:lumMod val="65000"/>
+            </a:schemeClr>
+          </a:solidFill>
+          <a:ln w="28575"/>
+        </p:spPr>
+        <p:style>
+          <a:lnRef idx="2">
+            <a:schemeClr val="accent1"/>
+          </a:lnRef>
+          <a:fillRef idx="1">
+            <a:schemeClr val="lt1"/>
+          </a:fillRef>
+          <a:effectRef idx="0">
+            <a:schemeClr val="accent1"/>
+          </a:effectRef>
+          <a:fontRef idx="minor">
+            <a:schemeClr val="dk1"/>
+          </a:fontRef>
+        </p:style>
+        <p:txBody>
+          <a:bodyPr lIns="124733" tIns="62367" rIns="124733" bIns="62367" rtlCol="0" anchor="ctr"/>
+          <a:lstStyle/>
+          <a:p>
+            <a:pPr algn="ctr"/>
+            <a:r>
+              <a:rPr lang="ru-RU" sz="1400" dirty="0"/>
+              <a:t>Французские </a:t>
+            </a:r>
+            <a:r>
+              <a:rPr lang="ru-RU" sz="1400" dirty="0" smtClean="0"/>
+              <a:t>инвестиции</a:t>
+            </a:r>
+            <a:endParaRPr lang="ru-RU" sz="1400" dirty="0"/>
+          </a:p>
+        </p:txBody>
+      </p:sp>
+      <p:sp>
+        <p:nvSpPr>
+          <p:cNvPr id="374" name="Прямоугольник 373"/>
+          <p:cNvSpPr/>
+          <p:nvPr/>
+        </p:nvSpPr>
+        <p:spPr>
+          <a:xfrm>
+            <a:off x="43811649" y="13632393"/>
+            <a:ext cx="2115918" cy="1080000"/>
+          </a:xfrm>
+          <a:prstGeom prst="rect">
+            <a:avLst/>
+          </a:prstGeom>
+          <a:solidFill>
+            <a:schemeClr val="bg1">
+              <a:lumMod val="65000"/>
+            </a:schemeClr>
+          </a:solidFill>
+          <a:ln w="28575"/>
+        </p:spPr>
+        <p:style>
+          <a:lnRef idx="2">
+            <a:schemeClr val="accent1"/>
+          </a:lnRef>
+          <a:fillRef idx="1">
+            <a:schemeClr val="lt1"/>
+          </a:fillRef>
+          <a:effectRef idx="0">
+            <a:schemeClr val="accent1"/>
+          </a:effectRef>
+          <a:fontRef idx="minor">
+            <a:schemeClr val="dk1"/>
+          </a:fontRef>
+        </p:style>
+        <p:txBody>
+          <a:bodyPr lIns="124733" tIns="62367" rIns="124733" bIns="62367" rtlCol="0" anchor="ctr"/>
+          <a:lstStyle/>
+          <a:p>
+            <a:pPr algn="ctr"/>
+            <a:r>
+              <a:rPr lang="ru-RU" sz="1400" dirty="0"/>
+              <a:t>Германские инвестиции</a:t>
+            </a:r>
+          </a:p>
+        </p:txBody>
+      </p:sp>
+      <p:sp>
+        <p:nvSpPr>
+          <p:cNvPr id="375" name="Прямоугольник 374"/>
+          <p:cNvSpPr/>
+          <p:nvPr/>
+        </p:nvSpPr>
+        <p:spPr>
+          <a:xfrm>
+            <a:off x="36438338" y="13628989"/>
+            <a:ext cx="2115918" cy="1080000"/>
+          </a:xfrm>
+          <a:prstGeom prst="rect">
+            <a:avLst/>
+          </a:prstGeom>
+          <a:solidFill>
+            <a:schemeClr val="bg1">
+              <a:lumMod val="65000"/>
+            </a:schemeClr>
+          </a:solidFill>
+          <a:ln w="28575"/>
+        </p:spPr>
+        <p:style>
+          <a:lnRef idx="2">
+            <a:schemeClr val="accent1"/>
+          </a:lnRef>
+          <a:fillRef idx="1">
+            <a:schemeClr val="lt1"/>
+          </a:fillRef>
+          <a:effectRef idx="0">
+            <a:schemeClr val="accent1"/>
+          </a:effectRef>
+          <a:fontRef idx="minor">
+            <a:schemeClr val="dk1"/>
+          </a:fontRef>
+        </p:style>
+        <p:txBody>
+          <a:bodyPr lIns="124733" tIns="62367" rIns="124733" bIns="62367" rtlCol="0" anchor="ctr"/>
+          <a:lstStyle/>
+          <a:p>
+            <a:pPr algn="ctr"/>
+            <a:r>
+              <a:rPr lang="ru-RU" sz="1400" dirty="0"/>
+              <a:t>Американские </a:t>
+            </a:r>
+            <a:r>
+              <a:rPr lang="ru-RU" sz="1400" dirty="0" smtClean="0"/>
+              <a:t>инвестиции</a:t>
+            </a:r>
+            <a:endParaRPr lang="ru-RU" sz="1400" dirty="0"/>
+          </a:p>
+        </p:txBody>
+      </p:sp>
+      <p:cxnSp>
+        <p:nvCxnSpPr>
+          <p:cNvPr id="376" name="Соединительная линия уступом 375"/>
+          <p:cNvCxnSpPr>
+            <a:stCxn id="305" idx="2"/>
+            <a:endCxn id="375" idx="0"/>
+          </p:cNvCxnSpPr>
+          <p:nvPr/>
+        </p:nvCxnSpPr>
+        <p:spPr>
+          <a:xfrm rot="5400000">
+            <a:off x="39109969" y="11626738"/>
+            <a:ext cx="388579" cy="3615922"/>
+          </a:xfrm>
+          <a:prstGeom prst="bentConnector3">
+            <a:avLst>
+              <a:gd name="adj1" fmla="val 50000"/>
+            </a:avLst>
+          </a:prstGeom>
+          <a:ln w="28575">
+            <a:tailEnd type="arrow"/>
+          </a:ln>
+        </p:spPr>
+        <p:style>
+          <a:lnRef idx="1">
+            <a:schemeClr val="accent1"/>
+          </a:lnRef>
+          <a:fillRef idx="0">
+            <a:schemeClr val="accent1"/>
+          </a:fillRef>
+          <a:effectRef idx="0">
+            <a:schemeClr val="accent1"/>
+          </a:effectRef>
+          <a:fontRef idx="minor">
+            <a:schemeClr val="tx1"/>
+          </a:fontRef>
+        </p:style>
+      </p:cxnSp>
+      <p:cxnSp>
+        <p:nvCxnSpPr>
+          <p:cNvPr id="377" name="Соединительная линия уступом 376"/>
+          <p:cNvCxnSpPr>
+            <a:stCxn id="305" idx="2"/>
+            <a:endCxn id="374" idx="0"/>
+          </p:cNvCxnSpPr>
+          <p:nvPr/>
+        </p:nvCxnSpPr>
+        <p:spPr>
+          <a:xfrm rot="16200000" flipH="1">
+            <a:off x="42794922" y="11557706"/>
+            <a:ext cx="391983" cy="3757389"/>
+          </a:xfrm>
+          <a:prstGeom prst="bentConnector3">
+            <a:avLst>
+              <a:gd name="adj1" fmla="val 50000"/>
+            </a:avLst>
+          </a:prstGeom>
+          <a:ln w="28575">
+            <a:tailEnd type="arrow"/>
+          </a:ln>
+        </p:spPr>
+        <p:style>
+          <a:lnRef idx="1">
+            <a:schemeClr val="accent1"/>
+          </a:lnRef>
+          <a:fillRef idx="0">
+            <a:schemeClr val="accent1"/>
+          </a:fillRef>
+          <a:effectRef idx="0">
+            <a:schemeClr val="accent1"/>
+          </a:effectRef>
+          <a:fontRef idx="minor">
+            <a:schemeClr val="tx1"/>
+          </a:fontRef>
+        </p:style>
+      </p:cxnSp>
+      <p:cxnSp>
+        <p:nvCxnSpPr>
+          <p:cNvPr id="378" name="Соединительная линия уступом 377"/>
+          <p:cNvCxnSpPr>
+            <a:stCxn id="305" idx="2"/>
+            <a:endCxn id="371" idx="0"/>
+          </p:cNvCxnSpPr>
+          <p:nvPr/>
+        </p:nvCxnSpPr>
+        <p:spPr>
+          <a:xfrm rot="5400000">
+            <a:off x="40289997" y="12810170"/>
+            <a:ext cx="391983" cy="1252463"/>
+          </a:xfrm>
+          <a:prstGeom prst="bentConnector3">
+            <a:avLst>
+              <a:gd name="adj1" fmla="val 50000"/>
+            </a:avLst>
+          </a:prstGeom>
+          <a:ln w="28575">
+            <a:tailEnd type="arrow"/>
+          </a:ln>
+        </p:spPr>
+        <p:style>
+          <a:lnRef idx="1">
+            <a:schemeClr val="accent1"/>
+          </a:lnRef>
+          <a:fillRef idx="0">
+            <a:schemeClr val="accent1"/>
+          </a:fillRef>
+          <a:effectRef idx="0">
+            <a:schemeClr val="accent1"/>
+          </a:effectRef>
+          <a:fontRef idx="minor">
+            <a:schemeClr val="tx1"/>
+          </a:fontRef>
+        </p:style>
+      </p:cxnSp>
+      <p:cxnSp>
+        <p:nvCxnSpPr>
+          <p:cNvPr id="379" name="Соединительная линия уступом 378"/>
+          <p:cNvCxnSpPr>
+            <a:stCxn id="305" idx="2"/>
+            <a:endCxn id="373" idx="0"/>
+          </p:cNvCxnSpPr>
+          <p:nvPr/>
+        </p:nvCxnSpPr>
+        <p:spPr>
+          <a:xfrm rot="16200000" flipH="1">
+            <a:off x="41542459" y="12810169"/>
+            <a:ext cx="391983" cy="1252463"/>
+          </a:xfrm>
+          <a:prstGeom prst="bentConnector3">
+            <a:avLst>
+              <a:gd name="adj1" fmla="val 50000"/>
+            </a:avLst>
+          </a:prstGeom>
+          <a:ln w="28575">
+            <a:tailEnd type="arrow"/>
+          </a:ln>
+        </p:spPr>
+        <p:style>
+          <a:lnRef idx="1">
+            <a:schemeClr val="accent1"/>
+          </a:lnRef>
+          <a:fillRef idx="0">
+            <a:schemeClr val="accent1"/>
+          </a:fillRef>
+          <a:effectRef idx="0">
+            <a:schemeClr val="accent1"/>
+          </a:effectRef>
+          <a:fontRef idx="minor">
+            <a:schemeClr val="tx1"/>
+          </a:fontRef>
+        </p:style>
+      </p:cxnSp>
+      <p:sp>
+        <p:nvSpPr>
+          <p:cNvPr id="380" name="Прямоугольник 379"/>
+          <p:cNvSpPr/>
+          <p:nvPr/>
+        </p:nvSpPr>
+        <p:spPr>
+          <a:xfrm>
+            <a:off x="42559186" y="15107228"/>
+            <a:ext cx="2115918" cy="1080000"/>
+          </a:xfrm>
+          <a:prstGeom prst="rect">
+            <a:avLst/>
+          </a:prstGeom>
+          <a:solidFill>
+            <a:schemeClr val="bg1">
+              <a:lumMod val="65000"/>
+            </a:schemeClr>
+          </a:solidFill>
+          <a:ln w="28575"/>
+        </p:spPr>
+        <p:style>
+          <a:lnRef idx="2">
+            <a:schemeClr val="accent1"/>
+          </a:lnRef>
+          <a:fillRef idx="1">
+            <a:schemeClr val="lt1"/>
+          </a:fillRef>
+          <a:effectRef idx="0">
+            <a:schemeClr val="accent1"/>
+          </a:effectRef>
+          <a:fontRef idx="minor">
+            <a:schemeClr val="dk1"/>
+          </a:fontRef>
+        </p:style>
+        <p:txBody>
+          <a:bodyPr lIns="124733" tIns="62367" rIns="124733" bIns="62367" rtlCol="0" anchor="ctr"/>
+          <a:lstStyle/>
+          <a:p>
+            <a:pPr algn="ctr"/>
+            <a:r>
+              <a:rPr lang="ru-RU" sz="1400" dirty="0" smtClean="0"/>
+              <a:t>Совместная разработка урана</a:t>
+            </a:r>
+            <a:endParaRPr lang="ru-RU" sz="1400" dirty="0" smtClean="0"/>
+          </a:p>
+        </p:txBody>
+      </p:sp>
+      <p:cxnSp>
+        <p:nvCxnSpPr>
+          <p:cNvPr id="381" name="Прямая соединительная линия 380"/>
+          <p:cNvCxnSpPr>
+            <a:stCxn id="363" idx="1"/>
+            <a:endCxn id="380" idx="3"/>
+          </p:cNvCxnSpPr>
+          <p:nvPr/>
+        </p:nvCxnSpPr>
+        <p:spPr>
+          <a:xfrm flipH="1">
+            <a:off x="44675104" y="15647228"/>
+            <a:ext cx="2893933" cy="0"/>
+          </a:xfrm>
+          <a:prstGeom prst="line">
+            <a:avLst/>
+          </a:prstGeom>
+          <a:ln w="28575">
+            <a:solidFill>
+              <a:srgbClr val="FF0000"/>
+            </a:solidFill>
+          </a:ln>
+        </p:spPr>
+        <p:style>
+          <a:lnRef idx="1">
+            <a:schemeClr val="accent1"/>
+          </a:lnRef>
+          <a:fillRef idx="0">
+            <a:schemeClr val="accent1"/>
+          </a:fillRef>
+          <a:effectRef idx="0">
+            <a:schemeClr val="accent1"/>
+          </a:effectRef>
+          <a:fontRef idx="minor">
+            <a:schemeClr val="tx1"/>
+          </a:fontRef>
+        </p:style>
+      </p:cxnSp>
+      <p:cxnSp>
+        <p:nvCxnSpPr>
+          <p:cNvPr id="382" name="Прямая со стрелкой 381"/>
+          <p:cNvCxnSpPr>
+            <a:stCxn id="318" idx="2"/>
+            <a:endCxn id="363" idx="0"/>
+          </p:cNvCxnSpPr>
+          <p:nvPr/>
+        </p:nvCxnSpPr>
+        <p:spPr>
+          <a:xfrm>
+            <a:off x="48626996" y="13240410"/>
+            <a:ext cx="0" cy="1866818"/>
+          </a:xfrm>
+          <a:prstGeom prst="straightConnector1">
+            <a:avLst/>
+          </a:prstGeom>
+          <a:ln w="28575">
+            <a:tailEnd type="arrow"/>
+          </a:ln>
+        </p:spPr>
+        <p:style>
+          <a:lnRef idx="1">
+            <a:schemeClr val="accent1"/>
+          </a:lnRef>
+          <a:fillRef idx="0">
+            <a:schemeClr val="accent1"/>
+          </a:fillRef>
+          <a:effectRef idx="0">
+            <a:schemeClr val="accent1"/>
+          </a:effectRef>
+          <a:fontRef idx="minor">
+            <a:schemeClr val="tx1"/>
+          </a:fontRef>
+        </p:style>
+      </p:cxnSp>
+      <p:cxnSp>
+        <p:nvCxnSpPr>
+          <p:cNvPr id="383" name="Прямая со стрелкой 382"/>
+          <p:cNvCxnSpPr>
+            <a:stCxn id="317" idx="2"/>
+            <a:endCxn id="318" idx="0"/>
+          </p:cNvCxnSpPr>
+          <p:nvPr/>
+        </p:nvCxnSpPr>
+        <p:spPr>
+          <a:xfrm>
+            <a:off x="48626996" y="11693871"/>
+            <a:ext cx="0" cy="466539"/>
+          </a:xfrm>
+          <a:prstGeom prst="straightConnector1">
+            <a:avLst/>
+          </a:prstGeom>
+          <a:ln w="28575">
+            <a:tailEnd type="arrow"/>
+          </a:ln>
+        </p:spPr>
+        <p:style>
+          <a:lnRef idx="1">
+            <a:schemeClr val="accent1"/>
+          </a:lnRef>
+          <a:fillRef idx="0">
+            <a:schemeClr val="accent1"/>
+          </a:fillRef>
+          <a:effectRef idx="0">
+            <a:schemeClr val="accent1"/>
+          </a:effectRef>
+          <a:fontRef idx="minor">
+            <a:schemeClr val="tx1"/>
+          </a:fontRef>
+        </p:style>
+      </p:cxnSp>
+      <p:sp>
+        <p:nvSpPr>
+          <p:cNvPr id="384" name="Прямоугольник 383"/>
+          <p:cNvSpPr/>
+          <p:nvPr/>
+        </p:nvSpPr>
+        <p:spPr>
+          <a:xfrm>
+            <a:off x="37616009" y="15097568"/>
+            <a:ext cx="2115918" cy="1080000"/>
+          </a:xfrm>
+          <a:prstGeom prst="rect">
+            <a:avLst/>
+          </a:prstGeom>
+          <a:solidFill>
+            <a:schemeClr val="bg1">
+              <a:lumMod val="65000"/>
+            </a:schemeClr>
+          </a:solidFill>
+          <a:ln w="28575"/>
+        </p:spPr>
+        <p:style>
+          <a:lnRef idx="2">
+            <a:schemeClr val="accent1"/>
+          </a:lnRef>
+          <a:fillRef idx="1">
+            <a:schemeClr val="lt1"/>
+          </a:fillRef>
+          <a:effectRef idx="0">
+            <a:schemeClr val="accent1"/>
+          </a:effectRef>
+          <a:fontRef idx="minor">
+            <a:schemeClr val="dk1"/>
+          </a:fontRef>
+        </p:style>
+        <p:txBody>
+          <a:bodyPr lIns="124733" tIns="62367" rIns="124733" bIns="62367" rtlCol="0" anchor="ctr"/>
+          <a:lstStyle/>
+          <a:p>
+            <a:pPr algn="ctr"/>
+            <a:r>
+              <a:rPr lang="ru-RU" sz="1400" dirty="0" smtClean="0"/>
+              <a:t>Развитие морской торговли (наше)</a:t>
+            </a:r>
+            <a:endParaRPr lang="ru-RU" sz="1400" dirty="0" smtClean="0"/>
+          </a:p>
+        </p:txBody>
+      </p:sp>
+      <p:sp>
+        <p:nvSpPr>
+          <p:cNvPr id="385" name="Прямоугольник 384"/>
+          <p:cNvSpPr/>
+          <p:nvPr/>
+        </p:nvSpPr>
+        <p:spPr>
+          <a:xfrm>
+            <a:off x="40054260" y="15107228"/>
+            <a:ext cx="2115918" cy="1080000"/>
+          </a:xfrm>
+          <a:prstGeom prst="rect">
+            <a:avLst/>
+          </a:prstGeom>
+          <a:solidFill>
+            <a:schemeClr val="bg1">
+              <a:lumMod val="65000"/>
+            </a:schemeClr>
+          </a:solidFill>
+          <a:ln w="28575"/>
+        </p:spPr>
+        <p:style>
+          <a:lnRef idx="2">
+            <a:schemeClr val="accent1"/>
+          </a:lnRef>
+          <a:fillRef idx="1">
+            <a:schemeClr val="lt1"/>
+          </a:fillRef>
+          <a:effectRef idx="0">
+            <a:schemeClr val="accent1"/>
+          </a:effectRef>
+          <a:fontRef idx="minor">
+            <a:schemeClr val="dk1"/>
+          </a:fontRef>
+        </p:style>
+        <p:txBody>
+          <a:bodyPr lIns="124733" tIns="62367" rIns="124733" bIns="62367" rtlCol="0" anchor="ctr"/>
+          <a:lstStyle/>
+          <a:p>
+            <a:pPr algn="ctr"/>
+            <a:r>
+              <a:rPr lang="ru-RU" sz="1400" dirty="0" smtClean="0"/>
+              <a:t>Искать нового союзника</a:t>
+            </a:r>
+            <a:endParaRPr lang="ru-RU" sz="1400" dirty="0"/>
+          </a:p>
+        </p:txBody>
+      </p:sp>
+      <p:sp>
+        <p:nvSpPr>
+          <p:cNvPr id="386" name="Прямоугольник 385"/>
+          <p:cNvSpPr/>
+          <p:nvPr/>
+        </p:nvSpPr>
+        <p:spPr>
+          <a:xfrm>
+            <a:off x="36438338" y="16799418"/>
+            <a:ext cx="2115918" cy="1080000"/>
+          </a:xfrm>
+          <a:prstGeom prst="rect">
+            <a:avLst/>
+          </a:prstGeom>
+          <a:solidFill>
+            <a:schemeClr val="bg1">
+              <a:lumMod val="65000"/>
+            </a:schemeClr>
+          </a:solidFill>
+          <a:ln w="28575"/>
+        </p:spPr>
+        <p:style>
+          <a:lnRef idx="2">
+            <a:schemeClr val="accent1"/>
+          </a:lnRef>
+          <a:fillRef idx="1">
+            <a:schemeClr val="lt1"/>
+          </a:fillRef>
+          <a:effectRef idx="0">
+            <a:schemeClr val="accent1"/>
+          </a:effectRef>
+          <a:fontRef idx="minor">
+            <a:schemeClr val="dk1"/>
+          </a:fontRef>
+        </p:style>
+        <p:txBody>
+          <a:bodyPr lIns="124733" tIns="62367" rIns="124733" bIns="62367" rtlCol="0" anchor="ctr"/>
+          <a:lstStyle/>
+          <a:p>
+            <a:pPr algn="ctr"/>
+            <a:r>
+              <a:rPr lang="ru-RU" sz="1400" dirty="0" smtClean="0"/>
+              <a:t>Ввести доллары в широкий оборот</a:t>
+            </a:r>
+            <a:endParaRPr lang="ru-RU" sz="1400" dirty="0"/>
+          </a:p>
+        </p:txBody>
+      </p:sp>
+      <p:sp>
+        <p:nvSpPr>
+          <p:cNvPr id="387" name="Прямоугольник 386"/>
+          <p:cNvSpPr/>
+          <p:nvPr/>
+        </p:nvSpPr>
+        <p:spPr>
+          <a:xfrm>
+            <a:off x="38801796" y="16799418"/>
+            <a:ext cx="2115918" cy="1080000"/>
+          </a:xfrm>
+          <a:prstGeom prst="rect">
+            <a:avLst/>
+          </a:prstGeom>
+          <a:solidFill>
+            <a:schemeClr val="bg1">
+              <a:lumMod val="65000"/>
+            </a:schemeClr>
+          </a:solidFill>
+          <a:ln w="28575"/>
+        </p:spPr>
+        <p:style>
+          <a:lnRef idx="2">
+            <a:schemeClr val="accent1"/>
+          </a:lnRef>
+          <a:fillRef idx="1">
+            <a:schemeClr val="lt1"/>
+          </a:fillRef>
+          <a:effectRef idx="0">
+            <a:schemeClr val="accent1"/>
+          </a:effectRef>
+          <a:fontRef idx="minor">
+            <a:schemeClr val="dk1"/>
+          </a:fontRef>
+        </p:style>
+        <p:txBody>
+          <a:bodyPr lIns="124733" tIns="62367" rIns="124733" bIns="62367" rtlCol="0" anchor="ctr"/>
+          <a:lstStyle/>
+          <a:p>
+            <a:pPr algn="ctr"/>
+            <a:r>
+              <a:rPr lang="ru-RU" sz="1400" dirty="0" smtClean="0"/>
+              <a:t>Уганда (наше)</a:t>
+            </a:r>
+            <a:endParaRPr lang="ru-RU" sz="1400" dirty="0"/>
+          </a:p>
+        </p:txBody>
+      </p:sp>
+      <p:sp>
+        <p:nvSpPr>
+          <p:cNvPr id="388" name="Прямоугольник 387"/>
+          <p:cNvSpPr/>
+          <p:nvPr/>
+        </p:nvSpPr>
+        <p:spPr>
+          <a:xfrm>
+            <a:off x="41311461" y="16799418"/>
+            <a:ext cx="2115918" cy="1080000"/>
+          </a:xfrm>
+          <a:prstGeom prst="rect">
+            <a:avLst/>
+          </a:prstGeom>
+          <a:solidFill>
+            <a:schemeClr val="bg1">
+              <a:lumMod val="65000"/>
+            </a:schemeClr>
+          </a:solidFill>
+          <a:ln w="28575"/>
+        </p:spPr>
+        <p:style>
+          <a:lnRef idx="2">
+            <a:schemeClr val="accent1"/>
+          </a:lnRef>
+          <a:fillRef idx="1">
+            <a:schemeClr val="lt1"/>
+          </a:fillRef>
+          <a:effectRef idx="0">
+            <a:schemeClr val="accent1"/>
+          </a:effectRef>
+          <a:fontRef idx="minor">
+            <a:schemeClr val="dk1"/>
+          </a:fontRef>
+        </p:style>
+        <p:txBody>
+          <a:bodyPr lIns="124733" tIns="62367" rIns="124733" bIns="62367" rtlCol="0" anchor="ctr"/>
+          <a:lstStyle/>
+          <a:p>
+            <a:pPr algn="ctr"/>
+            <a:r>
+              <a:rPr lang="ru-RU" sz="1400" dirty="0" smtClean="0"/>
+              <a:t>Среднее Конго (наше)</a:t>
+            </a:r>
+            <a:endParaRPr lang="ru-RU" sz="1400" dirty="0"/>
+          </a:p>
+        </p:txBody>
+      </p:sp>
+      <p:sp>
+        <p:nvSpPr>
+          <p:cNvPr id="389" name="Прямоугольник 388"/>
+          <p:cNvSpPr/>
+          <p:nvPr/>
+        </p:nvSpPr>
+        <p:spPr>
+          <a:xfrm>
+            <a:off x="43811649" y="16799418"/>
+            <a:ext cx="2115918" cy="1080000"/>
+          </a:xfrm>
+          <a:prstGeom prst="rect">
+            <a:avLst/>
+          </a:prstGeom>
+          <a:solidFill>
+            <a:schemeClr val="bg1">
+              <a:lumMod val="65000"/>
+            </a:schemeClr>
+          </a:solidFill>
+          <a:ln w="28575"/>
+        </p:spPr>
+        <p:style>
+          <a:lnRef idx="2">
+            <a:schemeClr val="accent1"/>
+          </a:lnRef>
+          <a:fillRef idx="1">
+            <a:schemeClr val="lt1"/>
+          </a:fillRef>
+          <a:effectRef idx="0">
+            <a:schemeClr val="accent1"/>
+          </a:effectRef>
+          <a:fontRef idx="minor">
+            <a:schemeClr val="dk1"/>
+          </a:fontRef>
+        </p:style>
+        <p:txBody>
+          <a:bodyPr lIns="124733" tIns="62367" rIns="124733" bIns="62367" rtlCol="0" anchor="ctr"/>
+          <a:lstStyle/>
+          <a:p>
+            <a:pPr algn="ctr"/>
+            <a:r>
+              <a:rPr lang="ru-RU" sz="1400" dirty="0" smtClean="0"/>
+              <a:t>Советники из </a:t>
+            </a:r>
+            <a:r>
+              <a:rPr lang="ru-RU" sz="1400" dirty="0" err="1" smtClean="0"/>
+              <a:t>верхмата</a:t>
+            </a:r>
+            <a:r>
+              <a:rPr lang="ru-RU" sz="1400" dirty="0" smtClean="0"/>
+              <a:t> (наше)</a:t>
+            </a:r>
+            <a:endParaRPr lang="ru-RU" sz="1400" dirty="0"/>
+          </a:p>
+        </p:txBody>
+      </p:sp>
+      <p:cxnSp>
+        <p:nvCxnSpPr>
+          <p:cNvPr id="390" name="Соединительная линия уступом 389"/>
+          <p:cNvCxnSpPr>
+            <a:stCxn id="375" idx="2"/>
+            <a:endCxn id="384" idx="0"/>
+          </p:cNvCxnSpPr>
+          <p:nvPr/>
+        </p:nvCxnSpPr>
+        <p:spPr>
+          <a:xfrm rot="16200000" flipH="1">
+            <a:off x="37890843" y="14314442"/>
+            <a:ext cx="388579" cy="1177671"/>
+          </a:xfrm>
+          <a:prstGeom prst="bentConnector3">
+            <a:avLst>
+              <a:gd name="adj1" fmla="val 50000"/>
+            </a:avLst>
+          </a:prstGeom>
+          <a:ln w="28575">
+            <a:prstDash val="dash"/>
+            <a:tailEnd type="arrow"/>
+          </a:ln>
+        </p:spPr>
+        <p:style>
+          <a:lnRef idx="1">
+            <a:schemeClr val="accent1"/>
+          </a:lnRef>
+          <a:fillRef idx="0">
+            <a:schemeClr val="accent1"/>
+          </a:fillRef>
+          <a:effectRef idx="0">
+            <a:schemeClr val="accent1"/>
+          </a:effectRef>
+          <a:fontRef idx="minor">
+            <a:schemeClr val="tx1"/>
+          </a:fontRef>
+        </p:style>
+      </p:cxnSp>
+      <p:cxnSp>
+        <p:nvCxnSpPr>
+          <p:cNvPr id="391" name="Соединительная линия уступом 390"/>
+          <p:cNvCxnSpPr>
+            <a:stCxn id="371" idx="2"/>
+            <a:endCxn id="384" idx="0"/>
+          </p:cNvCxnSpPr>
+          <p:nvPr/>
+        </p:nvCxnSpPr>
+        <p:spPr>
+          <a:xfrm rot="5400000">
+            <a:off x="39074275" y="14312086"/>
+            <a:ext cx="385175" cy="1185788"/>
+          </a:xfrm>
+          <a:prstGeom prst="bentConnector3">
+            <a:avLst>
+              <a:gd name="adj1" fmla="val 50000"/>
+            </a:avLst>
+          </a:prstGeom>
+          <a:ln w="28575">
+            <a:prstDash val="dash"/>
+            <a:tailEnd type="arrow"/>
+          </a:ln>
+        </p:spPr>
+        <p:style>
+          <a:lnRef idx="1">
+            <a:schemeClr val="accent1"/>
+          </a:lnRef>
+          <a:fillRef idx="0">
+            <a:schemeClr val="accent1"/>
+          </a:fillRef>
+          <a:effectRef idx="0">
+            <a:schemeClr val="accent1"/>
+          </a:effectRef>
+          <a:fontRef idx="minor">
+            <a:schemeClr val="tx1"/>
+          </a:fontRef>
+        </p:style>
+      </p:cxnSp>
+      <p:cxnSp>
+        <p:nvCxnSpPr>
+          <p:cNvPr id="392" name="Соединительная линия уступом 391"/>
+          <p:cNvCxnSpPr>
+            <a:stCxn id="373" idx="2"/>
+            <a:endCxn id="384" idx="0"/>
+          </p:cNvCxnSpPr>
+          <p:nvPr/>
+        </p:nvCxnSpPr>
+        <p:spPr>
+          <a:xfrm rot="5400000">
+            <a:off x="40326738" y="13059623"/>
+            <a:ext cx="385175" cy="3690714"/>
+          </a:xfrm>
+          <a:prstGeom prst="bentConnector3">
+            <a:avLst>
+              <a:gd name="adj1" fmla="val 50000"/>
+            </a:avLst>
+          </a:prstGeom>
+          <a:ln w="28575">
+            <a:prstDash val="dash"/>
+            <a:tailEnd type="arrow"/>
+          </a:ln>
+        </p:spPr>
+        <p:style>
+          <a:lnRef idx="1">
+            <a:schemeClr val="accent1"/>
+          </a:lnRef>
+          <a:fillRef idx="0">
+            <a:schemeClr val="accent1"/>
+          </a:fillRef>
+          <a:effectRef idx="0">
+            <a:schemeClr val="accent1"/>
+          </a:effectRef>
+          <a:fontRef idx="minor">
+            <a:schemeClr val="tx1"/>
+          </a:fontRef>
+        </p:style>
+      </p:cxnSp>
+      <p:cxnSp>
+        <p:nvCxnSpPr>
+          <p:cNvPr id="393" name="Соединительная линия уступом 392"/>
+          <p:cNvCxnSpPr>
+            <a:stCxn id="374" idx="2"/>
+            <a:endCxn id="384" idx="0"/>
+          </p:cNvCxnSpPr>
+          <p:nvPr/>
+        </p:nvCxnSpPr>
+        <p:spPr>
+          <a:xfrm rot="5400000">
+            <a:off x="41579201" y="11807160"/>
+            <a:ext cx="385175" cy="6195640"/>
+          </a:xfrm>
+          <a:prstGeom prst="bentConnector3">
+            <a:avLst>
+              <a:gd name="adj1" fmla="val 50000"/>
+            </a:avLst>
+          </a:prstGeom>
+          <a:ln w="28575">
+            <a:prstDash val="dash"/>
+            <a:tailEnd type="arrow"/>
+          </a:ln>
+        </p:spPr>
+        <p:style>
+          <a:lnRef idx="1">
+            <a:schemeClr val="accent1"/>
+          </a:lnRef>
+          <a:fillRef idx="0">
+            <a:schemeClr val="accent1"/>
+          </a:fillRef>
+          <a:effectRef idx="0">
+            <a:schemeClr val="accent1"/>
+          </a:effectRef>
+          <a:fontRef idx="minor">
+            <a:schemeClr val="tx1"/>
+          </a:fontRef>
+        </p:style>
+      </p:cxnSp>
+      <p:cxnSp>
+        <p:nvCxnSpPr>
+          <p:cNvPr id="394" name="Соединительная линия уступом 393"/>
+          <p:cNvCxnSpPr>
+            <a:stCxn id="375" idx="2"/>
+            <a:endCxn id="385" idx="0"/>
+          </p:cNvCxnSpPr>
+          <p:nvPr/>
+        </p:nvCxnSpPr>
+        <p:spPr>
+          <a:xfrm rot="16200000" flipH="1">
+            <a:off x="39105139" y="13100147"/>
+            <a:ext cx="398239" cy="3615922"/>
+          </a:xfrm>
+          <a:prstGeom prst="bentConnector3">
+            <a:avLst>
+              <a:gd name="adj1" fmla="val 50000"/>
+            </a:avLst>
+          </a:prstGeom>
+          <a:ln w="28575">
+            <a:prstDash val="dash"/>
+            <a:tailEnd type="arrow"/>
+          </a:ln>
+        </p:spPr>
+        <p:style>
+          <a:lnRef idx="1">
+            <a:schemeClr val="accent1"/>
+          </a:lnRef>
+          <a:fillRef idx="0">
+            <a:schemeClr val="accent1"/>
+          </a:fillRef>
+          <a:effectRef idx="0">
+            <a:schemeClr val="accent1"/>
+          </a:effectRef>
+          <a:fontRef idx="minor">
+            <a:schemeClr val="tx1"/>
+          </a:fontRef>
+        </p:style>
+      </p:cxnSp>
+      <p:cxnSp>
+        <p:nvCxnSpPr>
+          <p:cNvPr id="395" name="Соединительная линия уступом 394"/>
+          <p:cNvCxnSpPr>
+            <a:stCxn id="371" idx="2"/>
+            <a:endCxn id="385" idx="0"/>
+          </p:cNvCxnSpPr>
+          <p:nvPr/>
+        </p:nvCxnSpPr>
+        <p:spPr>
+          <a:xfrm rot="16200000" flipH="1">
+            <a:off x="40288570" y="14283578"/>
+            <a:ext cx="394835" cy="1252463"/>
+          </a:xfrm>
+          <a:prstGeom prst="bentConnector3">
+            <a:avLst>
+              <a:gd name="adj1" fmla="val 50000"/>
+            </a:avLst>
+          </a:prstGeom>
+          <a:ln w="28575">
+            <a:prstDash val="dash"/>
+            <a:tailEnd type="arrow"/>
+          </a:ln>
+        </p:spPr>
+        <p:style>
+          <a:lnRef idx="1">
+            <a:schemeClr val="accent1"/>
+          </a:lnRef>
+          <a:fillRef idx="0">
+            <a:schemeClr val="accent1"/>
+          </a:fillRef>
+          <a:effectRef idx="0">
+            <a:schemeClr val="accent1"/>
+          </a:effectRef>
+          <a:fontRef idx="minor">
+            <a:schemeClr val="tx1"/>
+          </a:fontRef>
+        </p:style>
+      </p:cxnSp>
+      <p:cxnSp>
+        <p:nvCxnSpPr>
+          <p:cNvPr id="396" name="Соединительная линия уступом 395"/>
+          <p:cNvCxnSpPr>
+            <a:stCxn id="373" idx="2"/>
+            <a:endCxn id="385" idx="0"/>
+          </p:cNvCxnSpPr>
+          <p:nvPr/>
+        </p:nvCxnSpPr>
+        <p:spPr>
+          <a:xfrm rot="5400000">
+            <a:off x="41541034" y="14283579"/>
+            <a:ext cx="394835" cy="1252463"/>
+          </a:xfrm>
+          <a:prstGeom prst="bentConnector3">
+            <a:avLst>
+              <a:gd name="adj1" fmla="val 50000"/>
+            </a:avLst>
+          </a:prstGeom>
+          <a:ln w="28575">
+            <a:prstDash val="dash"/>
+            <a:tailEnd type="arrow"/>
+          </a:ln>
+        </p:spPr>
+        <p:style>
+          <a:lnRef idx="1">
+            <a:schemeClr val="accent1"/>
+          </a:lnRef>
+          <a:fillRef idx="0">
+            <a:schemeClr val="accent1"/>
+          </a:fillRef>
+          <a:effectRef idx="0">
+            <a:schemeClr val="accent1"/>
+          </a:effectRef>
+          <a:fontRef idx="minor">
+            <a:schemeClr val="tx1"/>
+          </a:fontRef>
+        </p:style>
+      </p:cxnSp>
+      <p:cxnSp>
+        <p:nvCxnSpPr>
+          <p:cNvPr id="397" name="Соединительная линия уступом 396"/>
+          <p:cNvCxnSpPr>
+            <a:stCxn id="374" idx="2"/>
+            <a:endCxn id="385" idx="0"/>
+          </p:cNvCxnSpPr>
+          <p:nvPr/>
+        </p:nvCxnSpPr>
+        <p:spPr>
+          <a:xfrm rot="5400000">
+            <a:off x="42793497" y="13031116"/>
+            <a:ext cx="394835" cy="3757389"/>
+          </a:xfrm>
+          <a:prstGeom prst="bentConnector3">
+            <a:avLst>
+              <a:gd name="adj1" fmla="val 50000"/>
+            </a:avLst>
+          </a:prstGeom>
+          <a:ln w="28575">
+            <a:prstDash val="dash"/>
+            <a:tailEnd type="arrow"/>
+          </a:ln>
+        </p:spPr>
+        <p:style>
+          <a:lnRef idx="1">
+            <a:schemeClr val="accent1"/>
+          </a:lnRef>
+          <a:fillRef idx="0">
+            <a:schemeClr val="accent1"/>
+          </a:fillRef>
+          <a:effectRef idx="0">
+            <a:schemeClr val="accent1"/>
+          </a:effectRef>
+          <a:fontRef idx="minor">
+            <a:schemeClr val="tx1"/>
+          </a:fontRef>
+        </p:style>
+      </p:cxnSp>
+      <p:cxnSp>
+        <p:nvCxnSpPr>
+          <p:cNvPr id="398" name="Соединительная линия уступом 397"/>
+          <p:cNvCxnSpPr>
+            <a:stCxn id="375" idx="2"/>
+            <a:endCxn id="380" idx="0"/>
+          </p:cNvCxnSpPr>
+          <p:nvPr/>
+        </p:nvCxnSpPr>
+        <p:spPr>
+          <a:xfrm rot="16200000" flipH="1">
+            <a:off x="40357602" y="11847684"/>
+            <a:ext cx="398239" cy="6120848"/>
+          </a:xfrm>
+          <a:prstGeom prst="bentConnector3">
+            <a:avLst>
+              <a:gd name="adj1" fmla="val 50000"/>
+            </a:avLst>
+          </a:prstGeom>
+          <a:ln w="28575">
+            <a:prstDash val="dash"/>
+            <a:tailEnd type="arrow"/>
+          </a:ln>
+        </p:spPr>
+        <p:style>
+          <a:lnRef idx="1">
+            <a:schemeClr val="accent1"/>
+          </a:lnRef>
+          <a:fillRef idx="0">
+            <a:schemeClr val="accent1"/>
+          </a:fillRef>
+          <a:effectRef idx="0">
+            <a:schemeClr val="accent1"/>
+          </a:effectRef>
+          <a:fontRef idx="minor">
+            <a:schemeClr val="tx1"/>
+          </a:fontRef>
+        </p:style>
+      </p:cxnSp>
+      <p:cxnSp>
+        <p:nvCxnSpPr>
+          <p:cNvPr id="399" name="Соединительная линия уступом 398"/>
+          <p:cNvCxnSpPr>
+            <a:stCxn id="371" idx="2"/>
+            <a:endCxn id="380" idx="0"/>
+          </p:cNvCxnSpPr>
+          <p:nvPr/>
+        </p:nvCxnSpPr>
+        <p:spPr>
+          <a:xfrm rot="16200000" flipH="1">
+            <a:off x="41541033" y="13031115"/>
+            <a:ext cx="394835" cy="3757389"/>
+          </a:xfrm>
+          <a:prstGeom prst="bentConnector3">
+            <a:avLst>
+              <a:gd name="adj1" fmla="val 50000"/>
+            </a:avLst>
+          </a:prstGeom>
+          <a:ln w="28575">
+            <a:prstDash val="dash"/>
+            <a:tailEnd type="arrow"/>
+          </a:ln>
+        </p:spPr>
+        <p:style>
+          <a:lnRef idx="1">
+            <a:schemeClr val="accent1"/>
+          </a:lnRef>
+          <a:fillRef idx="0">
+            <a:schemeClr val="accent1"/>
+          </a:fillRef>
+          <a:effectRef idx="0">
+            <a:schemeClr val="accent1"/>
+          </a:effectRef>
+          <a:fontRef idx="minor">
+            <a:schemeClr val="tx1"/>
+          </a:fontRef>
+        </p:style>
+      </p:cxnSp>
+      <p:cxnSp>
+        <p:nvCxnSpPr>
+          <p:cNvPr id="400" name="Соединительная линия уступом 399"/>
+          <p:cNvCxnSpPr>
+            <a:stCxn id="373" idx="2"/>
+            <a:endCxn id="380" idx="0"/>
+          </p:cNvCxnSpPr>
+          <p:nvPr/>
+        </p:nvCxnSpPr>
+        <p:spPr>
+          <a:xfrm rot="16200000" flipH="1">
+            <a:off x="42793496" y="14283578"/>
+            <a:ext cx="394835" cy="1252463"/>
+          </a:xfrm>
+          <a:prstGeom prst="bentConnector3">
+            <a:avLst>
+              <a:gd name="adj1" fmla="val 50000"/>
+            </a:avLst>
+          </a:prstGeom>
+          <a:ln w="28575">
+            <a:prstDash val="dash"/>
+            <a:tailEnd type="arrow"/>
+          </a:ln>
+        </p:spPr>
+        <p:style>
+          <a:lnRef idx="1">
+            <a:schemeClr val="accent1"/>
+          </a:lnRef>
+          <a:fillRef idx="0">
+            <a:schemeClr val="accent1"/>
+          </a:fillRef>
+          <a:effectRef idx="0">
+            <a:schemeClr val="accent1"/>
+          </a:effectRef>
+          <a:fontRef idx="minor">
+            <a:schemeClr val="tx1"/>
+          </a:fontRef>
+        </p:style>
+      </p:cxnSp>
+      <p:cxnSp>
+        <p:nvCxnSpPr>
+          <p:cNvPr id="401" name="Соединительная линия уступом 400"/>
+          <p:cNvCxnSpPr>
+            <a:stCxn id="374" idx="2"/>
+            <a:endCxn id="380" idx="0"/>
+          </p:cNvCxnSpPr>
+          <p:nvPr/>
+        </p:nvCxnSpPr>
+        <p:spPr>
+          <a:xfrm rot="5400000">
+            <a:off x="44045960" y="14283579"/>
+            <a:ext cx="394835" cy="1252463"/>
+          </a:xfrm>
+          <a:prstGeom prst="bentConnector3">
+            <a:avLst>
+              <a:gd name="adj1" fmla="val 50000"/>
+            </a:avLst>
+          </a:prstGeom>
+          <a:ln w="28575">
+            <a:prstDash val="dash"/>
+            <a:tailEnd type="arrow"/>
+          </a:ln>
+        </p:spPr>
+        <p:style>
+          <a:lnRef idx="1">
+            <a:schemeClr val="accent1"/>
+          </a:lnRef>
+          <a:fillRef idx="0">
+            <a:schemeClr val="accent1"/>
+          </a:fillRef>
+          <a:effectRef idx="0">
+            <a:schemeClr val="accent1"/>
+          </a:effectRef>
+          <a:fontRef idx="minor">
+            <a:schemeClr val="tx1"/>
+          </a:fontRef>
+        </p:style>
+      </p:cxnSp>
+      <p:cxnSp>
+        <p:nvCxnSpPr>
+          <p:cNvPr id="403" name="Прямая со стрелкой 402"/>
+          <p:cNvCxnSpPr>
+            <a:stCxn id="375" idx="2"/>
+            <a:endCxn id="386" idx="0"/>
+          </p:cNvCxnSpPr>
+          <p:nvPr/>
+        </p:nvCxnSpPr>
+        <p:spPr>
+          <a:xfrm>
+            <a:off x="37496297" y="14708989"/>
+            <a:ext cx="0" cy="2090429"/>
+          </a:xfrm>
+          <a:prstGeom prst="straightConnector1">
+            <a:avLst/>
+          </a:prstGeom>
+          <a:ln w="28575">
+            <a:tailEnd type="arrow"/>
+          </a:ln>
+        </p:spPr>
+        <p:style>
+          <a:lnRef idx="1">
+            <a:schemeClr val="accent1"/>
+          </a:lnRef>
+          <a:fillRef idx="0">
+            <a:schemeClr val="accent1"/>
+          </a:fillRef>
+          <a:effectRef idx="0">
+            <a:schemeClr val="accent1"/>
+          </a:effectRef>
+          <a:fontRef idx="minor">
+            <a:schemeClr val="tx1"/>
+          </a:fontRef>
+        </p:style>
+      </p:cxnSp>
+      <p:cxnSp>
+        <p:nvCxnSpPr>
+          <p:cNvPr id="404" name="Прямая со стрелкой 403"/>
+          <p:cNvCxnSpPr>
+            <a:stCxn id="371" idx="2"/>
+            <a:endCxn id="387" idx="0"/>
+          </p:cNvCxnSpPr>
+          <p:nvPr/>
+        </p:nvCxnSpPr>
+        <p:spPr>
+          <a:xfrm flipH="1">
+            <a:off x="39859755" y="14712393"/>
+            <a:ext cx="1" cy="2087025"/>
+          </a:xfrm>
+          <a:prstGeom prst="straightConnector1">
+            <a:avLst/>
+          </a:prstGeom>
+          <a:ln w="28575">
+            <a:tailEnd type="arrow"/>
+          </a:ln>
+        </p:spPr>
+        <p:style>
+          <a:lnRef idx="1">
+            <a:schemeClr val="accent1"/>
+          </a:lnRef>
+          <a:fillRef idx="0">
+            <a:schemeClr val="accent1"/>
+          </a:fillRef>
+          <a:effectRef idx="0">
+            <a:schemeClr val="accent1"/>
+          </a:effectRef>
+          <a:fontRef idx="minor">
+            <a:schemeClr val="tx1"/>
+          </a:fontRef>
+        </p:style>
+      </p:cxnSp>
+      <p:cxnSp>
+        <p:nvCxnSpPr>
+          <p:cNvPr id="405" name="Прямая со стрелкой 404"/>
+          <p:cNvCxnSpPr>
+            <a:stCxn id="373" idx="2"/>
+            <a:endCxn id="388" idx="0"/>
+          </p:cNvCxnSpPr>
+          <p:nvPr/>
+        </p:nvCxnSpPr>
+        <p:spPr>
+          <a:xfrm>
+            <a:off x="42364682" y="14712393"/>
+            <a:ext cx="4738" cy="2087025"/>
+          </a:xfrm>
+          <a:prstGeom prst="straightConnector1">
+            <a:avLst/>
+          </a:prstGeom>
+          <a:ln w="28575">
+            <a:tailEnd type="arrow"/>
+          </a:ln>
+        </p:spPr>
+        <p:style>
+          <a:lnRef idx="1">
+            <a:schemeClr val="accent1"/>
+          </a:lnRef>
+          <a:fillRef idx="0">
+            <a:schemeClr val="accent1"/>
+          </a:fillRef>
+          <a:effectRef idx="0">
+            <a:schemeClr val="accent1"/>
+          </a:effectRef>
+          <a:fontRef idx="minor">
+            <a:schemeClr val="tx1"/>
+          </a:fontRef>
+        </p:style>
+      </p:cxnSp>
+      <p:cxnSp>
+        <p:nvCxnSpPr>
+          <p:cNvPr id="406" name="Прямая со стрелкой 405"/>
+          <p:cNvCxnSpPr>
+            <a:stCxn id="374" idx="2"/>
+            <a:endCxn id="389" idx="0"/>
+          </p:cNvCxnSpPr>
+          <p:nvPr/>
+        </p:nvCxnSpPr>
+        <p:spPr>
+          <a:xfrm>
+            <a:off x="44869608" y="14712393"/>
+            <a:ext cx="0" cy="2087025"/>
+          </a:xfrm>
+          <a:prstGeom prst="straightConnector1">
+            <a:avLst/>
+          </a:prstGeom>
+          <a:ln w="28575">
+            <a:tailEnd type="arrow"/>
+          </a:ln>
+        </p:spPr>
+        <p:style>
+          <a:lnRef idx="1">
+            <a:schemeClr val="accent1"/>
+          </a:lnRef>
+          <a:fillRef idx="0">
+            <a:schemeClr val="accent1"/>
+          </a:fillRef>
+          <a:effectRef idx="0">
+            <a:schemeClr val="accent1"/>
+          </a:effectRef>
+          <a:fontRef idx="minor">
+            <a:schemeClr val="tx1"/>
+          </a:fontRef>
+        </p:style>
+      </p:cxnSp>
+      <p:cxnSp>
+        <p:nvCxnSpPr>
+          <p:cNvPr id="407" name="Соединительная линия уступом 406"/>
+          <p:cNvCxnSpPr>
+            <a:stCxn id="385" idx="2"/>
+            <a:endCxn id="386" idx="0"/>
+          </p:cNvCxnSpPr>
+          <p:nvPr/>
+        </p:nvCxnSpPr>
+        <p:spPr>
+          <a:xfrm rot="5400000">
+            <a:off x="38998163" y="14685362"/>
+            <a:ext cx="612190" cy="3615922"/>
+          </a:xfrm>
+          <a:prstGeom prst="bentConnector3">
+            <a:avLst>
+              <a:gd name="adj1" fmla="val 50000"/>
+            </a:avLst>
+          </a:prstGeom>
+          <a:ln w="28575">
+            <a:tailEnd type="arrow"/>
+          </a:ln>
+        </p:spPr>
+        <p:style>
+          <a:lnRef idx="1">
+            <a:schemeClr val="accent1"/>
+          </a:lnRef>
+          <a:fillRef idx="0">
+            <a:schemeClr val="accent1"/>
+          </a:fillRef>
+          <a:effectRef idx="0">
+            <a:schemeClr val="accent1"/>
+          </a:effectRef>
+          <a:fontRef idx="minor">
+            <a:schemeClr val="tx1"/>
+          </a:fontRef>
+        </p:style>
+      </p:cxnSp>
+      <p:cxnSp>
+        <p:nvCxnSpPr>
+          <p:cNvPr id="408" name="Соединительная линия уступом 407"/>
+          <p:cNvCxnSpPr>
+            <a:stCxn id="385" idx="2"/>
+            <a:endCxn id="387" idx="0"/>
+          </p:cNvCxnSpPr>
+          <p:nvPr/>
+        </p:nvCxnSpPr>
+        <p:spPr>
+          <a:xfrm rot="5400000">
+            <a:off x="40179892" y="15867091"/>
+            <a:ext cx="612190" cy="1252464"/>
+          </a:xfrm>
+          <a:prstGeom prst="bentConnector3">
+            <a:avLst>
+              <a:gd name="adj1" fmla="val 50000"/>
+            </a:avLst>
+          </a:prstGeom>
+          <a:ln w="28575">
+            <a:tailEnd type="arrow"/>
+          </a:ln>
+        </p:spPr>
+        <p:style>
+          <a:lnRef idx="1">
+            <a:schemeClr val="accent1"/>
+          </a:lnRef>
+          <a:fillRef idx="0">
+            <a:schemeClr val="accent1"/>
+          </a:fillRef>
+          <a:effectRef idx="0">
+            <a:schemeClr val="accent1"/>
+          </a:effectRef>
+          <a:fontRef idx="minor">
+            <a:schemeClr val="tx1"/>
+          </a:fontRef>
+        </p:style>
+      </p:cxnSp>
+      <p:cxnSp>
+        <p:nvCxnSpPr>
+          <p:cNvPr id="409" name="Соединительная линия уступом 408"/>
+          <p:cNvCxnSpPr>
+            <a:stCxn id="385" idx="2"/>
+            <a:endCxn id="388" idx="0"/>
+          </p:cNvCxnSpPr>
+          <p:nvPr/>
+        </p:nvCxnSpPr>
+        <p:spPr>
+          <a:xfrm rot="16200000" flipH="1">
+            <a:off x="41434724" y="15864722"/>
+            <a:ext cx="612190" cy="1257201"/>
+          </a:xfrm>
+          <a:prstGeom prst="bentConnector3">
+            <a:avLst>
+              <a:gd name="adj1" fmla="val 50000"/>
+            </a:avLst>
+          </a:prstGeom>
+          <a:ln w="28575">
+            <a:tailEnd type="arrow"/>
+          </a:ln>
+        </p:spPr>
+        <p:style>
+          <a:lnRef idx="1">
+            <a:schemeClr val="accent1"/>
+          </a:lnRef>
+          <a:fillRef idx="0">
+            <a:schemeClr val="accent1"/>
+          </a:fillRef>
+          <a:effectRef idx="0">
+            <a:schemeClr val="accent1"/>
+          </a:effectRef>
+          <a:fontRef idx="minor">
+            <a:schemeClr val="tx1"/>
+          </a:fontRef>
+        </p:style>
+      </p:cxnSp>
+      <p:cxnSp>
+        <p:nvCxnSpPr>
+          <p:cNvPr id="410" name="Соединительная линия уступом 409"/>
+          <p:cNvCxnSpPr>
+            <a:stCxn id="385" idx="2"/>
+            <a:endCxn id="389" idx="0"/>
+          </p:cNvCxnSpPr>
+          <p:nvPr/>
+        </p:nvCxnSpPr>
+        <p:spPr>
+          <a:xfrm rot="16200000" flipH="1">
+            <a:off x="42684818" y="14614628"/>
+            <a:ext cx="612190" cy="3757389"/>
+          </a:xfrm>
+          <a:prstGeom prst="bentConnector3">
+            <a:avLst>
+              <a:gd name="adj1" fmla="val 50000"/>
+            </a:avLst>
+          </a:prstGeom>
+          <a:ln w="28575">
+            <a:tailEnd type="arrow"/>
+          </a:ln>
+        </p:spPr>
+        <p:style>
+          <a:lnRef idx="1">
+            <a:schemeClr val="accent1"/>
+          </a:lnRef>
+          <a:fillRef idx="0">
+            <a:schemeClr val="accent1"/>
+          </a:fillRef>
+          <a:effectRef idx="0">
+            <a:schemeClr val="accent1"/>
+          </a:effectRef>
+          <a:fontRef idx="minor">
+            <a:schemeClr val="tx1"/>
+          </a:fontRef>
+        </p:style>
+      </p:cxnSp>
+      <p:cxnSp>
+        <p:nvCxnSpPr>
+          <p:cNvPr id="411" name="Соединительная линия уступом 410"/>
+          <p:cNvCxnSpPr>
+            <a:stCxn id="242" idx="2"/>
+            <a:endCxn id="317" idx="0"/>
+          </p:cNvCxnSpPr>
+          <p:nvPr/>
+        </p:nvCxnSpPr>
+        <p:spPr>
+          <a:xfrm rot="16200000" flipH="1">
+            <a:off x="44660702" y="6647577"/>
+            <a:ext cx="417810" cy="7514777"/>
+          </a:xfrm>
+          <a:prstGeom prst="bentConnector3">
+            <a:avLst>
+              <a:gd name="adj1" fmla="val 50000"/>
+            </a:avLst>
+          </a:prstGeom>
+          <a:ln w="28575">
+            <a:prstDash val="dash"/>
+            <a:tailEnd type="arrow"/>
+          </a:ln>
+        </p:spPr>
+        <p:style>
+          <a:lnRef idx="1">
+            <a:schemeClr val="accent1"/>
+          </a:lnRef>
+          <a:fillRef idx="0">
+            <a:schemeClr val="accent1"/>
+          </a:fillRef>
+          <a:effectRef idx="0">
+            <a:schemeClr val="accent1"/>
+          </a:effectRef>
+          <a:fontRef idx="minor">
+            <a:schemeClr val="tx1"/>
+          </a:fontRef>
+        </p:style>
+      </p:cxnSp>
+      <p:cxnSp>
+        <p:nvCxnSpPr>
+          <p:cNvPr id="413" name="Соединительная линия уступом 412"/>
+          <p:cNvCxnSpPr>
+            <a:stCxn id="244" idx="2"/>
+            <a:endCxn id="317" idx="0"/>
+          </p:cNvCxnSpPr>
+          <p:nvPr/>
+        </p:nvCxnSpPr>
+        <p:spPr>
+          <a:xfrm rot="5400000">
+            <a:off x="52065650" y="6760515"/>
+            <a:ext cx="414702" cy="7292010"/>
+          </a:xfrm>
+          <a:prstGeom prst="bentConnector3">
+            <a:avLst>
+              <a:gd name="adj1" fmla="val 50000"/>
+            </a:avLst>
+          </a:prstGeom>
+          <a:ln w="28575">
+            <a:prstDash val="dash"/>
+            <a:tailEnd type="arrow"/>
+          </a:ln>
+        </p:spPr>
+        <p:style>
+          <a:lnRef idx="1">
+            <a:schemeClr val="accent1"/>
+          </a:lnRef>
+          <a:fillRef idx="0">
+            <a:schemeClr val="accent1"/>
+          </a:fillRef>
+          <a:effectRef idx="0">
+            <a:schemeClr val="accent1"/>
+          </a:effectRef>
+          <a:fontRef idx="minor">
+            <a:schemeClr val="tx1"/>
+          </a:fontRef>
+        </p:style>
+      </p:cxnSp>
+      <p:cxnSp>
+        <p:nvCxnSpPr>
+          <p:cNvPr id="416" name="Прямая со стрелкой 415"/>
+          <p:cNvCxnSpPr>
+            <a:stCxn id="242" idx="2"/>
+            <a:endCxn id="267" idx="0"/>
+          </p:cNvCxnSpPr>
+          <p:nvPr/>
+        </p:nvCxnSpPr>
+        <p:spPr>
+          <a:xfrm>
+            <a:off x="41112219" y="10196061"/>
+            <a:ext cx="0" cy="417810"/>
           </a:xfrm>
           <a:prstGeom prst="straightConnector1">
             <a:avLst/>

--- a/Наработки/диздоки/Бельгийское Конго/Бельгийское Конго.pptx
+++ b/Наработки/диздоки/Бельгийское Конго/Бельгийское Конго.pptx
@@ -209,7 +209,7 @@
             <a:fld id="{33E3D7F9-E251-484C-A6FF-FA958879DF69}" type="datetimeFigureOut">
               <a:rPr lang="ru-RU" smtClean="0"/>
               <a:pPr/>
-              <a:t>29.11.2021</a:t>
+              <a:t>30.11.2021</a:t>
             </a:fld>
             <a:endParaRPr lang="ru-RU"/>
           </a:p>
@@ -700,7 +700,7 @@
             <a:fld id="{85A5DE44-605B-4D3B-B2B7-94543DF81A36}" type="datetimeFigureOut">
               <a:rPr lang="ru-RU" smtClean="0"/>
               <a:pPr/>
-              <a:t>29.11.2021</a:t>
+              <a:t>30.11.2021</a:t>
             </a:fld>
             <a:endParaRPr lang="ru-RU"/>
           </a:p>
@@ -872,7 +872,7 @@
             <a:fld id="{85A5DE44-605B-4D3B-B2B7-94543DF81A36}" type="datetimeFigureOut">
               <a:rPr lang="ru-RU" smtClean="0"/>
               <a:pPr/>
-              <a:t>29.11.2021</a:t>
+              <a:t>30.11.2021</a:t>
             </a:fld>
             <a:endParaRPr lang="ru-RU"/>
           </a:p>
@@ -1054,7 +1054,7 @@
             <a:fld id="{85A5DE44-605B-4D3B-B2B7-94543DF81A36}" type="datetimeFigureOut">
               <a:rPr lang="ru-RU" smtClean="0"/>
               <a:pPr/>
-              <a:t>29.11.2021</a:t>
+              <a:t>30.11.2021</a:t>
             </a:fld>
             <a:endParaRPr lang="ru-RU"/>
           </a:p>
@@ -1226,7 +1226,7 @@
             <a:fld id="{85A5DE44-605B-4D3B-B2B7-94543DF81A36}" type="datetimeFigureOut">
               <a:rPr lang="ru-RU" smtClean="0"/>
               <a:pPr/>
-              <a:t>29.11.2021</a:t>
+              <a:t>30.11.2021</a:t>
             </a:fld>
             <a:endParaRPr lang="ru-RU"/>
           </a:p>
@@ -1474,7 +1474,7 @@
             <a:fld id="{85A5DE44-605B-4D3B-B2B7-94543DF81A36}" type="datetimeFigureOut">
               <a:rPr lang="ru-RU" smtClean="0"/>
               <a:pPr/>
-              <a:t>29.11.2021</a:t>
+              <a:t>30.11.2021</a:t>
             </a:fld>
             <a:endParaRPr lang="ru-RU"/>
           </a:p>
@@ -1708,7 +1708,7 @@
             <a:fld id="{85A5DE44-605B-4D3B-B2B7-94543DF81A36}" type="datetimeFigureOut">
               <a:rPr lang="ru-RU" smtClean="0"/>
               <a:pPr/>
-              <a:t>29.11.2021</a:t>
+              <a:t>30.11.2021</a:t>
             </a:fld>
             <a:endParaRPr lang="ru-RU"/>
           </a:p>
@@ -2077,7 +2077,7 @@
             <a:fld id="{85A5DE44-605B-4D3B-B2B7-94543DF81A36}" type="datetimeFigureOut">
               <a:rPr lang="ru-RU" smtClean="0"/>
               <a:pPr/>
-              <a:t>29.11.2021</a:t>
+              <a:t>30.11.2021</a:t>
             </a:fld>
             <a:endParaRPr lang="ru-RU"/>
           </a:p>
@@ -2197,7 +2197,7 @@
             <a:fld id="{85A5DE44-605B-4D3B-B2B7-94543DF81A36}" type="datetimeFigureOut">
               <a:rPr lang="ru-RU" smtClean="0"/>
               <a:pPr/>
-              <a:t>29.11.2021</a:t>
+              <a:t>30.11.2021</a:t>
             </a:fld>
             <a:endParaRPr lang="ru-RU"/>
           </a:p>
@@ -2294,7 +2294,7 @@
             <a:fld id="{85A5DE44-605B-4D3B-B2B7-94543DF81A36}" type="datetimeFigureOut">
               <a:rPr lang="ru-RU" smtClean="0"/>
               <a:pPr/>
-              <a:t>29.11.2021</a:t>
+              <a:t>30.11.2021</a:t>
             </a:fld>
             <a:endParaRPr lang="ru-RU"/>
           </a:p>
@@ -2573,7 +2573,7 @@
             <a:fld id="{85A5DE44-605B-4D3B-B2B7-94543DF81A36}" type="datetimeFigureOut">
               <a:rPr lang="ru-RU" smtClean="0"/>
               <a:pPr/>
-              <a:t>29.11.2021</a:t>
+              <a:t>30.11.2021</a:t>
             </a:fld>
             <a:endParaRPr lang="ru-RU"/>
           </a:p>
@@ -2832,7 +2832,7 @@
             <a:fld id="{85A5DE44-605B-4D3B-B2B7-94543DF81A36}" type="datetimeFigureOut">
               <a:rPr lang="ru-RU" smtClean="0"/>
               <a:pPr/>
-              <a:t>29.11.2021</a:t>
+              <a:t>30.11.2021</a:t>
             </a:fld>
             <a:endParaRPr lang="ru-RU"/>
           </a:p>
@@ -3047,7 +3047,7 @@
             <a:fld id="{85A5DE44-605B-4D3B-B2B7-94543DF81A36}" type="datetimeFigureOut">
               <a:rPr lang="ru-RU" smtClean="0"/>
               <a:pPr/>
-              <a:t>29.11.2021</a:t>
+              <a:t>30.11.2021</a:t>
             </a:fld>
             <a:endParaRPr lang="ru-RU"/>
           </a:p>
@@ -5997,7 +5997,7 @@
         </p:nvSpPr>
         <p:spPr>
           <a:xfrm>
-            <a:off x="10580302" y="9105521"/>
+            <a:off x="9425633" y="9105521"/>
             <a:ext cx="2115918" cy="1080000"/>
           </a:xfrm>
           <a:prstGeom prst="rect">
@@ -6040,7 +6040,7 @@
         </p:nvSpPr>
         <p:spPr>
           <a:xfrm>
-            <a:off x="11775687" y="10619097"/>
+            <a:off x="10584794" y="13628872"/>
             <a:ext cx="2115918" cy="1080000"/>
           </a:xfrm>
           <a:prstGeom prst="rect">
@@ -6086,8 +6086,8 @@
         </p:nvCxnSpPr>
         <p:spPr>
           <a:xfrm rot="16200000" flipH="1">
-            <a:off x="10238038" y="7705298"/>
-            <a:ext cx="458148" cy="2342298"/>
+            <a:off x="9660703" y="8282632"/>
+            <a:ext cx="458148" cy="1187629"/>
           </a:xfrm>
           <a:prstGeom prst="bentConnector3">
             <a:avLst>
@@ -9662,8 +9662,20 @@
           <a:p>
             <a:pPr algn="ctr"/>
             <a:r>
+              <a:rPr lang="ru-RU" sz="1400" dirty="0" smtClean="0"/>
+              <a:t>Продать запасы </a:t>
+            </a:r>
+            <a:r>
               <a:rPr lang="ru-RU" sz="1400" dirty="0"/>
-              <a:t>Экспорт Урана в США </a:t>
+              <a:t>у</a:t>
+            </a:r>
+            <a:r>
+              <a:rPr lang="ru-RU" sz="1400" dirty="0" smtClean="0"/>
+              <a:t>рана </a:t>
+            </a:r>
+            <a:r>
+              <a:rPr lang="ru-RU" sz="1400" dirty="0"/>
+              <a:t>в США </a:t>
             </a:r>
             <a:r>
               <a:rPr lang="ru-RU" sz="900" dirty="0"/>
@@ -11293,7 +11305,6 @@
               <a:rPr lang="ru-RU" sz="1400" dirty="0" smtClean="0"/>
               <a:t>Создание собственной республики</a:t>
             </a:r>
-            <a:endParaRPr lang="ru-RU" sz="1400" dirty="0" smtClean="0"/>
           </a:p>
         </p:txBody>
       </p:sp>
@@ -12226,12 +12237,12 @@
         </p:nvCxnSpPr>
         <p:spPr>
           <a:xfrm rot="16200000" flipH="1">
-            <a:off x="12019165" y="9804616"/>
-            <a:ext cx="433576" cy="1195385"/>
+            <a:off x="9341497" y="11327615"/>
+            <a:ext cx="3443351" cy="1159161"/>
           </a:xfrm>
           <a:prstGeom prst="bentConnector3">
             <a:avLst>
-              <a:gd name="adj1" fmla="val 50000"/>
+              <a:gd name="adj1" fmla="val 6323"/>
             </a:avLst>
           </a:prstGeom>
           <a:ln w="28575">
@@ -14283,7 +14294,6 @@
               <a:rPr lang="ru-RU" sz="1400" dirty="0" smtClean="0"/>
               <a:t>Признать диалекты официальными языками в регионах</a:t>
             </a:r>
-            <a:endParaRPr lang="ru-RU" sz="1400" dirty="0" smtClean="0"/>
           </a:p>
         </p:txBody>
       </p:sp>
@@ -14511,7 +14521,6 @@
               <a:rPr lang="ru-RU" sz="1400" dirty="0" smtClean="0"/>
               <a:t> (наше)</a:t>
             </a:r>
-            <a:endParaRPr lang="ru-RU" sz="1400" dirty="0" smtClean="0"/>
           </a:p>
         </p:txBody>
       </p:sp>
@@ -14559,7 +14568,6 @@
               <a:rPr lang="ru-RU" sz="1400" dirty="0" smtClean="0"/>
               <a:t>Независимая экономика (наше переделать эффект)</a:t>
             </a:r>
-            <a:endParaRPr lang="ru-RU" sz="1400" dirty="0" smtClean="0"/>
           </a:p>
         </p:txBody>
       </p:sp>
@@ -14605,17 +14613,8 @@
             <a:pPr algn="ctr"/>
             <a:r>
               <a:rPr lang="ru-RU" sz="1400" dirty="0" smtClean="0"/>
-              <a:t>Сохранить экономические связи с </a:t>
-            </a:r>
-            <a:r>
-              <a:rPr lang="ru-RU" sz="1400" dirty="0" smtClean="0"/>
-              <a:t>Б</a:t>
-            </a:r>
-            <a:r>
-              <a:rPr lang="ru-RU" sz="1400" dirty="0" smtClean="0"/>
-              <a:t>рюсселем</a:t>
-            </a:r>
-            <a:endParaRPr lang="ru-RU" sz="1400" dirty="0" smtClean="0"/>
+              <a:t>Сохранить экономические связи с Брюсселем</a:t>
+            </a:r>
           </a:p>
         </p:txBody>
       </p:sp>
@@ -14821,7 +14820,6 @@
               <a:rPr lang="ru-RU" sz="1400" dirty="0" smtClean="0"/>
               <a:t>Самостоятельная разработка урана (наше)</a:t>
             </a:r>
-            <a:endParaRPr lang="ru-RU" sz="1400" dirty="0" smtClean="0"/>
           </a:p>
         </p:txBody>
       </p:sp>
@@ -15127,7 +15125,6 @@
               <a:rPr lang="ru-RU" sz="1400" dirty="0" smtClean="0"/>
               <a:t>Британские инвестиции</a:t>
             </a:r>
-            <a:endParaRPr lang="ru-RU" sz="1400" dirty="0" smtClean="0"/>
           </a:p>
         </p:txBody>
       </p:sp>
@@ -15478,7 +15475,6 @@
               <a:rPr lang="ru-RU" sz="1400" dirty="0" smtClean="0"/>
               <a:t>Совместная разработка урана</a:t>
             </a:r>
-            <a:endParaRPr lang="ru-RU" sz="1400" dirty="0" smtClean="0"/>
           </a:p>
         </p:txBody>
       </p:sp>
@@ -15636,7 +15632,6 @@
               <a:rPr lang="ru-RU" sz="1400" dirty="0" smtClean="0"/>
               <a:t>Развитие морской торговли (наше)</a:t>
             </a:r>
-            <a:endParaRPr lang="ru-RU" sz="1400" dirty="0" smtClean="0"/>
           </a:p>
         </p:txBody>
       </p:sp>
@@ -16743,6 +16738,669 @@
           <a:xfrm>
             <a:off x="41112219" y="10196061"/>
             <a:ext cx="0" cy="417810"/>
+          </a:xfrm>
+          <a:prstGeom prst="straightConnector1">
+            <a:avLst/>
+          </a:prstGeom>
+          <a:ln w="28575">
+            <a:tailEnd type="arrow"/>
+          </a:ln>
+        </p:spPr>
+        <p:style>
+          <a:lnRef idx="1">
+            <a:schemeClr val="accent1"/>
+          </a:lnRef>
+          <a:fillRef idx="0">
+            <a:schemeClr val="accent1"/>
+          </a:fillRef>
+          <a:effectRef idx="0">
+            <a:schemeClr val="accent1"/>
+          </a:effectRef>
+          <a:fontRef idx="minor">
+            <a:schemeClr val="tx1"/>
+          </a:fontRef>
+        </p:style>
+      </p:cxnSp>
+      <p:sp>
+        <p:nvSpPr>
+          <p:cNvPr id="372" name="Прямоугольник 371"/>
+          <p:cNvSpPr/>
+          <p:nvPr/>
+        </p:nvSpPr>
+        <p:spPr>
+          <a:xfrm>
+            <a:off x="11777273" y="9105519"/>
+            <a:ext cx="2115918" cy="1080000"/>
+          </a:xfrm>
+          <a:prstGeom prst="rect">
+            <a:avLst/>
+          </a:prstGeom>
+          <a:solidFill>
+            <a:schemeClr val="bg2">
+              <a:lumMod val="75000"/>
+            </a:schemeClr>
+          </a:solidFill>
+          <a:ln w="28575"/>
+        </p:spPr>
+        <p:style>
+          <a:lnRef idx="2">
+            <a:schemeClr val="accent1"/>
+          </a:lnRef>
+          <a:fillRef idx="1">
+            <a:schemeClr val="lt1"/>
+          </a:fillRef>
+          <a:effectRef idx="0">
+            <a:schemeClr val="accent1"/>
+          </a:effectRef>
+          <a:fontRef idx="minor">
+            <a:schemeClr val="dk1"/>
+          </a:fontRef>
+        </p:style>
+        <p:txBody>
+          <a:bodyPr lIns="124733" tIns="62367" rIns="124733" bIns="62367" rtlCol="0" anchor="ctr"/>
+          <a:lstStyle/>
+          <a:p>
+            <a:pPr algn="ctr"/>
+            <a:r>
+              <a:rPr lang="ru-RU" sz="1400" dirty="0"/>
+              <a:t>Профинансировать железнодорожные пути до </a:t>
+            </a:r>
+            <a:r>
+              <a:rPr lang="ru-RU" sz="1400" dirty="0" smtClean="0"/>
+              <a:t>порта</a:t>
+            </a:r>
+          </a:p>
+          <a:p>
+            <a:pPr algn="ctr"/>
+            <a:r>
+              <a:rPr lang="ru-RU" sz="500" dirty="0" smtClean="0"/>
+              <a:t>(</a:t>
+            </a:r>
+            <a:r>
+              <a:rPr lang="ru-RU" sz="200" dirty="0" smtClean="0"/>
+              <a:t>С </a:t>
+            </a:r>
+            <a:r>
+              <a:rPr lang="ru-RU" sz="200" dirty="0"/>
+              <a:t>последней недели января 1943 года весь уран, перевозимый морем, проходил через </a:t>
+            </a:r>
+            <a:r>
+              <a:rPr lang="ru-RU" sz="200" dirty="0" err="1"/>
+              <a:t>Матади</a:t>
+            </a:r>
+            <a:r>
+              <a:rPr lang="ru-RU" sz="200" dirty="0"/>
+              <a:t>. Теперь уран в запечатанных бочках с </a:t>
+            </a:r>
+            <a:r>
+              <a:rPr lang="ru-RU" sz="200" dirty="0" err="1"/>
+              <a:t>пометкой«Особый</a:t>
+            </a:r>
+            <a:r>
+              <a:rPr lang="ru-RU" sz="200" dirty="0"/>
+              <a:t> кобальт» был отправлен поездом на север из </a:t>
+            </a:r>
+            <a:r>
+              <a:rPr lang="ru-RU" sz="200" dirty="0" err="1"/>
+              <a:t>Шинколобве</a:t>
+            </a:r>
+            <a:r>
+              <a:rPr lang="ru-RU" sz="200" dirty="0"/>
+              <a:t> к железнодорожной станции в Порт-Франки (ныне </a:t>
+            </a:r>
+            <a:r>
+              <a:rPr lang="ru-RU" sz="200" dirty="0" err="1"/>
+              <a:t>Илебо</a:t>
+            </a:r>
+            <a:r>
+              <a:rPr lang="ru-RU" sz="200" dirty="0"/>
+              <a:t>) на реке </a:t>
+            </a:r>
+            <a:r>
+              <a:rPr lang="ru-RU" sz="200" dirty="0" err="1"/>
+              <a:t>Касаи</a:t>
+            </a:r>
+            <a:r>
+              <a:rPr lang="ru-RU" sz="200" dirty="0"/>
+              <a:t> </a:t>
+            </a:r>
+            <a:r>
+              <a:rPr lang="ru-RU" sz="200" dirty="0" err="1"/>
+              <a:t>впровинции</a:t>
+            </a:r>
+            <a:r>
+              <a:rPr lang="ru-RU" sz="200" dirty="0"/>
+              <a:t> </a:t>
+            </a:r>
+            <a:r>
+              <a:rPr lang="ru-RU" sz="200" dirty="0" err="1"/>
+              <a:t>Касаи</a:t>
+            </a:r>
+            <a:r>
+              <a:rPr lang="ru-RU" sz="200" dirty="0"/>
+              <a:t>. Оттуда бочки погрузили на баржи, которые плыли вниз по течению к месту впадения реки </a:t>
+            </a:r>
+            <a:r>
+              <a:rPr lang="ru-RU" sz="200" dirty="0" err="1"/>
+              <a:t>Касаи</a:t>
+            </a:r>
+            <a:r>
+              <a:rPr lang="ru-RU" sz="200" dirty="0"/>
+              <a:t> в реку Конго, а затем дальше </a:t>
+            </a:r>
+            <a:r>
+              <a:rPr lang="ru-RU" sz="200" dirty="0" err="1"/>
+              <a:t>вЛеопольдвиль</a:t>
+            </a:r>
+            <a:r>
+              <a:rPr lang="ru-RU" sz="200" dirty="0"/>
+              <a:t> (ныне известный как Киншаса), столицу Конго; в тот момент их отвезли поездом вМатади.32 В рамках Манхэттенского проекта в </a:t>
+            </a:r>
+            <a:r>
+              <a:rPr lang="ru-RU" sz="200" dirty="0" err="1"/>
+              <a:t>Конгобыли</a:t>
+            </a:r>
+            <a:r>
+              <a:rPr lang="ru-RU" sz="200" dirty="0"/>
+              <a:t> отправлены квалифицированные кадры и оборудование для улучшения железных дорог.33 Это был путь эпических масштабов, пересекший около1500 миль. Хотя это был более безопасный маршрут, чем поездка в </a:t>
+            </a:r>
+            <a:r>
+              <a:rPr lang="ru-RU" sz="200" dirty="0" err="1"/>
+              <a:t>Лобито</a:t>
+            </a:r>
+            <a:r>
+              <a:rPr lang="ru-RU" sz="200" dirty="0"/>
+              <a:t>, его протяженность и сложность создавали другие риски, как </a:t>
+            </a:r>
+            <a:r>
+              <a:rPr lang="ru-RU" sz="200" dirty="0" err="1"/>
+              <a:t>предупреждалгенерала</a:t>
+            </a:r>
+            <a:r>
+              <a:rPr lang="ru-RU" sz="200" dirty="0"/>
+              <a:t> </a:t>
+            </a:r>
+            <a:r>
+              <a:rPr lang="ru-RU" sz="200" dirty="0" err="1"/>
+              <a:t>Гроувза</a:t>
+            </a:r>
+            <a:r>
+              <a:rPr lang="ru-RU" sz="200" dirty="0"/>
+              <a:t> майор Джон </a:t>
+            </a:r>
+            <a:r>
+              <a:rPr lang="ru-RU" sz="200" dirty="0" err="1"/>
+              <a:t>Лэнсдейл</a:t>
+            </a:r>
+            <a:r>
+              <a:rPr lang="ru-RU" sz="200" dirty="0"/>
+              <a:t> из Манхэттенского проекта. «Есть вероятность, - указал он в меморандуме, - что часть партий, отправленных </a:t>
+            </a:r>
+            <a:r>
+              <a:rPr lang="ru-RU" sz="200" dirty="0" err="1"/>
+              <a:t>срудника</a:t>
+            </a:r>
+            <a:r>
+              <a:rPr lang="ru-RU" sz="200" dirty="0"/>
+              <a:t>, не будет получена в </a:t>
+            </a:r>
+            <a:r>
+              <a:rPr lang="ru-RU" sz="200" dirty="0" err="1"/>
+              <a:t>Матади</a:t>
+            </a:r>
+            <a:r>
+              <a:rPr lang="ru-RU" sz="200" dirty="0"/>
+              <a:t>, поскольку партии прибывают в </a:t>
+            </a:r>
+            <a:r>
+              <a:rPr lang="ru-RU" sz="200" dirty="0" err="1"/>
+              <a:t>Матади</a:t>
+            </a:r>
+            <a:r>
+              <a:rPr lang="ru-RU" sz="200" dirty="0"/>
+              <a:t> по железной дороге, затем речным пароходом и снова по </a:t>
+            </a:r>
+            <a:r>
+              <a:rPr lang="ru-RU" sz="200" dirty="0" err="1"/>
+              <a:t>железнойдороге</a:t>
+            </a:r>
+            <a:r>
+              <a:rPr lang="ru-RU" sz="200" dirty="0"/>
+              <a:t>» 34. Из </a:t>
+            </a:r>
+            <a:r>
+              <a:rPr lang="ru-RU" sz="200" dirty="0" err="1"/>
+              <a:t>Матади</a:t>
+            </a:r>
+            <a:r>
+              <a:rPr lang="ru-RU" sz="200" dirty="0"/>
+              <a:t> бочки с ураном были отправлены в США. Перевозка крупных партий урана требовала </a:t>
+            </a:r>
+            <a:r>
+              <a:rPr lang="ru-RU" sz="200" dirty="0" err="1"/>
+              <a:t>экстремальныхосторожность</a:t>
+            </a:r>
+            <a:r>
+              <a:rPr lang="ru-RU" sz="200" dirty="0"/>
+              <a:t> </a:t>
+            </a:r>
+            <a:r>
+              <a:rPr lang="ru-RU" sz="200" dirty="0" err="1"/>
+              <a:t>припланировании</a:t>
+            </a:r>
+            <a:r>
+              <a:rPr lang="ru-RU" sz="200" dirty="0"/>
+              <a:t> операций и поставок из-за опасности, исходящей от немецких подводных лодок в Южной Атлантике. После консультаций с </a:t>
+            </a:r>
+            <a:r>
+              <a:rPr lang="ru-RU" sz="200" dirty="0" err="1"/>
+              <a:t>транспортнымкорпусом</a:t>
+            </a:r>
+            <a:r>
+              <a:rPr lang="ru-RU" sz="200" dirty="0"/>
+              <a:t> армии США было решено, что самый безопасный способ доставки - это быстроходные моторные суда, выходящие из конвоя. Было </a:t>
+            </a:r>
+            <a:r>
+              <a:rPr lang="ru-RU" sz="200" dirty="0" err="1"/>
+              <a:t>решеноотправлять</a:t>
+            </a:r>
+            <a:r>
+              <a:rPr lang="ru-RU" sz="200" dirty="0"/>
+              <a:t> руду на 16-узловых лодках, которыми управляет американская западноафриканская линия, известная как </a:t>
+            </a:r>
+            <a:r>
+              <a:rPr lang="ru-RU" sz="200" dirty="0" err="1"/>
+              <a:t>Barber</a:t>
+            </a:r>
+            <a:r>
+              <a:rPr lang="ru-RU" sz="200" dirty="0"/>
+              <a:t> </a:t>
+            </a:r>
+            <a:r>
+              <a:rPr lang="ru-RU" sz="200" dirty="0" err="1"/>
+              <a:t>Line</a:t>
+            </a:r>
+            <a:r>
+              <a:rPr lang="ru-RU" sz="200" dirty="0"/>
+              <a:t>, </a:t>
+            </a:r>
+            <a:r>
+              <a:rPr lang="ru-RU" sz="200" dirty="0" err="1"/>
+              <a:t>котораяобеспечивала</a:t>
+            </a:r>
+            <a:r>
+              <a:rPr lang="ru-RU" sz="200" dirty="0"/>
+              <a:t> сообщение между Нью-Йорком и Матади.35 Две партии руды были потеряны в море: одна в конце 1942 года. действиями противника; </a:t>
+            </a:r>
+            <a:r>
+              <a:rPr lang="ru-RU" sz="200" dirty="0" err="1"/>
+              <a:t>иодин</a:t>
+            </a:r>
+            <a:r>
+              <a:rPr lang="ru-RU" sz="200" dirty="0"/>
+              <a:t> в начале 1943 года в результате морской аварии. При затоплении было потеряно около 200 тонн руды.)</a:t>
+            </a:r>
+            <a:endParaRPr lang="ru-RU" sz="100" dirty="0"/>
+          </a:p>
+        </p:txBody>
+      </p:sp>
+      <p:cxnSp>
+        <p:nvCxnSpPr>
+          <p:cNvPr id="402" name="Прямая со стрелкой 401"/>
+          <p:cNvCxnSpPr>
+            <a:stCxn id="213" idx="2"/>
+            <a:endCxn id="372" idx="0"/>
+          </p:cNvCxnSpPr>
+          <p:nvPr/>
+        </p:nvCxnSpPr>
+        <p:spPr>
+          <a:xfrm>
+            <a:off x="12833646" y="8540492"/>
+            <a:ext cx="1586" cy="565027"/>
+          </a:xfrm>
+          <a:prstGeom prst="straightConnector1">
+            <a:avLst/>
+          </a:prstGeom>
+          <a:ln w="28575">
+            <a:tailEnd type="arrow"/>
+          </a:ln>
+        </p:spPr>
+        <p:style>
+          <a:lnRef idx="1">
+            <a:schemeClr val="accent1"/>
+          </a:lnRef>
+          <a:fillRef idx="0">
+            <a:schemeClr val="accent1"/>
+          </a:fillRef>
+          <a:effectRef idx="0">
+            <a:schemeClr val="accent1"/>
+          </a:effectRef>
+          <a:fontRef idx="minor">
+            <a:schemeClr val="tx1"/>
+          </a:fontRef>
+        </p:style>
+      </p:cxnSp>
+      <p:sp>
+        <p:nvSpPr>
+          <p:cNvPr id="412" name="Прямоугольник 411"/>
+          <p:cNvSpPr/>
+          <p:nvPr/>
+        </p:nvSpPr>
+        <p:spPr>
+          <a:xfrm>
+            <a:off x="11772541" y="10613871"/>
+            <a:ext cx="2115918" cy="1080000"/>
+          </a:xfrm>
+          <a:prstGeom prst="rect">
+            <a:avLst/>
+          </a:prstGeom>
+          <a:solidFill>
+            <a:schemeClr val="bg2">
+              <a:lumMod val="75000"/>
+            </a:schemeClr>
+          </a:solidFill>
+          <a:ln w="28575"/>
+        </p:spPr>
+        <p:style>
+          <a:lnRef idx="2">
+            <a:schemeClr val="accent1"/>
+          </a:lnRef>
+          <a:fillRef idx="1">
+            <a:schemeClr val="lt1"/>
+          </a:fillRef>
+          <a:effectRef idx="0">
+            <a:schemeClr val="accent1"/>
+          </a:effectRef>
+          <a:fontRef idx="minor">
+            <a:schemeClr val="dk1"/>
+          </a:fontRef>
+        </p:style>
+        <p:txBody>
+          <a:bodyPr lIns="124733" tIns="62367" rIns="124733" bIns="62367" rtlCol="0" anchor="ctr"/>
+          <a:lstStyle/>
+          <a:p>
+            <a:pPr algn="ctr"/>
+            <a:r>
+              <a:rPr lang="ru-RU" sz="1400" dirty="0"/>
+              <a:t>Расширение воздушного сообщения </a:t>
+            </a:r>
+            <a:r>
+              <a:rPr lang="ru-RU" sz="200" dirty="0"/>
+              <a:t>(Уран для Манхэттенского проекта также перевозился по воздуху с помощью клиперов </a:t>
+            </a:r>
+            <a:r>
+              <a:rPr lang="ru-RU" sz="200" dirty="0" err="1"/>
+              <a:t>Pan</a:t>
+            </a:r>
+            <a:r>
+              <a:rPr lang="ru-RU" sz="200" dirty="0"/>
+              <a:t> </a:t>
+            </a:r>
+            <a:r>
+              <a:rPr lang="ru-RU" sz="200" dirty="0" err="1"/>
+              <a:t>American</a:t>
+            </a:r>
+            <a:r>
+              <a:rPr lang="ru-RU" sz="200" dirty="0"/>
+              <a:t> </a:t>
+            </a:r>
+            <a:r>
+              <a:rPr lang="ru-RU" sz="200" dirty="0" err="1"/>
+              <a:t>Airways</a:t>
+            </a:r>
+            <a:r>
+              <a:rPr lang="ru-RU" sz="200" dirty="0"/>
+              <a:t>. Воздушное сообщение между Бразилией </a:t>
+            </a:r>
+            <a:r>
+              <a:rPr lang="ru-RU" sz="200" dirty="0" err="1"/>
+              <a:t>иЗападной</a:t>
+            </a:r>
+            <a:r>
+              <a:rPr lang="ru-RU" sz="200" dirty="0"/>
+              <a:t> Африкой было расширено и теперь включает в себя маршрут через Центральную Африку, «в первую очередь для обеспечения </a:t>
+            </a:r>
+            <a:r>
+              <a:rPr lang="ru-RU" sz="200" dirty="0" err="1"/>
+              <a:t>поставокурана</a:t>
+            </a:r>
+            <a:r>
+              <a:rPr lang="ru-RU" sz="200" dirty="0"/>
+              <a:t> из того места, которое тогда было Бельгийским Конго», - отмечается в исследовании транс-</a:t>
+            </a:r>
+            <a:r>
+              <a:rPr lang="ru-RU" sz="200" dirty="0" err="1"/>
+              <a:t>южноатлантического</a:t>
+            </a:r>
+            <a:r>
+              <a:rPr lang="ru-RU" sz="200" dirty="0"/>
+              <a:t> воздушного сообщения во времявойны37. Капитан </a:t>
+            </a:r>
+            <a:r>
+              <a:rPr lang="ru-RU" sz="200" dirty="0" err="1"/>
+              <a:t>Мариус</a:t>
+            </a:r>
+            <a:r>
+              <a:rPr lang="ru-RU" sz="200" dirty="0"/>
+              <a:t> </a:t>
+            </a:r>
+            <a:r>
+              <a:rPr lang="ru-RU" sz="200" dirty="0" err="1"/>
+              <a:t>Лодесен</a:t>
+            </a:r>
+            <a:r>
+              <a:rPr lang="ru-RU" sz="200" dirty="0"/>
+              <a:t>, пилот </a:t>
+            </a:r>
+            <a:r>
+              <a:rPr lang="ru-RU" sz="200" dirty="0" err="1"/>
+              <a:t>Pan</a:t>
+            </a:r>
+            <a:r>
+              <a:rPr lang="ru-RU" sz="200" dirty="0"/>
+              <a:t> </a:t>
+            </a:r>
+            <a:r>
+              <a:rPr lang="ru-RU" sz="200" dirty="0" err="1"/>
+              <a:t>Am</a:t>
+            </a:r>
+            <a:r>
+              <a:rPr lang="ru-RU" sz="200" dirty="0"/>
+              <a:t> </a:t>
+            </a:r>
+            <a:r>
+              <a:rPr lang="ru-RU" sz="200" dirty="0" err="1"/>
+              <a:t>China</a:t>
+            </a:r>
+            <a:r>
+              <a:rPr lang="ru-RU" sz="200" dirty="0"/>
+              <a:t> </a:t>
+            </a:r>
+            <a:r>
+              <a:rPr lang="ru-RU" sz="200" dirty="0" err="1"/>
+              <a:t>Clipper</a:t>
+            </a:r>
+            <a:r>
+              <a:rPr lang="ru-RU" sz="200" dirty="0"/>
+              <a:t>, позже вспоминал, что его вызвали в офис главного пилота, и его начальник, </a:t>
+            </a:r>
+            <a:r>
+              <a:rPr lang="ru-RU" sz="200" dirty="0" err="1"/>
+              <a:t>ГорацийБрок</a:t>
+            </a:r>
+            <a:r>
+              <a:rPr lang="ru-RU" sz="200" dirty="0"/>
+              <a:t>, сказал, что он должен был отправить </a:t>
+            </a:r>
+            <a:r>
+              <a:rPr lang="ru-RU" sz="200" dirty="0" err="1"/>
+              <a:t>China</a:t>
+            </a:r>
+            <a:r>
+              <a:rPr lang="ru-RU" sz="200" dirty="0"/>
+              <a:t> </a:t>
+            </a:r>
+            <a:r>
+              <a:rPr lang="ru-RU" sz="200" dirty="0" err="1"/>
+              <a:t>Clipper</a:t>
+            </a:r>
+            <a:r>
+              <a:rPr lang="ru-RU" sz="200" dirty="0"/>
+              <a:t> в </a:t>
+            </a:r>
+            <a:r>
+              <a:rPr lang="ru-RU" sz="200" dirty="0" err="1"/>
+              <a:t>Леопольдвиль</a:t>
+            </a:r>
+            <a:r>
+              <a:rPr lang="ru-RU" sz="200" dirty="0"/>
+              <a:t> «совершенно секретным рейсом». Когда он спросил, почему его выбрали </a:t>
+            </a:r>
+            <a:r>
+              <a:rPr lang="ru-RU" sz="200" dirty="0" err="1"/>
+              <a:t>дляэтого</a:t>
+            </a:r>
+            <a:r>
+              <a:rPr lang="ru-RU" sz="200" dirty="0"/>
+              <a:t> специального полета, ему ответили, что это потому, что он единственный </a:t>
+            </a:r>
+            <a:r>
+              <a:rPr lang="ru-RU" sz="200" dirty="0" err="1"/>
+              <a:t>пилот.кто</a:t>
+            </a:r>
+            <a:r>
+              <a:rPr lang="ru-RU" sz="200" dirty="0"/>
+              <a:t> бывал там раньше. «На обратном рейсе, - </a:t>
+            </a:r>
+            <a:r>
+              <a:rPr lang="ru-RU" sz="200" dirty="0" err="1"/>
+              <a:t>проинструктировалиего</a:t>
+            </a:r>
+            <a:r>
+              <a:rPr lang="ru-RU" sz="200" dirty="0"/>
+              <a:t>, - остановитесь только на горючее. Без ночевок. Я дам вам двойную команду и капитана Джорджа </a:t>
+            </a:r>
+            <a:r>
+              <a:rPr lang="ru-RU" sz="200" dirty="0" err="1"/>
+              <a:t>Даффа</a:t>
+            </a:r>
+            <a:r>
+              <a:rPr lang="ru-RU" sz="200" dirty="0"/>
+              <a:t> в качестве второго капитана. </a:t>
+            </a:r>
+            <a:r>
+              <a:rPr lang="ru-RU" sz="200" dirty="0" err="1"/>
+              <a:t>Говард</a:t>
+            </a:r>
+            <a:r>
+              <a:rPr lang="ru-RU" sz="200" dirty="0"/>
+              <a:t> </a:t>
+            </a:r>
+            <a:r>
+              <a:rPr lang="ru-RU" sz="200" dirty="0" err="1"/>
+              <a:t>БрашДин</a:t>
+            </a:r>
+            <a:r>
+              <a:rPr lang="ru-RU" sz="200" dirty="0"/>
+              <a:t>, который был менеджером </a:t>
+            </a:r>
+            <a:r>
+              <a:rPr lang="ru-RU" sz="200" dirty="0" err="1"/>
+              <a:t>Pan</a:t>
+            </a:r>
+            <a:r>
+              <a:rPr lang="ru-RU" sz="200" dirty="0"/>
+              <a:t> </a:t>
+            </a:r>
+            <a:r>
+              <a:rPr lang="ru-RU" sz="200" dirty="0" err="1"/>
+              <a:t>Am</a:t>
+            </a:r>
+            <a:r>
+              <a:rPr lang="ru-RU" sz="200" dirty="0"/>
+              <a:t> </a:t>
+            </a:r>
+            <a:r>
+              <a:rPr lang="ru-RU" sz="200" dirty="0" err="1"/>
+              <a:t>Africa</a:t>
+            </a:r>
+            <a:r>
+              <a:rPr lang="ru-RU" sz="200" dirty="0"/>
+              <a:t>, «будет вашим единственным пассажиром. Ни вопросов, ни ответов. Дин знает, что делать »38. Чтобы </a:t>
+            </a:r>
+            <a:r>
+              <a:rPr lang="ru-RU" sz="200" dirty="0" err="1"/>
+              <a:t>этиполеты</a:t>
+            </a:r>
+            <a:r>
+              <a:rPr lang="ru-RU" sz="200" dirty="0"/>
+              <a:t> были надежными, США нужно было улучшить средства приземления. В 1942 году офицер разведки ВВС США сообщил о ходе работ </a:t>
+            </a:r>
+            <a:r>
+              <a:rPr lang="ru-RU" sz="200" dirty="0" err="1"/>
+              <a:t>построительству</a:t>
+            </a:r>
+            <a:r>
+              <a:rPr lang="ru-RU" sz="200" dirty="0"/>
+              <a:t> аэродрома в </a:t>
+            </a:r>
+            <a:r>
+              <a:rPr lang="ru-RU" sz="200" dirty="0" err="1"/>
+              <a:t>Элизабетвилле</a:t>
+            </a:r>
+            <a:r>
+              <a:rPr lang="ru-RU" sz="200" dirty="0"/>
+              <a:t>, столице </a:t>
+            </a:r>
+            <a:r>
+              <a:rPr lang="ru-RU" sz="200" dirty="0" err="1"/>
+              <a:t>Катанги</a:t>
+            </a:r>
+            <a:r>
+              <a:rPr lang="ru-RU" sz="200" dirty="0"/>
+              <a:t>. По его словам, это «отличное месторождение» с «очень обширными </a:t>
+            </a:r>
+            <a:r>
+              <a:rPr lang="ru-RU" sz="200" dirty="0" err="1"/>
+              <a:t>бензиновымипредприятиями</a:t>
+            </a:r>
+            <a:r>
+              <a:rPr lang="ru-RU" sz="200" dirty="0"/>
+              <a:t>». Он добавил, что также строится </a:t>
+            </a:r>
+            <a:r>
+              <a:rPr lang="ru-RU" sz="200" dirty="0" err="1"/>
+              <a:t>аэропорт.в</a:t>
+            </a:r>
+            <a:r>
+              <a:rPr lang="ru-RU" sz="200" dirty="0"/>
+              <a:t> </a:t>
+            </a:r>
+            <a:r>
+              <a:rPr lang="ru-RU" sz="200" dirty="0" err="1" smtClean="0"/>
+              <a:t>Леопольдвиле</a:t>
+            </a:r>
+            <a:r>
+              <a:rPr lang="ru-RU" sz="200" dirty="0"/>
+              <a:t>)</a:t>
+            </a:r>
+            <a:endParaRPr lang="ru-RU" sz="100" dirty="0"/>
+          </a:p>
+        </p:txBody>
+      </p:sp>
+      <p:cxnSp>
+        <p:nvCxnSpPr>
+          <p:cNvPr id="414" name="Прямая со стрелкой 413"/>
+          <p:cNvCxnSpPr>
+            <a:stCxn id="372" idx="2"/>
+            <a:endCxn id="412" idx="0"/>
+          </p:cNvCxnSpPr>
+          <p:nvPr/>
+        </p:nvCxnSpPr>
+        <p:spPr>
+          <a:xfrm flipH="1">
+            <a:off x="12830500" y="10185519"/>
+            <a:ext cx="4732" cy="428352"/>
           </a:xfrm>
           <a:prstGeom prst="straightConnector1">
             <a:avLst/>

--- a/Наработки/диздоки/Бельгийское Конго/Бельгийское Конго.pptx
+++ b/Наработки/диздоки/Бельгийское Конго/Бельгийское Конго.pptx
@@ -209,7 +209,7 @@
             <a:fld id="{33E3D7F9-E251-484C-A6FF-FA958879DF69}" type="datetimeFigureOut">
               <a:rPr lang="ru-RU" smtClean="0"/>
               <a:pPr/>
-              <a:t>30.11.2021</a:t>
+              <a:t>01.12.2021</a:t>
             </a:fld>
             <a:endParaRPr lang="ru-RU"/>
           </a:p>
@@ -700,7 +700,7 @@
             <a:fld id="{85A5DE44-605B-4D3B-B2B7-94543DF81A36}" type="datetimeFigureOut">
               <a:rPr lang="ru-RU" smtClean="0"/>
               <a:pPr/>
-              <a:t>30.11.2021</a:t>
+              <a:t>01.12.2021</a:t>
             </a:fld>
             <a:endParaRPr lang="ru-RU"/>
           </a:p>
@@ -872,7 +872,7 @@
             <a:fld id="{85A5DE44-605B-4D3B-B2B7-94543DF81A36}" type="datetimeFigureOut">
               <a:rPr lang="ru-RU" smtClean="0"/>
               <a:pPr/>
-              <a:t>30.11.2021</a:t>
+              <a:t>01.12.2021</a:t>
             </a:fld>
             <a:endParaRPr lang="ru-RU"/>
           </a:p>
@@ -1054,7 +1054,7 @@
             <a:fld id="{85A5DE44-605B-4D3B-B2B7-94543DF81A36}" type="datetimeFigureOut">
               <a:rPr lang="ru-RU" smtClean="0"/>
               <a:pPr/>
-              <a:t>30.11.2021</a:t>
+              <a:t>01.12.2021</a:t>
             </a:fld>
             <a:endParaRPr lang="ru-RU"/>
           </a:p>
@@ -1226,7 +1226,7 @@
             <a:fld id="{85A5DE44-605B-4D3B-B2B7-94543DF81A36}" type="datetimeFigureOut">
               <a:rPr lang="ru-RU" smtClean="0"/>
               <a:pPr/>
-              <a:t>30.11.2021</a:t>
+              <a:t>01.12.2021</a:t>
             </a:fld>
             <a:endParaRPr lang="ru-RU"/>
           </a:p>
@@ -1474,7 +1474,7 @@
             <a:fld id="{85A5DE44-605B-4D3B-B2B7-94543DF81A36}" type="datetimeFigureOut">
               <a:rPr lang="ru-RU" smtClean="0"/>
               <a:pPr/>
-              <a:t>30.11.2021</a:t>
+              <a:t>01.12.2021</a:t>
             </a:fld>
             <a:endParaRPr lang="ru-RU"/>
           </a:p>
@@ -1708,7 +1708,7 @@
             <a:fld id="{85A5DE44-605B-4D3B-B2B7-94543DF81A36}" type="datetimeFigureOut">
               <a:rPr lang="ru-RU" smtClean="0"/>
               <a:pPr/>
-              <a:t>30.11.2021</a:t>
+              <a:t>01.12.2021</a:t>
             </a:fld>
             <a:endParaRPr lang="ru-RU"/>
           </a:p>
@@ -2077,7 +2077,7 @@
             <a:fld id="{85A5DE44-605B-4D3B-B2B7-94543DF81A36}" type="datetimeFigureOut">
               <a:rPr lang="ru-RU" smtClean="0"/>
               <a:pPr/>
-              <a:t>30.11.2021</a:t>
+              <a:t>01.12.2021</a:t>
             </a:fld>
             <a:endParaRPr lang="ru-RU"/>
           </a:p>
@@ -2197,7 +2197,7 @@
             <a:fld id="{85A5DE44-605B-4D3B-B2B7-94543DF81A36}" type="datetimeFigureOut">
               <a:rPr lang="ru-RU" smtClean="0"/>
               <a:pPr/>
-              <a:t>30.11.2021</a:t>
+              <a:t>01.12.2021</a:t>
             </a:fld>
             <a:endParaRPr lang="ru-RU"/>
           </a:p>
@@ -2294,7 +2294,7 @@
             <a:fld id="{85A5DE44-605B-4D3B-B2B7-94543DF81A36}" type="datetimeFigureOut">
               <a:rPr lang="ru-RU" smtClean="0"/>
               <a:pPr/>
-              <a:t>30.11.2021</a:t>
+              <a:t>01.12.2021</a:t>
             </a:fld>
             <a:endParaRPr lang="ru-RU"/>
           </a:p>
@@ -2573,7 +2573,7 @@
             <a:fld id="{85A5DE44-605B-4D3B-B2B7-94543DF81A36}" type="datetimeFigureOut">
               <a:rPr lang="ru-RU" smtClean="0"/>
               <a:pPr/>
-              <a:t>30.11.2021</a:t>
+              <a:t>01.12.2021</a:t>
             </a:fld>
             <a:endParaRPr lang="ru-RU"/>
           </a:p>
@@ -2832,7 +2832,7 @@
             <a:fld id="{85A5DE44-605B-4D3B-B2B7-94543DF81A36}" type="datetimeFigureOut">
               <a:rPr lang="ru-RU" smtClean="0"/>
               <a:pPr/>
-              <a:t>30.11.2021</a:t>
+              <a:t>01.12.2021</a:t>
             </a:fld>
             <a:endParaRPr lang="ru-RU"/>
           </a:p>
@@ -3047,7 +3047,7 @@
             <a:fld id="{85A5DE44-605B-4D3B-B2B7-94543DF81A36}" type="datetimeFigureOut">
               <a:rPr lang="ru-RU" smtClean="0"/>
               <a:pPr/>
-              <a:t>30.11.2021</a:t>
+              <a:t>01.12.2021</a:t>
             </a:fld>
             <a:endParaRPr lang="ru-RU"/>
           </a:p>

--- a/Наработки/диздоки/Бельгийское Конго/Бельгийское Конго.pptx
+++ b/Наработки/диздоки/Бельгийское Конго/Бельгийское Конго.pptx
@@ -209,7 +209,7 @@
             <a:fld id="{33E3D7F9-E251-484C-A6FF-FA958879DF69}" type="datetimeFigureOut">
               <a:rPr lang="ru-RU" smtClean="0"/>
               <a:pPr/>
-              <a:t>01.12.2021</a:t>
+              <a:t>07.12.2021</a:t>
             </a:fld>
             <a:endParaRPr lang="ru-RU"/>
           </a:p>
@@ -700,7 +700,7 @@
             <a:fld id="{85A5DE44-605B-4D3B-B2B7-94543DF81A36}" type="datetimeFigureOut">
               <a:rPr lang="ru-RU" smtClean="0"/>
               <a:pPr/>
-              <a:t>01.12.2021</a:t>
+              <a:t>07.12.2021</a:t>
             </a:fld>
             <a:endParaRPr lang="ru-RU"/>
           </a:p>
@@ -872,7 +872,7 @@
             <a:fld id="{85A5DE44-605B-4D3B-B2B7-94543DF81A36}" type="datetimeFigureOut">
               <a:rPr lang="ru-RU" smtClean="0"/>
               <a:pPr/>
-              <a:t>01.12.2021</a:t>
+              <a:t>07.12.2021</a:t>
             </a:fld>
             <a:endParaRPr lang="ru-RU"/>
           </a:p>
@@ -1054,7 +1054,7 @@
             <a:fld id="{85A5DE44-605B-4D3B-B2B7-94543DF81A36}" type="datetimeFigureOut">
               <a:rPr lang="ru-RU" smtClean="0"/>
               <a:pPr/>
-              <a:t>01.12.2021</a:t>
+              <a:t>07.12.2021</a:t>
             </a:fld>
             <a:endParaRPr lang="ru-RU"/>
           </a:p>
@@ -1226,7 +1226,7 @@
             <a:fld id="{85A5DE44-605B-4D3B-B2B7-94543DF81A36}" type="datetimeFigureOut">
               <a:rPr lang="ru-RU" smtClean="0"/>
               <a:pPr/>
-              <a:t>01.12.2021</a:t>
+              <a:t>07.12.2021</a:t>
             </a:fld>
             <a:endParaRPr lang="ru-RU"/>
           </a:p>
@@ -1474,7 +1474,7 @@
             <a:fld id="{85A5DE44-605B-4D3B-B2B7-94543DF81A36}" type="datetimeFigureOut">
               <a:rPr lang="ru-RU" smtClean="0"/>
               <a:pPr/>
-              <a:t>01.12.2021</a:t>
+              <a:t>07.12.2021</a:t>
             </a:fld>
             <a:endParaRPr lang="ru-RU"/>
           </a:p>
@@ -1708,7 +1708,7 @@
             <a:fld id="{85A5DE44-605B-4D3B-B2B7-94543DF81A36}" type="datetimeFigureOut">
               <a:rPr lang="ru-RU" smtClean="0"/>
               <a:pPr/>
-              <a:t>01.12.2021</a:t>
+              <a:t>07.12.2021</a:t>
             </a:fld>
             <a:endParaRPr lang="ru-RU"/>
           </a:p>
@@ -2077,7 +2077,7 @@
             <a:fld id="{85A5DE44-605B-4D3B-B2B7-94543DF81A36}" type="datetimeFigureOut">
               <a:rPr lang="ru-RU" smtClean="0"/>
               <a:pPr/>
-              <a:t>01.12.2021</a:t>
+              <a:t>07.12.2021</a:t>
             </a:fld>
             <a:endParaRPr lang="ru-RU"/>
           </a:p>
@@ -2197,7 +2197,7 @@
             <a:fld id="{85A5DE44-605B-4D3B-B2B7-94543DF81A36}" type="datetimeFigureOut">
               <a:rPr lang="ru-RU" smtClean="0"/>
               <a:pPr/>
-              <a:t>01.12.2021</a:t>
+              <a:t>07.12.2021</a:t>
             </a:fld>
             <a:endParaRPr lang="ru-RU"/>
           </a:p>
@@ -2294,7 +2294,7 @@
             <a:fld id="{85A5DE44-605B-4D3B-B2B7-94543DF81A36}" type="datetimeFigureOut">
               <a:rPr lang="ru-RU" smtClean="0"/>
               <a:pPr/>
-              <a:t>01.12.2021</a:t>
+              <a:t>07.12.2021</a:t>
             </a:fld>
             <a:endParaRPr lang="ru-RU"/>
           </a:p>
@@ -2573,7 +2573,7 @@
             <a:fld id="{85A5DE44-605B-4D3B-B2B7-94543DF81A36}" type="datetimeFigureOut">
               <a:rPr lang="ru-RU" smtClean="0"/>
               <a:pPr/>
-              <a:t>01.12.2021</a:t>
+              <a:t>07.12.2021</a:t>
             </a:fld>
             <a:endParaRPr lang="ru-RU"/>
           </a:p>
@@ -2832,7 +2832,7 @@
             <a:fld id="{85A5DE44-605B-4D3B-B2B7-94543DF81A36}" type="datetimeFigureOut">
               <a:rPr lang="ru-RU" smtClean="0"/>
               <a:pPr/>
-              <a:t>01.12.2021</a:t>
+              <a:t>07.12.2021</a:t>
             </a:fld>
             <a:endParaRPr lang="ru-RU"/>
           </a:p>
@@ -3047,7 +3047,7 @@
             <a:fld id="{85A5DE44-605B-4D3B-B2B7-94543DF81A36}" type="datetimeFigureOut">
               <a:rPr lang="ru-RU" smtClean="0"/>
               <a:pPr/>
-              <a:t>01.12.2021</a:t>
+              <a:t>07.12.2021</a:t>
             </a:fld>
             <a:endParaRPr lang="ru-RU"/>
           </a:p>
@@ -8157,39 +8157,11 @@
             <a:pPr algn="ctr"/>
             <a:r>
               <a:rPr lang="ru-RU" sz="1400" dirty="0" smtClean="0"/>
-              <a:t>Изгнать белого человека в землю </a:t>
-            </a:r>
-            <a:r>
-              <a:rPr lang="ru-RU" sz="1200" dirty="0" smtClean="0"/>
-              <a:t>(восстание в 295 </a:t>
-            </a:r>
-            <a:r>
-              <a:rPr lang="ru-RU" sz="1200" dirty="0" err="1" smtClean="0"/>
-              <a:t>стейте</a:t>
-            </a:r>
-            <a:r>
-              <a:rPr lang="ru-RU" sz="1200" dirty="0" smtClean="0"/>
-              <a:t>, необходимо захватить всё </a:t>
-            </a:r>
-            <a:r>
-              <a:rPr lang="ru-RU" sz="1200" dirty="0" err="1" smtClean="0"/>
-              <a:t>конго</a:t>
-            </a:r>
-            <a:r>
-              <a:rPr lang="ru-RU" sz="1200" dirty="0" smtClean="0"/>
-              <a:t> перед миром, +30к населения рабов) (</a:t>
-            </a:r>
-            <a:r>
-              <a:rPr lang="en-US" sz="1200" dirty="0"/>
-              <a:t>Simon-Pierre </a:t>
-            </a:r>
-            <a:r>
-              <a:rPr lang="en-US" sz="1200" dirty="0" err="1" smtClean="0"/>
-              <a:t>Mpadi</a:t>
-            </a:r>
-            <a:r>
-              <a:rPr lang="ru-RU" sz="1200" dirty="0" smtClean="0"/>
-              <a:t>)</a:t>
+              <a:t>Изгнать белого человека в </a:t>
+            </a:r>
+            <a:r>
+              <a:rPr lang="ru-RU" sz="1400" dirty="0" smtClean="0"/>
+              <a:t>землю</a:t>
             </a:r>
             <a:endParaRPr lang="ru-RU" sz="400" dirty="0"/>
           </a:p>
@@ -10841,82 +10813,6 @@
               <a:rPr lang="ru-RU" sz="1400" dirty="0" err="1" smtClean="0"/>
               <a:t>кхакисту</a:t>
             </a:r>
-            <a:r>
-              <a:rPr lang="ru-RU" sz="1400" dirty="0" smtClean="0"/>
-              <a:t> (</a:t>
-            </a:r>
-            <a:r>
-              <a:rPr lang="en-US" sz="1400" dirty="0" err="1" smtClean="0"/>
-              <a:t>Khakista</a:t>
-            </a:r>
-            <a:r>
-              <a:rPr lang="ru-RU" sz="1400" dirty="0" smtClean="0"/>
-              <a:t>) </a:t>
-            </a:r>
-            <a:r>
-              <a:rPr lang="ru-RU" sz="600" dirty="0"/>
-              <a:t>(В 1939 году он сформировал группу под названием </a:t>
-            </a:r>
-            <a:r>
-              <a:rPr lang="ru-RU" sz="600" dirty="0" err="1"/>
-              <a:t>Mission</a:t>
-            </a:r>
-            <a:r>
-              <a:rPr lang="ru-RU" sz="600" dirty="0"/>
-              <a:t> </a:t>
-            </a:r>
-            <a:r>
-              <a:rPr lang="ru-RU" sz="600" dirty="0" err="1"/>
-              <a:t>des</a:t>
-            </a:r>
-            <a:r>
-              <a:rPr lang="ru-RU" sz="600" dirty="0"/>
-              <a:t> </a:t>
-            </a:r>
-            <a:r>
-              <a:rPr lang="ru-RU" sz="600" dirty="0" err="1"/>
-              <a:t>Noirs</a:t>
-            </a:r>
-            <a:r>
-              <a:rPr lang="ru-RU" sz="600" dirty="0"/>
-              <a:t> в рамках движения </a:t>
-            </a:r>
-            <a:r>
-              <a:rPr lang="ru-RU" sz="600" dirty="0" err="1"/>
-              <a:t>Кимбангу</a:t>
-            </a:r>
-            <a:r>
-              <a:rPr lang="ru-RU" sz="600" dirty="0"/>
-              <a:t>, позже эта группа была известна как </a:t>
-            </a:r>
-            <a:r>
-              <a:rPr lang="ru-RU" sz="600" dirty="0" err="1"/>
-              <a:t>Khakista</a:t>
-            </a:r>
-            <a:r>
-              <a:rPr lang="ru-RU" sz="600" dirty="0"/>
-              <a:t> из-за формы цвета хаки, которую они носили. </a:t>
-            </a:r>
-            <a:r>
-              <a:rPr lang="ru-RU" sz="600" dirty="0" err="1"/>
-              <a:t>Мпади</a:t>
-            </a:r>
-            <a:r>
-              <a:rPr lang="ru-RU" sz="600" dirty="0"/>
-              <a:t> использовал свое имя, чтобы утверждать, что он связан с </a:t>
-            </a:r>
-            <a:r>
-              <a:rPr lang="ru-RU" sz="600" dirty="0" err="1"/>
-              <a:t>Кимбангу</a:t>
-            </a:r>
-            <a:r>
-              <a:rPr lang="ru-RU" sz="600" dirty="0"/>
-              <a:t>, как и Симон Петр с Иисусом </a:t>
-            </a:r>
-            <a:r>
-              <a:rPr lang="ru-RU" sz="600" dirty="0" smtClean="0"/>
-              <a:t>Христом)</a:t>
-            </a:r>
             <a:endParaRPr lang="ru-RU" sz="100" dirty="0"/>
           </a:p>
         </p:txBody>
@@ -12709,11 +12605,11 @@
             </a:r>
             <a:r>
               <a:rPr lang="ru-RU" sz="1400" dirty="0"/>
-              <a:t>и дурманов </a:t>
-            </a:r>
-            <a:r>
-              <a:rPr lang="ru-RU" sz="600" dirty="0"/>
-              <a:t>(Он запрещает алкогольные напитки, танцы, наркотики, употребление табака, полигамию, прелюбодеяние, блуд, употребление свинины и мяса обезьяны, ношение брюк с заниженной талией для мужчин и мини-юбки или даже декольте для женщин.)</a:t>
+              <a:t>и </a:t>
+            </a:r>
+            <a:r>
+              <a:rPr lang="ru-RU" sz="1400" dirty="0" smtClean="0"/>
+              <a:t>дурманов</a:t>
             </a:r>
             <a:endParaRPr lang="ru-RU" sz="100" dirty="0"/>
           </a:p>

--- a/Наработки/диздоки/Бельгийское Конго/Бельгийское Конго.pptx
+++ b/Наработки/диздоки/Бельгийское Конго/Бельгийское Конго.pptx
@@ -209,7 +209,7 @@
             <a:fld id="{33E3D7F9-E251-484C-A6FF-FA958879DF69}" type="datetimeFigureOut">
               <a:rPr lang="ru-RU" smtClean="0"/>
               <a:pPr/>
-              <a:t>07.12.2021</a:t>
+              <a:t>09.12.2021</a:t>
             </a:fld>
             <a:endParaRPr lang="ru-RU"/>
           </a:p>
@@ -700,7 +700,7 @@
             <a:fld id="{85A5DE44-605B-4D3B-B2B7-94543DF81A36}" type="datetimeFigureOut">
               <a:rPr lang="ru-RU" smtClean="0"/>
               <a:pPr/>
-              <a:t>07.12.2021</a:t>
+              <a:t>09.12.2021</a:t>
             </a:fld>
             <a:endParaRPr lang="ru-RU"/>
           </a:p>
@@ -872,7 +872,7 @@
             <a:fld id="{85A5DE44-605B-4D3B-B2B7-94543DF81A36}" type="datetimeFigureOut">
               <a:rPr lang="ru-RU" smtClean="0"/>
               <a:pPr/>
-              <a:t>07.12.2021</a:t>
+              <a:t>09.12.2021</a:t>
             </a:fld>
             <a:endParaRPr lang="ru-RU"/>
           </a:p>
@@ -1054,7 +1054,7 @@
             <a:fld id="{85A5DE44-605B-4D3B-B2B7-94543DF81A36}" type="datetimeFigureOut">
               <a:rPr lang="ru-RU" smtClean="0"/>
               <a:pPr/>
-              <a:t>07.12.2021</a:t>
+              <a:t>09.12.2021</a:t>
             </a:fld>
             <a:endParaRPr lang="ru-RU"/>
           </a:p>
@@ -1226,7 +1226,7 @@
             <a:fld id="{85A5DE44-605B-4D3B-B2B7-94543DF81A36}" type="datetimeFigureOut">
               <a:rPr lang="ru-RU" smtClean="0"/>
               <a:pPr/>
-              <a:t>07.12.2021</a:t>
+              <a:t>09.12.2021</a:t>
             </a:fld>
             <a:endParaRPr lang="ru-RU"/>
           </a:p>
@@ -1474,7 +1474,7 @@
             <a:fld id="{85A5DE44-605B-4D3B-B2B7-94543DF81A36}" type="datetimeFigureOut">
               <a:rPr lang="ru-RU" smtClean="0"/>
               <a:pPr/>
-              <a:t>07.12.2021</a:t>
+              <a:t>09.12.2021</a:t>
             </a:fld>
             <a:endParaRPr lang="ru-RU"/>
           </a:p>
@@ -1708,7 +1708,7 @@
             <a:fld id="{85A5DE44-605B-4D3B-B2B7-94543DF81A36}" type="datetimeFigureOut">
               <a:rPr lang="ru-RU" smtClean="0"/>
               <a:pPr/>
-              <a:t>07.12.2021</a:t>
+              <a:t>09.12.2021</a:t>
             </a:fld>
             <a:endParaRPr lang="ru-RU"/>
           </a:p>
@@ -2077,7 +2077,7 @@
             <a:fld id="{85A5DE44-605B-4D3B-B2B7-94543DF81A36}" type="datetimeFigureOut">
               <a:rPr lang="ru-RU" smtClean="0"/>
               <a:pPr/>
-              <a:t>07.12.2021</a:t>
+              <a:t>09.12.2021</a:t>
             </a:fld>
             <a:endParaRPr lang="ru-RU"/>
           </a:p>
@@ -2197,7 +2197,7 @@
             <a:fld id="{85A5DE44-605B-4D3B-B2B7-94543DF81A36}" type="datetimeFigureOut">
               <a:rPr lang="ru-RU" smtClean="0"/>
               <a:pPr/>
-              <a:t>07.12.2021</a:t>
+              <a:t>09.12.2021</a:t>
             </a:fld>
             <a:endParaRPr lang="ru-RU"/>
           </a:p>
@@ -2294,7 +2294,7 @@
             <a:fld id="{85A5DE44-605B-4D3B-B2B7-94543DF81A36}" type="datetimeFigureOut">
               <a:rPr lang="ru-RU" smtClean="0"/>
               <a:pPr/>
-              <a:t>07.12.2021</a:t>
+              <a:t>09.12.2021</a:t>
             </a:fld>
             <a:endParaRPr lang="ru-RU"/>
           </a:p>
@@ -2573,7 +2573,7 @@
             <a:fld id="{85A5DE44-605B-4D3B-B2B7-94543DF81A36}" type="datetimeFigureOut">
               <a:rPr lang="ru-RU" smtClean="0"/>
               <a:pPr/>
-              <a:t>07.12.2021</a:t>
+              <a:t>09.12.2021</a:t>
             </a:fld>
             <a:endParaRPr lang="ru-RU"/>
           </a:p>
@@ -2832,7 +2832,7 @@
             <a:fld id="{85A5DE44-605B-4D3B-B2B7-94543DF81A36}" type="datetimeFigureOut">
               <a:rPr lang="ru-RU" smtClean="0"/>
               <a:pPr/>
-              <a:t>07.12.2021</a:t>
+              <a:t>09.12.2021</a:t>
             </a:fld>
             <a:endParaRPr lang="ru-RU"/>
           </a:p>
@@ -3047,7 +3047,7 @@
             <a:fld id="{85A5DE44-605B-4D3B-B2B7-94543DF81A36}" type="datetimeFigureOut">
               <a:rPr lang="ru-RU" smtClean="0"/>
               <a:pPr/>
-              <a:t>07.12.2021</a:t>
+              <a:t>09.12.2021</a:t>
             </a:fld>
             <a:endParaRPr lang="ru-RU"/>
           </a:p>
@@ -8157,11 +8157,7 @@
             <a:pPr algn="ctr"/>
             <a:r>
               <a:rPr lang="ru-RU" sz="1400" dirty="0" smtClean="0"/>
-              <a:t>Изгнать белого человека в </a:t>
-            </a:r>
-            <a:r>
-              <a:rPr lang="ru-RU" sz="1400" dirty="0" smtClean="0"/>
-              <a:t>землю</a:t>
+              <a:t>Изгнать белого человека в землю</a:t>
             </a:r>
             <a:endParaRPr lang="ru-RU" sz="400" dirty="0"/>
           </a:p>
@@ -8204,19 +8200,7 @@
             <a:pPr algn="ctr"/>
             <a:r>
               <a:rPr lang="ru-RU" sz="1400" dirty="0" smtClean="0"/>
-              <a:t>Второе пришествие </a:t>
-            </a:r>
-            <a:r>
-              <a:rPr lang="ru-RU" sz="1400" dirty="0"/>
-              <a:t>Христа </a:t>
-            </a:r>
-            <a:r>
-              <a:rPr lang="ru-RU" sz="500" dirty="0"/>
-              <a:t>(Когда власти обсуждали его движение, они интерпретировали его как имеющее пять основных требований:(1) Господь должен был прийти немедленно, (2) не нужно возделывать сады и не накапливать пищу, (3) белый человек будет изгнан в землю, (4) земля будет возвращена туземцу, ( 5) местным жителям больше не нужно работать на европейца или платить </a:t>
-            </a:r>
-            <a:r>
-              <a:rPr lang="ru-RU" sz="500" dirty="0" smtClean="0"/>
-              <a:t>налоги)</a:t>
+              <a:t>Второе пришествие Христа</a:t>
             </a:r>
             <a:endParaRPr lang="ru-RU" sz="100" dirty="0"/>
           </a:p>
@@ -8259,7 +8243,7 @@
             <a:pPr algn="ctr"/>
             <a:r>
               <a:rPr lang="ru-RU" sz="1400" dirty="0" smtClean="0"/>
-              <a:t>Возврат земель туземцам</a:t>
+              <a:t>Возврат земель племенам</a:t>
             </a:r>
             <a:endParaRPr lang="ru-RU" sz="500" dirty="0"/>
           </a:p>
@@ -8972,7 +8956,7 @@
         </p:nvSpPr>
         <p:spPr>
           <a:xfrm>
-            <a:off x="44134989" y="4444514"/>
+            <a:off x="46324731" y="4444514"/>
             <a:ext cx="2115918" cy="1080000"/>
           </a:xfrm>
           <a:prstGeom prst="rect">
@@ -10030,7 +10014,7 @@
         </p:nvSpPr>
         <p:spPr>
           <a:xfrm>
-            <a:off x="45382969" y="5942324"/>
+            <a:off x="47572711" y="5942324"/>
             <a:ext cx="2115918" cy="1080000"/>
           </a:xfrm>
           <a:prstGeom prst="rect">
@@ -10081,7 +10065,7 @@
         </p:nvSpPr>
         <p:spPr>
           <a:xfrm>
-            <a:off x="45387452" y="7452987"/>
+            <a:off x="47569037" y="7452987"/>
             <a:ext cx="2115918" cy="1080000"/>
           </a:xfrm>
           <a:prstGeom prst="rect">
@@ -10156,7 +10140,7 @@
         <p:spPr>
           <a:xfrm flipH="1">
             <a:off x="32713841" y="7992987"/>
-            <a:ext cx="12673611" cy="4536"/>
+            <a:ext cx="14855196" cy="4536"/>
           </a:xfrm>
           <a:prstGeom prst="line">
             <a:avLst/>
@@ -10541,7 +10525,7 @@
         </p:nvSpPr>
         <p:spPr>
           <a:xfrm>
-            <a:off x="46675057" y="4473771"/>
+            <a:off x="48840736" y="4449708"/>
             <a:ext cx="2115918" cy="1080000"/>
           </a:xfrm>
           <a:prstGeom prst="rect">
@@ -10627,42 +10611,6 @@
               <a:rPr lang="ru-RU" sz="1400" dirty="0" err="1" smtClean="0"/>
               <a:t>Кимбангу</a:t>
             </a:r>
-            <a:r>
-              <a:rPr lang="ru-RU" sz="1400" dirty="0"/>
-              <a:t> </a:t>
-            </a:r>
-            <a:r>
-              <a:rPr lang="ru-RU" sz="600" dirty="0"/>
-              <a:t>(Жена пророка, </a:t>
-            </a:r>
-            <a:r>
-              <a:rPr lang="ru-RU" sz="600" dirty="0" err="1"/>
-              <a:t>Кимбангу</a:t>
-            </a:r>
-            <a:r>
-              <a:rPr lang="ru-RU" sz="600" dirty="0"/>
-              <a:t> Мари </a:t>
-            </a:r>
-            <a:r>
-              <a:rPr lang="ru-RU" sz="600" dirty="0" err="1"/>
-              <a:t>Мвилу</a:t>
-            </a:r>
-            <a:r>
-              <a:rPr lang="ru-RU" sz="600" dirty="0"/>
-              <a:t>, посвятила первых пасторов-</a:t>
-            </a:r>
-            <a:r>
-              <a:rPr lang="ru-RU" sz="600" dirty="0" err="1"/>
-              <a:t>кимбангуистов</a:t>
-            </a:r>
-            <a:r>
-              <a:rPr lang="ru-RU" sz="600" dirty="0"/>
-              <a:t> в 1955 </a:t>
-            </a:r>
-            <a:r>
-              <a:rPr lang="ru-RU" sz="600" dirty="0" smtClean="0"/>
-              <a:t>году ну и + слухи что у него были 12 апостолов)</a:t>
-            </a:r>
             <a:endParaRPr lang="ru-RU" sz="100" dirty="0"/>
           </a:p>
         </p:txBody>
@@ -10708,63 +10656,11 @@
             </a:r>
             <a:r>
               <a:rPr lang="ru-RU" sz="1400" dirty="0"/>
-              <a:t>святого храма </a:t>
-            </a:r>
-            <a:r>
-              <a:rPr lang="ru-RU" sz="500" dirty="0"/>
-              <a:t>(С 1921 года , согласно откровению </a:t>
-            </a:r>
-            <a:r>
-              <a:rPr lang="ru-RU" sz="500" dirty="0" err="1"/>
-              <a:t>Саймона</a:t>
-            </a:r>
-            <a:r>
-              <a:rPr lang="ru-RU" sz="500" dirty="0"/>
-              <a:t> </a:t>
-            </a:r>
-            <a:r>
-              <a:rPr lang="ru-RU" sz="500" dirty="0" err="1"/>
-              <a:t>Кимбангу</a:t>
-            </a:r>
-            <a:r>
-              <a:rPr lang="ru-RU" sz="500" dirty="0"/>
-              <a:t>, </a:t>
-            </a:r>
-            <a:r>
-              <a:rPr lang="en-US" sz="500" dirty="0" err="1"/>
-              <a:t>Nkamba</a:t>
-            </a:r>
-            <a:r>
-              <a:rPr lang="ru-RU" sz="500" dirty="0" smtClean="0"/>
-              <a:t> </a:t>
-            </a:r>
-            <a:r>
-              <a:rPr lang="ru-RU" sz="500" dirty="0"/>
-              <a:t>считается Новым Иерусалимом . Сегодня большой храм 100 м в длину и 50 м в ширину на 37 000 мест находится в </a:t>
-            </a:r>
-            <a:r>
-              <a:rPr lang="ru-RU" sz="500" dirty="0" err="1"/>
-              <a:t>Мбанза</a:t>
-            </a:r>
-            <a:r>
-              <a:rPr lang="ru-RU" sz="500" dirty="0"/>
-              <a:t> </a:t>
-            </a:r>
-            <a:r>
-              <a:rPr lang="ru-RU" sz="500" dirty="0" err="1"/>
-              <a:t>Нкамба</a:t>
-            </a:r>
-            <a:r>
-              <a:rPr lang="ru-RU" sz="500" dirty="0"/>
-              <a:t>, единственном святом месте </a:t>
-            </a:r>
-            <a:r>
-              <a:rPr lang="ru-RU" sz="500" dirty="0" err="1"/>
-              <a:t>кимбангизма</a:t>
-            </a:r>
-            <a:r>
-              <a:rPr lang="ru-RU" sz="500" dirty="0"/>
-              <a:t>.)</a:t>
+              <a:t>святого </a:t>
+            </a:r>
+            <a:r>
+              <a:rPr lang="ru-RU" sz="1400" dirty="0" smtClean="0"/>
+              <a:t>храма</a:t>
             </a:r>
             <a:endParaRPr lang="ru-RU" sz="100" dirty="0"/>
           </a:p>
@@ -10904,8 +10800,8 @@
         </p:nvCxnSpPr>
         <p:spPr>
           <a:xfrm rot="16200000" flipH="1">
-            <a:off x="37061924" y="-3686510"/>
-            <a:ext cx="421262" cy="15840786"/>
+            <a:off x="38156795" y="-4781381"/>
+            <a:ext cx="421262" cy="18030528"/>
           </a:xfrm>
           <a:prstGeom prst="bentConnector3">
             <a:avLst>
@@ -10942,8 +10838,8 @@
         </p:nvCxnSpPr>
         <p:spPr>
           <a:xfrm rot="16200000" flipH="1">
-            <a:off x="38317330" y="-4941916"/>
-            <a:ext cx="450519" cy="18380854"/>
+            <a:off x="39412200" y="-6036787"/>
+            <a:ext cx="426456" cy="20546533"/>
           </a:xfrm>
           <a:prstGeom prst="bentConnector3">
             <a:avLst>
@@ -10980,7 +10876,7 @@
         </p:nvCxnSpPr>
         <p:spPr>
           <a:xfrm rot="16200000" flipH="1">
-            <a:off x="45608033" y="5109429"/>
+            <a:off x="47797775" y="5109429"/>
             <a:ext cx="417810" cy="1247980"/>
           </a:xfrm>
           <a:prstGeom prst="bentConnector3">
@@ -11018,8 +10914,8 @@
         </p:nvCxnSpPr>
         <p:spPr>
           <a:xfrm rot="5400000">
-            <a:off x="46892696" y="5102003"/>
-            <a:ext cx="388553" cy="1292088"/>
+            <a:off x="49058375" y="5102004"/>
+            <a:ext cx="412616" cy="1268025"/>
           </a:xfrm>
           <a:prstGeom prst="bentConnector3">
             <a:avLst>
@@ -11212,7 +11108,7 @@
         </p:nvSpPr>
         <p:spPr>
           <a:xfrm>
-            <a:off x="54861047" y="9119169"/>
+            <a:off x="55077823" y="9105519"/>
             <a:ext cx="2115918" cy="1080000"/>
           </a:xfrm>
           <a:prstGeom prst="rect">
@@ -11259,8 +11155,28 @@
               <a:t>Pierre VIII du Kongo</a:t>
             </a:r>
             <a:r>
+              <a:rPr lang="ru-RU" sz="1400" dirty="0"/>
+              <a:t>) (Он был назначен советом вождей новым </a:t>
+            </a:r>
+            <a:r>
+              <a:rPr lang="ru-RU" sz="1400" dirty="0" err="1"/>
+              <a:t>маниконго</a:t>
+            </a:r>
+            <a:r>
+              <a:rPr lang="ru-RU" sz="1400" dirty="0"/>
+              <a:t> в 1923 году после смерти </a:t>
+            </a:r>
+            <a:r>
+              <a:rPr lang="ru-RU" sz="1400" dirty="0" err="1"/>
+              <a:t>Альваро</a:t>
+            </a:r>
+            <a:r>
+              <a:rPr lang="ru-RU" sz="1400" dirty="0"/>
+              <a:t> </a:t>
+            </a:r>
+            <a:r>
               <a:rPr lang="ru-RU" sz="1400" dirty="0" smtClean="0"/>
-              <a:t>)</a:t>
+              <a:t>XV)</a:t>
             </a:r>
           </a:p>
         </p:txBody>
@@ -11275,9 +11191,9 @@
           <p:nvPr/>
         </p:nvCxnSpPr>
         <p:spPr>
-          <a:xfrm flipH="1" flipV="1">
-            <a:off x="42170178" y="9656061"/>
-            <a:ext cx="12690869" cy="3108"/>
+          <a:xfrm flipH="1">
+            <a:off x="42170178" y="9645519"/>
+            <a:ext cx="12907645" cy="10542"/>
           </a:xfrm>
           <a:prstGeom prst="line">
             <a:avLst/>
@@ -11314,8 +11230,8 @@
         </p:nvCxnSpPr>
         <p:spPr>
           <a:xfrm rot="5400000">
-            <a:off x="43487278" y="6157928"/>
-            <a:ext cx="583074" cy="5333192"/>
+            <a:off x="44578071" y="5067136"/>
+            <a:ext cx="583074" cy="7514777"/>
           </a:xfrm>
           <a:prstGeom prst="bentConnector3">
             <a:avLst>
@@ -11352,8 +11268,8 @@
         </p:nvCxnSpPr>
         <p:spPr>
           <a:xfrm rot="16200000" flipH="1">
-            <a:off x="50889117" y="4089280"/>
-            <a:ext cx="586182" cy="9473595"/>
+            <a:off x="52095123" y="5064860"/>
+            <a:ext cx="572532" cy="7508786"/>
           </a:xfrm>
           <a:prstGeom prst="bentConnector3">
             <a:avLst>
@@ -13893,7 +13809,7 @@
             <a:pPr algn="ctr"/>
             <a:r>
               <a:rPr lang="ru-RU" sz="1400" dirty="0" smtClean="0"/>
-              <a:t>Покарать язычников на севера (против Либерии)</a:t>
+              <a:t>Покарать язычников на севере (против Либерии)</a:t>
             </a:r>
             <a:endParaRPr lang="ru-RU" sz="500" dirty="0"/>
           </a:p>
@@ -14064,9 +13980,9 @@
           <p:nvPr/>
         </p:nvCxnSpPr>
         <p:spPr>
-          <a:xfrm>
-            <a:off x="46440928" y="7022324"/>
-            <a:ext cx="4483" cy="430663"/>
+          <a:xfrm flipH="1">
+            <a:off x="48626996" y="7022324"/>
+            <a:ext cx="3674" cy="430663"/>
           </a:xfrm>
           <a:prstGeom prst="straightConnector1">
             <a:avLst/>
@@ -16593,8 +16509,8 @@
         </p:nvCxnSpPr>
         <p:spPr>
           <a:xfrm rot="5400000">
-            <a:off x="52065650" y="6760515"/>
-            <a:ext cx="414702" cy="7292010"/>
+            <a:off x="52167213" y="6645302"/>
+            <a:ext cx="428352" cy="7508786"/>
           </a:xfrm>
           <a:prstGeom prst="bentConnector3">
             <a:avLst>
@@ -17297,6 +17213,2307 @@
           <a:xfrm flipH="1">
             <a:off x="12830500" y="10185519"/>
             <a:ext cx="4732" cy="428352"/>
+          </a:xfrm>
+          <a:prstGeom prst="straightConnector1">
+            <a:avLst/>
+          </a:prstGeom>
+          <a:ln w="28575">
+            <a:tailEnd type="arrow"/>
+          </a:ln>
+        </p:spPr>
+        <p:style>
+          <a:lnRef idx="1">
+            <a:schemeClr val="accent1"/>
+          </a:lnRef>
+          <a:fillRef idx="0">
+            <a:schemeClr val="accent1"/>
+          </a:fillRef>
+          <a:effectRef idx="0">
+            <a:schemeClr val="accent1"/>
+          </a:effectRef>
+          <a:fontRef idx="minor">
+            <a:schemeClr val="tx1"/>
+          </a:fontRef>
+        </p:style>
+      </p:cxnSp>
+      <p:sp>
+        <p:nvSpPr>
+          <p:cNvPr id="415" name="Прямоугольник 414"/>
+          <p:cNvSpPr/>
+          <p:nvPr/>
+        </p:nvSpPr>
+        <p:spPr>
+          <a:xfrm>
+            <a:off x="53831351" y="12165538"/>
+            <a:ext cx="2115918" cy="1080000"/>
+          </a:xfrm>
+          <a:prstGeom prst="rect">
+            <a:avLst/>
+          </a:prstGeom>
+          <a:solidFill>
+            <a:srgbClr val="7030A0"/>
+          </a:solidFill>
+          <a:ln w="28575"/>
+        </p:spPr>
+        <p:style>
+          <a:lnRef idx="2">
+            <a:schemeClr val="accent1"/>
+          </a:lnRef>
+          <a:fillRef idx="1">
+            <a:schemeClr val="lt1"/>
+          </a:fillRef>
+          <a:effectRef idx="0">
+            <a:schemeClr val="accent1"/>
+          </a:effectRef>
+          <a:fontRef idx="minor">
+            <a:schemeClr val="dk1"/>
+          </a:fontRef>
+        </p:style>
+        <p:txBody>
+          <a:bodyPr lIns="124733" tIns="62367" rIns="124733" bIns="62367" rtlCol="0" anchor="ctr"/>
+          <a:lstStyle/>
+          <a:p>
+            <a:pPr algn="ctr"/>
+            <a:r>
+              <a:rPr lang="ru-RU" sz="1400" dirty="0" smtClean="0"/>
+              <a:t>Возродить королевский совет </a:t>
+            </a:r>
+            <a:r>
+              <a:rPr lang="ru-RU" sz="200" dirty="0"/>
+              <a:t>(Королевством Конго управляли </a:t>
+            </a:r>
+            <a:r>
+              <a:rPr lang="ru-RU" sz="200" dirty="0" err="1"/>
+              <a:t>маниконго</a:t>
+            </a:r>
+            <a:r>
+              <a:rPr lang="ru-RU" sz="200" dirty="0"/>
+              <a:t> и королевский совет, известный как </a:t>
+            </a:r>
+            <a:r>
+              <a:rPr lang="ru-RU" sz="200" dirty="0" err="1"/>
+              <a:t>ne</a:t>
+            </a:r>
+            <a:r>
+              <a:rPr lang="ru-RU" sz="200" dirty="0"/>
+              <a:t> </a:t>
+            </a:r>
+            <a:r>
+              <a:rPr lang="ru-RU" sz="200" dirty="0" err="1"/>
+              <a:t>mbanda-mbanda</a:t>
+            </a:r>
+            <a:r>
+              <a:rPr lang="ru-RU" sz="200" dirty="0"/>
+              <a:t> , что примерно переводится как «верхушка на вершине». [ 13 ] Он состоял из двенадцати членов, разделенных на три группы. Одна группа состояла из бюрократов, другая группа избирателей и последняя группа матрон. [ 14 ]Высокие чиновники выбирали </a:t>
+            </a:r>
+            <a:r>
+              <a:rPr lang="ru-RU" sz="200" dirty="0" err="1"/>
+              <a:t>маниконго</a:t>
+            </a:r>
+            <a:r>
+              <a:rPr lang="ru-RU" sz="200" dirty="0"/>
+              <a:t> или короля, который служил всю жизнь по их выбору. Избиратели меняются со временем, и, вероятно, никогда не было полностью фиксированного списка; скорее, это делали высшие должностные лица, которые осуществляли власть. Многие короли пытались выбрать себе преемника, но не всегда успешно. Одной из центральных проблем в истории Конго была передача власти, и в результате в стране вспыхнули многочисленные восстания и восстания.)</a:t>
+            </a:r>
+            <a:br>
+              <a:rPr lang="ru-RU" sz="200" dirty="0"/>
+            </a:br>
+            <a:r>
+              <a:rPr lang="ru-RU" sz="200" dirty="0"/>
+              <a:t>бюрократические </a:t>
+            </a:r>
+            <a:r>
+              <a:rPr lang="ru-RU" sz="200" dirty="0" err="1"/>
+              <a:t>должностиВ</a:t>
+            </a:r>
+            <a:r>
+              <a:rPr lang="ru-RU" sz="200" dirty="0"/>
+              <a:t> эти четыре </a:t>
+            </a:r>
+            <a:r>
+              <a:rPr lang="ru-RU" sz="200" dirty="0" err="1"/>
+              <a:t>неизбираемые</a:t>
+            </a:r>
+            <a:r>
+              <a:rPr lang="ru-RU" sz="200" dirty="0"/>
+              <a:t> должности входили </a:t>
+            </a:r>
+            <a:r>
+              <a:rPr lang="ru-RU" sz="200" dirty="0" err="1"/>
+              <a:t>Муене</a:t>
+            </a:r>
+            <a:r>
+              <a:rPr lang="ru-RU" sz="200" dirty="0"/>
+              <a:t> </a:t>
+            </a:r>
+            <a:r>
+              <a:rPr lang="ru-RU" sz="200" dirty="0" err="1"/>
+              <a:t>Лумбо</a:t>
+            </a:r>
+            <a:r>
+              <a:rPr lang="ru-RU" sz="200" dirty="0"/>
+              <a:t> ( властитель дворца / дворецкий ), </a:t>
+            </a:r>
+            <a:r>
+              <a:rPr lang="ru-RU" sz="200" dirty="0" err="1"/>
+              <a:t>Мфила</a:t>
+            </a:r>
+            <a:r>
+              <a:rPr lang="ru-RU" sz="200" dirty="0"/>
+              <a:t> </a:t>
+            </a:r>
+            <a:r>
+              <a:rPr lang="ru-RU" sz="200" dirty="0" err="1"/>
+              <a:t>Нту</a:t>
+            </a:r>
+            <a:r>
+              <a:rPr lang="ru-RU" sz="200" dirty="0"/>
+              <a:t> ( самый доверенный советник / премьер-министр ), </a:t>
+            </a:r>
+            <a:r>
+              <a:rPr lang="ru-RU" sz="200" dirty="0" err="1"/>
+              <a:t>Муене</a:t>
+            </a:r>
+            <a:r>
+              <a:rPr lang="ru-RU" sz="200" dirty="0"/>
+              <a:t> </a:t>
+            </a:r>
+            <a:r>
+              <a:rPr lang="ru-RU" sz="200" dirty="0" err="1"/>
+              <a:t>Вангу-Вангу</a:t>
+            </a:r>
+            <a:r>
+              <a:rPr lang="ru-RU" sz="200" dirty="0"/>
+              <a:t> ( властитель дел или действий / верховный судья, особенно в случаях супружеской измены ). , и </a:t>
+            </a:r>
+            <a:r>
+              <a:rPr lang="ru-RU" sz="200" dirty="0" err="1"/>
+              <a:t>Муене</a:t>
+            </a:r>
+            <a:r>
+              <a:rPr lang="ru-RU" sz="200" dirty="0"/>
+              <a:t> </a:t>
+            </a:r>
+            <a:r>
+              <a:rPr lang="ru-RU" sz="200" dirty="0" err="1"/>
+              <a:t>Бампа</a:t>
+            </a:r>
+            <a:r>
+              <a:rPr lang="ru-RU" sz="200" dirty="0"/>
+              <a:t> ( казначей ). Все эти четверо назначаются королем и имеют большое влияние на повседневную деятельность двора. [ 15 ]</a:t>
+            </a:r>
+            <a:r>
+              <a:rPr lang="ru-RU" sz="200" dirty="0" err="1"/>
+              <a:t>избирателиЧетыре</a:t>
+            </a:r>
+            <a:r>
+              <a:rPr lang="ru-RU" sz="200" dirty="0"/>
+              <a:t> других советника работали над избранием короля, а также людей на важные должности. Избиратели состоят из </a:t>
+            </a:r>
+            <a:r>
+              <a:rPr lang="ru-RU" sz="200" dirty="0" err="1"/>
+              <a:t>Муене</a:t>
+            </a:r>
+            <a:r>
+              <a:rPr lang="ru-RU" sz="200" dirty="0"/>
+              <a:t> </a:t>
+            </a:r>
+            <a:r>
+              <a:rPr lang="ru-RU" sz="200" dirty="0" err="1"/>
+              <a:t>Вунда</a:t>
+            </a:r>
+            <a:r>
+              <a:rPr lang="ru-RU" sz="200" dirty="0"/>
+              <a:t> (Повелитель </a:t>
+            </a:r>
+            <a:r>
+              <a:rPr lang="ru-RU" sz="200" dirty="0" err="1"/>
+              <a:t>Вунды</a:t>
+            </a:r>
+            <a:r>
+              <a:rPr lang="ru-RU" sz="200" dirty="0"/>
+              <a:t>, небольшой территории к северу от столицы с в основном религиозными обязательствами, которая ведет избирателей [ 16 ]).) </a:t>
+            </a:r>
+            <a:r>
+              <a:rPr lang="ru-RU" sz="200" dirty="0" err="1"/>
+              <a:t>Муене</a:t>
+            </a:r>
+            <a:r>
+              <a:rPr lang="ru-RU" sz="200" dirty="0"/>
+              <a:t> Бата (властитель провинции </a:t>
+            </a:r>
+            <a:r>
+              <a:rPr lang="ru-RU" sz="200" dirty="0" err="1"/>
+              <a:t>Мбата</a:t>
+            </a:r>
+            <a:r>
+              <a:rPr lang="ru-RU" sz="200" dirty="0"/>
+              <a:t> прямо к востоку от столицы и управляется </a:t>
+            </a:r>
+            <a:r>
+              <a:rPr lang="ru-RU" sz="200" dirty="0" err="1"/>
+              <a:t>Нсака</a:t>
+            </a:r>
+            <a:r>
+              <a:rPr lang="ru-RU" sz="200" dirty="0"/>
+              <a:t> </a:t>
+            </a:r>
+            <a:r>
+              <a:rPr lang="ru-RU" sz="200" dirty="0" err="1"/>
+              <a:t>Лау</a:t>
+            </a:r>
+            <a:r>
+              <a:rPr lang="ru-RU" sz="200" dirty="0"/>
+              <a:t> </a:t>
+            </a:r>
+            <a:r>
+              <a:rPr lang="ru-RU" sz="200" dirty="0" err="1"/>
+              <a:t>канда</a:t>
+            </a:r>
+            <a:r>
+              <a:rPr lang="ru-RU" sz="200" dirty="0"/>
+              <a:t>, который обеспечивает великую жену короля), </a:t>
+            </a:r>
+            <a:r>
+              <a:rPr lang="ru-RU" sz="200" dirty="0" err="1"/>
+              <a:t>Муене</a:t>
+            </a:r>
+            <a:r>
+              <a:rPr lang="ru-RU" sz="200" dirty="0"/>
+              <a:t> </a:t>
+            </a:r>
+            <a:r>
+              <a:rPr lang="ru-RU" sz="200" dirty="0" err="1"/>
+              <a:t>Сойо</a:t>
+            </a:r>
+            <a:r>
+              <a:rPr lang="ru-RU" sz="200" dirty="0"/>
+              <a:t> (властитель провинции </a:t>
+            </a:r>
+            <a:r>
+              <a:rPr lang="ru-RU" sz="200" dirty="0" err="1"/>
+              <a:t>Сойо</a:t>
+            </a:r>
+            <a:r>
+              <a:rPr lang="ru-RU" sz="200" dirty="0"/>
+              <a:t> к западу от столицы и исторически самая богатая провинция, будучи единственным портом и имеющий доступ к соли), и четвертый избиратель, вероятно, </a:t>
+            </a:r>
+            <a:r>
+              <a:rPr lang="ru-RU" sz="200" dirty="0" err="1"/>
+              <a:t>Муен</a:t>
+            </a:r>
+            <a:r>
+              <a:rPr lang="ru-RU" sz="200" dirty="0"/>
+              <a:t> </a:t>
+            </a:r>
+            <a:r>
+              <a:rPr lang="ru-RU" sz="200" dirty="0" err="1"/>
+              <a:t>Бамба</a:t>
+            </a:r>
+            <a:r>
+              <a:rPr lang="ru-RU" sz="200" dirty="0"/>
+              <a:t> (владыка провинции </a:t>
+            </a:r>
+            <a:r>
+              <a:rPr lang="ru-RU" sz="200" dirty="0" err="1"/>
+              <a:t>Бамба</a:t>
+            </a:r>
+            <a:r>
+              <a:rPr lang="ru-RU" sz="200" dirty="0"/>
+              <a:t> к югу от столицы и генерал-капитан армии). </a:t>
+            </a:r>
+            <a:r>
+              <a:rPr lang="ru-RU" sz="200" dirty="0" err="1"/>
+              <a:t>Муене</a:t>
+            </a:r>
+            <a:r>
+              <a:rPr lang="ru-RU" sz="200" dirty="0"/>
+              <a:t> </a:t>
+            </a:r>
+            <a:r>
+              <a:rPr lang="ru-RU" sz="200" dirty="0" err="1"/>
+              <a:t>Вунда</a:t>
+            </a:r>
+            <a:r>
+              <a:rPr lang="ru-RU" sz="200" dirty="0"/>
+              <a:t> был назван королем </a:t>
+            </a:r>
+            <a:r>
+              <a:rPr lang="ru-RU" sz="200" dirty="0" err="1"/>
+              <a:t>Нсаку</a:t>
+            </a:r>
+            <a:r>
+              <a:rPr lang="ru-RU" sz="200" dirty="0"/>
+              <a:t> не </a:t>
+            </a:r>
+            <a:r>
+              <a:rPr lang="ru-RU" sz="200" dirty="0" err="1"/>
+              <a:t>Вунда</a:t>
+            </a:r>
+            <a:r>
+              <a:rPr lang="ru-RU" sz="200" dirty="0"/>
+              <a:t> </a:t>
+            </a:r>
+            <a:r>
+              <a:rPr lang="ru-RU" sz="200" dirty="0" err="1"/>
+              <a:t>канда</a:t>
+            </a:r>
+            <a:r>
+              <a:rPr lang="ru-RU" sz="200" dirty="0"/>
+              <a:t>. Имя </a:t>
+            </a:r>
+            <a:r>
+              <a:rPr lang="ru-RU" sz="200" dirty="0" err="1"/>
+              <a:t>Муене</a:t>
+            </a:r>
+            <a:r>
+              <a:rPr lang="ru-RU" sz="200" dirty="0"/>
+              <a:t> Бата было подтверждено королем </a:t>
+            </a:r>
+            <a:r>
+              <a:rPr lang="ru-RU" sz="200" dirty="0" err="1"/>
+              <a:t>Нсаку</a:t>
+            </a:r>
+            <a:r>
+              <a:rPr lang="ru-RU" sz="200" dirty="0"/>
+              <a:t> </a:t>
+            </a:r>
+            <a:r>
+              <a:rPr lang="ru-RU" sz="200" dirty="0" err="1"/>
+              <a:t>Лау</a:t>
+            </a:r>
+            <a:r>
+              <a:rPr lang="ru-RU" sz="200" dirty="0"/>
+              <a:t> </a:t>
+            </a:r>
+            <a:r>
+              <a:rPr lang="ru-RU" sz="200" dirty="0" err="1"/>
+              <a:t>канда</a:t>
+            </a:r>
+            <a:r>
+              <a:rPr lang="ru-RU" sz="200" dirty="0"/>
+              <a:t>. </a:t>
+            </a:r>
+            <a:r>
+              <a:rPr lang="ru-RU" sz="200" dirty="0" err="1"/>
+              <a:t>Муэн</a:t>
+            </a:r>
+            <a:r>
+              <a:rPr lang="ru-RU" sz="200" dirty="0"/>
+              <a:t> </a:t>
+            </a:r>
+            <a:r>
+              <a:rPr lang="ru-RU" sz="200" dirty="0" err="1"/>
+              <a:t>Сойо</a:t>
+            </a:r>
+            <a:r>
+              <a:rPr lang="ru-RU" sz="200" dirty="0"/>
+              <a:t> был назван королем </a:t>
+            </a:r>
+            <a:r>
+              <a:rPr lang="ru-RU" sz="200" dirty="0" err="1"/>
+              <a:t>Канды</a:t>
+            </a:r>
+            <a:r>
+              <a:rPr lang="ru-RU" sz="200" dirty="0"/>
+              <a:t> Да </a:t>
+            </a:r>
+            <a:r>
+              <a:rPr lang="ru-RU" sz="200" dirty="0" err="1"/>
+              <a:t>Силва</a:t>
+            </a:r>
+            <a:r>
+              <a:rPr lang="ru-RU" sz="200" dirty="0"/>
+              <a:t>. </a:t>
+            </a:r>
+            <a:r>
+              <a:rPr lang="ru-RU" sz="200" dirty="0" err="1"/>
+              <a:t>Муэн</a:t>
+            </a:r>
+            <a:r>
+              <a:rPr lang="ru-RU" sz="200" dirty="0"/>
+              <a:t> </a:t>
+            </a:r>
+            <a:r>
+              <a:rPr lang="ru-RU" sz="200" dirty="0" err="1"/>
+              <a:t>Бамба</a:t>
+            </a:r>
+            <a:r>
+              <a:rPr lang="ru-RU" sz="200" dirty="0"/>
+              <a:t> назначается королем везде, где он пожелает, но обычно имеет близкие семейные отношения. Эти четверо мужчин избрали короля, а </a:t>
+            </a:r>
+            <a:r>
+              <a:rPr lang="ru-RU" sz="200" dirty="0" err="1"/>
+              <a:t>Муене</a:t>
+            </a:r>
+            <a:r>
+              <a:rPr lang="ru-RU" sz="200" dirty="0"/>
+              <a:t> </a:t>
+            </a:r>
+            <a:r>
+              <a:rPr lang="ru-RU" sz="200" dirty="0" err="1"/>
+              <a:t>Вунда</a:t>
+            </a:r>
+            <a:r>
+              <a:rPr lang="ru-RU" sz="200" dirty="0"/>
+              <a:t> и </a:t>
+            </a:r>
+            <a:r>
+              <a:rPr lang="ru-RU" sz="200" dirty="0" err="1"/>
+              <a:t>Муене</a:t>
+            </a:r>
+            <a:r>
+              <a:rPr lang="ru-RU" sz="200" dirty="0"/>
+              <a:t> Бата сыграли решающую роль в </a:t>
+            </a:r>
+            <a:r>
+              <a:rPr lang="ru-RU" sz="200" dirty="0" err="1"/>
+              <a:t>коронации.Замужние</a:t>
+            </a:r>
+            <a:r>
+              <a:rPr lang="ru-RU" sz="200" dirty="0"/>
+              <a:t> </a:t>
+            </a:r>
+            <a:r>
+              <a:rPr lang="ru-RU" sz="200" dirty="0" err="1"/>
+              <a:t>женщиныНаконец</a:t>
+            </a:r>
+            <a:r>
+              <a:rPr lang="ru-RU" sz="200" dirty="0"/>
+              <a:t>, в правлении было четыре женщины с большим влиянием. Их возглавляла </a:t>
+            </a:r>
+            <a:r>
+              <a:rPr lang="ru-RU" sz="200" dirty="0" err="1"/>
+              <a:t>Муене</a:t>
+            </a:r>
+            <a:r>
+              <a:rPr lang="ru-RU" sz="200" dirty="0"/>
+              <a:t> </a:t>
+            </a:r>
+            <a:r>
+              <a:rPr lang="ru-RU" sz="200" dirty="0" err="1"/>
+              <a:t>Зимба</a:t>
+            </a:r>
+            <a:r>
+              <a:rPr lang="ru-RU" sz="200" dirty="0"/>
+              <a:t> </a:t>
+            </a:r>
+            <a:r>
+              <a:rPr lang="ru-RU" sz="200" dirty="0" err="1"/>
+              <a:t>Пунго</a:t>
+            </a:r>
+            <a:r>
+              <a:rPr lang="ru-RU" sz="200" dirty="0"/>
+              <a:t>, королева-мать, обычно тетя короля по отцовской линии. Второй по величине женщиной была </a:t>
+            </a:r>
+            <a:r>
+              <a:rPr lang="ru-RU" sz="200" dirty="0" err="1"/>
+              <a:t>Муене</a:t>
+            </a:r>
+            <a:r>
+              <a:rPr lang="ru-RU" sz="200" dirty="0"/>
+              <a:t> Банда, великая жена короля, избранная из числа </a:t>
+            </a:r>
+            <a:r>
+              <a:rPr lang="ru-RU" sz="200" dirty="0" err="1"/>
+              <a:t>Нсаку</a:t>
+            </a:r>
+            <a:r>
+              <a:rPr lang="ru-RU" sz="200" dirty="0"/>
+              <a:t> </a:t>
+            </a:r>
+            <a:r>
+              <a:rPr lang="ru-RU" sz="200" dirty="0" err="1"/>
+              <a:t>Лау</a:t>
+            </a:r>
+            <a:r>
+              <a:rPr lang="ru-RU" sz="200" dirty="0"/>
+              <a:t> </a:t>
+            </a:r>
+            <a:r>
+              <a:rPr lang="ru-RU" sz="200" dirty="0" err="1"/>
+              <a:t>канда</a:t>
+            </a:r>
+            <a:r>
+              <a:rPr lang="ru-RU" sz="200" dirty="0"/>
+              <a:t>. [ 17 ] Две другие должности были отданы следующим по значимости женщинам в королевстве, которые были овдовевшими королевами или </a:t>
+            </a:r>
+            <a:r>
+              <a:rPr lang="ru-RU" sz="200" dirty="0" err="1"/>
+              <a:t>матриархами</a:t>
+            </a:r>
+            <a:r>
+              <a:rPr lang="ru-RU" sz="200" dirty="0"/>
+              <a:t> правящих экс-</a:t>
+            </a:r>
+            <a:r>
+              <a:rPr lang="ru-RU" sz="200" dirty="0" err="1"/>
+              <a:t>кандов</a:t>
+            </a:r>
+            <a:r>
+              <a:rPr lang="ru-RU" sz="200" dirty="0"/>
+              <a:t>. [ 18 ]</a:t>
+            </a:r>
+            <a:endParaRPr lang="ru-RU" sz="200" dirty="0" smtClean="0"/>
+          </a:p>
+        </p:txBody>
+      </p:sp>
+      <p:sp>
+        <p:nvSpPr>
+          <p:cNvPr id="417" name="Прямоугольник 416"/>
+          <p:cNvSpPr/>
+          <p:nvPr/>
+        </p:nvSpPr>
+        <p:spPr>
+          <a:xfrm>
+            <a:off x="51326424" y="12160410"/>
+            <a:ext cx="2115918" cy="1080000"/>
+          </a:xfrm>
+          <a:prstGeom prst="rect">
+            <a:avLst/>
+          </a:prstGeom>
+          <a:solidFill>
+            <a:srgbClr val="7030A0"/>
+          </a:solidFill>
+          <a:ln w="28575"/>
+        </p:spPr>
+        <p:style>
+          <a:lnRef idx="2">
+            <a:schemeClr val="accent1"/>
+          </a:lnRef>
+          <a:fillRef idx="1">
+            <a:schemeClr val="lt1"/>
+          </a:fillRef>
+          <a:effectRef idx="0">
+            <a:schemeClr val="accent1"/>
+          </a:effectRef>
+          <a:fontRef idx="minor">
+            <a:schemeClr val="dk1"/>
+          </a:fontRef>
+        </p:style>
+        <p:txBody>
+          <a:bodyPr lIns="124733" tIns="62367" rIns="124733" bIns="62367" rtlCol="0" anchor="ctr"/>
+          <a:lstStyle/>
+          <a:p>
+            <a:pPr algn="ctr"/>
+            <a:r>
+              <a:rPr lang="ru-RU" sz="1400" dirty="0" smtClean="0"/>
+              <a:t>Поддержка </a:t>
+            </a:r>
+            <a:r>
+              <a:rPr lang="ru-RU" sz="1400" dirty="0" err="1" smtClean="0"/>
+              <a:t>маканда</a:t>
+            </a:r>
+            <a:r>
+              <a:rPr lang="ru-RU" sz="1400" dirty="0"/>
+              <a:t> </a:t>
+            </a:r>
+            <a:r>
+              <a:rPr lang="ru-RU" sz="400" dirty="0"/>
+              <a:t>(В этот период изменилась и социальная структура. Возникли новые общественные организации, </a:t>
+            </a:r>
+            <a:r>
+              <a:rPr lang="ru-RU" sz="400" dirty="0" err="1"/>
+              <a:t>маканда</a:t>
+            </a:r>
+            <a:r>
+              <a:rPr lang="ru-RU" sz="400" dirty="0"/>
+              <a:t>. Эти </a:t>
+            </a:r>
+            <a:r>
+              <a:rPr lang="ru-RU" sz="400" dirty="0" err="1"/>
+              <a:t>маканда</a:t>
+            </a:r>
+            <a:r>
+              <a:rPr lang="ru-RU" sz="400" dirty="0"/>
+              <a:t>, номинально происходившие из кланов от общих предков, были как торговыми ассоциациями, так и семейными единицами. Эти кланы основали цепочки деревень, связанных фиктивным родством на торговых путях от </a:t>
+            </a:r>
+            <a:r>
+              <a:rPr lang="ru-RU" sz="400" dirty="0" err="1"/>
+              <a:t>Бомы</a:t>
+            </a:r>
+            <a:r>
+              <a:rPr lang="ru-RU" sz="400" dirty="0"/>
+              <a:t> или побережья от </a:t>
+            </a:r>
+            <a:r>
+              <a:rPr lang="ru-RU" sz="400" dirty="0" err="1"/>
+              <a:t>Сойо</a:t>
+            </a:r>
+            <a:r>
+              <a:rPr lang="ru-RU" sz="400" dirty="0"/>
+              <a:t> до Сан-Сальвадора, а затем в глубь страны. Новая устная традиция об основателе королевства, которого часто называют Альфонсо I , описывает королевство как возникшее, когда король заставил кланы рассредоточиться во всех направлениях)</a:t>
+            </a:r>
+            <a:endParaRPr lang="ru-RU" sz="400" dirty="0" smtClean="0"/>
+          </a:p>
+        </p:txBody>
+      </p:sp>
+      <p:sp>
+        <p:nvSpPr>
+          <p:cNvPr id="418" name="Прямоугольник 417"/>
+          <p:cNvSpPr/>
+          <p:nvPr/>
+        </p:nvSpPr>
+        <p:spPr>
+          <a:xfrm>
+            <a:off x="55077823" y="10611042"/>
+            <a:ext cx="2115918" cy="1080000"/>
+          </a:xfrm>
+          <a:prstGeom prst="rect">
+            <a:avLst/>
+          </a:prstGeom>
+          <a:solidFill>
+            <a:srgbClr val="7030A0"/>
+          </a:solidFill>
+          <a:ln w="28575"/>
+        </p:spPr>
+        <p:style>
+          <a:lnRef idx="2">
+            <a:schemeClr val="accent1"/>
+          </a:lnRef>
+          <a:fillRef idx="1">
+            <a:schemeClr val="lt1"/>
+          </a:fillRef>
+          <a:effectRef idx="0">
+            <a:schemeClr val="accent1"/>
+          </a:effectRef>
+          <a:fontRef idx="minor">
+            <a:schemeClr val="dk1"/>
+          </a:fontRef>
+        </p:style>
+        <p:txBody>
+          <a:bodyPr lIns="124733" tIns="62367" rIns="124733" bIns="62367" rtlCol="0" anchor="ctr"/>
+          <a:lstStyle/>
+          <a:p>
+            <a:pPr algn="ctr"/>
+            <a:r>
+              <a:rPr lang="ru-RU" sz="1400" dirty="0"/>
+              <a:t>Вернуть </a:t>
+            </a:r>
+            <a:r>
+              <a:rPr lang="ru-RU" sz="1400" dirty="0" err="1" smtClean="0"/>
+              <a:t>Мбанза</a:t>
+            </a:r>
+            <a:r>
+              <a:rPr lang="ru-RU" sz="1400" dirty="0" smtClean="0"/>
+              <a:t>-Конго (Сан-Сальвадор, который станет столицей) (у города есть герб для иконки)</a:t>
+            </a:r>
+          </a:p>
+        </p:txBody>
+      </p:sp>
+      <p:sp>
+        <p:nvSpPr>
+          <p:cNvPr id="419" name="Прямоугольник 418"/>
+          <p:cNvSpPr/>
+          <p:nvPr/>
+        </p:nvSpPr>
+        <p:spPr>
+          <a:xfrm>
+            <a:off x="50067972" y="10617297"/>
+            <a:ext cx="2115918" cy="1080000"/>
+          </a:xfrm>
+          <a:prstGeom prst="rect">
+            <a:avLst/>
+          </a:prstGeom>
+          <a:solidFill>
+            <a:srgbClr val="7030A0"/>
+          </a:solidFill>
+          <a:ln w="28575"/>
+        </p:spPr>
+        <p:style>
+          <a:lnRef idx="2">
+            <a:schemeClr val="accent1"/>
+          </a:lnRef>
+          <a:fillRef idx="1">
+            <a:schemeClr val="lt1"/>
+          </a:fillRef>
+          <a:effectRef idx="0">
+            <a:schemeClr val="accent1"/>
+          </a:effectRef>
+          <a:fontRef idx="minor">
+            <a:schemeClr val="dk1"/>
+          </a:fontRef>
+        </p:style>
+        <p:txBody>
+          <a:bodyPr lIns="124733" tIns="62367" rIns="124733" bIns="62367" rtlCol="0" anchor="ctr"/>
+          <a:lstStyle/>
+          <a:p>
+            <a:pPr algn="ctr"/>
+            <a:r>
+              <a:rPr lang="ru-RU" sz="1400" dirty="0" smtClean="0"/>
+              <a:t>Вернуться к добыче слоновьей кости</a:t>
+            </a:r>
+            <a:endParaRPr lang="ru-RU" sz="1400" dirty="0" smtClean="0"/>
+          </a:p>
+        </p:txBody>
+      </p:sp>
+      <p:sp>
+        <p:nvSpPr>
+          <p:cNvPr id="420" name="Прямоугольник 419"/>
+          <p:cNvSpPr/>
+          <p:nvPr/>
+        </p:nvSpPr>
+        <p:spPr>
+          <a:xfrm>
+            <a:off x="52578888" y="10609772"/>
+            <a:ext cx="2115918" cy="1080000"/>
+          </a:xfrm>
+          <a:prstGeom prst="rect">
+            <a:avLst/>
+          </a:prstGeom>
+          <a:solidFill>
+            <a:srgbClr val="7030A0"/>
+          </a:solidFill>
+          <a:ln w="28575"/>
+        </p:spPr>
+        <p:style>
+          <a:lnRef idx="2">
+            <a:schemeClr val="accent1"/>
+          </a:lnRef>
+          <a:fillRef idx="1">
+            <a:schemeClr val="lt1"/>
+          </a:fillRef>
+          <a:effectRef idx="0">
+            <a:schemeClr val="accent1"/>
+          </a:effectRef>
+          <a:fontRef idx="minor">
+            <a:schemeClr val="dk1"/>
+          </a:fontRef>
+        </p:style>
+        <p:txBody>
+          <a:bodyPr lIns="124733" tIns="62367" rIns="124733" bIns="62367" rtlCol="0" anchor="ctr"/>
+          <a:lstStyle/>
+          <a:p>
+            <a:pPr algn="ctr"/>
+            <a:r>
+              <a:rPr lang="ru-RU" sz="1400" dirty="0" smtClean="0"/>
+              <a:t>Использовать слонов в армии</a:t>
+            </a:r>
+            <a:endParaRPr lang="ru-RU" sz="1400" dirty="0" smtClean="0"/>
+          </a:p>
+        </p:txBody>
+      </p:sp>
+      <p:sp>
+        <p:nvSpPr>
+          <p:cNvPr id="421" name="Прямоугольник 420"/>
+          <p:cNvSpPr/>
+          <p:nvPr/>
+        </p:nvSpPr>
+        <p:spPr>
+          <a:xfrm>
+            <a:off x="52578888" y="13659844"/>
+            <a:ext cx="2115918" cy="1080000"/>
+          </a:xfrm>
+          <a:prstGeom prst="rect">
+            <a:avLst/>
+          </a:prstGeom>
+          <a:solidFill>
+            <a:srgbClr val="7030A0"/>
+          </a:solidFill>
+          <a:ln w="28575"/>
+        </p:spPr>
+        <p:style>
+          <a:lnRef idx="2">
+            <a:schemeClr val="accent1"/>
+          </a:lnRef>
+          <a:fillRef idx="1">
+            <a:schemeClr val="lt1"/>
+          </a:fillRef>
+          <a:effectRef idx="0">
+            <a:schemeClr val="accent1"/>
+          </a:effectRef>
+          <a:fontRef idx="minor">
+            <a:schemeClr val="dk1"/>
+          </a:fontRef>
+        </p:style>
+        <p:txBody>
+          <a:bodyPr lIns="124733" tIns="62367" rIns="124733" bIns="62367" rtlCol="0" anchor="ctr"/>
+          <a:lstStyle/>
+          <a:p>
+            <a:pPr algn="ctr"/>
+            <a:r>
+              <a:rPr lang="ru-RU" sz="1400" dirty="0" smtClean="0"/>
+              <a:t>Стать центром </a:t>
+            </a:r>
+            <a:r>
+              <a:rPr lang="ru-RU" sz="1400" dirty="0"/>
+              <a:t>торговли Африки </a:t>
+            </a:r>
+            <a:r>
+              <a:rPr lang="ru-RU" sz="1100" dirty="0"/>
+              <a:t>(</a:t>
+            </a:r>
+            <a:r>
+              <a:rPr lang="ru-RU" sz="1100" dirty="0" err="1"/>
+              <a:t>Диогу</a:t>
+            </a:r>
+            <a:r>
+              <a:rPr lang="ru-RU" sz="1100" dirty="0"/>
+              <a:t> </a:t>
+            </a:r>
+            <a:r>
+              <a:rPr lang="ru-RU" sz="1100" dirty="0" err="1"/>
+              <a:t>Као</a:t>
+            </a:r>
+            <a:r>
+              <a:rPr lang="ru-RU" sz="1100" dirty="0"/>
+              <a:t> был первым европейцем, который рассказал о великой империи, которая контролировала торговлю в </a:t>
+            </a:r>
+            <a:r>
+              <a:rPr lang="ru-RU" sz="1100" dirty="0" smtClean="0"/>
+              <a:t>регионе)</a:t>
+            </a:r>
+          </a:p>
+        </p:txBody>
+      </p:sp>
+      <p:sp>
+        <p:nvSpPr>
+          <p:cNvPr id="422" name="Прямоугольник 421"/>
+          <p:cNvSpPr/>
+          <p:nvPr/>
+        </p:nvSpPr>
+        <p:spPr>
+          <a:xfrm>
+            <a:off x="57582748" y="10609772"/>
+            <a:ext cx="2115918" cy="1080000"/>
+          </a:xfrm>
+          <a:prstGeom prst="rect">
+            <a:avLst/>
+          </a:prstGeom>
+          <a:solidFill>
+            <a:srgbClr val="7030A0"/>
+          </a:solidFill>
+          <a:ln w="28575"/>
+        </p:spPr>
+        <p:style>
+          <a:lnRef idx="2">
+            <a:schemeClr val="accent1"/>
+          </a:lnRef>
+          <a:fillRef idx="1">
+            <a:schemeClr val="lt1"/>
+          </a:fillRef>
+          <a:effectRef idx="0">
+            <a:schemeClr val="accent1"/>
+          </a:effectRef>
+          <a:fontRef idx="minor">
+            <a:schemeClr val="dk1"/>
+          </a:fontRef>
+        </p:style>
+        <p:txBody>
+          <a:bodyPr lIns="124733" tIns="62367" rIns="124733" bIns="62367" rtlCol="0" anchor="ctr"/>
+          <a:lstStyle/>
+          <a:p>
+            <a:pPr algn="ctr"/>
+            <a:r>
+              <a:rPr lang="ru-RU" sz="1400" dirty="0"/>
+              <a:t>Вернуть </a:t>
+            </a:r>
+            <a:r>
+              <a:rPr lang="ru-RU" sz="1400" dirty="0" smtClean="0"/>
+              <a:t>Конго-</a:t>
+            </a:r>
+            <a:r>
+              <a:rPr lang="ru-RU" sz="1400" dirty="0" err="1" smtClean="0"/>
+              <a:t>Бразильвиль</a:t>
+            </a:r>
+            <a:r>
+              <a:rPr lang="ru-RU" sz="1400" dirty="0" smtClean="0"/>
+              <a:t> </a:t>
+            </a:r>
+            <a:r>
+              <a:rPr lang="ru-RU" sz="1200" dirty="0" smtClean="0"/>
+              <a:t>(Сан-Сальвадор, который станет столицей) (у города есть герб для иконки)</a:t>
+            </a:r>
+          </a:p>
+        </p:txBody>
+      </p:sp>
+      <p:sp>
+        <p:nvSpPr>
+          <p:cNvPr id="424" name="Прямоугольник 423"/>
+          <p:cNvSpPr/>
+          <p:nvPr/>
+        </p:nvSpPr>
+        <p:spPr>
+          <a:xfrm>
+            <a:off x="56330286" y="12160788"/>
+            <a:ext cx="2115918" cy="1080000"/>
+          </a:xfrm>
+          <a:prstGeom prst="rect">
+            <a:avLst/>
+          </a:prstGeom>
+          <a:solidFill>
+            <a:srgbClr val="7030A0"/>
+          </a:solidFill>
+          <a:ln w="28575"/>
+        </p:spPr>
+        <p:style>
+          <a:lnRef idx="2">
+            <a:schemeClr val="accent1"/>
+          </a:lnRef>
+          <a:fillRef idx="1">
+            <a:schemeClr val="lt1"/>
+          </a:fillRef>
+          <a:effectRef idx="0">
+            <a:schemeClr val="accent1"/>
+          </a:effectRef>
+          <a:fontRef idx="minor">
+            <a:schemeClr val="dk1"/>
+          </a:fontRef>
+        </p:style>
+        <p:txBody>
+          <a:bodyPr lIns="124733" tIns="62367" rIns="124733" bIns="62367" rtlCol="0" anchor="ctr"/>
+          <a:lstStyle/>
+          <a:p>
+            <a:pPr algn="ctr"/>
+            <a:r>
+              <a:rPr lang="ru-RU" sz="1400" dirty="0" smtClean="0"/>
+              <a:t>Возродить федеративное королевство </a:t>
+            </a:r>
+            <a:r>
+              <a:rPr lang="ru-RU" sz="1200" dirty="0" smtClean="0"/>
+              <a:t>(</a:t>
+            </a:r>
+            <a:r>
+              <a:rPr lang="ru-RU" sz="1200" dirty="0"/>
+              <a:t>Федеративное королевство </a:t>
+            </a:r>
+            <a:r>
+              <a:rPr lang="ru-RU" sz="1200" dirty="0" smtClean="0"/>
+              <a:t>Конго-Дина-</a:t>
+            </a:r>
+            <a:r>
+              <a:rPr lang="ru-RU" sz="1200" dirty="0" err="1" smtClean="0"/>
+              <a:t>Нза</a:t>
+            </a:r>
+            <a:r>
+              <a:rPr lang="ru-RU" sz="1200" dirty="0" smtClean="0"/>
+              <a:t>)</a:t>
+            </a:r>
+          </a:p>
+        </p:txBody>
+      </p:sp>
+      <p:sp>
+        <p:nvSpPr>
+          <p:cNvPr id="423" name="Прямоугольник 422"/>
+          <p:cNvSpPr/>
+          <p:nvPr/>
+        </p:nvSpPr>
+        <p:spPr>
+          <a:xfrm>
+            <a:off x="57576752" y="13659842"/>
+            <a:ext cx="2115918" cy="1080000"/>
+          </a:xfrm>
+          <a:prstGeom prst="rect">
+            <a:avLst/>
+          </a:prstGeom>
+          <a:solidFill>
+            <a:srgbClr val="7030A0"/>
+          </a:solidFill>
+          <a:ln w="28575"/>
+        </p:spPr>
+        <p:style>
+          <a:lnRef idx="2">
+            <a:schemeClr val="accent1"/>
+          </a:lnRef>
+          <a:fillRef idx="1">
+            <a:schemeClr val="lt1"/>
+          </a:fillRef>
+          <a:effectRef idx="0">
+            <a:schemeClr val="accent1"/>
+          </a:effectRef>
+          <a:fontRef idx="minor">
+            <a:schemeClr val="dk1"/>
+          </a:fontRef>
+        </p:style>
+        <p:txBody>
+          <a:bodyPr lIns="124733" tIns="62367" rIns="124733" bIns="62367" rtlCol="0" anchor="ctr"/>
+          <a:lstStyle/>
+          <a:p>
+            <a:pPr algn="ctr"/>
+            <a:r>
+              <a:rPr lang="ru-RU" sz="1400" dirty="0" smtClean="0"/>
+              <a:t>Подчинить Руанду и Бурунди</a:t>
+            </a:r>
+            <a:endParaRPr lang="ru-RU" sz="1200" dirty="0" smtClean="0"/>
+          </a:p>
+        </p:txBody>
+      </p:sp>
+      <p:sp>
+        <p:nvSpPr>
+          <p:cNvPr id="425" name="Прямоугольник 424"/>
+          <p:cNvSpPr/>
+          <p:nvPr/>
+        </p:nvSpPr>
+        <p:spPr>
+          <a:xfrm>
+            <a:off x="57576752" y="16799418"/>
+            <a:ext cx="2115918" cy="1080000"/>
+          </a:xfrm>
+          <a:prstGeom prst="rect">
+            <a:avLst/>
+          </a:prstGeom>
+          <a:solidFill>
+            <a:srgbClr val="7030A0"/>
+          </a:solidFill>
+          <a:ln w="28575"/>
+        </p:spPr>
+        <p:style>
+          <a:lnRef idx="2">
+            <a:schemeClr val="accent1"/>
+          </a:lnRef>
+          <a:fillRef idx="1">
+            <a:schemeClr val="lt1"/>
+          </a:fillRef>
+          <a:effectRef idx="0">
+            <a:schemeClr val="accent1"/>
+          </a:effectRef>
+          <a:fontRef idx="minor">
+            <a:schemeClr val="dk1"/>
+          </a:fontRef>
+        </p:style>
+        <p:txBody>
+          <a:bodyPr lIns="124733" tIns="62367" rIns="124733" bIns="62367" rtlCol="0" anchor="ctr"/>
+          <a:lstStyle/>
+          <a:p>
+            <a:pPr algn="ctr"/>
+            <a:r>
+              <a:rPr lang="ru-RU" sz="1400" dirty="0" smtClean="0"/>
+              <a:t>Вернуть королевства </a:t>
+            </a:r>
+            <a:r>
+              <a:rPr lang="ru-RU" sz="1400" dirty="0" err="1" smtClean="0"/>
+              <a:t>Донго</a:t>
+            </a:r>
+            <a:r>
+              <a:rPr lang="ru-RU" sz="1400" dirty="0" smtClean="0"/>
+              <a:t> и </a:t>
+            </a:r>
+            <a:r>
+              <a:rPr lang="ru-RU" sz="1400" dirty="0" err="1" smtClean="0"/>
+              <a:t>Матамба</a:t>
+            </a:r>
+            <a:r>
+              <a:rPr lang="ru-RU" sz="1400" dirty="0"/>
+              <a:t> </a:t>
+            </a:r>
+            <a:r>
+              <a:rPr lang="ru-RU" sz="400" dirty="0"/>
+              <a:t>(Король Конго также владел несколькими королевствами, по крайней мере, в номинальном вассальном подчинении. К ним относятся королевства </a:t>
+            </a:r>
+            <a:r>
+              <a:rPr lang="ru-RU" sz="400" dirty="0" err="1"/>
+              <a:t>Каконго</a:t>
+            </a:r>
+            <a:r>
+              <a:rPr lang="ru-RU" sz="400" dirty="0"/>
+              <a:t>, Ангио и </a:t>
+            </a:r>
+            <a:r>
+              <a:rPr lang="ru-RU" sz="400" dirty="0" err="1"/>
+              <a:t>Вунгу</a:t>
+            </a:r>
+            <a:r>
+              <a:rPr lang="ru-RU" sz="400" dirty="0"/>
+              <a:t> в северном Конго. Королевские титулы, впервые придуманные Альфонсо в 1512 году, называли правителя «королем Конго и лордом </a:t>
+            </a:r>
+            <a:r>
+              <a:rPr lang="ru-RU" sz="400" dirty="0" err="1"/>
+              <a:t>Амбундо</a:t>
+            </a:r>
+            <a:r>
+              <a:rPr lang="ru-RU" sz="400" dirty="0"/>
+              <a:t> », а позже в титулах был указан ряд других графств, которыми он также правил как «король». Королевства </a:t>
+            </a:r>
+            <a:r>
+              <a:rPr lang="ru-RU" sz="400" dirty="0" err="1"/>
+              <a:t>Амбунду</a:t>
+            </a:r>
+            <a:r>
+              <a:rPr lang="ru-RU" sz="400" dirty="0"/>
+              <a:t> включали </a:t>
+            </a:r>
+            <a:r>
+              <a:rPr lang="ru-RU" sz="400" dirty="0" err="1"/>
+              <a:t>Донго</a:t>
+            </a:r>
+            <a:r>
+              <a:rPr lang="ru-RU" sz="400" dirty="0"/>
+              <a:t> (иногда ошибочно называемое «Анголой»), </a:t>
+            </a:r>
+            <a:r>
+              <a:rPr lang="ru-RU" sz="400" dirty="0" err="1"/>
+              <a:t>Киссаму</a:t>
+            </a:r>
+            <a:r>
+              <a:rPr lang="ru-RU" sz="400" dirty="0"/>
+              <a:t> и </a:t>
+            </a:r>
+            <a:r>
+              <a:rPr lang="ru-RU" sz="400" dirty="0" err="1"/>
+              <a:t>Матамбу</a:t>
+            </a:r>
+            <a:r>
+              <a:rPr lang="ru-RU" sz="400" dirty="0"/>
+              <a:t>. Все эти королевства находились к югу от Конго и намного дальше от культурного влияния короля, чем северные королевства. Даже более поздние восточные королевства, такие как Конго </a:t>
+            </a:r>
+            <a:r>
+              <a:rPr lang="ru-RU" sz="400" dirty="0" err="1"/>
+              <a:t>диа</a:t>
+            </a:r>
+            <a:r>
+              <a:rPr lang="ru-RU" sz="400" dirty="0"/>
+              <a:t> </a:t>
+            </a:r>
+            <a:r>
+              <a:rPr lang="ru-RU" sz="400" dirty="0" err="1"/>
+              <a:t>Нлаза</a:t>
+            </a:r>
+            <a:r>
+              <a:rPr lang="ru-RU" sz="400" dirty="0"/>
+              <a:t>, также упоминались в титулах правителя</a:t>
+            </a:r>
+            <a:r>
+              <a:rPr lang="ru-RU" sz="400" dirty="0" smtClean="0"/>
+              <a:t>.)</a:t>
+            </a:r>
+            <a:endParaRPr lang="ru-RU" sz="300" dirty="0" smtClean="0"/>
+          </a:p>
+        </p:txBody>
+      </p:sp>
+      <p:sp>
+        <p:nvSpPr>
+          <p:cNvPr id="426" name="Прямоугольник 425"/>
+          <p:cNvSpPr/>
+          <p:nvPr/>
+        </p:nvSpPr>
+        <p:spPr>
+          <a:xfrm>
+            <a:off x="55077820" y="13662345"/>
+            <a:ext cx="2115918" cy="1080000"/>
+          </a:xfrm>
+          <a:prstGeom prst="rect">
+            <a:avLst/>
+          </a:prstGeom>
+          <a:solidFill>
+            <a:srgbClr val="7030A0"/>
+          </a:solidFill>
+          <a:ln w="28575"/>
+        </p:spPr>
+        <p:style>
+          <a:lnRef idx="2">
+            <a:schemeClr val="accent1"/>
+          </a:lnRef>
+          <a:fillRef idx="1">
+            <a:schemeClr val="lt1"/>
+          </a:fillRef>
+          <a:effectRef idx="0">
+            <a:schemeClr val="accent1"/>
+          </a:effectRef>
+          <a:fontRef idx="minor">
+            <a:schemeClr val="dk1"/>
+          </a:fontRef>
+        </p:style>
+        <p:txBody>
+          <a:bodyPr lIns="124733" tIns="62367" rIns="124733" bIns="62367" rtlCol="0" anchor="ctr"/>
+          <a:lstStyle/>
+          <a:p>
+            <a:pPr algn="ctr"/>
+            <a:r>
+              <a:rPr lang="ru-RU" sz="1400" dirty="0" smtClean="0"/>
+              <a:t>Объединить королевство языком </a:t>
+            </a:r>
+            <a:r>
+              <a:rPr lang="ru-RU" sz="1400" dirty="0" err="1" smtClean="0"/>
+              <a:t>Киконго</a:t>
+            </a:r>
+            <a:r>
+              <a:rPr lang="ru-RU" sz="1400" dirty="0" smtClean="0"/>
+              <a:t> </a:t>
+            </a:r>
+            <a:r>
+              <a:rPr lang="ru-RU" sz="900" dirty="0" smtClean="0"/>
+              <a:t>(Народы </a:t>
+            </a:r>
+            <a:r>
+              <a:rPr lang="ru-RU" sz="900" dirty="0"/>
+              <a:t>Конго разделены на множество подгрупп, в том числе </a:t>
+            </a:r>
+            <a:r>
+              <a:rPr lang="ru-RU" sz="900" dirty="0" err="1"/>
+              <a:t>Yombe</a:t>
+            </a:r>
+            <a:r>
+              <a:rPr lang="ru-RU" sz="900" dirty="0"/>
+              <a:t> , </a:t>
+            </a:r>
+            <a:r>
+              <a:rPr lang="ru-RU" sz="900" dirty="0" err="1"/>
+              <a:t>Beembe</a:t>
+            </a:r>
+            <a:r>
+              <a:rPr lang="ru-RU" sz="900" dirty="0"/>
+              <a:t> , </a:t>
+            </a:r>
+            <a:r>
+              <a:rPr lang="ru-RU" sz="900" dirty="0" err="1"/>
+              <a:t>Sundi</a:t>
+            </a:r>
+            <a:r>
+              <a:rPr lang="ru-RU" sz="900" dirty="0"/>
+              <a:t> и другие, но общий язык, </a:t>
+            </a:r>
+            <a:r>
+              <a:rPr lang="ru-RU" sz="900" dirty="0" err="1"/>
+              <a:t>Quicongo</a:t>
+            </a:r>
+            <a:r>
+              <a:rPr lang="ru-RU" sz="900" dirty="0"/>
+              <a:t>)</a:t>
+            </a:r>
+            <a:endParaRPr lang="ru-RU" sz="900" dirty="0" smtClean="0"/>
+          </a:p>
+        </p:txBody>
+      </p:sp>
+      <p:cxnSp>
+        <p:nvCxnSpPr>
+          <p:cNvPr id="427" name="Прямая со стрелкой 426"/>
+          <p:cNvCxnSpPr>
+            <a:stCxn id="423" idx="2"/>
+            <a:endCxn id="425" idx="0"/>
+          </p:cNvCxnSpPr>
+          <p:nvPr/>
+        </p:nvCxnSpPr>
+        <p:spPr>
+          <a:xfrm>
+            <a:off x="58634711" y="14739842"/>
+            <a:ext cx="0" cy="2059576"/>
+          </a:xfrm>
+          <a:prstGeom prst="straightConnector1">
+            <a:avLst/>
+          </a:prstGeom>
+          <a:ln w="28575">
+            <a:tailEnd type="arrow"/>
+          </a:ln>
+        </p:spPr>
+        <p:style>
+          <a:lnRef idx="1">
+            <a:schemeClr val="accent1"/>
+          </a:lnRef>
+          <a:fillRef idx="0">
+            <a:schemeClr val="accent1"/>
+          </a:fillRef>
+          <a:effectRef idx="0">
+            <a:schemeClr val="accent1"/>
+          </a:effectRef>
+          <a:fontRef idx="minor">
+            <a:schemeClr val="tx1"/>
+          </a:fontRef>
+        </p:style>
+      </p:cxnSp>
+      <p:cxnSp>
+        <p:nvCxnSpPr>
+          <p:cNvPr id="428" name="Соединительная линия уступом 427"/>
+          <p:cNvCxnSpPr>
+            <a:stCxn id="244" idx="2"/>
+            <a:endCxn id="419" idx="0"/>
+          </p:cNvCxnSpPr>
+          <p:nvPr/>
+        </p:nvCxnSpPr>
+        <p:spPr>
+          <a:xfrm rot="5400000">
+            <a:off x="53414968" y="7896483"/>
+            <a:ext cx="431778" cy="5009851"/>
+          </a:xfrm>
+          <a:prstGeom prst="bentConnector3">
+            <a:avLst>
+              <a:gd name="adj1" fmla="val 50000"/>
+            </a:avLst>
+          </a:prstGeom>
+          <a:ln w="28575">
+            <a:tailEnd type="arrow"/>
+          </a:ln>
+        </p:spPr>
+        <p:style>
+          <a:lnRef idx="1">
+            <a:schemeClr val="accent1"/>
+          </a:lnRef>
+          <a:fillRef idx="0">
+            <a:schemeClr val="accent1"/>
+          </a:fillRef>
+          <a:effectRef idx="0">
+            <a:schemeClr val="accent1"/>
+          </a:effectRef>
+          <a:fontRef idx="minor">
+            <a:schemeClr val="tx1"/>
+          </a:fontRef>
+        </p:style>
+      </p:cxnSp>
+      <p:cxnSp>
+        <p:nvCxnSpPr>
+          <p:cNvPr id="429" name="Соединительная линия уступом 428"/>
+          <p:cNvCxnSpPr>
+            <a:stCxn id="244" idx="2"/>
+            <a:endCxn id="420" idx="0"/>
+          </p:cNvCxnSpPr>
+          <p:nvPr/>
+        </p:nvCxnSpPr>
+        <p:spPr>
+          <a:xfrm rot="5400000">
+            <a:off x="54674189" y="9148178"/>
+            <a:ext cx="424253" cy="2498935"/>
+          </a:xfrm>
+          <a:prstGeom prst="bentConnector3">
+            <a:avLst>
+              <a:gd name="adj1" fmla="val 50000"/>
+            </a:avLst>
+          </a:prstGeom>
+          <a:ln w="28575">
+            <a:tailEnd type="arrow"/>
+          </a:ln>
+        </p:spPr>
+        <p:style>
+          <a:lnRef idx="1">
+            <a:schemeClr val="accent1"/>
+          </a:lnRef>
+          <a:fillRef idx="0">
+            <a:schemeClr val="accent1"/>
+          </a:fillRef>
+          <a:effectRef idx="0">
+            <a:schemeClr val="accent1"/>
+          </a:effectRef>
+          <a:fontRef idx="minor">
+            <a:schemeClr val="tx1"/>
+          </a:fontRef>
+        </p:style>
+      </p:cxnSp>
+      <p:cxnSp>
+        <p:nvCxnSpPr>
+          <p:cNvPr id="430" name="Соединительная линия уступом 429"/>
+          <p:cNvCxnSpPr>
+            <a:stCxn id="244" idx="2"/>
+            <a:endCxn id="422" idx="0"/>
+          </p:cNvCxnSpPr>
+          <p:nvPr/>
+        </p:nvCxnSpPr>
+        <p:spPr>
+          <a:xfrm rot="16200000" flipH="1">
+            <a:off x="57176118" y="9145182"/>
+            <a:ext cx="424253" cy="2504925"/>
+          </a:xfrm>
+          <a:prstGeom prst="bentConnector3">
+            <a:avLst>
+              <a:gd name="adj1" fmla="val 50000"/>
+            </a:avLst>
+          </a:prstGeom>
+          <a:ln w="28575">
+            <a:tailEnd type="arrow"/>
+          </a:ln>
+        </p:spPr>
+        <p:style>
+          <a:lnRef idx="1">
+            <a:schemeClr val="accent1"/>
+          </a:lnRef>
+          <a:fillRef idx="0">
+            <a:schemeClr val="accent1"/>
+          </a:fillRef>
+          <a:effectRef idx="0">
+            <a:schemeClr val="accent1"/>
+          </a:effectRef>
+          <a:fontRef idx="minor">
+            <a:schemeClr val="tx1"/>
+          </a:fontRef>
+        </p:style>
+      </p:cxnSp>
+      <p:cxnSp>
+        <p:nvCxnSpPr>
+          <p:cNvPr id="431" name="Прямая со стрелкой 430"/>
+          <p:cNvCxnSpPr>
+            <a:stCxn id="244" idx="2"/>
+            <a:endCxn id="418" idx="0"/>
+          </p:cNvCxnSpPr>
+          <p:nvPr/>
+        </p:nvCxnSpPr>
+        <p:spPr>
+          <a:xfrm>
+            <a:off x="56135782" y="10185519"/>
+            <a:ext cx="0" cy="425523"/>
+          </a:xfrm>
+          <a:prstGeom prst="straightConnector1">
+            <a:avLst/>
+          </a:prstGeom>
+          <a:ln w="28575">
+            <a:tailEnd type="arrow"/>
+          </a:ln>
+        </p:spPr>
+        <p:style>
+          <a:lnRef idx="1">
+            <a:schemeClr val="accent1"/>
+          </a:lnRef>
+          <a:fillRef idx="0">
+            <a:schemeClr val="accent1"/>
+          </a:fillRef>
+          <a:effectRef idx="0">
+            <a:schemeClr val="accent1"/>
+          </a:effectRef>
+          <a:fontRef idx="minor">
+            <a:schemeClr val="tx1"/>
+          </a:fontRef>
+        </p:style>
+      </p:cxnSp>
+      <p:cxnSp>
+        <p:nvCxnSpPr>
+          <p:cNvPr id="432" name="Соединительная линия уступом 431"/>
+          <p:cNvCxnSpPr>
+            <a:stCxn id="418" idx="2"/>
+            <a:endCxn id="424" idx="0"/>
+          </p:cNvCxnSpPr>
+          <p:nvPr/>
+        </p:nvCxnSpPr>
+        <p:spPr>
+          <a:xfrm rot="16200000" flipH="1">
+            <a:off x="56527140" y="11299683"/>
+            <a:ext cx="469746" cy="1252463"/>
+          </a:xfrm>
+          <a:prstGeom prst="bentConnector3">
+            <a:avLst>
+              <a:gd name="adj1" fmla="val 50000"/>
+            </a:avLst>
+          </a:prstGeom>
+          <a:ln w="28575">
+            <a:tailEnd type="arrow"/>
+          </a:ln>
+        </p:spPr>
+        <p:style>
+          <a:lnRef idx="1">
+            <a:schemeClr val="accent1"/>
+          </a:lnRef>
+          <a:fillRef idx="0">
+            <a:schemeClr val="accent1"/>
+          </a:fillRef>
+          <a:effectRef idx="0">
+            <a:schemeClr val="accent1"/>
+          </a:effectRef>
+          <a:fontRef idx="minor">
+            <a:schemeClr val="tx1"/>
+          </a:fontRef>
+        </p:style>
+      </p:cxnSp>
+      <p:cxnSp>
+        <p:nvCxnSpPr>
+          <p:cNvPr id="433" name="Соединительная линия уступом 432"/>
+          <p:cNvCxnSpPr>
+            <a:stCxn id="422" idx="2"/>
+            <a:endCxn id="424" idx="0"/>
+          </p:cNvCxnSpPr>
+          <p:nvPr/>
+        </p:nvCxnSpPr>
+        <p:spPr>
+          <a:xfrm rot="5400000">
+            <a:off x="57778968" y="11299049"/>
+            <a:ext cx="471016" cy="1252462"/>
+          </a:xfrm>
+          <a:prstGeom prst="bentConnector3">
+            <a:avLst>
+              <a:gd name="adj1" fmla="val 50000"/>
+            </a:avLst>
+          </a:prstGeom>
+          <a:ln w="28575">
+            <a:tailEnd type="arrow"/>
+          </a:ln>
+        </p:spPr>
+        <p:style>
+          <a:lnRef idx="1">
+            <a:schemeClr val="accent1"/>
+          </a:lnRef>
+          <a:fillRef idx="0">
+            <a:schemeClr val="accent1"/>
+          </a:fillRef>
+          <a:effectRef idx="0">
+            <a:schemeClr val="accent1"/>
+          </a:effectRef>
+          <a:fontRef idx="minor">
+            <a:schemeClr val="tx1"/>
+          </a:fontRef>
+        </p:style>
+      </p:cxnSp>
+      <p:cxnSp>
+        <p:nvCxnSpPr>
+          <p:cNvPr id="434" name="Соединительная линия уступом 433"/>
+          <p:cNvCxnSpPr>
+            <a:stCxn id="424" idx="2"/>
+            <a:endCxn id="426" idx="0"/>
+          </p:cNvCxnSpPr>
+          <p:nvPr/>
+        </p:nvCxnSpPr>
+        <p:spPr>
+          <a:xfrm rot="5400000">
+            <a:off x="56551234" y="12825333"/>
+            <a:ext cx="421557" cy="1252466"/>
+          </a:xfrm>
+          <a:prstGeom prst="bentConnector3">
+            <a:avLst>
+              <a:gd name="adj1" fmla="val 50000"/>
+            </a:avLst>
+          </a:prstGeom>
+          <a:ln w="28575">
+            <a:tailEnd type="arrow"/>
+          </a:ln>
+        </p:spPr>
+        <p:style>
+          <a:lnRef idx="1">
+            <a:schemeClr val="accent1"/>
+          </a:lnRef>
+          <a:fillRef idx="0">
+            <a:schemeClr val="accent1"/>
+          </a:fillRef>
+          <a:effectRef idx="0">
+            <a:schemeClr val="accent1"/>
+          </a:effectRef>
+          <a:fontRef idx="minor">
+            <a:schemeClr val="tx1"/>
+          </a:fontRef>
+        </p:style>
+      </p:cxnSp>
+      <p:cxnSp>
+        <p:nvCxnSpPr>
+          <p:cNvPr id="435" name="Соединительная линия уступом 434"/>
+          <p:cNvCxnSpPr>
+            <a:stCxn id="424" idx="2"/>
+            <a:endCxn id="423" idx="0"/>
+          </p:cNvCxnSpPr>
+          <p:nvPr/>
+        </p:nvCxnSpPr>
+        <p:spPr>
+          <a:xfrm rot="16200000" flipH="1">
+            <a:off x="57801951" y="12827082"/>
+            <a:ext cx="419054" cy="1246466"/>
+          </a:xfrm>
+          <a:prstGeom prst="bentConnector3">
+            <a:avLst>
+              <a:gd name="adj1" fmla="val 50000"/>
+            </a:avLst>
+          </a:prstGeom>
+          <a:ln w="28575">
+            <a:tailEnd type="arrow"/>
+          </a:ln>
+        </p:spPr>
+        <p:style>
+          <a:lnRef idx="1">
+            <a:schemeClr val="accent1"/>
+          </a:lnRef>
+          <a:fillRef idx="0">
+            <a:schemeClr val="accent1"/>
+          </a:fillRef>
+          <a:effectRef idx="0">
+            <a:schemeClr val="accent1"/>
+          </a:effectRef>
+          <a:fontRef idx="minor">
+            <a:schemeClr val="tx1"/>
+          </a:fontRef>
+        </p:style>
+      </p:cxnSp>
+      <p:cxnSp>
+        <p:nvCxnSpPr>
+          <p:cNvPr id="436" name="Соединительная линия уступом 435"/>
+          <p:cNvCxnSpPr>
+            <a:stCxn id="244" idx="2"/>
+            <a:endCxn id="415" idx="0"/>
+          </p:cNvCxnSpPr>
+          <p:nvPr/>
+        </p:nvCxnSpPr>
+        <p:spPr>
+          <a:xfrm rot="5400000">
+            <a:off x="54522537" y="10552292"/>
+            <a:ext cx="1980019" cy="1246472"/>
+          </a:xfrm>
+          <a:prstGeom prst="bentConnector3">
+            <a:avLst>
+              <a:gd name="adj1" fmla="val 11047"/>
+            </a:avLst>
+          </a:prstGeom>
+          <a:ln w="28575">
+            <a:tailEnd type="arrow"/>
+          </a:ln>
+        </p:spPr>
+        <p:style>
+          <a:lnRef idx="1">
+            <a:schemeClr val="accent1"/>
+          </a:lnRef>
+          <a:fillRef idx="0">
+            <a:schemeClr val="accent1"/>
+          </a:fillRef>
+          <a:effectRef idx="0">
+            <a:schemeClr val="accent1"/>
+          </a:effectRef>
+          <a:fontRef idx="minor">
+            <a:schemeClr val="tx1"/>
+          </a:fontRef>
+        </p:style>
+      </p:cxnSp>
+      <p:cxnSp>
+        <p:nvCxnSpPr>
+          <p:cNvPr id="437" name="Соединительная линия уступом 436"/>
+          <p:cNvCxnSpPr>
+            <a:stCxn id="424" idx="2"/>
+            <a:endCxn id="421" idx="0"/>
+          </p:cNvCxnSpPr>
+          <p:nvPr/>
+        </p:nvCxnSpPr>
+        <p:spPr>
+          <a:xfrm rot="5400000">
+            <a:off x="55303018" y="11574617"/>
+            <a:ext cx="419056" cy="3751398"/>
+          </a:xfrm>
+          <a:prstGeom prst="bentConnector3">
+            <a:avLst>
+              <a:gd name="adj1" fmla="val 50000"/>
+            </a:avLst>
+          </a:prstGeom>
+          <a:ln w="28575">
+            <a:tailEnd type="arrow"/>
+          </a:ln>
+        </p:spPr>
+        <p:style>
+          <a:lnRef idx="1">
+            <a:schemeClr val="accent1"/>
+          </a:lnRef>
+          <a:fillRef idx="0">
+            <a:schemeClr val="accent1"/>
+          </a:fillRef>
+          <a:effectRef idx="0">
+            <a:schemeClr val="accent1"/>
+          </a:effectRef>
+          <a:fontRef idx="minor">
+            <a:schemeClr val="tx1"/>
+          </a:fontRef>
+        </p:style>
+      </p:cxnSp>
+      <p:cxnSp>
+        <p:nvCxnSpPr>
+          <p:cNvPr id="438" name="Соединительная линия уступом 437"/>
+          <p:cNvCxnSpPr>
+            <a:stCxn id="417" idx="2"/>
+            <a:endCxn id="421" idx="0"/>
+          </p:cNvCxnSpPr>
+          <p:nvPr/>
+        </p:nvCxnSpPr>
+        <p:spPr>
+          <a:xfrm rot="16200000" flipH="1">
+            <a:off x="52800898" y="12823895"/>
+            <a:ext cx="419434" cy="1252464"/>
+          </a:xfrm>
+          <a:prstGeom prst="bentConnector3">
+            <a:avLst>
+              <a:gd name="adj1" fmla="val 50000"/>
+            </a:avLst>
+          </a:prstGeom>
+          <a:ln w="28575">
+            <a:tailEnd type="arrow"/>
+          </a:ln>
+        </p:spPr>
+        <p:style>
+          <a:lnRef idx="1">
+            <a:schemeClr val="accent1"/>
+          </a:lnRef>
+          <a:fillRef idx="0">
+            <a:schemeClr val="accent1"/>
+          </a:fillRef>
+          <a:effectRef idx="0">
+            <a:schemeClr val="accent1"/>
+          </a:effectRef>
+          <a:fontRef idx="minor">
+            <a:schemeClr val="tx1"/>
+          </a:fontRef>
+        </p:style>
+      </p:cxnSp>
+      <p:cxnSp>
+        <p:nvCxnSpPr>
+          <p:cNvPr id="439" name="Соединительная линия уступом 438"/>
+          <p:cNvCxnSpPr>
+            <a:stCxn id="244" idx="2"/>
+            <a:endCxn id="417" idx="0"/>
+          </p:cNvCxnSpPr>
+          <p:nvPr/>
+        </p:nvCxnSpPr>
+        <p:spPr>
+          <a:xfrm rot="5400000">
+            <a:off x="53272638" y="9297265"/>
+            <a:ext cx="1974891" cy="3751399"/>
+          </a:xfrm>
+          <a:prstGeom prst="bentConnector3">
+            <a:avLst>
+              <a:gd name="adj1" fmla="val 10946"/>
+            </a:avLst>
+          </a:prstGeom>
+          <a:ln w="28575">
+            <a:tailEnd type="arrow"/>
+          </a:ln>
+        </p:spPr>
+        <p:style>
+          <a:lnRef idx="1">
+            <a:schemeClr val="accent1"/>
+          </a:lnRef>
+          <a:fillRef idx="0">
+            <a:schemeClr val="accent1"/>
+          </a:fillRef>
+          <a:effectRef idx="0">
+            <a:schemeClr val="accent1"/>
+          </a:effectRef>
+          <a:fontRef idx="minor">
+            <a:schemeClr val="tx1"/>
+          </a:fontRef>
+        </p:style>
+      </p:cxnSp>
+      <p:sp>
+        <p:nvSpPr>
+          <p:cNvPr id="440" name="Прямоугольник 439"/>
+          <p:cNvSpPr/>
+          <p:nvPr/>
+        </p:nvSpPr>
+        <p:spPr>
+          <a:xfrm>
+            <a:off x="53831351" y="15107228"/>
+            <a:ext cx="2115918" cy="1080000"/>
+          </a:xfrm>
+          <a:prstGeom prst="rect">
+            <a:avLst/>
+          </a:prstGeom>
+          <a:solidFill>
+            <a:srgbClr val="7030A0"/>
+          </a:solidFill>
+          <a:ln w="28575"/>
+        </p:spPr>
+        <p:style>
+          <a:lnRef idx="2">
+            <a:schemeClr val="accent1"/>
+          </a:lnRef>
+          <a:fillRef idx="1">
+            <a:schemeClr val="lt1"/>
+          </a:fillRef>
+          <a:effectRef idx="0">
+            <a:schemeClr val="accent1"/>
+          </a:effectRef>
+          <a:fontRef idx="minor">
+            <a:schemeClr val="dk1"/>
+          </a:fontRef>
+        </p:style>
+        <p:txBody>
+          <a:bodyPr lIns="124733" tIns="62367" rIns="124733" bIns="62367" rtlCol="0" anchor="ctr"/>
+          <a:lstStyle/>
+          <a:p>
+            <a:pPr algn="ctr"/>
+            <a:r>
+              <a:rPr lang="ru-RU" sz="1400" dirty="0" smtClean="0"/>
+              <a:t>Установить связи с Европой</a:t>
+            </a:r>
+            <a:endParaRPr lang="ru-RU" sz="1200" dirty="0" smtClean="0"/>
+          </a:p>
+        </p:txBody>
+      </p:sp>
+      <p:sp>
+        <p:nvSpPr>
+          <p:cNvPr id="441" name="Прямоугольник 440"/>
+          <p:cNvSpPr/>
+          <p:nvPr/>
+        </p:nvSpPr>
+        <p:spPr>
+          <a:xfrm>
+            <a:off x="51320434" y="15105518"/>
+            <a:ext cx="2115918" cy="1080000"/>
+          </a:xfrm>
+          <a:prstGeom prst="rect">
+            <a:avLst/>
+          </a:prstGeom>
+          <a:solidFill>
+            <a:srgbClr val="7030A0"/>
+          </a:solidFill>
+          <a:ln w="28575"/>
+        </p:spPr>
+        <p:style>
+          <a:lnRef idx="2">
+            <a:schemeClr val="accent1"/>
+          </a:lnRef>
+          <a:fillRef idx="1">
+            <a:schemeClr val="lt1"/>
+          </a:fillRef>
+          <a:effectRef idx="0">
+            <a:schemeClr val="accent1"/>
+          </a:effectRef>
+          <a:fontRef idx="minor">
+            <a:schemeClr val="dk1"/>
+          </a:fontRef>
+        </p:style>
+        <p:txBody>
+          <a:bodyPr lIns="124733" tIns="62367" rIns="124733" bIns="62367" rtlCol="0" anchor="ctr"/>
+          <a:lstStyle/>
+          <a:p>
+            <a:pPr algn="ctr"/>
+            <a:r>
+              <a:rPr lang="ru-RU" sz="1400" dirty="0" smtClean="0"/>
+              <a:t>Искать союзников в Африке</a:t>
+            </a:r>
+            <a:endParaRPr lang="ru-RU" sz="1200" dirty="0" smtClean="0"/>
+          </a:p>
+        </p:txBody>
+      </p:sp>
+      <p:cxnSp>
+        <p:nvCxnSpPr>
+          <p:cNvPr id="442" name="Соединительная линия уступом 441"/>
+          <p:cNvCxnSpPr>
+            <a:stCxn id="421" idx="2"/>
+            <a:endCxn id="440" idx="0"/>
+          </p:cNvCxnSpPr>
+          <p:nvPr/>
+        </p:nvCxnSpPr>
+        <p:spPr>
+          <a:xfrm rot="16200000" flipH="1">
+            <a:off x="54079386" y="14297304"/>
+            <a:ext cx="367384" cy="1252463"/>
+          </a:xfrm>
+          <a:prstGeom prst="bentConnector3">
+            <a:avLst>
+              <a:gd name="adj1" fmla="val 50000"/>
+            </a:avLst>
+          </a:prstGeom>
+          <a:ln w="28575">
+            <a:tailEnd type="arrow"/>
+          </a:ln>
+        </p:spPr>
+        <p:style>
+          <a:lnRef idx="1">
+            <a:schemeClr val="accent1"/>
+          </a:lnRef>
+          <a:fillRef idx="0">
+            <a:schemeClr val="accent1"/>
+          </a:fillRef>
+          <a:effectRef idx="0">
+            <a:schemeClr val="accent1"/>
+          </a:effectRef>
+          <a:fontRef idx="minor">
+            <a:schemeClr val="tx1"/>
+          </a:fontRef>
+        </p:style>
+      </p:cxnSp>
+      <p:cxnSp>
+        <p:nvCxnSpPr>
+          <p:cNvPr id="443" name="Соединительная линия уступом 442"/>
+          <p:cNvCxnSpPr>
+            <a:stCxn id="421" idx="2"/>
+            <a:endCxn id="441" idx="0"/>
+          </p:cNvCxnSpPr>
+          <p:nvPr/>
+        </p:nvCxnSpPr>
+        <p:spPr>
+          <a:xfrm rot="5400000">
+            <a:off x="52824783" y="14293454"/>
+            <a:ext cx="365674" cy="1258454"/>
+          </a:xfrm>
+          <a:prstGeom prst="bentConnector3">
+            <a:avLst>
+              <a:gd name="adj1" fmla="val 50000"/>
+            </a:avLst>
+          </a:prstGeom>
+          <a:ln w="28575">
+            <a:tailEnd type="arrow"/>
+          </a:ln>
+        </p:spPr>
+        <p:style>
+          <a:lnRef idx="1">
+            <a:schemeClr val="accent1"/>
+          </a:lnRef>
+          <a:fillRef idx="0">
+            <a:schemeClr val="accent1"/>
+          </a:fillRef>
+          <a:effectRef idx="0">
+            <a:schemeClr val="accent1"/>
+          </a:effectRef>
+          <a:fontRef idx="minor">
+            <a:schemeClr val="tx1"/>
+          </a:fontRef>
+        </p:style>
+      </p:cxnSp>
+      <p:sp>
+        <p:nvSpPr>
+          <p:cNvPr id="444" name="Прямоугольник 443"/>
+          <p:cNvSpPr/>
+          <p:nvPr/>
+        </p:nvSpPr>
+        <p:spPr>
+          <a:xfrm>
+            <a:off x="50067970" y="13659843"/>
+            <a:ext cx="2115918" cy="1080000"/>
+          </a:xfrm>
+          <a:prstGeom prst="rect">
+            <a:avLst/>
+          </a:prstGeom>
+          <a:solidFill>
+            <a:srgbClr val="7030A0"/>
+          </a:solidFill>
+          <a:ln w="28575"/>
+        </p:spPr>
+        <p:style>
+          <a:lnRef idx="2">
+            <a:schemeClr val="accent1"/>
+          </a:lnRef>
+          <a:fillRef idx="1">
+            <a:schemeClr val="lt1"/>
+          </a:fillRef>
+          <a:effectRef idx="0">
+            <a:schemeClr val="accent1"/>
+          </a:effectRef>
+          <a:fontRef idx="minor">
+            <a:schemeClr val="dk1"/>
+          </a:fontRef>
+        </p:style>
+        <p:txBody>
+          <a:bodyPr lIns="124733" tIns="62367" rIns="124733" bIns="62367" rtlCol="0" anchor="ctr"/>
+          <a:lstStyle/>
+          <a:p>
+            <a:pPr algn="ctr"/>
+            <a:r>
+              <a:rPr lang="ru-RU" sz="1400" dirty="0" smtClean="0"/>
+              <a:t>Создание военной промышленности королевства</a:t>
+            </a:r>
+            <a:endParaRPr lang="ru-RU" sz="1400" dirty="0" smtClean="0"/>
+          </a:p>
+        </p:txBody>
+      </p:sp>
+      <p:cxnSp>
+        <p:nvCxnSpPr>
+          <p:cNvPr id="445" name="Соединительная линия уступом 444"/>
+          <p:cNvCxnSpPr>
+            <a:stCxn id="417" idx="2"/>
+            <a:endCxn id="444" idx="0"/>
+          </p:cNvCxnSpPr>
+          <p:nvPr/>
+        </p:nvCxnSpPr>
+        <p:spPr>
+          <a:xfrm rot="5400000">
+            <a:off x="51545440" y="12820899"/>
+            <a:ext cx="419433" cy="1258454"/>
+          </a:xfrm>
+          <a:prstGeom prst="bentConnector3">
+            <a:avLst>
+              <a:gd name="adj1" fmla="val 50000"/>
+            </a:avLst>
+          </a:prstGeom>
+          <a:ln w="28575">
+            <a:tailEnd type="arrow"/>
+          </a:ln>
+        </p:spPr>
+        <p:style>
+          <a:lnRef idx="1">
+            <a:schemeClr val="accent1"/>
+          </a:lnRef>
+          <a:fillRef idx="0">
+            <a:schemeClr val="accent1"/>
+          </a:fillRef>
+          <a:effectRef idx="0">
+            <a:schemeClr val="accent1"/>
+          </a:effectRef>
+          <a:fontRef idx="minor">
+            <a:schemeClr val="tx1"/>
+          </a:fontRef>
+        </p:style>
+      </p:cxnSp>
+      <p:cxnSp>
+        <p:nvCxnSpPr>
+          <p:cNvPr id="446" name="Соединительная линия уступом 445"/>
+          <p:cNvCxnSpPr>
+            <a:stCxn id="318" idx="2"/>
+            <a:endCxn id="444" idx="0"/>
+          </p:cNvCxnSpPr>
+          <p:nvPr/>
+        </p:nvCxnSpPr>
+        <p:spPr>
+          <a:xfrm rot="16200000" flipH="1">
+            <a:off x="49666746" y="12200659"/>
+            <a:ext cx="419433" cy="2498933"/>
+          </a:xfrm>
+          <a:prstGeom prst="bentConnector3">
+            <a:avLst>
+              <a:gd name="adj1" fmla="val 50000"/>
+            </a:avLst>
+          </a:prstGeom>
+          <a:ln w="28575">
+            <a:tailEnd type="arrow"/>
+          </a:ln>
+        </p:spPr>
+        <p:style>
+          <a:lnRef idx="1">
+            <a:schemeClr val="accent1"/>
+          </a:lnRef>
+          <a:fillRef idx="0">
+            <a:schemeClr val="accent1"/>
+          </a:fillRef>
+          <a:effectRef idx="0">
+            <a:schemeClr val="accent1"/>
+          </a:effectRef>
+          <a:fontRef idx="minor">
+            <a:schemeClr val="tx1"/>
+          </a:fontRef>
+        </p:style>
+      </p:cxnSp>
+      <p:cxnSp>
+        <p:nvCxnSpPr>
+          <p:cNvPr id="447" name="Прямая соединительная линия 446"/>
+          <p:cNvCxnSpPr>
+            <a:stCxn id="440" idx="1"/>
+            <a:endCxn id="441" idx="3"/>
+          </p:cNvCxnSpPr>
+          <p:nvPr/>
+        </p:nvCxnSpPr>
+        <p:spPr>
+          <a:xfrm flipH="1" flipV="1">
+            <a:off x="53436352" y="15645518"/>
+            <a:ext cx="394999" cy="1710"/>
+          </a:xfrm>
+          <a:prstGeom prst="line">
+            <a:avLst/>
+          </a:prstGeom>
+          <a:ln w="28575">
+            <a:solidFill>
+              <a:srgbClr val="FF0000"/>
+            </a:solidFill>
+          </a:ln>
+        </p:spPr>
+        <p:style>
+          <a:lnRef idx="1">
+            <a:schemeClr val="accent1"/>
+          </a:lnRef>
+          <a:fillRef idx="0">
+            <a:schemeClr val="accent1"/>
+          </a:fillRef>
+          <a:effectRef idx="0">
+            <a:schemeClr val="accent1"/>
+          </a:effectRef>
+          <a:fontRef idx="minor">
+            <a:schemeClr val="tx1"/>
+          </a:fontRef>
+        </p:style>
+      </p:cxnSp>
+      <p:sp>
+        <p:nvSpPr>
+          <p:cNvPr id="448" name="Прямоугольник 447"/>
+          <p:cNvSpPr/>
+          <p:nvPr/>
+        </p:nvSpPr>
+        <p:spPr>
+          <a:xfrm>
+            <a:off x="56324288" y="15105518"/>
+            <a:ext cx="2115918" cy="1080000"/>
+          </a:xfrm>
+          <a:prstGeom prst="rect">
+            <a:avLst/>
+          </a:prstGeom>
+          <a:solidFill>
+            <a:srgbClr val="7030A0"/>
+          </a:solidFill>
+          <a:ln w="28575"/>
+        </p:spPr>
+        <p:style>
+          <a:lnRef idx="2">
+            <a:schemeClr val="accent1"/>
+          </a:lnRef>
+          <a:fillRef idx="1">
+            <a:schemeClr val="lt1"/>
+          </a:fillRef>
+          <a:effectRef idx="0">
+            <a:schemeClr val="accent1"/>
+          </a:effectRef>
+          <a:fontRef idx="minor">
+            <a:schemeClr val="dk1"/>
+          </a:fontRef>
+        </p:style>
+        <p:txBody>
+          <a:bodyPr lIns="124733" tIns="62367" rIns="124733" bIns="62367" rtlCol="0" anchor="ctr"/>
+          <a:lstStyle/>
+          <a:p>
+            <a:pPr algn="ctr"/>
+            <a:r>
+              <a:rPr lang="ru-RU" sz="1400" dirty="0" smtClean="0"/>
+              <a:t>Начать набор из лояльных племён</a:t>
+            </a:r>
+            <a:endParaRPr lang="ru-RU" sz="1200" dirty="0" smtClean="0"/>
+          </a:p>
+        </p:txBody>
+      </p:sp>
+      <p:cxnSp>
+        <p:nvCxnSpPr>
+          <p:cNvPr id="449" name="Прямая со стрелкой 448"/>
+          <p:cNvCxnSpPr>
+            <a:stCxn id="424" idx="2"/>
+            <a:endCxn id="448" idx="0"/>
+          </p:cNvCxnSpPr>
+          <p:nvPr/>
+        </p:nvCxnSpPr>
+        <p:spPr>
+          <a:xfrm flipH="1">
+            <a:off x="57382247" y="13240788"/>
+            <a:ext cx="5998" cy="1864730"/>
+          </a:xfrm>
+          <a:prstGeom prst="straightConnector1">
+            <a:avLst/>
+          </a:prstGeom>
+          <a:ln w="28575">
+            <a:tailEnd type="arrow"/>
+          </a:ln>
+        </p:spPr>
+        <p:style>
+          <a:lnRef idx="1">
+            <a:schemeClr val="accent1"/>
+          </a:lnRef>
+          <a:fillRef idx="0">
+            <a:schemeClr val="accent1"/>
+          </a:fillRef>
+          <a:effectRef idx="0">
+            <a:schemeClr val="accent1"/>
+          </a:effectRef>
+          <a:fontRef idx="minor">
+            <a:schemeClr val="tx1"/>
+          </a:fontRef>
+        </p:style>
+      </p:cxnSp>
+      <p:sp>
+        <p:nvSpPr>
+          <p:cNvPr id="458" name="Прямоугольник 457"/>
+          <p:cNvSpPr/>
+          <p:nvPr/>
+        </p:nvSpPr>
+        <p:spPr>
+          <a:xfrm>
+            <a:off x="51326424" y="16799418"/>
+            <a:ext cx="2115918" cy="1080000"/>
+          </a:xfrm>
+          <a:prstGeom prst="rect">
+            <a:avLst/>
+          </a:prstGeom>
+          <a:solidFill>
+            <a:srgbClr val="7030A0"/>
+          </a:solidFill>
+          <a:ln w="28575"/>
+        </p:spPr>
+        <p:style>
+          <a:lnRef idx="2">
+            <a:schemeClr val="accent1"/>
+          </a:lnRef>
+          <a:fillRef idx="1">
+            <a:schemeClr val="lt1"/>
+          </a:fillRef>
+          <a:effectRef idx="0">
+            <a:schemeClr val="accent1"/>
+          </a:effectRef>
+          <a:fontRef idx="minor">
+            <a:schemeClr val="dk1"/>
+          </a:fontRef>
+        </p:style>
+        <p:txBody>
+          <a:bodyPr lIns="124733" tIns="62367" rIns="124733" bIns="62367" rtlCol="0" anchor="ctr"/>
+          <a:lstStyle/>
+          <a:p>
+            <a:pPr algn="ctr"/>
+            <a:r>
+              <a:rPr lang="ru-RU" sz="1400" dirty="0" smtClean="0"/>
+              <a:t>Совместные предприятия</a:t>
+            </a:r>
+            <a:endParaRPr lang="ru-RU" sz="1200" dirty="0" smtClean="0"/>
+          </a:p>
+        </p:txBody>
+      </p:sp>
+      <p:sp>
+        <p:nvSpPr>
+          <p:cNvPr id="459" name="Прямоугольник 458"/>
+          <p:cNvSpPr/>
+          <p:nvPr/>
+        </p:nvSpPr>
+        <p:spPr>
+          <a:xfrm>
+            <a:off x="53831351" y="16799418"/>
+            <a:ext cx="2115918" cy="1080000"/>
+          </a:xfrm>
+          <a:prstGeom prst="rect">
+            <a:avLst/>
+          </a:prstGeom>
+          <a:solidFill>
+            <a:srgbClr val="7030A0"/>
+          </a:solidFill>
+          <a:ln w="28575"/>
+        </p:spPr>
+        <p:style>
+          <a:lnRef idx="2">
+            <a:schemeClr val="accent1"/>
+          </a:lnRef>
+          <a:fillRef idx="1">
+            <a:schemeClr val="lt1"/>
+          </a:fillRef>
+          <a:effectRef idx="0">
+            <a:schemeClr val="accent1"/>
+          </a:effectRef>
+          <a:fontRef idx="minor">
+            <a:schemeClr val="dk1"/>
+          </a:fontRef>
+        </p:style>
+        <p:txBody>
+          <a:bodyPr lIns="124733" tIns="62367" rIns="124733" bIns="62367" rtlCol="0" anchor="ctr"/>
+          <a:lstStyle/>
+          <a:p>
+            <a:pPr algn="ctr"/>
+            <a:r>
+              <a:rPr lang="ru-RU" sz="1400" dirty="0" smtClean="0"/>
+              <a:t>Инвестиции в обмен на уран</a:t>
+            </a:r>
+            <a:endParaRPr lang="ru-RU" sz="1200" dirty="0" smtClean="0"/>
+          </a:p>
+        </p:txBody>
+      </p:sp>
+      <p:cxnSp>
+        <p:nvCxnSpPr>
+          <p:cNvPr id="472" name="Прямая со стрелкой 471"/>
+          <p:cNvCxnSpPr>
+            <a:stCxn id="440" idx="2"/>
+            <a:endCxn id="459" idx="0"/>
+          </p:cNvCxnSpPr>
+          <p:nvPr/>
+        </p:nvCxnSpPr>
+        <p:spPr>
+          <a:xfrm>
+            <a:off x="54889310" y="16187228"/>
+            <a:ext cx="0" cy="612190"/>
+          </a:xfrm>
+          <a:prstGeom prst="straightConnector1">
+            <a:avLst/>
+          </a:prstGeom>
+          <a:ln w="28575">
+            <a:tailEnd type="arrow"/>
+          </a:ln>
+        </p:spPr>
+        <p:style>
+          <a:lnRef idx="1">
+            <a:schemeClr val="accent1"/>
+          </a:lnRef>
+          <a:fillRef idx="0">
+            <a:schemeClr val="accent1"/>
+          </a:fillRef>
+          <a:effectRef idx="0">
+            <a:schemeClr val="accent1"/>
+          </a:effectRef>
+          <a:fontRef idx="minor">
+            <a:schemeClr val="tx1"/>
+          </a:fontRef>
+        </p:style>
+      </p:cxnSp>
+      <p:cxnSp>
+        <p:nvCxnSpPr>
+          <p:cNvPr id="475" name="Прямая со стрелкой 474"/>
+          <p:cNvCxnSpPr>
+            <a:stCxn id="441" idx="2"/>
+            <a:endCxn id="458" idx="0"/>
+          </p:cNvCxnSpPr>
+          <p:nvPr/>
+        </p:nvCxnSpPr>
+        <p:spPr>
+          <a:xfrm>
+            <a:off x="52378393" y="16185518"/>
+            <a:ext cx="5990" cy="613900"/>
           </a:xfrm>
           <a:prstGeom prst="straightConnector1">
             <a:avLst/>

--- a/Наработки/диздоки/Бельгийское Конго/Бельгийское Конго.pptx
+++ b/Наработки/диздоки/Бельгийское Конго/Бельгийское Конго.pptx
@@ -209,7 +209,7 @@
             <a:fld id="{33E3D7F9-E251-484C-A6FF-FA958879DF69}" type="datetimeFigureOut">
               <a:rPr lang="ru-RU" smtClean="0"/>
               <a:pPr/>
-              <a:t>09.12.2021</a:t>
+              <a:t>12.12.2021</a:t>
             </a:fld>
             <a:endParaRPr lang="ru-RU"/>
           </a:p>
@@ -700,7 +700,7 @@
             <a:fld id="{85A5DE44-605B-4D3B-B2B7-94543DF81A36}" type="datetimeFigureOut">
               <a:rPr lang="ru-RU" smtClean="0"/>
               <a:pPr/>
-              <a:t>09.12.2021</a:t>
+              <a:t>12.12.2021</a:t>
             </a:fld>
             <a:endParaRPr lang="ru-RU"/>
           </a:p>
@@ -872,7 +872,7 @@
             <a:fld id="{85A5DE44-605B-4D3B-B2B7-94543DF81A36}" type="datetimeFigureOut">
               <a:rPr lang="ru-RU" smtClean="0"/>
               <a:pPr/>
-              <a:t>09.12.2021</a:t>
+              <a:t>12.12.2021</a:t>
             </a:fld>
             <a:endParaRPr lang="ru-RU"/>
           </a:p>
@@ -1054,7 +1054,7 @@
             <a:fld id="{85A5DE44-605B-4D3B-B2B7-94543DF81A36}" type="datetimeFigureOut">
               <a:rPr lang="ru-RU" smtClean="0"/>
               <a:pPr/>
-              <a:t>09.12.2021</a:t>
+              <a:t>12.12.2021</a:t>
             </a:fld>
             <a:endParaRPr lang="ru-RU"/>
           </a:p>
@@ -1226,7 +1226,7 @@
             <a:fld id="{85A5DE44-605B-4D3B-B2B7-94543DF81A36}" type="datetimeFigureOut">
               <a:rPr lang="ru-RU" smtClean="0"/>
               <a:pPr/>
-              <a:t>09.12.2021</a:t>
+              <a:t>12.12.2021</a:t>
             </a:fld>
             <a:endParaRPr lang="ru-RU"/>
           </a:p>
@@ -1474,7 +1474,7 @@
             <a:fld id="{85A5DE44-605B-4D3B-B2B7-94543DF81A36}" type="datetimeFigureOut">
               <a:rPr lang="ru-RU" smtClean="0"/>
               <a:pPr/>
-              <a:t>09.12.2021</a:t>
+              <a:t>12.12.2021</a:t>
             </a:fld>
             <a:endParaRPr lang="ru-RU"/>
           </a:p>
@@ -1708,7 +1708,7 @@
             <a:fld id="{85A5DE44-605B-4D3B-B2B7-94543DF81A36}" type="datetimeFigureOut">
               <a:rPr lang="ru-RU" smtClean="0"/>
               <a:pPr/>
-              <a:t>09.12.2021</a:t>
+              <a:t>12.12.2021</a:t>
             </a:fld>
             <a:endParaRPr lang="ru-RU"/>
           </a:p>
@@ -2077,7 +2077,7 @@
             <a:fld id="{85A5DE44-605B-4D3B-B2B7-94543DF81A36}" type="datetimeFigureOut">
               <a:rPr lang="ru-RU" smtClean="0"/>
               <a:pPr/>
-              <a:t>09.12.2021</a:t>
+              <a:t>12.12.2021</a:t>
             </a:fld>
             <a:endParaRPr lang="ru-RU"/>
           </a:p>
@@ -2197,7 +2197,7 @@
             <a:fld id="{85A5DE44-605B-4D3B-B2B7-94543DF81A36}" type="datetimeFigureOut">
               <a:rPr lang="ru-RU" smtClean="0"/>
               <a:pPr/>
-              <a:t>09.12.2021</a:t>
+              <a:t>12.12.2021</a:t>
             </a:fld>
             <a:endParaRPr lang="ru-RU"/>
           </a:p>
@@ -2294,7 +2294,7 @@
             <a:fld id="{85A5DE44-605B-4D3B-B2B7-94543DF81A36}" type="datetimeFigureOut">
               <a:rPr lang="ru-RU" smtClean="0"/>
               <a:pPr/>
-              <a:t>09.12.2021</a:t>
+              <a:t>12.12.2021</a:t>
             </a:fld>
             <a:endParaRPr lang="ru-RU"/>
           </a:p>
@@ -2573,7 +2573,7 @@
             <a:fld id="{85A5DE44-605B-4D3B-B2B7-94543DF81A36}" type="datetimeFigureOut">
               <a:rPr lang="ru-RU" smtClean="0"/>
               <a:pPr/>
-              <a:t>09.12.2021</a:t>
+              <a:t>12.12.2021</a:t>
             </a:fld>
             <a:endParaRPr lang="ru-RU"/>
           </a:p>
@@ -2832,7 +2832,7 @@
             <a:fld id="{85A5DE44-605B-4D3B-B2B7-94543DF81A36}" type="datetimeFigureOut">
               <a:rPr lang="ru-RU" smtClean="0"/>
               <a:pPr/>
-              <a:t>09.12.2021</a:t>
+              <a:t>12.12.2021</a:t>
             </a:fld>
             <a:endParaRPr lang="ru-RU"/>
           </a:p>
@@ -3047,7 +3047,7 @@
             <a:fld id="{85A5DE44-605B-4D3B-B2B7-94543DF81A36}" type="datetimeFigureOut">
               <a:rPr lang="ru-RU" smtClean="0"/>
               <a:pPr/>
-              <a:t>09.12.2021</a:t>
+              <a:t>12.12.2021</a:t>
             </a:fld>
             <a:endParaRPr lang="ru-RU"/>
           </a:p>
@@ -17942,7 +17942,6 @@
               <a:rPr lang="ru-RU" sz="1400" dirty="0" smtClean="0"/>
               <a:t>Вернуться к добыче слоновьей кости</a:t>
             </a:r>
-            <a:endParaRPr lang="ru-RU" sz="1400" dirty="0" smtClean="0"/>
           </a:p>
         </p:txBody>
       </p:sp>
@@ -17988,7 +17987,6 @@
               <a:rPr lang="ru-RU" sz="1400" dirty="0" smtClean="0"/>
               <a:t>Использовать слонов в армии</a:t>
             </a:r>
-            <a:endParaRPr lang="ru-RU" sz="1400" dirty="0" smtClean="0"/>
           </a:p>
         </p:txBody>
       </p:sp>
@@ -19173,7 +19171,6 @@
               <a:rPr lang="ru-RU" sz="1400" dirty="0" smtClean="0"/>
               <a:t>Создание военной промышленности королевства</a:t>
             </a:r>
-            <a:endParaRPr lang="ru-RU" sz="1400" dirty="0" smtClean="0"/>
           </a:p>
         </p:txBody>
       </p:sp>

--- a/Наработки/диздоки/Бельгийское Конго/Бельгийское Конго.pptx
+++ b/Наработки/диздоки/Бельгийское Конго/Бельгийское Конго.pptx
@@ -209,7 +209,7 @@
             <a:fld id="{33E3D7F9-E251-484C-A6FF-FA958879DF69}" type="datetimeFigureOut">
               <a:rPr lang="ru-RU" smtClean="0"/>
               <a:pPr/>
-              <a:t>12.12.2021</a:t>
+              <a:t>14.12.2021</a:t>
             </a:fld>
             <a:endParaRPr lang="ru-RU"/>
           </a:p>
@@ -700,7 +700,7 @@
             <a:fld id="{85A5DE44-605B-4D3B-B2B7-94543DF81A36}" type="datetimeFigureOut">
               <a:rPr lang="ru-RU" smtClean="0"/>
               <a:pPr/>
-              <a:t>12.12.2021</a:t>
+              <a:t>14.12.2021</a:t>
             </a:fld>
             <a:endParaRPr lang="ru-RU"/>
           </a:p>
@@ -872,7 +872,7 @@
             <a:fld id="{85A5DE44-605B-4D3B-B2B7-94543DF81A36}" type="datetimeFigureOut">
               <a:rPr lang="ru-RU" smtClean="0"/>
               <a:pPr/>
-              <a:t>12.12.2021</a:t>
+              <a:t>14.12.2021</a:t>
             </a:fld>
             <a:endParaRPr lang="ru-RU"/>
           </a:p>
@@ -1054,7 +1054,7 @@
             <a:fld id="{85A5DE44-605B-4D3B-B2B7-94543DF81A36}" type="datetimeFigureOut">
               <a:rPr lang="ru-RU" smtClean="0"/>
               <a:pPr/>
-              <a:t>12.12.2021</a:t>
+              <a:t>14.12.2021</a:t>
             </a:fld>
             <a:endParaRPr lang="ru-RU"/>
           </a:p>
@@ -1226,7 +1226,7 @@
             <a:fld id="{85A5DE44-605B-4D3B-B2B7-94543DF81A36}" type="datetimeFigureOut">
               <a:rPr lang="ru-RU" smtClean="0"/>
               <a:pPr/>
-              <a:t>12.12.2021</a:t>
+              <a:t>14.12.2021</a:t>
             </a:fld>
             <a:endParaRPr lang="ru-RU"/>
           </a:p>
@@ -1474,7 +1474,7 @@
             <a:fld id="{85A5DE44-605B-4D3B-B2B7-94543DF81A36}" type="datetimeFigureOut">
               <a:rPr lang="ru-RU" smtClean="0"/>
               <a:pPr/>
-              <a:t>12.12.2021</a:t>
+              <a:t>14.12.2021</a:t>
             </a:fld>
             <a:endParaRPr lang="ru-RU"/>
           </a:p>
@@ -1708,7 +1708,7 @@
             <a:fld id="{85A5DE44-605B-4D3B-B2B7-94543DF81A36}" type="datetimeFigureOut">
               <a:rPr lang="ru-RU" smtClean="0"/>
               <a:pPr/>
-              <a:t>12.12.2021</a:t>
+              <a:t>14.12.2021</a:t>
             </a:fld>
             <a:endParaRPr lang="ru-RU"/>
           </a:p>
@@ -2077,7 +2077,7 @@
             <a:fld id="{85A5DE44-605B-4D3B-B2B7-94543DF81A36}" type="datetimeFigureOut">
               <a:rPr lang="ru-RU" smtClean="0"/>
               <a:pPr/>
-              <a:t>12.12.2021</a:t>
+              <a:t>14.12.2021</a:t>
             </a:fld>
             <a:endParaRPr lang="ru-RU"/>
           </a:p>
@@ -2197,7 +2197,7 @@
             <a:fld id="{85A5DE44-605B-4D3B-B2B7-94543DF81A36}" type="datetimeFigureOut">
               <a:rPr lang="ru-RU" smtClean="0"/>
               <a:pPr/>
-              <a:t>12.12.2021</a:t>
+              <a:t>14.12.2021</a:t>
             </a:fld>
             <a:endParaRPr lang="ru-RU"/>
           </a:p>
@@ -2294,7 +2294,7 @@
             <a:fld id="{85A5DE44-605B-4D3B-B2B7-94543DF81A36}" type="datetimeFigureOut">
               <a:rPr lang="ru-RU" smtClean="0"/>
               <a:pPr/>
-              <a:t>12.12.2021</a:t>
+              <a:t>14.12.2021</a:t>
             </a:fld>
             <a:endParaRPr lang="ru-RU"/>
           </a:p>
@@ -2573,7 +2573,7 @@
             <a:fld id="{85A5DE44-605B-4D3B-B2B7-94543DF81A36}" type="datetimeFigureOut">
               <a:rPr lang="ru-RU" smtClean="0"/>
               <a:pPr/>
-              <a:t>12.12.2021</a:t>
+              <a:t>14.12.2021</a:t>
             </a:fld>
             <a:endParaRPr lang="ru-RU"/>
           </a:p>
@@ -2832,7 +2832,7 @@
             <a:fld id="{85A5DE44-605B-4D3B-B2B7-94543DF81A36}" type="datetimeFigureOut">
               <a:rPr lang="ru-RU" smtClean="0"/>
               <a:pPr/>
-              <a:t>12.12.2021</a:t>
+              <a:t>14.12.2021</a:t>
             </a:fld>
             <a:endParaRPr lang="ru-RU"/>
           </a:p>
@@ -3047,7 +3047,7 @@
             <a:fld id="{85A5DE44-605B-4D3B-B2B7-94543DF81A36}" type="datetimeFigureOut">
               <a:rPr lang="ru-RU" smtClean="0"/>
               <a:pPr/>
-              <a:t>12.12.2021</a:t>
+              <a:t>14.12.2021</a:t>
             </a:fld>
             <a:endParaRPr lang="ru-RU"/>
           </a:p>
@@ -8177,6 +8177,11 @@
           <a:prstGeom prst="rect">
             <a:avLst/>
           </a:prstGeom>
+          <a:solidFill>
+            <a:schemeClr val="accent2">
+              <a:lumMod val="75000"/>
+            </a:schemeClr>
+          </a:solidFill>
           <a:ln w="28575"/>
         </p:spPr>
         <p:style>
@@ -8220,6 +8225,11 @@
           <a:prstGeom prst="rect">
             <a:avLst/>
           </a:prstGeom>
+          <a:solidFill>
+            <a:schemeClr val="accent2">
+              <a:lumMod val="75000"/>
+            </a:schemeClr>
+          </a:solidFill>
           <a:ln w="28575"/>
         </p:spPr>
         <p:style>
@@ -8263,6 +8273,11 @@
           <a:prstGeom prst="rect">
             <a:avLst/>
           </a:prstGeom>
+          <a:solidFill>
+            <a:schemeClr val="accent2">
+              <a:lumMod val="75000"/>
+            </a:schemeClr>
+          </a:solidFill>
           <a:ln w="28575"/>
         </p:spPr>
         <p:style>
@@ -10582,6 +10597,11 @@
           <a:prstGeom prst="rect">
             <a:avLst/>
           </a:prstGeom>
+          <a:solidFill>
+            <a:schemeClr val="accent2">
+              <a:lumMod val="75000"/>
+            </a:schemeClr>
+          </a:solidFill>
           <a:ln w="28575"/>
         </p:spPr>
         <p:style>
@@ -10629,6 +10649,11 @@
           <a:prstGeom prst="rect">
             <a:avLst/>
           </a:prstGeom>
+          <a:solidFill>
+            <a:schemeClr val="accent2">
+              <a:lumMod val="75000"/>
+            </a:schemeClr>
+          </a:solidFill>
           <a:ln w="28575"/>
         </p:spPr>
         <p:style>
@@ -10680,6 +10705,11 @@
           <a:prstGeom prst="rect">
             <a:avLst/>
           </a:prstGeom>
+          <a:solidFill>
+            <a:schemeClr val="accent2">
+              <a:lumMod val="75000"/>
+            </a:schemeClr>
+          </a:solidFill>
           <a:ln w="28575"/>
         </p:spPr>
         <p:style>
@@ -12494,6 +12524,11 @@
           <a:prstGeom prst="rect">
             <a:avLst/>
           </a:prstGeom>
+          <a:solidFill>
+            <a:schemeClr val="accent2">
+              <a:lumMod val="75000"/>
+            </a:schemeClr>
+          </a:solidFill>
           <a:ln w="28575"/>
         </p:spPr>
         <p:style>
@@ -12545,6 +12580,11 @@
           <a:prstGeom prst="rect">
             <a:avLst/>
           </a:prstGeom>
+          <a:solidFill>
+            <a:schemeClr val="accent2">
+              <a:lumMod val="75000"/>
+            </a:schemeClr>
+          </a:solidFill>
           <a:ln w="28575"/>
         </p:spPr>
         <p:style>
@@ -12588,6 +12628,11 @@
           <a:prstGeom prst="rect">
             <a:avLst/>
           </a:prstGeom>
+          <a:solidFill>
+            <a:schemeClr val="accent2">
+              <a:lumMod val="75000"/>
+            </a:schemeClr>
+          </a:solidFill>
           <a:ln w="28575"/>
         </p:spPr>
         <p:style>
@@ -12631,6 +12676,11 @@
           <a:prstGeom prst="rect">
             <a:avLst/>
           </a:prstGeom>
+          <a:solidFill>
+            <a:schemeClr val="accent2">
+              <a:lumMod val="75000"/>
+            </a:schemeClr>
+          </a:solidFill>
           <a:ln w="28575"/>
         </p:spPr>
         <p:style>
@@ -12970,6 +13020,11 @@
           <a:prstGeom prst="rect">
             <a:avLst/>
           </a:prstGeom>
+          <a:solidFill>
+            <a:schemeClr val="accent2">
+              <a:lumMod val="75000"/>
+            </a:schemeClr>
+          </a:solidFill>
           <a:ln w="28575"/>
         </p:spPr>
         <p:style>
@@ -13013,6 +13068,11 @@
           <a:prstGeom prst="rect">
             <a:avLst/>
           </a:prstGeom>
+          <a:solidFill>
+            <a:schemeClr val="accent2">
+              <a:lumMod val="75000"/>
+            </a:schemeClr>
+          </a:solidFill>
           <a:ln w="28575"/>
         </p:spPr>
         <p:style>
@@ -13092,6 +13152,11 @@
           <a:prstGeom prst="rect">
             <a:avLst/>
           </a:prstGeom>
+          <a:solidFill>
+            <a:schemeClr val="accent2">
+              <a:lumMod val="75000"/>
+            </a:schemeClr>
+          </a:solidFill>
           <a:ln w="28575"/>
         </p:spPr>
         <p:style>
@@ -13139,6 +13204,11 @@
           <a:prstGeom prst="rect">
             <a:avLst/>
           </a:prstGeom>
+          <a:solidFill>
+            <a:schemeClr val="accent2">
+              <a:lumMod val="75000"/>
+            </a:schemeClr>
+          </a:solidFill>
           <a:ln w="28575"/>
         </p:spPr>
         <p:style>
@@ -13220,6 +13290,11 @@
           <a:prstGeom prst="rect">
             <a:avLst/>
           </a:prstGeom>
+          <a:solidFill>
+            <a:schemeClr val="accent2">
+              <a:lumMod val="75000"/>
+            </a:schemeClr>
+          </a:solidFill>
           <a:ln w="28575"/>
         </p:spPr>
         <p:style>
@@ -13335,6 +13410,11 @@
           <a:prstGeom prst="rect">
             <a:avLst/>
           </a:prstGeom>
+          <a:solidFill>
+            <a:schemeClr val="accent2">
+              <a:lumMod val="75000"/>
+            </a:schemeClr>
+          </a:solidFill>
           <a:ln w="28575"/>
         </p:spPr>
         <p:style>
@@ -13378,6 +13458,11 @@
           <a:prstGeom prst="rect">
             <a:avLst/>
           </a:prstGeom>
+          <a:solidFill>
+            <a:schemeClr val="accent2">
+              <a:lumMod val="75000"/>
+            </a:schemeClr>
+          </a:solidFill>
           <a:ln w="28575"/>
         </p:spPr>
         <p:style>
@@ -13537,6 +13622,11 @@
           <a:prstGeom prst="rect">
             <a:avLst/>
           </a:prstGeom>
+          <a:solidFill>
+            <a:schemeClr val="accent2">
+              <a:lumMod val="75000"/>
+            </a:schemeClr>
+          </a:solidFill>
           <a:ln w="28575"/>
         </p:spPr>
         <p:style>
@@ -13624,6 +13714,11 @@
           <a:prstGeom prst="rect">
             <a:avLst/>
           </a:prstGeom>
+          <a:solidFill>
+            <a:schemeClr val="accent2">
+              <a:lumMod val="75000"/>
+            </a:schemeClr>
+          </a:solidFill>
           <a:ln w="28575"/>
         </p:spPr>
         <p:style>
@@ -13743,6 +13838,11 @@
           <a:prstGeom prst="rect">
             <a:avLst/>
           </a:prstGeom>
+          <a:solidFill>
+            <a:schemeClr val="accent2">
+              <a:lumMod val="75000"/>
+            </a:schemeClr>
+          </a:solidFill>
           <a:ln w="28575"/>
         </p:spPr>
         <p:style>
@@ -13786,6 +13886,11 @@
           <a:prstGeom prst="rect">
             <a:avLst/>
           </a:prstGeom>
+          <a:solidFill>
+            <a:schemeClr val="accent2">
+              <a:lumMod val="75000"/>
+            </a:schemeClr>
+          </a:solidFill>
           <a:ln w="28575"/>
         </p:spPr>
         <p:style>
@@ -13905,6 +14010,11 @@
           <a:prstGeom prst="rect">
             <a:avLst/>
           </a:prstGeom>
+          <a:solidFill>
+            <a:schemeClr val="accent2">
+              <a:lumMod val="75000"/>
+            </a:schemeClr>
+          </a:solidFill>
           <a:ln w="28575"/>
         </p:spPr>
         <p:style>

--- a/Наработки/диздоки/Бельгийское Конго/Бельгийское Конго.pptx
+++ b/Наработки/диздоки/Бельгийское Конго/Бельгийское Конго.pptx
@@ -209,7 +209,7 @@
             <a:fld id="{33E3D7F9-E251-484C-A6FF-FA958879DF69}" type="datetimeFigureOut">
               <a:rPr lang="ru-RU" smtClean="0"/>
               <a:pPr/>
-              <a:t>14.12.2021</a:t>
+              <a:t>15.12.2021</a:t>
             </a:fld>
             <a:endParaRPr lang="ru-RU"/>
           </a:p>
@@ -700,7 +700,7 @@
             <a:fld id="{85A5DE44-605B-4D3B-B2B7-94543DF81A36}" type="datetimeFigureOut">
               <a:rPr lang="ru-RU" smtClean="0"/>
               <a:pPr/>
-              <a:t>14.12.2021</a:t>
+              <a:t>15.12.2021</a:t>
             </a:fld>
             <a:endParaRPr lang="ru-RU"/>
           </a:p>
@@ -872,7 +872,7 @@
             <a:fld id="{85A5DE44-605B-4D3B-B2B7-94543DF81A36}" type="datetimeFigureOut">
               <a:rPr lang="ru-RU" smtClean="0"/>
               <a:pPr/>
-              <a:t>14.12.2021</a:t>
+              <a:t>15.12.2021</a:t>
             </a:fld>
             <a:endParaRPr lang="ru-RU"/>
           </a:p>
@@ -1054,7 +1054,7 @@
             <a:fld id="{85A5DE44-605B-4D3B-B2B7-94543DF81A36}" type="datetimeFigureOut">
               <a:rPr lang="ru-RU" smtClean="0"/>
               <a:pPr/>
-              <a:t>14.12.2021</a:t>
+              <a:t>15.12.2021</a:t>
             </a:fld>
             <a:endParaRPr lang="ru-RU"/>
           </a:p>
@@ -1226,7 +1226,7 @@
             <a:fld id="{85A5DE44-605B-4D3B-B2B7-94543DF81A36}" type="datetimeFigureOut">
               <a:rPr lang="ru-RU" smtClean="0"/>
               <a:pPr/>
-              <a:t>14.12.2021</a:t>
+              <a:t>15.12.2021</a:t>
             </a:fld>
             <a:endParaRPr lang="ru-RU"/>
           </a:p>
@@ -1474,7 +1474,7 @@
             <a:fld id="{85A5DE44-605B-4D3B-B2B7-94543DF81A36}" type="datetimeFigureOut">
               <a:rPr lang="ru-RU" smtClean="0"/>
               <a:pPr/>
-              <a:t>14.12.2021</a:t>
+              <a:t>15.12.2021</a:t>
             </a:fld>
             <a:endParaRPr lang="ru-RU"/>
           </a:p>
@@ -1708,7 +1708,7 @@
             <a:fld id="{85A5DE44-605B-4D3B-B2B7-94543DF81A36}" type="datetimeFigureOut">
               <a:rPr lang="ru-RU" smtClean="0"/>
               <a:pPr/>
-              <a:t>14.12.2021</a:t>
+              <a:t>15.12.2021</a:t>
             </a:fld>
             <a:endParaRPr lang="ru-RU"/>
           </a:p>
@@ -2077,7 +2077,7 @@
             <a:fld id="{85A5DE44-605B-4D3B-B2B7-94543DF81A36}" type="datetimeFigureOut">
               <a:rPr lang="ru-RU" smtClean="0"/>
               <a:pPr/>
-              <a:t>14.12.2021</a:t>
+              <a:t>15.12.2021</a:t>
             </a:fld>
             <a:endParaRPr lang="ru-RU"/>
           </a:p>
@@ -2197,7 +2197,7 @@
             <a:fld id="{85A5DE44-605B-4D3B-B2B7-94543DF81A36}" type="datetimeFigureOut">
               <a:rPr lang="ru-RU" smtClean="0"/>
               <a:pPr/>
-              <a:t>14.12.2021</a:t>
+              <a:t>15.12.2021</a:t>
             </a:fld>
             <a:endParaRPr lang="ru-RU"/>
           </a:p>
@@ -2294,7 +2294,7 @@
             <a:fld id="{85A5DE44-605B-4D3B-B2B7-94543DF81A36}" type="datetimeFigureOut">
               <a:rPr lang="ru-RU" smtClean="0"/>
               <a:pPr/>
-              <a:t>14.12.2021</a:t>
+              <a:t>15.12.2021</a:t>
             </a:fld>
             <a:endParaRPr lang="ru-RU"/>
           </a:p>
@@ -2573,7 +2573,7 @@
             <a:fld id="{85A5DE44-605B-4D3B-B2B7-94543DF81A36}" type="datetimeFigureOut">
               <a:rPr lang="ru-RU" smtClean="0"/>
               <a:pPr/>
-              <a:t>14.12.2021</a:t>
+              <a:t>15.12.2021</a:t>
             </a:fld>
             <a:endParaRPr lang="ru-RU"/>
           </a:p>
@@ -2832,7 +2832,7 @@
             <a:fld id="{85A5DE44-605B-4D3B-B2B7-94543DF81A36}" type="datetimeFigureOut">
               <a:rPr lang="ru-RU" smtClean="0"/>
               <a:pPr/>
-              <a:t>14.12.2021</a:t>
+              <a:t>15.12.2021</a:t>
             </a:fld>
             <a:endParaRPr lang="ru-RU"/>
           </a:p>
@@ -3047,7 +3047,7 @@
             <a:fld id="{85A5DE44-605B-4D3B-B2B7-94543DF81A36}" type="datetimeFigureOut">
               <a:rPr lang="ru-RU" smtClean="0"/>
               <a:pPr/>
-              <a:t>14.12.2021</a:t>
+              <a:t>15.12.2021</a:t>
             </a:fld>
             <a:endParaRPr lang="ru-RU"/>
           </a:p>

--- a/Наработки/диздоки/Бельгийское Конго/Бельгийское Конго.pptx
+++ b/Наработки/диздоки/Бельгийское Конго/Бельгийское Конго.pptx
@@ -209,7 +209,7 @@
             <a:fld id="{33E3D7F9-E251-484C-A6FF-FA958879DF69}" type="datetimeFigureOut">
               <a:rPr lang="ru-RU" smtClean="0"/>
               <a:pPr/>
-              <a:t>15.12.2021</a:t>
+              <a:t>20.12.2021</a:t>
             </a:fld>
             <a:endParaRPr lang="ru-RU"/>
           </a:p>
@@ -700,7 +700,7 @@
             <a:fld id="{85A5DE44-605B-4D3B-B2B7-94543DF81A36}" type="datetimeFigureOut">
               <a:rPr lang="ru-RU" smtClean="0"/>
               <a:pPr/>
-              <a:t>15.12.2021</a:t>
+              <a:t>20.12.2021</a:t>
             </a:fld>
             <a:endParaRPr lang="ru-RU"/>
           </a:p>
@@ -872,7 +872,7 @@
             <a:fld id="{85A5DE44-605B-4D3B-B2B7-94543DF81A36}" type="datetimeFigureOut">
               <a:rPr lang="ru-RU" smtClean="0"/>
               <a:pPr/>
-              <a:t>15.12.2021</a:t>
+              <a:t>20.12.2021</a:t>
             </a:fld>
             <a:endParaRPr lang="ru-RU"/>
           </a:p>
@@ -1054,7 +1054,7 @@
             <a:fld id="{85A5DE44-605B-4D3B-B2B7-94543DF81A36}" type="datetimeFigureOut">
               <a:rPr lang="ru-RU" smtClean="0"/>
               <a:pPr/>
-              <a:t>15.12.2021</a:t>
+              <a:t>20.12.2021</a:t>
             </a:fld>
             <a:endParaRPr lang="ru-RU"/>
           </a:p>
@@ -1226,7 +1226,7 @@
             <a:fld id="{85A5DE44-605B-4D3B-B2B7-94543DF81A36}" type="datetimeFigureOut">
               <a:rPr lang="ru-RU" smtClean="0"/>
               <a:pPr/>
-              <a:t>15.12.2021</a:t>
+              <a:t>20.12.2021</a:t>
             </a:fld>
             <a:endParaRPr lang="ru-RU"/>
           </a:p>
@@ -1474,7 +1474,7 @@
             <a:fld id="{85A5DE44-605B-4D3B-B2B7-94543DF81A36}" type="datetimeFigureOut">
               <a:rPr lang="ru-RU" smtClean="0"/>
               <a:pPr/>
-              <a:t>15.12.2021</a:t>
+              <a:t>20.12.2021</a:t>
             </a:fld>
             <a:endParaRPr lang="ru-RU"/>
           </a:p>
@@ -1708,7 +1708,7 @@
             <a:fld id="{85A5DE44-605B-4D3B-B2B7-94543DF81A36}" type="datetimeFigureOut">
               <a:rPr lang="ru-RU" smtClean="0"/>
               <a:pPr/>
-              <a:t>15.12.2021</a:t>
+              <a:t>20.12.2021</a:t>
             </a:fld>
             <a:endParaRPr lang="ru-RU"/>
           </a:p>
@@ -2077,7 +2077,7 @@
             <a:fld id="{85A5DE44-605B-4D3B-B2B7-94543DF81A36}" type="datetimeFigureOut">
               <a:rPr lang="ru-RU" smtClean="0"/>
               <a:pPr/>
-              <a:t>15.12.2021</a:t>
+              <a:t>20.12.2021</a:t>
             </a:fld>
             <a:endParaRPr lang="ru-RU"/>
           </a:p>
@@ -2197,7 +2197,7 @@
             <a:fld id="{85A5DE44-605B-4D3B-B2B7-94543DF81A36}" type="datetimeFigureOut">
               <a:rPr lang="ru-RU" smtClean="0"/>
               <a:pPr/>
-              <a:t>15.12.2021</a:t>
+              <a:t>20.12.2021</a:t>
             </a:fld>
             <a:endParaRPr lang="ru-RU"/>
           </a:p>
@@ -2294,7 +2294,7 @@
             <a:fld id="{85A5DE44-605B-4D3B-B2B7-94543DF81A36}" type="datetimeFigureOut">
               <a:rPr lang="ru-RU" smtClean="0"/>
               <a:pPr/>
-              <a:t>15.12.2021</a:t>
+              <a:t>20.12.2021</a:t>
             </a:fld>
             <a:endParaRPr lang="ru-RU"/>
           </a:p>
@@ -2573,7 +2573,7 @@
             <a:fld id="{85A5DE44-605B-4D3B-B2B7-94543DF81A36}" type="datetimeFigureOut">
               <a:rPr lang="ru-RU" smtClean="0"/>
               <a:pPr/>
-              <a:t>15.12.2021</a:t>
+              <a:t>20.12.2021</a:t>
             </a:fld>
             <a:endParaRPr lang="ru-RU"/>
           </a:p>
@@ -2832,7 +2832,7 @@
             <a:fld id="{85A5DE44-605B-4D3B-B2B7-94543DF81A36}" type="datetimeFigureOut">
               <a:rPr lang="ru-RU" smtClean="0"/>
               <a:pPr/>
-              <a:t>15.12.2021</a:t>
+              <a:t>20.12.2021</a:t>
             </a:fld>
             <a:endParaRPr lang="ru-RU"/>
           </a:p>
@@ -3047,7 +3047,7 @@
             <a:fld id="{85A5DE44-605B-4D3B-B2B7-94543DF81A36}" type="datetimeFigureOut">
               <a:rPr lang="ru-RU" smtClean="0"/>
               <a:pPr/>
-              <a:t>15.12.2021</a:t>
+              <a:t>20.12.2021</a:t>
             </a:fld>
             <a:endParaRPr lang="ru-RU"/>
           </a:p>
@@ -10109,35 +10109,11 @@
             <a:pPr algn="ctr"/>
             <a:r>
               <a:rPr lang="ru-RU" sz="1400" dirty="0" smtClean="0"/>
-              <a:t>Объявить о независимости Конго </a:t>
-            </a:r>
-            <a:r>
-              <a:rPr lang="ru-RU" sz="600" dirty="0" smtClean="0"/>
-              <a:t>(</a:t>
-            </a:r>
-            <a:r>
-              <a:rPr lang="ru-RU" sz="600" dirty="0" err="1" smtClean="0"/>
-              <a:t>Пьерло</a:t>
-            </a:r>
-            <a:r>
-              <a:rPr lang="ru-RU" sz="600" dirty="0" smtClean="0"/>
-              <a:t> </a:t>
-            </a:r>
-            <a:r>
-              <a:rPr lang="ru-RU" sz="600" dirty="0"/>
-              <a:t>предложил предоставить де </a:t>
-            </a:r>
-            <a:r>
-              <a:rPr lang="ru-RU" sz="600" dirty="0" err="1"/>
-              <a:t>Влишауэру</a:t>
-            </a:r>
-            <a:r>
-              <a:rPr lang="ru-RU" sz="600" dirty="0"/>
-              <a:t> новый титул генерального администратора Конго, что позволит ему продолжать это дело, даже если впоследствии правительство рухнет и его министерский мандат станет недействительным</a:t>
-            </a:r>
-            <a:r>
-              <a:rPr lang="ru-RU" sz="600" dirty="0" smtClean="0"/>
-              <a:t>.)</a:t>
+              <a:t>Объявить о независимости </a:t>
+            </a:r>
+            <a:r>
+              <a:rPr lang="ru-RU" sz="1400" dirty="0" smtClean="0"/>
+              <a:t>Конго</a:t>
             </a:r>
             <a:endParaRPr lang="ru-RU" sz="100" dirty="0"/>
           </a:p>
@@ -11125,8 +11101,13 @@
             <a:pPr algn="ctr"/>
             <a:r>
               <a:rPr lang="ru-RU" sz="1400" dirty="0" smtClean="0"/>
-              <a:t>Создание собственной республики</a:t>
-            </a:r>
+              <a:t>Создание собственной </a:t>
+            </a:r>
+            <a:r>
+              <a:rPr lang="ru-RU" sz="1400" dirty="0" smtClean="0"/>
+              <a:t>Республики</a:t>
+            </a:r>
+            <a:endParaRPr lang="ru-RU" sz="1400" dirty="0" smtClean="0"/>
           </a:p>
         </p:txBody>
       </p:sp>
@@ -11170,7 +11151,7 @@
             <a:pPr algn="ctr"/>
             <a:r>
               <a:rPr lang="ru-RU" sz="1400" dirty="0" smtClean="0"/>
-              <a:t>Пётр </a:t>
+              <a:t>Пьер </a:t>
             </a:r>
             <a:r>
               <a:rPr lang="en-US" sz="1400" dirty="0" smtClean="0"/>
@@ -19644,6 +19625,49 @@
           </a:fontRef>
         </p:style>
       </p:cxnSp>
+      <p:sp>
+        <p:nvSpPr>
+          <p:cNvPr id="450" name="Прямоугольник 449"/>
+          <p:cNvSpPr/>
+          <p:nvPr/>
+        </p:nvSpPr>
+        <p:spPr>
+          <a:xfrm>
+            <a:off x="22150754" y="548014"/>
+            <a:ext cx="1294896" cy="809999"/>
+          </a:xfrm>
+          <a:prstGeom prst="rect">
+            <a:avLst/>
+          </a:prstGeom>
+          <a:ln w="28575"/>
+        </p:spPr>
+        <p:style>
+          <a:lnRef idx="2">
+            <a:schemeClr val="accent1"/>
+          </a:lnRef>
+          <a:fillRef idx="1">
+            <a:schemeClr val="lt1"/>
+          </a:fillRef>
+          <a:effectRef idx="0">
+            <a:schemeClr val="accent1"/>
+          </a:effectRef>
+          <a:fontRef idx="minor">
+            <a:schemeClr val="dk1"/>
+          </a:fontRef>
+        </p:style>
+        <p:txBody>
+          <a:bodyPr lIns="124733" tIns="62367" rIns="124733" bIns="62367" rtlCol="0" anchor="ctr"/>
+          <a:lstStyle/>
+          <a:p>
+            <a:pPr algn="ctr"/>
+            <a:r>
+              <a:rPr lang="ru-RU" sz="4800" b="1" dirty="0" smtClean="0"/>
+              <a:t>106</a:t>
+            </a:r>
+            <a:endParaRPr lang="ru-RU" sz="1600" b="1" dirty="0"/>
+          </a:p>
+        </p:txBody>
+      </p:sp>
     </p:spTree>
     <p:extLst>
       <p:ext uri="{BB962C8B-B14F-4D97-AF65-F5344CB8AC3E}">

--- a/Наработки/диздоки/Бельгийское Конго/Бельгийское Конго.pptx
+++ b/Наработки/диздоки/Бельгийское Конго/Бельгийское Конго.pptx
@@ -209,7 +209,7 @@
             <a:fld id="{33E3D7F9-E251-484C-A6FF-FA958879DF69}" type="datetimeFigureOut">
               <a:rPr lang="ru-RU" smtClean="0"/>
               <a:pPr/>
-              <a:t>20.12.2021</a:t>
+              <a:t>22.12.2021</a:t>
             </a:fld>
             <a:endParaRPr lang="ru-RU"/>
           </a:p>
@@ -700,7 +700,7 @@
             <a:fld id="{85A5DE44-605B-4D3B-B2B7-94543DF81A36}" type="datetimeFigureOut">
               <a:rPr lang="ru-RU" smtClean="0"/>
               <a:pPr/>
-              <a:t>20.12.2021</a:t>
+              <a:t>22.12.2021</a:t>
             </a:fld>
             <a:endParaRPr lang="ru-RU"/>
           </a:p>
@@ -872,7 +872,7 @@
             <a:fld id="{85A5DE44-605B-4D3B-B2B7-94543DF81A36}" type="datetimeFigureOut">
               <a:rPr lang="ru-RU" smtClean="0"/>
               <a:pPr/>
-              <a:t>20.12.2021</a:t>
+              <a:t>22.12.2021</a:t>
             </a:fld>
             <a:endParaRPr lang="ru-RU"/>
           </a:p>
@@ -1054,7 +1054,7 @@
             <a:fld id="{85A5DE44-605B-4D3B-B2B7-94543DF81A36}" type="datetimeFigureOut">
               <a:rPr lang="ru-RU" smtClean="0"/>
               <a:pPr/>
-              <a:t>20.12.2021</a:t>
+              <a:t>22.12.2021</a:t>
             </a:fld>
             <a:endParaRPr lang="ru-RU"/>
           </a:p>
@@ -1226,7 +1226,7 @@
             <a:fld id="{85A5DE44-605B-4D3B-B2B7-94543DF81A36}" type="datetimeFigureOut">
               <a:rPr lang="ru-RU" smtClean="0"/>
               <a:pPr/>
-              <a:t>20.12.2021</a:t>
+              <a:t>22.12.2021</a:t>
             </a:fld>
             <a:endParaRPr lang="ru-RU"/>
           </a:p>
@@ -1474,7 +1474,7 @@
             <a:fld id="{85A5DE44-605B-4D3B-B2B7-94543DF81A36}" type="datetimeFigureOut">
               <a:rPr lang="ru-RU" smtClean="0"/>
               <a:pPr/>
-              <a:t>20.12.2021</a:t>
+              <a:t>22.12.2021</a:t>
             </a:fld>
             <a:endParaRPr lang="ru-RU"/>
           </a:p>
@@ -1708,7 +1708,7 @@
             <a:fld id="{85A5DE44-605B-4D3B-B2B7-94543DF81A36}" type="datetimeFigureOut">
               <a:rPr lang="ru-RU" smtClean="0"/>
               <a:pPr/>
-              <a:t>20.12.2021</a:t>
+              <a:t>22.12.2021</a:t>
             </a:fld>
             <a:endParaRPr lang="ru-RU"/>
           </a:p>
@@ -2077,7 +2077,7 @@
             <a:fld id="{85A5DE44-605B-4D3B-B2B7-94543DF81A36}" type="datetimeFigureOut">
               <a:rPr lang="ru-RU" smtClean="0"/>
               <a:pPr/>
-              <a:t>20.12.2021</a:t>
+              <a:t>22.12.2021</a:t>
             </a:fld>
             <a:endParaRPr lang="ru-RU"/>
           </a:p>
@@ -2197,7 +2197,7 @@
             <a:fld id="{85A5DE44-605B-4D3B-B2B7-94543DF81A36}" type="datetimeFigureOut">
               <a:rPr lang="ru-RU" smtClean="0"/>
               <a:pPr/>
-              <a:t>20.12.2021</a:t>
+              <a:t>22.12.2021</a:t>
             </a:fld>
             <a:endParaRPr lang="ru-RU"/>
           </a:p>
@@ -2294,7 +2294,7 @@
             <a:fld id="{85A5DE44-605B-4D3B-B2B7-94543DF81A36}" type="datetimeFigureOut">
               <a:rPr lang="ru-RU" smtClean="0"/>
               <a:pPr/>
-              <a:t>20.12.2021</a:t>
+              <a:t>22.12.2021</a:t>
             </a:fld>
             <a:endParaRPr lang="ru-RU"/>
           </a:p>
@@ -2573,7 +2573,7 @@
             <a:fld id="{85A5DE44-605B-4D3B-B2B7-94543DF81A36}" type="datetimeFigureOut">
               <a:rPr lang="ru-RU" smtClean="0"/>
               <a:pPr/>
-              <a:t>20.12.2021</a:t>
+              <a:t>22.12.2021</a:t>
             </a:fld>
             <a:endParaRPr lang="ru-RU"/>
           </a:p>
@@ -2832,7 +2832,7 @@
             <a:fld id="{85A5DE44-605B-4D3B-B2B7-94543DF81A36}" type="datetimeFigureOut">
               <a:rPr lang="ru-RU" smtClean="0"/>
               <a:pPr/>
-              <a:t>20.12.2021</a:t>
+              <a:t>22.12.2021</a:t>
             </a:fld>
             <a:endParaRPr lang="ru-RU"/>
           </a:p>
@@ -3047,7 +3047,7 @@
             <a:fld id="{85A5DE44-605B-4D3B-B2B7-94543DF81A36}" type="datetimeFigureOut">
               <a:rPr lang="ru-RU" smtClean="0"/>
               <a:pPr/>
-              <a:t>20.12.2021</a:t>
+              <a:t>22.12.2021</a:t>
             </a:fld>
             <a:endParaRPr lang="ru-RU"/>
           </a:p>
@@ -10109,11 +10109,7 @@
             <a:pPr algn="ctr"/>
             <a:r>
               <a:rPr lang="ru-RU" sz="1400" dirty="0" smtClean="0"/>
-              <a:t>Объявить о независимости </a:t>
-            </a:r>
-            <a:r>
-              <a:rPr lang="ru-RU" sz="1400" dirty="0" smtClean="0"/>
-              <a:t>Конго</a:t>
+              <a:t>Бельгийский доминион</a:t>
             </a:r>
             <a:endParaRPr lang="ru-RU" sz="100" dirty="0"/>
           </a:p>
@@ -11101,13 +11097,8 @@
             <a:pPr algn="ctr"/>
             <a:r>
               <a:rPr lang="ru-RU" sz="1400" dirty="0" smtClean="0"/>
-              <a:t>Создание собственной </a:t>
-            </a:r>
-            <a:r>
-              <a:rPr lang="ru-RU" sz="1400" dirty="0" smtClean="0"/>
-              <a:t>Республики</a:t>
-            </a:r>
-            <a:endParaRPr lang="ru-RU" sz="1400" dirty="0" smtClean="0"/>
+              <a:t>Создание собственной Республики</a:t>
+            </a:r>
           </a:p>
         </p:txBody>
       </p:sp>
@@ -14324,7 +14315,7 @@
         </p:nvSpPr>
         <p:spPr>
           <a:xfrm>
-            <a:off x="47569037" y="12160410"/>
+            <a:off x="47569037" y="12134744"/>
             <a:ext cx="2115918" cy="1080000"/>
           </a:xfrm>
           <a:prstGeom prst="rect">
@@ -14468,8 +14459,8 @@
           <a:p>
             <a:pPr algn="ctr"/>
             <a:r>
-              <a:rPr lang="ru-RU" sz="1400" dirty="0" smtClean="0"/>
-              <a:t>Независимая экономика (наше переделать эффект)</a:t>
+              <a:rPr lang="ru-RU" sz="1400" dirty="0"/>
+              <a:t>Сохранить экономические связи с Брюсселем</a:t>
             </a:r>
           </a:p>
         </p:txBody>
@@ -14483,203 +14474,6 @@
         <p:spPr>
           <a:xfrm>
             <a:off x="45064112" y="10613871"/>
-            <a:ext cx="2115918" cy="1080000"/>
-          </a:xfrm>
-          <a:prstGeom prst="rect">
-            <a:avLst/>
-          </a:prstGeom>
-          <a:solidFill>
-            <a:schemeClr val="bg1">
-              <a:lumMod val="65000"/>
-            </a:schemeClr>
-          </a:solidFill>
-          <a:ln w="28575"/>
-        </p:spPr>
-        <p:style>
-          <a:lnRef idx="2">
-            <a:schemeClr val="accent1"/>
-          </a:lnRef>
-          <a:fillRef idx="1">
-            <a:schemeClr val="lt1"/>
-          </a:fillRef>
-          <a:effectRef idx="0">
-            <a:schemeClr val="accent1"/>
-          </a:effectRef>
-          <a:fontRef idx="minor">
-            <a:schemeClr val="dk1"/>
-          </a:fontRef>
-        </p:style>
-        <p:txBody>
-          <a:bodyPr lIns="124733" tIns="62367" rIns="124733" bIns="62367" rtlCol="0" anchor="ctr"/>
-          <a:lstStyle/>
-          <a:p>
-            <a:pPr algn="ctr"/>
-            <a:r>
-              <a:rPr lang="ru-RU" sz="1400" dirty="0" smtClean="0"/>
-              <a:t>Сохранить экономические связи с Брюсселем</a:t>
-            </a:r>
-          </a:p>
-        </p:txBody>
-      </p:sp>
-      <p:cxnSp>
-        <p:nvCxnSpPr>
-          <p:cNvPr id="360" name="Прямая соединительная линия 359"/>
-          <p:cNvCxnSpPr>
-            <a:stCxn id="359" idx="1"/>
-            <a:endCxn id="358" idx="3"/>
-          </p:cNvCxnSpPr>
-          <p:nvPr/>
-        </p:nvCxnSpPr>
-        <p:spPr>
-          <a:xfrm flipH="1">
-            <a:off x="44675104" y="11153871"/>
-            <a:ext cx="389008" cy="0"/>
-          </a:xfrm>
-          <a:prstGeom prst="line">
-            <a:avLst/>
-          </a:prstGeom>
-          <a:ln w="28575">
-            <a:solidFill>
-              <a:srgbClr val="FF0000"/>
-            </a:solidFill>
-          </a:ln>
-        </p:spPr>
-        <p:style>
-          <a:lnRef idx="1">
-            <a:schemeClr val="accent1"/>
-          </a:lnRef>
-          <a:fillRef idx="0">
-            <a:schemeClr val="accent1"/>
-          </a:fillRef>
-          <a:effectRef idx="0">
-            <a:schemeClr val="accent1"/>
-          </a:effectRef>
-          <a:fontRef idx="minor">
-            <a:schemeClr val="tx1"/>
-          </a:fontRef>
-        </p:style>
-      </p:cxnSp>
-      <p:sp>
-        <p:nvSpPr>
-          <p:cNvPr id="361" name="Прямоугольник 360"/>
-          <p:cNvSpPr/>
-          <p:nvPr/>
-        </p:nvSpPr>
-        <p:spPr>
-          <a:xfrm>
-            <a:off x="42559186" y="12160410"/>
-            <a:ext cx="2115918" cy="1080000"/>
-          </a:xfrm>
-          <a:prstGeom prst="rect">
-            <a:avLst/>
-          </a:prstGeom>
-          <a:solidFill>
-            <a:schemeClr val="bg1">
-              <a:lumMod val="65000"/>
-            </a:schemeClr>
-          </a:solidFill>
-          <a:ln w="28575"/>
-        </p:spPr>
-        <p:style>
-          <a:lnRef idx="2">
-            <a:schemeClr val="accent1"/>
-          </a:lnRef>
-          <a:fillRef idx="1">
-            <a:schemeClr val="lt1"/>
-          </a:fillRef>
-          <a:effectRef idx="0">
-            <a:schemeClr val="accent1"/>
-          </a:effectRef>
-          <a:fontRef idx="minor">
-            <a:schemeClr val="dk1"/>
-          </a:fontRef>
-        </p:style>
-        <p:txBody>
-          <a:bodyPr lIns="124733" tIns="62367" rIns="124733" bIns="62367" rtlCol="0" anchor="ctr"/>
-          <a:lstStyle/>
-          <a:p>
-            <a:pPr algn="ctr"/>
-            <a:r>
-              <a:rPr lang="ru-RU" sz="1400" dirty="0" smtClean="0"/>
-              <a:t>Национализировать предприятия </a:t>
-            </a:r>
-            <a:r>
-              <a:rPr lang="ru-RU" sz="1400" dirty="0" err="1" smtClean="0"/>
-              <a:t>Катанги</a:t>
-            </a:r>
-            <a:r>
-              <a:rPr lang="ru-RU" sz="1400" dirty="0"/>
-              <a:t> (наше переделать </a:t>
-            </a:r>
-            <a:r>
-              <a:rPr lang="ru-RU" sz="1400" dirty="0" smtClean="0"/>
-              <a:t>эффект)</a:t>
-            </a:r>
-            <a:endParaRPr lang="ru-RU" sz="1400" dirty="0"/>
-          </a:p>
-        </p:txBody>
-      </p:sp>
-      <p:sp>
-        <p:nvSpPr>
-          <p:cNvPr id="362" name="Прямоугольник 361"/>
-          <p:cNvSpPr/>
-          <p:nvPr/>
-        </p:nvSpPr>
-        <p:spPr>
-          <a:xfrm>
-            <a:off x="45064112" y="12160410"/>
-            <a:ext cx="2115918" cy="1080000"/>
-          </a:xfrm>
-          <a:prstGeom prst="rect">
-            <a:avLst/>
-          </a:prstGeom>
-          <a:solidFill>
-            <a:schemeClr val="bg1">
-              <a:lumMod val="65000"/>
-            </a:schemeClr>
-          </a:solidFill>
-          <a:ln w="28575"/>
-        </p:spPr>
-        <p:style>
-          <a:lnRef idx="2">
-            <a:schemeClr val="accent1"/>
-          </a:lnRef>
-          <a:fillRef idx="1">
-            <a:schemeClr val="lt1"/>
-          </a:fillRef>
-          <a:effectRef idx="0">
-            <a:schemeClr val="accent1"/>
-          </a:effectRef>
-          <a:fontRef idx="minor">
-            <a:schemeClr val="dk1"/>
-          </a:fontRef>
-        </p:style>
-        <p:txBody>
-          <a:bodyPr lIns="124733" tIns="62367" rIns="124733" bIns="62367" rtlCol="0" anchor="ctr"/>
-          <a:lstStyle/>
-          <a:p>
-            <a:pPr algn="ctr"/>
-            <a:r>
-              <a:rPr lang="ru-RU" sz="1400" dirty="0" smtClean="0"/>
-              <a:t>Совместные разработки шахт </a:t>
-            </a:r>
-            <a:r>
-              <a:rPr lang="ru-RU" sz="1400" dirty="0" err="1" smtClean="0"/>
-              <a:t>Катанги</a:t>
-            </a:r>
-            <a:endParaRPr lang="ru-RU" sz="1400" dirty="0" smtClean="0"/>
-          </a:p>
-        </p:txBody>
-      </p:sp>
-      <p:sp>
-        <p:nvSpPr>
-          <p:cNvPr id="363" name="Прямоугольник 362"/>
-          <p:cNvSpPr/>
-          <p:nvPr/>
-        </p:nvSpPr>
-        <p:spPr>
-          <a:xfrm>
-            <a:off x="47569037" y="15107228"/>
             <a:ext cx="2115918" cy="1080000"/>
           </a:xfrm>
           <a:prstGeom prst="rect">
@@ -14720,6 +14514,224 @@
           <a:p>
             <a:pPr algn="ctr"/>
             <a:r>
+              <a:rPr lang="ru-RU" sz="1400" dirty="0"/>
+              <a:t>Независимая экономика (наше переделать эффект</a:t>
+            </a:r>
+            <a:r>
+              <a:rPr lang="ru-RU" sz="1400" dirty="0" smtClean="0"/>
+              <a:t>)</a:t>
+            </a:r>
+            <a:endParaRPr lang="ru-RU" sz="1400" dirty="0"/>
+          </a:p>
+        </p:txBody>
+      </p:sp>
+      <p:cxnSp>
+        <p:nvCxnSpPr>
+          <p:cNvPr id="360" name="Прямая соединительная линия 359"/>
+          <p:cNvCxnSpPr>
+            <a:stCxn id="359" idx="1"/>
+            <a:endCxn id="358" idx="3"/>
+          </p:cNvCxnSpPr>
+          <p:nvPr/>
+        </p:nvCxnSpPr>
+        <p:spPr>
+          <a:xfrm flipH="1">
+            <a:off x="44675104" y="11153871"/>
+            <a:ext cx="389008" cy="0"/>
+          </a:xfrm>
+          <a:prstGeom prst="line">
+            <a:avLst/>
+          </a:prstGeom>
+          <a:ln w="28575">
+            <a:solidFill>
+              <a:srgbClr val="FF0000"/>
+            </a:solidFill>
+          </a:ln>
+        </p:spPr>
+        <p:style>
+          <a:lnRef idx="1">
+            <a:schemeClr val="accent1"/>
+          </a:lnRef>
+          <a:fillRef idx="0">
+            <a:schemeClr val="accent1"/>
+          </a:fillRef>
+          <a:effectRef idx="0">
+            <a:schemeClr val="accent1"/>
+          </a:effectRef>
+          <a:fontRef idx="minor">
+            <a:schemeClr val="tx1"/>
+          </a:fontRef>
+        </p:style>
+      </p:cxnSp>
+      <p:sp>
+        <p:nvSpPr>
+          <p:cNvPr id="361" name="Прямоугольник 360"/>
+          <p:cNvSpPr/>
+          <p:nvPr/>
+        </p:nvSpPr>
+        <p:spPr>
+          <a:xfrm>
+            <a:off x="42559186" y="12160410"/>
+            <a:ext cx="2115918" cy="1080000"/>
+          </a:xfrm>
+          <a:prstGeom prst="rect">
+            <a:avLst/>
+          </a:prstGeom>
+          <a:solidFill>
+            <a:schemeClr val="bg1">
+              <a:lumMod val="65000"/>
+            </a:schemeClr>
+          </a:solidFill>
+          <a:ln w="28575"/>
+        </p:spPr>
+        <p:style>
+          <a:lnRef idx="2">
+            <a:schemeClr val="accent1"/>
+          </a:lnRef>
+          <a:fillRef idx="1">
+            <a:schemeClr val="lt1"/>
+          </a:fillRef>
+          <a:effectRef idx="0">
+            <a:schemeClr val="accent1"/>
+          </a:effectRef>
+          <a:fontRef idx="minor">
+            <a:schemeClr val="dk1"/>
+          </a:fontRef>
+        </p:style>
+        <p:txBody>
+          <a:bodyPr lIns="124733" tIns="62367" rIns="124733" bIns="62367" rtlCol="0" anchor="ctr"/>
+          <a:lstStyle/>
+          <a:p>
+            <a:pPr algn="ctr"/>
+            <a:r>
+              <a:rPr lang="ru-RU" sz="1400" dirty="0"/>
+              <a:t>Совместные разработки шахт </a:t>
+            </a:r>
+            <a:r>
+              <a:rPr lang="ru-RU" sz="1400" dirty="0" err="1"/>
+              <a:t>Катанги</a:t>
+            </a:r>
+            <a:endParaRPr lang="ru-RU" sz="1400" dirty="0"/>
+          </a:p>
+        </p:txBody>
+      </p:sp>
+      <p:sp>
+        <p:nvSpPr>
+          <p:cNvPr id="362" name="Прямоугольник 361"/>
+          <p:cNvSpPr/>
+          <p:nvPr/>
+        </p:nvSpPr>
+        <p:spPr>
+          <a:xfrm>
+            <a:off x="45064112" y="12160410"/>
+            <a:ext cx="2115918" cy="1080000"/>
+          </a:xfrm>
+          <a:prstGeom prst="rect">
+            <a:avLst/>
+          </a:prstGeom>
+          <a:gradFill>
+            <a:gsLst>
+              <a:gs pos="0">
+                <a:schemeClr val="bg1">
+                  <a:lumMod val="50000"/>
+                </a:schemeClr>
+              </a:gs>
+              <a:gs pos="100000">
+                <a:srgbClr val="7030A0"/>
+              </a:gs>
+            </a:gsLst>
+            <a:lin ang="5400000" scaled="1"/>
+          </a:gradFill>
+          <a:ln w="28575"/>
+        </p:spPr>
+        <p:style>
+          <a:lnRef idx="2">
+            <a:schemeClr val="accent1"/>
+          </a:lnRef>
+          <a:fillRef idx="1">
+            <a:schemeClr val="lt1"/>
+          </a:fillRef>
+          <a:effectRef idx="0">
+            <a:schemeClr val="accent1"/>
+          </a:effectRef>
+          <a:fontRef idx="minor">
+            <a:schemeClr val="dk1"/>
+          </a:fontRef>
+        </p:style>
+        <p:txBody>
+          <a:bodyPr lIns="124733" tIns="62367" rIns="124733" bIns="62367" rtlCol="0" anchor="ctr"/>
+          <a:lstStyle/>
+          <a:p>
+            <a:pPr algn="ctr"/>
+            <a:r>
+              <a:rPr lang="ru-RU" sz="1400" dirty="0"/>
+              <a:t>Национализировать предприятия </a:t>
+            </a:r>
+            <a:r>
+              <a:rPr lang="ru-RU" sz="1400" dirty="0" err="1"/>
+              <a:t>Катанги</a:t>
+            </a:r>
+            <a:r>
+              <a:rPr lang="ru-RU" sz="1400" dirty="0"/>
+              <a:t> (наше переделать эффект</a:t>
+            </a:r>
+            <a:r>
+              <a:rPr lang="ru-RU" sz="1400" dirty="0" smtClean="0"/>
+              <a:t>)</a:t>
+            </a:r>
+            <a:endParaRPr lang="ru-RU" sz="1400" dirty="0"/>
+          </a:p>
+        </p:txBody>
+      </p:sp>
+      <p:sp>
+        <p:nvSpPr>
+          <p:cNvPr id="363" name="Прямоугольник 362"/>
+          <p:cNvSpPr/>
+          <p:nvPr/>
+        </p:nvSpPr>
+        <p:spPr>
+          <a:xfrm>
+            <a:off x="47569037" y="15107228"/>
+            <a:ext cx="2115918" cy="1080000"/>
+          </a:xfrm>
+          <a:prstGeom prst="rect">
+            <a:avLst/>
+          </a:prstGeom>
+          <a:gradFill>
+            <a:gsLst>
+              <a:gs pos="0">
+                <a:schemeClr val="bg1">
+                  <a:lumMod val="50000"/>
+                </a:schemeClr>
+              </a:gs>
+              <a:gs pos="100000">
+                <a:srgbClr val="7030A0"/>
+              </a:gs>
+            </a:gsLst>
+            <a:lin ang="5400000" scaled="1"/>
+          </a:gradFill>
+          <a:ln w="28575"/>
+        </p:spPr>
+        <p:style>
+          <a:lnRef idx="2">
+            <a:schemeClr val="accent1"/>
+          </a:lnRef>
+          <a:fillRef idx="1">
+            <a:schemeClr val="lt1"/>
+          </a:fillRef>
+          <a:effectRef idx="0">
+            <a:schemeClr val="accent1"/>
+          </a:effectRef>
+          <a:fontRef idx="minor">
+            <a:schemeClr val="dk1"/>
+          </a:fontRef>
+        </p:style>
+        <p:txBody>
+          <a:bodyPr lIns="124733" tIns="62367" rIns="124733" bIns="62367" rtlCol="0" anchor="ctr"/>
+          <a:lstStyle/>
+          <a:p>
+            <a:pPr algn="ctr"/>
+            <a:r>
               <a:rPr lang="ru-RU" sz="1400" dirty="0" smtClean="0"/>
               <a:t>Самостоятельная разработка урана (наше)</a:t>
             </a:r>
@@ -15430,8 +15442,8 @@
         </p:nvCxnSpPr>
         <p:spPr>
           <a:xfrm>
-            <a:off x="48626996" y="13240410"/>
-            <a:ext cx="0" cy="1866818"/>
+            <a:off x="48626996" y="13214744"/>
+            <a:ext cx="0" cy="1892484"/>
           </a:xfrm>
           <a:prstGeom prst="straightConnector1">
             <a:avLst/>
@@ -15467,7 +15479,7 @@
         <p:spPr>
           <a:xfrm>
             <a:off x="48626996" y="11693871"/>
-            <a:ext cx="0" cy="466539"/>
+            <a:ext cx="0" cy="440873"/>
           </a:xfrm>
           <a:prstGeom prst="straightConnector1">
             <a:avLst/>
@@ -19314,8 +19326,8 @@
         </p:nvCxnSpPr>
         <p:spPr>
           <a:xfrm rot="16200000" flipH="1">
-            <a:off x="49666746" y="12200659"/>
-            <a:ext cx="419433" cy="2498933"/>
+            <a:off x="49653913" y="12187826"/>
+            <a:ext cx="445099" cy="2498933"/>
           </a:xfrm>
           <a:prstGeom prst="bentConnector3">
             <a:avLst>
@@ -19668,6 +19680,44 @@
           </a:p>
         </p:txBody>
       </p:sp>
+      <p:cxnSp>
+        <p:nvCxnSpPr>
+          <p:cNvPr id="451" name="Соединительная линия уступом 450"/>
+          <p:cNvCxnSpPr>
+            <a:stCxn id="362" idx="2"/>
+            <a:endCxn id="363" idx="0"/>
+          </p:cNvCxnSpPr>
+          <p:nvPr/>
+        </p:nvCxnSpPr>
+        <p:spPr>
+          <a:xfrm rot="16200000" flipH="1">
+            <a:off x="46441124" y="12921356"/>
+            <a:ext cx="1866818" cy="2504925"/>
+          </a:xfrm>
+          <a:prstGeom prst="bentConnector3">
+            <a:avLst>
+              <a:gd name="adj1" fmla="val 11330"/>
+            </a:avLst>
+          </a:prstGeom>
+          <a:ln w="28575">
+            <a:tailEnd type="arrow"/>
+          </a:ln>
+        </p:spPr>
+        <p:style>
+          <a:lnRef idx="1">
+            <a:schemeClr val="accent1"/>
+          </a:lnRef>
+          <a:fillRef idx="0">
+            <a:schemeClr val="accent1"/>
+          </a:fillRef>
+          <a:effectRef idx="0">
+            <a:schemeClr val="accent1"/>
+          </a:effectRef>
+          <a:fontRef idx="minor">
+            <a:schemeClr val="tx1"/>
+          </a:fontRef>
+        </p:style>
+      </p:cxnSp>
     </p:spTree>
     <p:extLst>
       <p:ext uri="{BB962C8B-B14F-4D97-AF65-F5344CB8AC3E}">

--- a/Наработки/диздоки/Бельгийское Конго/Бельгийское Конго.pptx
+++ b/Наработки/диздоки/Бельгийское Конго/Бельгийское Конго.pptx
@@ -209,7 +209,7 @@
             <a:fld id="{33E3D7F9-E251-484C-A6FF-FA958879DF69}" type="datetimeFigureOut">
               <a:rPr lang="ru-RU" smtClean="0"/>
               <a:pPr/>
-              <a:t>22.12.2021</a:t>
+              <a:t>10.01.2022</a:t>
             </a:fld>
             <a:endParaRPr lang="ru-RU"/>
           </a:p>
@@ -700,7 +700,7 @@
             <a:fld id="{85A5DE44-605B-4D3B-B2B7-94543DF81A36}" type="datetimeFigureOut">
               <a:rPr lang="ru-RU" smtClean="0"/>
               <a:pPr/>
-              <a:t>22.12.2021</a:t>
+              <a:t>10.01.2022</a:t>
             </a:fld>
             <a:endParaRPr lang="ru-RU"/>
           </a:p>
@@ -872,7 +872,7 @@
             <a:fld id="{85A5DE44-605B-4D3B-B2B7-94543DF81A36}" type="datetimeFigureOut">
               <a:rPr lang="ru-RU" smtClean="0"/>
               <a:pPr/>
-              <a:t>22.12.2021</a:t>
+              <a:t>10.01.2022</a:t>
             </a:fld>
             <a:endParaRPr lang="ru-RU"/>
           </a:p>
@@ -1054,7 +1054,7 @@
             <a:fld id="{85A5DE44-605B-4D3B-B2B7-94543DF81A36}" type="datetimeFigureOut">
               <a:rPr lang="ru-RU" smtClean="0"/>
               <a:pPr/>
-              <a:t>22.12.2021</a:t>
+              <a:t>10.01.2022</a:t>
             </a:fld>
             <a:endParaRPr lang="ru-RU"/>
           </a:p>
@@ -1226,7 +1226,7 @@
             <a:fld id="{85A5DE44-605B-4D3B-B2B7-94543DF81A36}" type="datetimeFigureOut">
               <a:rPr lang="ru-RU" smtClean="0"/>
               <a:pPr/>
-              <a:t>22.12.2021</a:t>
+              <a:t>10.01.2022</a:t>
             </a:fld>
             <a:endParaRPr lang="ru-RU"/>
           </a:p>
@@ -1474,7 +1474,7 @@
             <a:fld id="{85A5DE44-605B-4D3B-B2B7-94543DF81A36}" type="datetimeFigureOut">
               <a:rPr lang="ru-RU" smtClean="0"/>
               <a:pPr/>
-              <a:t>22.12.2021</a:t>
+              <a:t>10.01.2022</a:t>
             </a:fld>
             <a:endParaRPr lang="ru-RU"/>
           </a:p>
@@ -1708,7 +1708,7 @@
             <a:fld id="{85A5DE44-605B-4D3B-B2B7-94543DF81A36}" type="datetimeFigureOut">
               <a:rPr lang="ru-RU" smtClean="0"/>
               <a:pPr/>
-              <a:t>22.12.2021</a:t>
+              <a:t>10.01.2022</a:t>
             </a:fld>
             <a:endParaRPr lang="ru-RU"/>
           </a:p>
@@ -2077,7 +2077,7 @@
             <a:fld id="{85A5DE44-605B-4D3B-B2B7-94543DF81A36}" type="datetimeFigureOut">
               <a:rPr lang="ru-RU" smtClean="0"/>
               <a:pPr/>
-              <a:t>22.12.2021</a:t>
+              <a:t>10.01.2022</a:t>
             </a:fld>
             <a:endParaRPr lang="ru-RU"/>
           </a:p>
@@ -2197,7 +2197,7 @@
             <a:fld id="{85A5DE44-605B-4D3B-B2B7-94543DF81A36}" type="datetimeFigureOut">
               <a:rPr lang="ru-RU" smtClean="0"/>
               <a:pPr/>
-              <a:t>22.12.2021</a:t>
+              <a:t>10.01.2022</a:t>
             </a:fld>
             <a:endParaRPr lang="ru-RU"/>
           </a:p>
@@ -2294,7 +2294,7 @@
             <a:fld id="{85A5DE44-605B-4D3B-B2B7-94543DF81A36}" type="datetimeFigureOut">
               <a:rPr lang="ru-RU" smtClean="0"/>
               <a:pPr/>
-              <a:t>22.12.2021</a:t>
+              <a:t>10.01.2022</a:t>
             </a:fld>
             <a:endParaRPr lang="ru-RU"/>
           </a:p>
@@ -2573,7 +2573,7 @@
             <a:fld id="{85A5DE44-605B-4D3B-B2B7-94543DF81A36}" type="datetimeFigureOut">
               <a:rPr lang="ru-RU" smtClean="0"/>
               <a:pPr/>
-              <a:t>22.12.2021</a:t>
+              <a:t>10.01.2022</a:t>
             </a:fld>
             <a:endParaRPr lang="ru-RU"/>
           </a:p>
@@ -2832,7 +2832,7 @@
             <a:fld id="{85A5DE44-605B-4D3B-B2B7-94543DF81A36}" type="datetimeFigureOut">
               <a:rPr lang="ru-RU" smtClean="0"/>
               <a:pPr/>
-              <a:t>22.12.2021</a:t>
+              <a:t>10.01.2022</a:t>
             </a:fld>
             <a:endParaRPr lang="ru-RU"/>
           </a:p>
@@ -3047,7 +3047,7 @@
             <a:fld id="{85A5DE44-605B-4D3B-B2B7-94543DF81A36}" type="datetimeFigureOut">
               <a:rPr lang="ru-RU" smtClean="0"/>
               <a:pPr/>
-              <a:t>22.12.2021</a:t>
+              <a:t>10.01.2022</a:t>
             </a:fld>
             <a:endParaRPr lang="ru-RU"/>
           </a:p>
@@ -11148,38 +11148,7 @@
               <a:rPr lang="en-US" sz="1400" dirty="0" smtClean="0"/>
               <a:t>VII</a:t>
             </a:r>
-            <a:r>
-              <a:rPr lang="ru-RU" sz="1400" dirty="0" smtClean="0"/>
-              <a:t> (</a:t>
-            </a:r>
-            <a:r>
-              <a:rPr lang="pt-BR" sz="1400" dirty="0"/>
-              <a:t>Pierre VIII du Kongo</a:t>
-            </a:r>
-            <a:r>
-              <a:rPr lang="ru-RU" sz="1400" dirty="0"/>
-              <a:t>) (Он был назначен советом вождей новым </a:t>
-            </a:r>
-            <a:r>
-              <a:rPr lang="ru-RU" sz="1400" dirty="0" err="1"/>
-              <a:t>маниконго</a:t>
-            </a:r>
-            <a:r>
-              <a:rPr lang="ru-RU" sz="1400" dirty="0"/>
-              <a:t> в 1923 году после смерти </a:t>
-            </a:r>
-            <a:r>
-              <a:rPr lang="ru-RU" sz="1400" dirty="0" err="1"/>
-              <a:t>Альваро</a:t>
-            </a:r>
-            <a:r>
-              <a:rPr lang="ru-RU" sz="1400" dirty="0"/>
-              <a:t> </a:t>
-            </a:r>
-            <a:r>
-              <a:rPr lang="ru-RU" sz="1400" dirty="0" smtClean="0"/>
-              <a:t>XV)</a:t>
-            </a:r>
+            <a:endParaRPr lang="ru-RU" sz="1400" dirty="0" smtClean="0"/>
           </a:p>
         </p:txBody>
       </p:sp>
@@ -18216,14 +18185,7 @@
               <a:rPr lang="ru-RU" sz="1400" dirty="0" err="1" smtClean="0"/>
               <a:t>Бразильвиль</a:t>
             </a:r>
-            <a:r>
-              <a:rPr lang="ru-RU" sz="1400" dirty="0" smtClean="0"/>
-              <a:t> </a:t>
-            </a:r>
-            <a:r>
-              <a:rPr lang="ru-RU" sz="1200" dirty="0" smtClean="0"/>
-              <a:t>(Сан-Сальвадор, который станет столицей) (у города есть герб для иконки)</a:t>
-            </a:r>
+            <a:endParaRPr lang="ru-RU" sz="1200" dirty="0" smtClean="0"/>
           </a:p>
         </p:txBody>
       </p:sp>

--- a/Наработки/диздоки/Бельгийское Конго/Бельгийское Конго.pptx
+++ b/Наработки/диздоки/Бельгийское Конго/Бельгийское Конго.pptx
@@ -209,7 +209,7 @@
             <a:fld id="{33E3D7F9-E251-484C-A6FF-FA958879DF69}" type="datetimeFigureOut">
               <a:rPr lang="ru-RU" smtClean="0"/>
               <a:pPr/>
-              <a:t>10.01.2022</a:t>
+              <a:t>11.01.2022</a:t>
             </a:fld>
             <a:endParaRPr lang="ru-RU"/>
           </a:p>
@@ -700,7 +700,7 @@
             <a:fld id="{85A5DE44-605B-4D3B-B2B7-94543DF81A36}" type="datetimeFigureOut">
               <a:rPr lang="ru-RU" smtClean="0"/>
               <a:pPr/>
-              <a:t>10.01.2022</a:t>
+              <a:t>11.01.2022</a:t>
             </a:fld>
             <a:endParaRPr lang="ru-RU"/>
           </a:p>
@@ -872,7 +872,7 @@
             <a:fld id="{85A5DE44-605B-4D3B-B2B7-94543DF81A36}" type="datetimeFigureOut">
               <a:rPr lang="ru-RU" smtClean="0"/>
               <a:pPr/>
-              <a:t>10.01.2022</a:t>
+              <a:t>11.01.2022</a:t>
             </a:fld>
             <a:endParaRPr lang="ru-RU"/>
           </a:p>
@@ -1054,7 +1054,7 @@
             <a:fld id="{85A5DE44-605B-4D3B-B2B7-94543DF81A36}" type="datetimeFigureOut">
               <a:rPr lang="ru-RU" smtClean="0"/>
               <a:pPr/>
-              <a:t>10.01.2022</a:t>
+              <a:t>11.01.2022</a:t>
             </a:fld>
             <a:endParaRPr lang="ru-RU"/>
           </a:p>
@@ -1226,7 +1226,7 @@
             <a:fld id="{85A5DE44-605B-4D3B-B2B7-94543DF81A36}" type="datetimeFigureOut">
               <a:rPr lang="ru-RU" smtClean="0"/>
               <a:pPr/>
-              <a:t>10.01.2022</a:t>
+              <a:t>11.01.2022</a:t>
             </a:fld>
             <a:endParaRPr lang="ru-RU"/>
           </a:p>
@@ -1474,7 +1474,7 @@
             <a:fld id="{85A5DE44-605B-4D3B-B2B7-94543DF81A36}" type="datetimeFigureOut">
               <a:rPr lang="ru-RU" smtClean="0"/>
               <a:pPr/>
-              <a:t>10.01.2022</a:t>
+              <a:t>11.01.2022</a:t>
             </a:fld>
             <a:endParaRPr lang="ru-RU"/>
           </a:p>
@@ -1708,7 +1708,7 @@
             <a:fld id="{85A5DE44-605B-4D3B-B2B7-94543DF81A36}" type="datetimeFigureOut">
               <a:rPr lang="ru-RU" smtClean="0"/>
               <a:pPr/>
-              <a:t>10.01.2022</a:t>
+              <a:t>11.01.2022</a:t>
             </a:fld>
             <a:endParaRPr lang="ru-RU"/>
           </a:p>
@@ -2077,7 +2077,7 @@
             <a:fld id="{85A5DE44-605B-4D3B-B2B7-94543DF81A36}" type="datetimeFigureOut">
               <a:rPr lang="ru-RU" smtClean="0"/>
               <a:pPr/>
-              <a:t>10.01.2022</a:t>
+              <a:t>11.01.2022</a:t>
             </a:fld>
             <a:endParaRPr lang="ru-RU"/>
           </a:p>
@@ -2197,7 +2197,7 @@
             <a:fld id="{85A5DE44-605B-4D3B-B2B7-94543DF81A36}" type="datetimeFigureOut">
               <a:rPr lang="ru-RU" smtClean="0"/>
               <a:pPr/>
-              <a:t>10.01.2022</a:t>
+              <a:t>11.01.2022</a:t>
             </a:fld>
             <a:endParaRPr lang="ru-RU"/>
           </a:p>
@@ -2294,7 +2294,7 @@
             <a:fld id="{85A5DE44-605B-4D3B-B2B7-94543DF81A36}" type="datetimeFigureOut">
               <a:rPr lang="ru-RU" smtClean="0"/>
               <a:pPr/>
-              <a:t>10.01.2022</a:t>
+              <a:t>11.01.2022</a:t>
             </a:fld>
             <a:endParaRPr lang="ru-RU"/>
           </a:p>
@@ -2573,7 +2573,7 @@
             <a:fld id="{85A5DE44-605B-4D3B-B2B7-94543DF81A36}" type="datetimeFigureOut">
               <a:rPr lang="ru-RU" smtClean="0"/>
               <a:pPr/>
-              <a:t>10.01.2022</a:t>
+              <a:t>11.01.2022</a:t>
             </a:fld>
             <a:endParaRPr lang="ru-RU"/>
           </a:p>
@@ -2832,7 +2832,7 @@
             <a:fld id="{85A5DE44-605B-4D3B-B2B7-94543DF81A36}" type="datetimeFigureOut">
               <a:rPr lang="ru-RU" smtClean="0"/>
               <a:pPr/>
-              <a:t>10.01.2022</a:t>
+              <a:t>11.01.2022</a:t>
             </a:fld>
             <a:endParaRPr lang="ru-RU"/>
           </a:p>
@@ -3047,7 +3047,7 @@
             <a:fld id="{85A5DE44-605B-4D3B-B2B7-94543DF81A36}" type="datetimeFigureOut">
               <a:rPr lang="ru-RU" smtClean="0"/>
               <a:pPr/>
-              <a:t>10.01.2022</a:t>
+              <a:t>11.01.2022</a:t>
             </a:fld>
             <a:endParaRPr lang="ru-RU"/>
           </a:p>
@@ -17348,482 +17348,11 @@
             <a:pPr algn="ctr"/>
             <a:r>
               <a:rPr lang="ru-RU" sz="1400" dirty="0" smtClean="0"/>
-              <a:t>Возродить королевский совет </a:t>
-            </a:r>
-            <a:r>
-              <a:rPr lang="ru-RU" sz="200" dirty="0"/>
-              <a:t>(Королевством Конго управляли </a:t>
-            </a:r>
-            <a:r>
-              <a:rPr lang="ru-RU" sz="200" dirty="0" err="1"/>
-              <a:t>маниконго</a:t>
-            </a:r>
-            <a:r>
-              <a:rPr lang="ru-RU" sz="200" dirty="0"/>
-              <a:t> и королевский совет, известный как </a:t>
-            </a:r>
-            <a:r>
-              <a:rPr lang="ru-RU" sz="200" dirty="0" err="1"/>
-              <a:t>ne</a:t>
-            </a:r>
-            <a:r>
-              <a:rPr lang="ru-RU" sz="200" dirty="0"/>
-              <a:t> </a:t>
-            </a:r>
-            <a:r>
-              <a:rPr lang="ru-RU" sz="200" dirty="0" err="1"/>
-              <a:t>mbanda-mbanda</a:t>
-            </a:r>
-            <a:r>
-              <a:rPr lang="ru-RU" sz="200" dirty="0"/>
-              <a:t> , что примерно переводится как «верхушка на вершине». [ 13 ] Он состоял из двенадцати членов, разделенных на три группы. Одна группа состояла из бюрократов, другая группа избирателей и последняя группа матрон. [ 14 ]Высокие чиновники выбирали </a:t>
-            </a:r>
-            <a:r>
-              <a:rPr lang="ru-RU" sz="200" dirty="0" err="1"/>
-              <a:t>маниконго</a:t>
-            </a:r>
-            <a:r>
-              <a:rPr lang="ru-RU" sz="200" dirty="0"/>
-              <a:t> или короля, который служил всю жизнь по их выбору. Избиратели меняются со временем, и, вероятно, никогда не было полностью фиксированного списка; скорее, это делали высшие должностные лица, которые осуществляли власть. Многие короли пытались выбрать себе преемника, но не всегда успешно. Одной из центральных проблем в истории Конго была передача власти, и в результате в стране вспыхнули многочисленные восстания и восстания.)</a:t>
-            </a:r>
-            <a:br>
-              <a:rPr lang="ru-RU" sz="200" dirty="0"/>
-            </a:br>
-            <a:r>
-              <a:rPr lang="ru-RU" sz="200" dirty="0"/>
-              <a:t>бюрократические </a:t>
-            </a:r>
-            <a:r>
-              <a:rPr lang="ru-RU" sz="200" dirty="0" err="1"/>
-              <a:t>должностиВ</a:t>
-            </a:r>
-            <a:r>
-              <a:rPr lang="ru-RU" sz="200" dirty="0"/>
-              <a:t> эти четыре </a:t>
-            </a:r>
-            <a:r>
-              <a:rPr lang="ru-RU" sz="200" dirty="0" err="1"/>
-              <a:t>неизбираемые</a:t>
-            </a:r>
-            <a:r>
-              <a:rPr lang="ru-RU" sz="200" dirty="0"/>
-              <a:t> должности входили </a:t>
-            </a:r>
-            <a:r>
-              <a:rPr lang="ru-RU" sz="200" dirty="0" err="1"/>
-              <a:t>Муене</a:t>
-            </a:r>
-            <a:r>
-              <a:rPr lang="ru-RU" sz="200" dirty="0"/>
-              <a:t> </a:t>
-            </a:r>
-            <a:r>
-              <a:rPr lang="ru-RU" sz="200" dirty="0" err="1"/>
-              <a:t>Лумбо</a:t>
-            </a:r>
-            <a:r>
-              <a:rPr lang="ru-RU" sz="200" dirty="0"/>
-              <a:t> ( властитель дворца / дворецкий ), </a:t>
-            </a:r>
-            <a:r>
-              <a:rPr lang="ru-RU" sz="200" dirty="0" err="1"/>
-              <a:t>Мфила</a:t>
-            </a:r>
-            <a:r>
-              <a:rPr lang="ru-RU" sz="200" dirty="0"/>
-              <a:t> </a:t>
-            </a:r>
-            <a:r>
-              <a:rPr lang="ru-RU" sz="200" dirty="0" err="1"/>
-              <a:t>Нту</a:t>
-            </a:r>
-            <a:r>
-              <a:rPr lang="ru-RU" sz="200" dirty="0"/>
-              <a:t> ( самый доверенный советник / премьер-министр ), </a:t>
-            </a:r>
-            <a:r>
-              <a:rPr lang="ru-RU" sz="200" dirty="0" err="1"/>
-              <a:t>Муене</a:t>
-            </a:r>
-            <a:r>
-              <a:rPr lang="ru-RU" sz="200" dirty="0"/>
-              <a:t> </a:t>
-            </a:r>
-            <a:r>
-              <a:rPr lang="ru-RU" sz="200" dirty="0" err="1"/>
-              <a:t>Вангу-Вангу</a:t>
-            </a:r>
-            <a:r>
-              <a:rPr lang="ru-RU" sz="200" dirty="0"/>
-              <a:t> ( властитель дел или действий / верховный судья, особенно в случаях супружеской измены ). , и </a:t>
-            </a:r>
-            <a:r>
-              <a:rPr lang="ru-RU" sz="200" dirty="0" err="1"/>
-              <a:t>Муене</a:t>
-            </a:r>
-            <a:r>
-              <a:rPr lang="ru-RU" sz="200" dirty="0"/>
-              <a:t> </a:t>
-            </a:r>
-            <a:r>
-              <a:rPr lang="ru-RU" sz="200" dirty="0" err="1"/>
-              <a:t>Бампа</a:t>
-            </a:r>
-            <a:r>
-              <a:rPr lang="ru-RU" sz="200" dirty="0"/>
-              <a:t> ( казначей ). Все эти четверо назначаются королем и имеют большое влияние на повседневную деятельность двора. [ 15 ]</a:t>
-            </a:r>
-            <a:r>
-              <a:rPr lang="ru-RU" sz="200" dirty="0" err="1"/>
-              <a:t>избирателиЧетыре</a:t>
-            </a:r>
-            <a:r>
-              <a:rPr lang="ru-RU" sz="200" dirty="0"/>
-              <a:t> других советника работали над избранием короля, а также людей на важные должности. Избиратели состоят из </a:t>
-            </a:r>
-            <a:r>
-              <a:rPr lang="ru-RU" sz="200" dirty="0" err="1"/>
-              <a:t>Муене</a:t>
-            </a:r>
-            <a:r>
-              <a:rPr lang="ru-RU" sz="200" dirty="0"/>
-              <a:t> </a:t>
-            </a:r>
-            <a:r>
-              <a:rPr lang="ru-RU" sz="200" dirty="0" err="1"/>
-              <a:t>Вунда</a:t>
-            </a:r>
-            <a:r>
-              <a:rPr lang="ru-RU" sz="200" dirty="0"/>
-              <a:t> (Повелитель </a:t>
-            </a:r>
-            <a:r>
-              <a:rPr lang="ru-RU" sz="200" dirty="0" err="1"/>
-              <a:t>Вунды</a:t>
-            </a:r>
-            <a:r>
-              <a:rPr lang="ru-RU" sz="200" dirty="0"/>
-              <a:t>, небольшой территории к северу от столицы с в основном религиозными обязательствами, которая ведет избирателей [ 16 ]).) </a:t>
-            </a:r>
-            <a:r>
-              <a:rPr lang="ru-RU" sz="200" dirty="0" err="1"/>
-              <a:t>Муене</a:t>
-            </a:r>
-            <a:r>
-              <a:rPr lang="ru-RU" sz="200" dirty="0"/>
-              <a:t> Бата (властитель провинции </a:t>
-            </a:r>
-            <a:r>
-              <a:rPr lang="ru-RU" sz="200" dirty="0" err="1"/>
-              <a:t>Мбата</a:t>
-            </a:r>
-            <a:r>
-              <a:rPr lang="ru-RU" sz="200" dirty="0"/>
-              <a:t> прямо к востоку от столицы и управляется </a:t>
-            </a:r>
-            <a:r>
-              <a:rPr lang="ru-RU" sz="200" dirty="0" err="1"/>
-              <a:t>Нсака</a:t>
-            </a:r>
-            <a:r>
-              <a:rPr lang="ru-RU" sz="200" dirty="0"/>
-              <a:t> </a:t>
-            </a:r>
-            <a:r>
-              <a:rPr lang="ru-RU" sz="200" dirty="0" err="1"/>
-              <a:t>Лау</a:t>
-            </a:r>
-            <a:r>
-              <a:rPr lang="ru-RU" sz="200" dirty="0"/>
-              <a:t> </a:t>
-            </a:r>
-            <a:r>
-              <a:rPr lang="ru-RU" sz="200" dirty="0" err="1"/>
-              <a:t>канда</a:t>
-            </a:r>
-            <a:r>
-              <a:rPr lang="ru-RU" sz="200" dirty="0"/>
-              <a:t>, который обеспечивает великую жену короля), </a:t>
-            </a:r>
-            <a:r>
-              <a:rPr lang="ru-RU" sz="200" dirty="0" err="1"/>
-              <a:t>Муене</a:t>
-            </a:r>
-            <a:r>
-              <a:rPr lang="ru-RU" sz="200" dirty="0"/>
-              <a:t> </a:t>
-            </a:r>
-            <a:r>
-              <a:rPr lang="ru-RU" sz="200" dirty="0" err="1"/>
-              <a:t>Сойо</a:t>
-            </a:r>
-            <a:r>
-              <a:rPr lang="ru-RU" sz="200" dirty="0"/>
-              <a:t> (властитель провинции </a:t>
-            </a:r>
-            <a:r>
-              <a:rPr lang="ru-RU" sz="200" dirty="0" err="1"/>
-              <a:t>Сойо</a:t>
-            </a:r>
-            <a:r>
-              <a:rPr lang="ru-RU" sz="200" dirty="0"/>
-              <a:t> к западу от столицы и исторически самая богатая провинция, будучи единственным портом и имеющий доступ к соли), и четвертый избиратель, вероятно, </a:t>
-            </a:r>
-            <a:r>
-              <a:rPr lang="ru-RU" sz="200" dirty="0" err="1"/>
-              <a:t>Муен</a:t>
-            </a:r>
-            <a:r>
-              <a:rPr lang="ru-RU" sz="200" dirty="0"/>
-              <a:t> </a:t>
-            </a:r>
-            <a:r>
-              <a:rPr lang="ru-RU" sz="200" dirty="0" err="1"/>
-              <a:t>Бамба</a:t>
-            </a:r>
-            <a:r>
-              <a:rPr lang="ru-RU" sz="200" dirty="0"/>
-              <a:t> (владыка провинции </a:t>
-            </a:r>
-            <a:r>
-              <a:rPr lang="ru-RU" sz="200" dirty="0" err="1"/>
-              <a:t>Бамба</a:t>
-            </a:r>
-            <a:r>
-              <a:rPr lang="ru-RU" sz="200" dirty="0"/>
-              <a:t> к югу от столицы и генерал-капитан армии). </a:t>
-            </a:r>
-            <a:r>
-              <a:rPr lang="ru-RU" sz="200" dirty="0" err="1"/>
-              <a:t>Муене</a:t>
-            </a:r>
-            <a:r>
-              <a:rPr lang="ru-RU" sz="200" dirty="0"/>
-              <a:t> </a:t>
-            </a:r>
-            <a:r>
-              <a:rPr lang="ru-RU" sz="200" dirty="0" err="1"/>
-              <a:t>Вунда</a:t>
-            </a:r>
-            <a:r>
-              <a:rPr lang="ru-RU" sz="200" dirty="0"/>
-              <a:t> был назван королем </a:t>
-            </a:r>
-            <a:r>
-              <a:rPr lang="ru-RU" sz="200" dirty="0" err="1"/>
-              <a:t>Нсаку</a:t>
-            </a:r>
-            <a:r>
-              <a:rPr lang="ru-RU" sz="200" dirty="0"/>
-              <a:t> не </a:t>
-            </a:r>
-            <a:r>
-              <a:rPr lang="ru-RU" sz="200" dirty="0" err="1"/>
-              <a:t>Вунда</a:t>
-            </a:r>
-            <a:r>
-              <a:rPr lang="ru-RU" sz="200" dirty="0"/>
-              <a:t> </a:t>
-            </a:r>
-            <a:r>
-              <a:rPr lang="ru-RU" sz="200" dirty="0" err="1"/>
-              <a:t>канда</a:t>
-            </a:r>
-            <a:r>
-              <a:rPr lang="ru-RU" sz="200" dirty="0"/>
-              <a:t>. Имя </a:t>
-            </a:r>
-            <a:r>
-              <a:rPr lang="ru-RU" sz="200" dirty="0" err="1"/>
-              <a:t>Муене</a:t>
-            </a:r>
-            <a:r>
-              <a:rPr lang="ru-RU" sz="200" dirty="0"/>
-              <a:t> Бата было подтверждено королем </a:t>
-            </a:r>
-            <a:r>
-              <a:rPr lang="ru-RU" sz="200" dirty="0" err="1"/>
-              <a:t>Нсаку</a:t>
-            </a:r>
-            <a:r>
-              <a:rPr lang="ru-RU" sz="200" dirty="0"/>
-              <a:t> </a:t>
-            </a:r>
-            <a:r>
-              <a:rPr lang="ru-RU" sz="200" dirty="0" err="1"/>
-              <a:t>Лау</a:t>
-            </a:r>
-            <a:r>
-              <a:rPr lang="ru-RU" sz="200" dirty="0"/>
-              <a:t> </a:t>
-            </a:r>
-            <a:r>
-              <a:rPr lang="ru-RU" sz="200" dirty="0" err="1"/>
-              <a:t>канда</a:t>
-            </a:r>
-            <a:r>
-              <a:rPr lang="ru-RU" sz="200" dirty="0"/>
-              <a:t>. </a:t>
-            </a:r>
-            <a:r>
-              <a:rPr lang="ru-RU" sz="200" dirty="0" err="1"/>
-              <a:t>Муэн</a:t>
-            </a:r>
-            <a:r>
-              <a:rPr lang="ru-RU" sz="200" dirty="0"/>
-              <a:t> </a:t>
-            </a:r>
-            <a:r>
-              <a:rPr lang="ru-RU" sz="200" dirty="0" err="1"/>
-              <a:t>Сойо</a:t>
-            </a:r>
-            <a:r>
-              <a:rPr lang="ru-RU" sz="200" dirty="0"/>
-              <a:t> был назван королем </a:t>
-            </a:r>
-            <a:r>
-              <a:rPr lang="ru-RU" sz="200" dirty="0" err="1"/>
-              <a:t>Канды</a:t>
-            </a:r>
-            <a:r>
-              <a:rPr lang="ru-RU" sz="200" dirty="0"/>
-              <a:t> Да </a:t>
-            </a:r>
-            <a:r>
-              <a:rPr lang="ru-RU" sz="200" dirty="0" err="1"/>
-              <a:t>Силва</a:t>
-            </a:r>
-            <a:r>
-              <a:rPr lang="ru-RU" sz="200" dirty="0"/>
-              <a:t>. </a:t>
-            </a:r>
-            <a:r>
-              <a:rPr lang="ru-RU" sz="200" dirty="0" err="1"/>
-              <a:t>Муэн</a:t>
-            </a:r>
-            <a:r>
-              <a:rPr lang="ru-RU" sz="200" dirty="0"/>
-              <a:t> </a:t>
-            </a:r>
-            <a:r>
-              <a:rPr lang="ru-RU" sz="200" dirty="0" err="1"/>
-              <a:t>Бамба</a:t>
-            </a:r>
-            <a:r>
-              <a:rPr lang="ru-RU" sz="200" dirty="0"/>
-              <a:t> назначается королем везде, где он пожелает, но обычно имеет близкие семейные отношения. Эти четверо мужчин избрали короля, а </a:t>
-            </a:r>
-            <a:r>
-              <a:rPr lang="ru-RU" sz="200" dirty="0" err="1"/>
-              <a:t>Муене</a:t>
-            </a:r>
-            <a:r>
-              <a:rPr lang="ru-RU" sz="200" dirty="0"/>
-              <a:t> </a:t>
-            </a:r>
-            <a:r>
-              <a:rPr lang="ru-RU" sz="200" dirty="0" err="1"/>
-              <a:t>Вунда</a:t>
-            </a:r>
-            <a:r>
-              <a:rPr lang="ru-RU" sz="200" dirty="0"/>
-              <a:t> и </a:t>
-            </a:r>
-            <a:r>
-              <a:rPr lang="ru-RU" sz="200" dirty="0" err="1"/>
-              <a:t>Муене</a:t>
-            </a:r>
-            <a:r>
-              <a:rPr lang="ru-RU" sz="200" dirty="0"/>
-              <a:t> Бата сыграли решающую роль в </a:t>
-            </a:r>
-            <a:r>
-              <a:rPr lang="ru-RU" sz="200" dirty="0" err="1"/>
-              <a:t>коронации.Замужние</a:t>
-            </a:r>
-            <a:r>
-              <a:rPr lang="ru-RU" sz="200" dirty="0"/>
-              <a:t> </a:t>
-            </a:r>
-            <a:r>
-              <a:rPr lang="ru-RU" sz="200" dirty="0" err="1"/>
-              <a:t>женщиныНаконец</a:t>
-            </a:r>
-            <a:r>
-              <a:rPr lang="ru-RU" sz="200" dirty="0"/>
-              <a:t>, в правлении было четыре женщины с большим влиянием. Их возглавляла </a:t>
-            </a:r>
-            <a:r>
-              <a:rPr lang="ru-RU" sz="200" dirty="0" err="1"/>
-              <a:t>Муене</a:t>
-            </a:r>
-            <a:r>
-              <a:rPr lang="ru-RU" sz="200" dirty="0"/>
-              <a:t> </a:t>
-            </a:r>
-            <a:r>
-              <a:rPr lang="ru-RU" sz="200" dirty="0" err="1"/>
-              <a:t>Зимба</a:t>
-            </a:r>
-            <a:r>
-              <a:rPr lang="ru-RU" sz="200" dirty="0"/>
-              <a:t> </a:t>
-            </a:r>
-            <a:r>
-              <a:rPr lang="ru-RU" sz="200" dirty="0" err="1"/>
-              <a:t>Пунго</a:t>
-            </a:r>
-            <a:r>
-              <a:rPr lang="ru-RU" sz="200" dirty="0"/>
-              <a:t>, королева-мать, обычно тетя короля по отцовской линии. Второй по величине женщиной была </a:t>
-            </a:r>
-            <a:r>
-              <a:rPr lang="ru-RU" sz="200" dirty="0" err="1"/>
-              <a:t>Муене</a:t>
-            </a:r>
-            <a:r>
-              <a:rPr lang="ru-RU" sz="200" dirty="0"/>
-              <a:t> Банда, великая жена короля, избранная из числа </a:t>
-            </a:r>
-            <a:r>
-              <a:rPr lang="ru-RU" sz="200" dirty="0" err="1"/>
-              <a:t>Нсаку</a:t>
-            </a:r>
-            <a:r>
-              <a:rPr lang="ru-RU" sz="200" dirty="0"/>
-              <a:t> </a:t>
-            </a:r>
-            <a:r>
-              <a:rPr lang="ru-RU" sz="200" dirty="0" err="1"/>
-              <a:t>Лау</a:t>
-            </a:r>
-            <a:r>
-              <a:rPr lang="ru-RU" sz="200" dirty="0"/>
-              <a:t> </a:t>
-            </a:r>
-            <a:r>
-              <a:rPr lang="ru-RU" sz="200" dirty="0" err="1"/>
-              <a:t>канда</a:t>
-            </a:r>
-            <a:r>
-              <a:rPr lang="ru-RU" sz="200" dirty="0"/>
-              <a:t>. [ 17 ] Две другие должности были отданы следующим по значимости женщинам в королевстве, которые были овдовевшими королевами или </a:t>
-            </a:r>
-            <a:r>
-              <a:rPr lang="ru-RU" sz="200" dirty="0" err="1"/>
-              <a:t>матриархами</a:t>
-            </a:r>
-            <a:r>
-              <a:rPr lang="ru-RU" sz="200" dirty="0"/>
-              <a:t> правящих экс-</a:t>
-            </a:r>
-            <a:r>
-              <a:rPr lang="ru-RU" sz="200" dirty="0" err="1"/>
-              <a:t>кандов</a:t>
-            </a:r>
-            <a:r>
-              <a:rPr lang="ru-RU" sz="200" dirty="0"/>
-              <a:t>. [ 18 ]</a:t>
+              <a:t>Возродить королевский </a:t>
+            </a:r>
+            <a:r>
+              <a:rPr lang="ru-RU" sz="1400" dirty="0" smtClean="0"/>
+              <a:t>совет</a:t>
             </a:r>
             <a:endParaRPr lang="ru-RU" sz="200" dirty="0" smtClean="0"/>
           </a:p>
@@ -17875,46 +17404,6 @@
               <a:rPr lang="ru-RU" sz="1400" dirty="0" err="1" smtClean="0"/>
               <a:t>маканда</a:t>
             </a:r>
-            <a:r>
-              <a:rPr lang="ru-RU" sz="1400" dirty="0"/>
-              <a:t> </a:t>
-            </a:r>
-            <a:r>
-              <a:rPr lang="ru-RU" sz="400" dirty="0"/>
-              <a:t>(В этот период изменилась и социальная структура. Возникли новые общественные организации, </a:t>
-            </a:r>
-            <a:r>
-              <a:rPr lang="ru-RU" sz="400" dirty="0" err="1"/>
-              <a:t>маканда</a:t>
-            </a:r>
-            <a:r>
-              <a:rPr lang="ru-RU" sz="400" dirty="0"/>
-              <a:t>. Эти </a:t>
-            </a:r>
-            <a:r>
-              <a:rPr lang="ru-RU" sz="400" dirty="0" err="1"/>
-              <a:t>маканда</a:t>
-            </a:r>
-            <a:r>
-              <a:rPr lang="ru-RU" sz="400" dirty="0"/>
-              <a:t>, номинально происходившие из кланов от общих предков, были как торговыми ассоциациями, так и семейными единицами. Эти кланы основали цепочки деревень, связанных фиктивным родством на торговых путях от </a:t>
-            </a:r>
-            <a:r>
-              <a:rPr lang="ru-RU" sz="400" dirty="0" err="1"/>
-              <a:t>Бомы</a:t>
-            </a:r>
-            <a:r>
-              <a:rPr lang="ru-RU" sz="400" dirty="0"/>
-              <a:t> или побережья от </a:t>
-            </a:r>
-            <a:r>
-              <a:rPr lang="ru-RU" sz="400" dirty="0" err="1"/>
-              <a:t>Сойо</a:t>
-            </a:r>
-            <a:r>
-              <a:rPr lang="ru-RU" sz="400" dirty="0"/>
-              <a:t> до Сан-Сальвадора, а затем в глубь страны. Новая устная традиция об основателе королевства, которого часто называют Альфонсо I , описывает королевство как возникшее, когда король заставил кланы рассредоточиться во всех направлениях)</a:t>
-            </a:r>
             <a:endParaRPr lang="ru-RU" sz="400" dirty="0" smtClean="0"/>
           </a:p>
         </p:txBody>
@@ -17967,7 +17456,7 @@
             </a:r>
             <a:r>
               <a:rPr lang="ru-RU" sz="1400" dirty="0" smtClean="0"/>
-              <a:t>-Конго (Сан-Сальвадор, который станет столицей) (у города есть герб для иконки)</a:t>
+              <a:t>-Конго (у города есть герб для иконки)</a:t>
             </a:r>
           </a:p>
         </p:txBody>
@@ -19293,7 +18782,7 @@
           </a:xfrm>
           <a:prstGeom prst="bentConnector3">
             <a:avLst>
-              <a:gd name="adj1" fmla="val 50000"/>
+              <a:gd name="adj1" fmla="val 53314"/>
             </a:avLst>
           </a:prstGeom>
           <a:ln w="28575">

--- a/Наработки/диздоки/Бельгийское Конго/Бельгийское Конго.pptx
+++ b/Наработки/диздоки/Бельгийское Конго/Бельгийское Конго.pptx
@@ -209,7 +209,7 @@
             <a:fld id="{33E3D7F9-E251-484C-A6FF-FA958879DF69}" type="datetimeFigureOut">
               <a:rPr lang="ru-RU" smtClean="0"/>
               <a:pPr/>
-              <a:t>11.01.2022</a:t>
+              <a:t>12.01.2022</a:t>
             </a:fld>
             <a:endParaRPr lang="ru-RU"/>
           </a:p>
@@ -700,7 +700,7 @@
             <a:fld id="{85A5DE44-605B-4D3B-B2B7-94543DF81A36}" type="datetimeFigureOut">
               <a:rPr lang="ru-RU" smtClean="0"/>
               <a:pPr/>
-              <a:t>11.01.2022</a:t>
+              <a:t>12.01.2022</a:t>
             </a:fld>
             <a:endParaRPr lang="ru-RU"/>
           </a:p>
@@ -872,7 +872,7 @@
             <a:fld id="{85A5DE44-605B-4D3B-B2B7-94543DF81A36}" type="datetimeFigureOut">
               <a:rPr lang="ru-RU" smtClean="0"/>
               <a:pPr/>
-              <a:t>11.01.2022</a:t>
+              <a:t>12.01.2022</a:t>
             </a:fld>
             <a:endParaRPr lang="ru-RU"/>
           </a:p>
@@ -1054,7 +1054,7 @@
             <a:fld id="{85A5DE44-605B-4D3B-B2B7-94543DF81A36}" type="datetimeFigureOut">
               <a:rPr lang="ru-RU" smtClean="0"/>
               <a:pPr/>
-              <a:t>11.01.2022</a:t>
+              <a:t>12.01.2022</a:t>
             </a:fld>
             <a:endParaRPr lang="ru-RU"/>
           </a:p>
@@ -1226,7 +1226,7 @@
             <a:fld id="{85A5DE44-605B-4D3B-B2B7-94543DF81A36}" type="datetimeFigureOut">
               <a:rPr lang="ru-RU" smtClean="0"/>
               <a:pPr/>
-              <a:t>11.01.2022</a:t>
+              <a:t>12.01.2022</a:t>
             </a:fld>
             <a:endParaRPr lang="ru-RU"/>
           </a:p>
@@ -1474,7 +1474,7 @@
             <a:fld id="{85A5DE44-605B-4D3B-B2B7-94543DF81A36}" type="datetimeFigureOut">
               <a:rPr lang="ru-RU" smtClean="0"/>
               <a:pPr/>
-              <a:t>11.01.2022</a:t>
+              <a:t>12.01.2022</a:t>
             </a:fld>
             <a:endParaRPr lang="ru-RU"/>
           </a:p>
@@ -1708,7 +1708,7 @@
             <a:fld id="{85A5DE44-605B-4D3B-B2B7-94543DF81A36}" type="datetimeFigureOut">
               <a:rPr lang="ru-RU" smtClean="0"/>
               <a:pPr/>
-              <a:t>11.01.2022</a:t>
+              <a:t>12.01.2022</a:t>
             </a:fld>
             <a:endParaRPr lang="ru-RU"/>
           </a:p>
@@ -2077,7 +2077,7 @@
             <a:fld id="{85A5DE44-605B-4D3B-B2B7-94543DF81A36}" type="datetimeFigureOut">
               <a:rPr lang="ru-RU" smtClean="0"/>
               <a:pPr/>
-              <a:t>11.01.2022</a:t>
+              <a:t>12.01.2022</a:t>
             </a:fld>
             <a:endParaRPr lang="ru-RU"/>
           </a:p>
@@ -2197,7 +2197,7 @@
             <a:fld id="{85A5DE44-605B-4D3B-B2B7-94543DF81A36}" type="datetimeFigureOut">
               <a:rPr lang="ru-RU" smtClean="0"/>
               <a:pPr/>
-              <a:t>11.01.2022</a:t>
+              <a:t>12.01.2022</a:t>
             </a:fld>
             <a:endParaRPr lang="ru-RU"/>
           </a:p>
@@ -2294,7 +2294,7 @@
             <a:fld id="{85A5DE44-605B-4D3B-B2B7-94543DF81A36}" type="datetimeFigureOut">
               <a:rPr lang="ru-RU" smtClean="0"/>
               <a:pPr/>
-              <a:t>11.01.2022</a:t>
+              <a:t>12.01.2022</a:t>
             </a:fld>
             <a:endParaRPr lang="ru-RU"/>
           </a:p>
@@ -2573,7 +2573,7 @@
             <a:fld id="{85A5DE44-605B-4D3B-B2B7-94543DF81A36}" type="datetimeFigureOut">
               <a:rPr lang="ru-RU" smtClean="0"/>
               <a:pPr/>
-              <a:t>11.01.2022</a:t>
+              <a:t>12.01.2022</a:t>
             </a:fld>
             <a:endParaRPr lang="ru-RU"/>
           </a:p>
@@ -2832,7 +2832,7 @@
             <a:fld id="{85A5DE44-605B-4D3B-B2B7-94543DF81A36}" type="datetimeFigureOut">
               <a:rPr lang="ru-RU" smtClean="0"/>
               <a:pPr/>
-              <a:t>11.01.2022</a:t>
+              <a:t>12.01.2022</a:t>
             </a:fld>
             <a:endParaRPr lang="ru-RU"/>
           </a:p>
@@ -3047,7 +3047,7 @@
             <a:fld id="{85A5DE44-605B-4D3B-B2B7-94543DF81A36}" type="datetimeFigureOut">
               <a:rPr lang="ru-RU" smtClean="0"/>
               <a:pPr/>
-              <a:t>11.01.2022</a:t>
+              <a:t>12.01.2022</a:t>
             </a:fld>
             <a:endParaRPr lang="ru-RU"/>
           </a:p>
@@ -17348,11 +17348,7 @@
             <a:pPr algn="ctr"/>
             <a:r>
               <a:rPr lang="ru-RU" sz="1400" dirty="0" smtClean="0"/>
-              <a:t>Возродить королевский </a:t>
-            </a:r>
-            <a:r>
-              <a:rPr lang="ru-RU" sz="1400" dirty="0" smtClean="0"/>
-              <a:t>совет</a:t>
+              <a:t>Возродить королевский совет</a:t>
             </a:r>
             <a:endParaRPr lang="ru-RU" sz="200" dirty="0" smtClean="0"/>
           </a:p>
@@ -17783,7 +17779,11 @@
             <a:pPr algn="ctr"/>
             <a:r>
               <a:rPr lang="ru-RU" sz="1400" dirty="0" smtClean="0"/>
-              <a:t>Подчинить Руанду и Бурунди</a:t>
+              <a:t>Подчинить Руанду и </a:t>
+            </a:r>
+            <a:r>
+              <a:rPr lang="ru-RU" sz="1400" dirty="0" smtClean="0"/>
+              <a:t>Бурунди</a:t>
             </a:r>
             <a:endParaRPr lang="ru-RU" sz="1200" dirty="0" smtClean="0"/>
           </a:p>
@@ -18882,7 +18882,11 @@
             <a:pPr algn="ctr"/>
             <a:r>
               <a:rPr lang="ru-RU" sz="1400" dirty="0" smtClean="0"/>
-              <a:t>Начать набор из лояльных племён</a:t>
+              <a:t>Начать набор из </a:t>
+            </a:r>
+            <a:r>
+              <a:rPr lang="ru-RU" sz="1400" dirty="0" smtClean="0"/>
+              <a:t>племён</a:t>
             </a:r>
             <a:endParaRPr lang="ru-RU" sz="1200" dirty="0" smtClean="0"/>
           </a:p>

--- a/Наработки/диздоки/Бельгийское Конго/Бельгийское Конго.pptx
+++ b/Наработки/диздоки/Бельгийское Конго/Бельгийское Конго.pptx
@@ -209,7 +209,7 @@
             <a:fld id="{33E3D7F9-E251-484C-A6FF-FA958879DF69}" type="datetimeFigureOut">
               <a:rPr lang="ru-RU" smtClean="0"/>
               <a:pPr/>
-              <a:t>12.01.2022</a:t>
+              <a:t>14.01.2022</a:t>
             </a:fld>
             <a:endParaRPr lang="ru-RU"/>
           </a:p>
@@ -700,7 +700,7 @@
             <a:fld id="{85A5DE44-605B-4D3B-B2B7-94543DF81A36}" type="datetimeFigureOut">
               <a:rPr lang="ru-RU" smtClean="0"/>
               <a:pPr/>
-              <a:t>12.01.2022</a:t>
+              <a:t>14.01.2022</a:t>
             </a:fld>
             <a:endParaRPr lang="ru-RU"/>
           </a:p>
@@ -872,7 +872,7 @@
             <a:fld id="{85A5DE44-605B-4D3B-B2B7-94543DF81A36}" type="datetimeFigureOut">
               <a:rPr lang="ru-RU" smtClean="0"/>
               <a:pPr/>
-              <a:t>12.01.2022</a:t>
+              <a:t>14.01.2022</a:t>
             </a:fld>
             <a:endParaRPr lang="ru-RU"/>
           </a:p>
@@ -1054,7 +1054,7 @@
             <a:fld id="{85A5DE44-605B-4D3B-B2B7-94543DF81A36}" type="datetimeFigureOut">
               <a:rPr lang="ru-RU" smtClean="0"/>
               <a:pPr/>
-              <a:t>12.01.2022</a:t>
+              <a:t>14.01.2022</a:t>
             </a:fld>
             <a:endParaRPr lang="ru-RU"/>
           </a:p>
@@ -1226,7 +1226,7 @@
             <a:fld id="{85A5DE44-605B-4D3B-B2B7-94543DF81A36}" type="datetimeFigureOut">
               <a:rPr lang="ru-RU" smtClean="0"/>
               <a:pPr/>
-              <a:t>12.01.2022</a:t>
+              <a:t>14.01.2022</a:t>
             </a:fld>
             <a:endParaRPr lang="ru-RU"/>
           </a:p>
@@ -1474,7 +1474,7 @@
             <a:fld id="{85A5DE44-605B-4D3B-B2B7-94543DF81A36}" type="datetimeFigureOut">
               <a:rPr lang="ru-RU" smtClean="0"/>
               <a:pPr/>
-              <a:t>12.01.2022</a:t>
+              <a:t>14.01.2022</a:t>
             </a:fld>
             <a:endParaRPr lang="ru-RU"/>
           </a:p>
@@ -1708,7 +1708,7 @@
             <a:fld id="{85A5DE44-605B-4D3B-B2B7-94543DF81A36}" type="datetimeFigureOut">
               <a:rPr lang="ru-RU" smtClean="0"/>
               <a:pPr/>
-              <a:t>12.01.2022</a:t>
+              <a:t>14.01.2022</a:t>
             </a:fld>
             <a:endParaRPr lang="ru-RU"/>
           </a:p>
@@ -2077,7 +2077,7 @@
             <a:fld id="{85A5DE44-605B-4D3B-B2B7-94543DF81A36}" type="datetimeFigureOut">
               <a:rPr lang="ru-RU" smtClean="0"/>
               <a:pPr/>
-              <a:t>12.01.2022</a:t>
+              <a:t>14.01.2022</a:t>
             </a:fld>
             <a:endParaRPr lang="ru-RU"/>
           </a:p>
@@ -2197,7 +2197,7 @@
             <a:fld id="{85A5DE44-605B-4D3B-B2B7-94543DF81A36}" type="datetimeFigureOut">
               <a:rPr lang="ru-RU" smtClean="0"/>
               <a:pPr/>
-              <a:t>12.01.2022</a:t>
+              <a:t>14.01.2022</a:t>
             </a:fld>
             <a:endParaRPr lang="ru-RU"/>
           </a:p>
@@ -2294,7 +2294,7 @@
             <a:fld id="{85A5DE44-605B-4D3B-B2B7-94543DF81A36}" type="datetimeFigureOut">
               <a:rPr lang="ru-RU" smtClean="0"/>
               <a:pPr/>
-              <a:t>12.01.2022</a:t>
+              <a:t>14.01.2022</a:t>
             </a:fld>
             <a:endParaRPr lang="ru-RU"/>
           </a:p>
@@ -2573,7 +2573,7 @@
             <a:fld id="{85A5DE44-605B-4D3B-B2B7-94543DF81A36}" type="datetimeFigureOut">
               <a:rPr lang="ru-RU" smtClean="0"/>
               <a:pPr/>
-              <a:t>12.01.2022</a:t>
+              <a:t>14.01.2022</a:t>
             </a:fld>
             <a:endParaRPr lang="ru-RU"/>
           </a:p>
@@ -2832,7 +2832,7 @@
             <a:fld id="{85A5DE44-605B-4D3B-B2B7-94543DF81A36}" type="datetimeFigureOut">
               <a:rPr lang="ru-RU" smtClean="0"/>
               <a:pPr/>
-              <a:t>12.01.2022</a:t>
+              <a:t>14.01.2022</a:t>
             </a:fld>
             <a:endParaRPr lang="ru-RU"/>
           </a:p>
@@ -3047,7 +3047,7 @@
             <a:fld id="{85A5DE44-605B-4D3B-B2B7-94543DF81A36}" type="datetimeFigureOut">
               <a:rPr lang="ru-RU" smtClean="0"/>
               <a:pPr/>
-              <a:t>12.01.2022</a:t>
+              <a:t>14.01.2022</a:t>
             </a:fld>
             <a:endParaRPr lang="ru-RU"/>
           </a:p>
@@ -9646,40 +9646,13 @@
             </a:r>
             <a:r>
               <a:rPr lang="ru-RU" sz="1400" dirty="0"/>
-              <a:t>в США </a:t>
-            </a:r>
-            <a:r>
-              <a:rPr lang="ru-RU" sz="900" dirty="0"/>
-              <a:t>(ПОКА ЧТО ЭТОГО ФОКУСА НЕ БУДЕТ ДО РЕВОРКА ЯО) </a:t>
-            </a:r>
-            <a:r>
-              <a:rPr lang="ru-RU" sz="200" dirty="0"/>
-              <a:t>(Бельгийское Конго было основным экспортером урана в США во время Второй мировой войны (а также во время холодной войны ), в основном благодаря руднику </a:t>
-            </a:r>
-            <a:r>
-              <a:rPr lang="ru-RU" sz="200" dirty="0" err="1"/>
-              <a:t>Шинколобверан</a:t>
-            </a:r>
-            <a:r>
-              <a:rPr lang="ru-RU" sz="200" dirty="0"/>
-              <a:t>, необходимый для разработки Манхэттенского проекта , а также Хиросимы , поступил из </a:t>
-            </a:r>
-            <a:r>
-              <a:rPr lang="ru-RU" sz="200" dirty="0" err="1"/>
-              <a:t>колонии.и</a:t>
-            </a:r>
-            <a:r>
-              <a:rPr lang="ru-RU" sz="200" dirty="0"/>
-              <a:t> Нагасаки о бросании бомб </a:t>
-            </a:r>
-            <a:r>
-              <a:rPr lang="ru-RU" sz="200" dirty="0" err="1"/>
-              <a:t>атомикоэна</a:t>
-            </a:r>
-            <a:r>
-              <a:rPr lang="ru-RU" sz="200" dirty="0"/>
-              <a:t> в [33] [34] . Это уран из Конго, США отправили войска в Конго и для улучшения инфраструктуры рудников в порт)</a:t>
-            </a:r>
+              <a:t>в </a:t>
+            </a:r>
+            <a:r>
+              <a:rPr lang="ru-RU" sz="1400" dirty="0" smtClean="0"/>
+              <a:t>США</a:t>
+            </a:r>
+            <a:endParaRPr lang="ru-RU" sz="200" dirty="0"/>
           </a:p>
         </p:txBody>
       </p:sp>
@@ -12253,7 +12226,7 @@
         </p:nvSpPr>
         <p:spPr>
           <a:xfrm>
-            <a:off x="25980469" y="13635902"/>
+            <a:off x="24821998" y="13672478"/>
             <a:ext cx="2115918" cy="1080000"/>
           </a:xfrm>
           <a:prstGeom prst="rect">
@@ -12299,7 +12272,7 @@
         </p:nvSpPr>
         <p:spPr>
           <a:xfrm>
-            <a:off x="23660633" y="13635902"/>
+            <a:off x="17651611" y="13659842"/>
             <a:ext cx="2115918" cy="1080000"/>
           </a:xfrm>
           <a:prstGeom prst="rect">
@@ -12347,9 +12320,9 @@
           <p:nvPr/>
         </p:nvCxnSpPr>
         <p:spPr>
-          <a:xfrm flipH="1">
-            <a:off x="25776551" y="14175902"/>
-            <a:ext cx="203918" cy="0"/>
+          <a:xfrm flipH="1" flipV="1">
+            <a:off x="19767529" y="14199842"/>
+            <a:ext cx="5054469" cy="12636"/>
           </a:xfrm>
           <a:prstGeom prst="line">
             <a:avLst/>
@@ -12386,8 +12359,8 @@
         </p:nvCxnSpPr>
         <p:spPr>
           <a:xfrm rot="5400000">
-            <a:off x="25086590" y="12841074"/>
-            <a:ext cx="426830" cy="1162826"/>
+            <a:off x="22070109" y="9848533"/>
+            <a:ext cx="450770" cy="7171848"/>
           </a:xfrm>
           <a:prstGeom prst="bentConnector3">
             <a:avLst>
@@ -12423,9 +12396,9 @@
           <p:nvPr/>
         </p:nvCxnSpPr>
         <p:spPr>
-          <a:xfrm rot="16200000" flipH="1">
-            <a:off x="26246508" y="12843982"/>
-            <a:ext cx="426830" cy="1157010"/>
+          <a:xfrm rot="5400000">
+            <a:off x="25648985" y="13440045"/>
+            <a:ext cx="463406" cy="1461"/>
           </a:xfrm>
           <a:prstGeom prst="bentConnector3">
             <a:avLst>
@@ -16691,240 +16664,17 @@
             </a:r>
             <a:r>
               <a:rPr lang="ru-RU" sz="1400" dirty="0" smtClean="0"/>
-              <a:t>порта</a:t>
-            </a:r>
-          </a:p>
-          <a:p>
-            <a:pPr algn="ctr"/>
-            <a:r>
-              <a:rPr lang="ru-RU" sz="500" dirty="0" smtClean="0"/>
-              <a:t>(</a:t>
-            </a:r>
-            <a:r>
-              <a:rPr lang="ru-RU" sz="200" dirty="0" smtClean="0"/>
-              <a:t>С </a:t>
-            </a:r>
-            <a:r>
-              <a:rPr lang="ru-RU" sz="200" dirty="0"/>
-              <a:t>последней недели января 1943 года весь уран, перевозимый морем, проходил через </a:t>
-            </a:r>
-            <a:r>
-              <a:rPr lang="ru-RU" sz="200" dirty="0" err="1"/>
-              <a:t>Матади</a:t>
-            </a:r>
-            <a:r>
-              <a:rPr lang="ru-RU" sz="200" dirty="0"/>
-              <a:t>. Теперь уран в запечатанных бочках с </a:t>
-            </a:r>
-            <a:r>
-              <a:rPr lang="ru-RU" sz="200" dirty="0" err="1"/>
-              <a:t>пометкой«Особый</a:t>
-            </a:r>
-            <a:r>
-              <a:rPr lang="ru-RU" sz="200" dirty="0"/>
-              <a:t> кобальт» был отправлен поездом на север из </a:t>
-            </a:r>
-            <a:r>
-              <a:rPr lang="ru-RU" sz="200" dirty="0" err="1"/>
-              <a:t>Шинколобве</a:t>
-            </a:r>
-            <a:r>
-              <a:rPr lang="ru-RU" sz="200" dirty="0"/>
-              <a:t> к железнодорожной станции в Порт-Франки (ныне </a:t>
-            </a:r>
-            <a:r>
-              <a:rPr lang="ru-RU" sz="200" dirty="0" err="1"/>
-              <a:t>Илебо</a:t>
-            </a:r>
-            <a:r>
-              <a:rPr lang="ru-RU" sz="200" dirty="0"/>
-              <a:t>) на реке </a:t>
-            </a:r>
-            <a:r>
-              <a:rPr lang="ru-RU" sz="200" dirty="0" err="1"/>
-              <a:t>Касаи</a:t>
-            </a:r>
-            <a:r>
-              <a:rPr lang="ru-RU" sz="200" dirty="0"/>
-              <a:t> </a:t>
-            </a:r>
-            <a:r>
-              <a:rPr lang="ru-RU" sz="200" dirty="0" err="1"/>
-              <a:t>впровинции</a:t>
-            </a:r>
-            <a:r>
-              <a:rPr lang="ru-RU" sz="200" dirty="0"/>
-              <a:t> </a:t>
-            </a:r>
-            <a:r>
-              <a:rPr lang="ru-RU" sz="200" dirty="0" err="1"/>
-              <a:t>Касаи</a:t>
-            </a:r>
-            <a:r>
-              <a:rPr lang="ru-RU" sz="200" dirty="0"/>
-              <a:t>. Оттуда бочки погрузили на баржи, которые плыли вниз по течению к месту впадения реки </a:t>
-            </a:r>
-            <a:r>
-              <a:rPr lang="ru-RU" sz="200" dirty="0" err="1"/>
-              <a:t>Касаи</a:t>
-            </a:r>
-            <a:r>
-              <a:rPr lang="ru-RU" sz="200" dirty="0"/>
-              <a:t> в реку Конго, а затем дальше </a:t>
-            </a:r>
-            <a:r>
-              <a:rPr lang="ru-RU" sz="200" dirty="0" err="1"/>
-              <a:t>вЛеопольдвиль</a:t>
-            </a:r>
-            <a:r>
-              <a:rPr lang="ru-RU" sz="200" dirty="0"/>
-              <a:t> (ныне известный как Киншаса), столицу Конго; в тот момент их отвезли поездом вМатади.32 В рамках Манхэттенского проекта в </a:t>
-            </a:r>
-            <a:r>
-              <a:rPr lang="ru-RU" sz="200" dirty="0" err="1"/>
-              <a:t>Конгобыли</a:t>
-            </a:r>
-            <a:r>
-              <a:rPr lang="ru-RU" sz="200" dirty="0"/>
-              <a:t> отправлены квалифицированные кадры и оборудование для улучшения железных дорог.33 Это был путь эпических масштабов, пересекший около1500 миль. Хотя это был более безопасный маршрут, чем поездка в </a:t>
-            </a:r>
-            <a:r>
-              <a:rPr lang="ru-RU" sz="200" dirty="0" err="1"/>
-              <a:t>Лобито</a:t>
-            </a:r>
-            <a:r>
-              <a:rPr lang="ru-RU" sz="200" dirty="0"/>
-              <a:t>, его протяженность и сложность создавали другие риски, как </a:t>
-            </a:r>
-            <a:r>
-              <a:rPr lang="ru-RU" sz="200" dirty="0" err="1"/>
-              <a:t>предупреждалгенерала</a:t>
-            </a:r>
-            <a:r>
-              <a:rPr lang="ru-RU" sz="200" dirty="0"/>
-              <a:t> </a:t>
-            </a:r>
-            <a:r>
-              <a:rPr lang="ru-RU" sz="200" dirty="0" err="1"/>
-              <a:t>Гроувза</a:t>
-            </a:r>
-            <a:r>
-              <a:rPr lang="ru-RU" sz="200" dirty="0"/>
-              <a:t> майор Джон </a:t>
-            </a:r>
-            <a:r>
-              <a:rPr lang="ru-RU" sz="200" dirty="0" err="1"/>
-              <a:t>Лэнсдейл</a:t>
-            </a:r>
-            <a:r>
-              <a:rPr lang="ru-RU" sz="200" dirty="0"/>
-              <a:t> из Манхэттенского проекта. «Есть вероятность, - указал он в меморандуме, - что часть партий, отправленных </a:t>
-            </a:r>
-            <a:r>
-              <a:rPr lang="ru-RU" sz="200" dirty="0" err="1"/>
-              <a:t>срудника</a:t>
-            </a:r>
-            <a:r>
-              <a:rPr lang="ru-RU" sz="200" dirty="0"/>
-              <a:t>, не будет получена в </a:t>
-            </a:r>
-            <a:r>
-              <a:rPr lang="ru-RU" sz="200" dirty="0" err="1"/>
-              <a:t>Матади</a:t>
-            </a:r>
-            <a:r>
-              <a:rPr lang="ru-RU" sz="200" dirty="0"/>
-              <a:t>, поскольку партии прибывают в </a:t>
-            </a:r>
-            <a:r>
-              <a:rPr lang="ru-RU" sz="200" dirty="0" err="1"/>
-              <a:t>Матади</a:t>
-            </a:r>
-            <a:r>
-              <a:rPr lang="ru-RU" sz="200" dirty="0"/>
-              <a:t> по железной дороге, затем речным пароходом и снова по </a:t>
-            </a:r>
-            <a:r>
-              <a:rPr lang="ru-RU" sz="200" dirty="0" err="1"/>
-              <a:t>железнойдороге</a:t>
-            </a:r>
-            <a:r>
-              <a:rPr lang="ru-RU" sz="200" dirty="0"/>
-              <a:t>» 34. Из </a:t>
-            </a:r>
-            <a:r>
-              <a:rPr lang="ru-RU" sz="200" dirty="0" err="1"/>
-              <a:t>Матади</a:t>
-            </a:r>
-            <a:r>
-              <a:rPr lang="ru-RU" sz="200" dirty="0"/>
-              <a:t> бочки с ураном были отправлены в США. Перевозка крупных партий урана требовала </a:t>
-            </a:r>
-            <a:r>
-              <a:rPr lang="ru-RU" sz="200" dirty="0" err="1"/>
-              <a:t>экстремальныхосторожность</a:t>
-            </a:r>
-            <a:r>
-              <a:rPr lang="ru-RU" sz="200" dirty="0"/>
-              <a:t> </a:t>
-            </a:r>
-            <a:r>
-              <a:rPr lang="ru-RU" sz="200" dirty="0" err="1"/>
-              <a:t>припланировании</a:t>
-            </a:r>
-            <a:r>
-              <a:rPr lang="ru-RU" sz="200" dirty="0"/>
-              <a:t> операций и поставок из-за опасности, исходящей от немецких подводных лодок в Южной Атлантике. После консультаций с </a:t>
-            </a:r>
-            <a:r>
-              <a:rPr lang="ru-RU" sz="200" dirty="0" err="1"/>
-              <a:t>транспортнымкорпусом</a:t>
-            </a:r>
-            <a:r>
-              <a:rPr lang="ru-RU" sz="200" dirty="0"/>
-              <a:t> армии США было решено, что самый безопасный способ доставки - это быстроходные моторные суда, выходящие из конвоя. Было </a:t>
-            </a:r>
-            <a:r>
-              <a:rPr lang="ru-RU" sz="200" dirty="0" err="1"/>
-              <a:t>решеноотправлять</a:t>
-            </a:r>
-            <a:r>
-              <a:rPr lang="ru-RU" sz="200" dirty="0"/>
-              <a:t> руду на 16-узловых лодках, которыми управляет американская западноафриканская линия, известная как </a:t>
-            </a:r>
-            <a:r>
-              <a:rPr lang="ru-RU" sz="200" dirty="0" err="1"/>
-              <a:t>Barber</a:t>
-            </a:r>
-            <a:r>
-              <a:rPr lang="ru-RU" sz="200" dirty="0"/>
-              <a:t> </a:t>
-            </a:r>
-            <a:r>
-              <a:rPr lang="ru-RU" sz="200" dirty="0" err="1"/>
-              <a:t>Line</a:t>
-            </a:r>
-            <a:r>
-              <a:rPr lang="ru-RU" sz="200" dirty="0"/>
-              <a:t>, </a:t>
-            </a:r>
-            <a:r>
-              <a:rPr lang="ru-RU" sz="200" dirty="0" err="1"/>
-              <a:t>котораяобеспечивала</a:t>
-            </a:r>
-            <a:r>
-              <a:rPr lang="ru-RU" sz="200" dirty="0"/>
-              <a:t> сообщение между Нью-Йорком и Матади.35 Две партии руды были потеряны в море: одна в конце 1942 года. действиями противника; </a:t>
-            </a:r>
-            <a:r>
-              <a:rPr lang="ru-RU" sz="200" dirty="0" err="1"/>
-              <a:t>иодин</a:t>
-            </a:r>
-            <a:r>
-              <a:rPr lang="ru-RU" sz="200" dirty="0"/>
-              <a:t> в начале 1943 года в результате морской аварии. При затоплении было потеряно около 200 тонн руды.)</a:t>
-            </a:r>
-            <a:endParaRPr lang="ru-RU" sz="100" dirty="0"/>
+              <a:t>порта (январь 1943 </a:t>
+            </a:r>
+            <a:r>
+              <a:rPr lang="ru-RU" sz="1400" dirty="0" err="1" smtClean="0"/>
+              <a:t>ист</a:t>
+            </a:r>
+            <a:r>
+              <a:rPr lang="ru-RU" sz="1400" dirty="0" smtClean="0"/>
+              <a:t>)</a:t>
+            </a:r>
+            <a:endParaRPr lang="ru-RU" sz="1400" dirty="0" smtClean="0"/>
           </a:p>
         </p:txBody>
       </p:sp>
@@ -17006,267 +16756,11 @@
             <a:pPr algn="ctr"/>
             <a:r>
               <a:rPr lang="ru-RU" sz="1400" dirty="0"/>
-              <a:t>Расширение воздушного сообщения </a:t>
-            </a:r>
-            <a:r>
-              <a:rPr lang="ru-RU" sz="200" dirty="0"/>
-              <a:t>(Уран для Манхэттенского проекта также перевозился по воздуху с помощью клиперов </a:t>
-            </a:r>
-            <a:r>
-              <a:rPr lang="ru-RU" sz="200" dirty="0" err="1"/>
-              <a:t>Pan</a:t>
-            </a:r>
-            <a:r>
-              <a:rPr lang="ru-RU" sz="200" dirty="0"/>
-              <a:t> </a:t>
-            </a:r>
-            <a:r>
-              <a:rPr lang="ru-RU" sz="200" dirty="0" err="1"/>
-              <a:t>American</a:t>
-            </a:r>
-            <a:r>
-              <a:rPr lang="ru-RU" sz="200" dirty="0"/>
-              <a:t> </a:t>
-            </a:r>
-            <a:r>
-              <a:rPr lang="ru-RU" sz="200" dirty="0" err="1"/>
-              <a:t>Airways</a:t>
-            </a:r>
-            <a:r>
-              <a:rPr lang="ru-RU" sz="200" dirty="0"/>
-              <a:t>. Воздушное сообщение между Бразилией </a:t>
-            </a:r>
-            <a:r>
-              <a:rPr lang="ru-RU" sz="200" dirty="0" err="1"/>
-              <a:t>иЗападной</a:t>
-            </a:r>
-            <a:r>
-              <a:rPr lang="ru-RU" sz="200" dirty="0"/>
-              <a:t> Африкой было расширено и теперь включает в себя маршрут через Центральную Африку, «в первую очередь для обеспечения </a:t>
-            </a:r>
-            <a:r>
-              <a:rPr lang="ru-RU" sz="200" dirty="0" err="1"/>
-              <a:t>поставокурана</a:t>
-            </a:r>
-            <a:r>
-              <a:rPr lang="ru-RU" sz="200" dirty="0"/>
-              <a:t> из того места, которое тогда было Бельгийским Конго», - отмечается в исследовании транс-</a:t>
-            </a:r>
-            <a:r>
-              <a:rPr lang="ru-RU" sz="200" dirty="0" err="1"/>
-              <a:t>южноатлантического</a:t>
-            </a:r>
-            <a:r>
-              <a:rPr lang="ru-RU" sz="200" dirty="0"/>
-              <a:t> воздушного сообщения во времявойны37. Капитан </a:t>
-            </a:r>
-            <a:r>
-              <a:rPr lang="ru-RU" sz="200" dirty="0" err="1"/>
-              <a:t>Мариус</a:t>
-            </a:r>
-            <a:r>
-              <a:rPr lang="ru-RU" sz="200" dirty="0"/>
-              <a:t> </a:t>
-            </a:r>
-            <a:r>
-              <a:rPr lang="ru-RU" sz="200" dirty="0" err="1"/>
-              <a:t>Лодесен</a:t>
-            </a:r>
-            <a:r>
-              <a:rPr lang="ru-RU" sz="200" dirty="0"/>
-              <a:t>, пилот </a:t>
-            </a:r>
-            <a:r>
-              <a:rPr lang="ru-RU" sz="200" dirty="0" err="1"/>
-              <a:t>Pan</a:t>
-            </a:r>
-            <a:r>
-              <a:rPr lang="ru-RU" sz="200" dirty="0"/>
-              <a:t> </a:t>
-            </a:r>
-            <a:r>
-              <a:rPr lang="ru-RU" sz="200" dirty="0" err="1"/>
-              <a:t>Am</a:t>
-            </a:r>
-            <a:r>
-              <a:rPr lang="ru-RU" sz="200" dirty="0"/>
-              <a:t> </a:t>
-            </a:r>
-            <a:r>
-              <a:rPr lang="ru-RU" sz="200" dirty="0" err="1"/>
-              <a:t>China</a:t>
-            </a:r>
-            <a:r>
-              <a:rPr lang="ru-RU" sz="200" dirty="0"/>
-              <a:t> </a:t>
-            </a:r>
-            <a:r>
-              <a:rPr lang="ru-RU" sz="200" dirty="0" err="1"/>
-              <a:t>Clipper</a:t>
-            </a:r>
-            <a:r>
-              <a:rPr lang="ru-RU" sz="200" dirty="0"/>
-              <a:t>, позже вспоминал, что его вызвали в офис главного пилота, и его начальник, </a:t>
-            </a:r>
-            <a:r>
-              <a:rPr lang="ru-RU" sz="200" dirty="0" err="1"/>
-              <a:t>ГорацийБрок</a:t>
-            </a:r>
-            <a:r>
-              <a:rPr lang="ru-RU" sz="200" dirty="0"/>
-              <a:t>, сказал, что он должен был отправить </a:t>
-            </a:r>
-            <a:r>
-              <a:rPr lang="ru-RU" sz="200" dirty="0" err="1"/>
-              <a:t>China</a:t>
-            </a:r>
-            <a:r>
-              <a:rPr lang="ru-RU" sz="200" dirty="0"/>
-              <a:t> </a:t>
-            </a:r>
-            <a:r>
-              <a:rPr lang="ru-RU" sz="200" dirty="0" err="1"/>
-              <a:t>Clipper</a:t>
-            </a:r>
-            <a:r>
-              <a:rPr lang="ru-RU" sz="200" dirty="0"/>
-              <a:t> в </a:t>
-            </a:r>
-            <a:r>
-              <a:rPr lang="ru-RU" sz="200" dirty="0" err="1"/>
-              <a:t>Леопольдвиль</a:t>
-            </a:r>
-            <a:r>
-              <a:rPr lang="ru-RU" sz="200" dirty="0"/>
-              <a:t> «совершенно секретным рейсом». Когда он спросил, почему его выбрали </a:t>
-            </a:r>
-            <a:r>
-              <a:rPr lang="ru-RU" sz="200" dirty="0" err="1"/>
-              <a:t>дляэтого</a:t>
-            </a:r>
-            <a:r>
-              <a:rPr lang="ru-RU" sz="200" dirty="0"/>
-              <a:t> специального полета, ему ответили, что это потому, что он единственный </a:t>
-            </a:r>
-            <a:r>
-              <a:rPr lang="ru-RU" sz="200" dirty="0" err="1"/>
-              <a:t>пилот.кто</a:t>
-            </a:r>
-            <a:r>
-              <a:rPr lang="ru-RU" sz="200" dirty="0"/>
-              <a:t> бывал там раньше. «На обратном рейсе, - </a:t>
-            </a:r>
-            <a:r>
-              <a:rPr lang="ru-RU" sz="200" dirty="0" err="1"/>
-              <a:t>проинструктировалиего</a:t>
-            </a:r>
-            <a:r>
-              <a:rPr lang="ru-RU" sz="200" dirty="0"/>
-              <a:t>, - остановитесь только на горючее. Без ночевок. Я дам вам двойную команду и капитана Джорджа </a:t>
-            </a:r>
-            <a:r>
-              <a:rPr lang="ru-RU" sz="200" dirty="0" err="1"/>
-              <a:t>Даффа</a:t>
-            </a:r>
-            <a:r>
-              <a:rPr lang="ru-RU" sz="200" dirty="0"/>
-              <a:t> в качестве второго капитана. </a:t>
-            </a:r>
-            <a:r>
-              <a:rPr lang="ru-RU" sz="200" dirty="0" err="1"/>
-              <a:t>Говард</a:t>
-            </a:r>
-            <a:r>
-              <a:rPr lang="ru-RU" sz="200" dirty="0"/>
-              <a:t> </a:t>
-            </a:r>
-            <a:r>
-              <a:rPr lang="ru-RU" sz="200" dirty="0" err="1"/>
-              <a:t>БрашДин</a:t>
-            </a:r>
-            <a:r>
-              <a:rPr lang="ru-RU" sz="200" dirty="0"/>
-              <a:t>, который был менеджером </a:t>
-            </a:r>
-            <a:r>
-              <a:rPr lang="ru-RU" sz="200" dirty="0" err="1"/>
-              <a:t>Pan</a:t>
-            </a:r>
-            <a:r>
-              <a:rPr lang="ru-RU" sz="200" dirty="0"/>
-              <a:t> </a:t>
-            </a:r>
-            <a:r>
-              <a:rPr lang="ru-RU" sz="200" dirty="0" err="1"/>
-              <a:t>Am</a:t>
-            </a:r>
-            <a:r>
-              <a:rPr lang="ru-RU" sz="200" dirty="0"/>
-              <a:t> </a:t>
-            </a:r>
-            <a:r>
-              <a:rPr lang="ru-RU" sz="200" dirty="0" err="1"/>
-              <a:t>Africa</a:t>
-            </a:r>
-            <a:r>
-              <a:rPr lang="ru-RU" sz="200" dirty="0"/>
-              <a:t>, «будет вашим единственным пассажиром. Ни вопросов, ни ответов. Дин знает, что делать »38. Чтобы </a:t>
-            </a:r>
-            <a:r>
-              <a:rPr lang="ru-RU" sz="200" dirty="0" err="1"/>
-              <a:t>этиполеты</a:t>
-            </a:r>
-            <a:r>
-              <a:rPr lang="ru-RU" sz="200" dirty="0"/>
-              <a:t> были надежными, США нужно было улучшить средства приземления. В 1942 году офицер разведки ВВС США сообщил о ходе работ </a:t>
-            </a:r>
-            <a:r>
-              <a:rPr lang="ru-RU" sz="200" dirty="0" err="1"/>
-              <a:t>построительству</a:t>
-            </a:r>
-            <a:r>
-              <a:rPr lang="ru-RU" sz="200" dirty="0"/>
-              <a:t> аэродрома в </a:t>
-            </a:r>
-            <a:r>
-              <a:rPr lang="ru-RU" sz="200" dirty="0" err="1"/>
-              <a:t>Элизабетвилле</a:t>
-            </a:r>
-            <a:r>
-              <a:rPr lang="ru-RU" sz="200" dirty="0"/>
-              <a:t>, столице </a:t>
-            </a:r>
-            <a:r>
-              <a:rPr lang="ru-RU" sz="200" dirty="0" err="1"/>
-              <a:t>Катанги</a:t>
-            </a:r>
-            <a:r>
-              <a:rPr lang="ru-RU" sz="200" dirty="0"/>
-              <a:t>. По его словам, это «отличное месторождение» с «очень обширными </a:t>
-            </a:r>
-            <a:r>
-              <a:rPr lang="ru-RU" sz="200" dirty="0" err="1"/>
-              <a:t>бензиновымипредприятиями</a:t>
-            </a:r>
-            <a:r>
-              <a:rPr lang="ru-RU" sz="200" dirty="0"/>
-              <a:t>». Он добавил, что также строится </a:t>
-            </a:r>
-            <a:r>
-              <a:rPr lang="ru-RU" sz="200" dirty="0" err="1"/>
-              <a:t>аэропорт.в</a:t>
-            </a:r>
-            <a:r>
-              <a:rPr lang="ru-RU" sz="200" dirty="0"/>
-              <a:t> </a:t>
-            </a:r>
-            <a:r>
-              <a:rPr lang="ru-RU" sz="200" dirty="0" err="1" smtClean="0"/>
-              <a:t>Леопольдвиле</a:t>
-            </a:r>
-            <a:r>
-              <a:rPr lang="ru-RU" sz="200" dirty="0"/>
-              <a:t>)</a:t>
+              <a:t>Расширение воздушного </a:t>
+            </a:r>
+            <a:r>
+              <a:rPr lang="ru-RU" sz="1400" dirty="0" smtClean="0"/>
+              <a:t>сообщения</a:t>
             </a:r>
             <a:endParaRPr lang="ru-RU" sz="100" dirty="0"/>
           </a:p>
@@ -17591,32 +17085,13 @@
             </a:r>
             <a:r>
               <a:rPr lang="ru-RU" sz="1400" dirty="0"/>
-              <a:t>торговли Африки </a:t>
-            </a:r>
-            <a:r>
-              <a:rPr lang="ru-RU" sz="1100" dirty="0"/>
-              <a:t>(</a:t>
-            </a:r>
-            <a:r>
-              <a:rPr lang="ru-RU" sz="1100" dirty="0" err="1"/>
-              <a:t>Диогу</a:t>
-            </a:r>
-            <a:r>
-              <a:rPr lang="ru-RU" sz="1100" dirty="0"/>
-              <a:t> </a:t>
-            </a:r>
-            <a:r>
-              <a:rPr lang="ru-RU" sz="1100" dirty="0" err="1"/>
-              <a:t>Као</a:t>
-            </a:r>
-            <a:r>
-              <a:rPr lang="ru-RU" sz="1100" dirty="0"/>
-              <a:t> был первым европейцем, который рассказал о великой империи, которая контролировала торговлю в </a:t>
-            </a:r>
-            <a:r>
-              <a:rPr lang="ru-RU" sz="1100" dirty="0" smtClean="0"/>
-              <a:t>регионе)</a:t>
-            </a:r>
+              <a:t>торговли </a:t>
+            </a:r>
+            <a:r>
+              <a:rPr lang="ru-RU" sz="1400" dirty="0" smtClean="0"/>
+              <a:t>Африки</a:t>
+            </a:r>
+            <a:endParaRPr lang="ru-RU" sz="1100" dirty="0" smtClean="0"/>
           </a:p>
         </p:txBody>
       </p:sp>
@@ -17714,28 +17189,13 @@
             <a:pPr algn="ctr"/>
             <a:r>
               <a:rPr lang="ru-RU" sz="1400" dirty="0" smtClean="0"/>
-              <a:t>Возродить федеративное королевство </a:t>
-            </a:r>
-            <a:r>
-              <a:rPr lang="ru-RU" sz="1200" dirty="0" smtClean="0"/>
-              <a:t>(</a:t>
-            </a:r>
-            <a:r>
-              <a:rPr lang="ru-RU" sz="1200" dirty="0"/>
-              <a:t>Федеративное королевство </a:t>
-            </a:r>
-            <a:r>
-              <a:rPr lang="ru-RU" sz="1200" dirty="0" smtClean="0"/>
-              <a:t>Конго-Дина-</a:t>
-            </a:r>
-            <a:r>
-              <a:rPr lang="ru-RU" sz="1200" dirty="0" err="1" smtClean="0"/>
-              <a:t>Нза</a:t>
-            </a:r>
-            <a:r>
-              <a:rPr lang="ru-RU" sz="1200" dirty="0" smtClean="0"/>
-              <a:t>)</a:t>
-            </a:r>
+              <a:t>Возродить федеративное </a:t>
+            </a:r>
+            <a:r>
+              <a:rPr lang="ru-RU" sz="1400" dirty="0" smtClean="0"/>
+              <a:t>королевство</a:t>
+            </a:r>
+            <a:endParaRPr lang="ru-RU" sz="1200" dirty="0" smtClean="0"/>
           </a:p>
         </p:txBody>
       </p:sp>
@@ -17779,11 +17239,7 @@
             <a:pPr algn="ctr"/>
             <a:r>
               <a:rPr lang="ru-RU" sz="1400" dirty="0" smtClean="0"/>
-              <a:t>Подчинить Руанду и </a:t>
-            </a:r>
-            <a:r>
-              <a:rPr lang="ru-RU" sz="1400" dirty="0" smtClean="0"/>
-              <a:t>Бурунди</a:t>
+              <a:t>Подчинить Руанду и Бурунди</a:t>
             </a:r>
             <a:endParaRPr lang="ru-RU" sz="1200" dirty="0" smtClean="0"/>
           </a:p>
@@ -18882,11 +18338,7 @@
             <a:pPr algn="ctr"/>
             <a:r>
               <a:rPr lang="ru-RU" sz="1400" dirty="0" smtClean="0"/>
-              <a:t>Начать набор из </a:t>
-            </a:r>
-            <a:r>
-              <a:rPr lang="ru-RU" sz="1400" dirty="0" smtClean="0"/>
-              <a:t>племён</a:t>
+              <a:t>Начать набор из племён</a:t>
             </a:r>
             <a:endParaRPr lang="ru-RU" sz="1200" dirty="0" smtClean="0"/>
           </a:p>
@@ -18936,7 +18388,7 @@
         </p:nvSpPr>
         <p:spPr>
           <a:xfrm>
-            <a:off x="51326424" y="16799418"/>
+            <a:off x="50067967" y="16799418"/>
             <a:ext cx="2115918" cy="1080000"/>
           </a:xfrm>
           <a:prstGeom prst="rect">
@@ -18982,7 +18434,7 @@
         </p:nvSpPr>
         <p:spPr>
           <a:xfrm>
-            <a:off x="53831351" y="16799418"/>
+            <a:off x="55076564" y="16799418"/>
             <a:ext cx="2115918" cy="1080000"/>
           </a:xfrm>
           <a:prstGeom prst="rect">
@@ -19020,78 +18472,6 @@
           </a:p>
         </p:txBody>
       </p:sp>
-      <p:cxnSp>
-        <p:nvCxnSpPr>
-          <p:cNvPr id="472" name="Прямая со стрелкой 471"/>
-          <p:cNvCxnSpPr>
-            <a:stCxn id="440" idx="2"/>
-            <a:endCxn id="459" idx="0"/>
-          </p:cNvCxnSpPr>
-          <p:nvPr/>
-        </p:nvCxnSpPr>
-        <p:spPr>
-          <a:xfrm>
-            <a:off x="54889310" y="16187228"/>
-            <a:ext cx="0" cy="612190"/>
-          </a:xfrm>
-          <a:prstGeom prst="straightConnector1">
-            <a:avLst/>
-          </a:prstGeom>
-          <a:ln w="28575">
-            <a:tailEnd type="arrow"/>
-          </a:ln>
-        </p:spPr>
-        <p:style>
-          <a:lnRef idx="1">
-            <a:schemeClr val="accent1"/>
-          </a:lnRef>
-          <a:fillRef idx="0">
-            <a:schemeClr val="accent1"/>
-          </a:fillRef>
-          <a:effectRef idx="0">
-            <a:schemeClr val="accent1"/>
-          </a:effectRef>
-          <a:fontRef idx="minor">
-            <a:schemeClr val="tx1"/>
-          </a:fontRef>
-        </p:style>
-      </p:cxnSp>
-      <p:cxnSp>
-        <p:nvCxnSpPr>
-          <p:cNvPr id="475" name="Прямая со стрелкой 474"/>
-          <p:cNvCxnSpPr>
-            <a:stCxn id="441" idx="2"/>
-            <a:endCxn id="458" idx="0"/>
-          </p:cNvCxnSpPr>
-          <p:nvPr/>
-        </p:nvCxnSpPr>
-        <p:spPr>
-          <a:xfrm>
-            <a:off x="52378393" y="16185518"/>
-            <a:ext cx="5990" cy="613900"/>
-          </a:xfrm>
-          <a:prstGeom prst="straightConnector1">
-            <a:avLst/>
-          </a:prstGeom>
-          <a:ln w="28575">
-            <a:tailEnd type="arrow"/>
-          </a:ln>
-        </p:spPr>
-        <p:style>
-          <a:lnRef idx="1">
-            <a:schemeClr val="accent1"/>
-          </a:lnRef>
-          <a:fillRef idx="0">
-            <a:schemeClr val="accent1"/>
-          </a:fillRef>
-          <a:effectRef idx="0">
-            <a:schemeClr val="accent1"/>
-          </a:effectRef>
-          <a:fontRef idx="minor">
-            <a:schemeClr val="tx1"/>
-          </a:fontRef>
-        </p:style>
-      </p:cxnSp>
       <p:sp>
         <p:nvSpPr>
           <p:cNvPr id="450" name="Прямоугольник 449"/>
@@ -19173,6 +18553,562 @@
           </a:fontRef>
         </p:style>
       </p:cxnSp>
+      <p:sp>
+        <p:nvSpPr>
+          <p:cNvPr id="452" name="Прямоугольник 451"/>
+          <p:cNvSpPr/>
+          <p:nvPr/>
+        </p:nvSpPr>
+        <p:spPr>
+          <a:xfrm>
+            <a:off x="52566898" y="16799418"/>
+            <a:ext cx="2115918" cy="1080000"/>
+          </a:xfrm>
+          <a:prstGeom prst="rect">
+            <a:avLst/>
+          </a:prstGeom>
+          <a:solidFill>
+            <a:srgbClr val="7030A0"/>
+          </a:solidFill>
+          <a:ln w="28575"/>
+        </p:spPr>
+        <p:style>
+          <a:lnRef idx="2">
+            <a:schemeClr val="accent1"/>
+          </a:lnRef>
+          <a:fillRef idx="1">
+            <a:schemeClr val="lt1"/>
+          </a:fillRef>
+          <a:effectRef idx="0">
+            <a:schemeClr val="accent1"/>
+          </a:effectRef>
+          <a:fontRef idx="minor">
+            <a:schemeClr val="dk1"/>
+          </a:fontRef>
+        </p:style>
+        <p:txBody>
+          <a:bodyPr lIns="124733" tIns="62367" rIns="124733" bIns="62367" rtlCol="0" anchor="ctr"/>
+          <a:lstStyle/>
+          <a:p>
+            <a:pPr algn="ctr"/>
+            <a:r>
+              <a:rPr lang="ru-RU" sz="1400" dirty="0" smtClean="0"/>
+              <a:t>Встать во главе собственного союза</a:t>
+            </a:r>
+            <a:endParaRPr lang="ru-RU" sz="1100" dirty="0" smtClean="0"/>
+          </a:p>
+        </p:txBody>
+      </p:sp>
+      <p:cxnSp>
+        <p:nvCxnSpPr>
+          <p:cNvPr id="453" name="Соединительная линия уступом 452"/>
+          <p:cNvCxnSpPr>
+            <a:stCxn id="441" idx="2"/>
+            <a:endCxn id="458" idx="0"/>
+          </p:cNvCxnSpPr>
+          <p:nvPr/>
+        </p:nvCxnSpPr>
+        <p:spPr>
+          <a:xfrm rot="5400000">
+            <a:off x="51445210" y="15866235"/>
+            <a:ext cx="613900" cy="1252467"/>
+          </a:xfrm>
+          <a:prstGeom prst="bentConnector3">
+            <a:avLst>
+              <a:gd name="adj1" fmla="val 50000"/>
+            </a:avLst>
+          </a:prstGeom>
+          <a:ln w="28575">
+            <a:tailEnd type="arrow"/>
+          </a:ln>
+        </p:spPr>
+        <p:style>
+          <a:lnRef idx="1">
+            <a:schemeClr val="accent1"/>
+          </a:lnRef>
+          <a:fillRef idx="0">
+            <a:schemeClr val="accent1"/>
+          </a:fillRef>
+          <a:effectRef idx="0">
+            <a:schemeClr val="accent1"/>
+          </a:effectRef>
+          <a:fontRef idx="minor">
+            <a:schemeClr val="tx1"/>
+          </a:fontRef>
+        </p:style>
+      </p:cxnSp>
+      <p:cxnSp>
+        <p:nvCxnSpPr>
+          <p:cNvPr id="454" name="Соединительная линия уступом 453"/>
+          <p:cNvCxnSpPr>
+            <a:stCxn id="440" idx="2"/>
+            <a:endCxn id="459" idx="0"/>
+          </p:cNvCxnSpPr>
+          <p:nvPr/>
+        </p:nvCxnSpPr>
+        <p:spPr>
+          <a:xfrm rot="16200000" flipH="1">
+            <a:off x="55205821" y="15870716"/>
+            <a:ext cx="612190" cy="1245213"/>
+          </a:xfrm>
+          <a:prstGeom prst="bentConnector3">
+            <a:avLst>
+              <a:gd name="adj1" fmla="val 50000"/>
+            </a:avLst>
+          </a:prstGeom>
+          <a:ln w="28575">
+            <a:tailEnd type="arrow"/>
+          </a:ln>
+        </p:spPr>
+        <p:style>
+          <a:lnRef idx="1">
+            <a:schemeClr val="accent1"/>
+          </a:lnRef>
+          <a:fillRef idx="0">
+            <a:schemeClr val="accent1"/>
+          </a:fillRef>
+          <a:effectRef idx="0">
+            <a:schemeClr val="accent1"/>
+          </a:effectRef>
+          <a:fontRef idx="minor">
+            <a:schemeClr val="tx1"/>
+          </a:fontRef>
+        </p:style>
+      </p:cxnSp>
+      <p:cxnSp>
+        <p:nvCxnSpPr>
+          <p:cNvPr id="455" name="Прямая со стрелкой 454"/>
+          <p:cNvCxnSpPr>
+            <a:stCxn id="421" idx="2"/>
+            <a:endCxn id="452" idx="0"/>
+          </p:cNvCxnSpPr>
+          <p:nvPr/>
+        </p:nvCxnSpPr>
+        <p:spPr>
+          <a:xfrm flipH="1">
+            <a:off x="53624857" y="14739844"/>
+            <a:ext cx="11990" cy="2059574"/>
+          </a:xfrm>
+          <a:prstGeom prst="straightConnector1">
+            <a:avLst/>
+          </a:prstGeom>
+          <a:ln w="28575">
+            <a:tailEnd type="arrow"/>
+          </a:ln>
+        </p:spPr>
+        <p:style>
+          <a:lnRef idx="1">
+            <a:schemeClr val="accent1"/>
+          </a:lnRef>
+          <a:fillRef idx="0">
+            <a:schemeClr val="accent1"/>
+          </a:fillRef>
+          <a:effectRef idx="0">
+            <a:schemeClr val="accent1"/>
+          </a:effectRef>
+          <a:fontRef idx="minor">
+            <a:schemeClr val="tx1"/>
+          </a:fontRef>
+        </p:style>
+      </p:cxnSp>
+      <p:sp>
+        <p:nvSpPr>
+          <p:cNvPr id="456" name="Прямоугольник 455"/>
+          <p:cNvSpPr/>
+          <p:nvPr/>
+        </p:nvSpPr>
+        <p:spPr>
+          <a:xfrm>
+            <a:off x="21243705" y="15152624"/>
+            <a:ext cx="2115918" cy="1080000"/>
+          </a:xfrm>
+          <a:prstGeom prst="rect">
+            <a:avLst/>
+          </a:prstGeom>
+          <a:gradFill>
+            <a:gsLst>
+              <a:gs pos="0">
+                <a:srgbClr val="FFC000"/>
+              </a:gs>
+              <a:gs pos="100000">
+                <a:srgbClr val="FF0000"/>
+              </a:gs>
+            </a:gsLst>
+            <a:lin ang="5400000" scaled="1"/>
+          </a:gradFill>
+          <a:ln w="28575"/>
+        </p:spPr>
+        <p:style>
+          <a:lnRef idx="2">
+            <a:schemeClr val="accent1"/>
+          </a:lnRef>
+          <a:fillRef idx="1">
+            <a:schemeClr val="lt1"/>
+          </a:fillRef>
+          <a:effectRef idx="0">
+            <a:schemeClr val="accent1"/>
+          </a:effectRef>
+          <a:fontRef idx="minor">
+            <a:schemeClr val="dk1"/>
+          </a:fontRef>
+        </p:style>
+        <p:txBody>
+          <a:bodyPr lIns="124733" tIns="62367" rIns="124733" bIns="62367" rtlCol="0" anchor="ctr"/>
+          <a:lstStyle/>
+          <a:p>
+            <a:pPr algn="ctr"/>
+            <a:r>
+              <a:rPr lang="ru-RU" sz="1400" dirty="0" smtClean="0"/>
+              <a:t>Отбросить этническую борьбу (убирает вождей)</a:t>
+            </a:r>
+            <a:endParaRPr lang="ru-RU" sz="500" dirty="0"/>
+          </a:p>
+        </p:txBody>
+      </p:sp>
+      <p:cxnSp>
+        <p:nvCxnSpPr>
+          <p:cNvPr id="457" name="Соединительная линия уступом 456"/>
+          <p:cNvCxnSpPr>
+            <a:stCxn id="252" idx="2"/>
+            <a:endCxn id="456" idx="0"/>
+          </p:cNvCxnSpPr>
+          <p:nvPr/>
+        </p:nvCxnSpPr>
+        <p:spPr>
+          <a:xfrm rot="5400000">
+            <a:off x="23890738" y="13163405"/>
+            <a:ext cx="400146" cy="3578293"/>
+          </a:xfrm>
+          <a:prstGeom prst="bentConnector3">
+            <a:avLst>
+              <a:gd name="adj1" fmla="val 50000"/>
+            </a:avLst>
+          </a:prstGeom>
+          <a:ln w="28575">
+            <a:prstDash val="dash"/>
+            <a:tailEnd type="arrow"/>
+          </a:ln>
+        </p:spPr>
+        <p:style>
+          <a:lnRef idx="1">
+            <a:schemeClr val="accent1"/>
+          </a:lnRef>
+          <a:fillRef idx="0">
+            <a:schemeClr val="accent1"/>
+          </a:fillRef>
+          <a:effectRef idx="0">
+            <a:schemeClr val="accent1"/>
+          </a:effectRef>
+          <a:fontRef idx="minor">
+            <a:schemeClr val="tx1"/>
+          </a:fontRef>
+        </p:style>
+      </p:cxnSp>
+      <p:cxnSp>
+        <p:nvCxnSpPr>
+          <p:cNvPr id="460" name="Соединительная линия уступом 459"/>
+          <p:cNvCxnSpPr>
+            <a:stCxn id="264" idx="2"/>
+            <a:endCxn id="456" idx="0"/>
+          </p:cNvCxnSpPr>
+          <p:nvPr/>
+        </p:nvCxnSpPr>
+        <p:spPr>
+          <a:xfrm rot="16200000" flipH="1">
+            <a:off x="20299226" y="13150186"/>
+            <a:ext cx="412782" cy="3592094"/>
+          </a:xfrm>
+          <a:prstGeom prst="bentConnector3">
+            <a:avLst>
+              <a:gd name="adj1" fmla="val 50000"/>
+            </a:avLst>
+          </a:prstGeom>
+          <a:ln w="28575">
+            <a:prstDash val="dash"/>
+            <a:tailEnd type="arrow"/>
+          </a:ln>
+        </p:spPr>
+        <p:style>
+          <a:lnRef idx="1">
+            <a:schemeClr val="accent1"/>
+          </a:lnRef>
+          <a:fillRef idx="0">
+            <a:schemeClr val="accent1"/>
+          </a:fillRef>
+          <a:effectRef idx="0">
+            <a:schemeClr val="accent1"/>
+          </a:effectRef>
+          <a:fontRef idx="minor">
+            <a:schemeClr val="tx1"/>
+          </a:fontRef>
+        </p:style>
+      </p:cxnSp>
+      <p:sp>
+        <p:nvSpPr>
+          <p:cNvPr id="461" name="Прямоугольник 460"/>
+          <p:cNvSpPr/>
+          <p:nvPr/>
+        </p:nvSpPr>
+        <p:spPr>
+          <a:xfrm>
+            <a:off x="23669660" y="15146339"/>
+            <a:ext cx="2115918" cy="1080000"/>
+          </a:xfrm>
+          <a:prstGeom prst="rect">
+            <a:avLst/>
+          </a:prstGeom>
+          <a:solidFill>
+            <a:srgbClr val="FF0000"/>
+          </a:solidFill>
+          <a:ln w="28575"/>
+        </p:spPr>
+        <p:style>
+          <a:lnRef idx="2">
+            <a:schemeClr val="accent1"/>
+          </a:lnRef>
+          <a:fillRef idx="1">
+            <a:schemeClr val="lt1"/>
+          </a:fillRef>
+          <a:effectRef idx="0">
+            <a:schemeClr val="accent1"/>
+          </a:effectRef>
+          <a:fontRef idx="minor">
+            <a:schemeClr val="dk1"/>
+          </a:fontRef>
+        </p:style>
+        <p:txBody>
+          <a:bodyPr lIns="124733" tIns="62367" rIns="124733" bIns="62367" rtlCol="0" anchor="ctr"/>
+          <a:lstStyle/>
+          <a:p>
+            <a:pPr algn="ctr"/>
+            <a:r>
+              <a:rPr lang="ru-RU" sz="1400" dirty="0" smtClean="0"/>
+              <a:t>Социализм в одной стране</a:t>
+            </a:r>
+            <a:endParaRPr lang="ru-RU" sz="500" dirty="0"/>
+          </a:p>
+        </p:txBody>
+      </p:sp>
+      <p:sp>
+        <p:nvSpPr>
+          <p:cNvPr id="462" name="Прямоугольник 461"/>
+          <p:cNvSpPr/>
+          <p:nvPr/>
+        </p:nvSpPr>
+        <p:spPr>
+          <a:xfrm>
+            <a:off x="18824468" y="16632836"/>
+            <a:ext cx="2115918" cy="1080000"/>
+          </a:xfrm>
+          <a:prstGeom prst="rect">
+            <a:avLst/>
+          </a:prstGeom>
+          <a:solidFill>
+            <a:srgbClr val="FFC000"/>
+          </a:solidFill>
+          <a:ln w="28575"/>
+        </p:spPr>
+        <p:style>
+          <a:lnRef idx="2">
+            <a:schemeClr val="accent1"/>
+          </a:lnRef>
+          <a:fillRef idx="1">
+            <a:schemeClr val="lt1"/>
+          </a:fillRef>
+          <a:effectRef idx="0">
+            <a:schemeClr val="accent1"/>
+          </a:effectRef>
+          <a:fontRef idx="minor">
+            <a:schemeClr val="dk1"/>
+          </a:fontRef>
+        </p:style>
+        <p:txBody>
+          <a:bodyPr lIns="124733" tIns="62367" rIns="124733" bIns="62367" rtlCol="0" anchor="ctr"/>
+          <a:lstStyle/>
+          <a:p>
+            <a:pPr algn="ctr"/>
+            <a:r>
+              <a:rPr lang="ru-RU" sz="1400" dirty="0" smtClean="0"/>
+              <a:t>Принять </a:t>
+            </a:r>
+            <a:r>
+              <a:rPr lang="ru-RU" sz="1400" dirty="0"/>
+              <a:t>чёрный национализм </a:t>
+            </a:r>
+            <a:r>
+              <a:rPr lang="ru-RU" sz="500" dirty="0"/>
+              <a:t>(Черный национализм - это тип национализма или </a:t>
+            </a:r>
+            <a:r>
+              <a:rPr lang="ru-RU" sz="500" dirty="0" err="1"/>
+              <a:t>паннационализма</a:t>
+            </a:r>
+            <a:r>
+              <a:rPr lang="ru-RU" sz="500" dirty="0"/>
+              <a:t>, который поддерживает веру в то, что черные люди представляют собой расу , и стремится развивать и поддерживать черную расовую и национальную идентичность . [1] Черный националистический </a:t>
+            </a:r>
+            <a:r>
+              <a:rPr lang="ru-RU" sz="500" dirty="0" err="1"/>
+              <a:t>активизм</a:t>
+            </a:r>
+            <a:r>
+              <a:rPr lang="ru-RU" sz="500" dirty="0"/>
+              <a:t> вращается вокруг социальных, политических и экономических прав и возможностей черных сообществ и людей, особенно для сопротивления ассимиляции в белую культуру (через интеграцию или иным образом) и сохранения особой черной идентичности. [1</a:t>
+            </a:r>
+            <a:r>
+              <a:rPr lang="ru-RU" sz="500" dirty="0" smtClean="0"/>
+              <a:t>])</a:t>
+            </a:r>
+            <a:endParaRPr lang="ru-RU" sz="100" dirty="0"/>
+          </a:p>
+        </p:txBody>
+      </p:sp>
+      <p:sp>
+        <p:nvSpPr>
+          <p:cNvPr id="463" name="Прямоугольник 462"/>
+          <p:cNvSpPr/>
+          <p:nvPr/>
+        </p:nvSpPr>
+        <p:spPr>
+          <a:xfrm>
+            <a:off x="14845382" y="12669072"/>
+            <a:ext cx="2115918" cy="1080000"/>
+          </a:xfrm>
+          <a:prstGeom prst="rect">
+            <a:avLst/>
+          </a:prstGeom>
+          <a:solidFill>
+            <a:srgbClr val="FFC000"/>
+          </a:solidFill>
+          <a:ln w="28575"/>
+        </p:spPr>
+        <p:style>
+          <a:lnRef idx="2">
+            <a:schemeClr val="accent1"/>
+          </a:lnRef>
+          <a:fillRef idx="1">
+            <a:schemeClr val="lt1"/>
+          </a:fillRef>
+          <a:effectRef idx="0">
+            <a:schemeClr val="accent1"/>
+          </a:effectRef>
+          <a:fontRef idx="minor">
+            <a:schemeClr val="dk1"/>
+          </a:fontRef>
+        </p:style>
+        <p:txBody>
+          <a:bodyPr lIns="124733" tIns="62367" rIns="124733" bIns="62367" rtlCol="0" anchor="ctr"/>
+          <a:lstStyle/>
+          <a:p>
+            <a:pPr algn="ctr"/>
+            <a:r>
+              <a:rPr lang="ru-RU" sz="1400" dirty="0" smtClean="0"/>
+              <a:t>Свергнуть режим </a:t>
+            </a:r>
+            <a:r>
+              <a:rPr lang="ru-RU" sz="1400" dirty="0" err="1" smtClean="0"/>
+              <a:t>апартейда</a:t>
+            </a:r>
+            <a:r>
+              <a:rPr lang="ru-RU" sz="1400" dirty="0" smtClean="0"/>
+              <a:t> в ЮАС</a:t>
+            </a:r>
+            <a:endParaRPr lang="ru-RU" sz="500" dirty="0"/>
+          </a:p>
+        </p:txBody>
+      </p:sp>
+      <p:sp>
+        <p:nvSpPr>
+          <p:cNvPr id="464" name="Прямоугольник 463"/>
+          <p:cNvSpPr/>
+          <p:nvPr/>
+        </p:nvSpPr>
+        <p:spPr>
+          <a:xfrm>
+            <a:off x="18817493" y="15146339"/>
+            <a:ext cx="2115918" cy="1080000"/>
+          </a:xfrm>
+          <a:prstGeom prst="rect">
+            <a:avLst/>
+          </a:prstGeom>
+          <a:solidFill>
+            <a:srgbClr val="FFC000"/>
+          </a:solidFill>
+          <a:ln w="28575"/>
+        </p:spPr>
+        <p:style>
+          <a:lnRef idx="2">
+            <a:schemeClr val="accent1"/>
+          </a:lnRef>
+          <a:fillRef idx="1">
+            <a:schemeClr val="lt1"/>
+          </a:fillRef>
+          <a:effectRef idx="0">
+            <a:schemeClr val="accent1"/>
+          </a:effectRef>
+          <a:fontRef idx="minor">
+            <a:schemeClr val="dk1"/>
+          </a:fontRef>
+        </p:style>
+        <p:txBody>
+          <a:bodyPr lIns="124733" tIns="62367" rIns="124733" bIns="62367" rtlCol="0" anchor="ctr"/>
+          <a:lstStyle/>
+          <a:p>
+            <a:pPr algn="ctr"/>
+            <a:r>
+              <a:rPr lang="ru-RU" sz="1400" dirty="0" smtClean="0"/>
+              <a:t>Организовать местную секцию интернационала</a:t>
+            </a:r>
+            <a:endParaRPr lang="ru-RU" sz="500" dirty="0"/>
+          </a:p>
+        </p:txBody>
+      </p:sp>
+      <p:sp>
+        <p:nvSpPr>
+          <p:cNvPr id="465" name="Прямоугольник 464"/>
+          <p:cNvSpPr/>
+          <p:nvPr/>
+        </p:nvSpPr>
+        <p:spPr>
+          <a:xfrm>
+            <a:off x="16477254" y="15146339"/>
+            <a:ext cx="2115918" cy="1080000"/>
+          </a:xfrm>
+          <a:prstGeom prst="rect">
+            <a:avLst/>
+          </a:prstGeom>
+          <a:solidFill>
+            <a:srgbClr val="FFC000"/>
+          </a:solidFill>
+          <a:ln w="28575"/>
+        </p:spPr>
+        <p:style>
+          <a:lnRef idx="2">
+            <a:schemeClr val="accent1"/>
+          </a:lnRef>
+          <a:fillRef idx="1">
+            <a:schemeClr val="lt1"/>
+          </a:fillRef>
+          <a:effectRef idx="0">
+            <a:schemeClr val="accent1"/>
+          </a:effectRef>
+          <a:fontRef idx="minor">
+            <a:schemeClr val="dk1"/>
+          </a:fontRef>
+        </p:style>
+        <p:txBody>
+          <a:bodyPr lIns="124733" tIns="62367" rIns="124733" bIns="62367" rtlCol="0" anchor="ctr"/>
+          <a:lstStyle/>
+          <a:p>
+            <a:pPr algn="ctr"/>
+            <a:r>
+              <a:rPr lang="ru-RU" sz="1400" dirty="0" smtClean="0"/>
+              <a:t>Распространить теорию перманентной теории среди крестьян</a:t>
+            </a:r>
+            <a:endParaRPr lang="ru-RU" sz="500" dirty="0"/>
+          </a:p>
+        </p:txBody>
+      </p:sp>
     </p:spTree>
     <p:extLst>
       <p:ext uri="{BB962C8B-B14F-4D97-AF65-F5344CB8AC3E}">

--- a/Наработки/диздоки/Бельгийское Конго/Бельгийское Конго.pptx
+++ b/Наработки/диздоки/Бельгийское Конго/Бельгийское Конго.pptx
@@ -209,7 +209,7 @@
             <a:fld id="{33E3D7F9-E251-484C-A6FF-FA958879DF69}" type="datetimeFigureOut">
               <a:rPr lang="ru-RU" smtClean="0"/>
               <a:pPr/>
-              <a:t>14.01.2022</a:t>
+              <a:t>17.01.2022</a:t>
             </a:fld>
             <a:endParaRPr lang="ru-RU"/>
           </a:p>
@@ -700,7 +700,7 @@
             <a:fld id="{85A5DE44-605B-4D3B-B2B7-94543DF81A36}" type="datetimeFigureOut">
               <a:rPr lang="ru-RU" smtClean="0"/>
               <a:pPr/>
-              <a:t>14.01.2022</a:t>
+              <a:t>17.01.2022</a:t>
             </a:fld>
             <a:endParaRPr lang="ru-RU"/>
           </a:p>
@@ -872,7 +872,7 @@
             <a:fld id="{85A5DE44-605B-4D3B-B2B7-94543DF81A36}" type="datetimeFigureOut">
               <a:rPr lang="ru-RU" smtClean="0"/>
               <a:pPr/>
-              <a:t>14.01.2022</a:t>
+              <a:t>17.01.2022</a:t>
             </a:fld>
             <a:endParaRPr lang="ru-RU"/>
           </a:p>
@@ -1054,7 +1054,7 @@
             <a:fld id="{85A5DE44-605B-4D3B-B2B7-94543DF81A36}" type="datetimeFigureOut">
               <a:rPr lang="ru-RU" smtClean="0"/>
               <a:pPr/>
-              <a:t>14.01.2022</a:t>
+              <a:t>17.01.2022</a:t>
             </a:fld>
             <a:endParaRPr lang="ru-RU"/>
           </a:p>
@@ -1226,7 +1226,7 @@
             <a:fld id="{85A5DE44-605B-4D3B-B2B7-94543DF81A36}" type="datetimeFigureOut">
               <a:rPr lang="ru-RU" smtClean="0"/>
               <a:pPr/>
-              <a:t>14.01.2022</a:t>
+              <a:t>17.01.2022</a:t>
             </a:fld>
             <a:endParaRPr lang="ru-RU"/>
           </a:p>
@@ -1474,7 +1474,7 @@
             <a:fld id="{85A5DE44-605B-4D3B-B2B7-94543DF81A36}" type="datetimeFigureOut">
               <a:rPr lang="ru-RU" smtClean="0"/>
               <a:pPr/>
-              <a:t>14.01.2022</a:t>
+              <a:t>17.01.2022</a:t>
             </a:fld>
             <a:endParaRPr lang="ru-RU"/>
           </a:p>
@@ -1708,7 +1708,7 @@
             <a:fld id="{85A5DE44-605B-4D3B-B2B7-94543DF81A36}" type="datetimeFigureOut">
               <a:rPr lang="ru-RU" smtClean="0"/>
               <a:pPr/>
-              <a:t>14.01.2022</a:t>
+              <a:t>17.01.2022</a:t>
             </a:fld>
             <a:endParaRPr lang="ru-RU"/>
           </a:p>
@@ -2077,7 +2077,7 @@
             <a:fld id="{85A5DE44-605B-4D3B-B2B7-94543DF81A36}" type="datetimeFigureOut">
               <a:rPr lang="ru-RU" smtClean="0"/>
               <a:pPr/>
-              <a:t>14.01.2022</a:t>
+              <a:t>17.01.2022</a:t>
             </a:fld>
             <a:endParaRPr lang="ru-RU"/>
           </a:p>
@@ -2197,7 +2197,7 @@
             <a:fld id="{85A5DE44-605B-4D3B-B2B7-94543DF81A36}" type="datetimeFigureOut">
               <a:rPr lang="ru-RU" smtClean="0"/>
               <a:pPr/>
-              <a:t>14.01.2022</a:t>
+              <a:t>17.01.2022</a:t>
             </a:fld>
             <a:endParaRPr lang="ru-RU"/>
           </a:p>
@@ -2294,7 +2294,7 @@
             <a:fld id="{85A5DE44-605B-4D3B-B2B7-94543DF81A36}" type="datetimeFigureOut">
               <a:rPr lang="ru-RU" smtClean="0"/>
               <a:pPr/>
-              <a:t>14.01.2022</a:t>
+              <a:t>17.01.2022</a:t>
             </a:fld>
             <a:endParaRPr lang="ru-RU"/>
           </a:p>
@@ -2573,7 +2573,7 @@
             <a:fld id="{85A5DE44-605B-4D3B-B2B7-94543DF81A36}" type="datetimeFigureOut">
               <a:rPr lang="ru-RU" smtClean="0"/>
               <a:pPr/>
-              <a:t>14.01.2022</a:t>
+              <a:t>17.01.2022</a:t>
             </a:fld>
             <a:endParaRPr lang="ru-RU"/>
           </a:p>
@@ -2832,7 +2832,7 @@
             <a:fld id="{85A5DE44-605B-4D3B-B2B7-94543DF81A36}" type="datetimeFigureOut">
               <a:rPr lang="ru-RU" smtClean="0"/>
               <a:pPr/>
-              <a:t>14.01.2022</a:t>
+              <a:t>17.01.2022</a:t>
             </a:fld>
             <a:endParaRPr lang="ru-RU"/>
           </a:p>
@@ -3047,7 +3047,7 @@
             <a:fld id="{85A5DE44-605B-4D3B-B2B7-94543DF81A36}" type="datetimeFigureOut">
               <a:rPr lang="ru-RU" smtClean="0"/>
               <a:pPr/>
-              <a:t>14.01.2022</a:t>
+              <a:t>17.01.2022</a:t>
             </a:fld>
             <a:endParaRPr lang="ru-RU"/>
           </a:p>
@@ -16674,7 +16674,6 @@
               <a:rPr lang="ru-RU" sz="1400" dirty="0" smtClean="0"/>
               <a:t>)</a:t>
             </a:r>
-            <a:endParaRPr lang="ru-RU" sz="1400" dirty="0" smtClean="0"/>
           </a:p>
         </p:txBody>
       </p:sp>
@@ -17189,11 +17188,7 @@
             <a:pPr algn="ctr"/>
             <a:r>
               <a:rPr lang="ru-RU" sz="1400" dirty="0" smtClean="0"/>
-              <a:t>Возродить федеративное </a:t>
-            </a:r>
-            <a:r>
-              <a:rPr lang="ru-RU" sz="1400" dirty="0" smtClean="0"/>
-              <a:t>королевство</a:t>
+              <a:t>Возродить федеративное королевство</a:t>
             </a:r>
             <a:endParaRPr lang="ru-RU" sz="1200" dirty="0" smtClean="0"/>
           </a:p>
@@ -18759,9 +18754,17 @@
             <a:pPr algn="ctr"/>
             <a:r>
               <a:rPr lang="ru-RU" sz="1400" dirty="0" smtClean="0"/>
-              <a:t>Отбросить этническую борьбу (убирает вождей)</a:t>
-            </a:r>
-            <a:endParaRPr lang="ru-RU" sz="500" dirty="0"/>
+              <a:t>Создание советской конголезской </a:t>
+            </a:r>
+            <a:r>
+              <a:rPr lang="ru-RU" sz="1400" dirty="0"/>
+              <a:t>республики </a:t>
+            </a:r>
+            <a:r>
+              <a:rPr lang="ru-RU" sz="800" dirty="0"/>
+              <a:t>(создание Советской Южно-Африканской Республики с правом всех рас на самоопределение и гарантиями прав меньшинств.)</a:t>
+            </a:r>
+            <a:endParaRPr lang="ru-RU" sz="100" dirty="0"/>
           </a:p>
         </p:txBody>
       </p:sp>
@@ -18897,7 +18900,7 @@
         </p:nvSpPr>
         <p:spPr>
           <a:xfrm>
-            <a:off x="18824468" y="16632836"/>
+            <a:off x="18817493" y="16788207"/>
             <a:ext cx="2115918" cy="1080000"/>
           </a:xfrm>
           <a:prstGeom prst="rect">
@@ -19104,6 +19107,114 @@
             <a:r>
               <a:rPr lang="ru-RU" sz="1400" dirty="0" smtClean="0"/>
               <a:t>Распространить теорию перманентной теории среди крестьян</a:t>
+            </a:r>
+            <a:endParaRPr lang="ru-RU" sz="500" dirty="0"/>
+          </a:p>
+        </p:txBody>
+      </p:sp>
+      <p:sp>
+        <p:nvSpPr>
+          <p:cNvPr id="466" name="Прямоугольник 465"/>
+          <p:cNvSpPr/>
+          <p:nvPr/>
+        </p:nvSpPr>
+        <p:spPr>
+          <a:xfrm>
+            <a:off x="21243705" y="18335124"/>
+            <a:ext cx="2115918" cy="1080000"/>
+          </a:xfrm>
+          <a:prstGeom prst="rect">
+            <a:avLst/>
+          </a:prstGeom>
+          <a:gradFill>
+            <a:gsLst>
+              <a:gs pos="0">
+                <a:srgbClr val="FFC000"/>
+              </a:gs>
+              <a:gs pos="100000">
+                <a:srgbClr val="FF0000"/>
+              </a:gs>
+            </a:gsLst>
+            <a:lin ang="5400000" scaled="1"/>
+          </a:gradFill>
+          <a:ln w="28575"/>
+        </p:spPr>
+        <p:style>
+          <a:lnRef idx="2">
+            <a:schemeClr val="accent1"/>
+          </a:lnRef>
+          <a:fillRef idx="1">
+            <a:schemeClr val="lt1"/>
+          </a:fillRef>
+          <a:effectRef idx="0">
+            <a:schemeClr val="accent1"/>
+          </a:effectRef>
+          <a:fontRef idx="minor">
+            <a:schemeClr val="dk1"/>
+          </a:fontRef>
+        </p:style>
+        <p:txBody>
+          <a:bodyPr lIns="124733" tIns="62367" rIns="124733" bIns="62367" rtlCol="0" anchor="ctr"/>
+          <a:lstStyle/>
+          <a:p>
+            <a:pPr algn="ctr"/>
+            <a:r>
+              <a:rPr lang="ru-RU" sz="1400" dirty="0" smtClean="0"/>
+              <a:t>Отбросить этническую борьбу (убирает вождей)</a:t>
+            </a:r>
+            <a:endParaRPr lang="ru-RU" sz="500" dirty="0"/>
+          </a:p>
+        </p:txBody>
+      </p:sp>
+      <p:sp>
+        <p:nvSpPr>
+          <p:cNvPr id="467" name="Прямоугольник 466"/>
+          <p:cNvSpPr/>
+          <p:nvPr/>
+        </p:nvSpPr>
+        <p:spPr>
+          <a:xfrm>
+            <a:off x="21236804" y="16799418"/>
+            <a:ext cx="2115918" cy="1080000"/>
+          </a:xfrm>
+          <a:prstGeom prst="rect">
+            <a:avLst/>
+          </a:prstGeom>
+          <a:gradFill>
+            <a:gsLst>
+              <a:gs pos="0">
+                <a:srgbClr val="FFC000"/>
+              </a:gs>
+              <a:gs pos="100000">
+                <a:srgbClr val="FF0000"/>
+              </a:gs>
+            </a:gsLst>
+            <a:lin ang="5400000" scaled="1"/>
+          </a:gradFill>
+          <a:ln w="28575"/>
+        </p:spPr>
+        <p:style>
+          <a:lnRef idx="2">
+            <a:schemeClr val="accent1"/>
+          </a:lnRef>
+          <a:fillRef idx="1">
+            <a:schemeClr val="lt1"/>
+          </a:fillRef>
+          <a:effectRef idx="0">
+            <a:schemeClr val="accent1"/>
+          </a:effectRef>
+          <a:fontRef idx="minor">
+            <a:schemeClr val="dk1"/>
+          </a:fontRef>
+        </p:style>
+        <p:txBody>
+          <a:bodyPr lIns="124733" tIns="62367" rIns="124733" bIns="62367" rtlCol="0" anchor="ctr"/>
+          <a:lstStyle/>
+          <a:p>
+            <a:pPr algn="ctr"/>
+            <a:r>
+              <a:rPr lang="ru-RU" sz="1400" dirty="0" smtClean="0"/>
+              <a:t>Подготовить проект конституции республики</a:t>
             </a:r>
             <a:endParaRPr lang="ru-RU" sz="500" dirty="0"/>
           </a:p>

--- a/Наработки/диздоки/Бельгийское Конго/Бельгийское Конго.pptx
+++ b/Наработки/диздоки/Бельгийское Конго/Бельгийское Конго.pptx
@@ -209,7 +209,7 @@
             <a:fld id="{33E3D7F9-E251-484C-A6FF-FA958879DF69}" type="datetimeFigureOut">
               <a:rPr lang="ru-RU" smtClean="0"/>
               <a:pPr/>
-              <a:t>17.01.2022</a:t>
+              <a:t>18.01.2022</a:t>
             </a:fld>
             <a:endParaRPr lang="ru-RU"/>
           </a:p>
@@ -700,7 +700,7 @@
             <a:fld id="{85A5DE44-605B-4D3B-B2B7-94543DF81A36}" type="datetimeFigureOut">
               <a:rPr lang="ru-RU" smtClean="0"/>
               <a:pPr/>
-              <a:t>17.01.2022</a:t>
+              <a:t>18.01.2022</a:t>
             </a:fld>
             <a:endParaRPr lang="ru-RU"/>
           </a:p>
@@ -872,7 +872,7 @@
             <a:fld id="{85A5DE44-605B-4D3B-B2B7-94543DF81A36}" type="datetimeFigureOut">
               <a:rPr lang="ru-RU" smtClean="0"/>
               <a:pPr/>
-              <a:t>17.01.2022</a:t>
+              <a:t>18.01.2022</a:t>
             </a:fld>
             <a:endParaRPr lang="ru-RU"/>
           </a:p>
@@ -1054,7 +1054,7 @@
             <a:fld id="{85A5DE44-605B-4D3B-B2B7-94543DF81A36}" type="datetimeFigureOut">
               <a:rPr lang="ru-RU" smtClean="0"/>
               <a:pPr/>
-              <a:t>17.01.2022</a:t>
+              <a:t>18.01.2022</a:t>
             </a:fld>
             <a:endParaRPr lang="ru-RU"/>
           </a:p>
@@ -1226,7 +1226,7 @@
             <a:fld id="{85A5DE44-605B-4D3B-B2B7-94543DF81A36}" type="datetimeFigureOut">
               <a:rPr lang="ru-RU" smtClean="0"/>
               <a:pPr/>
-              <a:t>17.01.2022</a:t>
+              <a:t>18.01.2022</a:t>
             </a:fld>
             <a:endParaRPr lang="ru-RU"/>
           </a:p>
@@ -1474,7 +1474,7 @@
             <a:fld id="{85A5DE44-605B-4D3B-B2B7-94543DF81A36}" type="datetimeFigureOut">
               <a:rPr lang="ru-RU" smtClean="0"/>
               <a:pPr/>
-              <a:t>17.01.2022</a:t>
+              <a:t>18.01.2022</a:t>
             </a:fld>
             <a:endParaRPr lang="ru-RU"/>
           </a:p>
@@ -1708,7 +1708,7 @@
             <a:fld id="{85A5DE44-605B-4D3B-B2B7-94543DF81A36}" type="datetimeFigureOut">
               <a:rPr lang="ru-RU" smtClean="0"/>
               <a:pPr/>
-              <a:t>17.01.2022</a:t>
+              <a:t>18.01.2022</a:t>
             </a:fld>
             <a:endParaRPr lang="ru-RU"/>
           </a:p>
@@ -2077,7 +2077,7 @@
             <a:fld id="{85A5DE44-605B-4D3B-B2B7-94543DF81A36}" type="datetimeFigureOut">
               <a:rPr lang="ru-RU" smtClean="0"/>
               <a:pPr/>
-              <a:t>17.01.2022</a:t>
+              <a:t>18.01.2022</a:t>
             </a:fld>
             <a:endParaRPr lang="ru-RU"/>
           </a:p>
@@ -2197,7 +2197,7 @@
             <a:fld id="{85A5DE44-605B-4D3B-B2B7-94543DF81A36}" type="datetimeFigureOut">
               <a:rPr lang="ru-RU" smtClean="0"/>
               <a:pPr/>
-              <a:t>17.01.2022</a:t>
+              <a:t>18.01.2022</a:t>
             </a:fld>
             <a:endParaRPr lang="ru-RU"/>
           </a:p>
@@ -2294,7 +2294,7 @@
             <a:fld id="{85A5DE44-605B-4D3B-B2B7-94543DF81A36}" type="datetimeFigureOut">
               <a:rPr lang="ru-RU" smtClean="0"/>
               <a:pPr/>
-              <a:t>17.01.2022</a:t>
+              <a:t>18.01.2022</a:t>
             </a:fld>
             <a:endParaRPr lang="ru-RU"/>
           </a:p>
@@ -2573,7 +2573,7 @@
             <a:fld id="{85A5DE44-605B-4D3B-B2B7-94543DF81A36}" type="datetimeFigureOut">
               <a:rPr lang="ru-RU" smtClean="0"/>
               <a:pPr/>
-              <a:t>17.01.2022</a:t>
+              <a:t>18.01.2022</a:t>
             </a:fld>
             <a:endParaRPr lang="ru-RU"/>
           </a:p>
@@ -2832,7 +2832,7 @@
             <a:fld id="{85A5DE44-605B-4D3B-B2B7-94543DF81A36}" type="datetimeFigureOut">
               <a:rPr lang="ru-RU" smtClean="0"/>
               <a:pPr/>
-              <a:t>17.01.2022</a:t>
+              <a:t>18.01.2022</a:t>
             </a:fld>
             <a:endParaRPr lang="ru-RU"/>
           </a:p>
@@ -3047,7 +3047,7 @@
             <a:fld id="{85A5DE44-605B-4D3B-B2B7-94543DF81A36}" type="datetimeFigureOut">
               <a:rPr lang="ru-RU" smtClean="0"/>
               <a:pPr/>
-              <a:t>17.01.2022</a:t>
+              <a:t>18.01.2022</a:t>
             </a:fld>
             <a:endParaRPr lang="ru-RU"/>
           </a:p>
@@ -18900,7 +18900,7 @@
         </p:nvSpPr>
         <p:spPr>
           <a:xfrm>
-            <a:off x="18817493" y="16788207"/>
+            <a:off x="16467989" y="15137536"/>
             <a:ext cx="2115918" cy="1080000"/>
           </a:xfrm>
           <a:prstGeom prst="rect">
@@ -18974,7 +18974,7 @@
         </p:nvSpPr>
         <p:spPr>
           <a:xfrm>
-            <a:off x="14845382" y="12669072"/>
+            <a:off x="17651611" y="18335124"/>
             <a:ext cx="2115918" cy="1080000"/>
           </a:xfrm>
           <a:prstGeom prst="rect">
@@ -19006,15 +19006,7 @@
             <a:pPr algn="ctr"/>
             <a:r>
               <a:rPr lang="ru-RU" sz="1400" dirty="0" smtClean="0"/>
-              <a:t>Свергнуть режим </a:t>
-            </a:r>
-            <a:r>
-              <a:rPr lang="ru-RU" sz="1400" dirty="0" err="1" smtClean="0"/>
-              <a:t>апартейда</a:t>
-            </a:r>
-            <a:r>
-              <a:rPr lang="ru-RU" sz="1400" dirty="0" smtClean="0"/>
-              <a:t> в ЮАС</a:t>
+              <a:t>Свергнуть колониальный режим в ЮАС</a:t>
             </a:r>
             <a:endParaRPr lang="ru-RU" sz="500" dirty="0"/>
           </a:p>
@@ -19074,7 +19066,7 @@
         </p:nvSpPr>
         <p:spPr>
           <a:xfrm>
-            <a:off x="16477254" y="15146339"/>
+            <a:off x="14126671" y="15137536"/>
             <a:ext cx="2115918" cy="1080000"/>
           </a:xfrm>
           <a:prstGeom prst="rect">
@@ -19106,7 +19098,7 @@
             <a:pPr algn="ctr"/>
             <a:r>
               <a:rPr lang="ru-RU" sz="1400" dirty="0" smtClean="0"/>
-              <a:t>Распространить теорию перманентной теории среди крестьян</a:t>
+              <a:t>Распространить теорию перманентной революции среди крестьян</a:t>
             </a:r>
             <a:endParaRPr lang="ru-RU" sz="500" dirty="0"/>
           </a:p>
@@ -19120,7 +19112,7 @@
         </p:nvSpPr>
         <p:spPr>
           <a:xfrm>
-            <a:off x="21243705" y="18335124"/>
+            <a:off x="22452440" y="16797652"/>
             <a:ext cx="2115918" cy="1080000"/>
           </a:xfrm>
           <a:prstGeom prst="rect">
@@ -19168,13 +19160,385 @@
       </p:sp>
       <p:sp>
         <p:nvSpPr>
-          <p:cNvPr id="467" name="Прямоугольник 466"/>
+          <p:cNvPr id="468" name="Прямоугольник 467"/>
           <p:cNvSpPr/>
           <p:nvPr/>
         </p:nvSpPr>
         <p:spPr>
           <a:xfrm>
-            <a:off x="21236804" y="16799418"/>
+            <a:off x="16471778" y="16788206"/>
+            <a:ext cx="2115918" cy="1080000"/>
+          </a:xfrm>
+          <a:prstGeom prst="rect">
+            <a:avLst/>
+          </a:prstGeom>
+          <a:solidFill>
+            <a:srgbClr val="FFC000"/>
+          </a:solidFill>
+          <a:ln w="28575"/>
+        </p:spPr>
+        <p:style>
+          <a:lnRef idx="2">
+            <a:schemeClr val="accent1"/>
+          </a:lnRef>
+          <a:fillRef idx="1">
+            <a:schemeClr val="lt1"/>
+          </a:fillRef>
+          <a:effectRef idx="0">
+            <a:schemeClr val="accent1"/>
+          </a:effectRef>
+          <a:fontRef idx="minor">
+            <a:schemeClr val="dk1"/>
+          </a:fontRef>
+        </p:style>
+        <p:txBody>
+          <a:bodyPr lIns="124733" tIns="62367" rIns="124733" bIns="62367" rtlCol="0" anchor="ctr"/>
+          <a:lstStyle/>
+          <a:p>
+            <a:pPr algn="ctr"/>
+            <a:r>
+              <a:rPr lang="ru-RU" sz="1400" dirty="0" smtClean="0"/>
+              <a:t>Протянуть руку помощи рабочим Анголы</a:t>
+            </a:r>
+            <a:endParaRPr lang="ru-RU" sz="500" dirty="0"/>
+          </a:p>
+        </p:txBody>
+      </p:sp>
+      <p:sp>
+        <p:nvSpPr>
+          <p:cNvPr id="469" name="Прямоугольник 468"/>
+          <p:cNvSpPr/>
+          <p:nvPr/>
+        </p:nvSpPr>
+        <p:spPr>
+          <a:xfrm>
+            <a:off x="15299224" y="18335124"/>
+            <a:ext cx="2115918" cy="1080000"/>
+          </a:xfrm>
+          <a:prstGeom prst="rect">
+            <a:avLst/>
+          </a:prstGeom>
+          <a:solidFill>
+            <a:srgbClr val="FFC000"/>
+          </a:solidFill>
+          <a:ln w="28575"/>
+        </p:spPr>
+        <p:style>
+          <a:lnRef idx="2">
+            <a:schemeClr val="accent1"/>
+          </a:lnRef>
+          <a:fillRef idx="1">
+            <a:schemeClr val="lt1"/>
+          </a:fillRef>
+          <a:effectRef idx="0">
+            <a:schemeClr val="accent1"/>
+          </a:effectRef>
+          <a:fontRef idx="minor">
+            <a:schemeClr val="dk1"/>
+          </a:fontRef>
+        </p:style>
+        <p:txBody>
+          <a:bodyPr lIns="124733" tIns="62367" rIns="124733" bIns="62367" rtlCol="0" anchor="ctr"/>
+          <a:lstStyle/>
+          <a:p>
+            <a:pPr algn="ctr"/>
+            <a:r>
+              <a:rPr lang="ru-RU" sz="1400" dirty="0" smtClean="0"/>
+              <a:t>Свергнуть </a:t>
+            </a:r>
+            <a:r>
+              <a:rPr lang="ru-RU" sz="1400" dirty="0"/>
+              <a:t>колониальный режим </a:t>
+            </a:r>
+            <a:r>
+              <a:rPr lang="ru-RU" sz="1400" dirty="0" smtClean="0"/>
+              <a:t>в ЮЗА</a:t>
+            </a:r>
+            <a:endParaRPr lang="ru-RU" sz="500" dirty="0"/>
+          </a:p>
+        </p:txBody>
+      </p:sp>
+      <p:cxnSp>
+        <p:nvCxnSpPr>
+          <p:cNvPr id="470" name="Соединительная линия уступом 469"/>
+          <p:cNvCxnSpPr>
+            <a:stCxn id="264" idx="2"/>
+            <a:endCxn id="465" idx="0"/>
+          </p:cNvCxnSpPr>
+          <p:nvPr/>
+        </p:nvCxnSpPr>
+        <p:spPr>
+          <a:xfrm rot="5400000">
+            <a:off x="16748253" y="13176219"/>
+            <a:ext cx="397694" cy="3524940"/>
+          </a:xfrm>
+          <a:prstGeom prst="bentConnector3">
+            <a:avLst>
+              <a:gd name="adj1" fmla="val 50000"/>
+            </a:avLst>
+          </a:prstGeom>
+          <a:ln w="28575">
+            <a:tailEnd type="arrow"/>
+          </a:ln>
+        </p:spPr>
+        <p:style>
+          <a:lnRef idx="1">
+            <a:schemeClr val="accent1"/>
+          </a:lnRef>
+          <a:fillRef idx="0">
+            <a:schemeClr val="accent1"/>
+          </a:fillRef>
+          <a:effectRef idx="0">
+            <a:schemeClr val="accent1"/>
+          </a:effectRef>
+          <a:fontRef idx="minor">
+            <a:schemeClr val="tx1"/>
+          </a:fontRef>
+        </p:style>
+      </p:cxnSp>
+      <p:cxnSp>
+        <p:nvCxnSpPr>
+          <p:cNvPr id="471" name="Соединительная линия уступом 470"/>
+          <p:cNvCxnSpPr>
+            <a:stCxn id="264" idx="2"/>
+            <a:endCxn id="462" idx="0"/>
+          </p:cNvCxnSpPr>
+          <p:nvPr/>
+        </p:nvCxnSpPr>
+        <p:spPr>
+          <a:xfrm rot="5400000">
+            <a:off x="17918912" y="14346878"/>
+            <a:ext cx="397694" cy="1183622"/>
+          </a:xfrm>
+          <a:prstGeom prst="bentConnector3">
+            <a:avLst>
+              <a:gd name="adj1" fmla="val 50000"/>
+            </a:avLst>
+          </a:prstGeom>
+          <a:ln w="28575">
+            <a:tailEnd type="arrow"/>
+          </a:ln>
+        </p:spPr>
+        <p:style>
+          <a:lnRef idx="1">
+            <a:schemeClr val="accent1"/>
+          </a:lnRef>
+          <a:fillRef idx="0">
+            <a:schemeClr val="accent1"/>
+          </a:fillRef>
+          <a:effectRef idx="0">
+            <a:schemeClr val="accent1"/>
+          </a:effectRef>
+          <a:fontRef idx="minor">
+            <a:schemeClr val="tx1"/>
+          </a:fontRef>
+        </p:style>
+      </p:cxnSp>
+      <p:cxnSp>
+        <p:nvCxnSpPr>
+          <p:cNvPr id="472" name="Соединительная линия уступом 471"/>
+          <p:cNvCxnSpPr>
+            <a:stCxn id="264" idx="2"/>
+            <a:endCxn id="464" idx="0"/>
+          </p:cNvCxnSpPr>
+          <p:nvPr/>
+        </p:nvCxnSpPr>
+        <p:spPr>
+          <a:xfrm rot="16200000" flipH="1">
+            <a:off x="19089263" y="14360149"/>
+            <a:ext cx="406497" cy="1165882"/>
+          </a:xfrm>
+          <a:prstGeom prst="bentConnector3">
+            <a:avLst>
+              <a:gd name="adj1" fmla="val 50000"/>
+            </a:avLst>
+          </a:prstGeom>
+          <a:ln w="28575">
+            <a:tailEnd type="arrow"/>
+          </a:ln>
+        </p:spPr>
+        <p:style>
+          <a:lnRef idx="1">
+            <a:schemeClr val="accent1"/>
+          </a:lnRef>
+          <a:fillRef idx="0">
+            <a:schemeClr val="accent1"/>
+          </a:fillRef>
+          <a:effectRef idx="0">
+            <a:schemeClr val="accent1"/>
+          </a:effectRef>
+          <a:fontRef idx="minor">
+            <a:schemeClr val="tx1"/>
+          </a:fontRef>
+        </p:style>
+      </p:cxnSp>
+      <p:cxnSp>
+        <p:nvCxnSpPr>
+          <p:cNvPr id="473" name="Соединительная линия уступом 472"/>
+          <p:cNvCxnSpPr>
+            <a:stCxn id="468" idx="2"/>
+            <a:endCxn id="463" idx="0"/>
+          </p:cNvCxnSpPr>
+          <p:nvPr/>
+        </p:nvCxnSpPr>
+        <p:spPr>
+          <a:xfrm rot="16200000" flipH="1">
+            <a:off x="17886194" y="17511748"/>
+            <a:ext cx="466918" cy="1179833"/>
+          </a:xfrm>
+          <a:prstGeom prst="bentConnector3">
+            <a:avLst>
+              <a:gd name="adj1" fmla="val 50000"/>
+            </a:avLst>
+          </a:prstGeom>
+          <a:ln w="28575">
+            <a:tailEnd type="arrow"/>
+          </a:ln>
+        </p:spPr>
+        <p:style>
+          <a:lnRef idx="1">
+            <a:schemeClr val="accent1"/>
+          </a:lnRef>
+          <a:fillRef idx="0">
+            <a:schemeClr val="accent1"/>
+          </a:fillRef>
+          <a:effectRef idx="0">
+            <a:schemeClr val="accent1"/>
+          </a:effectRef>
+          <a:fontRef idx="minor">
+            <a:schemeClr val="tx1"/>
+          </a:fontRef>
+        </p:style>
+      </p:cxnSp>
+      <p:cxnSp>
+        <p:nvCxnSpPr>
+          <p:cNvPr id="474" name="Соединительная линия уступом 473"/>
+          <p:cNvCxnSpPr>
+            <a:stCxn id="468" idx="2"/>
+            <a:endCxn id="469" idx="0"/>
+          </p:cNvCxnSpPr>
+          <p:nvPr/>
+        </p:nvCxnSpPr>
+        <p:spPr>
+          <a:xfrm rot="5400000">
+            <a:off x="16710001" y="17515388"/>
+            <a:ext cx="466918" cy="1172554"/>
+          </a:xfrm>
+          <a:prstGeom prst="bentConnector3">
+            <a:avLst>
+              <a:gd name="adj1" fmla="val 50000"/>
+            </a:avLst>
+          </a:prstGeom>
+          <a:ln w="28575">
+            <a:tailEnd type="arrow"/>
+          </a:ln>
+        </p:spPr>
+        <p:style>
+          <a:lnRef idx="1">
+            <a:schemeClr val="accent1"/>
+          </a:lnRef>
+          <a:fillRef idx="0">
+            <a:schemeClr val="accent1"/>
+          </a:fillRef>
+          <a:effectRef idx="0">
+            <a:schemeClr val="accent1"/>
+          </a:effectRef>
+          <a:fontRef idx="minor">
+            <a:schemeClr val="tx1"/>
+          </a:fontRef>
+        </p:style>
+      </p:cxnSp>
+      <p:cxnSp>
+        <p:nvCxnSpPr>
+          <p:cNvPr id="475" name="Прямая со стрелкой 474"/>
+          <p:cNvCxnSpPr>
+            <a:stCxn id="462" idx="2"/>
+            <a:endCxn id="468" idx="0"/>
+          </p:cNvCxnSpPr>
+          <p:nvPr/>
+        </p:nvCxnSpPr>
+        <p:spPr>
+          <a:xfrm>
+            <a:off x="17525948" y="16217536"/>
+            <a:ext cx="3789" cy="570670"/>
+          </a:xfrm>
+          <a:prstGeom prst="straightConnector1">
+            <a:avLst/>
+          </a:prstGeom>
+          <a:ln w="28575">
+            <a:tailEnd type="arrow"/>
+          </a:ln>
+        </p:spPr>
+        <p:style>
+          <a:lnRef idx="1">
+            <a:schemeClr val="accent1"/>
+          </a:lnRef>
+          <a:fillRef idx="0">
+            <a:schemeClr val="accent1"/>
+          </a:fillRef>
+          <a:effectRef idx="0">
+            <a:schemeClr val="accent1"/>
+          </a:effectRef>
+          <a:fontRef idx="minor">
+            <a:schemeClr val="tx1"/>
+          </a:fontRef>
+        </p:style>
+      </p:cxnSp>
+      <p:sp>
+        <p:nvSpPr>
+          <p:cNvPr id="476" name="Прямоугольник 475"/>
+          <p:cNvSpPr/>
+          <p:nvPr/>
+        </p:nvSpPr>
+        <p:spPr>
+          <a:xfrm>
+            <a:off x="14131155" y="16797652"/>
+            <a:ext cx="2115918" cy="1080000"/>
+          </a:xfrm>
+          <a:prstGeom prst="rect">
+            <a:avLst/>
+          </a:prstGeom>
+          <a:solidFill>
+            <a:srgbClr val="FFC000"/>
+          </a:solidFill>
+          <a:ln w="28575"/>
+        </p:spPr>
+        <p:style>
+          <a:lnRef idx="2">
+            <a:schemeClr val="accent1"/>
+          </a:lnRef>
+          <a:fillRef idx="1">
+            <a:schemeClr val="lt1"/>
+          </a:fillRef>
+          <a:effectRef idx="0">
+            <a:schemeClr val="accent1"/>
+          </a:effectRef>
+          <a:fontRef idx="minor">
+            <a:schemeClr val="dk1"/>
+          </a:fontRef>
+        </p:style>
+        <p:txBody>
+          <a:bodyPr lIns="124733" tIns="62367" rIns="124733" bIns="62367" rtlCol="0" anchor="ctr"/>
+          <a:lstStyle/>
+          <a:p>
+            <a:pPr algn="ctr"/>
+            <a:r>
+              <a:rPr lang="ru-RU" sz="1400" dirty="0" smtClean="0"/>
+              <a:t>Основать аграрные профсоюзы</a:t>
+            </a:r>
+            <a:endParaRPr lang="ru-RU" sz="500" dirty="0"/>
+          </a:p>
+        </p:txBody>
+      </p:sp>
+      <p:sp>
+        <p:nvSpPr>
+          <p:cNvPr id="477" name="Прямоугольник 476"/>
+          <p:cNvSpPr/>
+          <p:nvPr/>
+        </p:nvSpPr>
+        <p:spPr>
+          <a:xfrm>
+            <a:off x="20030491" y="16799418"/>
             <a:ext cx="2115918" cy="1080000"/>
           </a:xfrm>
           <a:prstGeom prst="rect">
@@ -19214,7 +19578,827 @@
             <a:pPr algn="ctr"/>
             <a:r>
               <a:rPr lang="ru-RU" sz="1400" dirty="0" smtClean="0"/>
-              <a:t>Подготовить проект конституции республики</a:t>
+              <a:t>Племенной социализм</a:t>
+            </a:r>
+            <a:endParaRPr lang="ru-RU" sz="500" dirty="0"/>
+          </a:p>
+        </p:txBody>
+      </p:sp>
+      <p:cxnSp>
+        <p:nvCxnSpPr>
+          <p:cNvPr id="478" name="Прямая соединительная линия 477"/>
+          <p:cNvCxnSpPr>
+            <a:stCxn id="466" idx="1"/>
+            <a:endCxn id="477" idx="3"/>
+          </p:cNvCxnSpPr>
+          <p:nvPr/>
+        </p:nvCxnSpPr>
+        <p:spPr>
+          <a:xfrm flipH="1">
+            <a:off x="22146409" y="17337652"/>
+            <a:ext cx="306031" cy="1766"/>
+          </a:xfrm>
+          <a:prstGeom prst="line">
+            <a:avLst/>
+          </a:prstGeom>
+          <a:ln w="28575">
+            <a:solidFill>
+              <a:srgbClr val="FF0000"/>
+            </a:solidFill>
+          </a:ln>
+        </p:spPr>
+        <p:style>
+          <a:lnRef idx="1">
+            <a:schemeClr val="accent1"/>
+          </a:lnRef>
+          <a:fillRef idx="0">
+            <a:schemeClr val="accent1"/>
+          </a:fillRef>
+          <a:effectRef idx="0">
+            <a:schemeClr val="accent1"/>
+          </a:effectRef>
+          <a:fontRef idx="minor">
+            <a:schemeClr val="tx1"/>
+          </a:fontRef>
+        </p:style>
+      </p:cxnSp>
+      <p:cxnSp>
+        <p:nvCxnSpPr>
+          <p:cNvPr id="479" name="Соединительная линия уступом 478"/>
+          <p:cNvCxnSpPr>
+            <a:stCxn id="456" idx="2"/>
+            <a:endCxn id="477" idx="0"/>
+          </p:cNvCxnSpPr>
+          <p:nvPr/>
+        </p:nvCxnSpPr>
+        <p:spPr>
+          <a:xfrm rot="5400000">
+            <a:off x="21411660" y="15909414"/>
+            <a:ext cx="566794" cy="1213214"/>
+          </a:xfrm>
+          <a:prstGeom prst="bentConnector3">
+            <a:avLst>
+              <a:gd name="adj1" fmla="val 50000"/>
+            </a:avLst>
+          </a:prstGeom>
+          <a:ln w="28575">
+            <a:tailEnd type="arrow"/>
+          </a:ln>
+        </p:spPr>
+        <p:style>
+          <a:lnRef idx="1">
+            <a:schemeClr val="accent1"/>
+          </a:lnRef>
+          <a:fillRef idx="0">
+            <a:schemeClr val="accent1"/>
+          </a:fillRef>
+          <a:effectRef idx="0">
+            <a:schemeClr val="accent1"/>
+          </a:effectRef>
+          <a:fontRef idx="minor">
+            <a:schemeClr val="tx1"/>
+          </a:fontRef>
+        </p:style>
+      </p:cxnSp>
+      <p:cxnSp>
+        <p:nvCxnSpPr>
+          <p:cNvPr id="480" name="Соединительная линия уступом 479"/>
+          <p:cNvCxnSpPr>
+            <a:stCxn id="456" idx="2"/>
+            <a:endCxn id="466" idx="0"/>
+          </p:cNvCxnSpPr>
+          <p:nvPr/>
+        </p:nvCxnSpPr>
+        <p:spPr>
+          <a:xfrm rot="16200000" flipH="1">
+            <a:off x="22623517" y="15910770"/>
+            <a:ext cx="565028" cy="1208735"/>
+          </a:xfrm>
+          <a:prstGeom prst="bentConnector3">
+            <a:avLst>
+              <a:gd name="adj1" fmla="val 50000"/>
+            </a:avLst>
+          </a:prstGeom>
+          <a:ln w="28575">
+            <a:tailEnd type="arrow"/>
+          </a:ln>
+        </p:spPr>
+        <p:style>
+          <a:lnRef idx="1">
+            <a:schemeClr val="accent1"/>
+          </a:lnRef>
+          <a:fillRef idx="0">
+            <a:schemeClr val="accent1"/>
+          </a:fillRef>
+          <a:effectRef idx="0">
+            <a:schemeClr val="accent1"/>
+          </a:effectRef>
+          <a:fontRef idx="minor">
+            <a:schemeClr val="tx1"/>
+          </a:fontRef>
+        </p:style>
+      </p:cxnSp>
+      <p:sp>
+        <p:nvSpPr>
+          <p:cNvPr id="481" name="Прямоугольник 480"/>
+          <p:cNvSpPr/>
+          <p:nvPr/>
+        </p:nvSpPr>
+        <p:spPr>
+          <a:xfrm>
+            <a:off x="17651611" y="19882043"/>
+            <a:ext cx="2115918" cy="1080000"/>
+          </a:xfrm>
+          <a:prstGeom prst="rect">
+            <a:avLst/>
+          </a:prstGeom>
+          <a:solidFill>
+            <a:srgbClr val="FFC000"/>
+          </a:solidFill>
+          <a:ln w="28575"/>
+        </p:spPr>
+        <p:style>
+          <a:lnRef idx="2">
+            <a:schemeClr val="accent1"/>
+          </a:lnRef>
+          <a:fillRef idx="1">
+            <a:schemeClr val="lt1"/>
+          </a:fillRef>
+          <a:effectRef idx="0">
+            <a:schemeClr val="accent1"/>
+          </a:effectRef>
+          <a:fontRef idx="minor">
+            <a:schemeClr val="dk1"/>
+          </a:fontRef>
+        </p:style>
+        <p:txBody>
+          <a:bodyPr lIns="124733" tIns="62367" rIns="124733" bIns="62367" rtlCol="0" anchor="ctr"/>
+          <a:lstStyle/>
+          <a:p>
+            <a:pPr algn="ctr"/>
+            <a:r>
+              <a:rPr lang="ru-RU" sz="1400" dirty="0" smtClean="0"/>
+              <a:t>Спасти рабочих Родезии</a:t>
+            </a:r>
+            <a:endParaRPr lang="ru-RU" sz="500" dirty="0"/>
+          </a:p>
+        </p:txBody>
+      </p:sp>
+      <p:sp>
+        <p:nvSpPr>
+          <p:cNvPr id="482" name="Прямоугольник 481"/>
+          <p:cNvSpPr/>
+          <p:nvPr/>
+        </p:nvSpPr>
+        <p:spPr>
+          <a:xfrm>
+            <a:off x="15293119" y="19882043"/>
+            <a:ext cx="2115918" cy="1080000"/>
+          </a:xfrm>
+          <a:prstGeom prst="rect">
+            <a:avLst/>
+          </a:prstGeom>
+          <a:solidFill>
+            <a:srgbClr val="FFC000"/>
+          </a:solidFill>
+          <a:ln w="28575"/>
+        </p:spPr>
+        <p:style>
+          <a:lnRef idx="2">
+            <a:schemeClr val="accent1"/>
+          </a:lnRef>
+          <a:fillRef idx="1">
+            <a:schemeClr val="lt1"/>
+          </a:fillRef>
+          <a:effectRef idx="0">
+            <a:schemeClr val="accent1"/>
+          </a:effectRef>
+          <a:fontRef idx="minor">
+            <a:schemeClr val="dk1"/>
+          </a:fontRef>
+        </p:style>
+        <p:txBody>
+          <a:bodyPr lIns="124733" tIns="62367" rIns="124733" bIns="62367" rtlCol="0" anchor="ctr"/>
+          <a:lstStyle/>
+          <a:p>
+            <a:pPr algn="ctr"/>
+            <a:r>
+              <a:rPr lang="ru-RU" sz="1400" dirty="0" smtClean="0"/>
+              <a:t>Спасти рабочих в Мозамбике</a:t>
+            </a:r>
+            <a:endParaRPr lang="ru-RU" sz="500" dirty="0"/>
+          </a:p>
+        </p:txBody>
+      </p:sp>
+      <p:sp>
+        <p:nvSpPr>
+          <p:cNvPr id="483" name="Прямоугольник 482"/>
+          <p:cNvSpPr/>
+          <p:nvPr/>
+        </p:nvSpPr>
+        <p:spPr>
+          <a:xfrm>
+            <a:off x="20029470" y="18335124"/>
+            <a:ext cx="2115918" cy="1080000"/>
+          </a:xfrm>
+          <a:prstGeom prst="rect">
+            <a:avLst/>
+          </a:prstGeom>
+          <a:gradFill>
+            <a:gsLst>
+              <a:gs pos="0">
+                <a:srgbClr val="FFC000"/>
+              </a:gs>
+              <a:gs pos="100000">
+                <a:srgbClr val="FF0000"/>
+              </a:gs>
+            </a:gsLst>
+            <a:lin ang="5400000" scaled="1"/>
+          </a:gradFill>
+          <a:ln w="28575"/>
+        </p:spPr>
+        <p:style>
+          <a:lnRef idx="2">
+            <a:schemeClr val="accent1"/>
+          </a:lnRef>
+          <a:fillRef idx="1">
+            <a:schemeClr val="lt1"/>
+          </a:fillRef>
+          <a:effectRef idx="0">
+            <a:schemeClr val="accent1"/>
+          </a:effectRef>
+          <a:fontRef idx="minor">
+            <a:schemeClr val="dk1"/>
+          </a:fontRef>
+        </p:style>
+        <p:txBody>
+          <a:bodyPr lIns="124733" tIns="62367" rIns="124733" bIns="62367" rtlCol="0" anchor="ctr"/>
+          <a:lstStyle/>
+          <a:p>
+            <a:pPr algn="ctr"/>
+            <a:r>
+              <a:rPr lang="ru-RU" sz="1400" dirty="0" smtClean="0"/>
+              <a:t>Призыв </a:t>
+            </a:r>
+            <a:r>
+              <a:rPr lang="ru-RU" sz="1400" dirty="0"/>
+              <a:t>п</a:t>
+            </a:r>
+            <a:r>
+              <a:rPr lang="ru-RU" sz="1400" dirty="0" smtClean="0"/>
+              <a:t>леменных ополченцев (чем больше лояльных вождей, тем больше </a:t>
+            </a:r>
+            <a:r>
+              <a:rPr lang="ru-RU" sz="1400" dirty="0" err="1" smtClean="0"/>
+              <a:t>дивок</a:t>
+            </a:r>
+            <a:r>
+              <a:rPr lang="ru-RU" sz="1400" dirty="0" smtClean="0"/>
+              <a:t>)</a:t>
+            </a:r>
+            <a:endParaRPr lang="ru-RU" sz="500" dirty="0"/>
+          </a:p>
+        </p:txBody>
+      </p:sp>
+      <p:sp>
+        <p:nvSpPr>
+          <p:cNvPr id="484" name="Прямоугольник 483"/>
+          <p:cNvSpPr/>
+          <p:nvPr/>
+        </p:nvSpPr>
+        <p:spPr>
+          <a:xfrm>
+            <a:off x="22456683" y="18335124"/>
+            <a:ext cx="2115918" cy="1080000"/>
+          </a:xfrm>
+          <a:prstGeom prst="rect">
+            <a:avLst/>
+          </a:prstGeom>
+          <a:gradFill>
+            <a:gsLst>
+              <a:gs pos="0">
+                <a:srgbClr val="FFC000"/>
+              </a:gs>
+              <a:gs pos="100000">
+                <a:srgbClr val="FF0000"/>
+              </a:gs>
+            </a:gsLst>
+            <a:lin ang="5400000" scaled="1"/>
+          </a:gradFill>
+          <a:ln w="28575"/>
+        </p:spPr>
+        <p:style>
+          <a:lnRef idx="2">
+            <a:schemeClr val="accent1"/>
+          </a:lnRef>
+          <a:fillRef idx="1">
+            <a:schemeClr val="lt1"/>
+          </a:fillRef>
+          <a:effectRef idx="0">
+            <a:schemeClr val="accent1"/>
+          </a:effectRef>
+          <a:fontRef idx="minor">
+            <a:schemeClr val="dk1"/>
+          </a:fontRef>
+        </p:style>
+        <p:txBody>
+          <a:bodyPr lIns="124733" tIns="62367" rIns="124733" bIns="62367" rtlCol="0" anchor="ctr"/>
+          <a:lstStyle/>
+          <a:p>
+            <a:pPr algn="ctr"/>
+            <a:r>
+              <a:rPr lang="ru-RU" sz="1400" dirty="0" smtClean="0"/>
+              <a:t>Культивация личности вождя партии</a:t>
+            </a:r>
+            <a:endParaRPr lang="ru-RU" sz="500" dirty="0"/>
+          </a:p>
+        </p:txBody>
+      </p:sp>
+      <p:cxnSp>
+        <p:nvCxnSpPr>
+          <p:cNvPr id="485" name="Прямая со стрелкой 484"/>
+          <p:cNvCxnSpPr>
+            <a:stCxn id="477" idx="2"/>
+            <a:endCxn id="483" idx="0"/>
+          </p:cNvCxnSpPr>
+          <p:nvPr/>
+        </p:nvCxnSpPr>
+        <p:spPr>
+          <a:xfrm flipH="1">
+            <a:off x="21087429" y="17879418"/>
+            <a:ext cx="1021" cy="455706"/>
+          </a:xfrm>
+          <a:prstGeom prst="straightConnector1">
+            <a:avLst/>
+          </a:prstGeom>
+          <a:ln w="28575">
+            <a:tailEnd type="arrow"/>
+          </a:ln>
+        </p:spPr>
+        <p:style>
+          <a:lnRef idx="1">
+            <a:schemeClr val="accent1"/>
+          </a:lnRef>
+          <a:fillRef idx="0">
+            <a:schemeClr val="accent1"/>
+          </a:fillRef>
+          <a:effectRef idx="0">
+            <a:schemeClr val="accent1"/>
+          </a:effectRef>
+          <a:fontRef idx="minor">
+            <a:schemeClr val="tx1"/>
+          </a:fontRef>
+        </p:style>
+      </p:cxnSp>
+      <p:cxnSp>
+        <p:nvCxnSpPr>
+          <p:cNvPr id="486" name="Прямая со стрелкой 485"/>
+          <p:cNvCxnSpPr>
+            <a:stCxn id="466" idx="2"/>
+            <a:endCxn id="484" idx="0"/>
+          </p:cNvCxnSpPr>
+          <p:nvPr/>
+        </p:nvCxnSpPr>
+        <p:spPr>
+          <a:xfrm>
+            <a:off x="23510399" y="17877652"/>
+            <a:ext cx="4243" cy="457472"/>
+          </a:xfrm>
+          <a:prstGeom prst="straightConnector1">
+            <a:avLst/>
+          </a:prstGeom>
+          <a:ln w="28575">
+            <a:tailEnd type="arrow"/>
+          </a:ln>
+        </p:spPr>
+        <p:style>
+          <a:lnRef idx="1">
+            <a:schemeClr val="accent1"/>
+          </a:lnRef>
+          <a:fillRef idx="0">
+            <a:schemeClr val="accent1"/>
+          </a:fillRef>
+          <a:effectRef idx="0">
+            <a:schemeClr val="accent1"/>
+          </a:effectRef>
+          <a:fontRef idx="minor">
+            <a:schemeClr val="tx1"/>
+          </a:fontRef>
+        </p:style>
+      </p:cxnSp>
+      <p:cxnSp>
+        <p:nvCxnSpPr>
+          <p:cNvPr id="487" name="Прямая со стрелкой 486"/>
+          <p:cNvCxnSpPr>
+            <a:stCxn id="463" idx="2"/>
+            <a:endCxn id="481" idx="0"/>
+          </p:cNvCxnSpPr>
+          <p:nvPr/>
+        </p:nvCxnSpPr>
+        <p:spPr>
+          <a:xfrm>
+            <a:off x="18709570" y="19415124"/>
+            <a:ext cx="0" cy="466919"/>
+          </a:xfrm>
+          <a:prstGeom prst="straightConnector1">
+            <a:avLst/>
+          </a:prstGeom>
+          <a:ln w="28575">
+            <a:tailEnd type="arrow"/>
+          </a:ln>
+        </p:spPr>
+        <p:style>
+          <a:lnRef idx="1">
+            <a:schemeClr val="accent1"/>
+          </a:lnRef>
+          <a:fillRef idx="0">
+            <a:schemeClr val="accent1"/>
+          </a:fillRef>
+          <a:effectRef idx="0">
+            <a:schemeClr val="accent1"/>
+          </a:effectRef>
+          <a:fontRef idx="minor">
+            <a:schemeClr val="tx1"/>
+          </a:fontRef>
+        </p:style>
+      </p:cxnSp>
+      <p:cxnSp>
+        <p:nvCxnSpPr>
+          <p:cNvPr id="488" name="Прямая со стрелкой 487"/>
+          <p:cNvCxnSpPr>
+            <a:stCxn id="469" idx="2"/>
+            <a:endCxn id="482" idx="0"/>
+          </p:cNvCxnSpPr>
+          <p:nvPr/>
+        </p:nvCxnSpPr>
+        <p:spPr>
+          <a:xfrm flipH="1">
+            <a:off x="16351078" y="19415124"/>
+            <a:ext cx="6105" cy="466919"/>
+          </a:xfrm>
+          <a:prstGeom prst="straightConnector1">
+            <a:avLst/>
+          </a:prstGeom>
+          <a:ln w="28575">
+            <a:tailEnd type="arrow"/>
+          </a:ln>
+        </p:spPr>
+        <p:style>
+          <a:lnRef idx="1">
+            <a:schemeClr val="accent1"/>
+          </a:lnRef>
+          <a:fillRef idx="0">
+            <a:schemeClr val="accent1"/>
+          </a:fillRef>
+          <a:effectRef idx="0">
+            <a:schemeClr val="accent1"/>
+          </a:effectRef>
+          <a:fontRef idx="minor">
+            <a:schemeClr val="tx1"/>
+          </a:fontRef>
+        </p:style>
+      </p:cxnSp>
+      <p:cxnSp>
+        <p:nvCxnSpPr>
+          <p:cNvPr id="489" name="Прямая со стрелкой 488"/>
+          <p:cNvCxnSpPr>
+            <a:stCxn id="465" idx="2"/>
+            <a:endCxn id="476" idx="0"/>
+          </p:cNvCxnSpPr>
+          <p:nvPr/>
+        </p:nvCxnSpPr>
+        <p:spPr>
+          <a:xfrm>
+            <a:off x="15184630" y="16217536"/>
+            <a:ext cx="4484" cy="580116"/>
+          </a:xfrm>
+          <a:prstGeom prst="straightConnector1">
+            <a:avLst/>
+          </a:prstGeom>
+          <a:ln w="28575">
+            <a:tailEnd type="arrow"/>
+          </a:ln>
+        </p:spPr>
+        <p:style>
+          <a:lnRef idx="1">
+            <a:schemeClr val="accent1"/>
+          </a:lnRef>
+          <a:fillRef idx="0">
+            <a:schemeClr val="accent1"/>
+          </a:fillRef>
+          <a:effectRef idx="0">
+            <a:schemeClr val="accent1"/>
+          </a:effectRef>
+          <a:fontRef idx="minor">
+            <a:schemeClr val="tx1"/>
+          </a:fontRef>
+        </p:style>
+      </p:cxnSp>
+      <p:cxnSp>
+        <p:nvCxnSpPr>
+          <p:cNvPr id="490" name="Соединительная линия уступом 489"/>
+          <p:cNvCxnSpPr>
+            <a:stCxn id="252" idx="2"/>
+            <a:endCxn id="461" idx="0"/>
+          </p:cNvCxnSpPr>
+          <p:nvPr/>
+        </p:nvCxnSpPr>
+        <p:spPr>
+          <a:xfrm rot="5400000">
+            <a:off x="25106858" y="14373239"/>
+            <a:ext cx="393861" cy="1152338"/>
+          </a:xfrm>
+          <a:prstGeom prst="bentConnector3">
+            <a:avLst>
+              <a:gd name="adj1" fmla="val 50000"/>
+            </a:avLst>
+          </a:prstGeom>
+          <a:ln w="28575">
+            <a:tailEnd type="arrow"/>
+          </a:ln>
+        </p:spPr>
+        <p:style>
+          <a:lnRef idx="1">
+            <a:schemeClr val="accent1"/>
+          </a:lnRef>
+          <a:fillRef idx="0">
+            <a:schemeClr val="accent1"/>
+          </a:fillRef>
+          <a:effectRef idx="0">
+            <a:schemeClr val="accent1"/>
+          </a:effectRef>
+          <a:fontRef idx="minor">
+            <a:schemeClr val="tx1"/>
+          </a:fontRef>
+        </p:style>
+      </p:cxnSp>
+      <p:sp>
+        <p:nvSpPr>
+          <p:cNvPr id="491" name="Прямоугольник 490"/>
+          <p:cNvSpPr/>
+          <p:nvPr/>
+        </p:nvSpPr>
+        <p:spPr>
+          <a:xfrm>
+            <a:off x="24815897" y="16797652"/>
+            <a:ext cx="2115918" cy="1080000"/>
+          </a:xfrm>
+          <a:prstGeom prst="rect">
+            <a:avLst/>
+          </a:prstGeom>
+          <a:solidFill>
+            <a:srgbClr val="FF0000"/>
+          </a:solidFill>
+          <a:ln w="28575"/>
+        </p:spPr>
+        <p:style>
+          <a:lnRef idx="2">
+            <a:schemeClr val="accent1"/>
+          </a:lnRef>
+          <a:fillRef idx="1">
+            <a:schemeClr val="lt1"/>
+          </a:fillRef>
+          <a:effectRef idx="0">
+            <a:schemeClr val="accent1"/>
+          </a:effectRef>
+          <a:fontRef idx="minor">
+            <a:schemeClr val="dk1"/>
+          </a:fontRef>
+        </p:style>
+        <p:txBody>
+          <a:bodyPr lIns="124733" tIns="62367" rIns="124733" bIns="62367" rtlCol="0" anchor="ctr"/>
+          <a:lstStyle/>
+          <a:p>
+            <a:pPr algn="ctr"/>
+            <a:r>
+              <a:rPr lang="ru-RU" sz="1400" dirty="0" smtClean="0"/>
+              <a:t>Вступить в </a:t>
+            </a:r>
+            <a:r>
+              <a:rPr lang="ru-RU" sz="1400" dirty="0" err="1" smtClean="0"/>
+              <a:t>коминтерн</a:t>
+            </a:r>
+            <a:endParaRPr lang="ru-RU" sz="500" dirty="0"/>
+          </a:p>
+        </p:txBody>
+      </p:sp>
+      <p:sp>
+        <p:nvSpPr>
+          <p:cNvPr id="492" name="Прямоугольник 491"/>
+          <p:cNvSpPr/>
+          <p:nvPr/>
+        </p:nvSpPr>
+        <p:spPr>
+          <a:xfrm>
+            <a:off x="27145040" y="16797652"/>
+            <a:ext cx="2115918" cy="1080000"/>
+          </a:xfrm>
+          <a:prstGeom prst="rect">
+            <a:avLst/>
+          </a:prstGeom>
+          <a:solidFill>
+            <a:srgbClr val="FF0000"/>
+          </a:solidFill>
+          <a:ln w="28575"/>
+        </p:spPr>
+        <p:style>
+          <a:lnRef idx="2">
+            <a:schemeClr val="accent1"/>
+          </a:lnRef>
+          <a:fillRef idx="1">
+            <a:schemeClr val="lt1"/>
+          </a:fillRef>
+          <a:effectRef idx="0">
+            <a:schemeClr val="accent1"/>
+          </a:effectRef>
+          <a:fontRef idx="minor">
+            <a:schemeClr val="dk1"/>
+          </a:fontRef>
+        </p:style>
+        <p:txBody>
+          <a:bodyPr lIns="124733" tIns="62367" rIns="124733" bIns="62367" rtlCol="0" anchor="ctr"/>
+          <a:lstStyle/>
+          <a:p>
+            <a:pPr algn="ctr"/>
+            <a:r>
+              <a:rPr lang="ru-RU" sz="1400" dirty="0" smtClean="0"/>
+              <a:t>Отказаться от политики Москвы</a:t>
+            </a:r>
+            <a:endParaRPr lang="ru-RU" sz="500" dirty="0"/>
+          </a:p>
+        </p:txBody>
+      </p:sp>
+      <p:cxnSp>
+        <p:nvCxnSpPr>
+          <p:cNvPr id="493" name="Прямая соединительная линия 492"/>
+          <p:cNvCxnSpPr>
+            <a:stCxn id="492" idx="1"/>
+            <a:endCxn id="491" idx="3"/>
+          </p:cNvCxnSpPr>
+          <p:nvPr/>
+        </p:nvCxnSpPr>
+        <p:spPr>
+          <a:xfrm flipH="1">
+            <a:off x="26931815" y="17337652"/>
+            <a:ext cx="213225" cy="0"/>
+          </a:xfrm>
+          <a:prstGeom prst="line">
+            <a:avLst/>
+          </a:prstGeom>
+          <a:ln w="28575">
+            <a:solidFill>
+              <a:srgbClr val="FF0000"/>
+            </a:solidFill>
+          </a:ln>
+        </p:spPr>
+        <p:style>
+          <a:lnRef idx="1">
+            <a:schemeClr val="accent1"/>
+          </a:lnRef>
+          <a:fillRef idx="0">
+            <a:schemeClr val="accent1"/>
+          </a:fillRef>
+          <a:effectRef idx="0">
+            <a:schemeClr val="accent1"/>
+          </a:effectRef>
+          <a:fontRef idx="minor">
+            <a:schemeClr val="tx1"/>
+          </a:fontRef>
+        </p:style>
+      </p:cxnSp>
+      <p:sp>
+        <p:nvSpPr>
+          <p:cNvPr id="494" name="Прямоугольник 493"/>
+          <p:cNvSpPr/>
+          <p:nvPr/>
+        </p:nvSpPr>
+        <p:spPr>
+          <a:xfrm>
+            <a:off x="25987773" y="15146339"/>
+            <a:ext cx="2115918" cy="1080000"/>
+          </a:xfrm>
+          <a:prstGeom prst="rect">
+            <a:avLst/>
+          </a:prstGeom>
+          <a:solidFill>
+            <a:srgbClr val="FF0000"/>
+          </a:solidFill>
+          <a:ln w="28575"/>
+        </p:spPr>
+        <p:style>
+          <a:lnRef idx="2">
+            <a:schemeClr val="accent1"/>
+          </a:lnRef>
+          <a:fillRef idx="1">
+            <a:schemeClr val="lt1"/>
+          </a:fillRef>
+          <a:effectRef idx="0">
+            <a:schemeClr val="accent1"/>
+          </a:effectRef>
+          <a:fontRef idx="minor">
+            <a:schemeClr val="dk1"/>
+          </a:fontRef>
+        </p:style>
+        <p:txBody>
+          <a:bodyPr lIns="124733" tIns="62367" rIns="124733" bIns="62367" rtlCol="0" anchor="ctr"/>
+          <a:lstStyle/>
+          <a:p>
+            <a:pPr algn="ctr"/>
+            <a:r>
+              <a:rPr lang="ru-RU" sz="1400" dirty="0" smtClean="0"/>
+              <a:t>А</a:t>
+            </a:r>
+            <a:endParaRPr lang="ru-RU" sz="500" dirty="0"/>
+          </a:p>
+        </p:txBody>
+      </p:sp>
+      <p:sp>
+        <p:nvSpPr>
+          <p:cNvPr id="495" name="Прямоугольник 494"/>
+          <p:cNvSpPr/>
+          <p:nvPr/>
+        </p:nvSpPr>
+        <p:spPr>
+          <a:xfrm>
+            <a:off x="24828132" y="18335124"/>
+            <a:ext cx="2115918" cy="1080000"/>
+          </a:xfrm>
+          <a:prstGeom prst="rect">
+            <a:avLst/>
+          </a:prstGeom>
+          <a:solidFill>
+            <a:srgbClr val="FF0000"/>
+          </a:solidFill>
+          <a:ln w="28575"/>
+        </p:spPr>
+        <p:style>
+          <a:lnRef idx="2">
+            <a:schemeClr val="accent1"/>
+          </a:lnRef>
+          <a:fillRef idx="1">
+            <a:schemeClr val="lt1"/>
+          </a:fillRef>
+          <a:effectRef idx="0">
+            <a:schemeClr val="accent1"/>
+          </a:effectRef>
+          <a:fontRef idx="minor">
+            <a:schemeClr val="dk1"/>
+          </a:fontRef>
+        </p:style>
+        <p:txBody>
+          <a:bodyPr lIns="124733" tIns="62367" rIns="124733" bIns="62367" rtlCol="0" anchor="ctr"/>
+          <a:lstStyle/>
+          <a:p>
+            <a:pPr algn="ctr"/>
+            <a:r>
+              <a:rPr lang="ru-RU" sz="1400" dirty="0" smtClean="0"/>
+              <a:t>А</a:t>
+            </a:r>
+            <a:endParaRPr lang="ru-RU" sz="500" dirty="0"/>
+          </a:p>
+        </p:txBody>
+      </p:sp>
+      <p:sp>
+        <p:nvSpPr>
+          <p:cNvPr id="496" name="Прямоугольник 495"/>
+          <p:cNvSpPr/>
+          <p:nvPr/>
+        </p:nvSpPr>
+        <p:spPr>
+          <a:xfrm>
+            <a:off x="24823459" y="19885742"/>
+            <a:ext cx="2115918" cy="1080000"/>
+          </a:xfrm>
+          <a:prstGeom prst="rect">
+            <a:avLst/>
+          </a:prstGeom>
+          <a:solidFill>
+            <a:srgbClr val="FF0000"/>
+          </a:solidFill>
+          <a:ln w="28575"/>
+        </p:spPr>
+        <p:style>
+          <a:lnRef idx="2">
+            <a:schemeClr val="accent1"/>
+          </a:lnRef>
+          <a:fillRef idx="1">
+            <a:schemeClr val="lt1"/>
+          </a:fillRef>
+          <a:effectRef idx="0">
+            <a:schemeClr val="accent1"/>
+          </a:effectRef>
+          <a:fontRef idx="minor">
+            <a:schemeClr val="dk1"/>
+          </a:fontRef>
+        </p:style>
+        <p:txBody>
+          <a:bodyPr lIns="124733" tIns="62367" rIns="124733" bIns="62367" rtlCol="0" anchor="ctr"/>
+          <a:lstStyle/>
+          <a:p>
+            <a:pPr algn="ctr"/>
+            <a:r>
+              <a:rPr lang="ru-RU" sz="1400" dirty="0" smtClean="0"/>
+              <a:t>А</a:t>
             </a:r>
             <a:endParaRPr lang="ru-RU" sz="500" dirty="0"/>
           </a:p>

--- a/Наработки/диздоки/Бельгийское Конго/Бельгийское Конго.pptx
+++ b/Наработки/диздоки/Бельгийское Конго/Бельгийское Конго.pptx
@@ -14076,11 +14076,11 @@
             </a:r>
             <a:r>
               <a:rPr lang="ru-RU" sz="1400" dirty="0"/>
-              <a:t>командованием (наше переделать </a:t>
+              <a:t>командованием (</a:t>
             </a:r>
             <a:r>
               <a:rPr lang="ru-RU" sz="1400" dirty="0" smtClean="0"/>
-              <a:t>эффект)</a:t>
+              <a:t>наше)</a:t>
             </a:r>
             <a:endParaRPr lang="ru-RU" sz="1400" dirty="0"/>
           </a:p>
@@ -14179,11 +14179,11 @@
             </a:r>
             <a:r>
               <a:rPr lang="ru-RU" sz="1400" dirty="0"/>
-              <a:t>жизни (наше переделать </a:t>
+              <a:t>жизни (наше</a:t>
             </a:r>
             <a:r>
               <a:rPr lang="ru-RU" sz="1400" dirty="0" smtClean="0"/>
-              <a:t>эффект)</a:t>
+              <a:t>)</a:t>
             </a:r>
             <a:endParaRPr lang="ru-RU" sz="1400" dirty="0"/>
           </a:p>

--- a/Наработки/диздоки/Бельгийское Конго/Бельгийское Конго.pptx
+++ b/Наработки/диздоки/Бельгийское Конго/Бельгийское Конго.pptx
@@ -209,7 +209,7 @@
             <a:fld id="{33E3D7F9-E251-484C-A6FF-FA958879DF69}" type="datetimeFigureOut">
               <a:rPr lang="ru-RU" smtClean="0"/>
               <a:pPr/>
-              <a:t>18.01.2022</a:t>
+              <a:t>27.01.2022</a:t>
             </a:fld>
             <a:endParaRPr lang="ru-RU"/>
           </a:p>
@@ -700,7 +700,7 @@
             <a:fld id="{85A5DE44-605B-4D3B-B2B7-94543DF81A36}" type="datetimeFigureOut">
               <a:rPr lang="ru-RU" smtClean="0"/>
               <a:pPr/>
-              <a:t>18.01.2022</a:t>
+              <a:t>27.01.2022</a:t>
             </a:fld>
             <a:endParaRPr lang="ru-RU"/>
           </a:p>
@@ -872,7 +872,7 @@
             <a:fld id="{85A5DE44-605B-4D3B-B2B7-94543DF81A36}" type="datetimeFigureOut">
               <a:rPr lang="ru-RU" smtClean="0"/>
               <a:pPr/>
-              <a:t>18.01.2022</a:t>
+              <a:t>27.01.2022</a:t>
             </a:fld>
             <a:endParaRPr lang="ru-RU"/>
           </a:p>
@@ -1054,7 +1054,7 @@
             <a:fld id="{85A5DE44-605B-4D3B-B2B7-94543DF81A36}" type="datetimeFigureOut">
               <a:rPr lang="ru-RU" smtClean="0"/>
               <a:pPr/>
-              <a:t>18.01.2022</a:t>
+              <a:t>27.01.2022</a:t>
             </a:fld>
             <a:endParaRPr lang="ru-RU"/>
           </a:p>
@@ -1226,7 +1226,7 @@
             <a:fld id="{85A5DE44-605B-4D3B-B2B7-94543DF81A36}" type="datetimeFigureOut">
               <a:rPr lang="ru-RU" smtClean="0"/>
               <a:pPr/>
-              <a:t>18.01.2022</a:t>
+              <a:t>27.01.2022</a:t>
             </a:fld>
             <a:endParaRPr lang="ru-RU"/>
           </a:p>
@@ -1474,7 +1474,7 @@
             <a:fld id="{85A5DE44-605B-4D3B-B2B7-94543DF81A36}" type="datetimeFigureOut">
               <a:rPr lang="ru-RU" smtClean="0"/>
               <a:pPr/>
-              <a:t>18.01.2022</a:t>
+              <a:t>27.01.2022</a:t>
             </a:fld>
             <a:endParaRPr lang="ru-RU"/>
           </a:p>
@@ -1708,7 +1708,7 @@
             <a:fld id="{85A5DE44-605B-4D3B-B2B7-94543DF81A36}" type="datetimeFigureOut">
               <a:rPr lang="ru-RU" smtClean="0"/>
               <a:pPr/>
-              <a:t>18.01.2022</a:t>
+              <a:t>27.01.2022</a:t>
             </a:fld>
             <a:endParaRPr lang="ru-RU"/>
           </a:p>
@@ -2077,7 +2077,7 @@
             <a:fld id="{85A5DE44-605B-4D3B-B2B7-94543DF81A36}" type="datetimeFigureOut">
               <a:rPr lang="ru-RU" smtClean="0"/>
               <a:pPr/>
-              <a:t>18.01.2022</a:t>
+              <a:t>27.01.2022</a:t>
             </a:fld>
             <a:endParaRPr lang="ru-RU"/>
           </a:p>
@@ -2197,7 +2197,7 @@
             <a:fld id="{85A5DE44-605B-4D3B-B2B7-94543DF81A36}" type="datetimeFigureOut">
               <a:rPr lang="ru-RU" smtClean="0"/>
               <a:pPr/>
-              <a:t>18.01.2022</a:t>
+              <a:t>27.01.2022</a:t>
             </a:fld>
             <a:endParaRPr lang="ru-RU"/>
           </a:p>
@@ -2294,7 +2294,7 @@
             <a:fld id="{85A5DE44-605B-4D3B-B2B7-94543DF81A36}" type="datetimeFigureOut">
               <a:rPr lang="ru-RU" smtClean="0"/>
               <a:pPr/>
-              <a:t>18.01.2022</a:t>
+              <a:t>27.01.2022</a:t>
             </a:fld>
             <a:endParaRPr lang="ru-RU"/>
           </a:p>
@@ -2573,7 +2573,7 @@
             <a:fld id="{85A5DE44-605B-4D3B-B2B7-94543DF81A36}" type="datetimeFigureOut">
               <a:rPr lang="ru-RU" smtClean="0"/>
               <a:pPr/>
-              <a:t>18.01.2022</a:t>
+              <a:t>27.01.2022</a:t>
             </a:fld>
             <a:endParaRPr lang="ru-RU"/>
           </a:p>
@@ -2832,7 +2832,7 @@
             <a:fld id="{85A5DE44-605B-4D3B-B2B7-94543DF81A36}" type="datetimeFigureOut">
               <a:rPr lang="ru-RU" smtClean="0"/>
               <a:pPr/>
-              <a:t>18.01.2022</a:t>
+              <a:t>27.01.2022</a:t>
             </a:fld>
             <a:endParaRPr lang="ru-RU"/>
           </a:p>
@@ -3047,7 +3047,7 @@
             <a:fld id="{85A5DE44-605B-4D3B-B2B7-94543DF81A36}" type="datetimeFigureOut">
               <a:rPr lang="ru-RU" smtClean="0"/>
               <a:pPr/>
-              <a:t>18.01.2022</a:t>
+              <a:t>27.01.2022</a:t>
             </a:fld>
             <a:endParaRPr lang="ru-RU"/>
           </a:p>
@@ -18757,12 +18757,8 @@
               <a:t>Создание советской конголезской </a:t>
             </a:r>
             <a:r>
-              <a:rPr lang="ru-RU" sz="1400" dirty="0"/>
-              <a:t>республики </a:t>
-            </a:r>
-            <a:r>
-              <a:rPr lang="ru-RU" sz="800" dirty="0"/>
-              <a:t>(создание Советской Южно-Африканской Республики с правом всех рас на самоопределение и гарантиями прав меньшинств.)</a:t>
+              <a:rPr lang="ru-RU" sz="1400" dirty="0" smtClean="0"/>
+              <a:t>республики</a:t>
             </a:r>
             <a:endParaRPr lang="ru-RU" sz="100" dirty="0"/>
           </a:p>
@@ -19152,7 +19148,11 @@
             <a:pPr algn="ctr"/>
             <a:r>
               <a:rPr lang="ru-RU" sz="1400" dirty="0" smtClean="0"/>
-              <a:t>Отбросить этническую борьбу (убирает вождей)</a:t>
+              <a:t>Отбросить этническую </a:t>
+            </a:r>
+            <a:r>
+              <a:rPr lang="ru-RU" sz="1400" dirty="0" smtClean="0"/>
+              <a:t>борьбу</a:t>
             </a:r>
             <a:endParaRPr lang="ru-RU" sz="500" dirty="0"/>
           </a:p>
@@ -20320,7 +20320,7 @@
         </p:nvSpPr>
         <p:spPr>
           <a:xfrm>
-            <a:off x="24828132" y="18335124"/>
+            <a:off x="25980469" y="18271513"/>
             <a:ext cx="2115918" cy="1080000"/>
           </a:xfrm>
           <a:prstGeom prst="rect">
@@ -20367,6 +20367,52 @@
         <p:spPr>
           <a:xfrm>
             <a:off x="24823459" y="19885742"/>
+            <a:ext cx="2115918" cy="1080000"/>
+          </a:xfrm>
+          <a:prstGeom prst="rect">
+            <a:avLst/>
+          </a:prstGeom>
+          <a:solidFill>
+            <a:srgbClr val="FF0000"/>
+          </a:solidFill>
+          <a:ln w="28575"/>
+        </p:spPr>
+        <p:style>
+          <a:lnRef idx="2">
+            <a:schemeClr val="accent1"/>
+          </a:lnRef>
+          <a:fillRef idx="1">
+            <a:schemeClr val="lt1"/>
+          </a:fillRef>
+          <a:effectRef idx="0">
+            <a:schemeClr val="accent1"/>
+          </a:effectRef>
+          <a:fontRef idx="minor">
+            <a:schemeClr val="dk1"/>
+          </a:fontRef>
+        </p:style>
+        <p:txBody>
+          <a:bodyPr lIns="124733" tIns="62367" rIns="124733" bIns="62367" rtlCol="0" anchor="ctr"/>
+          <a:lstStyle/>
+          <a:p>
+            <a:pPr algn="ctr"/>
+            <a:r>
+              <a:rPr lang="ru-RU" sz="1400" dirty="0" smtClean="0"/>
+              <a:t>А</a:t>
+            </a:r>
+            <a:endParaRPr lang="ru-RU" sz="500" dirty="0"/>
+          </a:p>
+        </p:txBody>
+      </p:sp>
+      <p:sp>
+        <p:nvSpPr>
+          <p:cNvPr id="467" name="Прямоугольник 466"/>
+          <p:cNvSpPr/>
+          <p:nvPr/>
+        </p:nvSpPr>
+        <p:spPr>
+          <a:xfrm>
+            <a:off x="27130981" y="19885742"/>
             <a:ext cx="2115918" cy="1080000"/>
           </a:xfrm>
           <a:prstGeom prst="rect">

--- a/Наработки/диздоки/Бельгийское Конго/Бельгийское Конго.pptx
+++ b/Наработки/диздоки/Бельгийское Конго/Бельгийское Конго.pptx
@@ -209,7 +209,7 @@
             <a:fld id="{33E3D7F9-E251-484C-A6FF-FA958879DF69}" type="datetimeFigureOut">
               <a:rPr lang="ru-RU" smtClean="0"/>
               <a:pPr/>
-              <a:t>27.01.2022</a:t>
+              <a:t>30.01.2022</a:t>
             </a:fld>
             <a:endParaRPr lang="ru-RU"/>
           </a:p>
@@ -700,7 +700,7 @@
             <a:fld id="{85A5DE44-605B-4D3B-B2B7-94543DF81A36}" type="datetimeFigureOut">
               <a:rPr lang="ru-RU" smtClean="0"/>
               <a:pPr/>
-              <a:t>27.01.2022</a:t>
+              <a:t>30.01.2022</a:t>
             </a:fld>
             <a:endParaRPr lang="ru-RU"/>
           </a:p>
@@ -872,7 +872,7 @@
             <a:fld id="{85A5DE44-605B-4D3B-B2B7-94543DF81A36}" type="datetimeFigureOut">
               <a:rPr lang="ru-RU" smtClean="0"/>
               <a:pPr/>
-              <a:t>27.01.2022</a:t>
+              <a:t>30.01.2022</a:t>
             </a:fld>
             <a:endParaRPr lang="ru-RU"/>
           </a:p>
@@ -1054,7 +1054,7 @@
             <a:fld id="{85A5DE44-605B-4D3B-B2B7-94543DF81A36}" type="datetimeFigureOut">
               <a:rPr lang="ru-RU" smtClean="0"/>
               <a:pPr/>
-              <a:t>27.01.2022</a:t>
+              <a:t>30.01.2022</a:t>
             </a:fld>
             <a:endParaRPr lang="ru-RU"/>
           </a:p>
@@ -1226,7 +1226,7 @@
             <a:fld id="{85A5DE44-605B-4D3B-B2B7-94543DF81A36}" type="datetimeFigureOut">
               <a:rPr lang="ru-RU" smtClean="0"/>
               <a:pPr/>
-              <a:t>27.01.2022</a:t>
+              <a:t>30.01.2022</a:t>
             </a:fld>
             <a:endParaRPr lang="ru-RU"/>
           </a:p>
@@ -1474,7 +1474,7 @@
             <a:fld id="{85A5DE44-605B-4D3B-B2B7-94543DF81A36}" type="datetimeFigureOut">
               <a:rPr lang="ru-RU" smtClean="0"/>
               <a:pPr/>
-              <a:t>27.01.2022</a:t>
+              <a:t>30.01.2022</a:t>
             </a:fld>
             <a:endParaRPr lang="ru-RU"/>
           </a:p>
@@ -1708,7 +1708,7 @@
             <a:fld id="{85A5DE44-605B-4D3B-B2B7-94543DF81A36}" type="datetimeFigureOut">
               <a:rPr lang="ru-RU" smtClean="0"/>
               <a:pPr/>
-              <a:t>27.01.2022</a:t>
+              <a:t>30.01.2022</a:t>
             </a:fld>
             <a:endParaRPr lang="ru-RU"/>
           </a:p>
@@ -2077,7 +2077,7 @@
             <a:fld id="{85A5DE44-605B-4D3B-B2B7-94543DF81A36}" type="datetimeFigureOut">
               <a:rPr lang="ru-RU" smtClean="0"/>
               <a:pPr/>
-              <a:t>27.01.2022</a:t>
+              <a:t>30.01.2022</a:t>
             </a:fld>
             <a:endParaRPr lang="ru-RU"/>
           </a:p>
@@ -2197,7 +2197,7 @@
             <a:fld id="{85A5DE44-605B-4D3B-B2B7-94543DF81A36}" type="datetimeFigureOut">
               <a:rPr lang="ru-RU" smtClean="0"/>
               <a:pPr/>
-              <a:t>27.01.2022</a:t>
+              <a:t>30.01.2022</a:t>
             </a:fld>
             <a:endParaRPr lang="ru-RU"/>
           </a:p>
@@ -2294,7 +2294,7 @@
             <a:fld id="{85A5DE44-605B-4D3B-B2B7-94543DF81A36}" type="datetimeFigureOut">
               <a:rPr lang="ru-RU" smtClean="0"/>
               <a:pPr/>
-              <a:t>27.01.2022</a:t>
+              <a:t>30.01.2022</a:t>
             </a:fld>
             <a:endParaRPr lang="ru-RU"/>
           </a:p>
@@ -2573,7 +2573,7 @@
             <a:fld id="{85A5DE44-605B-4D3B-B2B7-94543DF81A36}" type="datetimeFigureOut">
               <a:rPr lang="ru-RU" smtClean="0"/>
               <a:pPr/>
-              <a:t>27.01.2022</a:t>
+              <a:t>30.01.2022</a:t>
             </a:fld>
             <a:endParaRPr lang="ru-RU"/>
           </a:p>
@@ -2832,7 +2832,7 @@
             <a:fld id="{85A5DE44-605B-4D3B-B2B7-94543DF81A36}" type="datetimeFigureOut">
               <a:rPr lang="ru-RU" smtClean="0"/>
               <a:pPr/>
-              <a:t>27.01.2022</a:t>
+              <a:t>30.01.2022</a:t>
             </a:fld>
             <a:endParaRPr lang="ru-RU"/>
           </a:p>
@@ -3047,7 +3047,7 @@
             <a:fld id="{85A5DE44-605B-4D3B-B2B7-94543DF81A36}" type="datetimeFigureOut">
               <a:rPr lang="ru-RU" smtClean="0"/>
               <a:pPr/>
-              <a:t>27.01.2022</a:t>
+              <a:t>30.01.2022</a:t>
             </a:fld>
             <a:endParaRPr lang="ru-RU"/>
           </a:p>
@@ -17138,11 +17138,7 @@
             </a:r>
             <a:r>
               <a:rPr lang="ru-RU" sz="1400" dirty="0" smtClean="0"/>
-              <a:t>Конго-</a:t>
-            </a:r>
-            <a:r>
-              <a:rPr lang="ru-RU" sz="1400" dirty="0" err="1" smtClean="0"/>
-              <a:t>Бразильвиль</a:t>
+              <a:t>Конго-Браззавиль</a:t>
             </a:r>
             <a:endParaRPr lang="ru-RU" sz="1200" dirty="0" smtClean="0"/>
           </a:p>
@@ -18754,11 +18750,7 @@
             <a:pPr algn="ctr"/>
             <a:r>
               <a:rPr lang="ru-RU" sz="1400" dirty="0" smtClean="0"/>
-              <a:t>Создание советской конголезской </a:t>
-            </a:r>
-            <a:r>
-              <a:rPr lang="ru-RU" sz="1400" dirty="0" smtClean="0"/>
-              <a:t>республики</a:t>
+              <a:t>Создание советской конголезской республики</a:t>
             </a:r>
             <a:endParaRPr lang="ru-RU" sz="100" dirty="0"/>
           </a:p>
@@ -19148,11 +19140,7 @@
             <a:pPr algn="ctr"/>
             <a:r>
               <a:rPr lang="ru-RU" sz="1400" dirty="0" smtClean="0"/>
-              <a:t>Отбросить этническую </a:t>
-            </a:r>
-            <a:r>
-              <a:rPr lang="ru-RU" sz="1400" dirty="0" smtClean="0"/>
-              <a:t>борьбу</a:t>
+              <a:t>Отбросить этническую борьбу</a:t>
             </a:r>
             <a:endParaRPr lang="ru-RU" sz="500" dirty="0"/>
           </a:p>

--- a/Наработки/диздоки/Бельгийское Конго/Бельгийское Конго.pptx
+++ b/Наработки/диздоки/Бельгийское Конго/Бельгийское Конго.pptx
@@ -209,7 +209,7 @@
             <a:fld id="{33E3D7F9-E251-484C-A6FF-FA958879DF69}" type="datetimeFigureOut">
               <a:rPr lang="ru-RU" smtClean="0"/>
               <a:pPr/>
-              <a:t>30.01.2022</a:t>
+              <a:t>31.01.2022</a:t>
             </a:fld>
             <a:endParaRPr lang="ru-RU"/>
           </a:p>
@@ -700,7 +700,7 @@
             <a:fld id="{85A5DE44-605B-4D3B-B2B7-94543DF81A36}" type="datetimeFigureOut">
               <a:rPr lang="ru-RU" smtClean="0"/>
               <a:pPr/>
-              <a:t>30.01.2022</a:t>
+              <a:t>31.01.2022</a:t>
             </a:fld>
             <a:endParaRPr lang="ru-RU"/>
           </a:p>
@@ -872,7 +872,7 @@
             <a:fld id="{85A5DE44-605B-4D3B-B2B7-94543DF81A36}" type="datetimeFigureOut">
               <a:rPr lang="ru-RU" smtClean="0"/>
               <a:pPr/>
-              <a:t>30.01.2022</a:t>
+              <a:t>31.01.2022</a:t>
             </a:fld>
             <a:endParaRPr lang="ru-RU"/>
           </a:p>
@@ -1054,7 +1054,7 @@
             <a:fld id="{85A5DE44-605B-4D3B-B2B7-94543DF81A36}" type="datetimeFigureOut">
               <a:rPr lang="ru-RU" smtClean="0"/>
               <a:pPr/>
-              <a:t>30.01.2022</a:t>
+              <a:t>31.01.2022</a:t>
             </a:fld>
             <a:endParaRPr lang="ru-RU"/>
           </a:p>
@@ -1226,7 +1226,7 @@
             <a:fld id="{85A5DE44-605B-4D3B-B2B7-94543DF81A36}" type="datetimeFigureOut">
               <a:rPr lang="ru-RU" smtClean="0"/>
               <a:pPr/>
-              <a:t>30.01.2022</a:t>
+              <a:t>31.01.2022</a:t>
             </a:fld>
             <a:endParaRPr lang="ru-RU"/>
           </a:p>
@@ -1474,7 +1474,7 @@
             <a:fld id="{85A5DE44-605B-4D3B-B2B7-94543DF81A36}" type="datetimeFigureOut">
               <a:rPr lang="ru-RU" smtClean="0"/>
               <a:pPr/>
-              <a:t>30.01.2022</a:t>
+              <a:t>31.01.2022</a:t>
             </a:fld>
             <a:endParaRPr lang="ru-RU"/>
           </a:p>
@@ -1708,7 +1708,7 @@
             <a:fld id="{85A5DE44-605B-4D3B-B2B7-94543DF81A36}" type="datetimeFigureOut">
               <a:rPr lang="ru-RU" smtClean="0"/>
               <a:pPr/>
-              <a:t>30.01.2022</a:t>
+              <a:t>31.01.2022</a:t>
             </a:fld>
             <a:endParaRPr lang="ru-RU"/>
           </a:p>
@@ -2077,7 +2077,7 @@
             <a:fld id="{85A5DE44-605B-4D3B-B2B7-94543DF81A36}" type="datetimeFigureOut">
               <a:rPr lang="ru-RU" smtClean="0"/>
               <a:pPr/>
-              <a:t>30.01.2022</a:t>
+              <a:t>31.01.2022</a:t>
             </a:fld>
             <a:endParaRPr lang="ru-RU"/>
           </a:p>
@@ -2197,7 +2197,7 @@
             <a:fld id="{85A5DE44-605B-4D3B-B2B7-94543DF81A36}" type="datetimeFigureOut">
               <a:rPr lang="ru-RU" smtClean="0"/>
               <a:pPr/>
-              <a:t>30.01.2022</a:t>
+              <a:t>31.01.2022</a:t>
             </a:fld>
             <a:endParaRPr lang="ru-RU"/>
           </a:p>
@@ -2294,7 +2294,7 @@
             <a:fld id="{85A5DE44-605B-4D3B-B2B7-94543DF81A36}" type="datetimeFigureOut">
               <a:rPr lang="ru-RU" smtClean="0"/>
               <a:pPr/>
-              <a:t>30.01.2022</a:t>
+              <a:t>31.01.2022</a:t>
             </a:fld>
             <a:endParaRPr lang="ru-RU"/>
           </a:p>
@@ -2573,7 +2573,7 @@
             <a:fld id="{85A5DE44-605B-4D3B-B2B7-94543DF81A36}" type="datetimeFigureOut">
               <a:rPr lang="ru-RU" smtClean="0"/>
               <a:pPr/>
-              <a:t>30.01.2022</a:t>
+              <a:t>31.01.2022</a:t>
             </a:fld>
             <a:endParaRPr lang="ru-RU"/>
           </a:p>
@@ -2832,7 +2832,7 @@
             <a:fld id="{85A5DE44-605B-4D3B-B2B7-94543DF81A36}" type="datetimeFigureOut">
               <a:rPr lang="ru-RU" smtClean="0"/>
               <a:pPr/>
-              <a:t>30.01.2022</a:t>
+              <a:t>31.01.2022</a:t>
             </a:fld>
             <a:endParaRPr lang="ru-RU"/>
           </a:p>
@@ -3047,7 +3047,7 @@
             <a:fld id="{85A5DE44-605B-4D3B-B2B7-94543DF81A36}" type="datetimeFigureOut">
               <a:rPr lang="ru-RU" smtClean="0"/>
               <a:pPr/>
-              <a:t>30.01.2022</a:t>
+              <a:t>31.01.2022</a:t>
             </a:fld>
             <a:endParaRPr lang="ru-RU"/>
           </a:p>
@@ -15487,8 +15487,13 @@
             <a:pPr algn="ctr"/>
             <a:r>
               <a:rPr lang="ru-RU" sz="1400" dirty="0" smtClean="0"/>
-              <a:t>Развитие морской торговли (наше)</a:t>
-            </a:r>
+              <a:t>Развитие морской </a:t>
+            </a:r>
+            <a:r>
+              <a:rPr lang="ru-RU" sz="1400" dirty="0" smtClean="0"/>
+              <a:t>торговли</a:t>
+            </a:r>
+            <a:endParaRPr lang="ru-RU" sz="1400" dirty="0" smtClean="0"/>
           </a:p>
         </p:txBody>
       </p:sp>

--- a/Наработки/диздоки/Бельгийское Конго/Бельгийское Конго.pptx
+++ b/Наработки/диздоки/Бельгийское Конго/Бельгийское Конго.pptx
@@ -209,7 +209,7 @@
             <a:fld id="{33E3D7F9-E251-484C-A6FF-FA958879DF69}" type="datetimeFigureOut">
               <a:rPr lang="ru-RU" smtClean="0"/>
               <a:pPr/>
-              <a:t>31.01.2022</a:t>
+              <a:t>02.02.2022</a:t>
             </a:fld>
             <a:endParaRPr lang="ru-RU"/>
           </a:p>
@@ -700,7 +700,7 @@
             <a:fld id="{85A5DE44-605B-4D3B-B2B7-94543DF81A36}" type="datetimeFigureOut">
               <a:rPr lang="ru-RU" smtClean="0"/>
               <a:pPr/>
-              <a:t>31.01.2022</a:t>
+              <a:t>02.02.2022</a:t>
             </a:fld>
             <a:endParaRPr lang="ru-RU"/>
           </a:p>
@@ -872,7 +872,7 @@
             <a:fld id="{85A5DE44-605B-4D3B-B2B7-94543DF81A36}" type="datetimeFigureOut">
               <a:rPr lang="ru-RU" smtClean="0"/>
               <a:pPr/>
-              <a:t>31.01.2022</a:t>
+              <a:t>02.02.2022</a:t>
             </a:fld>
             <a:endParaRPr lang="ru-RU"/>
           </a:p>
@@ -1054,7 +1054,7 @@
             <a:fld id="{85A5DE44-605B-4D3B-B2B7-94543DF81A36}" type="datetimeFigureOut">
               <a:rPr lang="ru-RU" smtClean="0"/>
               <a:pPr/>
-              <a:t>31.01.2022</a:t>
+              <a:t>02.02.2022</a:t>
             </a:fld>
             <a:endParaRPr lang="ru-RU"/>
           </a:p>
@@ -1226,7 +1226,7 @@
             <a:fld id="{85A5DE44-605B-4D3B-B2B7-94543DF81A36}" type="datetimeFigureOut">
               <a:rPr lang="ru-RU" smtClean="0"/>
               <a:pPr/>
-              <a:t>31.01.2022</a:t>
+              <a:t>02.02.2022</a:t>
             </a:fld>
             <a:endParaRPr lang="ru-RU"/>
           </a:p>
@@ -1474,7 +1474,7 @@
             <a:fld id="{85A5DE44-605B-4D3B-B2B7-94543DF81A36}" type="datetimeFigureOut">
               <a:rPr lang="ru-RU" smtClean="0"/>
               <a:pPr/>
-              <a:t>31.01.2022</a:t>
+              <a:t>02.02.2022</a:t>
             </a:fld>
             <a:endParaRPr lang="ru-RU"/>
           </a:p>
@@ -1708,7 +1708,7 @@
             <a:fld id="{85A5DE44-605B-4D3B-B2B7-94543DF81A36}" type="datetimeFigureOut">
               <a:rPr lang="ru-RU" smtClean="0"/>
               <a:pPr/>
-              <a:t>31.01.2022</a:t>
+              <a:t>02.02.2022</a:t>
             </a:fld>
             <a:endParaRPr lang="ru-RU"/>
           </a:p>
@@ -2077,7 +2077,7 @@
             <a:fld id="{85A5DE44-605B-4D3B-B2B7-94543DF81A36}" type="datetimeFigureOut">
               <a:rPr lang="ru-RU" smtClean="0"/>
               <a:pPr/>
-              <a:t>31.01.2022</a:t>
+              <a:t>02.02.2022</a:t>
             </a:fld>
             <a:endParaRPr lang="ru-RU"/>
           </a:p>
@@ -2197,7 +2197,7 @@
             <a:fld id="{85A5DE44-605B-4D3B-B2B7-94543DF81A36}" type="datetimeFigureOut">
               <a:rPr lang="ru-RU" smtClean="0"/>
               <a:pPr/>
-              <a:t>31.01.2022</a:t>
+              <a:t>02.02.2022</a:t>
             </a:fld>
             <a:endParaRPr lang="ru-RU"/>
           </a:p>
@@ -2294,7 +2294,7 @@
             <a:fld id="{85A5DE44-605B-4D3B-B2B7-94543DF81A36}" type="datetimeFigureOut">
               <a:rPr lang="ru-RU" smtClean="0"/>
               <a:pPr/>
-              <a:t>31.01.2022</a:t>
+              <a:t>02.02.2022</a:t>
             </a:fld>
             <a:endParaRPr lang="ru-RU"/>
           </a:p>
@@ -2573,7 +2573,7 @@
             <a:fld id="{85A5DE44-605B-4D3B-B2B7-94543DF81A36}" type="datetimeFigureOut">
               <a:rPr lang="ru-RU" smtClean="0"/>
               <a:pPr/>
-              <a:t>31.01.2022</a:t>
+              <a:t>02.02.2022</a:t>
             </a:fld>
             <a:endParaRPr lang="ru-RU"/>
           </a:p>
@@ -2832,7 +2832,7 @@
             <a:fld id="{85A5DE44-605B-4D3B-B2B7-94543DF81A36}" type="datetimeFigureOut">
               <a:rPr lang="ru-RU" smtClean="0"/>
               <a:pPr/>
-              <a:t>31.01.2022</a:t>
+              <a:t>02.02.2022</a:t>
             </a:fld>
             <a:endParaRPr lang="ru-RU"/>
           </a:p>
@@ -3047,7 +3047,7 @@
             <a:fld id="{85A5DE44-605B-4D3B-B2B7-94543DF81A36}" type="datetimeFigureOut">
               <a:rPr lang="ru-RU" smtClean="0"/>
               <a:pPr/>
-              <a:t>31.01.2022</a:t>
+              <a:t>02.02.2022</a:t>
             </a:fld>
             <a:endParaRPr lang="ru-RU"/>
           </a:p>
@@ -15487,13 +15487,8 @@
             <a:pPr algn="ctr"/>
             <a:r>
               <a:rPr lang="ru-RU" sz="1400" dirty="0" smtClean="0"/>
-              <a:t>Развитие морской </a:t>
-            </a:r>
-            <a:r>
-              <a:rPr lang="ru-RU" sz="1400" dirty="0" smtClean="0"/>
-              <a:t>торговли</a:t>
-            </a:r>
-            <a:endParaRPr lang="ru-RU" sz="1400" dirty="0" smtClean="0"/>
+              <a:t>Развитие морской торговли</a:t>
+            </a:r>
           </a:p>
         </p:txBody>
       </p:sp>
@@ -20168,8 +20163,12 @@
               <a:t>Вступить в </a:t>
             </a:r>
             <a:r>
-              <a:rPr lang="ru-RU" sz="1400" dirty="0" err="1" smtClean="0"/>
-              <a:t>коминтерн</a:t>
+              <a:rPr lang="ru-RU" sz="1400" dirty="0"/>
+              <a:t>К</a:t>
+            </a:r>
+            <a:r>
+              <a:rPr lang="ru-RU" sz="1400" dirty="0" smtClean="0"/>
+              <a:t>оминтерн</a:t>
             </a:r>
             <a:endParaRPr lang="ru-RU" sz="500" dirty="0"/>
           </a:p>
@@ -20298,8 +20297,8 @@
           <a:p>
             <a:pPr algn="ctr"/>
             <a:r>
-              <a:rPr lang="ru-RU" sz="1400" dirty="0" smtClean="0"/>
-              <a:t>А</a:t>
+              <a:rPr lang="ru-RU" sz="1400" dirty="0"/>
+              <a:t>Коллективизация (объединение крестьянских хозяйств в коллективные)</a:t>
             </a:r>
             <a:endParaRPr lang="ru-RU" sz="500" dirty="0"/>
           </a:p>
@@ -20313,7 +20312,7 @@
         </p:nvSpPr>
         <p:spPr>
           <a:xfrm>
-            <a:off x="25980469" y="18271513"/>
+            <a:off x="25987773" y="18328885"/>
             <a:ext cx="2115918" cy="1080000"/>
           </a:xfrm>
           <a:prstGeom prst="rect">
@@ -20345,9 +20344,21 @@
             <a:pPr algn="ctr"/>
             <a:r>
               <a:rPr lang="ru-RU" sz="1400" dirty="0" smtClean="0"/>
-              <a:t>А</a:t>
-            </a:r>
-            <a:endParaRPr lang="ru-RU" sz="500" dirty="0"/>
+              <a:t>Определить курс партии </a:t>
+            </a:r>
+            <a:r>
+              <a:rPr lang="ru-RU" sz="1100" dirty="0" smtClean="0"/>
+              <a:t>(эффект нашего </a:t>
+            </a:r>
+            <a:r>
+              <a:rPr lang="ru-RU" sz="1100" dirty="0" err="1" smtClean="0"/>
+              <a:t>генерика</a:t>
+            </a:r>
+            <a:r>
+              <a:rPr lang="ru-RU" sz="1100" dirty="0" smtClean="0"/>
+              <a:t> ИЛИ фокус «Диктатура пролетариата» ИЛИ «Народная демократия»)</a:t>
+            </a:r>
+            <a:endParaRPr lang="ru-RU" sz="300" dirty="0"/>
           </a:p>
         </p:txBody>
       </p:sp>
@@ -20359,7 +20370,7 @@
         </p:nvSpPr>
         <p:spPr>
           <a:xfrm>
-            <a:off x="24823459" y="19885742"/>
+            <a:off x="24823459" y="19882043"/>
             <a:ext cx="2115918" cy="1080000"/>
           </a:xfrm>
           <a:prstGeom prst="rect">
@@ -20391,9 +20402,9 @@
             <a:pPr algn="ctr"/>
             <a:r>
               <a:rPr lang="ru-RU" sz="1400" dirty="0" smtClean="0"/>
-              <a:t>А</a:t>
-            </a:r>
-            <a:endParaRPr lang="ru-RU" sz="500" dirty="0"/>
+              <a:t>Помощь в индустриализации страны</a:t>
+            </a:r>
+            <a:endParaRPr lang="ru-RU" sz="700" dirty="0"/>
           </a:p>
         </p:txBody>
       </p:sp>
@@ -20437,12 +20448,780 @@
             <a:pPr algn="ctr"/>
             <a:r>
               <a:rPr lang="ru-RU" sz="1400" dirty="0" smtClean="0"/>
-              <a:t>А</a:t>
+              <a:t>Африканский интернационал</a:t>
             </a:r>
             <a:endParaRPr lang="ru-RU" sz="500" dirty="0"/>
           </a:p>
         </p:txBody>
       </p:sp>
+      <p:cxnSp>
+        <p:nvCxnSpPr>
+          <p:cNvPr id="497" name="Соединительная линия уступом 496"/>
+          <p:cNvCxnSpPr>
+            <a:stCxn id="252" idx="2"/>
+            <a:endCxn id="494" idx="0"/>
+          </p:cNvCxnSpPr>
+          <p:nvPr/>
+        </p:nvCxnSpPr>
+        <p:spPr>
+          <a:xfrm rot="16200000" flipH="1">
+            <a:off x="26265914" y="14366520"/>
+            <a:ext cx="393861" cy="1165775"/>
+          </a:xfrm>
+          <a:prstGeom prst="bentConnector3">
+            <a:avLst>
+              <a:gd name="adj1" fmla="val 50000"/>
+            </a:avLst>
+          </a:prstGeom>
+          <a:ln w="28575">
+            <a:tailEnd type="arrow"/>
+          </a:ln>
+        </p:spPr>
+        <p:style>
+          <a:lnRef idx="1">
+            <a:schemeClr val="accent1"/>
+          </a:lnRef>
+          <a:fillRef idx="0">
+            <a:schemeClr val="accent1"/>
+          </a:fillRef>
+          <a:effectRef idx="0">
+            <a:schemeClr val="accent1"/>
+          </a:effectRef>
+          <a:fontRef idx="minor">
+            <a:schemeClr val="tx1"/>
+          </a:fontRef>
+        </p:style>
+      </p:cxnSp>
+      <p:cxnSp>
+        <p:nvCxnSpPr>
+          <p:cNvPr id="498" name="Соединительная линия уступом 497"/>
+          <p:cNvCxnSpPr>
+            <a:stCxn id="252" idx="2"/>
+            <a:endCxn id="491" idx="0"/>
+          </p:cNvCxnSpPr>
+          <p:nvPr/>
+        </p:nvCxnSpPr>
+        <p:spPr>
+          <a:xfrm rot="5400000">
+            <a:off x="24854320" y="15772015"/>
+            <a:ext cx="2045174" cy="6101"/>
+          </a:xfrm>
+          <a:prstGeom prst="bentConnector3">
+            <a:avLst>
+              <a:gd name="adj1" fmla="val 50000"/>
+            </a:avLst>
+          </a:prstGeom>
+          <a:ln w="28575">
+            <a:tailEnd type="arrow"/>
+          </a:ln>
+        </p:spPr>
+        <p:style>
+          <a:lnRef idx="1">
+            <a:schemeClr val="accent1"/>
+          </a:lnRef>
+          <a:fillRef idx="0">
+            <a:schemeClr val="accent1"/>
+          </a:fillRef>
+          <a:effectRef idx="0">
+            <a:schemeClr val="accent1"/>
+          </a:effectRef>
+          <a:fontRef idx="minor">
+            <a:schemeClr val="tx1"/>
+          </a:fontRef>
+        </p:style>
+      </p:cxnSp>
+      <p:cxnSp>
+        <p:nvCxnSpPr>
+          <p:cNvPr id="499" name="Соединительная линия уступом 498"/>
+          <p:cNvCxnSpPr>
+            <a:stCxn id="252" idx="2"/>
+            <a:endCxn id="492" idx="0"/>
+          </p:cNvCxnSpPr>
+          <p:nvPr/>
+        </p:nvCxnSpPr>
+        <p:spPr>
+          <a:xfrm rot="16200000" flipH="1">
+            <a:off x="26018891" y="14613544"/>
+            <a:ext cx="2045174" cy="2323042"/>
+          </a:xfrm>
+          <a:prstGeom prst="bentConnector3">
+            <a:avLst>
+              <a:gd name="adj1" fmla="val 9481"/>
+            </a:avLst>
+          </a:prstGeom>
+          <a:ln w="28575">
+            <a:tailEnd type="arrow"/>
+          </a:ln>
+        </p:spPr>
+        <p:style>
+          <a:lnRef idx="1">
+            <a:schemeClr val="accent1"/>
+          </a:lnRef>
+          <a:fillRef idx="0">
+            <a:schemeClr val="accent1"/>
+          </a:fillRef>
+          <a:effectRef idx="0">
+            <a:schemeClr val="accent1"/>
+          </a:effectRef>
+          <a:fontRef idx="minor">
+            <a:schemeClr val="tx1"/>
+          </a:fontRef>
+        </p:style>
+      </p:cxnSp>
+      <p:cxnSp>
+        <p:nvCxnSpPr>
+          <p:cNvPr id="500" name="Соединительная линия уступом 499"/>
+          <p:cNvCxnSpPr>
+            <a:stCxn id="492" idx="2"/>
+            <a:endCxn id="495" idx="0"/>
+          </p:cNvCxnSpPr>
+          <p:nvPr/>
+        </p:nvCxnSpPr>
+        <p:spPr>
+          <a:xfrm rot="5400000">
+            <a:off x="27398750" y="17524635"/>
+            <a:ext cx="451233" cy="1157267"/>
+          </a:xfrm>
+          <a:prstGeom prst="bentConnector3">
+            <a:avLst>
+              <a:gd name="adj1" fmla="val 50000"/>
+            </a:avLst>
+          </a:prstGeom>
+          <a:ln w="28575">
+            <a:prstDash val="dash"/>
+            <a:tailEnd type="arrow"/>
+          </a:ln>
+        </p:spPr>
+        <p:style>
+          <a:lnRef idx="1">
+            <a:schemeClr val="accent1"/>
+          </a:lnRef>
+          <a:fillRef idx="0">
+            <a:schemeClr val="accent1"/>
+          </a:fillRef>
+          <a:effectRef idx="0">
+            <a:schemeClr val="accent1"/>
+          </a:effectRef>
+          <a:fontRef idx="minor">
+            <a:schemeClr val="tx1"/>
+          </a:fontRef>
+        </p:style>
+      </p:cxnSp>
+      <p:cxnSp>
+        <p:nvCxnSpPr>
+          <p:cNvPr id="501" name="Соединительная линия уступом 500"/>
+          <p:cNvCxnSpPr>
+            <a:stCxn id="491" idx="2"/>
+            <a:endCxn id="495" idx="0"/>
+          </p:cNvCxnSpPr>
+          <p:nvPr/>
+        </p:nvCxnSpPr>
+        <p:spPr>
+          <a:xfrm rot="16200000" flipH="1">
+            <a:off x="26234178" y="17517330"/>
+            <a:ext cx="451233" cy="1171876"/>
+          </a:xfrm>
+          <a:prstGeom prst="bentConnector3">
+            <a:avLst>
+              <a:gd name="adj1" fmla="val 50000"/>
+            </a:avLst>
+          </a:prstGeom>
+          <a:ln w="28575">
+            <a:prstDash val="dash"/>
+            <a:tailEnd type="arrow"/>
+          </a:ln>
+        </p:spPr>
+        <p:style>
+          <a:lnRef idx="1">
+            <a:schemeClr val="accent1"/>
+          </a:lnRef>
+          <a:fillRef idx="0">
+            <a:schemeClr val="accent1"/>
+          </a:fillRef>
+          <a:effectRef idx="0">
+            <a:schemeClr val="accent1"/>
+          </a:effectRef>
+          <a:fontRef idx="minor">
+            <a:schemeClr val="tx1"/>
+          </a:fontRef>
+        </p:style>
+      </p:cxnSp>
+      <p:cxnSp>
+        <p:nvCxnSpPr>
+          <p:cNvPr id="502" name="Прямая со стрелкой 501"/>
+          <p:cNvCxnSpPr>
+            <a:stCxn id="492" idx="2"/>
+            <a:endCxn id="467" idx="0"/>
+          </p:cNvCxnSpPr>
+          <p:nvPr/>
+        </p:nvCxnSpPr>
+        <p:spPr>
+          <a:xfrm flipH="1">
+            <a:off x="28188940" y="17877652"/>
+            <a:ext cx="14059" cy="2008090"/>
+          </a:xfrm>
+          <a:prstGeom prst="straightConnector1">
+            <a:avLst/>
+          </a:prstGeom>
+          <a:ln w="28575">
+            <a:tailEnd type="arrow"/>
+          </a:ln>
+        </p:spPr>
+        <p:style>
+          <a:lnRef idx="1">
+            <a:schemeClr val="accent1"/>
+          </a:lnRef>
+          <a:fillRef idx="0">
+            <a:schemeClr val="accent1"/>
+          </a:fillRef>
+          <a:effectRef idx="0">
+            <a:schemeClr val="accent1"/>
+          </a:effectRef>
+          <a:fontRef idx="minor">
+            <a:schemeClr val="tx1"/>
+          </a:fontRef>
+        </p:style>
+      </p:cxnSp>
+      <p:cxnSp>
+        <p:nvCxnSpPr>
+          <p:cNvPr id="503" name="Прямая со стрелкой 502"/>
+          <p:cNvCxnSpPr>
+            <a:stCxn id="491" idx="2"/>
+            <a:endCxn id="496" idx="0"/>
+          </p:cNvCxnSpPr>
+          <p:nvPr/>
+        </p:nvCxnSpPr>
+        <p:spPr>
+          <a:xfrm>
+            <a:off x="25873856" y="17877652"/>
+            <a:ext cx="7562" cy="2004391"/>
+          </a:xfrm>
+          <a:prstGeom prst="straightConnector1">
+            <a:avLst/>
+          </a:prstGeom>
+          <a:ln w="28575">
+            <a:tailEnd type="arrow"/>
+          </a:ln>
+        </p:spPr>
+        <p:style>
+          <a:lnRef idx="1">
+            <a:schemeClr val="accent1"/>
+          </a:lnRef>
+          <a:fillRef idx="0">
+            <a:schemeClr val="accent1"/>
+          </a:fillRef>
+          <a:effectRef idx="0">
+            <a:schemeClr val="accent1"/>
+          </a:effectRef>
+          <a:fontRef idx="minor">
+            <a:schemeClr val="tx1"/>
+          </a:fontRef>
+        </p:style>
+      </p:cxnSp>
+      <p:sp>
+        <p:nvSpPr>
+          <p:cNvPr id="504" name="Прямоугольник 503"/>
+          <p:cNvSpPr/>
+          <p:nvPr/>
+        </p:nvSpPr>
+        <p:spPr>
+          <a:xfrm>
+            <a:off x="25987773" y="21326693"/>
+            <a:ext cx="2115918" cy="1080000"/>
+          </a:xfrm>
+          <a:prstGeom prst="rect">
+            <a:avLst/>
+          </a:prstGeom>
+          <a:solidFill>
+            <a:srgbClr val="FF0000"/>
+          </a:solidFill>
+          <a:ln w="28575"/>
+        </p:spPr>
+        <p:style>
+          <a:lnRef idx="2">
+            <a:schemeClr val="accent1"/>
+          </a:lnRef>
+          <a:fillRef idx="1">
+            <a:schemeClr val="lt1"/>
+          </a:fillRef>
+          <a:effectRef idx="0">
+            <a:schemeClr val="accent1"/>
+          </a:effectRef>
+          <a:fontRef idx="minor">
+            <a:schemeClr val="dk1"/>
+          </a:fontRef>
+        </p:style>
+        <p:txBody>
+          <a:bodyPr lIns="124733" tIns="62367" rIns="124733" bIns="62367" rtlCol="0" anchor="ctr"/>
+          <a:lstStyle/>
+          <a:p>
+            <a:pPr algn="ctr"/>
+            <a:r>
+              <a:rPr lang="ru-RU" sz="1400" dirty="0" smtClean="0"/>
+              <a:t>Переход на плановую экономику</a:t>
+            </a:r>
+            <a:endParaRPr lang="ru-RU" sz="500" dirty="0"/>
+          </a:p>
+        </p:txBody>
+      </p:sp>
+      <p:cxnSp>
+        <p:nvCxnSpPr>
+          <p:cNvPr id="505" name="Прямая со стрелкой 504"/>
+          <p:cNvCxnSpPr>
+            <a:stCxn id="495" idx="2"/>
+            <a:endCxn id="504" idx="0"/>
+          </p:cNvCxnSpPr>
+          <p:nvPr/>
+        </p:nvCxnSpPr>
+        <p:spPr>
+          <a:xfrm>
+            <a:off x="27045732" y="19408885"/>
+            <a:ext cx="0" cy="1917808"/>
+          </a:xfrm>
+          <a:prstGeom prst="straightConnector1">
+            <a:avLst/>
+          </a:prstGeom>
+          <a:ln w="28575">
+            <a:tailEnd type="arrow"/>
+          </a:ln>
+        </p:spPr>
+        <p:style>
+          <a:lnRef idx="1">
+            <a:schemeClr val="accent1"/>
+          </a:lnRef>
+          <a:fillRef idx="0">
+            <a:schemeClr val="accent1"/>
+          </a:fillRef>
+          <a:effectRef idx="0">
+            <a:schemeClr val="accent1"/>
+          </a:effectRef>
+          <a:fontRef idx="minor">
+            <a:schemeClr val="tx1"/>
+          </a:fontRef>
+        </p:style>
+      </p:cxnSp>
+      <p:sp>
+        <p:nvSpPr>
+          <p:cNvPr id="506" name="Прямоугольник 505"/>
+          <p:cNvSpPr/>
+          <p:nvPr/>
+        </p:nvSpPr>
+        <p:spPr>
+          <a:xfrm>
+            <a:off x="25987773" y="22767644"/>
+            <a:ext cx="2115918" cy="1080000"/>
+          </a:xfrm>
+          <a:prstGeom prst="rect">
+            <a:avLst/>
+          </a:prstGeom>
+          <a:solidFill>
+            <a:srgbClr val="FF0000"/>
+          </a:solidFill>
+          <a:ln w="28575"/>
+        </p:spPr>
+        <p:style>
+          <a:lnRef idx="2">
+            <a:schemeClr val="accent1"/>
+          </a:lnRef>
+          <a:fillRef idx="1">
+            <a:schemeClr val="lt1"/>
+          </a:fillRef>
+          <a:effectRef idx="0">
+            <a:schemeClr val="accent1"/>
+          </a:effectRef>
+          <a:fontRef idx="minor">
+            <a:schemeClr val="dk1"/>
+          </a:fontRef>
+        </p:style>
+        <p:txBody>
+          <a:bodyPr lIns="124733" tIns="62367" rIns="124733" bIns="62367" rtlCol="0" anchor="ctr"/>
+          <a:lstStyle/>
+          <a:p>
+            <a:pPr algn="ctr"/>
+            <a:r>
+              <a:rPr lang="ru-RU" sz="1400" dirty="0" smtClean="0"/>
+              <a:t>Начать первую пятилетку</a:t>
+            </a:r>
+            <a:endParaRPr lang="ru-RU" sz="500" dirty="0"/>
+          </a:p>
+        </p:txBody>
+      </p:sp>
+      <p:cxnSp>
+        <p:nvCxnSpPr>
+          <p:cNvPr id="507" name="Прямая со стрелкой 506"/>
+          <p:cNvCxnSpPr>
+            <a:stCxn id="504" idx="2"/>
+            <a:endCxn id="506" idx="0"/>
+          </p:cNvCxnSpPr>
+          <p:nvPr/>
+        </p:nvCxnSpPr>
+        <p:spPr>
+          <a:xfrm>
+            <a:off x="27045732" y="22406693"/>
+            <a:ext cx="0" cy="360951"/>
+          </a:xfrm>
+          <a:prstGeom prst="straightConnector1">
+            <a:avLst/>
+          </a:prstGeom>
+          <a:ln w="28575">
+            <a:tailEnd type="arrow"/>
+          </a:ln>
+        </p:spPr>
+        <p:style>
+          <a:lnRef idx="1">
+            <a:schemeClr val="accent1"/>
+          </a:lnRef>
+          <a:fillRef idx="0">
+            <a:schemeClr val="accent1"/>
+          </a:fillRef>
+          <a:effectRef idx="0">
+            <a:schemeClr val="accent1"/>
+          </a:effectRef>
+          <a:fontRef idx="minor">
+            <a:schemeClr val="tx1"/>
+          </a:fontRef>
+        </p:style>
+      </p:cxnSp>
+      <p:sp>
+        <p:nvSpPr>
+          <p:cNvPr id="508" name="Прямоугольник 507"/>
+          <p:cNvSpPr/>
+          <p:nvPr/>
+        </p:nvSpPr>
+        <p:spPr>
+          <a:xfrm>
+            <a:off x="23660633" y="21326693"/>
+            <a:ext cx="2115918" cy="1080000"/>
+          </a:xfrm>
+          <a:prstGeom prst="rect">
+            <a:avLst/>
+          </a:prstGeom>
+          <a:solidFill>
+            <a:srgbClr val="FF0000"/>
+          </a:solidFill>
+          <a:ln w="28575"/>
+        </p:spPr>
+        <p:style>
+          <a:lnRef idx="2">
+            <a:schemeClr val="accent1"/>
+          </a:lnRef>
+          <a:fillRef idx="1">
+            <a:schemeClr val="lt1"/>
+          </a:fillRef>
+          <a:effectRef idx="0">
+            <a:schemeClr val="accent1"/>
+          </a:effectRef>
+          <a:fontRef idx="minor">
+            <a:schemeClr val="dk1"/>
+          </a:fontRef>
+        </p:style>
+        <p:txBody>
+          <a:bodyPr lIns="124733" tIns="62367" rIns="124733" bIns="62367" rtlCol="0" anchor="ctr"/>
+          <a:lstStyle/>
+          <a:p>
+            <a:pPr algn="ctr"/>
+            <a:r>
+              <a:rPr lang="ru-RU" sz="1400" dirty="0" smtClean="0"/>
+              <a:t>Закон о военном времени (наш </a:t>
+            </a:r>
+            <a:r>
+              <a:rPr lang="ru-RU" sz="1400" dirty="0" err="1" smtClean="0"/>
+              <a:t>генерик</a:t>
+            </a:r>
+            <a:r>
+              <a:rPr lang="ru-RU" sz="1400" dirty="0"/>
+              <a:t>)</a:t>
+            </a:r>
+            <a:endParaRPr lang="ru-RU" sz="1400" dirty="0"/>
+          </a:p>
+        </p:txBody>
+      </p:sp>
+      <p:sp>
+        <p:nvSpPr>
+          <p:cNvPr id="509" name="Прямоугольник 508"/>
+          <p:cNvSpPr/>
+          <p:nvPr/>
+        </p:nvSpPr>
+        <p:spPr>
+          <a:xfrm>
+            <a:off x="28301906" y="21326693"/>
+            <a:ext cx="2115918" cy="1080000"/>
+          </a:xfrm>
+          <a:prstGeom prst="rect">
+            <a:avLst/>
+          </a:prstGeom>
+          <a:solidFill>
+            <a:srgbClr val="FF0000"/>
+          </a:solidFill>
+          <a:ln w="28575"/>
+        </p:spPr>
+        <p:style>
+          <a:lnRef idx="2">
+            <a:schemeClr val="accent1"/>
+          </a:lnRef>
+          <a:fillRef idx="1">
+            <a:schemeClr val="lt1"/>
+          </a:fillRef>
+          <a:effectRef idx="0">
+            <a:schemeClr val="accent1"/>
+          </a:effectRef>
+          <a:fontRef idx="minor">
+            <a:schemeClr val="dk1"/>
+          </a:fontRef>
+        </p:style>
+        <p:txBody>
+          <a:bodyPr lIns="124733" tIns="62367" rIns="124733" bIns="62367" rtlCol="0" anchor="ctr"/>
+          <a:lstStyle/>
+          <a:p>
+            <a:pPr algn="ctr"/>
+            <a:r>
+              <a:rPr lang="ru-RU" sz="1400" dirty="0" smtClean="0"/>
+              <a:t>Пригласить идеологических союзников</a:t>
+            </a:r>
+            <a:endParaRPr lang="ru-RU" sz="1400" dirty="0"/>
+          </a:p>
+        </p:txBody>
+      </p:sp>
+      <p:sp>
+        <p:nvSpPr>
+          <p:cNvPr id="510" name="Прямоугольник 509"/>
+          <p:cNvSpPr/>
+          <p:nvPr/>
+        </p:nvSpPr>
+        <p:spPr>
+          <a:xfrm>
+            <a:off x="23669660" y="22767644"/>
+            <a:ext cx="2115918" cy="1080000"/>
+          </a:xfrm>
+          <a:prstGeom prst="rect">
+            <a:avLst/>
+          </a:prstGeom>
+          <a:solidFill>
+            <a:srgbClr val="FF0000"/>
+          </a:solidFill>
+          <a:ln w="28575"/>
+        </p:spPr>
+        <p:style>
+          <a:lnRef idx="2">
+            <a:schemeClr val="accent1"/>
+          </a:lnRef>
+          <a:fillRef idx="1">
+            <a:schemeClr val="lt1"/>
+          </a:fillRef>
+          <a:effectRef idx="0">
+            <a:schemeClr val="accent1"/>
+          </a:effectRef>
+          <a:fontRef idx="minor">
+            <a:schemeClr val="dk1"/>
+          </a:fontRef>
+        </p:style>
+        <p:txBody>
+          <a:bodyPr lIns="124733" tIns="62367" rIns="124733" bIns="62367" rtlCol="0" anchor="ctr"/>
+          <a:lstStyle/>
+          <a:p>
+            <a:pPr algn="ctr"/>
+            <a:r>
+              <a:rPr lang="ru-RU" sz="1400" dirty="0" smtClean="0"/>
+              <a:t>Военные советники из СССР</a:t>
+            </a:r>
+            <a:endParaRPr lang="ru-RU" sz="1400" dirty="0"/>
+          </a:p>
+        </p:txBody>
+      </p:sp>
+      <p:cxnSp>
+        <p:nvCxnSpPr>
+          <p:cNvPr id="511" name="Соединительная линия уступом 510"/>
+          <p:cNvCxnSpPr>
+            <a:stCxn id="496" idx="2"/>
+            <a:endCxn id="508" idx="0"/>
+          </p:cNvCxnSpPr>
+          <p:nvPr/>
+        </p:nvCxnSpPr>
+        <p:spPr>
+          <a:xfrm rot="5400000">
+            <a:off x="25117680" y="20562955"/>
+            <a:ext cx="364650" cy="1162826"/>
+          </a:xfrm>
+          <a:prstGeom prst="bentConnector3">
+            <a:avLst>
+              <a:gd name="adj1" fmla="val 50000"/>
+            </a:avLst>
+          </a:prstGeom>
+          <a:ln w="28575">
+            <a:tailEnd type="arrow"/>
+          </a:ln>
+        </p:spPr>
+        <p:style>
+          <a:lnRef idx="1">
+            <a:schemeClr val="accent1"/>
+          </a:lnRef>
+          <a:fillRef idx="0">
+            <a:schemeClr val="accent1"/>
+          </a:fillRef>
+          <a:effectRef idx="0">
+            <a:schemeClr val="accent1"/>
+          </a:effectRef>
+          <a:fontRef idx="minor">
+            <a:schemeClr val="tx1"/>
+          </a:fontRef>
+        </p:style>
+      </p:cxnSp>
+      <p:cxnSp>
+        <p:nvCxnSpPr>
+          <p:cNvPr id="512" name="Соединительная линия уступом 511"/>
+          <p:cNvCxnSpPr>
+            <a:stCxn id="467" idx="2"/>
+            <a:endCxn id="509" idx="0"/>
+          </p:cNvCxnSpPr>
+          <p:nvPr/>
+        </p:nvCxnSpPr>
+        <p:spPr>
+          <a:xfrm rot="16200000" flipH="1">
+            <a:off x="28593927" y="20560754"/>
+            <a:ext cx="360951" cy="1170925"/>
+          </a:xfrm>
+          <a:prstGeom prst="bentConnector3">
+            <a:avLst>
+              <a:gd name="adj1" fmla="val 50000"/>
+            </a:avLst>
+          </a:prstGeom>
+          <a:ln w="28575">
+            <a:tailEnd type="arrow"/>
+          </a:ln>
+        </p:spPr>
+        <p:style>
+          <a:lnRef idx="1">
+            <a:schemeClr val="accent1"/>
+          </a:lnRef>
+          <a:fillRef idx="0">
+            <a:schemeClr val="accent1"/>
+          </a:fillRef>
+          <a:effectRef idx="0">
+            <a:schemeClr val="accent1"/>
+          </a:effectRef>
+          <a:fontRef idx="minor">
+            <a:schemeClr val="tx1"/>
+          </a:fontRef>
+        </p:style>
+      </p:cxnSp>
+      <p:cxnSp>
+        <p:nvCxnSpPr>
+          <p:cNvPr id="513" name="Прямая со стрелкой 512"/>
+          <p:cNvCxnSpPr>
+            <a:stCxn id="508" idx="2"/>
+            <a:endCxn id="510" idx="0"/>
+          </p:cNvCxnSpPr>
+          <p:nvPr/>
+        </p:nvCxnSpPr>
+        <p:spPr>
+          <a:xfrm>
+            <a:off x="24718592" y="22406693"/>
+            <a:ext cx="9027" cy="360951"/>
+          </a:xfrm>
+          <a:prstGeom prst="straightConnector1">
+            <a:avLst/>
+          </a:prstGeom>
+          <a:ln w="28575">
+            <a:tailEnd type="arrow"/>
+          </a:ln>
+        </p:spPr>
+        <p:style>
+          <a:lnRef idx="1">
+            <a:schemeClr val="accent1"/>
+          </a:lnRef>
+          <a:fillRef idx="0">
+            <a:schemeClr val="accent1"/>
+          </a:fillRef>
+          <a:effectRef idx="0">
+            <a:schemeClr val="accent1"/>
+          </a:effectRef>
+          <a:fontRef idx="minor">
+            <a:schemeClr val="tx1"/>
+          </a:fontRef>
+        </p:style>
+      </p:cxnSp>
+      <p:sp>
+        <p:nvSpPr>
+          <p:cNvPr id="514" name="Прямоугольник 513"/>
+          <p:cNvSpPr/>
+          <p:nvPr/>
+        </p:nvSpPr>
+        <p:spPr>
+          <a:xfrm>
+            <a:off x="28300363" y="22767644"/>
+            <a:ext cx="2115918" cy="1080000"/>
+          </a:xfrm>
+          <a:prstGeom prst="rect">
+            <a:avLst/>
+          </a:prstGeom>
+          <a:solidFill>
+            <a:srgbClr val="FF0000"/>
+          </a:solidFill>
+          <a:ln w="28575"/>
+        </p:spPr>
+        <p:style>
+          <a:lnRef idx="2">
+            <a:schemeClr val="accent1"/>
+          </a:lnRef>
+          <a:fillRef idx="1">
+            <a:schemeClr val="lt1"/>
+          </a:fillRef>
+          <a:effectRef idx="0">
+            <a:schemeClr val="accent1"/>
+          </a:effectRef>
+          <a:fontRef idx="minor">
+            <a:schemeClr val="dk1"/>
+          </a:fontRef>
+        </p:style>
+        <p:txBody>
+          <a:bodyPr lIns="124733" tIns="62367" rIns="124733" bIns="62367" rtlCol="0" anchor="ctr"/>
+          <a:lstStyle/>
+          <a:p>
+            <a:pPr algn="ctr"/>
+            <a:r>
+              <a:rPr lang="ru-RU" sz="1400" dirty="0" smtClean="0"/>
+              <a:t>Создать общий научный блок</a:t>
+            </a:r>
+            <a:endParaRPr lang="ru-RU" sz="1400" dirty="0"/>
+          </a:p>
+        </p:txBody>
+      </p:sp>
+      <p:cxnSp>
+        <p:nvCxnSpPr>
+          <p:cNvPr id="515" name="Прямая со стрелкой 514"/>
+          <p:cNvCxnSpPr>
+            <a:stCxn id="509" idx="2"/>
+            <a:endCxn id="514" idx="0"/>
+          </p:cNvCxnSpPr>
+          <p:nvPr/>
+        </p:nvCxnSpPr>
+        <p:spPr>
+          <a:xfrm flipH="1">
+            <a:off x="29358322" y="22406693"/>
+            <a:ext cx="1543" cy="360951"/>
+          </a:xfrm>
+          <a:prstGeom prst="straightConnector1">
+            <a:avLst/>
+          </a:prstGeom>
+          <a:ln w="28575">
+            <a:tailEnd type="arrow"/>
+          </a:ln>
+        </p:spPr>
+        <p:style>
+          <a:lnRef idx="1">
+            <a:schemeClr val="accent1"/>
+          </a:lnRef>
+          <a:fillRef idx="0">
+            <a:schemeClr val="accent1"/>
+          </a:fillRef>
+          <a:effectRef idx="0">
+            <a:schemeClr val="accent1"/>
+          </a:effectRef>
+          <a:fontRef idx="minor">
+            <a:schemeClr val="tx1"/>
+          </a:fontRef>
+        </p:style>
+      </p:cxnSp>
     </p:spTree>
     <p:extLst>
       <p:ext uri="{BB962C8B-B14F-4D97-AF65-F5344CB8AC3E}">

--- a/Наработки/диздоки/Бельгийское Конго/Бельгийское Конго.pptx
+++ b/Наработки/диздоки/Бельгийское Конго/Бельгийское Конго.pptx
@@ -209,7 +209,7 @@
             <a:fld id="{33E3D7F9-E251-484C-A6FF-FA958879DF69}" type="datetimeFigureOut">
               <a:rPr lang="ru-RU" smtClean="0"/>
               <a:pPr/>
-              <a:t>02.02.2022</a:t>
+              <a:t>16.02.2022</a:t>
             </a:fld>
             <a:endParaRPr lang="ru-RU"/>
           </a:p>
@@ -700,7 +700,7 @@
             <a:fld id="{85A5DE44-605B-4D3B-B2B7-94543DF81A36}" type="datetimeFigureOut">
               <a:rPr lang="ru-RU" smtClean="0"/>
               <a:pPr/>
-              <a:t>02.02.2022</a:t>
+              <a:t>16.02.2022</a:t>
             </a:fld>
             <a:endParaRPr lang="ru-RU"/>
           </a:p>
@@ -872,7 +872,7 @@
             <a:fld id="{85A5DE44-605B-4D3B-B2B7-94543DF81A36}" type="datetimeFigureOut">
               <a:rPr lang="ru-RU" smtClean="0"/>
               <a:pPr/>
-              <a:t>02.02.2022</a:t>
+              <a:t>16.02.2022</a:t>
             </a:fld>
             <a:endParaRPr lang="ru-RU"/>
           </a:p>
@@ -1054,7 +1054,7 @@
             <a:fld id="{85A5DE44-605B-4D3B-B2B7-94543DF81A36}" type="datetimeFigureOut">
               <a:rPr lang="ru-RU" smtClean="0"/>
               <a:pPr/>
-              <a:t>02.02.2022</a:t>
+              <a:t>16.02.2022</a:t>
             </a:fld>
             <a:endParaRPr lang="ru-RU"/>
           </a:p>
@@ -1226,7 +1226,7 @@
             <a:fld id="{85A5DE44-605B-4D3B-B2B7-94543DF81A36}" type="datetimeFigureOut">
               <a:rPr lang="ru-RU" smtClean="0"/>
               <a:pPr/>
-              <a:t>02.02.2022</a:t>
+              <a:t>16.02.2022</a:t>
             </a:fld>
             <a:endParaRPr lang="ru-RU"/>
           </a:p>
@@ -1474,7 +1474,7 @@
             <a:fld id="{85A5DE44-605B-4D3B-B2B7-94543DF81A36}" type="datetimeFigureOut">
               <a:rPr lang="ru-RU" smtClean="0"/>
               <a:pPr/>
-              <a:t>02.02.2022</a:t>
+              <a:t>16.02.2022</a:t>
             </a:fld>
             <a:endParaRPr lang="ru-RU"/>
           </a:p>
@@ -1708,7 +1708,7 @@
             <a:fld id="{85A5DE44-605B-4D3B-B2B7-94543DF81A36}" type="datetimeFigureOut">
               <a:rPr lang="ru-RU" smtClean="0"/>
               <a:pPr/>
-              <a:t>02.02.2022</a:t>
+              <a:t>16.02.2022</a:t>
             </a:fld>
             <a:endParaRPr lang="ru-RU"/>
           </a:p>
@@ -2077,7 +2077,7 @@
             <a:fld id="{85A5DE44-605B-4D3B-B2B7-94543DF81A36}" type="datetimeFigureOut">
               <a:rPr lang="ru-RU" smtClean="0"/>
               <a:pPr/>
-              <a:t>02.02.2022</a:t>
+              <a:t>16.02.2022</a:t>
             </a:fld>
             <a:endParaRPr lang="ru-RU"/>
           </a:p>
@@ -2197,7 +2197,7 @@
             <a:fld id="{85A5DE44-605B-4D3B-B2B7-94543DF81A36}" type="datetimeFigureOut">
               <a:rPr lang="ru-RU" smtClean="0"/>
               <a:pPr/>
-              <a:t>02.02.2022</a:t>
+              <a:t>16.02.2022</a:t>
             </a:fld>
             <a:endParaRPr lang="ru-RU"/>
           </a:p>
@@ -2294,7 +2294,7 @@
             <a:fld id="{85A5DE44-605B-4D3B-B2B7-94543DF81A36}" type="datetimeFigureOut">
               <a:rPr lang="ru-RU" smtClean="0"/>
               <a:pPr/>
-              <a:t>02.02.2022</a:t>
+              <a:t>16.02.2022</a:t>
             </a:fld>
             <a:endParaRPr lang="ru-RU"/>
           </a:p>
@@ -2573,7 +2573,7 @@
             <a:fld id="{85A5DE44-605B-4D3B-B2B7-94543DF81A36}" type="datetimeFigureOut">
               <a:rPr lang="ru-RU" smtClean="0"/>
               <a:pPr/>
-              <a:t>02.02.2022</a:t>
+              <a:t>16.02.2022</a:t>
             </a:fld>
             <a:endParaRPr lang="ru-RU"/>
           </a:p>
@@ -2832,7 +2832,7 @@
             <a:fld id="{85A5DE44-605B-4D3B-B2B7-94543DF81A36}" type="datetimeFigureOut">
               <a:rPr lang="ru-RU" smtClean="0"/>
               <a:pPr/>
-              <a:t>02.02.2022</a:t>
+              <a:t>16.02.2022</a:t>
             </a:fld>
             <a:endParaRPr lang="ru-RU"/>
           </a:p>
@@ -3047,7 +3047,7 @@
             <a:fld id="{85A5DE44-605B-4D3B-B2B7-94543DF81A36}" type="datetimeFigureOut">
               <a:rPr lang="ru-RU" smtClean="0"/>
               <a:pPr/>
-              <a:t>02.02.2022</a:t>
+              <a:t>16.02.2022</a:t>
             </a:fld>
             <a:endParaRPr lang="ru-RU"/>
           </a:p>
@@ -18500,7 +18500,7 @@
             <a:pPr algn="ctr"/>
             <a:r>
               <a:rPr lang="ru-RU" sz="4800" b="1" dirty="0" smtClean="0"/>
-              <a:t>106</a:t>
+              <a:t>133</a:t>
             </a:r>
             <a:endParaRPr lang="ru-RU" sz="1600" b="1" dirty="0"/>
           </a:p>
@@ -20932,7 +20932,6 @@
               <a:rPr lang="ru-RU" sz="1400" dirty="0"/>
               <a:t>)</a:t>
             </a:r>
-            <a:endParaRPr lang="ru-RU" sz="1400" dirty="0"/>
           </a:p>
         </p:txBody>
       </p:sp>

--- a/Наработки/диздоки/Бельгийское Конго/Бельгийское Конго.pptx
+++ b/Наработки/диздоки/Бельгийское Конго/Бельгийское Конго.pptx
@@ -209,7 +209,7 @@
             <a:fld id="{33E3D7F9-E251-484C-A6FF-FA958879DF69}" type="datetimeFigureOut">
               <a:rPr lang="ru-RU" smtClean="0"/>
               <a:pPr/>
-              <a:t>16.02.2022</a:t>
+              <a:t>17.02.2022</a:t>
             </a:fld>
             <a:endParaRPr lang="ru-RU"/>
           </a:p>
@@ -273,38 +273,37 @@
           <a:p>
             <a:pPr lvl="0"/>
             <a:r>
-              <a:rPr lang="ru-RU" smtClean="0"/>
+              <a:rPr lang="ru-RU"/>
               <a:t>Образец текста</a:t>
             </a:r>
           </a:p>
           <a:p>
             <a:pPr lvl="1"/>
             <a:r>
-              <a:rPr lang="ru-RU" smtClean="0"/>
+              <a:rPr lang="ru-RU"/>
               <a:t>Второй уровень</a:t>
             </a:r>
           </a:p>
           <a:p>
             <a:pPr lvl="2"/>
             <a:r>
-              <a:rPr lang="ru-RU" smtClean="0"/>
+              <a:rPr lang="ru-RU"/>
               <a:t>Третий уровень</a:t>
             </a:r>
           </a:p>
           <a:p>
             <a:pPr lvl="3"/>
             <a:r>
-              <a:rPr lang="ru-RU" smtClean="0"/>
+              <a:rPr lang="ru-RU"/>
               <a:t>Четвертый уровень</a:t>
             </a:r>
           </a:p>
           <a:p>
             <a:pPr lvl="4"/>
             <a:r>
-              <a:rPr lang="ru-RU" smtClean="0"/>
+              <a:rPr lang="ru-RU"/>
               <a:t>Пятый уровень</a:t>
             </a:r>
-            <a:endParaRPr lang="ru-RU"/>
           </a:p>
         </p:txBody>
       </p:sp>
@@ -610,7 +609,7 @@
           </a:lstStyle>
           <a:p>
             <a:r>
-              <a:rPr lang="ru-RU" smtClean="0"/>
+              <a:rPr lang="ru-RU"/>
               <a:t>Образец заголовка</a:t>
             </a:r>
             <a:endParaRPr lang="en-US" dirty="0"/>
@@ -675,7 +674,7 @@
           </a:lstStyle>
           <a:p>
             <a:r>
-              <a:rPr lang="ru-RU" smtClean="0"/>
+              <a:rPr lang="ru-RU"/>
               <a:t>Образец подзаголовка</a:t>
             </a:r>
             <a:endParaRPr lang="en-US" dirty="0"/>
@@ -700,7 +699,7 @@
             <a:fld id="{85A5DE44-605B-4D3B-B2B7-94543DF81A36}" type="datetimeFigureOut">
               <a:rPr lang="ru-RU" smtClean="0"/>
               <a:pPr/>
-              <a:t>16.02.2022</a:t>
+              <a:t>17.02.2022</a:t>
             </a:fld>
             <a:endParaRPr lang="ru-RU"/>
           </a:p>
@@ -795,7 +794,7 @@
           <a:lstStyle/>
           <a:p>
             <a:r>
-              <a:rPr lang="ru-RU" smtClean="0"/>
+              <a:rPr lang="ru-RU"/>
               <a:t>Образец заголовка</a:t>
             </a:r>
             <a:endParaRPr lang="en-US" dirty="0"/>
@@ -819,35 +818,35 @@
           <a:p>
             <a:pPr lvl="0"/>
             <a:r>
-              <a:rPr lang="ru-RU" smtClean="0"/>
+              <a:rPr lang="ru-RU"/>
               <a:t>Образец текста</a:t>
             </a:r>
           </a:p>
           <a:p>
             <a:pPr lvl="1"/>
             <a:r>
-              <a:rPr lang="ru-RU" smtClean="0"/>
+              <a:rPr lang="ru-RU"/>
               <a:t>Второй уровень</a:t>
             </a:r>
           </a:p>
           <a:p>
             <a:pPr lvl="2"/>
             <a:r>
-              <a:rPr lang="ru-RU" smtClean="0"/>
+              <a:rPr lang="ru-RU"/>
               <a:t>Третий уровень</a:t>
             </a:r>
           </a:p>
           <a:p>
             <a:pPr lvl="3"/>
             <a:r>
-              <a:rPr lang="ru-RU" smtClean="0"/>
+              <a:rPr lang="ru-RU"/>
               <a:t>Четвертый уровень</a:t>
             </a:r>
           </a:p>
           <a:p>
             <a:pPr lvl="4"/>
             <a:r>
-              <a:rPr lang="ru-RU" smtClean="0"/>
+              <a:rPr lang="ru-RU"/>
               <a:t>Пятый уровень</a:t>
             </a:r>
             <a:endParaRPr lang="en-US" dirty="0"/>
@@ -872,7 +871,7 @@
             <a:fld id="{85A5DE44-605B-4D3B-B2B7-94543DF81A36}" type="datetimeFigureOut">
               <a:rPr lang="ru-RU" smtClean="0"/>
               <a:pPr/>
-              <a:t>16.02.2022</a:t>
+              <a:t>17.02.2022</a:t>
             </a:fld>
             <a:endParaRPr lang="ru-RU"/>
           </a:p>
@@ -972,7 +971,7 @@
           <a:lstStyle/>
           <a:p>
             <a:r>
-              <a:rPr lang="ru-RU" smtClean="0"/>
+              <a:rPr lang="ru-RU"/>
               <a:t>Образец заголовка</a:t>
             </a:r>
             <a:endParaRPr lang="en-US" dirty="0"/>
@@ -1001,35 +1000,35 @@
           <a:p>
             <a:pPr lvl="0"/>
             <a:r>
-              <a:rPr lang="ru-RU" smtClean="0"/>
+              <a:rPr lang="ru-RU"/>
               <a:t>Образец текста</a:t>
             </a:r>
           </a:p>
           <a:p>
             <a:pPr lvl="1"/>
             <a:r>
-              <a:rPr lang="ru-RU" smtClean="0"/>
+              <a:rPr lang="ru-RU"/>
               <a:t>Второй уровень</a:t>
             </a:r>
           </a:p>
           <a:p>
             <a:pPr lvl="2"/>
             <a:r>
-              <a:rPr lang="ru-RU" smtClean="0"/>
+              <a:rPr lang="ru-RU"/>
               <a:t>Третий уровень</a:t>
             </a:r>
           </a:p>
           <a:p>
             <a:pPr lvl="3"/>
             <a:r>
-              <a:rPr lang="ru-RU" smtClean="0"/>
+              <a:rPr lang="ru-RU"/>
               <a:t>Четвертый уровень</a:t>
             </a:r>
           </a:p>
           <a:p>
             <a:pPr lvl="4"/>
             <a:r>
-              <a:rPr lang="ru-RU" smtClean="0"/>
+              <a:rPr lang="ru-RU"/>
               <a:t>Пятый уровень</a:t>
             </a:r>
             <a:endParaRPr lang="en-US" dirty="0"/>
@@ -1054,7 +1053,7 @@
             <a:fld id="{85A5DE44-605B-4D3B-B2B7-94543DF81A36}" type="datetimeFigureOut">
               <a:rPr lang="ru-RU" smtClean="0"/>
               <a:pPr/>
-              <a:t>16.02.2022</a:t>
+              <a:t>17.02.2022</a:t>
             </a:fld>
             <a:endParaRPr lang="ru-RU"/>
           </a:p>
@@ -1149,7 +1148,7 @@
           <a:lstStyle/>
           <a:p>
             <a:r>
-              <a:rPr lang="ru-RU" smtClean="0"/>
+              <a:rPr lang="ru-RU"/>
               <a:t>Образец заголовка</a:t>
             </a:r>
             <a:endParaRPr lang="en-US" dirty="0"/>
@@ -1173,35 +1172,35 @@
           <a:p>
             <a:pPr lvl="0"/>
             <a:r>
-              <a:rPr lang="ru-RU" smtClean="0"/>
+              <a:rPr lang="ru-RU"/>
               <a:t>Образец текста</a:t>
             </a:r>
           </a:p>
           <a:p>
             <a:pPr lvl="1"/>
             <a:r>
-              <a:rPr lang="ru-RU" smtClean="0"/>
+              <a:rPr lang="ru-RU"/>
               <a:t>Второй уровень</a:t>
             </a:r>
           </a:p>
           <a:p>
             <a:pPr lvl="2"/>
             <a:r>
-              <a:rPr lang="ru-RU" smtClean="0"/>
+              <a:rPr lang="ru-RU"/>
               <a:t>Третий уровень</a:t>
             </a:r>
           </a:p>
           <a:p>
             <a:pPr lvl="3"/>
             <a:r>
-              <a:rPr lang="ru-RU" smtClean="0"/>
+              <a:rPr lang="ru-RU"/>
               <a:t>Четвертый уровень</a:t>
             </a:r>
           </a:p>
           <a:p>
             <a:pPr lvl="4"/>
             <a:r>
-              <a:rPr lang="ru-RU" smtClean="0"/>
+              <a:rPr lang="ru-RU"/>
               <a:t>Пятый уровень</a:t>
             </a:r>
             <a:endParaRPr lang="en-US" dirty="0"/>
@@ -1226,7 +1225,7 @@
             <a:fld id="{85A5DE44-605B-4D3B-B2B7-94543DF81A36}" type="datetimeFigureOut">
               <a:rPr lang="ru-RU" smtClean="0"/>
               <a:pPr/>
-              <a:t>16.02.2022</a:t>
+              <a:t>17.02.2022</a:t>
             </a:fld>
             <a:endParaRPr lang="ru-RU"/>
           </a:p>
@@ -1330,7 +1329,7 @@
           </a:lstStyle>
           <a:p>
             <a:r>
-              <a:rPr lang="ru-RU" smtClean="0"/>
+              <a:rPr lang="ru-RU"/>
               <a:t>Образец заголовка</a:t>
             </a:r>
             <a:endParaRPr lang="en-US" dirty="0"/>
@@ -1450,7 +1449,7 @@
           <a:p>
             <a:pPr lvl="0"/>
             <a:r>
-              <a:rPr lang="ru-RU" smtClean="0"/>
+              <a:rPr lang="ru-RU"/>
               <a:t>Образец текста</a:t>
             </a:r>
           </a:p>
@@ -1474,7 +1473,7 @@
             <a:fld id="{85A5DE44-605B-4D3B-B2B7-94543DF81A36}" type="datetimeFigureOut">
               <a:rPr lang="ru-RU" smtClean="0"/>
               <a:pPr/>
-              <a:t>16.02.2022</a:t>
+              <a:t>17.02.2022</a:t>
             </a:fld>
             <a:endParaRPr lang="ru-RU"/>
           </a:p>
@@ -1569,7 +1568,7 @@
           <a:lstStyle/>
           <a:p>
             <a:r>
-              <a:rPr lang="ru-RU" smtClean="0"/>
+              <a:rPr lang="ru-RU"/>
               <a:t>Образец заголовка</a:t>
             </a:r>
             <a:endParaRPr lang="en-US" dirty="0"/>
@@ -1598,35 +1597,35 @@
           <a:p>
             <a:pPr lvl="0"/>
             <a:r>
-              <a:rPr lang="ru-RU" smtClean="0"/>
+              <a:rPr lang="ru-RU"/>
               <a:t>Образец текста</a:t>
             </a:r>
           </a:p>
           <a:p>
             <a:pPr lvl="1"/>
             <a:r>
-              <a:rPr lang="ru-RU" smtClean="0"/>
+              <a:rPr lang="ru-RU"/>
               <a:t>Второй уровень</a:t>
             </a:r>
           </a:p>
           <a:p>
             <a:pPr lvl="2"/>
             <a:r>
-              <a:rPr lang="ru-RU" smtClean="0"/>
+              <a:rPr lang="ru-RU"/>
               <a:t>Третий уровень</a:t>
             </a:r>
           </a:p>
           <a:p>
             <a:pPr lvl="3"/>
             <a:r>
-              <a:rPr lang="ru-RU" smtClean="0"/>
+              <a:rPr lang="ru-RU"/>
               <a:t>Четвертый уровень</a:t>
             </a:r>
           </a:p>
           <a:p>
             <a:pPr lvl="4"/>
             <a:r>
-              <a:rPr lang="ru-RU" smtClean="0"/>
+              <a:rPr lang="ru-RU"/>
               <a:t>Пятый уровень</a:t>
             </a:r>
             <a:endParaRPr lang="en-US" dirty="0"/>
@@ -1655,35 +1654,35 @@
           <a:p>
             <a:pPr lvl="0"/>
             <a:r>
-              <a:rPr lang="ru-RU" smtClean="0"/>
+              <a:rPr lang="ru-RU"/>
               <a:t>Образец текста</a:t>
             </a:r>
           </a:p>
           <a:p>
             <a:pPr lvl="1"/>
             <a:r>
-              <a:rPr lang="ru-RU" smtClean="0"/>
+              <a:rPr lang="ru-RU"/>
               <a:t>Второй уровень</a:t>
             </a:r>
           </a:p>
           <a:p>
             <a:pPr lvl="2"/>
             <a:r>
-              <a:rPr lang="ru-RU" smtClean="0"/>
+              <a:rPr lang="ru-RU"/>
               <a:t>Третий уровень</a:t>
             </a:r>
           </a:p>
           <a:p>
             <a:pPr lvl="3"/>
             <a:r>
-              <a:rPr lang="ru-RU" smtClean="0"/>
+              <a:rPr lang="ru-RU"/>
               <a:t>Четвертый уровень</a:t>
             </a:r>
           </a:p>
           <a:p>
             <a:pPr lvl="4"/>
             <a:r>
-              <a:rPr lang="ru-RU" smtClean="0"/>
+              <a:rPr lang="ru-RU"/>
               <a:t>Пятый уровень</a:t>
             </a:r>
             <a:endParaRPr lang="en-US" dirty="0"/>
@@ -1708,7 +1707,7 @@
             <a:fld id="{85A5DE44-605B-4D3B-B2B7-94543DF81A36}" type="datetimeFigureOut">
               <a:rPr lang="ru-RU" smtClean="0"/>
               <a:pPr/>
-              <a:t>16.02.2022</a:t>
+              <a:t>17.02.2022</a:t>
             </a:fld>
             <a:endParaRPr lang="ru-RU"/>
           </a:p>
@@ -1808,7 +1807,7 @@
           <a:lstStyle/>
           <a:p>
             <a:r>
-              <a:rPr lang="ru-RU" smtClean="0"/>
+              <a:rPr lang="ru-RU"/>
               <a:t>Образец заголовка</a:t>
             </a:r>
             <a:endParaRPr lang="en-US" dirty="0"/>
@@ -1874,7 +1873,7 @@
           <a:p>
             <a:pPr lvl="0"/>
             <a:r>
-              <a:rPr lang="ru-RU" smtClean="0"/>
+              <a:rPr lang="ru-RU"/>
               <a:t>Образец текста</a:t>
             </a:r>
           </a:p>
@@ -1902,35 +1901,35 @@
           <a:p>
             <a:pPr lvl="0"/>
             <a:r>
-              <a:rPr lang="ru-RU" smtClean="0"/>
+              <a:rPr lang="ru-RU"/>
               <a:t>Образец текста</a:t>
             </a:r>
           </a:p>
           <a:p>
             <a:pPr lvl="1"/>
             <a:r>
-              <a:rPr lang="ru-RU" smtClean="0"/>
+              <a:rPr lang="ru-RU"/>
               <a:t>Второй уровень</a:t>
             </a:r>
           </a:p>
           <a:p>
             <a:pPr lvl="2"/>
             <a:r>
-              <a:rPr lang="ru-RU" smtClean="0"/>
+              <a:rPr lang="ru-RU"/>
               <a:t>Третий уровень</a:t>
             </a:r>
           </a:p>
           <a:p>
             <a:pPr lvl="3"/>
             <a:r>
-              <a:rPr lang="ru-RU" smtClean="0"/>
+              <a:rPr lang="ru-RU"/>
               <a:t>Четвертый уровень</a:t>
             </a:r>
           </a:p>
           <a:p>
             <a:pPr lvl="4"/>
             <a:r>
-              <a:rPr lang="ru-RU" smtClean="0"/>
+              <a:rPr lang="ru-RU"/>
               <a:t>Пятый уровень</a:t>
             </a:r>
             <a:endParaRPr lang="en-US" dirty="0"/>
@@ -1996,7 +1995,7 @@
           <a:p>
             <a:pPr lvl="0"/>
             <a:r>
-              <a:rPr lang="ru-RU" smtClean="0"/>
+              <a:rPr lang="ru-RU"/>
               <a:t>Образец текста</a:t>
             </a:r>
           </a:p>
@@ -2024,35 +2023,35 @@
           <a:p>
             <a:pPr lvl="0"/>
             <a:r>
-              <a:rPr lang="ru-RU" smtClean="0"/>
+              <a:rPr lang="ru-RU"/>
               <a:t>Образец текста</a:t>
             </a:r>
           </a:p>
           <a:p>
             <a:pPr lvl="1"/>
             <a:r>
-              <a:rPr lang="ru-RU" smtClean="0"/>
+              <a:rPr lang="ru-RU"/>
               <a:t>Второй уровень</a:t>
             </a:r>
           </a:p>
           <a:p>
             <a:pPr lvl="2"/>
             <a:r>
-              <a:rPr lang="ru-RU" smtClean="0"/>
+              <a:rPr lang="ru-RU"/>
               <a:t>Третий уровень</a:t>
             </a:r>
           </a:p>
           <a:p>
             <a:pPr lvl="3"/>
             <a:r>
-              <a:rPr lang="ru-RU" smtClean="0"/>
+              <a:rPr lang="ru-RU"/>
               <a:t>Четвертый уровень</a:t>
             </a:r>
           </a:p>
           <a:p>
             <a:pPr lvl="4"/>
             <a:r>
-              <a:rPr lang="ru-RU" smtClean="0"/>
+              <a:rPr lang="ru-RU"/>
               <a:t>Пятый уровень</a:t>
             </a:r>
             <a:endParaRPr lang="en-US" dirty="0"/>
@@ -2077,7 +2076,7 @@
             <a:fld id="{85A5DE44-605B-4D3B-B2B7-94543DF81A36}" type="datetimeFigureOut">
               <a:rPr lang="ru-RU" smtClean="0"/>
               <a:pPr/>
-              <a:t>16.02.2022</a:t>
+              <a:t>17.02.2022</a:t>
             </a:fld>
             <a:endParaRPr lang="ru-RU"/>
           </a:p>
@@ -2172,7 +2171,7 @@
           <a:lstStyle/>
           <a:p>
             <a:r>
-              <a:rPr lang="ru-RU" smtClean="0"/>
+              <a:rPr lang="ru-RU"/>
               <a:t>Образец заголовка</a:t>
             </a:r>
             <a:endParaRPr lang="en-US" dirty="0"/>
@@ -2197,7 +2196,7 @@
             <a:fld id="{85A5DE44-605B-4D3B-B2B7-94543DF81A36}" type="datetimeFigureOut">
               <a:rPr lang="ru-RU" smtClean="0"/>
               <a:pPr/>
-              <a:t>16.02.2022</a:t>
+              <a:t>17.02.2022</a:t>
             </a:fld>
             <a:endParaRPr lang="ru-RU"/>
           </a:p>
@@ -2294,7 +2293,7 @@
             <a:fld id="{85A5DE44-605B-4D3B-B2B7-94543DF81A36}" type="datetimeFigureOut">
               <a:rPr lang="ru-RU" smtClean="0"/>
               <a:pPr/>
-              <a:t>16.02.2022</a:t>
+              <a:t>17.02.2022</a:t>
             </a:fld>
             <a:endParaRPr lang="ru-RU"/>
           </a:p>
@@ -2398,7 +2397,7 @@
           </a:lstStyle>
           <a:p>
             <a:r>
-              <a:rPr lang="ru-RU" smtClean="0"/>
+              <a:rPr lang="ru-RU"/>
               <a:t>Образец заголовка</a:t>
             </a:r>
             <a:endParaRPr lang="en-US" dirty="0"/>
@@ -2455,35 +2454,35 @@
           <a:p>
             <a:pPr lvl="0"/>
             <a:r>
-              <a:rPr lang="ru-RU" smtClean="0"/>
+              <a:rPr lang="ru-RU"/>
               <a:t>Образец текста</a:t>
             </a:r>
           </a:p>
           <a:p>
             <a:pPr lvl="1"/>
             <a:r>
-              <a:rPr lang="ru-RU" smtClean="0"/>
+              <a:rPr lang="ru-RU"/>
               <a:t>Второй уровень</a:t>
             </a:r>
           </a:p>
           <a:p>
             <a:pPr lvl="2"/>
             <a:r>
-              <a:rPr lang="ru-RU" smtClean="0"/>
+              <a:rPr lang="ru-RU"/>
               <a:t>Третий уровень</a:t>
             </a:r>
           </a:p>
           <a:p>
             <a:pPr lvl="3"/>
             <a:r>
-              <a:rPr lang="ru-RU" smtClean="0"/>
+              <a:rPr lang="ru-RU"/>
               <a:t>Четвертый уровень</a:t>
             </a:r>
           </a:p>
           <a:p>
             <a:pPr lvl="4"/>
             <a:r>
-              <a:rPr lang="ru-RU" smtClean="0"/>
+              <a:rPr lang="ru-RU"/>
               <a:t>Пятый уровень</a:t>
             </a:r>
             <a:endParaRPr lang="en-US" dirty="0"/>
@@ -2549,7 +2548,7 @@
           <a:p>
             <a:pPr lvl="0"/>
             <a:r>
-              <a:rPr lang="ru-RU" smtClean="0"/>
+              <a:rPr lang="ru-RU"/>
               <a:t>Образец текста</a:t>
             </a:r>
           </a:p>
@@ -2573,7 +2572,7 @@
             <a:fld id="{85A5DE44-605B-4D3B-B2B7-94543DF81A36}" type="datetimeFigureOut">
               <a:rPr lang="ru-RU" smtClean="0"/>
               <a:pPr/>
-              <a:t>16.02.2022</a:t>
+              <a:t>17.02.2022</a:t>
             </a:fld>
             <a:endParaRPr lang="ru-RU"/>
           </a:p>
@@ -2677,7 +2676,7 @@
           </a:lstStyle>
           <a:p>
             <a:r>
-              <a:rPr lang="ru-RU" smtClean="0"/>
+              <a:rPr lang="ru-RU"/>
               <a:t>Образец заголовка</a:t>
             </a:r>
             <a:endParaRPr lang="en-US" dirty="0"/>
@@ -2742,7 +2741,7 @@
           </a:lstStyle>
           <a:p>
             <a:r>
-              <a:rPr lang="ru-RU" smtClean="0"/>
+              <a:rPr lang="ru-RU"/>
               <a:t>Вставка рисунка</a:t>
             </a:r>
             <a:endParaRPr lang="en-US" dirty="0"/>
@@ -2808,7 +2807,7 @@
           <a:p>
             <a:pPr lvl="0"/>
             <a:r>
-              <a:rPr lang="ru-RU" smtClean="0"/>
+              <a:rPr lang="ru-RU"/>
               <a:t>Образец текста</a:t>
             </a:r>
           </a:p>
@@ -2832,7 +2831,7 @@
             <a:fld id="{85A5DE44-605B-4D3B-B2B7-94543DF81A36}" type="datetimeFigureOut">
               <a:rPr lang="ru-RU" smtClean="0"/>
               <a:pPr/>
-              <a:t>16.02.2022</a:t>
+              <a:t>17.02.2022</a:t>
             </a:fld>
             <a:endParaRPr lang="ru-RU"/>
           </a:p>
@@ -2942,7 +2941,7 @@
           <a:lstStyle/>
           <a:p>
             <a:r>
-              <a:rPr lang="ru-RU" smtClean="0"/>
+              <a:rPr lang="ru-RU"/>
               <a:t>Образец заголовка</a:t>
             </a:r>
             <a:endParaRPr lang="en-US" dirty="0"/>
@@ -2976,35 +2975,35 @@
           <a:p>
             <a:pPr lvl="0"/>
             <a:r>
-              <a:rPr lang="ru-RU" smtClean="0"/>
+              <a:rPr lang="ru-RU"/>
               <a:t>Образец текста</a:t>
             </a:r>
           </a:p>
           <a:p>
             <a:pPr lvl="1"/>
             <a:r>
-              <a:rPr lang="ru-RU" smtClean="0"/>
+              <a:rPr lang="ru-RU"/>
               <a:t>Второй уровень</a:t>
             </a:r>
           </a:p>
           <a:p>
             <a:pPr lvl="2"/>
             <a:r>
-              <a:rPr lang="ru-RU" smtClean="0"/>
+              <a:rPr lang="ru-RU"/>
               <a:t>Третий уровень</a:t>
             </a:r>
           </a:p>
           <a:p>
             <a:pPr lvl="3"/>
             <a:r>
-              <a:rPr lang="ru-RU" smtClean="0"/>
+              <a:rPr lang="ru-RU"/>
               <a:t>Четвертый уровень</a:t>
             </a:r>
           </a:p>
           <a:p>
             <a:pPr lvl="4"/>
             <a:r>
-              <a:rPr lang="ru-RU" smtClean="0"/>
+              <a:rPr lang="ru-RU"/>
               <a:t>Пятый уровень</a:t>
             </a:r>
             <a:endParaRPr lang="en-US" dirty="0"/>
@@ -3047,7 +3046,7 @@
             <a:fld id="{85A5DE44-605B-4D3B-B2B7-94543DF81A36}" type="datetimeFigureOut">
               <a:rPr lang="ru-RU" smtClean="0"/>
               <a:pPr/>
-              <a:t>16.02.2022</a:t>
+              <a:t>17.02.2022</a:t>
             </a:fld>
             <a:endParaRPr lang="ru-RU"/>
           </a:p>
@@ -3490,11 +3489,7 @@
             <a:pPr algn="ctr"/>
             <a:r>
               <a:rPr lang="ru-RU" sz="1400" dirty="0"/>
-              <a:t>Забрать пустые </a:t>
-            </a:r>
-            <a:r>
-              <a:rPr lang="ru-RU" sz="1400" dirty="0" smtClean="0"/>
-              <a:t>земли</a:t>
+              <a:t>Забрать пустые земли</a:t>
             </a:r>
             <a:endParaRPr lang="ru-RU" sz="800" dirty="0"/>
           </a:p>
@@ -3575,11 +3570,7 @@
             <a:pPr algn="ctr"/>
             <a:r>
               <a:rPr lang="ru-RU" sz="1400" dirty="0"/>
-              <a:t>Добыча пальмового </a:t>
-            </a:r>
-            <a:r>
-              <a:rPr lang="ru-RU" sz="1400" dirty="0" smtClean="0"/>
-              <a:t>масла</a:t>
+              <a:t>Добыча пальмового масла</a:t>
             </a:r>
             <a:endParaRPr lang="ru-RU" sz="800" dirty="0"/>
           </a:p>
@@ -3621,16 +3612,8 @@
           <a:p>
             <a:pPr algn="ctr"/>
             <a:r>
-              <a:rPr lang="ru-RU" sz="1400" dirty="0" smtClean="0"/>
-              <a:t>Программа </a:t>
-            </a:r>
-            <a:r>
               <a:rPr lang="ru-RU" sz="1400" dirty="0"/>
-              <a:t>местных </a:t>
-            </a:r>
-            <a:r>
-              <a:rPr lang="ru-RU" sz="1400" dirty="0" smtClean="0"/>
-              <a:t>фермеров</a:t>
+              <a:t>Программа местных фермеров</a:t>
             </a:r>
             <a:endParaRPr lang="ru-RU" sz="500" dirty="0"/>
           </a:p>
@@ -3716,11 +3699,7 @@
             <a:pPr algn="ctr"/>
             <a:r>
               <a:rPr lang="ru-RU" sz="1400" dirty="0"/>
-              <a:t>Добыча </a:t>
-            </a:r>
-            <a:r>
-              <a:rPr lang="ru-RU" sz="1400" dirty="0" smtClean="0"/>
-              <a:t>Хлопка</a:t>
+              <a:t>Добыча Хлопка</a:t>
             </a:r>
             <a:endParaRPr lang="ru-RU" sz="800" dirty="0"/>
           </a:p>
@@ -3762,16 +3741,8 @@
           <a:p>
             <a:pPr algn="ctr"/>
             <a:r>
-              <a:rPr lang="ru-RU" sz="1400" dirty="0" smtClean="0"/>
-              <a:t>Модернизация </a:t>
-            </a:r>
-            <a:r>
               <a:rPr lang="ru-RU" sz="1400" dirty="0"/>
-              <a:t>сельского </a:t>
-            </a:r>
-            <a:r>
-              <a:rPr lang="ru-RU" sz="1400" dirty="0" smtClean="0"/>
-              <a:t>хозяйства</a:t>
+              <a:t>Модернизация сельского хозяйства</a:t>
             </a:r>
             <a:endParaRPr lang="ru-RU" sz="400" dirty="0"/>
           </a:p>
@@ -3851,11 +3822,11 @@
           <a:p>
             <a:pPr algn="ctr"/>
             <a:r>
-              <a:rPr lang="ru-RU" sz="1400" dirty="0" smtClean="0"/>
+              <a:rPr lang="ru-RU" sz="1400" dirty="0"/>
               <a:t>Объединение исследовательских служб </a:t>
             </a:r>
             <a:r>
-              <a:rPr lang="en-US" sz="1400" dirty="0" smtClean="0"/>
+              <a:rPr lang="en-US" sz="1400" dirty="0"/>
               <a:t>INEAC</a:t>
             </a:r>
             <a:endParaRPr lang="ru-RU" sz="800" dirty="0"/>
@@ -3898,11 +3869,11 @@
           <a:p>
             <a:pPr algn="ctr"/>
             <a:r>
-              <a:rPr lang="en-US" sz="800" dirty="0" err="1" smtClean="0"/>
+              <a:rPr lang="en-US" sz="800" dirty="0" err="1"/>
               <a:t>Auguste</a:t>
             </a:r>
             <a:r>
-              <a:rPr lang="en-US" sz="800" dirty="0" smtClean="0"/>
+              <a:rPr lang="en-US" sz="800" dirty="0"/>
               <a:t> </a:t>
             </a:r>
             <a:r>
@@ -3910,10 +3881,9 @@
               <a:t>Tilkens</a:t>
             </a:r>
             <a:r>
-              <a:rPr lang="ru-RU" sz="800" dirty="0" smtClean="0"/>
+              <a:rPr lang="ru-RU" sz="800" dirty="0"/>
               <a:t> как генерал 2 уровня 2 атака, 3 защита, 1 логистика и 2 планирование. Можно призвать решением во время войны.</a:t>
             </a:r>
-            <a:endParaRPr lang="ru-RU" sz="800" dirty="0"/>
           </a:p>
         </p:txBody>
       </p:sp>
@@ -3996,7 +3966,7 @@
           <a:p>
             <a:pPr algn="ctr"/>
             <a:r>
-              <a:rPr lang="ru-RU" sz="1400" dirty="0" smtClean="0"/>
+              <a:rPr lang="ru-RU" sz="1400" dirty="0"/>
               <a:t>Девальвация Конголезского франка</a:t>
             </a:r>
             <a:endParaRPr lang="ru-RU" sz="500" dirty="0"/>
@@ -4039,11 +4009,11 @@
           <a:p>
             <a:pPr algn="ctr"/>
             <a:r>
-              <a:rPr lang="ru-RU" sz="1400" dirty="0" smtClean="0"/>
+              <a:rPr lang="ru-RU" sz="1400" dirty="0"/>
               <a:t>Нарастить добычу в шахтах </a:t>
             </a:r>
             <a:r>
-              <a:rPr lang="ru-RU" sz="1400" dirty="0" err="1" smtClean="0"/>
+              <a:rPr lang="ru-RU" sz="1400" dirty="0" err="1"/>
               <a:t>Катанги</a:t>
             </a:r>
             <a:endParaRPr lang="ru-RU" sz="500" dirty="0"/>
@@ -4086,7 +4056,7 @@
           <a:p>
             <a:pPr algn="ctr"/>
             <a:r>
-              <a:rPr lang="ru-RU" sz="1400" dirty="0" smtClean="0"/>
+              <a:rPr lang="ru-RU" sz="1400" dirty="0"/>
               <a:t>Увеличить военный налог </a:t>
             </a:r>
             <a:endParaRPr lang="ru-RU" sz="500" dirty="0"/>
@@ -4129,7 +4099,7 @@
           <a:p>
             <a:pPr algn="ctr"/>
             <a:r>
-              <a:rPr lang="ru-RU" sz="1400" dirty="0" smtClean="0"/>
+              <a:rPr lang="ru-RU" sz="1400" dirty="0"/>
               <a:t>Расширить школьное образование</a:t>
             </a:r>
             <a:endParaRPr lang="ru-RU" sz="500" dirty="0"/>
@@ -4172,7 +4142,7 @@
           <a:p>
             <a:pPr algn="ctr"/>
             <a:r>
-              <a:rPr lang="ru-RU" sz="1400" dirty="0" smtClean="0"/>
+              <a:rPr lang="ru-RU" sz="1400" dirty="0"/>
               <a:t>Создание медицинского факультета</a:t>
             </a:r>
             <a:endParaRPr lang="ru-RU" sz="500" dirty="0"/>
@@ -4215,7 +4185,7 @@
           <a:p>
             <a:pPr algn="ctr"/>
             <a:r>
-              <a:rPr lang="ru-RU" sz="1400" dirty="0" smtClean="0"/>
+              <a:rPr lang="ru-RU" sz="1400" dirty="0"/>
               <a:t>Создание Больничных диспансеров</a:t>
             </a:r>
             <a:endParaRPr lang="ru-RU" sz="500" dirty="0"/>
@@ -4406,7 +4376,7 @@
           <a:p>
             <a:pPr algn="ctr"/>
             <a:r>
-              <a:rPr lang="ru-RU" sz="1400" dirty="0" smtClean="0"/>
+              <a:rPr lang="ru-RU" sz="1400" dirty="0"/>
               <a:t>Распространение новых сортов сои</a:t>
             </a:r>
             <a:endParaRPr lang="ru-RU" sz="400" dirty="0"/>
@@ -4487,7 +4457,7 @@
           <a:p>
             <a:pPr algn="ctr"/>
             <a:r>
-              <a:rPr lang="ru-RU" sz="1400" dirty="0" smtClean="0"/>
+              <a:rPr lang="ru-RU" sz="1400" dirty="0"/>
               <a:t>Культивация кофе</a:t>
             </a:r>
             <a:endParaRPr lang="ru-RU" sz="500" dirty="0"/>
@@ -4678,11 +4648,11 @@
           <a:p>
             <a:pPr algn="ctr"/>
             <a:r>
-              <a:rPr lang="ru-RU" sz="1400" dirty="0" smtClean="0"/>
+              <a:rPr lang="ru-RU" sz="1400" dirty="0"/>
               <a:t>Расширение порта </a:t>
             </a:r>
             <a:r>
-              <a:rPr lang="ru-RU" sz="1400" dirty="0" err="1" smtClean="0"/>
+              <a:rPr lang="ru-RU" sz="1400" dirty="0" err="1"/>
               <a:t>Матади</a:t>
             </a:r>
             <a:endParaRPr lang="ru-RU" sz="500" dirty="0"/>
@@ -4725,7 +4695,7 @@
           <a:p>
             <a:pPr algn="ctr"/>
             <a:r>
-              <a:rPr lang="ru-RU" sz="1400" dirty="0" smtClean="0"/>
+              <a:rPr lang="ru-RU" sz="1400" dirty="0"/>
               <a:t>Расширить экспорт внутренней продукции</a:t>
             </a:r>
             <a:endParaRPr lang="ru-RU" sz="500" dirty="0"/>
@@ -4923,15 +4893,15 @@
           <a:p>
             <a:pPr algn="ctr"/>
             <a:r>
-              <a:rPr lang="ru-RU" sz="1400" dirty="0" smtClean="0"/>
+              <a:rPr lang="ru-RU" sz="1400" dirty="0"/>
               <a:t>Железнодорожная линия </a:t>
             </a:r>
             <a:r>
-              <a:rPr lang="ru-RU" sz="1400" dirty="0" err="1" smtClean="0"/>
+              <a:rPr lang="ru-RU" sz="1400" dirty="0" err="1"/>
               <a:t>Вичиконго</a:t>
             </a:r>
             <a:r>
-              <a:rPr lang="ru-RU" sz="1400" dirty="0" smtClean="0"/>
+              <a:rPr lang="ru-RU" sz="1400" dirty="0"/>
               <a:t> (1937)</a:t>
             </a:r>
             <a:endParaRPr lang="ru-RU" sz="500" dirty="0"/>
@@ -4983,11 +4953,7 @@
             </a:r>
             <a:r>
               <a:rPr lang="en-US" sz="1400" dirty="0"/>
-              <a:t> du </a:t>
-            </a:r>
-            <a:r>
-              <a:rPr lang="en-US" sz="1400" dirty="0" smtClean="0"/>
-              <a:t>Haut-Katanga</a:t>
+              <a:t> du Haut-Katanga</a:t>
             </a:r>
             <a:endParaRPr lang="ru-RU" sz="100" dirty="0"/>
           </a:p>
@@ -5029,7 +4995,7 @@
           <a:p>
             <a:pPr algn="ctr"/>
             <a:r>
-              <a:rPr lang="ru-RU" sz="1400" dirty="0" smtClean="0"/>
+              <a:rPr lang="ru-RU" sz="1400" dirty="0"/>
               <a:t>Горнодобывающая промышленность медного пояса</a:t>
             </a:r>
             <a:endParaRPr lang="ru-RU" sz="500" dirty="0"/>
@@ -5072,7 +5038,7 @@
           <a:p>
             <a:pPr algn="ctr"/>
             <a:r>
-              <a:rPr lang="ru-RU" sz="1400" dirty="0" smtClean="0"/>
+              <a:rPr lang="ru-RU" sz="1400" dirty="0"/>
               <a:t>Механизация производства шахт</a:t>
             </a:r>
             <a:endParaRPr lang="ru-RU" sz="100" dirty="0"/>
@@ -5115,15 +5081,15 @@
           <a:p>
             <a:pPr algn="ctr"/>
             <a:r>
-              <a:rPr lang="ru-RU" sz="1400" dirty="0" smtClean="0"/>
+              <a:rPr lang="ru-RU" sz="1400" dirty="0"/>
               <a:t>Открытие </a:t>
             </a:r>
             <a:r>
-              <a:rPr lang="en-US" sz="1400" dirty="0" err="1" smtClean="0"/>
+              <a:rPr lang="en-US" sz="1400" dirty="0" err="1"/>
               <a:t>Musonoi</a:t>
             </a:r>
             <a:r>
-              <a:rPr lang="en-US" sz="1400" dirty="0" smtClean="0"/>
+              <a:rPr lang="en-US" sz="1400" dirty="0"/>
               <a:t> Principal</a:t>
             </a:r>
             <a:endParaRPr lang="ru-RU" sz="300" dirty="0"/>
@@ -5166,7 +5132,7 @@
           <a:p>
             <a:pPr algn="ctr"/>
             <a:r>
-              <a:rPr lang="ru-RU" sz="1400" dirty="0" smtClean="0"/>
+              <a:rPr lang="ru-RU" sz="1400" dirty="0"/>
               <a:t>Расширение торгового флота </a:t>
             </a:r>
             <a:r>
@@ -5217,7 +5183,7 @@
           <a:p>
             <a:pPr algn="ctr"/>
             <a:r>
-              <a:rPr lang="ru-RU" sz="1400" dirty="0" smtClean="0"/>
+              <a:rPr lang="ru-RU" sz="1400" dirty="0"/>
               <a:t>Подготовка к войне на море (наше)</a:t>
             </a:r>
             <a:endParaRPr lang="ru-RU" sz="500" dirty="0"/>
@@ -5308,11 +5274,7 @@
             </a:r>
             <a:r>
               <a:rPr lang="ru-RU" sz="800" dirty="0"/>
-              <a:t>(наше</a:t>
-            </a:r>
-            <a:r>
-              <a:rPr lang="ru-RU" sz="800" dirty="0" smtClean="0"/>
-              <a:t>)</a:t>
+              <a:t>(наше)</a:t>
             </a:r>
             <a:endParaRPr lang="ru-RU" sz="100" dirty="0"/>
           </a:p>
@@ -5582,16 +5544,12 @@
           <a:p>
             <a:pPr algn="ctr"/>
             <a:r>
-              <a:rPr lang="ru-RU" sz="1400" dirty="0" smtClean="0"/>
+              <a:rPr lang="ru-RU" sz="1400" dirty="0"/>
               <a:t>Выслеживание чужих конвоев </a:t>
             </a:r>
             <a:r>
-              <a:rPr lang="ru-RU" sz="800" dirty="0" smtClean="0"/>
-              <a:t>(наше</a:t>
-            </a:r>
-            <a:r>
               <a:rPr lang="ru-RU" sz="800" dirty="0"/>
-              <a:t>)</a:t>
+              <a:t>(наше)</a:t>
             </a:r>
             <a:endParaRPr lang="ru-RU" sz="100" dirty="0"/>
           </a:p>
@@ -5637,7 +5595,7 @@
           <a:p>
             <a:pPr algn="ctr"/>
             <a:r>
-              <a:rPr lang="ru-RU" sz="1400" dirty="0" smtClean="0"/>
+              <a:rPr lang="ru-RU" sz="1400" dirty="0"/>
               <a:t>Институт исследований Центральной Африки (1947)</a:t>
             </a:r>
             <a:endParaRPr lang="ru-RU" sz="500" dirty="0"/>
@@ -5680,12 +5638,8 @@
           <a:p>
             <a:pPr algn="ctr"/>
             <a:r>
-              <a:rPr lang="ru-RU" sz="1400" dirty="0" smtClean="0"/>
-              <a:t>Африканская урбанизация (наше</a:t>
-            </a:r>
-            <a:r>
               <a:rPr lang="ru-RU" sz="1400" dirty="0"/>
-              <a:t>)</a:t>
+              <a:t>Африканская урбанизация (наше)</a:t>
             </a:r>
             <a:endParaRPr lang="ru-RU" sz="700" dirty="0"/>
           </a:p>
@@ -6025,7 +5979,7 @@
           <a:p>
             <a:pPr algn="ctr"/>
             <a:r>
-              <a:rPr lang="ru-RU" sz="1400" dirty="0" smtClean="0"/>
+              <a:rPr lang="ru-RU" sz="1400" dirty="0"/>
               <a:t>Строительство плотин Инга (не историчный фокус)</a:t>
             </a:r>
             <a:endParaRPr lang="ru-RU" sz="500" dirty="0"/>
@@ -6068,7 +6022,7 @@
           <a:p>
             <a:pPr algn="ctr"/>
             <a:r>
-              <a:rPr lang="ru-RU" sz="1400" dirty="0" smtClean="0"/>
+              <a:rPr lang="ru-RU" sz="1400" dirty="0"/>
               <a:t>Строительство гидроэлектростанций</a:t>
             </a:r>
             <a:endParaRPr lang="ru-RU" sz="500" dirty="0"/>
@@ -6187,11 +6141,11 @@
           <a:p>
             <a:pPr algn="ctr"/>
             <a:r>
-              <a:rPr lang="en-US" sz="1400" dirty="0" smtClean="0"/>
+              <a:rPr lang="en-US" sz="1400" dirty="0"/>
               <a:t>Force </a:t>
             </a:r>
             <a:r>
-              <a:rPr lang="en-US" sz="1400" dirty="0" err="1" smtClean="0"/>
+              <a:rPr lang="en-US" sz="1400" dirty="0" err="1"/>
               <a:t>Publique</a:t>
             </a:r>
             <a:endParaRPr lang="ru-RU" sz="100" dirty="0"/>
@@ -6234,7 +6188,7 @@
           <a:p>
             <a:pPr algn="ctr"/>
             <a:r>
-              <a:rPr lang="ru-RU" sz="1400" dirty="0" smtClean="0"/>
+              <a:rPr lang="ru-RU" sz="1400" dirty="0"/>
               <a:t>Сохранить белых офицеров</a:t>
             </a:r>
             <a:endParaRPr lang="ru-RU" sz="700" dirty="0"/>
@@ -6277,7 +6231,7 @@
           <a:p>
             <a:pPr algn="ctr"/>
             <a:r>
-              <a:rPr lang="ru-RU" sz="1400" dirty="0" smtClean="0"/>
+              <a:rPr lang="ru-RU" sz="1400" dirty="0"/>
               <a:t>Набрать офицеров из чернокожих</a:t>
             </a:r>
             <a:endParaRPr lang="ru-RU" sz="700" dirty="0"/>
@@ -6358,39 +6312,39 @@
           <a:p>
             <a:pPr algn="ctr"/>
             <a:r>
-              <a:rPr lang="ru-RU" sz="1400" dirty="0" err="1" smtClean="0"/>
+              <a:rPr lang="ru-RU" sz="1400" dirty="0" err="1"/>
               <a:t>Compagnie</a:t>
             </a:r>
             <a:r>
-              <a:rPr lang="ru-RU" sz="1400" dirty="0" smtClean="0"/>
+              <a:rPr lang="ru-RU" sz="1400" dirty="0"/>
               <a:t> </a:t>
             </a:r>
             <a:r>
-              <a:rPr lang="ru-RU" sz="1400" dirty="0" err="1" smtClean="0"/>
+              <a:rPr lang="ru-RU" sz="1400" dirty="0" err="1"/>
               <a:t>d'Artillerie</a:t>
             </a:r>
             <a:r>
-              <a:rPr lang="ru-RU" sz="1400" dirty="0" smtClean="0"/>
+              <a:rPr lang="ru-RU" sz="1400" dirty="0"/>
               <a:t> </a:t>
             </a:r>
             <a:r>
-              <a:rPr lang="ru-RU" sz="1400" dirty="0" err="1" smtClean="0"/>
+              <a:rPr lang="ru-RU" sz="1400" dirty="0" err="1"/>
               <a:t>et</a:t>
             </a:r>
             <a:r>
-              <a:rPr lang="ru-RU" sz="1400" dirty="0" smtClean="0"/>
+              <a:rPr lang="ru-RU" sz="1400" dirty="0"/>
               <a:t> </a:t>
             </a:r>
             <a:r>
-              <a:rPr lang="ru-RU" sz="1400" dirty="0" err="1" smtClean="0"/>
+              <a:rPr lang="ru-RU" sz="1400" dirty="0" err="1"/>
               <a:t>de</a:t>
             </a:r>
             <a:r>
-              <a:rPr lang="ru-RU" sz="1400" dirty="0" smtClean="0"/>
+              <a:rPr lang="ru-RU" sz="1400" dirty="0"/>
               <a:t> </a:t>
             </a:r>
             <a:r>
-              <a:rPr lang="ru-RU" sz="1400" dirty="0" err="1" smtClean="0"/>
+              <a:rPr lang="ru-RU" sz="1400" dirty="0" err="1"/>
               <a:t>Génie</a:t>
             </a:r>
             <a:endParaRPr lang="ru-RU" sz="400" dirty="0"/>
@@ -6433,16 +6387,8 @@
           <a:p>
             <a:pPr algn="ctr"/>
             <a:r>
-              <a:rPr lang="ru-RU" sz="1400" dirty="0" smtClean="0"/>
-              <a:t>10-я станция </a:t>
-            </a:r>
-            <a:r>
               <a:rPr lang="ru-RU" sz="1400" dirty="0"/>
-              <a:t>по оказанию помощи </a:t>
-            </a:r>
-            <a:r>
-              <a:rPr lang="ru-RU" sz="1400" dirty="0" smtClean="0"/>
-              <a:t>пострадавшим</a:t>
+              <a:t>10-я станция по оказанию помощи пострадавшим</a:t>
             </a:r>
             <a:endParaRPr lang="ru-RU" sz="100" dirty="0"/>
           </a:p>
@@ -6484,11 +6430,11 @@
           <a:p>
             <a:pPr algn="ctr"/>
             <a:r>
-              <a:rPr lang="fr-FR" sz="1400" dirty="0" smtClean="0"/>
+              <a:rPr lang="fr-FR" sz="1400" dirty="0"/>
               <a:t>Aviation militaire de la Force Publique</a:t>
             </a:r>
             <a:r>
-              <a:rPr lang="ru-RU" sz="1400" dirty="0" smtClean="0"/>
+              <a:rPr lang="ru-RU" sz="1400" dirty="0"/>
               <a:t> (конец 1940)</a:t>
             </a:r>
             <a:endParaRPr lang="ru-RU" sz="100" dirty="0"/>
@@ -6531,23 +6477,23 @@
           <a:p>
             <a:pPr algn="ctr"/>
             <a:r>
-              <a:rPr lang="ru-RU" sz="1400" dirty="0" smtClean="0"/>
+              <a:rPr lang="ru-RU" sz="1400" dirty="0"/>
               <a:t>Расширить аэропорт Н</a:t>
             </a:r>
             <a:r>
-              <a:rPr lang="en-US" sz="1400" dirty="0" smtClean="0"/>
+              <a:rPr lang="en-US" sz="1400" dirty="0"/>
               <a:t>’</a:t>
             </a:r>
             <a:r>
-              <a:rPr lang="ru-RU" sz="1400" dirty="0" err="1" smtClean="0"/>
+              <a:rPr lang="ru-RU" sz="1400" dirty="0" err="1"/>
               <a:t>Доло</a:t>
             </a:r>
             <a:r>
-              <a:rPr lang="ru-RU" sz="1400" dirty="0" smtClean="0"/>
+              <a:rPr lang="ru-RU" sz="1400" dirty="0"/>
               <a:t> в </a:t>
             </a:r>
             <a:r>
-              <a:rPr lang="ru-RU" sz="1400" dirty="0" err="1" smtClean="0"/>
+              <a:rPr lang="ru-RU" sz="1400" dirty="0" err="1"/>
               <a:t>Леопольдвиле</a:t>
             </a:r>
             <a:endParaRPr lang="ru-RU" sz="700" dirty="0"/>
@@ -6591,11 +6537,7 @@
             <a:pPr algn="ctr"/>
             <a:r>
               <a:rPr lang="ru-RU" sz="1400" dirty="0"/>
-              <a:t>Воздушное </a:t>
-            </a:r>
-            <a:r>
-              <a:rPr lang="ru-RU" sz="1400" dirty="0" smtClean="0"/>
-              <a:t>снабжение</a:t>
+              <a:t>Воздушное снабжение</a:t>
             </a:r>
             <a:endParaRPr lang="ru-RU" sz="200" dirty="0"/>
           </a:p>
@@ -6903,7 +6845,7 @@
           <a:p>
             <a:pPr algn="ctr"/>
             <a:r>
-              <a:rPr lang="ru-RU" sz="1400" dirty="0" smtClean="0"/>
+              <a:rPr lang="ru-RU" sz="1400" dirty="0"/>
               <a:t>Использование бельгийского вооружения (наше)</a:t>
             </a:r>
             <a:endParaRPr lang="ru-RU" sz="100" dirty="0"/>
@@ -6982,7 +6924,7 @@
           <a:p>
             <a:pPr algn="ctr"/>
             <a:r>
-              <a:rPr lang="ru-RU" sz="1400" dirty="0" smtClean="0"/>
+              <a:rPr lang="ru-RU" sz="1400" dirty="0"/>
               <a:t>Использовать радарные системы в армии</a:t>
             </a:r>
             <a:endParaRPr lang="ru-RU" sz="700" dirty="0"/>
@@ -7101,7 +7043,7 @@
           <a:p>
             <a:pPr algn="ctr"/>
             <a:r>
-              <a:rPr lang="ru-RU" sz="1400" dirty="0" smtClean="0"/>
+              <a:rPr lang="ru-RU" sz="1400" dirty="0"/>
               <a:t>Обучить гражданских пилотов (наше)</a:t>
             </a:r>
             <a:endParaRPr lang="ru-RU" sz="700" dirty="0"/>
@@ -7180,7 +7122,7 @@
           <a:p>
             <a:pPr algn="ctr"/>
             <a:r>
-              <a:rPr lang="ru-RU" sz="1400" dirty="0" smtClean="0"/>
+              <a:rPr lang="ru-RU" sz="1400" dirty="0"/>
               <a:t>Расширение территориальных вооружённых сил</a:t>
             </a:r>
             <a:endParaRPr lang="ru-RU" sz="700" dirty="0"/>
@@ -7223,7 +7165,7 @@
           <a:p>
             <a:pPr algn="ctr"/>
             <a:r>
-              <a:rPr lang="ru-RU" sz="1400" dirty="0" smtClean="0"/>
+              <a:rPr lang="ru-RU" sz="1400" dirty="0"/>
               <a:t>Расширить набор в добровольческие дивизии</a:t>
             </a:r>
             <a:endParaRPr lang="ru-RU" sz="700" dirty="0"/>
@@ -7266,11 +7208,11 @@
           <a:p>
             <a:pPr algn="ctr"/>
             <a:r>
-              <a:rPr lang="ru-RU" sz="1400" dirty="0" smtClean="0"/>
+              <a:rPr lang="ru-RU" sz="1400" dirty="0"/>
               <a:t>Дивизион </a:t>
             </a:r>
             <a:r>
-              <a:rPr lang="ru-RU" sz="1400" dirty="0" err="1" smtClean="0"/>
+              <a:rPr lang="ru-RU" sz="1400" dirty="0" err="1"/>
               <a:t>Катанги</a:t>
             </a:r>
             <a:endParaRPr lang="ru-RU" sz="100" dirty="0"/>
@@ -7425,7 +7367,7 @@
           <a:p>
             <a:pPr algn="ctr"/>
             <a:r>
-              <a:rPr lang="ru-RU" sz="1400" dirty="0" smtClean="0"/>
+              <a:rPr lang="ru-RU" sz="1400" dirty="0"/>
               <a:t>Война в Африканских условиях (наше)</a:t>
             </a:r>
             <a:endParaRPr lang="ru-RU" sz="700" dirty="0"/>
@@ -7506,7 +7448,7 @@
           <a:p>
             <a:pPr algn="ctr"/>
             <a:r>
-              <a:rPr lang="ru-RU" sz="4800" b="1" dirty="0" smtClean="0"/>
+              <a:rPr lang="ru-RU" sz="4800" b="1" dirty="0"/>
               <a:t>51</a:t>
             </a:r>
             <a:endParaRPr lang="ru-RU" sz="1600" b="1" dirty="0"/>
@@ -7549,11 +7491,11 @@
           <a:p>
             <a:pPr algn="ctr"/>
             <a:r>
-              <a:rPr lang="en-US" sz="1400" dirty="0" smtClean="0"/>
+              <a:rPr lang="en-US" sz="1400" dirty="0"/>
               <a:t>DH.85 Leopard Moth </a:t>
             </a:r>
             <a:r>
-              <a:rPr lang="ru-RU" sz="1400" dirty="0" smtClean="0"/>
+              <a:rPr lang="ru-RU" sz="1400" dirty="0"/>
               <a:t>(наше)</a:t>
             </a:r>
             <a:endParaRPr lang="ru-RU" sz="700" dirty="0"/>
@@ -7596,7 +7538,7 @@
           <a:p>
             <a:pPr algn="ctr"/>
             <a:r>
-              <a:rPr lang="ru-RU" sz="1400" dirty="0" smtClean="0"/>
+              <a:rPr lang="ru-RU" sz="1400" dirty="0"/>
               <a:t>Развитие озёрных истребителей и бомбардировщиков</a:t>
             </a:r>
             <a:endParaRPr lang="ru-RU" sz="700" dirty="0"/>
@@ -7715,7 +7657,7 @@
           <a:p>
             <a:pPr algn="ctr"/>
             <a:r>
-              <a:rPr lang="ru-RU" sz="1400" dirty="0" smtClean="0"/>
+              <a:rPr lang="ru-RU" sz="1400" dirty="0"/>
               <a:t>Перенести часть Бельгийской военной промышленности</a:t>
             </a:r>
             <a:endParaRPr lang="ru-RU" sz="700" dirty="0"/>
@@ -7758,7 +7700,7 @@
           <a:p>
             <a:pPr algn="ctr"/>
             <a:r>
-              <a:rPr lang="ru-RU" sz="1400" dirty="0" smtClean="0"/>
+              <a:rPr lang="ru-RU" sz="1400" dirty="0"/>
               <a:t>Создание собственной военной промышленности</a:t>
             </a:r>
             <a:endParaRPr lang="ru-RU" sz="700" dirty="0"/>
@@ -7877,16 +7819,8 @@
           <a:p>
             <a:pPr algn="ctr"/>
             <a:r>
-              <a:rPr lang="ru-RU" sz="1400" dirty="0" smtClean="0"/>
-              <a:t>Создание </a:t>
-            </a:r>
-            <a:r>
               <a:rPr lang="ru-RU" sz="1400" dirty="0"/>
-              <a:t>п</a:t>
-            </a:r>
-            <a:r>
-              <a:rPr lang="ru-RU" sz="1400" dirty="0" smtClean="0"/>
-              <a:t>рофсоюзов для белых</a:t>
+              <a:t>Создание профсоюзов для белых</a:t>
             </a:r>
             <a:endParaRPr lang="ru-RU" sz="500" dirty="0"/>
           </a:p>
@@ -7928,16 +7862,8 @@
           <a:p>
             <a:pPr algn="ctr"/>
             <a:r>
-              <a:rPr lang="ru-RU" sz="1400" dirty="0" smtClean="0"/>
-              <a:t>Создание </a:t>
-            </a:r>
-            <a:r>
               <a:rPr lang="ru-RU" sz="1400" dirty="0"/>
-              <a:t>п</a:t>
-            </a:r>
-            <a:r>
-              <a:rPr lang="ru-RU" sz="1400" dirty="0" smtClean="0"/>
-              <a:t>рофсоюзов для темнокожих</a:t>
+              <a:t>Создание профсоюзов для темнокожих</a:t>
             </a:r>
             <a:endParaRPr lang="ru-RU" sz="500" dirty="0"/>
           </a:p>
@@ -7979,7 +7905,7 @@
           <a:p>
             <a:pPr algn="ctr"/>
             <a:r>
-              <a:rPr lang="ru-RU" sz="1400" dirty="0" smtClean="0"/>
+              <a:rPr lang="ru-RU" sz="1400" dirty="0"/>
               <a:t>Введение нового социального класса</a:t>
             </a:r>
             <a:endParaRPr lang="ru-RU" sz="100" dirty="0"/>
@@ -8022,7 +7948,7 @@
           <a:p>
             <a:pPr algn="ctr"/>
             <a:r>
-              <a:rPr lang="ru-RU" sz="1400" dirty="0" smtClean="0"/>
+              <a:rPr lang="ru-RU" sz="1400" dirty="0"/>
               <a:t>Доминируй чтобы служить</a:t>
             </a:r>
             <a:endParaRPr lang="ru-RU" sz="100" dirty="0"/>
@@ -8065,7 +7991,7 @@
           <a:p>
             <a:pPr algn="ctr"/>
             <a:r>
-              <a:rPr lang="ru-RU" sz="1400" dirty="0" smtClean="0"/>
+              <a:rPr lang="ru-RU" sz="1400" dirty="0"/>
               <a:t>Амнистия заключённых</a:t>
             </a:r>
             <a:endParaRPr lang="ru-RU" sz="500" dirty="0"/>
@@ -8108,7 +8034,7 @@
           <a:p>
             <a:pPr algn="ctr"/>
             <a:r>
-              <a:rPr lang="ru-RU" sz="1400" dirty="0" smtClean="0"/>
+              <a:rPr lang="ru-RU" sz="1400" dirty="0"/>
               <a:t>Признание конголезской церкви</a:t>
             </a:r>
             <a:endParaRPr lang="ru-RU" sz="500" dirty="0"/>
@@ -8156,7 +8082,7 @@
           <a:p>
             <a:pPr algn="ctr"/>
             <a:r>
-              <a:rPr lang="ru-RU" sz="1400" dirty="0" smtClean="0"/>
+              <a:rPr lang="ru-RU" sz="1400" dirty="0"/>
               <a:t>Изгнать белого человека в землю</a:t>
             </a:r>
             <a:endParaRPr lang="ru-RU" sz="400" dirty="0"/>
@@ -8204,7 +8130,7 @@
           <a:p>
             <a:pPr algn="ctr"/>
             <a:r>
-              <a:rPr lang="ru-RU" sz="1400" dirty="0" smtClean="0"/>
+              <a:rPr lang="ru-RU" sz="1400" dirty="0"/>
               <a:t>Второе пришествие Христа</a:t>
             </a:r>
             <a:endParaRPr lang="ru-RU" sz="100" dirty="0"/>
@@ -8252,7 +8178,7 @@
           <a:p>
             <a:pPr algn="ctr"/>
             <a:r>
-              <a:rPr lang="ru-RU" sz="1400" dirty="0" smtClean="0"/>
+              <a:rPr lang="ru-RU" sz="1400" dirty="0"/>
               <a:t>Возврат земель племенам</a:t>
             </a:r>
             <a:endParaRPr lang="ru-RU" sz="500" dirty="0"/>
@@ -8300,7 +8226,7 @@
           <a:p>
             <a:pPr algn="ctr"/>
             <a:r>
-              <a:rPr lang="ru-RU" sz="1400" dirty="0" smtClean="0"/>
+              <a:rPr lang="ru-RU" sz="1400" dirty="0"/>
               <a:t>Отмена налогов</a:t>
             </a:r>
             <a:endParaRPr lang="ru-RU" sz="500" dirty="0"/>
@@ -8346,12 +8272,8 @@
           <a:p>
             <a:pPr algn="ctr"/>
             <a:r>
-              <a:rPr lang="ru-RU" sz="1400" dirty="0" smtClean="0"/>
+              <a:rPr lang="ru-RU" sz="1400" dirty="0"/>
               <a:t>Провозгласить государство рабочих!</a:t>
-            </a:r>
-            <a:r>
-              <a:rPr lang="ru-RU" sz="1400" dirty="0"/>
-              <a:t/>
             </a:r>
             <a:br>
               <a:rPr lang="ru-RU" sz="1400" dirty="0"/>
@@ -8400,11 +8322,7 @@
             <a:pPr algn="ctr"/>
             <a:r>
               <a:rPr lang="ru-RU" sz="1400" dirty="0"/>
-              <a:t>Прекратить расовую </a:t>
-            </a:r>
-            <a:r>
-              <a:rPr lang="ru-RU" sz="1400" dirty="0" smtClean="0"/>
-              <a:t>сегрегацию</a:t>
+              <a:t>Прекратить расовую сегрегацию</a:t>
             </a:r>
             <a:endParaRPr lang="ru-RU" sz="500" dirty="0"/>
           </a:p>
@@ -8495,7 +8413,7 @@
           <a:p>
             <a:pPr algn="ctr"/>
             <a:r>
-              <a:rPr lang="ru-RU" sz="1400" dirty="0" smtClean="0"/>
+              <a:rPr lang="ru-RU" sz="1400" dirty="0"/>
               <a:t>Призвать африканских рабочих к свободе</a:t>
             </a:r>
             <a:endParaRPr lang="ru-RU" sz="500" dirty="0"/>
@@ -8541,7 +8459,7 @@
           <a:p>
             <a:pPr algn="ctr"/>
             <a:r>
-              <a:rPr lang="ru-RU" sz="1400" dirty="0" smtClean="0"/>
+              <a:rPr lang="ru-RU" sz="1400" dirty="0"/>
               <a:t>Повышение зарплат рабочим</a:t>
             </a:r>
             <a:endParaRPr lang="ru-RU" sz="500" dirty="0"/>
@@ -8584,7 +8502,7 @@
           <a:p>
             <a:pPr algn="ctr"/>
             <a:r>
-              <a:rPr lang="ru-RU" sz="1400" dirty="0" smtClean="0"/>
+              <a:rPr lang="ru-RU" sz="1400" dirty="0"/>
               <a:t>Поддержка протестантских церквей</a:t>
             </a:r>
             <a:endParaRPr lang="ru-RU" sz="500" dirty="0"/>
@@ -8999,7 +8917,7 @@
           <a:p>
             <a:pPr algn="ctr"/>
             <a:r>
-              <a:rPr lang="ru-RU" sz="1400" dirty="0" smtClean="0"/>
+              <a:rPr lang="ru-RU" sz="1400" dirty="0"/>
               <a:t>Уменьшить зависимость от Брюсселя</a:t>
             </a:r>
             <a:endParaRPr lang="ru-RU" sz="500" dirty="0"/>
@@ -9047,7 +8965,7 @@
           <a:p>
             <a:pPr algn="ctr"/>
             <a:r>
-              <a:rPr lang="ru-RU" sz="1400" dirty="0" smtClean="0"/>
+              <a:rPr lang="ru-RU" sz="1400" dirty="0"/>
               <a:t>Подчиниться новому правительству Брюсселя</a:t>
             </a:r>
             <a:endParaRPr lang="ru-RU" sz="100" dirty="0"/>
@@ -9095,7 +9013,7 @@
           <a:p>
             <a:pPr algn="ctr"/>
             <a:r>
-              <a:rPr lang="ru-RU" sz="1400" dirty="0" smtClean="0"/>
+              <a:rPr lang="ru-RU" sz="1400" dirty="0"/>
               <a:t>Лояльность действующему правительству</a:t>
             </a:r>
             <a:endParaRPr lang="ru-RU" sz="100" dirty="0"/>
@@ -9305,7 +9223,7 @@
           <a:p>
             <a:pPr algn="ctr"/>
             <a:r>
-              <a:rPr lang="ru-RU" sz="1400" dirty="0" smtClean="0"/>
+              <a:rPr lang="ru-RU" sz="1400" dirty="0"/>
               <a:t>Провести реструктуризацию</a:t>
             </a:r>
             <a:endParaRPr lang="ru-RU" sz="400" dirty="0"/>
@@ -9353,7 +9271,7 @@
           <a:p>
             <a:pPr algn="ctr"/>
             <a:r>
-              <a:rPr lang="ru-RU" sz="1400" dirty="0" smtClean="0"/>
+              <a:rPr lang="ru-RU" sz="1400" dirty="0"/>
               <a:t>Подпустить Рейх к разработке Урана </a:t>
             </a:r>
             <a:r>
@@ -9405,15 +9323,15 @@
           <a:p>
             <a:pPr algn="ctr"/>
             <a:r>
-              <a:rPr lang="ru-RU" sz="1400" dirty="0" smtClean="0"/>
+              <a:rPr lang="ru-RU" sz="1400" dirty="0"/>
               <a:t>Экономическое соглашение с Великобританией (</a:t>
             </a:r>
             <a:r>
-              <a:rPr lang="ru-RU" sz="1400" dirty="0" err="1" smtClean="0"/>
+              <a:rPr lang="ru-RU" sz="1400" dirty="0" err="1"/>
               <a:t>ист</a:t>
             </a:r>
             <a:r>
-              <a:rPr lang="ru-RU" sz="1400" dirty="0" smtClean="0"/>
+              <a:rPr lang="ru-RU" sz="1400" dirty="0"/>
               <a:t> 21 января 1941)</a:t>
             </a:r>
             <a:endParaRPr lang="ru-RU" sz="300" dirty="0"/>
@@ -9471,7 +9389,7 @@
           <a:p>
             <a:pPr algn="ctr"/>
             <a:r>
-              <a:rPr lang="ru-RU" sz="1400" dirty="0" smtClean="0"/>
+              <a:rPr lang="ru-RU" sz="1400" dirty="0"/>
               <a:t>Совместные исследования (наше)</a:t>
             </a:r>
             <a:endParaRPr lang="ru-RU" sz="500" dirty="0"/>
@@ -9633,24 +9551,8 @@
           <a:p>
             <a:pPr algn="ctr"/>
             <a:r>
-              <a:rPr lang="ru-RU" sz="1400" dirty="0" smtClean="0"/>
-              <a:t>Продать запасы </a:t>
-            </a:r>
-            <a:r>
               <a:rPr lang="ru-RU" sz="1400" dirty="0"/>
-              <a:t>у</a:t>
-            </a:r>
-            <a:r>
-              <a:rPr lang="ru-RU" sz="1400" dirty="0" smtClean="0"/>
-              <a:t>рана </a:t>
-            </a:r>
-            <a:r>
-              <a:rPr lang="ru-RU" sz="1400" dirty="0"/>
-              <a:t>в </a:t>
-            </a:r>
-            <a:r>
-              <a:rPr lang="ru-RU" sz="1400" dirty="0" smtClean="0"/>
-              <a:t>США</a:t>
+              <a:t>Продать запасы урана в США</a:t>
             </a:r>
             <a:endParaRPr lang="ru-RU" sz="200" dirty="0"/>
           </a:p>
@@ -9809,15 +9711,15 @@
           <a:p>
             <a:pPr algn="ctr"/>
             <a:r>
-              <a:rPr lang="ru-RU" sz="1400" dirty="0" smtClean="0"/>
+              <a:rPr lang="ru-RU" sz="1400" dirty="0"/>
               <a:t>Создать </a:t>
             </a:r>
             <a:r>
-              <a:rPr lang="en-US" sz="1400" dirty="0" smtClean="0"/>
+              <a:rPr lang="en-US" sz="1400" dirty="0"/>
               <a:t>SS </a:t>
             </a:r>
             <a:r>
-              <a:rPr lang="ru-RU" sz="1400" dirty="0" smtClean="0"/>
+              <a:rPr lang="ru-RU" sz="1400" dirty="0"/>
               <a:t>из конголезцев</a:t>
             </a:r>
             <a:endParaRPr lang="ru-RU" sz="500" dirty="0"/>
@@ -9865,7 +9767,7 @@
           <a:p>
             <a:pPr algn="ctr"/>
             <a:r>
-              <a:rPr lang="ru-RU" sz="1400" dirty="0" smtClean="0"/>
+              <a:rPr lang="ru-RU" sz="1400" dirty="0"/>
               <a:t>Вернуть Французское Конго</a:t>
             </a:r>
             <a:endParaRPr lang="ru-RU" sz="500" dirty="0"/>
@@ -9987,7 +9889,7 @@
           <a:p>
             <a:pPr algn="ctr"/>
             <a:r>
-              <a:rPr lang="ru-RU" sz="1400" dirty="0" smtClean="0"/>
+              <a:rPr lang="ru-RU" sz="1400" dirty="0"/>
               <a:t>Вернуть Португальское Конго</a:t>
             </a:r>
             <a:endParaRPr lang="ru-RU" sz="500" dirty="0"/>
@@ -10030,16 +9932,8 @@
           <a:p>
             <a:pPr algn="ctr"/>
             <a:r>
-              <a:rPr lang="ru-RU" sz="1400" dirty="0" smtClean="0"/>
-              <a:t>Разрешить набор местных </a:t>
-            </a:r>
-            <a:r>
               <a:rPr lang="ru-RU" sz="1400" dirty="0"/>
-              <a:t>в </a:t>
-            </a:r>
-            <a:r>
-              <a:rPr lang="ru-RU" sz="1400" dirty="0" smtClean="0"/>
-              <a:t>администрацию</a:t>
+              <a:t>Разрешить набор местных в администрацию</a:t>
             </a:r>
             <a:endParaRPr lang="ru-RU" sz="100" dirty="0"/>
           </a:p>
@@ -10081,7 +9975,7 @@
           <a:p>
             <a:pPr algn="ctr"/>
             <a:r>
-              <a:rPr lang="ru-RU" sz="1400" dirty="0" smtClean="0"/>
+              <a:rPr lang="ru-RU" sz="1400" dirty="0"/>
               <a:t>Бельгийский доминион</a:t>
             </a:r>
             <a:endParaRPr lang="ru-RU" sz="100" dirty="0"/>
@@ -10167,7 +10061,7 @@
           <a:p>
             <a:pPr algn="ctr"/>
             <a:r>
-              <a:rPr lang="ru-RU" sz="1400" dirty="0" smtClean="0"/>
+              <a:rPr lang="ru-RU" sz="1400" dirty="0"/>
               <a:t>Вход экономики в области стерлингов</a:t>
             </a:r>
             <a:endParaRPr lang="ru-RU" sz="500" dirty="0"/>
@@ -10246,16 +10140,8 @@
           <a:p>
             <a:pPr algn="ctr"/>
             <a:r>
-              <a:rPr lang="ru-RU" sz="1400" dirty="0" smtClean="0"/>
-              <a:t>Привлечь сельских жителей </a:t>
-            </a:r>
-            <a:r>
               <a:rPr lang="ru-RU" sz="1400" dirty="0"/>
-              <a:t>к </a:t>
-            </a:r>
-            <a:r>
-              <a:rPr lang="ru-RU" sz="1400" dirty="0" smtClean="0"/>
-              <a:t>работам</a:t>
+              <a:t>Привлечь сельских жителей к работам</a:t>
             </a:r>
             <a:endParaRPr lang="ru-RU" sz="100" dirty="0"/>
           </a:p>
@@ -10335,23 +10221,19 @@
           <a:p>
             <a:pPr algn="ctr"/>
             <a:r>
-              <a:rPr lang="ru-RU" sz="1400" dirty="0" smtClean="0"/>
-              <a:t>Нарастить </a:t>
-            </a:r>
-            <a:r>
               <a:rPr lang="ru-RU" sz="1400" dirty="0"/>
-              <a:t>производство транспорта </a:t>
-            </a:r>
-            <a:r>
-              <a:rPr lang="ru-RU" sz="900" dirty="0" smtClean="0"/>
+              <a:t>Нарастить производство транспорта </a:t>
+            </a:r>
+            <a:r>
+              <a:rPr lang="ru-RU" sz="900" dirty="0"/>
               <a:t>(</a:t>
             </a:r>
             <a:r>
-              <a:rPr lang="ru-RU" sz="900" dirty="0" err="1" smtClean="0"/>
+              <a:rPr lang="ru-RU" sz="900" dirty="0" err="1"/>
               <a:t>ист</a:t>
             </a:r>
             <a:r>
-              <a:rPr lang="ru-RU" sz="900" dirty="0" smtClean="0"/>
+              <a:rPr lang="ru-RU" sz="900" dirty="0"/>
               <a:t> 1941)</a:t>
             </a:r>
             <a:endParaRPr lang="ru-RU" sz="200" dirty="0"/>
@@ -10432,7 +10314,7 @@
           <a:p>
             <a:pPr algn="ctr"/>
             <a:r>
-              <a:rPr lang="ru-RU" sz="1400" dirty="0" smtClean="0"/>
+              <a:rPr lang="ru-RU" sz="1400" dirty="0"/>
               <a:t>Вернуть принудительный труд</a:t>
             </a:r>
             <a:endParaRPr lang="ru-RU" sz="100" dirty="0"/>
@@ -10514,15 +10396,7 @@
             <a:pPr algn="ctr"/>
             <a:r>
               <a:rPr lang="ru-RU" sz="1400" dirty="0"/>
-              <a:t>Предоставить права </a:t>
-            </a:r>
-            <a:r>
-              <a:rPr lang="ru-RU" sz="1400" dirty="0" smtClean="0"/>
-              <a:t>«развитым» </a:t>
-            </a:r>
-            <a:r>
-              <a:rPr lang="ru-RU" sz="1400" dirty="0"/>
-              <a:t>конголезцам</a:t>
+              <a:t>Предоставить права «развитым» конголезцам</a:t>
             </a:r>
             <a:endParaRPr lang="ru-RU" sz="500" dirty="0"/>
           </a:p>
@@ -10569,11 +10443,11 @@
           <a:p>
             <a:pPr algn="ctr"/>
             <a:r>
-              <a:rPr lang="ru-RU" sz="1400" dirty="0" smtClean="0"/>
+              <a:rPr lang="ru-RU" sz="1400" dirty="0"/>
               <a:t>Двенадцать апостолов пророка </a:t>
             </a:r>
             <a:r>
-              <a:rPr lang="ru-RU" sz="1400" dirty="0" err="1" smtClean="0"/>
+              <a:rPr lang="ru-RU" sz="1400" dirty="0" err="1"/>
               <a:t>Кимбангу</a:t>
             </a:r>
             <a:endParaRPr lang="ru-RU" sz="100" dirty="0"/>
@@ -10621,16 +10495,8 @@
           <a:p>
             <a:pPr algn="ctr"/>
             <a:r>
-              <a:rPr lang="ru-RU" sz="1400" dirty="0" smtClean="0"/>
-              <a:t>Строительство </a:t>
-            </a:r>
-            <a:r>
               <a:rPr lang="ru-RU" sz="1400" dirty="0"/>
-              <a:t>святого </a:t>
-            </a:r>
-            <a:r>
-              <a:rPr lang="ru-RU" sz="1400" dirty="0" smtClean="0"/>
-              <a:t>храма</a:t>
+              <a:t>Строительство святого храма</a:t>
             </a:r>
             <a:endParaRPr lang="ru-RU" sz="100" dirty="0"/>
           </a:p>
@@ -10677,11 +10543,11 @@
           <a:p>
             <a:pPr algn="ctr"/>
             <a:r>
-              <a:rPr lang="ru-RU" sz="1400" dirty="0" smtClean="0"/>
+              <a:rPr lang="ru-RU" sz="1400" dirty="0"/>
               <a:t>Основать </a:t>
             </a:r>
             <a:r>
-              <a:rPr lang="ru-RU" sz="1400" dirty="0" err="1" smtClean="0"/>
+              <a:rPr lang="ru-RU" sz="1400" dirty="0" err="1"/>
               <a:t>кхакисту</a:t>
             </a:r>
             <a:endParaRPr lang="ru-RU" sz="100" dirty="0"/>
@@ -11069,7 +10935,7 @@
           <a:p>
             <a:pPr algn="ctr"/>
             <a:r>
-              <a:rPr lang="ru-RU" sz="1400" dirty="0" smtClean="0"/>
+              <a:rPr lang="ru-RU" sz="1400" dirty="0"/>
               <a:t>Создание собственной Республики</a:t>
             </a:r>
           </a:p>
@@ -11114,14 +10980,14 @@
           <a:p>
             <a:pPr algn="ctr"/>
             <a:r>
-              <a:rPr lang="ru-RU" sz="1400" dirty="0" smtClean="0"/>
+              <a:rPr lang="ru-RU" sz="1400" dirty="0"/>
               <a:t>Пьер </a:t>
             </a:r>
             <a:r>
-              <a:rPr lang="en-US" sz="1400" dirty="0" smtClean="0"/>
+              <a:rPr lang="en-US" sz="1400" dirty="0"/>
               <a:t>VII</a:t>
             </a:r>
-            <a:endParaRPr lang="ru-RU" sz="1400" dirty="0" smtClean="0"/>
+            <a:endParaRPr lang="ru-RU" sz="1400" dirty="0"/>
           </a:p>
         </p:txBody>
       </p:sp>
@@ -11278,7 +11144,7 @@
           <a:p>
             <a:pPr algn="ctr"/>
             <a:r>
-              <a:rPr lang="ru-RU" sz="1400" dirty="0" smtClean="0"/>
+              <a:rPr lang="ru-RU" sz="1400" dirty="0"/>
               <a:t>Восстановление административного аппарата</a:t>
             </a:r>
             <a:endParaRPr lang="ru-RU" sz="500" dirty="0"/>
@@ -11510,7 +11376,7 @@
           <a:p>
             <a:pPr algn="ctr"/>
             <a:r>
-              <a:rPr lang="ru-RU" sz="1400" dirty="0" smtClean="0"/>
+              <a:rPr lang="ru-RU" sz="1400" dirty="0"/>
               <a:t>Установить связи с государствами рабочих</a:t>
             </a:r>
             <a:endParaRPr lang="ru-RU" sz="500" dirty="0"/>
@@ -11594,7 +11460,7 @@
           <a:p>
             <a:pPr algn="ctr"/>
             <a:r>
-              <a:rPr lang="ru-RU" sz="1400" dirty="0" smtClean="0"/>
+              <a:rPr lang="ru-RU" sz="1400" dirty="0"/>
               <a:t>Организовать рабочую партию</a:t>
             </a:r>
             <a:endParaRPr lang="ru-RU" sz="500" dirty="0"/>
@@ -11641,11 +11507,7 @@
             <a:pPr algn="ctr"/>
             <a:r>
               <a:rPr lang="ru-RU" sz="1400" dirty="0"/>
-              <a:t>С</a:t>
-            </a:r>
-            <a:r>
-              <a:rPr lang="ru-RU" sz="1400" dirty="0" smtClean="0"/>
-              <a:t>оздание молодёжных кружков</a:t>
+              <a:t>Создание молодёжных кружков</a:t>
             </a:r>
             <a:endParaRPr lang="ru-RU" sz="500" dirty="0"/>
           </a:p>
@@ -11762,7 +11624,7 @@
           <a:p>
             <a:pPr algn="ctr"/>
             <a:r>
-              <a:rPr lang="ru-RU" sz="1400" dirty="0" smtClean="0"/>
+              <a:rPr lang="ru-RU" sz="1400" dirty="0"/>
               <a:t>Уравнять права белых и чёрных рабочих</a:t>
             </a:r>
             <a:endParaRPr lang="ru-RU" sz="500" dirty="0"/>
@@ -11843,11 +11705,11 @@
           <a:p>
             <a:pPr algn="ctr"/>
             <a:r>
-              <a:rPr lang="ru-RU" sz="1400" dirty="0" smtClean="0"/>
+              <a:rPr lang="ru-RU" sz="1400" dirty="0"/>
               <a:t>ГУИШКА НА КАРТУ ВЕРНОСТИ ВОЖДЕЙ</a:t>
             </a:r>
             <a:br>
-              <a:rPr lang="ru-RU" sz="1400" dirty="0" smtClean="0"/>
+              <a:rPr lang="ru-RU" sz="1400" dirty="0"/>
             </a:br>
             <a:endParaRPr lang="ru-RU" sz="500" dirty="0"/>
           </a:p>
@@ -11889,7 +11751,7 @@
           <a:p>
             <a:pPr algn="ctr"/>
             <a:r>
-              <a:rPr lang="ru-RU" sz="1400" dirty="0" smtClean="0"/>
+              <a:rPr lang="ru-RU" sz="1400" dirty="0"/>
               <a:t>«Хлопковые дороги»</a:t>
             </a:r>
             <a:endParaRPr lang="ru-RU" sz="100" dirty="0"/>
@@ -11975,7 +11837,7 @@
           <a:p>
             <a:pPr algn="ctr"/>
             <a:r>
-              <a:rPr lang="ru-RU" sz="1400" dirty="0" smtClean="0"/>
+              <a:rPr lang="ru-RU" sz="1400" dirty="0"/>
               <a:t>Стремление к освобождению Эфиопии (наше)</a:t>
             </a:r>
             <a:endParaRPr lang="ru-RU" sz="500" dirty="0"/>
@@ -12175,7 +12037,7 @@
           <a:p>
             <a:pPr algn="ctr"/>
             <a:r>
-              <a:rPr lang="ru-RU" sz="1400" dirty="0" smtClean="0"/>
+              <a:rPr lang="ru-RU" sz="1400" dirty="0"/>
               <a:t>Немецкие исследования резины</a:t>
             </a:r>
             <a:endParaRPr lang="ru-RU" sz="500" dirty="0"/>
@@ -12257,7 +12119,7 @@
           <a:p>
             <a:pPr algn="ctr"/>
             <a:r>
-              <a:rPr lang="ru-RU" sz="1400" dirty="0" smtClean="0"/>
+              <a:rPr lang="ru-RU" sz="1400" dirty="0"/>
               <a:t>Приезд советников из Москвы</a:t>
             </a:r>
             <a:endParaRPr lang="ru-RU" sz="500" dirty="0"/>
@@ -12303,7 +12165,7 @@
           <a:p>
             <a:pPr algn="ctr"/>
             <a:r>
-              <a:rPr lang="ru-RU" sz="1400" dirty="0" smtClean="0"/>
+              <a:rPr lang="ru-RU" sz="1400" dirty="0"/>
               <a:t>Принять помощь от южноафриканских профсоюзов</a:t>
             </a:r>
             <a:endParaRPr lang="ru-RU" sz="500" dirty="0"/>
@@ -12465,16 +12327,8 @@
           <a:p>
             <a:pPr algn="ctr"/>
             <a:r>
-              <a:rPr lang="ru-RU" sz="1400" dirty="0" smtClean="0"/>
-              <a:t>Запрет алкоголя </a:t>
-            </a:r>
-            <a:r>
               <a:rPr lang="ru-RU" sz="1400" dirty="0"/>
-              <a:t>и </a:t>
-            </a:r>
-            <a:r>
-              <a:rPr lang="ru-RU" sz="1400" dirty="0" smtClean="0"/>
-              <a:t>дурманов</a:t>
+              <a:t>Запрет алкоголя и дурманов</a:t>
             </a:r>
             <a:endParaRPr lang="ru-RU" sz="100" dirty="0"/>
           </a:p>
@@ -12521,7 +12375,7 @@
           <a:p>
             <a:pPr algn="ctr"/>
             <a:r>
-              <a:rPr lang="ru-RU" sz="1400" dirty="0" smtClean="0"/>
+              <a:rPr lang="ru-RU" sz="1400" dirty="0"/>
               <a:t>Помощь Армии Спасения</a:t>
             </a:r>
             <a:endParaRPr lang="ru-RU" sz="500" dirty="0"/>
@@ -12569,7 +12423,7 @@
           <a:p>
             <a:pPr algn="ctr"/>
             <a:r>
-              <a:rPr lang="ru-RU" sz="1400" dirty="0" smtClean="0"/>
+              <a:rPr lang="ru-RU" sz="1400" dirty="0"/>
               <a:t>Обратиться к братьям в Америке</a:t>
             </a:r>
             <a:endParaRPr lang="ru-RU" sz="500" dirty="0"/>
@@ -12617,7 +12471,7 @@
           <a:p>
             <a:pPr algn="ctr"/>
             <a:r>
-              <a:rPr lang="ru-RU" sz="1400" dirty="0" smtClean="0"/>
+              <a:rPr lang="ru-RU" sz="1400" dirty="0"/>
               <a:t>Помочь желающим вернуться на родину</a:t>
             </a:r>
             <a:endParaRPr lang="ru-RU" sz="500" dirty="0"/>
@@ -12961,7 +12815,7 @@
           <a:p>
             <a:pPr algn="ctr"/>
             <a:r>
-              <a:rPr lang="ru-RU" sz="1400" dirty="0" smtClean="0"/>
+              <a:rPr lang="ru-RU" sz="1400" dirty="0"/>
               <a:t>Изучение смертельной руды (наше)</a:t>
             </a:r>
             <a:endParaRPr lang="ru-RU" sz="500" dirty="0"/>
@@ -13094,11 +12948,7 @@
             <a:pPr algn="ctr"/>
             <a:r>
               <a:rPr lang="ru-RU" sz="1400" dirty="0"/>
-              <a:t>Освобождение братьев из французских колоний (наше</a:t>
-            </a:r>
-            <a:r>
-              <a:rPr lang="ru-RU" sz="1400" dirty="0" smtClean="0"/>
-              <a:t>)</a:t>
+              <a:t>Освобождение братьев из французских колоний (наше)</a:t>
             </a:r>
             <a:endParaRPr lang="ru-RU" sz="500" dirty="0"/>
           </a:p>
@@ -13145,7 +12995,7 @@
           <a:p>
             <a:pPr algn="ctr"/>
             <a:r>
-              <a:rPr lang="ru-RU" sz="1400" dirty="0" smtClean="0"/>
+              <a:rPr lang="ru-RU" sz="1400" dirty="0"/>
               <a:t>Создание «Чёрной международной миссии»</a:t>
             </a:r>
             <a:endParaRPr lang="ru-RU" sz="500" dirty="0"/>
@@ -13231,7 +13081,7 @@
           <a:p>
             <a:pPr algn="ctr"/>
             <a:r>
-              <a:rPr lang="ru-RU" sz="1400" dirty="0" smtClean="0"/>
+              <a:rPr lang="ru-RU" sz="1400" dirty="0"/>
               <a:t>Пригласить колдунов с Европы (наше)</a:t>
             </a:r>
             <a:endParaRPr lang="ru-RU" sz="500" dirty="0"/>
@@ -13400,11 +13250,7 @@
             <a:pPr algn="ctr"/>
             <a:r>
               <a:rPr lang="ru-RU" sz="1400" dirty="0"/>
-              <a:t>Чёрные братья из Сахары (наше</a:t>
-            </a:r>
-            <a:r>
-              <a:rPr lang="ru-RU" sz="1400" dirty="0" smtClean="0"/>
-              <a:t>)</a:t>
+              <a:t>Чёрные братья из Сахары (наше)</a:t>
             </a:r>
             <a:endParaRPr lang="ru-RU" sz="500" dirty="0"/>
           </a:p>
@@ -13655,7 +13501,7 @@
           <a:p>
             <a:pPr algn="ctr"/>
             <a:r>
-              <a:rPr lang="ru-RU" sz="1400" dirty="0" smtClean="0"/>
+              <a:rPr lang="ru-RU" sz="1400" dirty="0"/>
               <a:t>Империя чёрного Христа (наше)</a:t>
             </a:r>
             <a:endParaRPr lang="ru-RU" sz="500" dirty="0"/>
@@ -13779,7 +13625,7 @@
           <a:p>
             <a:pPr algn="ctr"/>
             <a:r>
-              <a:rPr lang="ru-RU" sz="1400" dirty="0" smtClean="0"/>
+              <a:rPr lang="ru-RU" sz="1400" dirty="0"/>
               <a:t>Православная Эфиопия (наше)</a:t>
             </a:r>
             <a:endParaRPr lang="ru-RU" sz="500" dirty="0"/>
@@ -13827,7 +13673,7 @@
           <a:p>
             <a:pPr algn="ctr"/>
             <a:r>
-              <a:rPr lang="ru-RU" sz="1400" dirty="0" smtClean="0"/>
+              <a:rPr lang="ru-RU" sz="1400" dirty="0"/>
               <a:t>Покарать язычников на севере (против Либерии)</a:t>
             </a:r>
             <a:endParaRPr lang="ru-RU" sz="500" dirty="0"/>
@@ -13951,7 +13797,7 @@
           <a:p>
             <a:pPr algn="ctr"/>
             <a:r>
-              <a:rPr lang="ru-RU" sz="1400" dirty="0" smtClean="0"/>
+              <a:rPr lang="ru-RU" sz="1400" dirty="0"/>
               <a:t>Проповеди среди заблудших душ (наше)</a:t>
             </a:r>
             <a:endParaRPr lang="ru-RU" sz="500" dirty="0"/>
@@ -14071,18 +13917,9 @@
           <a:p>
             <a:pPr algn="ctr"/>
             <a:r>
-              <a:rPr lang="ru-RU" sz="1400" dirty="0" smtClean="0"/>
-              <a:t>Сотрудничество с военным </a:t>
-            </a:r>
-            <a:r>
               <a:rPr lang="ru-RU" sz="1400" dirty="0"/>
-              <a:t>командованием (</a:t>
-            </a:r>
-            <a:r>
-              <a:rPr lang="ru-RU" sz="1400" dirty="0" smtClean="0"/>
-              <a:t>наше)</a:t>
-            </a:r>
-            <a:endParaRPr lang="ru-RU" sz="1400" dirty="0"/>
+              <a:t>Сотрудничество с военным командованием (наше)</a:t>
+            </a:r>
           </a:p>
         </p:txBody>
       </p:sp>
@@ -14127,7 +13964,7 @@
           <a:p>
             <a:pPr algn="ctr"/>
             <a:r>
-              <a:rPr lang="ru-RU" sz="1400" dirty="0" smtClean="0"/>
+              <a:rPr lang="ru-RU" sz="1400" dirty="0"/>
               <a:t>Признать диалекты официальными языками в регионах</a:t>
             </a:r>
           </a:p>
@@ -14174,18 +14011,9 @@
           <a:p>
             <a:pPr algn="ctr"/>
             <a:r>
-              <a:rPr lang="ru-RU" sz="1400" dirty="0" smtClean="0"/>
-              <a:t>Усиление роли военных в общественной </a:t>
-            </a:r>
-            <a:r>
               <a:rPr lang="ru-RU" sz="1400" dirty="0"/>
-              <a:t>жизни (наше</a:t>
-            </a:r>
-            <a:r>
-              <a:rPr lang="ru-RU" sz="1400" dirty="0" smtClean="0"/>
-              <a:t>)</a:t>
-            </a:r>
-            <a:endParaRPr lang="ru-RU" sz="1400" dirty="0"/>
+              <a:t>Усиление роли военных в общественной жизни (наше)</a:t>
+            </a:r>
           </a:p>
         </p:txBody>
       </p:sp>
@@ -14239,13 +14067,8 @@
             <a:pPr algn="ctr"/>
             <a:r>
               <a:rPr lang="ru-RU" sz="1400" dirty="0"/>
-              <a:t>Привлечение населения к обработке земли (наше</a:t>
-            </a:r>
-            <a:r>
-              <a:rPr lang="ru-RU" sz="1400" dirty="0" smtClean="0"/>
-              <a:t>)</a:t>
-            </a:r>
-            <a:endParaRPr lang="ru-RU" sz="1400" dirty="0"/>
+              <a:t>Привлечение населения к обработке земли (наше)</a:t>
+            </a:r>
           </a:p>
         </p:txBody>
       </p:sp>
@@ -14346,15 +14169,15 @@
           <a:p>
             <a:pPr algn="ctr"/>
             <a:r>
-              <a:rPr lang="ru-RU" sz="1400" dirty="0" smtClean="0"/>
+              <a:rPr lang="ru-RU" sz="1400" dirty="0"/>
               <a:t>Приобрести </a:t>
             </a:r>
             <a:r>
-              <a:rPr lang="ru-RU" sz="1400" dirty="0" err="1" smtClean="0"/>
+              <a:rPr lang="ru-RU" sz="1400" dirty="0" err="1"/>
               <a:t>Кабинду</a:t>
             </a:r>
             <a:r>
-              <a:rPr lang="ru-RU" sz="1400" dirty="0" smtClean="0"/>
+              <a:rPr lang="ru-RU" sz="1400" dirty="0"/>
               <a:t> (наше)</a:t>
             </a:r>
           </a:p>
@@ -14457,13 +14280,8 @@
             <a:pPr algn="ctr"/>
             <a:r>
               <a:rPr lang="ru-RU" sz="1400" dirty="0"/>
-              <a:t>Независимая экономика (наше переделать эффект</a:t>
-            </a:r>
-            <a:r>
-              <a:rPr lang="ru-RU" sz="1400" dirty="0" smtClean="0"/>
-              <a:t>)</a:t>
-            </a:r>
-            <a:endParaRPr lang="ru-RU" sz="1400" dirty="0"/>
+              <a:t>Независимая экономика (наше переделать эффект)</a:t>
+            </a:r>
           </a:p>
         </p:txBody>
       </p:sp>
@@ -14615,13 +14433,8 @@
             </a:r>
             <a:r>
               <a:rPr lang="ru-RU" sz="1400" dirty="0"/>
-              <a:t> (наше переделать эффект</a:t>
-            </a:r>
-            <a:r>
-              <a:rPr lang="ru-RU" sz="1400" dirty="0" smtClean="0"/>
-              <a:t>)</a:t>
-            </a:r>
-            <a:endParaRPr lang="ru-RU" sz="1400" dirty="0"/>
+              <a:t> (наше переделать эффект)</a:t>
+            </a:r>
           </a:p>
         </p:txBody>
       </p:sp>
@@ -14674,7 +14487,7 @@
           <a:p>
             <a:pPr algn="ctr"/>
             <a:r>
-              <a:rPr lang="ru-RU" sz="1400" dirty="0" smtClean="0"/>
+              <a:rPr lang="ru-RU" sz="1400" dirty="0"/>
               <a:t>Самостоятельная разработка урана (наше)</a:t>
             </a:r>
           </a:p>
@@ -14979,7 +14792,7 @@
           <a:p>
             <a:pPr algn="ctr"/>
             <a:r>
-              <a:rPr lang="ru-RU" sz="1400" dirty="0" smtClean="0"/>
+              <a:rPr lang="ru-RU" sz="1400" dirty="0"/>
               <a:t>Британские инвестиции</a:t>
             </a:r>
           </a:p>
@@ -15027,13 +14840,8 @@
             <a:pPr algn="ctr"/>
             <a:r>
               <a:rPr lang="ru-RU" sz="1400" dirty="0"/>
-              <a:t>Французские </a:t>
-            </a:r>
-            <a:r>
-              <a:rPr lang="ru-RU" sz="1400" dirty="0" smtClean="0"/>
-              <a:t>инвестиции</a:t>
-            </a:r>
-            <a:endParaRPr lang="ru-RU" sz="1400" dirty="0"/>
+              <a:t>Французские инвестиции</a:t>
+            </a:r>
           </a:p>
         </p:txBody>
       </p:sp>
@@ -15126,13 +14934,8 @@
             <a:pPr algn="ctr"/>
             <a:r>
               <a:rPr lang="ru-RU" sz="1400" dirty="0"/>
-              <a:t>Американские </a:t>
-            </a:r>
-            <a:r>
-              <a:rPr lang="ru-RU" sz="1400" dirty="0" smtClean="0"/>
-              <a:t>инвестиции</a:t>
-            </a:r>
-            <a:endParaRPr lang="ru-RU" sz="1400" dirty="0"/>
+              <a:t>Американские инвестиции</a:t>
+            </a:r>
           </a:p>
         </p:txBody>
       </p:sp>
@@ -15329,7 +15132,7 @@
           <a:p>
             <a:pPr algn="ctr"/>
             <a:r>
-              <a:rPr lang="ru-RU" sz="1400" dirty="0" smtClean="0"/>
+              <a:rPr lang="ru-RU" sz="1400" dirty="0"/>
               <a:t>Совместная разработка урана</a:t>
             </a:r>
           </a:p>
@@ -15486,7 +15289,7 @@
           <a:p>
             <a:pPr algn="ctr"/>
             <a:r>
-              <a:rPr lang="ru-RU" sz="1400" dirty="0" smtClean="0"/>
+              <a:rPr lang="ru-RU" sz="1400" dirty="0"/>
               <a:t>Развитие морской торговли</a:t>
             </a:r>
           </a:p>
@@ -15533,10 +15336,9 @@
           <a:p>
             <a:pPr algn="ctr"/>
             <a:r>
-              <a:rPr lang="ru-RU" sz="1400" dirty="0" smtClean="0"/>
+              <a:rPr lang="ru-RU" sz="1400" dirty="0"/>
               <a:t>Искать нового союзника</a:t>
             </a:r>
-            <a:endParaRPr lang="ru-RU" sz="1400" dirty="0"/>
           </a:p>
         </p:txBody>
       </p:sp>
@@ -15581,10 +15383,9 @@
           <a:p>
             <a:pPr algn="ctr"/>
             <a:r>
-              <a:rPr lang="ru-RU" sz="1400" dirty="0" smtClean="0"/>
+              <a:rPr lang="ru-RU" sz="1400" dirty="0"/>
               <a:t>Ввести доллары в широкий оборот</a:t>
             </a:r>
-            <a:endParaRPr lang="ru-RU" sz="1400" dirty="0"/>
           </a:p>
         </p:txBody>
       </p:sp>
@@ -15629,10 +15430,9 @@
           <a:p>
             <a:pPr algn="ctr"/>
             <a:r>
-              <a:rPr lang="ru-RU" sz="1400" dirty="0" smtClean="0"/>
+              <a:rPr lang="ru-RU" sz="1400" dirty="0"/>
               <a:t>Уганда (наше)</a:t>
             </a:r>
-            <a:endParaRPr lang="ru-RU" sz="1400" dirty="0"/>
           </a:p>
         </p:txBody>
       </p:sp>
@@ -15677,10 +15477,9 @@
           <a:p>
             <a:pPr algn="ctr"/>
             <a:r>
-              <a:rPr lang="ru-RU" sz="1400" dirty="0" smtClean="0"/>
+              <a:rPr lang="ru-RU" sz="1400" dirty="0"/>
               <a:t>Среднее Конго (наше)</a:t>
             </a:r>
-            <a:endParaRPr lang="ru-RU" sz="1400" dirty="0"/>
           </a:p>
         </p:txBody>
       </p:sp>
@@ -15725,18 +15524,17 @@
           <a:p>
             <a:pPr algn="ctr"/>
             <a:r>
-              <a:rPr lang="ru-RU" sz="1400" dirty="0" smtClean="0"/>
+              <a:rPr lang="ru-RU" sz="1400" dirty="0"/>
               <a:t>Советники из </a:t>
             </a:r>
             <a:r>
-              <a:rPr lang="ru-RU" sz="1400" dirty="0" err="1" smtClean="0"/>
+              <a:rPr lang="ru-RU" sz="1400" dirty="0" err="1"/>
               <a:t>верхмата</a:t>
             </a:r>
             <a:r>
-              <a:rPr lang="ru-RU" sz="1400" dirty="0" smtClean="0"/>
+              <a:rPr lang="ru-RU" sz="1400" dirty="0"/>
               <a:t> (наше)</a:t>
             </a:r>
-            <a:endParaRPr lang="ru-RU" sz="1400" dirty="0"/>
           </a:p>
         </p:txBody>
       </p:sp>
@@ -16660,18 +16458,14 @@
             <a:pPr algn="ctr"/>
             <a:r>
               <a:rPr lang="ru-RU" sz="1400" dirty="0"/>
-              <a:t>Профинансировать железнодорожные пути до </a:t>
-            </a:r>
-            <a:r>
-              <a:rPr lang="ru-RU" sz="1400" dirty="0" smtClean="0"/>
-              <a:t>порта (январь 1943 </a:t>
-            </a:r>
-            <a:r>
-              <a:rPr lang="ru-RU" sz="1400" dirty="0" err="1" smtClean="0"/>
+              <a:t>Профинансировать железнодорожные пути до порта (январь 1943 </a:t>
+            </a:r>
+            <a:r>
+              <a:rPr lang="ru-RU" sz="1400" dirty="0" err="1"/>
               <a:t>ист</a:t>
             </a:r>
             <a:r>
-              <a:rPr lang="ru-RU" sz="1400" dirty="0" smtClean="0"/>
+              <a:rPr lang="ru-RU" sz="1400" dirty="0"/>
               <a:t>)</a:t>
             </a:r>
           </a:p>
@@ -16755,11 +16549,7 @@
             <a:pPr algn="ctr"/>
             <a:r>
               <a:rPr lang="ru-RU" sz="1400" dirty="0"/>
-              <a:t>Расширение воздушного </a:t>
-            </a:r>
-            <a:r>
-              <a:rPr lang="ru-RU" sz="1400" dirty="0" smtClean="0"/>
-              <a:t>сообщения</a:t>
+              <a:t>Расширение воздушного сообщения</a:t>
             </a:r>
             <a:endParaRPr lang="ru-RU" sz="100" dirty="0"/>
           </a:p>
@@ -16840,10 +16630,10 @@
           <a:p>
             <a:pPr algn="ctr"/>
             <a:r>
-              <a:rPr lang="ru-RU" sz="1400" dirty="0" smtClean="0"/>
+              <a:rPr lang="ru-RU" sz="1400" dirty="0"/>
               <a:t>Возродить королевский совет</a:t>
             </a:r>
-            <a:endParaRPr lang="ru-RU" sz="200" dirty="0" smtClean="0"/>
+            <a:endParaRPr lang="ru-RU" sz="200" dirty="0"/>
           </a:p>
         </p:txBody>
       </p:sp>
@@ -16886,14 +16676,14 @@
           <a:p>
             <a:pPr algn="ctr"/>
             <a:r>
-              <a:rPr lang="ru-RU" sz="1400" dirty="0" smtClean="0"/>
+              <a:rPr lang="ru-RU" sz="1400" dirty="0"/>
               <a:t>Поддержка </a:t>
             </a:r>
             <a:r>
-              <a:rPr lang="ru-RU" sz="1400" dirty="0" err="1" smtClean="0"/>
+              <a:rPr lang="ru-RU" sz="1400" dirty="0" err="1"/>
               <a:t>маканда</a:t>
             </a:r>
-            <a:endParaRPr lang="ru-RU" sz="400" dirty="0" smtClean="0"/>
+            <a:endParaRPr lang="ru-RU" sz="400" dirty="0"/>
           </a:p>
         </p:txBody>
       </p:sp>
@@ -16940,11 +16730,11 @@
               <a:t>Вернуть </a:t>
             </a:r>
             <a:r>
-              <a:rPr lang="ru-RU" sz="1400" dirty="0" err="1" smtClean="0"/>
+              <a:rPr lang="ru-RU" sz="1400" dirty="0" err="1"/>
               <a:t>Мбанза</a:t>
             </a:r>
             <a:r>
-              <a:rPr lang="ru-RU" sz="1400" dirty="0" smtClean="0"/>
+              <a:rPr lang="ru-RU" sz="1400" dirty="0"/>
               <a:t>-Конго (у города есть герб для иконки)</a:t>
             </a:r>
           </a:p>
@@ -16989,7 +16779,7 @@
           <a:p>
             <a:pPr algn="ctr"/>
             <a:r>
-              <a:rPr lang="ru-RU" sz="1400" dirty="0" smtClean="0"/>
+              <a:rPr lang="ru-RU" sz="1400" dirty="0"/>
               <a:t>Вернуться к добыче слоновьей кости</a:t>
             </a:r>
           </a:p>
@@ -17034,7 +16824,7 @@
           <a:p>
             <a:pPr algn="ctr"/>
             <a:r>
-              <a:rPr lang="ru-RU" sz="1400" dirty="0" smtClean="0"/>
+              <a:rPr lang="ru-RU" sz="1400" dirty="0"/>
               <a:t>Использовать слонов в армии</a:t>
             </a:r>
           </a:p>
@@ -17079,18 +16869,10 @@
           <a:p>
             <a:pPr algn="ctr"/>
             <a:r>
-              <a:rPr lang="ru-RU" sz="1400" dirty="0" smtClean="0"/>
-              <a:t>Стать центром </a:t>
-            </a:r>
-            <a:r>
               <a:rPr lang="ru-RU" sz="1400" dirty="0"/>
-              <a:t>торговли </a:t>
-            </a:r>
-            <a:r>
-              <a:rPr lang="ru-RU" sz="1400" dirty="0" smtClean="0"/>
-              <a:t>Африки</a:t>
-            </a:r>
-            <a:endParaRPr lang="ru-RU" sz="1100" dirty="0" smtClean="0"/>
+              <a:t>Стать центром торговли Африки</a:t>
+            </a:r>
+            <a:endParaRPr lang="ru-RU" sz="1100" dirty="0"/>
           </a:p>
         </p:txBody>
       </p:sp>
@@ -17134,13 +16916,9 @@
             <a:pPr algn="ctr"/>
             <a:r>
               <a:rPr lang="ru-RU" sz="1400" dirty="0"/>
-              <a:t>Вернуть </a:t>
-            </a:r>
-            <a:r>
-              <a:rPr lang="ru-RU" sz="1400" dirty="0" smtClean="0"/>
-              <a:t>Конго-Браззавиль</a:t>
-            </a:r>
-            <a:endParaRPr lang="ru-RU" sz="1200" dirty="0" smtClean="0"/>
+              <a:t>Вернуть Конго-Браззавиль</a:t>
+            </a:r>
+            <a:endParaRPr lang="ru-RU" sz="1200" dirty="0"/>
           </a:p>
         </p:txBody>
       </p:sp>
@@ -17183,10 +16961,10 @@
           <a:p>
             <a:pPr algn="ctr"/>
             <a:r>
-              <a:rPr lang="ru-RU" sz="1400" dirty="0" smtClean="0"/>
+              <a:rPr lang="ru-RU" sz="1400" dirty="0"/>
               <a:t>Возродить федеративное королевство</a:t>
             </a:r>
-            <a:endParaRPr lang="ru-RU" sz="1200" dirty="0" smtClean="0"/>
+            <a:endParaRPr lang="ru-RU" sz="1200" dirty="0"/>
           </a:p>
         </p:txBody>
       </p:sp>
@@ -17229,10 +17007,10 @@
           <a:p>
             <a:pPr algn="ctr"/>
             <a:r>
-              <a:rPr lang="ru-RU" sz="1400" dirty="0" smtClean="0"/>
+              <a:rPr lang="ru-RU" sz="1400" dirty="0"/>
               <a:t>Подчинить Руанду и Бурунди</a:t>
             </a:r>
-            <a:endParaRPr lang="ru-RU" sz="1200" dirty="0" smtClean="0"/>
+            <a:endParaRPr lang="ru-RU" sz="1200" dirty="0"/>
           </a:p>
         </p:txBody>
       </p:sp>
@@ -17275,19 +17053,19 @@
           <a:p>
             <a:pPr algn="ctr"/>
             <a:r>
-              <a:rPr lang="ru-RU" sz="1400" dirty="0" smtClean="0"/>
+              <a:rPr lang="ru-RU" sz="1400" dirty="0"/>
               <a:t>Вернуть королевства </a:t>
             </a:r>
             <a:r>
-              <a:rPr lang="ru-RU" sz="1400" dirty="0" err="1" smtClean="0"/>
+              <a:rPr lang="ru-RU" sz="1400" dirty="0" err="1"/>
               <a:t>Донго</a:t>
             </a:r>
             <a:r>
-              <a:rPr lang="ru-RU" sz="1400" dirty="0" smtClean="0"/>
+              <a:rPr lang="ru-RU" sz="1400" dirty="0"/>
               <a:t> и </a:t>
             </a:r>
             <a:r>
-              <a:rPr lang="ru-RU" sz="1400" dirty="0" err="1" smtClean="0"/>
+              <a:rPr lang="ru-RU" sz="1400" dirty="0" err="1"/>
               <a:t>Матамба</a:t>
             </a:r>
             <a:r>
@@ -17368,13 +17146,9 @@
             </a:r>
             <a:r>
               <a:rPr lang="ru-RU" sz="400" dirty="0"/>
-              <a:t>, также упоминались в титулах правителя</a:t>
-            </a:r>
-            <a:r>
-              <a:rPr lang="ru-RU" sz="400" dirty="0" smtClean="0"/>
-              <a:t>.)</a:t>
-            </a:r>
-            <a:endParaRPr lang="ru-RU" sz="300" dirty="0" smtClean="0"/>
+              <a:t>, также упоминались в титулах правителя.)</a:t>
+            </a:r>
+            <a:endParaRPr lang="ru-RU" sz="300" dirty="0"/>
           </a:p>
         </p:txBody>
       </p:sp>
@@ -17417,24 +17191,20 @@
           <a:p>
             <a:pPr algn="ctr"/>
             <a:r>
-              <a:rPr lang="ru-RU" sz="1400" dirty="0" smtClean="0"/>
+              <a:rPr lang="ru-RU" sz="1400" dirty="0"/>
               <a:t>Объединить королевство языком </a:t>
             </a:r>
             <a:r>
-              <a:rPr lang="ru-RU" sz="1400" dirty="0" err="1" smtClean="0"/>
+              <a:rPr lang="ru-RU" sz="1400" dirty="0" err="1"/>
               <a:t>Киконго</a:t>
             </a:r>
             <a:r>
-              <a:rPr lang="ru-RU" sz="1400" dirty="0" smtClean="0"/>
+              <a:rPr lang="ru-RU" sz="1400" dirty="0"/>
               <a:t> </a:t>
             </a:r>
             <a:r>
-              <a:rPr lang="ru-RU" sz="900" dirty="0" smtClean="0"/>
-              <a:t>(Народы </a:t>
-            </a:r>
-            <a:r>
               <a:rPr lang="ru-RU" sz="900" dirty="0"/>
-              <a:t>Конго разделены на множество подгрупп, в том числе </a:t>
+              <a:t>(Народы Конго разделены на множество подгрупп, в том числе </a:t>
             </a:r>
             <a:r>
               <a:rPr lang="ru-RU" sz="900" dirty="0" err="1"/>
@@ -17468,7 +17238,6 @@
               <a:rPr lang="ru-RU" sz="900" dirty="0"/>
               <a:t>)</a:t>
             </a:r>
-            <a:endParaRPr lang="ru-RU" sz="900" dirty="0" smtClean="0"/>
           </a:p>
         </p:txBody>
       </p:sp>
@@ -18001,10 +17770,10 @@
           <a:p>
             <a:pPr algn="ctr"/>
             <a:r>
-              <a:rPr lang="ru-RU" sz="1400" dirty="0" smtClean="0"/>
+              <a:rPr lang="ru-RU" sz="1400" dirty="0"/>
               <a:t>Установить связи с Европой</a:t>
             </a:r>
-            <a:endParaRPr lang="ru-RU" sz="1200" dirty="0" smtClean="0"/>
+            <a:endParaRPr lang="ru-RU" sz="1200" dirty="0"/>
           </a:p>
         </p:txBody>
       </p:sp>
@@ -18047,10 +17816,10 @@
           <a:p>
             <a:pPr algn="ctr"/>
             <a:r>
-              <a:rPr lang="ru-RU" sz="1400" dirty="0" smtClean="0"/>
+              <a:rPr lang="ru-RU" sz="1400" dirty="0"/>
               <a:t>Искать союзников в Африке</a:t>
             </a:r>
-            <a:endParaRPr lang="ru-RU" sz="1200" dirty="0" smtClean="0"/>
+            <a:endParaRPr lang="ru-RU" sz="1200" dirty="0"/>
           </a:p>
         </p:txBody>
       </p:sp>
@@ -18169,7 +17938,7 @@
           <a:p>
             <a:pPr algn="ctr"/>
             <a:r>
-              <a:rPr lang="ru-RU" sz="1400" dirty="0" smtClean="0"/>
+              <a:rPr lang="ru-RU" sz="1400" dirty="0"/>
               <a:t>Создание военной промышленности королевства</a:t>
             </a:r>
           </a:p>
@@ -18328,10 +18097,10 @@
           <a:p>
             <a:pPr algn="ctr"/>
             <a:r>
-              <a:rPr lang="ru-RU" sz="1400" dirty="0" smtClean="0"/>
+              <a:rPr lang="ru-RU" sz="1400" dirty="0"/>
               <a:t>Начать набор из племён</a:t>
             </a:r>
-            <a:endParaRPr lang="ru-RU" sz="1200" dirty="0" smtClean="0"/>
+            <a:endParaRPr lang="ru-RU" sz="1200" dirty="0"/>
           </a:p>
         </p:txBody>
       </p:sp>
@@ -18410,10 +18179,10 @@
           <a:p>
             <a:pPr algn="ctr"/>
             <a:r>
-              <a:rPr lang="ru-RU" sz="1400" dirty="0" smtClean="0"/>
+              <a:rPr lang="ru-RU" sz="1400" dirty="0"/>
               <a:t>Совместные предприятия</a:t>
             </a:r>
-            <a:endParaRPr lang="ru-RU" sz="1200" dirty="0" smtClean="0"/>
+            <a:endParaRPr lang="ru-RU" sz="1200" dirty="0"/>
           </a:p>
         </p:txBody>
       </p:sp>
@@ -18456,10 +18225,10 @@
           <a:p>
             <a:pPr algn="ctr"/>
             <a:r>
-              <a:rPr lang="ru-RU" sz="1400" dirty="0" smtClean="0"/>
+              <a:rPr lang="ru-RU" sz="1400" dirty="0"/>
               <a:t>Инвестиции в обмен на уран</a:t>
             </a:r>
-            <a:endParaRPr lang="ru-RU" sz="1200" dirty="0" smtClean="0"/>
+            <a:endParaRPr lang="ru-RU" sz="1200" dirty="0"/>
           </a:p>
         </p:txBody>
       </p:sp>
@@ -18499,7 +18268,7 @@
           <a:p>
             <a:pPr algn="ctr"/>
             <a:r>
-              <a:rPr lang="ru-RU" sz="4800" b="1" dirty="0" smtClean="0"/>
+              <a:rPr lang="ru-RU" sz="4800" b="1" dirty="0"/>
               <a:t>133</a:t>
             </a:r>
             <a:endParaRPr lang="ru-RU" sz="1600" b="1" dirty="0"/>
@@ -18583,10 +18352,10 @@
           <a:p>
             <a:pPr algn="ctr"/>
             <a:r>
-              <a:rPr lang="ru-RU" sz="1400" dirty="0" smtClean="0"/>
+              <a:rPr lang="ru-RU" sz="1400" dirty="0"/>
               <a:t>Встать во главе собственного союза</a:t>
             </a:r>
-            <a:endParaRPr lang="ru-RU" sz="1100" dirty="0" smtClean="0"/>
+            <a:endParaRPr lang="ru-RU" sz="1100" dirty="0"/>
           </a:p>
         </p:txBody>
       </p:sp>
@@ -18749,7 +18518,7 @@
           <a:p>
             <a:pPr algn="ctr"/>
             <a:r>
-              <a:rPr lang="ru-RU" sz="1400" dirty="0" smtClean="0"/>
+              <a:rPr lang="ru-RU" sz="1400" dirty="0"/>
               <a:t>Создание советской конголезской республики</a:t>
             </a:r>
             <a:endParaRPr lang="ru-RU" sz="100" dirty="0"/>
@@ -18873,7 +18642,7 @@
           <a:p>
             <a:pPr algn="ctr"/>
             <a:r>
-              <a:rPr lang="ru-RU" sz="1400" dirty="0" smtClean="0"/>
+              <a:rPr lang="ru-RU" sz="1400" dirty="0"/>
               <a:t>Социализм в одной стране</a:t>
             </a:r>
             <a:endParaRPr lang="ru-RU" sz="500" dirty="0"/>
@@ -18919,36 +18688,8 @@
           <a:p>
             <a:pPr algn="ctr"/>
             <a:r>
-              <a:rPr lang="ru-RU" sz="1400" dirty="0" smtClean="0"/>
-              <a:t>Принять </a:t>
-            </a:r>
-            <a:r>
               <a:rPr lang="ru-RU" sz="1400" dirty="0"/>
-              <a:t>чёрный национализм </a:t>
-            </a:r>
-            <a:r>
-              <a:rPr lang="ru-RU" sz="500" dirty="0"/>
-              <a:t>(Черный национализм - это тип национализма или </a:t>
-            </a:r>
-            <a:r>
-              <a:rPr lang="ru-RU" sz="500" dirty="0" err="1"/>
-              <a:t>паннационализма</a:t>
-            </a:r>
-            <a:r>
-              <a:rPr lang="ru-RU" sz="500" dirty="0"/>
-              <a:t>, который поддерживает веру в то, что черные люди представляют собой расу , и стремится развивать и поддерживать черную расовую и национальную идентичность . [1] Черный националистический </a:t>
-            </a:r>
-            <a:r>
-              <a:rPr lang="ru-RU" sz="500" dirty="0" err="1"/>
-              <a:t>активизм</a:t>
-            </a:r>
-            <a:r>
-              <a:rPr lang="ru-RU" sz="500" dirty="0"/>
-              <a:t> вращается вокруг социальных, политических и экономических прав и возможностей черных сообществ и людей, особенно для сопротивления ассимиляции в белую культуру (через интеграцию или иным образом) и сохранения особой черной идентичности. [1</a:t>
-            </a:r>
-            <a:r>
-              <a:rPr lang="ru-RU" sz="500" dirty="0" smtClean="0"/>
-              <a:t>])</a:t>
+              <a:t>Принять чёрный национализм</a:t>
             </a:r>
             <a:endParaRPr lang="ru-RU" sz="100" dirty="0"/>
           </a:p>
@@ -18993,7 +18734,7 @@
           <a:p>
             <a:pPr algn="ctr"/>
             <a:r>
-              <a:rPr lang="ru-RU" sz="1400" dirty="0" smtClean="0"/>
+              <a:rPr lang="ru-RU" sz="1400" dirty="0"/>
               <a:t>Свергнуть колониальный режим в ЮАС</a:t>
             </a:r>
             <a:endParaRPr lang="ru-RU" sz="500" dirty="0"/>
@@ -19039,7 +18780,7 @@
           <a:p>
             <a:pPr algn="ctr"/>
             <a:r>
-              <a:rPr lang="ru-RU" sz="1400" dirty="0" smtClean="0"/>
+              <a:rPr lang="ru-RU" sz="1400" dirty="0"/>
               <a:t>Организовать местную секцию интернационала</a:t>
             </a:r>
             <a:endParaRPr lang="ru-RU" sz="500" dirty="0"/>
@@ -19085,7 +18826,7 @@
           <a:p>
             <a:pPr algn="ctr"/>
             <a:r>
-              <a:rPr lang="ru-RU" sz="1400" dirty="0" smtClean="0"/>
+              <a:rPr lang="ru-RU" sz="1400" dirty="0"/>
               <a:t>Распространить теорию перманентной революции среди крестьян</a:t>
             </a:r>
             <a:endParaRPr lang="ru-RU" sz="500" dirty="0"/>
@@ -19139,7 +18880,7 @@
           <a:p>
             <a:pPr algn="ctr"/>
             <a:r>
-              <a:rPr lang="ru-RU" sz="1400" dirty="0" smtClean="0"/>
+              <a:rPr lang="ru-RU" sz="1400" dirty="0"/>
               <a:t>Отбросить этническую борьбу</a:t>
             </a:r>
             <a:endParaRPr lang="ru-RU" sz="500" dirty="0"/>
@@ -19185,7 +18926,7 @@
           <a:p>
             <a:pPr algn="ctr"/>
             <a:r>
-              <a:rPr lang="ru-RU" sz="1400" dirty="0" smtClean="0"/>
+              <a:rPr lang="ru-RU" sz="1400" dirty="0"/>
               <a:t>Протянуть руку помощи рабочим Анголы</a:t>
             </a:r>
             <a:endParaRPr lang="ru-RU" sz="500" dirty="0"/>
@@ -19231,16 +18972,8 @@
           <a:p>
             <a:pPr algn="ctr"/>
             <a:r>
-              <a:rPr lang="ru-RU" sz="1400" dirty="0" smtClean="0"/>
-              <a:t>Свергнуть </a:t>
-            </a:r>
-            <a:r>
               <a:rPr lang="ru-RU" sz="1400" dirty="0"/>
-              <a:t>колониальный режим </a:t>
-            </a:r>
-            <a:r>
-              <a:rPr lang="ru-RU" sz="1400" dirty="0" smtClean="0"/>
-              <a:t>в ЮЗА</a:t>
+              <a:t>Свергнуть колониальный режим в ЮЗА</a:t>
             </a:r>
             <a:endParaRPr lang="ru-RU" sz="500" dirty="0"/>
           </a:p>
@@ -19511,7 +19244,7 @@
           <a:p>
             <a:pPr algn="ctr"/>
             <a:r>
-              <a:rPr lang="ru-RU" sz="1400" dirty="0" smtClean="0"/>
+              <a:rPr lang="ru-RU" sz="1400" dirty="0"/>
               <a:t>Основать аграрные профсоюзы</a:t>
             </a:r>
             <a:endParaRPr lang="ru-RU" sz="500" dirty="0"/>
@@ -19565,7 +19298,7 @@
           <a:p>
             <a:pPr algn="ctr"/>
             <a:r>
-              <a:rPr lang="ru-RU" sz="1400" dirty="0" smtClean="0"/>
+              <a:rPr lang="ru-RU" sz="1400" dirty="0"/>
               <a:t>Племенной социализм</a:t>
             </a:r>
             <a:endParaRPr lang="ru-RU" sz="500" dirty="0"/>
@@ -19725,7 +19458,7 @@
           <a:p>
             <a:pPr algn="ctr"/>
             <a:r>
-              <a:rPr lang="ru-RU" sz="1400" dirty="0" smtClean="0"/>
+              <a:rPr lang="ru-RU" sz="1400" dirty="0"/>
               <a:t>Спасти рабочих Родезии</a:t>
             </a:r>
             <a:endParaRPr lang="ru-RU" sz="500" dirty="0"/>
@@ -19771,7 +19504,7 @@
           <a:p>
             <a:pPr algn="ctr"/>
             <a:r>
-              <a:rPr lang="ru-RU" sz="1400" dirty="0" smtClean="0"/>
+              <a:rPr lang="ru-RU" sz="1400" dirty="0"/>
               <a:t>Спасти рабочих в Мозамбике</a:t>
             </a:r>
             <a:endParaRPr lang="ru-RU" sz="500" dirty="0"/>
@@ -19825,23 +19558,15 @@
           <a:p>
             <a:pPr algn="ctr"/>
             <a:r>
-              <a:rPr lang="ru-RU" sz="1400" dirty="0" smtClean="0"/>
-              <a:t>Призыв </a:t>
-            </a:r>
-            <a:r>
               <a:rPr lang="ru-RU" sz="1400" dirty="0"/>
-              <a:t>п</a:t>
-            </a:r>
-            <a:r>
-              <a:rPr lang="ru-RU" sz="1400" dirty="0" smtClean="0"/>
-              <a:t>леменных ополченцев (чем больше лояльных вождей, тем больше </a:t>
-            </a:r>
-            <a:r>
-              <a:rPr lang="ru-RU" sz="1400" dirty="0" err="1" smtClean="0"/>
+              <a:t>Призыв племенных ополченцев (чем больше лояльных вождей, тем больше </a:t>
+            </a:r>
+            <a:r>
+              <a:rPr lang="ru-RU" sz="1400" dirty="0" err="1"/>
               <a:t>дивок</a:t>
             </a:r>
             <a:r>
-              <a:rPr lang="ru-RU" sz="1400" dirty="0" smtClean="0"/>
+              <a:rPr lang="ru-RU" sz="1400" dirty="0"/>
               <a:t>)</a:t>
             </a:r>
             <a:endParaRPr lang="ru-RU" sz="500" dirty="0"/>
@@ -19895,7 +19620,7 @@
           <a:p>
             <a:pPr algn="ctr"/>
             <a:r>
-              <a:rPr lang="ru-RU" sz="1400" dirty="0" smtClean="0"/>
+              <a:rPr lang="ru-RU" sz="1400" dirty="0"/>
               <a:t>Культивация личности вождя партии</a:t>
             </a:r>
             <a:endParaRPr lang="ru-RU" sz="500" dirty="0"/>
@@ -20159,16 +19884,8 @@
           <a:p>
             <a:pPr algn="ctr"/>
             <a:r>
-              <a:rPr lang="ru-RU" sz="1400" dirty="0" smtClean="0"/>
-              <a:t>Вступить в </a:t>
-            </a:r>
-            <a:r>
               <a:rPr lang="ru-RU" sz="1400" dirty="0"/>
-              <a:t>К</a:t>
-            </a:r>
-            <a:r>
-              <a:rPr lang="ru-RU" sz="1400" dirty="0" smtClean="0"/>
-              <a:t>оминтерн</a:t>
+              <a:t>Вступить в Коминтерн</a:t>
             </a:r>
             <a:endParaRPr lang="ru-RU" sz="500" dirty="0"/>
           </a:p>
@@ -20213,7 +19930,7 @@
           <a:p>
             <a:pPr algn="ctr"/>
             <a:r>
-              <a:rPr lang="ru-RU" sz="1400" dirty="0" smtClean="0"/>
+              <a:rPr lang="ru-RU" sz="1400" dirty="0"/>
               <a:t>Отказаться от политики Москвы</a:t>
             </a:r>
             <a:endParaRPr lang="ru-RU" sz="500" dirty="0"/>
@@ -20343,19 +20060,19 @@
           <a:p>
             <a:pPr algn="ctr"/>
             <a:r>
-              <a:rPr lang="ru-RU" sz="1400" dirty="0" smtClean="0"/>
+              <a:rPr lang="ru-RU" sz="1400" dirty="0"/>
               <a:t>Определить курс партии </a:t>
             </a:r>
             <a:r>
-              <a:rPr lang="ru-RU" sz="1100" dirty="0" smtClean="0"/>
+              <a:rPr lang="ru-RU" sz="1100" dirty="0"/>
               <a:t>(эффект нашего </a:t>
             </a:r>
             <a:r>
-              <a:rPr lang="ru-RU" sz="1100" dirty="0" err="1" smtClean="0"/>
+              <a:rPr lang="ru-RU" sz="1100" dirty="0" err="1"/>
               <a:t>генерика</a:t>
             </a:r>
             <a:r>
-              <a:rPr lang="ru-RU" sz="1100" dirty="0" smtClean="0"/>
+              <a:rPr lang="ru-RU" sz="1100" dirty="0"/>
               <a:t> ИЛИ фокус «Диктатура пролетариата» ИЛИ «Народная демократия»)</a:t>
             </a:r>
             <a:endParaRPr lang="ru-RU" sz="300" dirty="0"/>
@@ -20401,7 +20118,7 @@
           <a:p>
             <a:pPr algn="ctr"/>
             <a:r>
-              <a:rPr lang="ru-RU" sz="1400" dirty="0" smtClean="0"/>
+              <a:rPr lang="ru-RU" sz="1400" dirty="0"/>
               <a:t>Помощь в индустриализации страны</a:t>
             </a:r>
             <a:endParaRPr lang="ru-RU" sz="700" dirty="0"/>
@@ -20447,7 +20164,7 @@
           <a:p>
             <a:pPr algn="ctr"/>
             <a:r>
-              <a:rPr lang="ru-RU" sz="1400" dirty="0" smtClean="0"/>
+              <a:rPr lang="ru-RU" sz="1400" dirty="0"/>
               <a:t>Африканский интернационал</a:t>
             </a:r>
             <a:endParaRPr lang="ru-RU" sz="500" dirty="0"/>
@@ -20757,7 +20474,7 @@
           <a:p>
             <a:pPr algn="ctr"/>
             <a:r>
-              <a:rPr lang="ru-RU" sz="1400" dirty="0" smtClean="0"/>
+              <a:rPr lang="ru-RU" sz="1400" dirty="0"/>
               <a:t>Переход на плановую экономику</a:t>
             </a:r>
             <a:endParaRPr lang="ru-RU" sz="500" dirty="0"/>
@@ -20839,7 +20556,7 @@
           <a:p>
             <a:pPr algn="ctr"/>
             <a:r>
-              <a:rPr lang="ru-RU" sz="1400" dirty="0" smtClean="0"/>
+              <a:rPr lang="ru-RU" sz="1400" dirty="0"/>
               <a:t>Начать первую пятилетку</a:t>
             </a:r>
             <a:endParaRPr lang="ru-RU" sz="500" dirty="0"/>
@@ -20921,11 +20638,11 @@
           <a:p>
             <a:pPr algn="ctr"/>
             <a:r>
-              <a:rPr lang="ru-RU" sz="1400" dirty="0" smtClean="0"/>
+              <a:rPr lang="ru-RU" sz="1400" dirty="0"/>
               <a:t>Закон о военном времени (наш </a:t>
             </a:r>
             <a:r>
-              <a:rPr lang="ru-RU" sz="1400" dirty="0" err="1" smtClean="0"/>
+              <a:rPr lang="ru-RU" sz="1400" dirty="0" err="1"/>
               <a:t>генерик</a:t>
             </a:r>
             <a:r>
@@ -20974,10 +20691,9 @@
           <a:p>
             <a:pPr algn="ctr"/>
             <a:r>
-              <a:rPr lang="ru-RU" sz="1400" dirty="0" smtClean="0"/>
+              <a:rPr lang="ru-RU" sz="1400" dirty="0"/>
               <a:t>Пригласить идеологических союзников</a:t>
             </a:r>
-            <a:endParaRPr lang="ru-RU" sz="1400" dirty="0"/>
           </a:p>
         </p:txBody>
       </p:sp>
@@ -21020,10 +20736,9 @@
           <a:p>
             <a:pPr algn="ctr"/>
             <a:r>
-              <a:rPr lang="ru-RU" sz="1400" dirty="0" smtClean="0"/>
+              <a:rPr lang="ru-RU" sz="1400" dirty="0"/>
               <a:t>Военные советники из СССР</a:t>
             </a:r>
-            <a:endParaRPr lang="ru-RU" sz="1400" dirty="0"/>
           </a:p>
         </p:txBody>
       </p:sp>
@@ -21178,10 +20893,9 @@
           <a:p>
             <a:pPr algn="ctr"/>
             <a:r>
-              <a:rPr lang="ru-RU" sz="1400" dirty="0" smtClean="0"/>
+              <a:rPr lang="ru-RU" sz="1400" dirty="0"/>
               <a:t>Создать общий научный блок</a:t>
             </a:r>
-            <a:endParaRPr lang="ru-RU" sz="1400" dirty="0"/>
           </a:p>
         </p:txBody>
       </p:sp>
@@ -21231,13 +20945,6 @@
   <p:clrMapOvr>
     <a:masterClrMapping/>
   </p:clrMapOvr>
-  <p:timing>
-    <p:tnLst>
-      <p:par>
-        <p:cTn id="1" dur="indefinite" restart="never" nodeType="tmRoot"/>
-      </p:par>
-    </p:tnLst>
-  </p:timing>
 </p:sld>
 </file>
 

--- a/Наработки/диздоки/Бельгийское Конго/Бельгийское Конго.pptx
+++ b/Наработки/диздоки/Бельгийское Конго/Бельгийское Конго.pptx
@@ -209,7 +209,7 @@
             <a:fld id="{33E3D7F9-E251-484C-A6FF-FA958879DF69}" type="datetimeFigureOut">
               <a:rPr lang="ru-RU" smtClean="0"/>
               <a:pPr/>
-              <a:t>17.02.2022</a:t>
+              <a:t>18.02.2022</a:t>
             </a:fld>
             <a:endParaRPr lang="ru-RU"/>
           </a:p>
@@ -699,7 +699,7 @@
             <a:fld id="{85A5DE44-605B-4D3B-B2B7-94543DF81A36}" type="datetimeFigureOut">
               <a:rPr lang="ru-RU" smtClean="0"/>
               <a:pPr/>
-              <a:t>17.02.2022</a:t>
+              <a:t>18.02.2022</a:t>
             </a:fld>
             <a:endParaRPr lang="ru-RU"/>
           </a:p>
@@ -871,7 +871,7 @@
             <a:fld id="{85A5DE44-605B-4D3B-B2B7-94543DF81A36}" type="datetimeFigureOut">
               <a:rPr lang="ru-RU" smtClean="0"/>
               <a:pPr/>
-              <a:t>17.02.2022</a:t>
+              <a:t>18.02.2022</a:t>
             </a:fld>
             <a:endParaRPr lang="ru-RU"/>
           </a:p>
@@ -1053,7 +1053,7 @@
             <a:fld id="{85A5DE44-605B-4D3B-B2B7-94543DF81A36}" type="datetimeFigureOut">
               <a:rPr lang="ru-RU" smtClean="0"/>
               <a:pPr/>
-              <a:t>17.02.2022</a:t>
+              <a:t>18.02.2022</a:t>
             </a:fld>
             <a:endParaRPr lang="ru-RU"/>
           </a:p>
@@ -1225,7 +1225,7 @@
             <a:fld id="{85A5DE44-605B-4D3B-B2B7-94543DF81A36}" type="datetimeFigureOut">
               <a:rPr lang="ru-RU" smtClean="0"/>
               <a:pPr/>
-              <a:t>17.02.2022</a:t>
+              <a:t>18.02.2022</a:t>
             </a:fld>
             <a:endParaRPr lang="ru-RU"/>
           </a:p>
@@ -1473,7 +1473,7 @@
             <a:fld id="{85A5DE44-605B-4D3B-B2B7-94543DF81A36}" type="datetimeFigureOut">
               <a:rPr lang="ru-RU" smtClean="0"/>
               <a:pPr/>
-              <a:t>17.02.2022</a:t>
+              <a:t>18.02.2022</a:t>
             </a:fld>
             <a:endParaRPr lang="ru-RU"/>
           </a:p>
@@ -1707,7 +1707,7 @@
             <a:fld id="{85A5DE44-605B-4D3B-B2B7-94543DF81A36}" type="datetimeFigureOut">
               <a:rPr lang="ru-RU" smtClean="0"/>
               <a:pPr/>
-              <a:t>17.02.2022</a:t>
+              <a:t>18.02.2022</a:t>
             </a:fld>
             <a:endParaRPr lang="ru-RU"/>
           </a:p>
@@ -2076,7 +2076,7 @@
             <a:fld id="{85A5DE44-605B-4D3B-B2B7-94543DF81A36}" type="datetimeFigureOut">
               <a:rPr lang="ru-RU" smtClean="0"/>
               <a:pPr/>
-              <a:t>17.02.2022</a:t>
+              <a:t>18.02.2022</a:t>
             </a:fld>
             <a:endParaRPr lang="ru-RU"/>
           </a:p>
@@ -2196,7 +2196,7 @@
             <a:fld id="{85A5DE44-605B-4D3B-B2B7-94543DF81A36}" type="datetimeFigureOut">
               <a:rPr lang="ru-RU" smtClean="0"/>
               <a:pPr/>
-              <a:t>17.02.2022</a:t>
+              <a:t>18.02.2022</a:t>
             </a:fld>
             <a:endParaRPr lang="ru-RU"/>
           </a:p>
@@ -2293,7 +2293,7 @@
             <a:fld id="{85A5DE44-605B-4D3B-B2B7-94543DF81A36}" type="datetimeFigureOut">
               <a:rPr lang="ru-RU" smtClean="0"/>
               <a:pPr/>
-              <a:t>17.02.2022</a:t>
+              <a:t>18.02.2022</a:t>
             </a:fld>
             <a:endParaRPr lang="ru-RU"/>
           </a:p>
@@ -2572,7 +2572,7 @@
             <a:fld id="{85A5DE44-605B-4D3B-B2B7-94543DF81A36}" type="datetimeFigureOut">
               <a:rPr lang="ru-RU" smtClean="0"/>
               <a:pPr/>
-              <a:t>17.02.2022</a:t>
+              <a:t>18.02.2022</a:t>
             </a:fld>
             <a:endParaRPr lang="ru-RU"/>
           </a:p>
@@ -2831,7 +2831,7 @@
             <a:fld id="{85A5DE44-605B-4D3B-B2B7-94543DF81A36}" type="datetimeFigureOut">
               <a:rPr lang="ru-RU" smtClean="0"/>
               <a:pPr/>
-              <a:t>17.02.2022</a:t>
+              <a:t>18.02.2022</a:t>
             </a:fld>
             <a:endParaRPr lang="ru-RU"/>
           </a:p>
@@ -3046,7 +3046,7 @@
             <a:fld id="{85A5DE44-605B-4D3B-B2B7-94543DF81A36}" type="datetimeFigureOut">
               <a:rPr lang="ru-RU" smtClean="0"/>
               <a:pPr/>
-              <a:t>17.02.2022</a:t>
+              <a:t>18.02.2022</a:t>
             </a:fld>
             <a:endParaRPr lang="ru-RU"/>
           </a:p>
@@ -11705,13 +11705,13 @@
           <a:p>
             <a:pPr algn="ctr"/>
             <a:r>
-              <a:rPr lang="ru-RU" sz="1400" dirty="0"/>
-              <a:t>ГУИШКА НА КАРТУ ВЕРНОСТИ ВОЖДЕЙ</a:t>
+              <a:rPr lang="ru-RU" sz="7200" dirty="0"/>
+              <a:t>ГУИШКА НА КАРТУ ЛОЯЛЬНОСТИ ВОЖДЕЙ</a:t>
             </a:r>
             <a:br>
-              <a:rPr lang="ru-RU" sz="1400" dirty="0"/>
+              <a:rPr lang="ru-RU" sz="7200" dirty="0"/>
             </a:br>
-            <a:endParaRPr lang="ru-RU" sz="500" dirty="0"/>
+            <a:endParaRPr lang="ru-RU" sz="2800" dirty="0"/>
           </a:p>
         </p:txBody>
       </p:sp>
@@ -20061,19 +20061,7 @@
             <a:pPr algn="ctr"/>
             <a:r>
               <a:rPr lang="ru-RU" sz="1400" dirty="0"/>
-              <a:t>Определить курс партии </a:t>
-            </a:r>
-            <a:r>
-              <a:rPr lang="ru-RU" sz="1100" dirty="0"/>
-              <a:t>(эффект нашего </a:t>
-            </a:r>
-            <a:r>
-              <a:rPr lang="ru-RU" sz="1100" dirty="0" err="1"/>
-              <a:t>генерика</a:t>
-            </a:r>
-            <a:r>
-              <a:rPr lang="ru-RU" sz="1100" dirty="0"/>
-              <a:t> ИЛИ фокус «Диктатура пролетариата» ИЛИ «Народная демократия»)</a:t>
+              <a:t>Определить курс партии</a:t>
             </a:r>
             <a:endParaRPr lang="ru-RU" sz="300" dirty="0"/>
           </a:p>

--- a/Наработки/диздоки/Бельгийское Конго/Бельгийское Конго.pptx
+++ b/Наработки/диздоки/Бельгийское Конго/Бельгийское Конго.pptx
@@ -209,7 +209,7 @@
             <a:fld id="{33E3D7F9-E251-484C-A6FF-FA958879DF69}" type="datetimeFigureOut">
               <a:rPr lang="ru-RU" smtClean="0"/>
               <a:pPr/>
-              <a:t>18.02.2022</a:t>
+              <a:t>07.04.2023</a:t>
             </a:fld>
             <a:endParaRPr lang="ru-RU"/>
           </a:p>
@@ -699,7 +699,7 @@
             <a:fld id="{85A5DE44-605B-4D3B-B2B7-94543DF81A36}" type="datetimeFigureOut">
               <a:rPr lang="ru-RU" smtClean="0"/>
               <a:pPr/>
-              <a:t>18.02.2022</a:t>
+              <a:t>07.04.2023</a:t>
             </a:fld>
             <a:endParaRPr lang="ru-RU"/>
           </a:p>
@@ -871,7 +871,7 @@
             <a:fld id="{85A5DE44-605B-4D3B-B2B7-94543DF81A36}" type="datetimeFigureOut">
               <a:rPr lang="ru-RU" smtClean="0"/>
               <a:pPr/>
-              <a:t>18.02.2022</a:t>
+              <a:t>07.04.2023</a:t>
             </a:fld>
             <a:endParaRPr lang="ru-RU"/>
           </a:p>
@@ -1053,7 +1053,7 @@
             <a:fld id="{85A5DE44-605B-4D3B-B2B7-94543DF81A36}" type="datetimeFigureOut">
               <a:rPr lang="ru-RU" smtClean="0"/>
               <a:pPr/>
-              <a:t>18.02.2022</a:t>
+              <a:t>07.04.2023</a:t>
             </a:fld>
             <a:endParaRPr lang="ru-RU"/>
           </a:p>
@@ -1225,7 +1225,7 @@
             <a:fld id="{85A5DE44-605B-4D3B-B2B7-94543DF81A36}" type="datetimeFigureOut">
               <a:rPr lang="ru-RU" smtClean="0"/>
               <a:pPr/>
-              <a:t>18.02.2022</a:t>
+              <a:t>07.04.2023</a:t>
             </a:fld>
             <a:endParaRPr lang="ru-RU"/>
           </a:p>
@@ -1473,7 +1473,7 @@
             <a:fld id="{85A5DE44-605B-4D3B-B2B7-94543DF81A36}" type="datetimeFigureOut">
               <a:rPr lang="ru-RU" smtClean="0"/>
               <a:pPr/>
-              <a:t>18.02.2022</a:t>
+              <a:t>07.04.2023</a:t>
             </a:fld>
             <a:endParaRPr lang="ru-RU"/>
           </a:p>
@@ -1707,7 +1707,7 @@
             <a:fld id="{85A5DE44-605B-4D3B-B2B7-94543DF81A36}" type="datetimeFigureOut">
               <a:rPr lang="ru-RU" smtClean="0"/>
               <a:pPr/>
-              <a:t>18.02.2022</a:t>
+              <a:t>07.04.2023</a:t>
             </a:fld>
             <a:endParaRPr lang="ru-RU"/>
           </a:p>
@@ -2076,7 +2076,7 @@
             <a:fld id="{85A5DE44-605B-4D3B-B2B7-94543DF81A36}" type="datetimeFigureOut">
               <a:rPr lang="ru-RU" smtClean="0"/>
               <a:pPr/>
-              <a:t>18.02.2022</a:t>
+              <a:t>07.04.2023</a:t>
             </a:fld>
             <a:endParaRPr lang="ru-RU"/>
           </a:p>
@@ -2196,7 +2196,7 @@
             <a:fld id="{85A5DE44-605B-4D3B-B2B7-94543DF81A36}" type="datetimeFigureOut">
               <a:rPr lang="ru-RU" smtClean="0"/>
               <a:pPr/>
-              <a:t>18.02.2022</a:t>
+              <a:t>07.04.2023</a:t>
             </a:fld>
             <a:endParaRPr lang="ru-RU"/>
           </a:p>
@@ -2293,7 +2293,7 @@
             <a:fld id="{85A5DE44-605B-4D3B-B2B7-94543DF81A36}" type="datetimeFigureOut">
               <a:rPr lang="ru-RU" smtClean="0"/>
               <a:pPr/>
-              <a:t>18.02.2022</a:t>
+              <a:t>07.04.2023</a:t>
             </a:fld>
             <a:endParaRPr lang="ru-RU"/>
           </a:p>
@@ -2572,7 +2572,7 @@
             <a:fld id="{85A5DE44-605B-4D3B-B2B7-94543DF81A36}" type="datetimeFigureOut">
               <a:rPr lang="ru-RU" smtClean="0"/>
               <a:pPr/>
-              <a:t>18.02.2022</a:t>
+              <a:t>07.04.2023</a:t>
             </a:fld>
             <a:endParaRPr lang="ru-RU"/>
           </a:p>
@@ -2831,7 +2831,7 @@
             <a:fld id="{85A5DE44-605B-4D3B-B2B7-94543DF81A36}" type="datetimeFigureOut">
               <a:rPr lang="ru-RU" smtClean="0"/>
               <a:pPr/>
-              <a:t>18.02.2022</a:t>
+              <a:t>07.04.2023</a:t>
             </a:fld>
             <a:endParaRPr lang="ru-RU"/>
           </a:p>
@@ -3046,7 +3046,7 @@
             <a:fld id="{85A5DE44-605B-4D3B-B2B7-94543DF81A36}" type="datetimeFigureOut">
               <a:rPr lang="ru-RU" smtClean="0"/>
               <a:pPr/>
-              <a:t>18.02.2022</a:t>
+              <a:t>07.04.2023</a:t>
             </a:fld>
             <a:endParaRPr lang="ru-RU"/>
           </a:p>
@@ -13640,7 +13640,7 @@
         </p:nvSpPr>
         <p:spPr>
           <a:xfrm>
-            <a:off x="34074880" y="18335124"/>
+            <a:off x="32913006" y="18328885"/>
             <a:ext cx="2115918" cy="1080000"/>
           </a:xfrm>
           <a:prstGeom prst="rect">
@@ -13691,8 +13691,8 @@
         </p:nvCxnSpPr>
         <p:spPr>
           <a:xfrm rot="16200000" flipH="1">
-            <a:off x="33742514" y="16944798"/>
-            <a:ext cx="466917" cy="2313734"/>
+            <a:off x="33164696" y="17522616"/>
+            <a:ext cx="460678" cy="1151860"/>
           </a:xfrm>
           <a:prstGeom prst="bentConnector3">
             <a:avLst>

--- a/Наработки/диздоки/Бельгийское Конго/Бельгийское Конго.pptx
+++ b/Наработки/диздоки/Бельгийское Конго/Бельгийское Конго.pptx
@@ -209,7 +209,7 @@
             <a:fld id="{33E3D7F9-E251-484C-A6FF-FA958879DF69}" type="datetimeFigureOut">
               <a:rPr lang="ru-RU" smtClean="0"/>
               <a:pPr/>
-              <a:t>07.04.2023</a:t>
+              <a:t>18.02.2022</a:t>
             </a:fld>
             <a:endParaRPr lang="ru-RU"/>
           </a:p>
@@ -699,7 +699,7 @@
             <a:fld id="{85A5DE44-605B-4D3B-B2B7-94543DF81A36}" type="datetimeFigureOut">
               <a:rPr lang="ru-RU" smtClean="0"/>
               <a:pPr/>
-              <a:t>07.04.2023</a:t>
+              <a:t>18.02.2022</a:t>
             </a:fld>
             <a:endParaRPr lang="ru-RU"/>
           </a:p>
@@ -871,7 +871,7 @@
             <a:fld id="{85A5DE44-605B-4D3B-B2B7-94543DF81A36}" type="datetimeFigureOut">
               <a:rPr lang="ru-RU" smtClean="0"/>
               <a:pPr/>
-              <a:t>07.04.2023</a:t>
+              <a:t>18.02.2022</a:t>
             </a:fld>
             <a:endParaRPr lang="ru-RU"/>
           </a:p>
@@ -1053,7 +1053,7 @@
             <a:fld id="{85A5DE44-605B-4D3B-B2B7-94543DF81A36}" type="datetimeFigureOut">
               <a:rPr lang="ru-RU" smtClean="0"/>
               <a:pPr/>
-              <a:t>07.04.2023</a:t>
+              <a:t>18.02.2022</a:t>
             </a:fld>
             <a:endParaRPr lang="ru-RU"/>
           </a:p>
@@ -1225,7 +1225,7 @@
             <a:fld id="{85A5DE44-605B-4D3B-B2B7-94543DF81A36}" type="datetimeFigureOut">
               <a:rPr lang="ru-RU" smtClean="0"/>
               <a:pPr/>
-              <a:t>07.04.2023</a:t>
+              <a:t>18.02.2022</a:t>
             </a:fld>
             <a:endParaRPr lang="ru-RU"/>
           </a:p>
@@ -1473,7 +1473,7 @@
             <a:fld id="{85A5DE44-605B-4D3B-B2B7-94543DF81A36}" type="datetimeFigureOut">
               <a:rPr lang="ru-RU" smtClean="0"/>
               <a:pPr/>
-              <a:t>07.04.2023</a:t>
+              <a:t>18.02.2022</a:t>
             </a:fld>
             <a:endParaRPr lang="ru-RU"/>
           </a:p>
@@ -1707,7 +1707,7 @@
             <a:fld id="{85A5DE44-605B-4D3B-B2B7-94543DF81A36}" type="datetimeFigureOut">
               <a:rPr lang="ru-RU" smtClean="0"/>
               <a:pPr/>
-              <a:t>07.04.2023</a:t>
+              <a:t>18.02.2022</a:t>
             </a:fld>
             <a:endParaRPr lang="ru-RU"/>
           </a:p>
@@ -2076,7 +2076,7 @@
             <a:fld id="{85A5DE44-605B-4D3B-B2B7-94543DF81A36}" type="datetimeFigureOut">
               <a:rPr lang="ru-RU" smtClean="0"/>
               <a:pPr/>
-              <a:t>07.04.2023</a:t>
+              <a:t>18.02.2022</a:t>
             </a:fld>
             <a:endParaRPr lang="ru-RU"/>
           </a:p>
@@ -2196,7 +2196,7 @@
             <a:fld id="{85A5DE44-605B-4D3B-B2B7-94543DF81A36}" type="datetimeFigureOut">
               <a:rPr lang="ru-RU" smtClean="0"/>
               <a:pPr/>
-              <a:t>07.04.2023</a:t>
+              <a:t>18.02.2022</a:t>
             </a:fld>
             <a:endParaRPr lang="ru-RU"/>
           </a:p>
@@ -2293,7 +2293,7 @@
             <a:fld id="{85A5DE44-605B-4D3B-B2B7-94543DF81A36}" type="datetimeFigureOut">
               <a:rPr lang="ru-RU" smtClean="0"/>
               <a:pPr/>
-              <a:t>07.04.2023</a:t>
+              <a:t>18.02.2022</a:t>
             </a:fld>
             <a:endParaRPr lang="ru-RU"/>
           </a:p>
@@ -2572,7 +2572,7 @@
             <a:fld id="{85A5DE44-605B-4D3B-B2B7-94543DF81A36}" type="datetimeFigureOut">
               <a:rPr lang="ru-RU" smtClean="0"/>
               <a:pPr/>
-              <a:t>07.04.2023</a:t>
+              <a:t>18.02.2022</a:t>
             </a:fld>
             <a:endParaRPr lang="ru-RU"/>
           </a:p>
@@ -2831,7 +2831,7 @@
             <a:fld id="{85A5DE44-605B-4D3B-B2B7-94543DF81A36}" type="datetimeFigureOut">
               <a:rPr lang="ru-RU" smtClean="0"/>
               <a:pPr/>
-              <a:t>07.04.2023</a:t>
+              <a:t>18.02.2022</a:t>
             </a:fld>
             <a:endParaRPr lang="ru-RU"/>
           </a:p>
@@ -3046,7 +3046,7 @@
             <a:fld id="{85A5DE44-605B-4D3B-B2B7-94543DF81A36}" type="datetimeFigureOut">
               <a:rPr lang="ru-RU" smtClean="0"/>
               <a:pPr/>
-              <a:t>07.04.2023</a:t>
+              <a:t>18.02.2022</a:t>
             </a:fld>
             <a:endParaRPr lang="ru-RU"/>
           </a:p>
@@ -13640,7 +13640,7 @@
         </p:nvSpPr>
         <p:spPr>
           <a:xfrm>
-            <a:off x="32913006" y="18328885"/>
+            <a:off x="34074880" y="18335124"/>
             <a:ext cx="2115918" cy="1080000"/>
           </a:xfrm>
           <a:prstGeom prst="rect">
@@ -13691,8 +13691,8 @@
         </p:nvCxnSpPr>
         <p:spPr>
           <a:xfrm rot="16200000" flipH="1">
-            <a:off x="33164696" y="17522616"/>
-            <a:ext cx="460678" cy="1151860"/>
+            <a:off x="33742514" y="16944798"/>
+            <a:ext cx="466917" cy="2313734"/>
           </a:xfrm>
           <a:prstGeom prst="bentConnector3">
             <a:avLst>
